--- a/TFG_AlejandroCarrion.pptx
+++ b/TFG_AlejandroCarrion.pptx
@@ -317,7 +317,7 @@
   <pc:docChgLst>
     <pc:chgData name="Alejandro Carrión" userId="757439b461449c9e" providerId="LiveId" clId="{ECF2C08A-1D63-4443-908D-B3C4743D2FCA}"/>
     <pc:docChg chg="undo redo custSel addSld delSld modSld sldOrd">
-      <pc:chgData name="Alejandro Carrión" userId="757439b461449c9e" providerId="LiveId" clId="{ECF2C08A-1D63-4443-908D-B3C4743D2FCA}" dt="2021-08-31T18:46:10.567" v="4994" actId="1076"/>
+      <pc:chgData name="Alejandro Carrión" userId="757439b461449c9e" providerId="LiveId" clId="{ECF2C08A-1D63-4443-908D-B3C4743D2FCA}" dt="2021-09-02T19:02:37.303" v="5688" actId="2710"/>
       <pc:docMkLst>
         <pc:docMk/>
       </pc:docMkLst>
@@ -2420,13 +2420,13 @@
         </pc:picChg>
       </pc:sldChg>
       <pc:sldChg chg="modSp add mod">
-        <pc:chgData name="Alejandro Carrión" userId="757439b461449c9e" providerId="LiveId" clId="{ECF2C08A-1D63-4443-908D-B3C4743D2FCA}" dt="2021-08-31T18:43:48.529" v="4944" actId="20577"/>
+        <pc:chgData name="Alejandro Carrión" userId="757439b461449c9e" providerId="LiveId" clId="{ECF2C08A-1D63-4443-908D-B3C4743D2FCA}" dt="2021-09-02T18:51:53.232" v="5062" actId="14100"/>
         <pc:sldMkLst>
           <pc:docMk/>
           <pc:sldMk cId="468109639" sldId="315"/>
         </pc:sldMkLst>
         <pc:spChg chg="mod">
-          <ac:chgData name="Alejandro Carrión" userId="757439b461449c9e" providerId="LiveId" clId="{ECF2C08A-1D63-4443-908D-B3C4743D2FCA}" dt="2021-08-31T18:38:19.574" v="4925" actId="1076"/>
+          <ac:chgData name="Alejandro Carrión" userId="757439b461449c9e" providerId="LiveId" clId="{ECF2C08A-1D63-4443-908D-B3C4743D2FCA}" dt="2021-09-02T18:51:53.232" v="5062" actId="14100"/>
           <ac:spMkLst>
             <pc:docMk/>
             <pc:sldMk cId="468109639" sldId="315"/>
@@ -2644,13 +2644,13 @@
         </pc:spChg>
       </pc:sldChg>
       <pc:sldChg chg="modSp add mod">
-        <pc:chgData name="Alejandro Carrión" userId="757439b461449c9e" providerId="LiveId" clId="{ECF2C08A-1D63-4443-908D-B3C4743D2FCA}" dt="2021-08-31T18:43:51.105" v="4946" actId="20577"/>
+        <pc:chgData name="Alejandro Carrión" userId="757439b461449c9e" providerId="LiveId" clId="{ECF2C08A-1D63-4443-908D-B3C4743D2FCA}" dt="2021-09-02T18:55:23.721" v="5266" actId="20577"/>
         <pc:sldMkLst>
           <pc:docMk/>
           <pc:sldMk cId="637205855" sldId="323"/>
         </pc:sldMkLst>
         <pc:spChg chg="mod">
-          <ac:chgData name="Alejandro Carrión" userId="757439b461449c9e" providerId="LiveId" clId="{ECF2C08A-1D63-4443-908D-B3C4743D2FCA}" dt="2021-08-31T18:38:03.803" v="4920" actId="21"/>
+          <ac:chgData name="Alejandro Carrión" userId="757439b461449c9e" providerId="LiveId" clId="{ECF2C08A-1D63-4443-908D-B3C4743D2FCA}" dt="2021-09-02T18:55:23.721" v="5266" actId="20577"/>
           <ac:spMkLst>
             <pc:docMk/>
             <pc:sldMk cId="637205855" sldId="323"/>
@@ -2667,11 +2667,19 @@
         </pc:spChg>
       </pc:sldChg>
       <pc:sldChg chg="modSp add mod">
-        <pc:chgData name="Alejandro Carrión" userId="757439b461449c9e" providerId="LiveId" clId="{ECF2C08A-1D63-4443-908D-B3C4743D2FCA}" dt="2021-08-31T18:43:53.756" v="4948" actId="20577"/>
+        <pc:chgData name="Alejandro Carrión" userId="757439b461449c9e" providerId="LiveId" clId="{ECF2C08A-1D63-4443-908D-B3C4743D2FCA}" dt="2021-09-02T18:59:09.389" v="5511" actId="20577"/>
         <pc:sldMkLst>
           <pc:docMk/>
           <pc:sldMk cId="1460749720" sldId="324"/>
         </pc:sldMkLst>
+        <pc:spChg chg="mod">
+          <ac:chgData name="Alejandro Carrión" userId="757439b461449c9e" providerId="LiveId" clId="{ECF2C08A-1D63-4443-908D-B3C4743D2FCA}" dt="2021-09-02T18:59:09.389" v="5511" actId="20577"/>
+          <ac:spMkLst>
+            <pc:docMk/>
+            <pc:sldMk cId="1460749720" sldId="324"/>
+            <ac:spMk id="2" creationId="{00E721FB-67D7-4442-B14A-9203B4ACCB73}"/>
+          </ac:spMkLst>
+        </pc:spChg>
         <pc:spChg chg="mod">
           <ac:chgData name="Alejandro Carrión" userId="757439b461449c9e" providerId="LiveId" clId="{ECF2C08A-1D63-4443-908D-B3C4743D2FCA}" dt="2021-08-31T18:43:53.756" v="4948" actId="20577"/>
           <ac:spMkLst>
@@ -2682,11 +2690,19 @@
         </pc:spChg>
       </pc:sldChg>
       <pc:sldChg chg="modSp add mod">
-        <pc:chgData name="Alejandro Carrión" userId="757439b461449c9e" providerId="LiveId" clId="{ECF2C08A-1D63-4443-908D-B3C4743D2FCA}" dt="2021-08-31T18:43:56.665" v="4950" actId="20577"/>
+        <pc:chgData name="Alejandro Carrión" userId="757439b461449c9e" providerId="LiveId" clId="{ECF2C08A-1D63-4443-908D-B3C4743D2FCA}" dt="2021-09-02T19:02:37.303" v="5688" actId="2710"/>
         <pc:sldMkLst>
           <pc:docMk/>
           <pc:sldMk cId="261057793" sldId="325"/>
         </pc:sldMkLst>
+        <pc:spChg chg="mod">
+          <ac:chgData name="Alejandro Carrión" userId="757439b461449c9e" providerId="LiveId" clId="{ECF2C08A-1D63-4443-908D-B3C4743D2FCA}" dt="2021-09-02T19:02:37.303" v="5688" actId="2710"/>
+          <ac:spMkLst>
+            <pc:docMk/>
+            <pc:sldMk cId="261057793" sldId="325"/>
+            <ac:spMk id="2" creationId="{00E721FB-67D7-4442-B14A-9203B4ACCB73}"/>
+          </ac:spMkLst>
+        </pc:spChg>
         <pc:spChg chg="mod">
           <ac:chgData name="Alejandro Carrión" userId="757439b461449c9e" providerId="LiveId" clId="{ECF2C08A-1D63-4443-908D-B3C4743D2FCA}" dt="2021-08-31T18:43:56.665" v="4950" actId="20577"/>
           <ac:spMkLst>
@@ -2697,7 +2713,7 @@
         </pc:spChg>
       </pc:sldChg>
       <pc:sldChg chg="addSp delSp modSp add mod">
-        <pc:chgData name="Alejandro Carrión" userId="757439b461449c9e" providerId="LiveId" clId="{ECF2C08A-1D63-4443-908D-B3C4743D2FCA}" dt="2021-08-31T18:46:10.567" v="4994" actId="1076"/>
+        <pc:chgData name="Alejandro Carrión" userId="757439b461449c9e" providerId="LiveId" clId="{ECF2C08A-1D63-4443-908D-B3C4743D2FCA}" dt="2021-09-02T18:48:36.181" v="5018" actId="14100"/>
         <pc:sldMkLst>
           <pc:docMk/>
           <pc:sldMk cId="2446058371" sldId="326"/>
@@ -2711,7 +2727,7 @@
           </ac:spMkLst>
         </pc:spChg>
         <pc:spChg chg="mod">
-          <ac:chgData name="Alejandro Carrión" userId="757439b461449c9e" providerId="LiveId" clId="{ECF2C08A-1D63-4443-908D-B3C4743D2FCA}" dt="2021-08-31T18:45:56.654" v="4992" actId="14100"/>
+          <ac:chgData name="Alejandro Carrión" userId="757439b461449c9e" providerId="LiveId" clId="{ECF2C08A-1D63-4443-908D-B3C4743D2FCA}" dt="2021-09-02T18:48:36.181" v="5018" actId="14100"/>
           <ac:spMkLst>
             <pc:docMk/>
             <pc:sldMk cId="2446058371" sldId="326"/>
@@ -23758,8 +23774,8 @@
         </p:nvSpPr>
         <p:spPr>
           <a:xfrm>
-            <a:off x="779099" y="2023783"/>
-            <a:ext cx="6010500" cy="2666526"/>
+            <a:off x="779098" y="2023783"/>
+            <a:ext cx="7369819" cy="2666526"/>
           </a:xfrm>
         </p:spPr>
         <p:txBody>
@@ -23773,7 +23789,7 @@
             </a:pPr>
             <a:r>
               <a:rPr lang="es-ES" dirty="0"/>
-              <a:t>Motivación</a:t>
+              <a:t>Motivación prototipos</a:t>
             </a:r>
           </a:p>
           <a:p>
@@ -23795,7 +23811,7 @@
             </a:pPr>
             <a:r>
               <a:rPr lang="es-ES" dirty="0"/>
-              <a:t>Microservicio autogenerado</a:t>
+              <a:t>Microservicio autogenerado (flecos pendientes)</a:t>
             </a:r>
           </a:p>
           <a:p>
@@ -23940,15 +23956,67 @@
         </p:nvSpPr>
         <p:spPr>
           <a:xfrm>
-            <a:off x="779100" y="1721224"/>
-            <a:ext cx="6010500" cy="2666526"/>
+            <a:off x="779099" y="1866242"/>
+            <a:ext cx="7470672" cy="2666526"/>
           </a:xfrm>
         </p:spPr>
         <p:txBody>
           <a:bodyPr/>
           <a:lstStyle/>
           <a:p>
-            <a:endParaRPr lang="es-ES" dirty="0"/>
+            <a:pPr>
+              <a:lnSpc>
+                <a:spcPct val="150000"/>
+              </a:lnSpc>
+            </a:pPr>
+            <a:r>
+              <a:rPr lang="es-ES" dirty="0"/>
+              <a:t>Resolver flecos generación de código</a:t>
+            </a:r>
+          </a:p>
+          <a:p>
+            <a:pPr>
+              <a:lnSpc>
+                <a:spcPct val="150000"/>
+              </a:lnSpc>
+            </a:pPr>
+            <a:r>
+              <a:rPr lang="es-ES" dirty="0"/>
+              <a:t>Añadir y eliminar rutas dinámicamente</a:t>
+            </a:r>
+          </a:p>
+          <a:p>
+            <a:pPr>
+              <a:lnSpc>
+                <a:spcPct val="150000"/>
+              </a:lnSpc>
+            </a:pPr>
+            <a:r>
+              <a:rPr lang="es-ES" dirty="0"/>
+              <a:t>Añadir autorización</a:t>
+            </a:r>
+          </a:p>
+          <a:p>
+            <a:pPr>
+              <a:lnSpc>
+                <a:spcPct val="150000"/>
+              </a:lnSpc>
+            </a:pPr>
+            <a:r>
+              <a:rPr lang="es-ES" dirty="0"/>
+              <a:t>Normalizar ruta base peticiones</a:t>
+            </a:r>
+          </a:p>
+          <a:p>
+            <a:pPr>
+              <a:lnSpc>
+                <a:spcPct val="150000"/>
+              </a:lnSpc>
+            </a:pPr>
+            <a:r>
+              <a:rPr lang="es-ES" dirty="0"/>
+              <a:t>Hacer microservicio Core</a:t>
+            </a:r>
           </a:p>
         </p:txBody>
       </p:sp>
@@ -24081,15 +24149,55 @@
         </p:nvSpPr>
         <p:spPr>
           <a:xfrm>
-            <a:off x="779100" y="1721224"/>
-            <a:ext cx="6010500" cy="2666526"/>
+            <a:off x="779099" y="1721224"/>
+            <a:ext cx="7786677" cy="2666526"/>
           </a:xfrm>
         </p:spPr>
         <p:txBody>
           <a:bodyPr/>
           <a:lstStyle/>
           <a:p>
-            <a:endParaRPr lang="es-ES" dirty="0"/>
+            <a:r>
+              <a:rPr lang="es-ES" dirty="0"/>
+              <a:t>Sistema de despliegue (Docker vs Microservicio específico)</a:t>
+            </a:r>
+          </a:p>
+          <a:p>
+            <a:r>
+              <a:rPr lang="es-ES" dirty="0"/>
+              <a:t>Comunicación IU</a:t>
+            </a:r>
+          </a:p>
+          <a:p>
+            <a:r>
+              <a:rPr lang="es-ES" dirty="0"/>
+              <a:t>Comunicación microservicios</a:t>
+            </a:r>
+          </a:p>
+          <a:p>
+            <a:r>
+              <a:rPr lang="es-ES" dirty="0"/>
+              <a:t>Problemas:</a:t>
+            </a:r>
+          </a:p>
+          <a:p>
+            <a:pPr lvl="1"/>
+            <a:r>
+              <a:rPr lang="es-ES" dirty="0"/>
+              <a:t>Códigos de error: 404, 502 y 504</a:t>
+            </a:r>
+          </a:p>
+          <a:p>
+            <a:pPr lvl="1"/>
+            <a:r>
+              <a:rPr lang="es-ES" dirty="0"/>
+              <a:t>Personalizar </a:t>
+            </a:r>
+            <a:r>
+              <a:rPr lang="es-ES" i="1" dirty="0" err="1"/>
+              <a:t>timeouts</a:t>
+            </a:r>
+            <a:endParaRPr lang="es-ES" i="1" dirty="0"/>
           </a:p>
         </p:txBody>
       </p:sp>
@@ -24230,7 +24338,63 @@
           <a:bodyPr/>
           <a:lstStyle/>
           <a:p>
-            <a:endParaRPr lang="es-ES" dirty="0"/>
+            <a:pPr>
+              <a:lnSpc>
+                <a:spcPct val="150000"/>
+              </a:lnSpc>
+            </a:pPr>
+            <a:r>
+              <a:rPr lang="es-ES" dirty="0"/>
+              <a:t>Personalizar logs</a:t>
+            </a:r>
+          </a:p>
+          <a:p>
+            <a:pPr>
+              <a:lnSpc>
+                <a:spcPct val="150000"/>
+              </a:lnSpc>
+            </a:pPr>
+            <a:r>
+              <a:rPr lang="es-ES" dirty="0" err="1"/>
+              <a:t>Multiinstaciar</a:t>
+            </a:r>
+            <a:r>
+              <a:rPr lang="es-ES" dirty="0"/>
+              <a:t> microservicios</a:t>
+            </a:r>
+          </a:p>
+          <a:p>
+            <a:pPr>
+              <a:lnSpc>
+                <a:spcPct val="150000"/>
+              </a:lnSpc>
+            </a:pPr>
+            <a:r>
+              <a:rPr lang="es-ES" dirty="0"/>
+              <a:t>Segundo nivel de redirección</a:t>
+            </a:r>
+          </a:p>
+          <a:p>
+            <a:pPr>
+              <a:lnSpc>
+                <a:spcPct val="150000"/>
+              </a:lnSpc>
+            </a:pPr>
+            <a:r>
+              <a:rPr lang="es-ES" dirty="0"/>
+              <a:t>Filtros misma máquina y versión de API</a:t>
+            </a:r>
+          </a:p>
+          <a:p>
+            <a:pPr>
+              <a:lnSpc>
+                <a:spcPct val="150000"/>
+              </a:lnSpc>
+            </a:pPr>
+            <a:r>
+              <a:rPr lang="es-ES" dirty="0"/>
+              <a:t>Problema peticiones pesadas</a:t>
+            </a:r>
           </a:p>
         </p:txBody>
       </p:sp>
@@ -24327,7 +24491,7 @@
         <p:spPr>
           <a:xfrm>
             <a:off x="779100" y="836000"/>
-            <a:ext cx="2918842" cy="396300"/>
+            <a:ext cx="2918841" cy="396300"/>
           </a:xfrm>
         </p:spPr>
         <p:txBody>
@@ -24340,7 +24504,7 @@
             </a:r>
             <a:r>
               <a:rPr lang="es-ES" b="0" dirty="0"/>
-              <a:t> – Esquema </a:t>
+              <a:t> – Esquema interacción </a:t>
             </a:r>
             <a:r>
               <a:rPr lang="es-ES" b="0" i="1" dirty="0"/>

--- a/TFG_AlejandroCarrion.pptx
+++ b/TFG_AlejandroCarrion.pptx
@@ -5,7 +5,7 @@
     <p:sldMasterId id="2147483658" r:id="rId1"/>
   </p:sldMasterIdLst>
   <p:notesMasterIdLst>
-    <p:notesMasterId r:id="rId39"/>
+    <p:notesMasterId r:id="rId38"/>
   </p:notesMasterIdLst>
   <p:sldIdLst>
     <p:sldId id="256" r:id="rId2"/>
@@ -22,49 +22,48 @@
     <p:sldId id="303" r:id="rId13"/>
     <p:sldId id="301" r:id="rId14"/>
     <p:sldId id="300" r:id="rId15"/>
-    <p:sldId id="268" r:id="rId16"/>
-    <p:sldId id="304" r:id="rId17"/>
-    <p:sldId id="295" r:id="rId18"/>
-    <p:sldId id="305" r:id="rId19"/>
-    <p:sldId id="296" r:id="rId20"/>
-    <p:sldId id="306" r:id="rId21"/>
-    <p:sldId id="314" r:id="rId22"/>
-    <p:sldId id="307" r:id="rId23"/>
-    <p:sldId id="315" r:id="rId24"/>
-    <p:sldId id="323" r:id="rId25"/>
-    <p:sldId id="324" r:id="rId26"/>
-    <p:sldId id="325" r:id="rId27"/>
-    <p:sldId id="326" r:id="rId28"/>
-    <p:sldId id="317" r:id="rId29"/>
-    <p:sldId id="316" r:id="rId30"/>
-    <p:sldId id="321" r:id="rId31"/>
-    <p:sldId id="322" r:id="rId32"/>
-    <p:sldId id="297" r:id="rId33"/>
-    <p:sldId id="277" r:id="rId34"/>
-    <p:sldId id="298" r:id="rId35"/>
-    <p:sldId id="318" r:id="rId36"/>
-    <p:sldId id="320" r:id="rId37"/>
-    <p:sldId id="319" r:id="rId38"/>
+    <p:sldId id="304" r:id="rId16"/>
+    <p:sldId id="295" r:id="rId17"/>
+    <p:sldId id="305" r:id="rId18"/>
+    <p:sldId id="296" r:id="rId19"/>
+    <p:sldId id="306" r:id="rId20"/>
+    <p:sldId id="314" r:id="rId21"/>
+    <p:sldId id="307" r:id="rId22"/>
+    <p:sldId id="315" r:id="rId23"/>
+    <p:sldId id="323" r:id="rId24"/>
+    <p:sldId id="324" r:id="rId25"/>
+    <p:sldId id="325" r:id="rId26"/>
+    <p:sldId id="326" r:id="rId27"/>
+    <p:sldId id="317" r:id="rId28"/>
+    <p:sldId id="316" r:id="rId29"/>
+    <p:sldId id="321" r:id="rId30"/>
+    <p:sldId id="322" r:id="rId31"/>
+    <p:sldId id="297" r:id="rId32"/>
+    <p:sldId id="277" r:id="rId33"/>
+    <p:sldId id="298" r:id="rId34"/>
+    <p:sldId id="318" r:id="rId35"/>
+    <p:sldId id="320" r:id="rId36"/>
+    <p:sldId id="319" r:id="rId37"/>
   </p:sldIdLst>
   <p:sldSz cx="9144000" cy="5143500" type="screen16x9"/>
   <p:notesSz cx="6858000" cy="9144000"/>
   <p:embeddedFontLst>
     <p:embeddedFont>
       <p:font typeface="Calibri" panose="020F0502020204030204" pitchFamily="34" charset="0"/>
-      <p:regular r:id="rId40"/>
-      <p:bold r:id="rId41"/>
-      <p:italic r:id="rId42"/>
-      <p:boldItalic r:id="rId43"/>
+      <p:regular r:id="rId39"/>
+      <p:bold r:id="rId40"/>
+      <p:italic r:id="rId41"/>
+      <p:boldItalic r:id="rId42"/>
     </p:embeddedFont>
     <p:embeddedFont>
       <p:font typeface="Catamaran" panose="020B0604020202020204" charset="0"/>
-      <p:regular r:id="rId44"/>
-      <p:bold r:id="rId45"/>
+      <p:regular r:id="rId43"/>
+      <p:bold r:id="rId44"/>
     </p:embeddedFont>
     <p:embeddedFont>
       <p:font typeface="Catamaran Thin" panose="020B0604020202020204" charset="0"/>
-      <p:regular r:id="rId46"/>
-      <p:bold r:id="rId47"/>
+      <p:regular r:id="rId45"/>
+      <p:bold r:id="rId46"/>
     </p:embeddedFont>
   </p:embeddedFontLst>
   <p:defaultTextStyle>
@@ -317,12 +316,12 @@
   <pc:docChgLst>
     <pc:chgData name="Alejandro Carrión" userId="757439b461449c9e" providerId="LiveId" clId="{ECF2C08A-1D63-4443-908D-B3C4743D2FCA}"/>
     <pc:docChg chg="undo redo custSel addSld delSld modSld sldOrd">
-      <pc:chgData name="Alejandro Carrión" userId="757439b461449c9e" providerId="LiveId" clId="{ECF2C08A-1D63-4443-908D-B3C4743D2FCA}" dt="2021-09-02T19:02:37.303" v="5688" actId="2710"/>
+      <pc:chgData name="Alejandro Carrión" userId="757439b461449c9e" providerId="LiveId" clId="{ECF2C08A-1D63-4443-908D-B3C4743D2FCA}" dt="2021-09-02T19:03:58.817" v="5691" actId="47"/>
       <pc:docMkLst>
         <pc:docMk/>
       </pc:docMkLst>
-      <pc:sldChg chg="modSp mod">
-        <pc:chgData name="Alejandro Carrión" userId="757439b461449c9e" providerId="LiveId" clId="{ECF2C08A-1D63-4443-908D-B3C4743D2FCA}" dt="2021-08-25T11:44:15.385" v="408" actId="115"/>
+      <pc:sldChg chg="modSp add del mod">
+        <pc:chgData name="Alejandro Carrión" userId="757439b461449c9e" providerId="LiveId" clId="{ECF2C08A-1D63-4443-908D-B3C4743D2FCA}" dt="2021-09-02T19:03:51.186" v="5690" actId="47"/>
         <pc:sldMkLst>
           <pc:docMk/>
           <pc:sldMk cId="0" sldId="256"/>
@@ -462,7 +461,7 @@
         </pc:sldMkLst>
       </pc:sldChg>
       <pc:sldChg chg="delSp modSp add del mod ord">
-        <pc:chgData name="Alejandro Carrión" userId="757439b461449c9e" providerId="LiveId" clId="{ECF2C08A-1D63-4443-908D-B3C4743D2FCA}" dt="2021-08-31T17:25:26.204" v="2832" actId="47"/>
+        <pc:chgData name="Alejandro Carrión" userId="757439b461449c9e" providerId="LiveId" clId="{ECF2C08A-1D63-4443-908D-B3C4743D2FCA}" dt="2021-09-02T19:03:58.817" v="5691" actId="47"/>
         <pc:sldMkLst>
           <pc:docMk/>
           <pc:sldMk cId="0" sldId="268"/>
@@ -2744,7 +2743,7 @@
         </pc:picChg>
       </pc:sldChg>
       <pc:sldMasterChg chg="delSldLayout">
-        <pc:chgData name="Alejandro Carrión" userId="757439b461449c9e" providerId="LiveId" clId="{ECF2C08A-1D63-4443-908D-B3C4743D2FCA}" dt="2021-08-31T18:40:33.213" v="4942" actId="47"/>
+        <pc:chgData name="Alejandro Carrión" userId="757439b461449c9e" providerId="LiveId" clId="{ECF2C08A-1D63-4443-908D-B3C4743D2FCA}" dt="2021-09-02T19:03:58.817" v="5691" actId="47"/>
         <pc:sldMasterMkLst>
           <pc:docMk/>
           <pc:sldMasterMk cId="0" sldId="2147483658"/>
@@ -2771,6 +2770,14 @@
             <pc:docMk/>
             <pc:sldMasterMk cId="0" sldId="2147483658"/>
             <pc:sldLayoutMk cId="0" sldId="2147483653"/>
+          </pc:sldLayoutMkLst>
+        </pc:sldLayoutChg>
+        <pc:sldLayoutChg chg="del">
+          <pc:chgData name="Alejandro Carrión" userId="757439b461449c9e" providerId="LiveId" clId="{ECF2C08A-1D63-4443-908D-B3C4743D2FCA}" dt="2021-09-02T19:03:58.817" v="5691" actId="47"/>
+          <pc:sldLayoutMkLst>
+            <pc:docMk/>
+            <pc:sldMasterMk cId="0" sldId="2147483658"/>
+            <pc:sldLayoutMk cId="0" sldId="2147483654"/>
           </pc:sldLayoutMkLst>
         </pc:sldLayoutChg>
         <pc:sldLayoutChg chg="del">
@@ -3543,7 +3550,7 @@
     </p:spTree>
     <p:extLst>
       <p:ext uri="{BB962C8B-B14F-4D97-AF65-F5344CB8AC3E}">
-        <p14:creationId xmlns:p14="http://schemas.microsoft.com/office/powerpoint/2010/main" val="705563851"/>
+        <p14:creationId xmlns:p14="http://schemas.microsoft.com/office/powerpoint/2010/main" val="4121148883"/>
       </p:ext>
     </p:extLst>
   </p:cSld>
@@ -3554,6 +3561,110 @@
 </file>
 
 <file path=ppt/notesSlides/notesSlide11.xml><?xml version="1.0" encoding="utf-8"?>
+<p:notes xmlns:a="http://schemas.openxmlformats.org/drawingml/2006/main" xmlns:r="http://schemas.openxmlformats.org/officeDocument/2006/relationships" xmlns:p="http://schemas.openxmlformats.org/presentationml/2006/main" showMasterSp="0" showMasterPhAnim="0">
+  <p:cSld>
+    <p:spTree>
+      <p:nvGrpSpPr>
+        <p:cNvPr id="1" name="Shape 488"/>
+        <p:cNvGrpSpPr/>
+        <p:nvPr/>
+      </p:nvGrpSpPr>
+      <p:grpSpPr>
+        <a:xfrm>
+          <a:off x="0" y="0"/>
+          <a:ext cx="0" cy="0"/>
+          <a:chOff x="0" y="0"/>
+          <a:chExt cx="0" cy="0"/>
+        </a:xfrm>
+      </p:grpSpPr>
+      <p:sp>
+        <p:nvSpPr>
+          <p:cNvPr id="489" name="Google Shape;489;g35ed75ccf_0113:notes"/>
+          <p:cNvSpPr>
+            <a:spLocks noGrp="1" noRot="1" noChangeAspect="1"/>
+          </p:cNvSpPr>
+          <p:nvPr>
+            <p:ph type="sldImg" idx="2"/>
+          </p:nvPr>
+        </p:nvSpPr>
+        <p:spPr>
+          <a:xfrm>
+            <a:off x="381000" y="685800"/>
+            <a:ext cx="6096000" cy="3429000"/>
+          </a:xfrm>
+          <a:custGeom>
+            <a:avLst/>
+            <a:gdLst/>
+            <a:ahLst/>
+            <a:cxnLst/>
+            <a:rect l="l" t="t" r="r" b="b"/>
+            <a:pathLst>
+              <a:path w="120000" h="120000" extrusionOk="0">
+                <a:moveTo>
+                  <a:pt x="0" y="0"/>
+                </a:moveTo>
+                <a:lnTo>
+                  <a:pt x="120000" y="0"/>
+                </a:lnTo>
+                <a:lnTo>
+                  <a:pt x="120000" y="120000"/>
+                </a:lnTo>
+                <a:lnTo>
+                  <a:pt x="0" y="120000"/>
+                </a:lnTo>
+                <a:close/>
+              </a:path>
+            </a:pathLst>
+          </a:custGeom>
+        </p:spPr>
+      </p:sp>
+      <p:sp>
+        <p:nvSpPr>
+          <p:cNvPr id="490" name="Google Shape;490;g35ed75ccf_0113:notes"/>
+          <p:cNvSpPr txBox="1">
+            <a:spLocks noGrp="1"/>
+          </p:cNvSpPr>
+          <p:nvPr>
+            <p:ph type="body" idx="1"/>
+          </p:nvPr>
+        </p:nvSpPr>
+        <p:spPr>
+          <a:xfrm>
+            <a:off x="685800" y="4343400"/>
+            <a:ext cx="5486400" cy="4114800"/>
+          </a:xfrm>
+          <a:prstGeom prst="rect">
+            <a:avLst/>
+          </a:prstGeom>
+        </p:spPr>
+        <p:txBody>
+          <a:bodyPr spcFirstLastPara="1" wrap="square" lIns="91425" tIns="91425" rIns="91425" bIns="91425" anchor="t" anchorCtr="0">
+            <a:noAutofit/>
+          </a:bodyPr>
+          <a:lstStyle/>
+          <a:p>
+            <a:pPr marL="0" lvl="0" indent="0" algn="l" rtl="0">
+              <a:spcBef>
+                <a:spcPts val="0"/>
+              </a:spcBef>
+              <a:spcAft>
+                <a:spcPts val="0"/>
+              </a:spcAft>
+              <a:buNone/>
+            </a:pPr>
+            <a:endParaRPr/>
+          </a:p>
+        </p:txBody>
+      </p:sp>
+    </p:spTree>
+  </p:cSld>
+  <p:clrMapOvr>
+    <a:masterClrMapping/>
+  </p:clrMapOvr>
+</p:notes>
+</file>
+
+<file path=ppt/notesSlides/notesSlide12.xml><?xml version="1.0" encoding="utf-8"?>
 <p:notes xmlns:a="http://schemas.openxmlformats.org/drawingml/2006/main" xmlns:r="http://schemas.openxmlformats.org/officeDocument/2006/relationships" xmlns:p="http://schemas.openxmlformats.org/presentationml/2006/main" showMasterSp="0" showMasterPhAnim="0">
   <p:cSld>
     <p:spTree>
@@ -3652,219 +3763,6 @@
     </p:spTree>
     <p:extLst>
       <p:ext uri="{BB962C8B-B14F-4D97-AF65-F5344CB8AC3E}">
-        <p14:creationId xmlns:p14="http://schemas.microsoft.com/office/powerpoint/2010/main" val="4121148883"/>
-      </p:ext>
-    </p:extLst>
-  </p:cSld>
-  <p:clrMapOvr>
-    <a:masterClrMapping/>
-  </p:clrMapOvr>
-</p:notes>
-</file>
-
-<file path=ppt/notesSlides/notesSlide12.xml><?xml version="1.0" encoding="utf-8"?>
-<p:notes xmlns:a="http://schemas.openxmlformats.org/drawingml/2006/main" xmlns:r="http://schemas.openxmlformats.org/officeDocument/2006/relationships" xmlns:p="http://schemas.openxmlformats.org/presentationml/2006/main" showMasterSp="0" showMasterPhAnim="0">
-  <p:cSld>
-    <p:spTree>
-      <p:nvGrpSpPr>
-        <p:cNvPr id="1" name="Shape 488"/>
-        <p:cNvGrpSpPr/>
-        <p:nvPr/>
-      </p:nvGrpSpPr>
-      <p:grpSpPr>
-        <a:xfrm>
-          <a:off x="0" y="0"/>
-          <a:ext cx="0" cy="0"/>
-          <a:chOff x="0" y="0"/>
-          <a:chExt cx="0" cy="0"/>
-        </a:xfrm>
-      </p:grpSpPr>
-      <p:sp>
-        <p:nvSpPr>
-          <p:cNvPr id="489" name="Google Shape;489;g35ed75ccf_0113:notes"/>
-          <p:cNvSpPr>
-            <a:spLocks noGrp="1" noRot="1" noChangeAspect="1"/>
-          </p:cNvSpPr>
-          <p:nvPr>
-            <p:ph type="sldImg" idx="2"/>
-          </p:nvPr>
-        </p:nvSpPr>
-        <p:spPr>
-          <a:xfrm>
-            <a:off x="381000" y="685800"/>
-            <a:ext cx="6096000" cy="3429000"/>
-          </a:xfrm>
-          <a:custGeom>
-            <a:avLst/>
-            <a:gdLst/>
-            <a:ahLst/>
-            <a:cxnLst/>
-            <a:rect l="l" t="t" r="r" b="b"/>
-            <a:pathLst>
-              <a:path w="120000" h="120000" extrusionOk="0">
-                <a:moveTo>
-                  <a:pt x="0" y="0"/>
-                </a:moveTo>
-                <a:lnTo>
-                  <a:pt x="120000" y="0"/>
-                </a:lnTo>
-                <a:lnTo>
-                  <a:pt x="120000" y="120000"/>
-                </a:lnTo>
-                <a:lnTo>
-                  <a:pt x="0" y="120000"/>
-                </a:lnTo>
-                <a:close/>
-              </a:path>
-            </a:pathLst>
-          </a:custGeom>
-        </p:spPr>
-      </p:sp>
-      <p:sp>
-        <p:nvSpPr>
-          <p:cNvPr id="490" name="Google Shape;490;g35ed75ccf_0113:notes"/>
-          <p:cNvSpPr txBox="1">
-            <a:spLocks noGrp="1"/>
-          </p:cNvSpPr>
-          <p:nvPr>
-            <p:ph type="body" idx="1"/>
-          </p:nvPr>
-        </p:nvSpPr>
-        <p:spPr>
-          <a:xfrm>
-            <a:off x="685800" y="4343400"/>
-            <a:ext cx="5486400" cy="4114800"/>
-          </a:xfrm>
-          <a:prstGeom prst="rect">
-            <a:avLst/>
-          </a:prstGeom>
-        </p:spPr>
-        <p:txBody>
-          <a:bodyPr spcFirstLastPara="1" wrap="square" lIns="91425" tIns="91425" rIns="91425" bIns="91425" anchor="t" anchorCtr="0">
-            <a:noAutofit/>
-          </a:bodyPr>
-          <a:lstStyle/>
-          <a:p>
-            <a:pPr marL="0" lvl="0" indent="0" algn="l" rtl="0">
-              <a:spcBef>
-                <a:spcPts val="0"/>
-              </a:spcBef>
-              <a:spcAft>
-                <a:spcPts val="0"/>
-              </a:spcAft>
-              <a:buNone/>
-            </a:pPr>
-            <a:endParaRPr/>
-          </a:p>
-        </p:txBody>
-      </p:sp>
-    </p:spTree>
-  </p:cSld>
-  <p:clrMapOvr>
-    <a:masterClrMapping/>
-  </p:clrMapOvr>
-</p:notes>
-</file>
-
-<file path=ppt/notesSlides/notesSlide13.xml><?xml version="1.0" encoding="utf-8"?>
-<p:notes xmlns:a="http://schemas.openxmlformats.org/drawingml/2006/main" xmlns:r="http://schemas.openxmlformats.org/officeDocument/2006/relationships" xmlns:p="http://schemas.openxmlformats.org/presentationml/2006/main" showMasterSp="0" showMasterPhAnim="0">
-  <p:cSld>
-    <p:spTree>
-      <p:nvGrpSpPr>
-        <p:cNvPr id="1" name="Shape 222"/>
-        <p:cNvGrpSpPr/>
-        <p:nvPr/>
-      </p:nvGrpSpPr>
-      <p:grpSpPr>
-        <a:xfrm>
-          <a:off x="0" y="0"/>
-          <a:ext cx="0" cy="0"/>
-          <a:chOff x="0" y="0"/>
-          <a:chExt cx="0" cy="0"/>
-        </a:xfrm>
-      </p:grpSpPr>
-      <p:sp>
-        <p:nvSpPr>
-          <p:cNvPr id="223" name="Google Shape;223;g35f391192_029:notes"/>
-          <p:cNvSpPr>
-            <a:spLocks noGrp="1" noRot="1" noChangeAspect="1"/>
-          </p:cNvSpPr>
-          <p:nvPr>
-            <p:ph type="sldImg" idx="2"/>
-          </p:nvPr>
-        </p:nvSpPr>
-        <p:spPr>
-          <a:xfrm>
-            <a:off x="381000" y="685800"/>
-            <a:ext cx="6096000" cy="3429000"/>
-          </a:xfrm>
-          <a:custGeom>
-            <a:avLst/>
-            <a:gdLst/>
-            <a:ahLst/>
-            <a:cxnLst/>
-            <a:rect l="l" t="t" r="r" b="b"/>
-            <a:pathLst>
-              <a:path w="120000" h="120000" extrusionOk="0">
-                <a:moveTo>
-                  <a:pt x="0" y="0"/>
-                </a:moveTo>
-                <a:lnTo>
-                  <a:pt x="120000" y="0"/>
-                </a:lnTo>
-                <a:lnTo>
-                  <a:pt x="120000" y="120000"/>
-                </a:lnTo>
-                <a:lnTo>
-                  <a:pt x="0" y="120000"/>
-                </a:lnTo>
-                <a:close/>
-              </a:path>
-            </a:pathLst>
-          </a:custGeom>
-        </p:spPr>
-      </p:sp>
-      <p:sp>
-        <p:nvSpPr>
-          <p:cNvPr id="224" name="Google Shape;224;g35f391192_029:notes"/>
-          <p:cNvSpPr txBox="1">
-            <a:spLocks noGrp="1"/>
-          </p:cNvSpPr>
-          <p:nvPr>
-            <p:ph type="body" idx="1"/>
-          </p:nvPr>
-        </p:nvSpPr>
-        <p:spPr>
-          <a:xfrm>
-            <a:off x="685800" y="4343400"/>
-            <a:ext cx="5486400" cy="4114800"/>
-          </a:xfrm>
-          <a:prstGeom prst="rect">
-            <a:avLst/>
-          </a:prstGeom>
-        </p:spPr>
-        <p:txBody>
-          <a:bodyPr spcFirstLastPara="1" wrap="square" lIns="91425" tIns="91425" rIns="91425" bIns="91425" anchor="t" anchorCtr="0">
-            <a:noAutofit/>
-          </a:bodyPr>
-          <a:lstStyle/>
-          <a:p>
-            <a:pPr marL="0" lvl="0" indent="0" algn="l" rtl="0">
-              <a:spcBef>
-                <a:spcPts val="0"/>
-              </a:spcBef>
-              <a:spcAft>
-                <a:spcPts val="0"/>
-              </a:spcAft>
-              <a:buNone/>
-            </a:pPr>
-            <a:endParaRPr/>
-          </a:p>
-        </p:txBody>
-      </p:sp>
-    </p:spTree>
-    <p:extLst>
-      <p:ext uri="{BB962C8B-B14F-4D97-AF65-F5344CB8AC3E}">
         <p14:creationId xmlns:p14="http://schemas.microsoft.com/office/powerpoint/2010/main" val="370048575"/>
       </p:ext>
     </p:extLst>
@@ -3875,7 +3773,7 @@
 </p:notes>
 </file>
 
-<file path=ppt/notesSlides/notesSlide14.xml><?xml version="1.0" encoding="utf-8"?>
+<file path=ppt/notesSlides/notesSlide13.xml><?xml version="1.0" encoding="utf-8"?>
 <p:notes xmlns:a="http://schemas.openxmlformats.org/drawingml/2006/main" xmlns:r="http://schemas.openxmlformats.org/officeDocument/2006/relationships" xmlns:p="http://schemas.openxmlformats.org/presentationml/2006/main" showMasterSp="0" showMasterPhAnim="0">
   <p:cSld>
     <p:spTree>
@@ -4525,6 +4423,11 @@
         </p:txBody>
       </p:sp>
     </p:spTree>
+    <p:extLst>
+      <p:ext uri="{BB962C8B-B14F-4D97-AF65-F5344CB8AC3E}">
+        <p14:creationId xmlns:p14="http://schemas.microsoft.com/office/powerpoint/2010/main" val="3514015849"/>
+      </p:ext>
+    </p:extLst>
   </p:cSld>
   <p:clrMapOvr>
     <a:masterClrMapping/>
@@ -4537,7 +4440,7 @@
   <p:cSld>
     <p:spTree>
       <p:nvGrpSpPr>
-        <p:cNvPr id="1" name="Shape 336"/>
+        <p:cNvPr id="1" name="Shape 222"/>
         <p:cNvGrpSpPr/>
         <p:nvPr/>
       </p:nvGrpSpPr>
@@ -4551,7 +4454,7 @@
       </p:grpSpPr>
       <p:sp>
         <p:nvSpPr>
-          <p:cNvPr id="337" name="Google Shape;337;g35f391192_085:notes"/>
+          <p:cNvPr id="223" name="Google Shape;223;g35f391192_029:notes"/>
           <p:cNvSpPr>
             <a:spLocks noGrp="1" noRot="1" noChangeAspect="1"/>
           </p:cNvSpPr>
@@ -4592,7 +4495,7 @@
       </p:sp>
       <p:sp>
         <p:nvSpPr>
-          <p:cNvPr id="338" name="Google Shape;338;g35f391192_085:notes"/>
+          <p:cNvPr id="224" name="Google Shape;224;g35f391192_029:notes"/>
           <p:cNvSpPr txBox="1">
             <a:spLocks noGrp="1"/>
           </p:cNvSpPr>
@@ -4631,7 +4534,7 @@
     </p:spTree>
     <p:extLst>
       <p:ext uri="{BB962C8B-B14F-4D97-AF65-F5344CB8AC3E}">
-        <p14:creationId xmlns:p14="http://schemas.microsoft.com/office/powerpoint/2010/main" val="3514015849"/>
+        <p14:creationId xmlns:p14="http://schemas.microsoft.com/office/powerpoint/2010/main" val="4133447536"/>
       </p:ext>
     </p:extLst>
   </p:cSld>
@@ -4740,7 +4643,7 @@
     </p:spTree>
     <p:extLst>
       <p:ext uri="{BB962C8B-B14F-4D97-AF65-F5344CB8AC3E}">
-        <p14:creationId xmlns:p14="http://schemas.microsoft.com/office/powerpoint/2010/main" val="4133447536"/>
+        <p14:creationId xmlns:p14="http://schemas.microsoft.com/office/powerpoint/2010/main" val="705563851"/>
       </p:ext>
     </p:extLst>
   </p:cSld>
@@ -10963,1522 +10866,6 @@
 </file>
 
 <file path=ppt/slideLayouts/slideLayout4.xml><?xml version="1.0" encoding="utf-8"?>
-<p:sldLayout xmlns:a="http://schemas.openxmlformats.org/drawingml/2006/main" xmlns:r="http://schemas.openxmlformats.org/officeDocument/2006/relationships" xmlns:p="http://schemas.openxmlformats.org/presentationml/2006/main" matchingName="Title only" type="titleOnly">
-  <p:cSld name="TITLE_ONLY">
-    <p:spTree>
-      <p:nvGrpSpPr>
-        <p:cNvPr id="1" name="Shape 124"/>
-        <p:cNvGrpSpPr/>
-        <p:nvPr/>
-      </p:nvGrpSpPr>
-      <p:grpSpPr>
-        <a:xfrm>
-          <a:off x="0" y="0"/>
-          <a:ext cx="0" cy="0"/>
-          <a:chOff x="0" y="0"/>
-          <a:chExt cx="0" cy="0"/>
-        </a:xfrm>
-      </p:grpSpPr>
-      <p:sp>
-        <p:nvSpPr>
-          <p:cNvPr id="125" name="Google Shape;125;p8"/>
-          <p:cNvSpPr/>
-          <p:nvPr/>
-        </p:nvSpPr>
-        <p:spPr>
-          <a:xfrm>
-            <a:off x="-45517" y="689752"/>
-            <a:ext cx="624020" cy="688794"/>
-          </a:xfrm>
-          <a:custGeom>
-            <a:avLst/>
-            <a:gdLst/>
-            <a:ahLst/>
-            <a:cxnLst/>
-            <a:rect l="l" t="t" r="r" b="b"/>
-            <a:pathLst>
-              <a:path w="21598" h="21315" extrusionOk="0">
-                <a:moveTo>
-                  <a:pt x="21599" y="14389"/>
-                </a:moveTo>
-                <a:lnTo>
-                  <a:pt x="21599" y="6924"/>
-                </a:lnTo>
-                <a:cubicBezTo>
-                  <a:pt x="21599" y="5784"/>
-                  <a:pt x="20918" y="4730"/>
-                  <a:pt x="19814" y="4161"/>
-                </a:cubicBezTo>
-                <a:lnTo>
-                  <a:pt x="12583" y="428"/>
-                </a:lnTo>
-                <a:cubicBezTo>
-                  <a:pt x="11478" y="-142"/>
-                  <a:pt x="10118" y="-142"/>
-                  <a:pt x="9013" y="428"/>
-                </a:cubicBezTo>
-                <a:lnTo>
-                  <a:pt x="1783" y="4161"/>
-                </a:lnTo>
-                <a:cubicBezTo>
-                  <a:pt x="679" y="4731"/>
-                  <a:pt x="0" y="5784"/>
-                  <a:pt x="0" y="6924"/>
-                </a:cubicBezTo>
-                <a:lnTo>
-                  <a:pt x="0" y="14392"/>
-                </a:lnTo>
-                <a:cubicBezTo>
-                  <a:pt x="1" y="15532"/>
-                  <a:pt x="681" y="16585"/>
-                  <a:pt x="1785" y="17155"/>
-                </a:cubicBezTo>
-                <a:lnTo>
-                  <a:pt x="9016" y="20888"/>
-                </a:lnTo>
-                <a:cubicBezTo>
-                  <a:pt x="10120" y="21458"/>
-                  <a:pt x="11481" y="21458"/>
-                  <a:pt x="12585" y="20888"/>
-                </a:cubicBezTo>
-                <a:lnTo>
-                  <a:pt x="19816" y="17155"/>
-                </a:lnTo>
-                <a:cubicBezTo>
-                  <a:pt x="20920" y="16584"/>
-                  <a:pt x="21600" y="15530"/>
-                  <a:pt x="21599" y="14389"/>
-                </a:cubicBezTo>
-                <a:close/>
-              </a:path>
-            </a:pathLst>
-          </a:custGeom>
-          <a:solidFill>
-            <a:schemeClr val="accent1"/>
-          </a:solidFill>
-          <a:ln>
-            <a:noFill/>
-          </a:ln>
-        </p:spPr>
-        <p:txBody>
-          <a:bodyPr spcFirstLastPara="1" wrap="square" lIns="45700" tIns="45700" rIns="45700" bIns="45700" anchor="ctr" anchorCtr="0">
-            <a:noAutofit/>
-          </a:bodyPr>
-          <a:lstStyle/>
-          <a:p>
-            <a:pPr marL="0" marR="0" lvl="0" indent="0" algn="l" rtl="0">
-              <a:lnSpc>
-                <a:spcPct val="100000"/>
-              </a:lnSpc>
-              <a:spcBef>
-                <a:spcPts val="0"/>
-              </a:spcBef>
-              <a:spcAft>
-                <a:spcPts val="0"/>
-              </a:spcAft>
-              <a:buClr>
-                <a:srgbClr val="000000"/>
-              </a:buClr>
-              <a:buSzPts val="1800"/>
-              <a:buFont typeface="Calibri"/>
-              <a:buNone/>
-            </a:pPr>
-            <a:endParaRPr sz="1800" i="0" u="none" strike="noStrike" cap="none">
-              <a:solidFill>
-                <a:srgbClr val="000000"/>
-              </a:solidFill>
-            </a:endParaRPr>
-          </a:p>
-        </p:txBody>
-      </p:sp>
-      <p:grpSp>
-        <p:nvGrpSpPr>
-          <p:cNvPr id="126" name="Google Shape;126;p8"/>
-          <p:cNvGrpSpPr/>
-          <p:nvPr/>
-        </p:nvGrpSpPr>
-        <p:grpSpPr>
-          <a:xfrm>
-            <a:off x="6320991" y="-7"/>
-            <a:ext cx="3630818" cy="5143498"/>
-            <a:chOff x="6320991" y="-7"/>
-            <a:chExt cx="3630818" cy="5143498"/>
-          </a:xfrm>
-        </p:grpSpPr>
-        <p:sp>
-          <p:nvSpPr>
-            <p:cNvPr id="127" name="Google Shape;127;p8"/>
-            <p:cNvSpPr/>
-            <p:nvPr/>
-          </p:nvSpPr>
-          <p:spPr>
-            <a:xfrm>
-              <a:off x="6320991" y="4115782"/>
-              <a:ext cx="1403568" cy="1027710"/>
-            </a:xfrm>
-            <a:custGeom>
-              <a:avLst/>
-              <a:gdLst/>
-              <a:ahLst/>
-              <a:cxnLst/>
-              <a:rect l="l" t="t" r="r" b="b"/>
-              <a:pathLst>
-                <a:path w="21600" h="21385" extrusionOk="0">
-                  <a:moveTo>
-                    <a:pt x="21600" y="21385"/>
-                  </a:moveTo>
-                  <a:lnTo>
-                    <a:pt x="21600" y="10472"/>
-                  </a:lnTo>
-                  <a:cubicBezTo>
-                    <a:pt x="21600" y="8748"/>
-                    <a:pt x="20920" y="7155"/>
-                    <a:pt x="19816" y="6292"/>
-                  </a:cubicBezTo>
-                  <a:lnTo>
-                    <a:pt x="12585" y="647"/>
-                  </a:lnTo>
-                  <a:cubicBezTo>
-                    <a:pt x="11480" y="-215"/>
-                    <a:pt x="10120" y="-215"/>
-                    <a:pt x="9015" y="647"/>
-                  </a:cubicBezTo>
-                  <a:lnTo>
-                    <a:pt x="1785" y="6292"/>
-                  </a:lnTo>
-                  <a:cubicBezTo>
-                    <a:pt x="680" y="7154"/>
-                    <a:pt x="0" y="8748"/>
-                    <a:pt x="0" y="10472"/>
-                  </a:cubicBezTo>
-                  <a:lnTo>
-                    <a:pt x="0" y="21385"/>
-                  </a:lnTo>
-                  <a:close/>
-                </a:path>
-              </a:pathLst>
-            </a:custGeom>
-            <a:solidFill>
-              <a:schemeClr val="lt2"/>
-            </a:solidFill>
-            <a:ln>
-              <a:noFill/>
-            </a:ln>
-          </p:spPr>
-          <p:txBody>
-            <a:bodyPr spcFirstLastPara="1" wrap="square" lIns="45700" tIns="45700" rIns="45700" bIns="45700" anchor="ctr" anchorCtr="0">
-              <a:noAutofit/>
-            </a:bodyPr>
-            <a:lstStyle/>
-            <a:p>
-              <a:pPr marL="0" marR="0" lvl="0" indent="0" algn="l" rtl="0">
-                <a:lnSpc>
-                  <a:spcPct val="100000"/>
-                </a:lnSpc>
-                <a:spcBef>
-                  <a:spcPts val="0"/>
-                </a:spcBef>
-                <a:spcAft>
-                  <a:spcPts val="0"/>
-                </a:spcAft>
-                <a:buClr>
-                  <a:srgbClr val="000000"/>
-                </a:buClr>
-                <a:buSzPts val="1800"/>
-                <a:buFont typeface="Calibri"/>
-                <a:buNone/>
-              </a:pPr>
-              <a:endParaRPr sz="1800" i="0" u="none" strike="noStrike" cap="none">
-                <a:solidFill>
-                  <a:srgbClr val="000000"/>
-                </a:solidFill>
-              </a:endParaRPr>
-            </a:p>
-          </p:txBody>
-        </p:sp>
-        <p:sp>
-          <p:nvSpPr>
-            <p:cNvPr id="128" name="Google Shape;128;p8"/>
-            <p:cNvSpPr/>
-            <p:nvPr/>
-          </p:nvSpPr>
-          <p:spPr>
-            <a:xfrm>
-              <a:off x="7806636" y="4115782"/>
-              <a:ext cx="1403568" cy="1027710"/>
-            </a:xfrm>
-            <a:custGeom>
-              <a:avLst/>
-              <a:gdLst/>
-              <a:ahLst/>
-              <a:cxnLst/>
-              <a:rect l="l" t="t" r="r" b="b"/>
-              <a:pathLst>
-                <a:path w="21600" h="21385" extrusionOk="0">
-                  <a:moveTo>
-                    <a:pt x="21600" y="21385"/>
-                  </a:moveTo>
-                  <a:lnTo>
-                    <a:pt x="21600" y="10472"/>
-                  </a:lnTo>
-                  <a:cubicBezTo>
-                    <a:pt x="21600" y="8748"/>
-                    <a:pt x="20920" y="7155"/>
-                    <a:pt x="19816" y="6292"/>
-                  </a:cubicBezTo>
-                  <a:lnTo>
-                    <a:pt x="12585" y="647"/>
-                  </a:lnTo>
-                  <a:cubicBezTo>
-                    <a:pt x="11480" y="-215"/>
-                    <a:pt x="10120" y="-215"/>
-                    <a:pt x="9015" y="647"/>
-                  </a:cubicBezTo>
-                  <a:lnTo>
-                    <a:pt x="1785" y="6292"/>
-                  </a:lnTo>
-                  <a:cubicBezTo>
-                    <a:pt x="680" y="7154"/>
-                    <a:pt x="0" y="8748"/>
-                    <a:pt x="0" y="10472"/>
-                  </a:cubicBezTo>
-                  <a:lnTo>
-                    <a:pt x="0" y="21385"/>
-                  </a:lnTo>
-                  <a:close/>
-                </a:path>
-              </a:pathLst>
-            </a:custGeom>
-            <a:solidFill>
-              <a:schemeClr val="lt2"/>
-            </a:solidFill>
-            <a:ln>
-              <a:noFill/>
-            </a:ln>
-          </p:spPr>
-          <p:txBody>
-            <a:bodyPr spcFirstLastPara="1" wrap="square" lIns="45700" tIns="45700" rIns="45700" bIns="45700" anchor="ctr" anchorCtr="0">
-              <a:noAutofit/>
-            </a:bodyPr>
-            <a:lstStyle/>
-            <a:p>
-              <a:pPr marL="0" marR="0" lvl="0" indent="0" algn="l" rtl="0">
-                <a:lnSpc>
-                  <a:spcPct val="100000"/>
-                </a:lnSpc>
-                <a:spcBef>
-                  <a:spcPts val="0"/>
-                </a:spcBef>
-                <a:spcAft>
-                  <a:spcPts val="0"/>
-                </a:spcAft>
-                <a:buClr>
-                  <a:srgbClr val="000000"/>
-                </a:buClr>
-                <a:buSzPts val="1800"/>
-                <a:buFont typeface="Calibri"/>
-                <a:buNone/>
-              </a:pPr>
-              <a:endParaRPr sz="1800" i="0" u="none" strike="noStrike" cap="none">
-                <a:solidFill>
-                  <a:srgbClr val="000000"/>
-                </a:solidFill>
-              </a:endParaRPr>
-            </a:p>
-          </p:txBody>
-        </p:sp>
-        <p:sp>
-          <p:nvSpPr>
-            <p:cNvPr id="129" name="Google Shape;129;p8"/>
-            <p:cNvSpPr/>
-            <p:nvPr/>
-          </p:nvSpPr>
-          <p:spPr>
-            <a:xfrm>
-              <a:off x="8548210" y="260974"/>
-              <a:ext cx="1403600" cy="1549387"/>
-            </a:xfrm>
-            <a:custGeom>
-              <a:avLst/>
-              <a:gdLst/>
-              <a:ahLst/>
-              <a:cxnLst/>
-              <a:rect l="l" t="t" r="r" b="b"/>
-              <a:pathLst>
-                <a:path w="21598" h="21315" extrusionOk="0">
-                  <a:moveTo>
-                    <a:pt x="21599" y="14389"/>
-                  </a:moveTo>
-                  <a:lnTo>
-                    <a:pt x="21599" y="6924"/>
-                  </a:lnTo>
-                  <a:cubicBezTo>
-                    <a:pt x="21599" y="5784"/>
-                    <a:pt x="20918" y="4730"/>
-                    <a:pt x="19814" y="4161"/>
-                  </a:cubicBezTo>
-                  <a:lnTo>
-                    <a:pt x="12583" y="428"/>
-                  </a:lnTo>
-                  <a:cubicBezTo>
-                    <a:pt x="11478" y="-142"/>
-                    <a:pt x="10118" y="-142"/>
-                    <a:pt x="9013" y="428"/>
-                  </a:cubicBezTo>
-                  <a:lnTo>
-                    <a:pt x="1783" y="4161"/>
-                  </a:lnTo>
-                  <a:cubicBezTo>
-                    <a:pt x="679" y="4731"/>
-                    <a:pt x="0" y="5784"/>
-                    <a:pt x="0" y="6924"/>
-                  </a:cubicBezTo>
-                  <a:lnTo>
-                    <a:pt x="0" y="14392"/>
-                  </a:lnTo>
-                  <a:cubicBezTo>
-                    <a:pt x="1" y="15532"/>
-                    <a:pt x="681" y="16585"/>
-                    <a:pt x="1785" y="17155"/>
-                  </a:cubicBezTo>
-                  <a:lnTo>
-                    <a:pt x="9016" y="20888"/>
-                  </a:lnTo>
-                  <a:cubicBezTo>
-                    <a:pt x="10120" y="21458"/>
-                    <a:pt x="11481" y="21458"/>
-                    <a:pt x="12585" y="20888"/>
-                  </a:cubicBezTo>
-                  <a:lnTo>
-                    <a:pt x="19816" y="17155"/>
-                  </a:lnTo>
-                  <a:cubicBezTo>
-                    <a:pt x="20920" y="16584"/>
-                    <a:pt x="21600" y="15530"/>
-                    <a:pt x="21599" y="14389"/>
-                  </a:cubicBezTo>
-                  <a:close/>
-                </a:path>
-              </a:pathLst>
-            </a:custGeom>
-            <a:solidFill>
-              <a:schemeClr val="lt2"/>
-            </a:solidFill>
-            <a:ln>
-              <a:noFill/>
-            </a:ln>
-          </p:spPr>
-          <p:txBody>
-            <a:bodyPr spcFirstLastPara="1" wrap="square" lIns="45700" tIns="45700" rIns="45700" bIns="45700" anchor="ctr" anchorCtr="0">
-              <a:noAutofit/>
-            </a:bodyPr>
-            <a:lstStyle/>
-            <a:p>
-              <a:pPr marL="0" marR="0" lvl="0" indent="0" algn="l" rtl="0">
-                <a:lnSpc>
-                  <a:spcPct val="100000"/>
-                </a:lnSpc>
-                <a:spcBef>
-                  <a:spcPts val="0"/>
-                </a:spcBef>
-                <a:spcAft>
-                  <a:spcPts val="0"/>
-                </a:spcAft>
-                <a:buClr>
-                  <a:srgbClr val="000000"/>
-                </a:buClr>
-                <a:buSzPts val="1800"/>
-                <a:buFont typeface="Calibri"/>
-                <a:buNone/>
-              </a:pPr>
-              <a:endParaRPr sz="1800" i="0" u="none" strike="noStrike" cap="none">
-                <a:solidFill>
-                  <a:srgbClr val="000000"/>
-                </a:solidFill>
-              </a:endParaRPr>
-            </a:p>
-          </p:txBody>
-        </p:sp>
-        <p:sp>
-          <p:nvSpPr>
-            <p:cNvPr id="130" name="Google Shape;130;p8"/>
-            <p:cNvSpPr/>
-            <p:nvPr/>
-          </p:nvSpPr>
-          <p:spPr>
-            <a:xfrm rot="10800000">
-              <a:off x="7806422" y="30"/>
-              <a:ext cx="1404540" cy="515400"/>
-            </a:xfrm>
-            <a:custGeom>
-              <a:avLst/>
-              <a:gdLst/>
-              <a:ahLst/>
-              <a:cxnLst/>
-              <a:rect l="l" t="t" r="r" b="b"/>
-              <a:pathLst>
-                <a:path w="21600" h="21175" extrusionOk="0">
-                  <a:moveTo>
-                    <a:pt x="21600" y="21175"/>
-                  </a:moveTo>
-                  <a:lnTo>
-                    <a:pt x="21600" y="20652"/>
-                  </a:lnTo>
-                  <a:cubicBezTo>
-                    <a:pt x="21600" y="17251"/>
-                    <a:pt x="20920" y="14109"/>
-                    <a:pt x="19815" y="12409"/>
-                  </a:cubicBezTo>
-                  <a:lnTo>
-                    <a:pt x="12585" y="1274"/>
-                  </a:lnTo>
-                  <a:cubicBezTo>
-                    <a:pt x="11480" y="-425"/>
-                    <a:pt x="10120" y="-425"/>
-                    <a:pt x="9015" y="1274"/>
-                  </a:cubicBezTo>
-                  <a:lnTo>
-                    <a:pt x="1785" y="12409"/>
-                  </a:lnTo>
-                  <a:cubicBezTo>
-                    <a:pt x="680" y="14108"/>
-                    <a:pt x="0" y="17251"/>
-                    <a:pt x="0" y="20652"/>
-                  </a:cubicBezTo>
-                  <a:lnTo>
-                    <a:pt x="0" y="21175"/>
-                  </a:lnTo>
-                  <a:close/>
-                </a:path>
-              </a:pathLst>
-            </a:custGeom>
-            <a:solidFill>
-              <a:schemeClr val="lt2"/>
-            </a:solidFill>
-            <a:ln>
-              <a:noFill/>
-            </a:ln>
-          </p:spPr>
-          <p:txBody>
-            <a:bodyPr spcFirstLastPara="1" wrap="square" lIns="45700" tIns="45700" rIns="45700" bIns="45700" anchor="ctr" anchorCtr="0">
-              <a:noAutofit/>
-            </a:bodyPr>
-            <a:lstStyle/>
-            <a:p>
-              <a:pPr marL="0" marR="0" lvl="0" indent="0" algn="l" rtl="0">
-                <a:lnSpc>
-                  <a:spcPct val="100000"/>
-                </a:lnSpc>
-                <a:spcBef>
-                  <a:spcPts val="0"/>
-                </a:spcBef>
-                <a:spcAft>
-                  <a:spcPts val="0"/>
-                </a:spcAft>
-                <a:buClr>
-                  <a:srgbClr val="000000"/>
-                </a:buClr>
-                <a:buSzPts val="1800"/>
-                <a:buFont typeface="Calibri"/>
-                <a:buNone/>
-              </a:pPr>
-              <a:endParaRPr sz="1800" i="0" u="none" strike="noStrike" cap="none">
-                <a:solidFill>
-                  <a:srgbClr val="000000"/>
-                </a:solidFill>
-              </a:endParaRPr>
-            </a:p>
-          </p:txBody>
-        </p:sp>
-        <p:sp>
-          <p:nvSpPr>
-            <p:cNvPr id="131" name="Google Shape;131;p8"/>
-            <p:cNvSpPr/>
-            <p:nvPr/>
-          </p:nvSpPr>
-          <p:spPr>
-            <a:xfrm>
-              <a:off x="7806643" y="1543679"/>
-              <a:ext cx="1403600" cy="1549387"/>
-            </a:xfrm>
-            <a:custGeom>
-              <a:avLst/>
-              <a:gdLst/>
-              <a:ahLst/>
-              <a:cxnLst/>
-              <a:rect l="l" t="t" r="r" b="b"/>
-              <a:pathLst>
-                <a:path w="21598" h="21315" extrusionOk="0">
-                  <a:moveTo>
-                    <a:pt x="21599" y="14389"/>
-                  </a:moveTo>
-                  <a:lnTo>
-                    <a:pt x="21599" y="6924"/>
-                  </a:lnTo>
-                  <a:cubicBezTo>
-                    <a:pt x="21599" y="5784"/>
-                    <a:pt x="20918" y="4730"/>
-                    <a:pt x="19814" y="4161"/>
-                  </a:cubicBezTo>
-                  <a:lnTo>
-                    <a:pt x="12583" y="428"/>
-                  </a:lnTo>
-                  <a:cubicBezTo>
-                    <a:pt x="11478" y="-142"/>
-                    <a:pt x="10118" y="-142"/>
-                    <a:pt x="9013" y="428"/>
-                  </a:cubicBezTo>
-                  <a:lnTo>
-                    <a:pt x="1783" y="4161"/>
-                  </a:lnTo>
-                  <a:cubicBezTo>
-                    <a:pt x="679" y="4731"/>
-                    <a:pt x="0" y="5784"/>
-                    <a:pt x="0" y="6924"/>
-                  </a:cubicBezTo>
-                  <a:lnTo>
-                    <a:pt x="0" y="14392"/>
-                  </a:lnTo>
-                  <a:cubicBezTo>
-                    <a:pt x="1" y="15532"/>
-                    <a:pt x="681" y="16585"/>
-                    <a:pt x="1785" y="17155"/>
-                  </a:cubicBezTo>
-                  <a:lnTo>
-                    <a:pt x="9016" y="20888"/>
-                  </a:lnTo>
-                  <a:cubicBezTo>
-                    <a:pt x="10120" y="21458"/>
-                    <a:pt x="11481" y="21458"/>
-                    <a:pt x="12585" y="20888"/>
-                  </a:cubicBezTo>
-                  <a:lnTo>
-                    <a:pt x="19816" y="17155"/>
-                  </a:lnTo>
-                  <a:cubicBezTo>
-                    <a:pt x="20920" y="16584"/>
-                    <a:pt x="21600" y="15530"/>
-                    <a:pt x="21599" y="14389"/>
-                  </a:cubicBezTo>
-                  <a:close/>
-                </a:path>
-              </a:pathLst>
-            </a:custGeom>
-            <a:solidFill>
-              <a:schemeClr val="lt2"/>
-            </a:solidFill>
-            <a:ln>
-              <a:noFill/>
-            </a:ln>
-          </p:spPr>
-          <p:txBody>
-            <a:bodyPr spcFirstLastPara="1" wrap="square" lIns="45700" tIns="45700" rIns="45700" bIns="45700" anchor="ctr" anchorCtr="0">
-              <a:noAutofit/>
-            </a:bodyPr>
-            <a:lstStyle/>
-            <a:p>
-              <a:pPr marL="0" marR="0" lvl="0" indent="0" algn="l" rtl="0">
-                <a:lnSpc>
-                  <a:spcPct val="100000"/>
-                </a:lnSpc>
-                <a:spcBef>
-                  <a:spcPts val="0"/>
-                </a:spcBef>
-                <a:spcAft>
-                  <a:spcPts val="0"/>
-                </a:spcAft>
-                <a:buClr>
-                  <a:srgbClr val="000000"/>
-                </a:buClr>
-                <a:buSzPts val="1800"/>
-                <a:buFont typeface="Calibri"/>
-                <a:buNone/>
-              </a:pPr>
-              <a:endParaRPr sz="1800" i="0" u="none" strike="noStrike" cap="none">
-                <a:solidFill>
-                  <a:srgbClr val="000000"/>
-                </a:solidFill>
-              </a:endParaRPr>
-            </a:p>
-          </p:txBody>
-        </p:sp>
-        <p:sp>
-          <p:nvSpPr>
-            <p:cNvPr id="132" name="Google Shape;132;p8"/>
-            <p:cNvSpPr/>
-            <p:nvPr/>
-          </p:nvSpPr>
-          <p:spPr>
-            <a:xfrm>
-              <a:off x="7065077" y="260974"/>
-              <a:ext cx="1403600" cy="1549387"/>
-            </a:xfrm>
-            <a:custGeom>
-              <a:avLst/>
-              <a:gdLst/>
-              <a:ahLst/>
-              <a:cxnLst/>
-              <a:rect l="l" t="t" r="r" b="b"/>
-              <a:pathLst>
-                <a:path w="21598" h="21315" extrusionOk="0">
-                  <a:moveTo>
-                    <a:pt x="21599" y="14389"/>
-                  </a:moveTo>
-                  <a:lnTo>
-                    <a:pt x="21599" y="6924"/>
-                  </a:lnTo>
-                  <a:cubicBezTo>
-                    <a:pt x="21599" y="5784"/>
-                    <a:pt x="20918" y="4730"/>
-                    <a:pt x="19814" y="4161"/>
-                  </a:cubicBezTo>
-                  <a:lnTo>
-                    <a:pt x="12583" y="428"/>
-                  </a:lnTo>
-                  <a:cubicBezTo>
-                    <a:pt x="11478" y="-142"/>
-                    <a:pt x="10118" y="-142"/>
-                    <a:pt x="9013" y="428"/>
-                  </a:cubicBezTo>
-                  <a:lnTo>
-                    <a:pt x="1783" y="4161"/>
-                  </a:lnTo>
-                  <a:cubicBezTo>
-                    <a:pt x="679" y="4731"/>
-                    <a:pt x="0" y="5784"/>
-                    <a:pt x="0" y="6924"/>
-                  </a:cubicBezTo>
-                  <a:lnTo>
-                    <a:pt x="0" y="14392"/>
-                  </a:lnTo>
-                  <a:cubicBezTo>
-                    <a:pt x="1" y="15532"/>
-                    <a:pt x="681" y="16585"/>
-                    <a:pt x="1785" y="17155"/>
-                  </a:cubicBezTo>
-                  <a:lnTo>
-                    <a:pt x="9016" y="20888"/>
-                  </a:lnTo>
-                  <a:cubicBezTo>
-                    <a:pt x="10120" y="21458"/>
-                    <a:pt x="11481" y="21458"/>
-                    <a:pt x="12585" y="20888"/>
-                  </a:cubicBezTo>
-                  <a:lnTo>
-                    <a:pt x="19816" y="17155"/>
-                  </a:lnTo>
-                  <a:cubicBezTo>
-                    <a:pt x="20920" y="16584"/>
-                    <a:pt x="21600" y="15530"/>
-                    <a:pt x="21599" y="14389"/>
-                  </a:cubicBezTo>
-                  <a:close/>
-                </a:path>
-              </a:pathLst>
-            </a:custGeom>
-            <a:solidFill>
-              <a:schemeClr val="lt2"/>
-            </a:solidFill>
-            <a:ln>
-              <a:noFill/>
-            </a:ln>
-          </p:spPr>
-          <p:txBody>
-            <a:bodyPr spcFirstLastPara="1" wrap="square" lIns="45700" tIns="45700" rIns="45700" bIns="45700" anchor="ctr" anchorCtr="0">
-              <a:noAutofit/>
-            </a:bodyPr>
-            <a:lstStyle/>
-            <a:p>
-              <a:pPr marL="0" marR="0" lvl="0" indent="0" algn="l" rtl="0">
-                <a:lnSpc>
-                  <a:spcPct val="100000"/>
-                </a:lnSpc>
-                <a:spcBef>
-                  <a:spcPts val="0"/>
-                </a:spcBef>
-                <a:spcAft>
-                  <a:spcPts val="0"/>
-                </a:spcAft>
-                <a:buClr>
-                  <a:srgbClr val="000000"/>
-                </a:buClr>
-                <a:buSzPts val="1800"/>
-                <a:buFont typeface="Calibri"/>
-                <a:buNone/>
-              </a:pPr>
-              <a:endParaRPr sz="1800" i="0" u="none" strike="noStrike" cap="none">
-                <a:solidFill>
-                  <a:srgbClr val="000000"/>
-                </a:solidFill>
-              </a:endParaRPr>
-            </a:p>
-          </p:txBody>
-        </p:sp>
-        <p:sp>
-          <p:nvSpPr>
-            <p:cNvPr id="133" name="Google Shape;133;p8"/>
-            <p:cNvSpPr/>
-            <p:nvPr/>
-          </p:nvSpPr>
-          <p:spPr>
-            <a:xfrm>
-              <a:off x="8745616" y="1335143"/>
-              <a:ext cx="835681" cy="922460"/>
-            </a:xfrm>
-            <a:custGeom>
-              <a:avLst/>
-              <a:gdLst/>
-              <a:ahLst/>
-              <a:cxnLst/>
-              <a:rect l="l" t="t" r="r" b="b"/>
-              <a:pathLst>
-                <a:path w="21598" h="21315" extrusionOk="0">
-                  <a:moveTo>
-                    <a:pt x="21599" y="14389"/>
-                  </a:moveTo>
-                  <a:lnTo>
-                    <a:pt x="21599" y="6924"/>
-                  </a:lnTo>
-                  <a:cubicBezTo>
-                    <a:pt x="21599" y="5784"/>
-                    <a:pt x="20918" y="4730"/>
-                    <a:pt x="19814" y="4161"/>
-                  </a:cubicBezTo>
-                  <a:lnTo>
-                    <a:pt x="12583" y="428"/>
-                  </a:lnTo>
-                  <a:cubicBezTo>
-                    <a:pt x="11478" y="-142"/>
-                    <a:pt x="10118" y="-142"/>
-                    <a:pt x="9013" y="428"/>
-                  </a:cubicBezTo>
-                  <a:lnTo>
-                    <a:pt x="1783" y="4161"/>
-                  </a:lnTo>
-                  <a:cubicBezTo>
-                    <a:pt x="679" y="4731"/>
-                    <a:pt x="0" y="5784"/>
-                    <a:pt x="0" y="6924"/>
-                  </a:cubicBezTo>
-                  <a:lnTo>
-                    <a:pt x="0" y="14392"/>
-                  </a:lnTo>
-                  <a:cubicBezTo>
-                    <a:pt x="1" y="15532"/>
-                    <a:pt x="681" y="16585"/>
-                    <a:pt x="1785" y="17155"/>
-                  </a:cubicBezTo>
-                  <a:lnTo>
-                    <a:pt x="9016" y="20888"/>
-                  </a:lnTo>
-                  <a:cubicBezTo>
-                    <a:pt x="10120" y="21458"/>
-                    <a:pt x="11481" y="21458"/>
-                    <a:pt x="12585" y="20888"/>
-                  </a:cubicBezTo>
-                  <a:lnTo>
-                    <a:pt x="19816" y="17155"/>
-                  </a:lnTo>
-                  <a:cubicBezTo>
-                    <a:pt x="20920" y="16584"/>
-                    <a:pt x="21600" y="15530"/>
-                    <a:pt x="21599" y="14389"/>
-                  </a:cubicBezTo>
-                  <a:close/>
-                </a:path>
-              </a:pathLst>
-            </a:custGeom>
-            <a:solidFill>
-              <a:srgbClr val="5322C9">
-                <a:alpha val="15080"/>
-              </a:srgbClr>
-            </a:solidFill>
-            <a:ln>
-              <a:noFill/>
-            </a:ln>
-          </p:spPr>
-          <p:txBody>
-            <a:bodyPr spcFirstLastPara="1" wrap="square" lIns="45700" tIns="45700" rIns="45700" bIns="45700" anchor="ctr" anchorCtr="0">
-              <a:noAutofit/>
-            </a:bodyPr>
-            <a:lstStyle/>
-            <a:p>
-              <a:pPr marL="0" marR="0" lvl="0" indent="0" algn="l" rtl="0">
-                <a:lnSpc>
-                  <a:spcPct val="100000"/>
-                </a:lnSpc>
-                <a:spcBef>
-                  <a:spcPts val="0"/>
-                </a:spcBef>
-                <a:spcAft>
-                  <a:spcPts val="0"/>
-                </a:spcAft>
-                <a:buClr>
-                  <a:srgbClr val="000000"/>
-                </a:buClr>
-                <a:buSzPts val="1800"/>
-                <a:buFont typeface="Calibri"/>
-                <a:buNone/>
-              </a:pPr>
-              <a:endParaRPr sz="1800" i="0" u="none" strike="noStrike" cap="none">
-                <a:solidFill>
-                  <a:srgbClr val="000000"/>
-                </a:solidFill>
-              </a:endParaRPr>
-            </a:p>
-          </p:txBody>
-        </p:sp>
-        <p:sp>
-          <p:nvSpPr>
-            <p:cNvPr id="134" name="Google Shape;134;p8"/>
-            <p:cNvSpPr/>
-            <p:nvPr/>
-          </p:nvSpPr>
-          <p:spPr>
-            <a:xfrm>
-              <a:off x="7133773" y="3941724"/>
-              <a:ext cx="507445" cy="560158"/>
-            </a:xfrm>
-            <a:custGeom>
-              <a:avLst/>
-              <a:gdLst/>
-              <a:ahLst/>
-              <a:cxnLst/>
-              <a:rect l="l" t="t" r="r" b="b"/>
-              <a:pathLst>
-                <a:path w="21598" h="21315" extrusionOk="0">
-                  <a:moveTo>
-                    <a:pt x="21599" y="14389"/>
-                  </a:moveTo>
-                  <a:lnTo>
-                    <a:pt x="21599" y="6924"/>
-                  </a:lnTo>
-                  <a:cubicBezTo>
-                    <a:pt x="21599" y="5784"/>
-                    <a:pt x="20918" y="4730"/>
-                    <a:pt x="19814" y="4161"/>
-                  </a:cubicBezTo>
-                  <a:lnTo>
-                    <a:pt x="12583" y="428"/>
-                  </a:lnTo>
-                  <a:cubicBezTo>
-                    <a:pt x="11478" y="-142"/>
-                    <a:pt x="10118" y="-142"/>
-                    <a:pt x="9013" y="428"/>
-                  </a:cubicBezTo>
-                  <a:lnTo>
-                    <a:pt x="1783" y="4161"/>
-                  </a:lnTo>
-                  <a:cubicBezTo>
-                    <a:pt x="679" y="4731"/>
-                    <a:pt x="0" y="5784"/>
-                    <a:pt x="0" y="6924"/>
-                  </a:cubicBezTo>
-                  <a:lnTo>
-                    <a:pt x="0" y="14392"/>
-                  </a:lnTo>
-                  <a:cubicBezTo>
-                    <a:pt x="1" y="15532"/>
-                    <a:pt x="681" y="16585"/>
-                    <a:pt x="1785" y="17155"/>
-                  </a:cubicBezTo>
-                  <a:lnTo>
-                    <a:pt x="9016" y="20888"/>
-                  </a:lnTo>
-                  <a:cubicBezTo>
-                    <a:pt x="10120" y="21458"/>
-                    <a:pt x="11481" y="21458"/>
-                    <a:pt x="12585" y="20888"/>
-                  </a:cubicBezTo>
-                  <a:lnTo>
-                    <a:pt x="19816" y="17155"/>
-                  </a:lnTo>
-                  <a:cubicBezTo>
-                    <a:pt x="20920" y="16584"/>
-                    <a:pt x="21600" y="15530"/>
-                    <a:pt x="21599" y="14389"/>
-                  </a:cubicBezTo>
-                  <a:close/>
-                </a:path>
-              </a:pathLst>
-            </a:custGeom>
-            <a:solidFill>
-              <a:srgbClr val="5322C9">
-                <a:alpha val="15080"/>
-              </a:srgbClr>
-            </a:solidFill>
-            <a:ln>
-              <a:noFill/>
-            </a:ln>
-          </p:spPr>
-          <p:txBody>
-            <a:bodyPr spcFirstLastPara="1" wrap="square" lIns="45700" tIns="45700" rIns="45700" bIns="45700" anchor="ctr" anchorCtr="0">
-              <a:noAutofit/>
-            </a:bodyPr>
-            <a:lstStyle/>
-            <a:p>
-              <a:pPr marL="0" marR="0" lvl="0" indent="0" algn="l" rtl="0">
-                <a:lnSpc>
-                  <a:spcPct val="100000"/>
-                </a:lnSpc>
-                <a:spcBef>
-                  <a:spcPts val="0"/>
-                </a:spcBef>
-                <a:spcAft>
-                  <a:spcPts val="0"/>
-                </a:spcAft>
-                <a:buClr>
-                  <a:srgbClr val="000000"/>
-                </a:buClr>
-                <a:buSzPts val="1800"/>
-                <a:buFont typeface="Calibri"/>
-                <a:buNone/>
-              </a:pPr>
-              <a:endParaRPr sz="1800" i="0" u="none" strike="noStrike" cap="none">
-                <a:solidFill>
-                  <a:srgbClr val="000000"/>
-                </a:solidFill>
-              </a:endParaRPr>
-            </a:p>
-          </p:txBody>
-        </p:sp>
-        <p:sp>
-          <p:nvSpPr>
-            <p:cNvPr id="135" name="Google Shape;135;p8"/>
-            <p:cNvSpPr/>
-            <p:nvPr/>
-          </p:nvSpPr>
-          <p:spPr>
-            <a:xfrm rot="10800000">
-              <a:off x="7406482" y="-7"/>
-              <a:ext cx="720792" cy="527782"/>
-            </a:xfrm>
-            <a:custGeom>
-              <a:avLst/>
-              <a:gdLst/>
-              <a:ahLst/>
-              <a:cxnLst/>
-              <a:rect l="l" t="t" r="r" b="b"/>
-              <a:pathLst>
-                <a:path w="21600" h="21385" extrusionOk="0">
-                  <a:moveTo>
-                    <a:pt x="21600" y="21385"/>
-                  </a:moveTo>
-                  <a:lnTo>
-                    <a:pt x="21600" y="10472"/>
-                  </a:lnTo>
-                  <a:cubicBezTo>
-                    <a:pt x="21600" y="8748"/>
-                    <a:pt x="20920" y="7155"/>
-                    <a:pt x="19816" y="6292"/>
-                  </a:cubicBezTo>
-                  <a:lnTo>
-                    <a:pt x="12585" y="647"/>
-                  </a:lnTo>
-                  <a:cubicBezTo>
-                    <a:pt x="11480" y="-215"/>
-                    <a:pt x="10120" y="-215"/>
-                    <a:pt x="9015" y="647"/>
-                  </a:cubicBezTo>
-                  <a:lnTo>
-                    <a:pt x="1785" y="6292"/>
-                  </a:lnTo>
-                  <a:cubicBezTo>
-                    <a:pt x="680" y="7154"/>
-                    <a:pt x="0" y="8748"/>
-                    <a:pt x="0" y="10472"/>
-                  </a:cubicBezTo>
-                  <a:lnTo>
-                    <a:pt x="0" y="21385"/>
-                  </a:lnTo>
-                  <a:close/>
-                </a:path>
-              </a:pathLst>
-            </a:custGeom>
-            <a:solidFill>
-              <a:srgbClr val="5322C9">
-                <a:alpha val="15080"/>
-              </a:srgbClr>
-            </a:solidFill>
-            <a:ln>
-              <a:noFill/>
-            </a:ln>
-          </p:spPr>
-          <p:txBody>
-            <a:bodyPr spcFirstLastPara="1" wrap="square" lIns="45700" tIns="45700" rIns="45700" bIns="45700" anchor="ctr" anchorCtr="0">
-              <a:noAutofit/>
-            </a:bodyPr>
-            <a:lstStyle/>
-            <a:p>
-              <a:pPr marL="0" marR="0" lvl="0" indent="0" algn="l" rtl="0">
-                <a:lnSpc>
-                  <a:spcPct val="100000"/>
-                </a:lnSpc>
-                <a:spcBef>
-                  <a:spcPts val="0"/>
-                </a:spcBef>
-                <a:spcAft>
-                  <a:spcPts val="0"/>
-                </a:spcAft>
-                <a:buClr>
-                  <a:srgbClr val="000000"/>
-                </a:buClr>
-                <a:buSzPts val="1800"/>
-                <a:buFont typeface="Calibri"/>
-                <a:buNone/>
-              </a:pPr>
-              <a:endParaRPr sz="1800" i="0" u="none" strike="noStrike" cap="none">
-                <a:solidFill>
-                  <a:srgbClr val="000000"/>
-                </a:solidFill>
-              </a:endParaRPr>
-            </a:p>
-          </p:txBody>
-        </p:sp>
-        <p:sp>
-          <p:nvSpPr>
-            <p:cNvPr id="136" name="Google Shape;136;p8"/>
-            <p:cNvSpPr/>
-            <p:nvPr/>
-          </p:nvSpPr>
-          <p:spPr>
-            <a:xfrm>
-              <a:off x="7331887" y="2181982"/>
-              <a:ext cx="962029" cy="1061967"/>
-            </a:xfrm>
-            <a:custGeom>
-              <a:avLst/>
-              <a:gdLst/>
-              <a:ahLst/>
-              <a:cxnLst/>
-              <a:rect l="l" t="t" r="r" b="b"/>
-              <a:pathLst>
-                <a:path w="21598" h="21315" extrusionOk="0">
-                  <a:moveTo>
-                    <a:pt x="21599" y="14389"/>
-                  </a:moveTo>
-                  <a:lnTo>
-                    <a:pt x="21599" y="6924"/>
-                  </a:lnTo>
-                  <a:cubicBezTo>
-                    <a:pt x="21599" y="5784"/>
-                    <a:pt x="20918" y="4730"/>
-                    <a:pt x="19814" y="4161"/>
-                  </a:cubicBezTo>
-                  <a:lnTo>
-                    <a:pt x="12583" y="428"/>
-                  </a:lnTo>
-                  <a:cubicBezTo>
-                    <a:pt x="11478" y="-142"/>
-                    <a:pt x="10118" y="-142"/>
-                    <a:pt x="9013" y="428"/>
-                  </a:cubicBezTo>
-                  <a:lnTo>
-                    <a:pt x="1783" y="4161"/>
-                  </a:lnTo>
-                  <a:cubicBezTo>
-                    <a:pt x="679" y="4731"/>
-                    <a:pt x="0" y="5784"/>
-                    <a:pt x="0" y="6924"/>
-                  </a:cubicBezTo>
-                  <a:lnTo>
-                    <a:pt x="0" y="14392"/>
-                  </a:lnTo>
-                  <a:cubicBezTo>
-                    <a:pt x="1" y="15532"/>
-                    <a:pt x="681" y="16585"/>
-                    <a:pt x="1785" y="17155"/>
-                  </a:cubicBezTo>
-                  <a:lnTo>
-                    <a:pt x="9016" y="20888"/>
-                  </a:lnTo>
-                  <a:cubicBezTo>
-                    <a:pt x="10120" y="21458"/>
-                    <a:pt x="11481" y="21458"/>
-                    <a:pt x="12585" y="20888"/>
-                  </a:cubicBezTo>
-                  <a:lnTo>
-                    <a:pt x="19816" y="17155"/>
-                  </a:lnTo>
-                  <a:cubicBezTo>
-                    <a:pt x="20920" y="16584"/>
-                    <a:pt x="21600" y="15530"/>
-                    <a:pt x="21599" y="14389"/>
-                  </a:cubicBezTo>
-                  <a:close/>
-                </a:path>
-              </a:pathLst>
-            </a:custGeom>
-            <a:solidFill>
-              <a:srgbClr val="5322C9">
-                <a:alpha val="15080"/>
-              </a:srgbClr>
-            </a:solidFill>
-            <a:ln>
-              <a:noFill/>
-            </a:ln>
-          </p:spPr>
-          <p:txBody>
-            <a:bodyPr spcFirstLastPara="1" wrap="square" lIns="45700" tIns="45700" rIns="45700" bIns="45700" anchor="ctr" anchorCtr="0">
-              <a:noAutofit/>
-            </a:bodyPr>
-            <a:lstStyle/>
-            <a:p>
-              <a:pPr marL="0" marR="0" lvl="0" indent="0" algn="l" rtl="0">
-                <a:lnSpc>
-                  <a:spcPct val="100000"/>
-                </a:lnSpc>
-                <a:spcBef>
-                  <a:spcPts val="0"/>
-                </a:spcBef>
-                <a:spcAft>
-                  <a:spcPts val="0"/>
-                </a:spcAft>
-                <a:buClr>
-                  <a:srgbClr val="000000"/>
-                </a:buClr>
-                <a:buSzPts val="1800"/>
-                <a:buFont typeface="Calibri"/>
-                <a:buNone/>
-              </a:pPr>
-              <a:endParaRPr sz="1800" i="0" u="none" strike="noStrike" cap="none">
-                <a:solidFill>
-                  <a:srgbClr val="000000"/>
-                </a:solidFill>
-              </a:endParaRPr>
-            </a:p>
-          </p:txBody>
-        </p:sp>
-        <p:sp>
-          <p:nvSpPr>
-            <p:cNvPr id="137" name="Google Shape;137;p8"/>
-            <p:cNvSpPr/>
-            <p:nvPr/>
-          </p:nvSpPr>
-          <p:spPr>
-            <a:xfrm>
-              <a:off x="8548210" y="2833077"/>
-              <a:ext cx="1403600" cy="1549387"/>
-            </a:xfrm>
-            <a:custGeom>
-              <a:avLst/>
-              <a:gdLst/>
-              <a:ahLst/>
-              <a:cxnLst/>
-              <a:rect l="l" t="t" r="r" b="b"/>
-              <a:pathLst>
-                <a:path w="21598" h="21315" extrusionOk="0">
-                  <a:moveTo>
-                    <a:pt x="21599" y="14389"/>
-                  </a:moveTo>
-                  <a:lnTo>
-                    <a:pt x="21599" y="6924"/>
-                  </a:lnTo>
-                  <a:cubicBezTo>
-                    <a:pt x="21599" y="5784"/>
-                    <a:pt x="20918" y="4730"/>
-                    <a:pt x="19814" y="4161"/>
-                  </a:cubicBezTo>
-                  <a:lnTo>
-                    <a:pt x="12583" y="428"/>
-                  </a:lnTo>
-                  <a:cubicBezTo>
-                    <a:pt x="11478" y="-142"/>
-                    <a:pt x="10118" y="-142"/>
-                    <a:pt x="9013" y="428"/>
-                  </a:cubicBezTo>
-                  <a:lnTo>
-                    <a:pt x="1783" y="4161"/>
-                  </a:lnTo>
-                  <a:cubicBezTo>
-                    <a:pt x="679" y="4731"/>
-                    <a:pt x="0" y="5784"/>
-                    <a:pt x="0" y="6924"/>
-                  </a:cubicBezTo>
-                  <a:lnTo>
-                    <a:pt x="0" y="14392"/>
-                  </a:lnTo>
-                  <a:cubicBezTo>
-                    <a:pt x="1" y="15532"/>
-                    <a:pt x="681" y="16585"/>
-                    <a:pt x="1785" y="17155"/>
-                  </a:cubicBezTo>
-                  <a:lnTo>
-                    <a:pt x="9016" y="20888"/>
-                  </a:lnTo>
-                  <a:cubicBezTo>
-                    <a:pt x="10120" y="21458"/>
-                    <a:pt x="11481" y="21458"/>
-                    <a:pt x="12585" y="20888"/>
-                  </a:cubicBezTo>
-                  <a:lnTo>
-                    <a:pt x="19816" y="17155"/>
-                  </a:lnTo>
-                  <a:cubicBezTo>
-                    <a:pt x="20920" y="16584"/>
-                    <a:pt x="21600" y="15530"/>
-                    <a:pt x="21599" y="14389"/>
-                  </a:cubicBezTo>
-                  <a:close/>
-                </a:path>
-              </a:pathLst>
-            </a:custGeom>
-            <a:solidFill>
-              <a:schemeClr val="lt2"/>
-            </a:solidFill>
-            <a:ln>
-              <a:noFill/>
-            </a:ln>
-          </p:spPr>
-          <p:txBody>
-            <a:bodyPr spcFirstLastPara="1" wrap="square" lIns="45700" tIns="45700" rIns="45700" bIns="45700" anchor="ctr" anchorCtr="0">
-              <a:noAutofit/>
-            </a:bodyPr>
-            <a:lstStyle/>
-            <a:p>
-              <a:pPr marL="0" marR="0" lvl="0" indent="0" algn="l" rtl="0">
-                <a:lnSpc>
-                  <a:spcPct val="100000"/>
-                </a:lnSpc>
-                <a:spcBef>
-                  <a:spcPts val="0"/>
-                </a:spcBef>
-                <a:spcAft>
-                  <a:spcPts val="0"/>
-                </a:spcAft>
-                <a:buClr>
-                  <a:srgbClr val="000000"/>
-                </a:buClr>
-                <a:buSzPts val="1800"/>
-                <a:buFont typeface="Calibri"/>
-                <a:buNone/>
-              </a:pPr>
-              <a:endParaRPr sz="1800" i="0" u="none" strike="noStrike" cap="none">
-                <a:solidFill>
-                  <a:srgbClr val="000000"/>
-                </a:solidFill>
-              </a:endParaRPr>
-            </a:p>
-          </p:txBody>
-        </p:sp>
-      </p:grpSp>
-      <p:sp>
-        <p:nvSpPr>
-          <p:cNvPr id="138" name="Google Shape;138;p8"/>
-          <p:cNvSpPr txBox="1">
-            <a:spLocks noGrp="1"/>
-          </p:cNvSpPr>
-          <p:nvPr>
-            <p:ph type="title"/>
-          </p:nvPr>
-        </p:nvSpPr>
-        <p:spPr>
-          <a:xfrm>
-            <a:off x="779100" y="836000"/>
-            <a:ext cx="6010500" cy="396300"/>
-          </a:xfrm>
-          <a:prstGeom prst="rect">
-            <a:avLst/>
-          </a:prstGeom>
-        </p:spPr>
-        <p:txBody>
-          <a:bodyPr spcFirstLastPara="1" wrap="square" lIns="0" tIns="0" rIns="0" bIns="0" anchor="ctr" anchorCtr="0">
-            <a:noAutofit/>
-          </a:bodyPr>
-          <a:lstStyle>
-            <a:lvl1pPr lvl="0" rtl="0">
-              <a:spcBef>
-                <a:spcPts val="0"/>
-              </a:spcBef>
-              <a:spcAft>
-                <a:spcPts val="0"/>
-              </a:spcAft>
-              <a:buSzPts val="3200"/>
-              <a:buNone/>
-              <a:defRPr/>
-            </a:lvl1pPr>
-            <a:lvl2pPr lvl="1" rtl="0">
-              <a:spcBef>
-                <a:spcPts val="0"/>
-              </a:spcBef>
-              <a:spcAft>
-                <a:spcPts val="0"/>
-              </a:spcAft>
-              <a:buSzPts val="3200"/>
-              <a:buNone/>
-              <a:defRPr/>
-            </a:lvl2pPr>
-            <a:lvl3pPr lvl="2" rtl="0">
-              <a:spcBef>
-                <a:spcPts val="0"/>
-              </a:spcBef>
-              <a:spcAft>
-                <a:spcPts val="0"/>
-              </a:spcAft>
-              <a:buSzPts val="3200"/>
-              <a:buNone/>
-              <a:defRPr/>
-            </a:lvl3pPr>
-            <a:lvl4pPr lvl="3" rtl="0">
-              <a:spcBef>
-                <a:spcPts val="0"/>
-              </a:spcBef>
-              <a:spcAft>
-                <a:spcPts val="0"/>
-              </a:spcAft>
-              <a:buSzPts val="3200"/>
-              <a:buNone/>
-              <a:defRPr/>
-            </a:lvl4pPr>
-            <a:lvl5pPr lvl="4" rtl="0">
-              <a:spcBef>
-                <a:spcPts val="0"/>
-              </a:spcBef>
-              <a:spcAft>
-                <a:spcPts val="0"/>
-              </a:spcAft>
-              <a:buSzPts val="3200"/>
-              <a:buNone/>
-              <a:defRPr/>
-            </a:lvl5pPr>
-            <a:lvl6pPr lvl="5" rtl="0">
-              <a:spcBef>
-                <a:spcPts val="0"/>
-              </a:spcBef>
-              <a:spcAft>
-                <a:spcPts val="0"/>
-              </a:spcAft>
-              <a:buSzPts val="3200"/>
-              <a:buNone/>
-              <a:defRPr/>
-            </a:lvl6pPr>
-            <a:lvl7pPr lvl="6" rtl="0">
-              <a:spcBef>
-                <a:spcPts val="0"/>
-              </a:spcBef>
-              <a:spcAft>
-                <a:spcPts val="0"/>
-              </a:spcAft>
-              <a:buSzPts val="3200"/>
-              <a:buNone/>
-              <a:defRPr/>
-            </a:lvl7pPr>
-            <a:lvl8pPr lvl="7" rtl="0">
-              <a:spcBef>
-                <a:spcPts val="0"/>
-              </a:spcBef>
-              <a:spcAft>
-                <a:spcPts val="0"/>
-              </a:spcAft>
-              <a:buSzPts val="3200"/>
-              <a:buNone/>
-              <a:defRPr/>
-            </a:lvl8pPr>
-            <a:lvl9pPr lvl="8" rtl="0">
-              <a:spcBef>
-                <a:spcPts val="0"/>
-              </a:spcBef>
-              <a:spcAft>
-                <a:spcPts val="0"/>
-              </a:spcAft>
-              <a:buSzPts val="3200"/>
-              <a:buNone/>
-              <a:defRPr/>
-            </a:lvl9pPr>
-          </a:lstStyle>
-          <a:p>
-            <a:endParaRPr/>
-          </a:p>
-        </p:txBody>
-      </p:sp>
-      <p:sp>
-        <p:nvSpPr>
-          <p:cNvPr id="139" name="Google Shape;139;p8"/>
-          <p:cNvSpPr txBox="1">
-            <a:spLocks noGrp="1"/>
-          </p:cNvSpPr>
-          <p:nvPr>
-            <p:ph type="sldNum" idx="12"/>
-          </p:nvPr>
-        </p:nvSpPr>
-        <p:spPr>
-          <a:xfrm>
-            <a:off x="8480584" y="4749851"/>
-            <a:ext cx="548700" cy="393600"/>
-          </a:xfrm>
-          <a:prstGeom prst="rect">
-            <a:avLst/>
-          </a:prstGeom>
-        </p:spPr>
-        <p:txBody>
-          <a:bodyPr spcFirstLastPara="1" wrap="square" lIns="0" tIns="0" rIns="0" bIns="0" anchor="ctr" anchorCtr="0">
-            <a:noAutofit/>
-          </a:bodyPr>
-          <a:lstStyle>
-            <a:lvl1pPr lvl="0" rtl="0">
-              <a:buNone/>
-              <a:defRPr/>
-            </a:lvl1pPr>
-            <a:lvl2pPr lvl="1" rtl="0">
-              <a:buNone/>
-              <a:defRPr/>
-            </a:lvl2pPr>
-            <a:lvl3pPr lvl="2" rtl="0">
-              <a:buNone/>
-              <a:defRPr/>
-            </a:lvl3pPr>
-            <a:lvl4pPr lvl="3" rtl="0">
-              <a:buNone/>
-              <a:defRPr/>
-            </a:lvl4pPr>
-            <a:lvl5pPr lvl="4" rtl="0">
-              <a:buNone/>
-              <a:defRPr/>
-            </a:lvl5pPr>
-            <a:lvl6pPr lvl="5" rtl="0">
-              <a:buNone/>
-              <a:defRPr/>
-            </a:lvl6pPr>
-            <a:lvl7pPr lvl="6" rtl="0">
-              <a:buNone/>
-              <a:defRPr/>
-            </a:lvl7pPr>
-            <a:lvl8pPr lvl="7" rtl="0">
-              <a:buNone/>
-              <a:defRPr/>
-            </a:lvl8pPr>
-            <a:lvl9pPr lvl="8" rtl="0">
-              <a:buNone/>
-              <a:defRPr/>
-            </a:lvl9pPr>
-          </a:lstStyle>
-          <a:p>
-            <a:pPr marL="0" lvl="0" indent="0" algn="r" rtl="0">
-              <a:spcBef>
-                <a:spcPts val="0"/>
-              </a:spcBef>
-              <a:spcAft>
-                <a:spcPts val="0"/>
-              </a:spcAft>
-              <a:buNone/>
-            </a:pPr>
-            <a:fld id="{00000000-1234-1234-1234-123412341234}" type="slidenum">
-              <a:rPr lang="en"/>
-              <a:t>‹Nº›</a:t>
-            </a:fld>
-            <a:endParaRPr/>
-          </a:p>
-        </p:txBody>
-      </p:sp>
-    </p:spTree>
-  </p:cSld>
-  <p:clrMapOvr>
-    <a:masterClrMapping/>
-  </p:clrMapOvr>
-</p:sldLayout>
-</file>
-
-<file path=ppt/slideLayouts/slideLayout5.xml><?xml version="1.0" encoding="utf-8"?>
 <p:sldLayout xmlns:a="http://schemas.openxmlformats.org/drawingml/2006/main" xmlns:r="http://schemas.openxmlformats.org/officeDocument/2006/relationships" xmlns:p="http://schemas.openxmlformats.org/presentationml/2006/main" matchingName="Blank - Color background">
   <p:cSld name="BLANK_1">
     <p:bg>
@@ -15384,8 +13771,7 @@
     <p:sldLayoutId id="2147483648" r:id="rId1"/>
     <p:sldLayoutId id="2147483649" r:id="rId2"/>
     <p:sldLayoutId id="2147483651" r:id="rId3"/>
-    <p:sldLayoutId id="2147483654" r:id="rId4"/>
-    <p:sldLayoutId id="2147483657" r:id="rId5"/>
+    <p:sldLayoutId id="2147483657" r:id="rId4"/>
   </p:sldLayoutIdLst>
   <p:transition>
     <p:fade thruBlk="1"/>
@@ -18037,3470 +16423,6 @@
           </p:nvPr>
         </p:nvSpPr>
         <p:spPr>
-          <a:xfrm>
-            <a:off x="779100" y="836000"/>
-            <a:ext cx="6010500" cy="396300"/>
-          </a:xfrm>
-          <a:prstGeom prst="rect">
-            <a:avLst/>
-          </a:prstGeom>
-        </p:spPr>
-        <p:txBody>
-          <a:bodyPr spcFirstLastPara="1" wrap="square" lIns="0" tIns="0" rIns="0" bIns="0" anchor="ctr" anchorCtr="0">
-            <a:noAutofit/>
-          </a:bodyPr>
-          <a:lstStyle/>
-          <a:p>
-            <a:pPr marL="0" lvl="0" indent="0" algn="l" rtl="0">
-              <a:spcBef>
-                <a:spcPts val="0"/>
-              </a:spcBef>
-              <a:spcAft>
-                <a:spcPts val="0"/>
-              </a:spcAft>
-              <a:buNone/>
-            </a:pPr>
-            <a:r>
-              <a:rPr lang="en" dirty="0"/>
-              <a:t>Comparativa</a:t>
-            </a:r>
-            <a:endParaRPr dirty="0"/>
-          </a:p>
-        </p:txBody>
-      </p:sp>
-      <p:graphicFrame>
-        <p:nvGraphicFramePr>
-          <p:cNvPr id="341" name="Google Shape;341;p24"/>
-          <p:cNvGraphicFramePr/>
-          <p:nvPr>
-            <p:extLst>
-              <p:ext uri="{D42A27DB-BD31-4B8C-83A1-F6EECF244321}">
-                <p14:modId xmlns:p14="http://schemas.microsoft.com/office/powerpoint/2010/main" val="258719419"/>
-              </p:ext>
-            </p:extLst>
-          </p:nvPr>
-        </p:nvGraphicFramePr>
-        <p:xfrm>
-          <a:off x="1032562" y="1547836"/>
-          <a:ext cx="7078876" cy="3351750"/>
-        </p:xfrm>
-        <a:graphic>
-          <a:graphicData uri="http://schemas.openxmlformats.org/drawingml/2006/table">
-            <a:tbl>
-              <a:tblPr>
-                <a:noFill/>
-                <a:tableStyleId>{93EC2C83-4F27-46E9-AB52-EA9CB43B9D6F}</a:tableStyleId>
-              </a:tblPr>
-              <a:tblGrid>
-                <a:gridCol w="1003320">
-                  <a:extLst>
-                    <a:ext uri="{9D8B030D-6E8A-4147-A177-3AD203B41FA5}">
-                      <a16:colId xmlns:a16="http://schemas.microsoft.com/office/drawing/2014/main" val="20000"/>
-                    </a:ext>
-                  </a:extLst>
-                </a:gridCol>
-                <a:gridCol w="1003320">
-                  <a:extLst>
-                    <a:ext uri="{9D8B030D-6E8A-4147-A177-3AD203B41FA5}">
-                      <a16:colId xmlns:a16="http://schemas.microsoft.com/office/drawing/2014/main" val="20001"/>
-                    </a:ext>
-                  </a:extLst>
-                </a:gridCol>
-                <a:gridCol w="1003320">
-                  <a:extLst>
-                    <a:ext uri="{9D8B030D-6E8A-4147-A177-3AD203B41FA5}">
-                      <a16:colId xmlns:a16="http://schemas.microsoft.com/office/drawing/2014/main" val="20002"/>
-                    </a:ext>
-                  </a:extLst>
-                </a:gridCol>
-                <a:gridCol w="1003320">
-                  <a:extLst>
-                    <a:ext uri="{9D8B030D-6E8A-4147-A177-3AD203B41FA5}">
-                      <a16:colId xmlns:a16="http://schemas.microsoft.com/office/drawing/2014/main" val="532684998"/>
-                    </a:ext>
-                  </a:extLst>
-                </a:gridCol>
-                <a:gridCol w="1003320">
-                  <a:extLst>
-                    <a:ext uri="{9D8B030D-6E8A-4147-A177-3AD203B41FA5}">
-                      <a16:colId xmlns:a16="http://schemas.microsoft.com/office/drawing/2014/main" val="3895003156"/>
-                    </a:ext>
-                  </a:extLst>
-                </a:gridCol>
-                <a:gridCol w="1003320">
-                  <a:extLst>
-                    <a:ext uri="{9D8B030D-6E8A-4147-A177-3AD203B41FA5}">
-                      <a16:colId xmlns:a16="http://schemas.microsoft.com/office/drawing/2014/main" val="1529373508"/>
-                    </a:ext>
-                  </a:extLst>
-                </a:gridCol>
-                <a:gridCol w="1058956">
-                  <a:extLst>
-                    <a:ext uri="{9D8B030D-6E8A-4147-A177-3AD203B41FA5}">
-                      <a16:colId xmlns:a16="http://schemas.microsoft.com/office/drawing/2014/main" val="20003"/>
-                    </a:ext>
-                  </a:extLst>
-                </a:gridCol>
-              </a:tblGrid>
-              <a:tr h="670350">
-                <a:tc>
-                  <a:txBody>
-                    <a:bodyPr/>
-                    <a:lstStyle/>
-                    <a:p>
-                      <a:pPr marL="0" lvl="0" indent="0" algn="l" rtl="0">
-                        <a:spcBef>
-                          <a:spcPts val="0"/>
-                        </a:spcBef>
-                        <a:spcAft>
-                          <a:spcPts val="0"/>
-                        </a:spcAft>
-                        <a:buNone/>
-                      </a:pPr>
-                      <a:endParaRPr dirty="0">
-                        <a:solidFill>
-                          <a:schemeClr val="dk2"/>
-                        </a:solidFill>
-                        <a:latin typeface="Catamaran"/>
-                        <a:ea typeface="Catamaran"/>
-                        <a:cs typeface="Catamaran"/>
-                        <a:sym typeface="Catamaran"/>
-                      </a:endParaRPr>
-                    </a:p>
-                  </a:txBody>
-                  <a:tcPr marL="91425" marR="91425" marT="68575" marB="68575" anchor="ctr">
-                    <a:lnL w="19050" cap="flat" cmpd="sng">
-                      <a:solidFill>
-                        <a:schemeClr val="accent1"/>
-                      </a:solidFill>
-                      <a:prstDash val="solid"/>
-                      <a:round/>
-                      <a:headEnd type="none" w="sm" len="sm"/>
-                      <a:tailEnd type="none" w="sm" len="sm"/>
-                    </a:lnL>
-                    <a:lnR w="9525" cap="flat" cmpd="sng">
-                      <a:solidFill>
-                        <a:schemeClr val="lt2">
-                          <a:alpha val="0"/>
-                        </a:schemeClr>
-                      </a:solidFill>
-                      <a:prstDash val="solid"/>
-                      <a:round/>
-                      <a:headEnd type="none" w="sm" len="sm"/>
-                      <a:tailEnd type="none" w="sm" len="sm"/>
-                    </a:lnR>
-                    <a:lnT w="19050" cap="flat" cmpd="sng">
-                      <a:solidFill>
-                        <a:schemeClr val="accent1"/>
-                      </a:solidFill>
-                      <a:prstDash val="solid"/>
-                      <a:round/>
-                      <a:headEnd type="none" w="sm" len="sm"/>
-                      <a:tailEnd type="none" w="sm" len="sm"/>
-                    </a:lnT>
-                    <a:lnB w="9525" cap="flat" cmpd="sng">
-                      <a:solidFill>
-                        <a:schemeClr val="lt2">
-                          <a:alpha val="0"/>
-                        </a:schemeClr>
-                      </a:solidFill>
-                      <a:prstDash val="solid"/>
-                      <a:round/>
-                      <a:headEnd type="none" w="sm" len="sm"/>
-                      <a:tailEnd type="none" w="sm" len="sm"/>
-                    </a:lnB>
-                    <a:solidFill>
-                      <a:schemeClr val="tx1">
-                        <a:lumMod val="10000"/>
-                        <a:lumOff val="90000"/>
-                      </a:schemeClr>
-                    </a:solidFill>
-                  </a:tcPr>
-                </a:tc>
-                <a:tc>
-                  <a:txBody>
-                    <a:bodyPr/>
-                    <a:lstStyle/>
-                    <a:p>
-                      <a:pPr marL="0" lvl="0" indent="0" algn="ctr" rtl="0">
-                        <a:spcBef>
-                          <a:spcPts val="0"/>
-                        </a:spcBef>
-                        <a:spcAft>
-                          <a:spcPts val="0"/>
-                        </a:spcAft>
-                        <a:buNone/>
-                      </a:pPr>
-                      <a:r>
-                        <a:rPr lang="es-ES" sz="1100" dirty="0">
-                          <a:solidFill>
-                            <a:schemeClr val="tx1"/>
-                          </a:solidFill>
-                          <a:latin typeface="Catamaran"/>
-                          <a:ea typeface="Catamaran"/>
-                          <a:cs typeface="Catamaran"/>
-                          <a:sym typeface="Catamaran"/>
-                        </a:rPr>
-                        <a:t>Patrón</a:t>
-                      </a:r>
-                      <a:endParaRPr sz="1100" dirty="0">
-                        <a:solidFill>
-                          <a:schemeClr val="tx1"/>
-                        </a:solidFill>
-                        <a:latin typeface="Catamaran"/>
-                        <a:ea typeface="Catamaran"/>
-                        <a:cs typeface="Catamaran"/>
-                        <a:sym typeface="Catamaran"/>
-                      </a:endParaRPr>
-                    </a:p>
-                  </a:txBody>
-                  <a:tcPr marL="91425" marR="91425" marT="68575" marB="68575" anchor="ctr">
-                    <a:lnL w="9525" cap="flat" cmpd="sng">
-                      <a:solidFill>
-                        <a:schemeClr val="lt2">
-                          <a:alpha val="0"/>
-                        </a:schemeClr>
-                      </a:solidFill>
-                      <a:prstDash val="solid"/>
-                      <a:round/>
-                      <a:headEnd type="none" w="sm" len="sm"/>
-                      <a:tailEnd type="none" w="sm" len="sm"/>
-                    </a:lnL>
-                    <a:lnR w="9525" cap="flat" cmpd="sng">
-                      <a:solidFill>
-                        <a:schemeClr val="lt2">
-                          <a:alpha val="0"/>
-                        </a:schemeClr>
-                      </a:solidFill>
-                      <a:prstDash val="solid"/>
-                      <a:round/>
-                      <a:headEnd type="none" w="sm" len="sm"/>
-                      <a:tailEnd type="none" w="sm" len="sm"/>
-                    </a:lnR>
-                    <a:lnT w="19050" cap="flat" cmpd="sng">
-                      <a:solidFill>
-                        <a:schemeClr val="accent1"/>
-                      </a:solidFill>
-                      <a:prstDash val="solid"/>
-                      <a:round/>
-                      <a:headEnd type="none" w="sm" len="sm"/>
-                      <a:tailEnd type="none" w="sm" len="sm"/>
-                    </a:lnT>
-                    <a:lnB w="9525" cap="flat" cmpd="sng">
-                      <a:solidFill>
-                        <a:schemeClr val="lt2">
-                          <a:alpha val="0"/>
-                        </a:schemeClr>
-                      </a:solidFill>
-                      <a:prstDash val="solid"/>
-                      <a:round/>
-                      <a:headEnd type="none" w="sm" len="sm"/>
-                      <a:tailEnd type="none" w="sm" len="sm"/>
-                    </a:lnB>
-                    <a:solidFill>
-                      <a:schemeClr val="tx1">
-                        <a:lumMod val="10000"/>
-                        <a:lumOff val="90000"/>
-                      </a:schemeClr>
-                    </a:solidFill>
-                  </a:tcPr>
-                </a:tc>
-                <a:tc>
-                  <a:txBody>
-                    <a:bodyPr/>
-                    <a:lstStyle/>
-                    <a:p>
-                      <a:pPr marL="0" lvl="0" indent="0" algn="ctr" rtl="0">
-                        <a:spcBef>
-                          <a:spcPts val="0"/>
-                        </a:spcBef>
-                        <a:spcAft>
-                          <a:spcPts val="0"/>
-                        </a:spcAft>
-                        <a:buNone/>
-                      </a:pPr>
-                      <a:r>
-                        <a:rPr lang="en" sz="1100" dirty="0">
-                          <a:solidFill>
-                            <a:schemeClr val="tx1"/>
-                          </a:solidFill>
-                          <a:latin typeface="Catamaran"/>
-                          <a:ea typeface="Catamaran"/>
-                          <a:cs typeface="Catamaran"/>
-                          <a:sym typeface="Catamaran"/>
-                        </a:rPr>
-                        <a:t>Nivel OSI</a:t>
-                      </a:r>
-                      <a:endParaRPr sz="1100" dirty="0">
-                        <a:solidFill>
-                          <a:schemeClr val="tx1"/>
-                        </a:solidFill>
-                        <a:latin typeface="Catamaran"/>
-                        <a:ea typeface="Catamaran"/>
-                        <a:cs typeface="Catamaran"/>
-                        <a:sym typeface="Catamaran"/>
-                      </a:endParaRPr>
-                    </a:p>
-                  </a:txBody>
-                  <a:tcPr marL="91425" marR="91425" marT="68575" marB="68575" anchor="ctr">
-                    <a:lnL w="9525" cap="flat" cmpd="sng">
-                      <a:solidFill>
-                        <a:schemeClr val="lt2">
-                          <a:alpha val="0"/>
-                        </a:schemeClr>
-                      </a:solidFill>
-                      <a:prstDash val="solid"/>
-                      <a:round/>
-                      <a:headEnd type="none" w="sm" len="sm"/>
-                      <a:tailEnd type="none" w="sm" len="sm"/>
-                    </a:lnL>
-                    <a:lnR w="9525" cap="flat" cmpd="sng">
-                      <a:solidFill>
-                        <a:schemeClr val="lt2">
-                          <a:alpha val="0"/>
-                        </a:schemeClr>
-                      </a:solidFill>
-                      <a:prstDash val="solid"/>
-                      <a:round/>
-                      <a:headEnd type="none" w="sm" len="sm"/>
-                      <a:tailEnd type="none" w="sm" len="sm"/>
-                    </a:lnR>
-                    <a:lnT w="19050" cap="flat" cmpd="sng">
-                      <a:solidFill>
-                        <a:schemeClr val="accent1"/>
-                      </a:solidFill>
-                      <a:prstDash val="solid"/>
-                      <a:round/>
-                      <a:headEnd type="none" w="sm" len="sm"/>
-                      <a:tailEnd type="none" w="sm" len="sm"/>
-                    </a:lnT>
-                    <a:lnB w="9525" cap="flat" cmpd="sng">
-                      <a:solidFill>
-                        <a:schemeClr val="lt2">
-                          <a:alpha val="0"/>
-                        </a:schemeClr>
-                      </a:solidFill>
-                      <a:prstDash val="solid"/>
-                      <a:round/>
-                      <a:headEnd type="none" w="sm" len="sm"/>
-                      <a:tailEnd type="none" w="sm" len="sm"/>
-                    </a:lnB>
-                    <a:solidFill>
-                      <a:schemeClr val="tx1">
-                        <a:lumMod val="10000"/>
-                        <a:lumOff val="90000"/>
-                      </a:schemeClr>
-                    </a:solidFill>
-                  </a:tcPr>
-                </a:tc>
-                <a:tc>
-                  <a:txBody>
-                    <a:bodyPr/>
-                    <a:lstStyle/>
-                    <a:p>
-                      <a:pPr marL="0" lvl="0" indent="0" algn="ctr" rtl="0">
-                        <a:spcBef>
-                          <a:spcPts val="0"/>
-                        </a:spcBef>
-                        <a:spcAft>
-                          <a:spcPts val="0"/>
-                        </a:spcAft>
-                        <a:buNone/>
-                      </a:pPr>
-                      <a:r>
-                        <a:rPr lang="es-ES" sz="1100" dirty="0">
-                          <a:solidFill>
-                            <a:schemeClr val="tx1"/>
-                          </a:solidFill>
-                          <a:latin typeface="Catamaran"/>
-                          <a:ea typeface="Catamaran"/>
-                          <a:cs typeface="Catamaran"/>
-                          <a:sym typeface="Catamaran"/>
-                        </a:rPr>
-                        <a:t>Coste</a:t>
-                      </a:r>
-                      <a:endParaRPr sz="1100" dirty="0">
-                        <a:solidFill>
-                          <a:schemeClr val="tx1"/>
-                        </a:solidFill>
-                        <a:latin typeface="Catamaran"/>
-                        <a:ea typeface="Catamaran"/>
-                        <a:cs typeface="Catamaran"/>
-                        <a:sym typeface="Catamaran"/>
-                      </a:endParaRPr>
-                    </a:p>
-                  </a:txBody>
-                  <a:tcPr marL="91425" marR="91425" marT="68575" marB="68575" anchor="ctr">
-                    <a:lnL w="9525" cap="flat" cmpd="sng">
-                      <a:solidFill>
-                        <a:schemeClr val="lt2">
-                          <a:alpha val="0"/>
-                        </a:schemeClr>
-                      </a:solidFill>
-                      <a:prstDash val="solid"/>
-                      <a:round/>
-                      <a:headEnd type="none" w="sm" len="sm"/>
-                      <a:tailEnd type="none" w="sm" len="sm"/>
-                    </a:lnL>
-                    <a:lnR w="9525" cap="flat" cmpd="sng" algn="ctr">
-                      <a:solidFill>
-                        <a:schemeClr val="lt2">
-                          <a:alpha val="0"/>
-                        </a:schemeClr>
-                      </a:solidFill>
-                      <a:prstDash val="solid"/>
-                      <a:round/>
-                      <a:headEnd type="none" w="sm" len="sm"/>
-                      <a:tailEnd type="none" w="sm" len="sm"/>
-                    </a:lnR>
-                    <a:lnT w="19050" cap="flat" cmpd="sng">
-                      <a:solidFill>
-                        <a:schemeClr val="accent1"/>
-                      </a:solidFill>
-                      <a:prstDash val="solid"/>
-                      <a:round/>
-                      <a:headEnd type="none" w="sm" len="sm"/>
-                      <a:tailEnd type="none" w="sm" len="sm"/>
-                    </a:lnT>
-                    <a:lnB w="9525" cap="flat" cmpd="sng" algn="ctr">
-                      <a:solidFill>
-                        <a:schemeClr val="lt2">
-                          <a:alpha val="0"/>
-                        </a:schemeClr>
-                      </a:solidFill>
-                      <a:prstDash val="solid"/>
-                      <a:round/>
-                      <a:headEnd type="none" w="sm" len="sm"/>
-                      <a:tailEnd type="none" w="sm" len="sm"/>
-                    </a:lnB>
-                    <a:solidFill>
-                      <a:schemeClr val="tx1">
-                        <a:lumMod val="10000"/>
-                        <a:lumOff val="90000"/>
-                      </a:schemeClr>
-                    </a:solidFill>
-                  </a:tcPr>
-                </a:tc>
-                <a:tc>
-                  <a:txBody>
-                    <a:bodyPr/>
-                    <a:lstStyle/>
-                    <a:p>
-                      <a:pPr marL="0" lvl="0" indent="0" algn="ctr" rtl="0">
-                        <a:spcBef>
-                          <a:spcPts val="0"/>
-                        </a:spcBef>
-                        <a:spcAft>
-                          <a:spcPts val="0"/>
-                        </a:spcAft>
-                        <a:buNone/>
-                      </a:pPr>
-                      <a:r>
-                        <a:rPr lang="es-ES" sz="1100" dirty="0">
-                          <a:solidFill>
-                            <a:schemeClr val="tx1"/>
-                          </a:solidFill>
-                          <a:latin typeface="Catamaran"/>
-                          <a:ea typeface="Catamaran"/>
-                          <a:cs typeface="Catamaran"/>
-                          <a:sym typeface="Catamaran"/>
-                        </a:rPr>
-                        <a:t>Configuración dinámica</a:t>
-                      </a:r>
-                      <a:endParaRPr sz="1100" dirty="0">
-                        <a:solidFill>
-                          <a:schemeClr val="tx1"/>
-                        </a:solidFill>
-                        <a:latin typeface="Catamaran"/>
-                        <a:ea typeface="Catamaran"/>
-                        <a:cs typeface="Catamaran"/>
-                        <a:sym typeface="Catamaran"/>
-                      </a:endParaRPr>
-                    </a:p>
-                  </a:txBody>
-                  <a:tcPr marL="91425" marR="91425" marT="68575" marB="68575" anchor="ctr">
-                    <a:lnL w="9525" cap="flat" cmpd="sng" algn="ctr">
-                      <a:solidFill>
-                        <a:schemeClr val="lt2">
-                          <a:alpha val="0"/>
-                        </a:schemeClr>
-                      </a:solidFill>
-                      <a:prstDash val="solid"/>
-                      <a:round/>
-                      <a:headEnd type="none" w="sm" len="sm"/>
-                      <a:tailEnd type="none" w="sm" len="sm"/>
-                    </a:lnL>
-                    <a:lnR w="9525" cap="flat" cmpd="sng" algn="ctr">
-                      <a:solidFill>
-                        <a:schemeClr val="lt2">
-                          <a:alpha val="0"/>
-                        </a:schemeClr>
-                      </a:solidFill>
-                      <a:prstDash val="solid"/>
-                      <a:round/>
-                      <a:headEnd type="none" w="sm" len="sm"/>
-                      <a:tailEnd type="none" w="sm" len="sm"/>
-                    </a:lnR>
-                    <a:lnT w="19050" cap="flat" cmpd="sng">
-                      <a:solidFill>
-                        <a:schemeClr val="accent1"/>
-                      </a:solidFill>
-                      <a:prstDash val="solid"/>
-                      <a:round/>
-                      <a:headEnd type="none" w="sm" len="sm"/>
-                      <a:tailEnd type="none" w="sm" len="sm"/>
-                    </a:lnT>
-                    <a:lnB w="9525" cap="flat" cmpd="sng" algn="ctr">
-                      <a:solidFill>
-                        <a:schemeClr val="lt2">
-                          <a:alpha val="0"/>
-                        </a:schemeClr>
-                      </a:solidFill>
-                      <a:prstDash val="solid"/>
-                      <a:round/>
-                      <a:headEnd type="none" w="sm" len="sm"/>
-                      <a:tailEnd type="none" w="sm" len="sm"/>
-                    </a:lnB>
-                    <a:solidFill>
-                      <a:schemeClr val="tx1">
-                        <a:lumMod val="10000"/>
-                        <a:lumOff val="90000"/>
-                      </a:schemeClr>
-                    </a:solidFill>
-                  </a:tcPr>
-                </a:tc>
-                <a:tc>
-                  <a:txBody>
-                    <a:bodyPr/>
-                    <a:lstStyle/>
-                    <a:p>
-                      <a:pPr marL="0" lvl="0" indent="0" algn="ctr" rtl="0">
-                        <a:spcBef>
-                          <a:spcPts val="0"/>
-                        </a:spcBef>
-                        <a:spcAft>
-                          <a:spcPts val="0"/>
-                        </a:spcAft>
-                        <a:buNone/>
-                      </a:pPr>
-                      <a:r>
-                        <a:rPr lang="es-ES" sz="1100" dirty="0">
-                          <a:solidFill>
-                            <a:schemeClr val="tx1"/>
-                          </a:solidFill>
-                          <a:latin typeface="Catamaran"/>
-                          <a:ea typeface="Catamaran"/>
-                          <a:cs typeface="Catamaran"/>
-                          <a:sym typeface="Catamaran"/>
-                        </a:rPr>
-                        <a:t>Personalización</a:t>
-                      </a:r>
-                      <a:endParaRPr sz="1100" dirty="0">
-                        <a:solidFill>
-                          <a:schemeClr val="tx1"/>
-                        </a:solidFill>
-                        <a:latin typeface="Catamaran"/>
-                        <a:ea typeface="Catamaran"/>
-                        <a:cs typeface="Catamaran"/>
-                        <a:sym typeface="Catamaran"/>
-                      </a:endParaRPr>
-                    </a:p>
-                  </a:txBody>
-                  <a:tcPr marL="91425" marR="91425" marT="68575" marB="68575" anchor="ctr">
-                    <a:lnL w="9525" cap="flat" cmpd="sng" algn="ctr">
-                      <a:solidFill>
-                        <a:schemeClr val="lt2">
-                          <a:alpha val="0"/>
-                        </a:schemeClr>
-                      </a:solidFill>
-                      <a:prstDash val="solid"/>
-                      <a:round/>
-                      <a:headEnd type="none" w="sm" len="sm"/>
-                      <a:tailEnd type="none" w="sm" len="sm"/>
-                    </a:lnL>
-                    <a:lnR w="9525" cap="flat" cmpd="sng" algn="ctr">
-                      <a:solidFill>
-                        <a:schemeClr val="lt2">
-                          <a:alpha val="0"/>
-                        </a:schemeClr>
-                      </a:solidFill>
-                      <a:prstDash val="solid"/>
-                      <a:round/>
-                      <a:headEnd type="none" w="sm" len="sm"/>
-                      <a:tailEnd type="none" w="sm" len="sm"/>
-                    </a:lnR>
-                    <a:lnT w="19050" cap="flat" cmpd="sng">
-                      <a:solidFill>
-                        <a:schemeClr val="accent1"/>
-                      </a:solidFill>
-                      <a:prstDash val="solid"/>
-                      <a:round/>
-                      <a:headEnd type="none" w="sm" len="sm"/>
-                      <a:tailEnd type="none" w="sm" len="sm"/>
-                    </a:lnT>
-                    <a:lnB w="9525" cap="flat" cmpd="sng" algn="ctr">
-                      <a:solidFill>
-                        <a:schemeClr val="lt2">
-                          <a:alpha val="0"/>
-                        </a:schemeClr>
-                      </a:solidFill>
-                      <a:prstDash val="solid"/>
-                      <a:round/>
-                      <a:headEnd type="none" w="sm" len="sm"/>
-                      <a:tailEnd type="none" w="sm" len="sm"/>
-                    </a:lnB>
-                    <a:solidFill>
-                      <a:schemeClr val="tx1">
-                        <a:lumMod val="10000"/>
-                        <a:lumOff val="90000"/>
-                      </a:schemeClr>
-                    </a:solidFill>
-                  </a:tcPr>
-                </a:tc>
-                <a:tc>
-                  <a:txBody>
-                    <a:bodyPr/>
-                    <a:lstStyle/>
-                    <a:p>
-                      <a:pPr marL="0" lvl="0" indent="0" algn="ctr" rtl="0">
-                        <a:spcBef>
-                          <a:spcPts val="0"/>
-                        </a:spcBef>
-                        <a:spcAft>
-                          <a:spcPts val="0"/>
-                        </a:spcAft>
-                        <a:buNone/>
-                      </a:pPr>
-                      <a:r>
-                        <a:rPr lang="en" sz="1100" dirty="0">
-                          <a:solidFill>
-                            <a:schemeClr val="tx1"/>
-                          </a:solidFill>
-                          <a:latin typeface="Catamaran"/>
-                          <a:ea typeface="Catamaran"/>
-                          <a:cs typeface="Catamaran"/>
-                          <a:sym typeface="Catamaran"/>
-                        </a:rPr>
-                        <a:t>Puesta a punto</a:t>
-                      </a:r>
-                      <a:endParaRPr sz="1100" dirty="0">
-                        <a:solidFill>
-                          <a:schemeClr val="tx1"/>
-                        </a:solidFill>
-                        <a:latin typeface="Catamaran"/>
-                        <a:ea typeface="Catamaran"/>
-                        <a:cs typeface="Catamaran"/>
-                        <a:sym typeface="Catamaran"/>
-                      </a:endParaRPr>
-                    </a:p>
-                  </a:txBody>
-                  <a:tcPr marL="91425" marR="91425" marT="68575" marB="68575" anchor="ctr">
-                    <a:lnL w="9525" cap="flat" cmpd="sng">
-                      <a:solidFill>
-                        <a:schemeClr val="lt2">
-                          <a:alpha val="0"/>
-                        </a:schemeClr>
-                      </a:solidFill>
-                      <a:prstDash val="solid"/>
-                      <a:round/>
-                      <a:headEnd type="none" w="sm" len="sm"/>
-                      <a:tailEnd type="none" w="sm" len="sm"/>
-                    </a:lnL>
-                    <a:lnR w="19050" cap="flat" cmpd="sng">
-                      <a:solidFill>
-                        <a:schemeClr val="accent1"/>
-                      </a:solidFill>
-                      <a:prstDash val="solid"/>
-                      <a:round/>
-                      <a:headEnd type="none" w="sm" len="sm"/>
-                      <a:tailEnd type="none" w="sm" len="sm"/>
-                    </a:lnR>
-                    <a:lnT w="19050" cap="flat" cmpd="sng">
-                      <a:solidFill>
-                        <a:schemeClr val="accent1"/>
-                      </a:solidFill>
-                      <a:prstDash val="solid"/>
-                      <a:round/>
-                      <a:headEnd type="none" w="sm" len="sm"/>
-                      <a:tailEnd type="none" w="sm" len="sm"/>
-                    </a:lnT>
-                    <a:lnB w="9525" cap="flat" cmpd="sng">
-                      <a:solidFill>
-                        <a:schemeClr val="lt2">
-                          <a:alpha val="0"/>
-                        </a:schemeClr>
-                      </a:solidFill>
-                      <a:prstDash val="solid"/>
-                      <a:round/>
-                      <a:headEnd type="none" w="sm" len="sm"/>
-                      <a:tailEnd type="none" w="sm" len="sm"/>
-                    </a:lnB>
-                    <a:solidFill>
-                      <a:schemeClr val="tx1">
-                        <a:lumMod val="10000"/>
-                        <a:lumOff val="90000"/>
-                      </a:schemeClr>
-                    </a:solidFill>
-                  </a:tcPr>
-                </a:tc>
-                <a:extLst>
-                  <a:ext uri="{0D108BD9-81ED-4DB2-BD59-A6C34878D82A}">
-                    <a16:rowId xmlns:a16="http://schemas.microsoft.com/office/drawing/2014/main" val="10000"/>
-                  </a:ext>
-                </a:extLst>
-              </a:tr>
-              <a:tr h="670350">
-                <a:tc>
-                  <a:txBody>
-                    <a:bodyPr/>
-                    <a:lstStyle/>
-                    <a:p>
-                      <a:pPr marL="0" lvl="0" indent="0" algn="ctr" rtl="0">
-                        <a:spcBef>
-                          <a:spcPts val="0"/>
-                        </a:spcBef>
-                        <a:spcAft>
-                          <a:spcPts val="0"/>
-                        </a:spcAft>
-                        <a:buNone/>
-                      </a:pPr>
-                      <a:r>
-                        <a:rPr lang="en" sz="1100" b="1" dirty="0">
-                          <a:solidFill>
-                            <a:schemeClr val="tx1"/>
-                          </a:solidFill>
-                          <a:latin typeface="Catamaran"/>
-                          <a:ea typeface="Catamaran"/>
-                          <a:cs typeface="Catamaran"/>
-                          <a:sym typeface="Catamaran"/>
-                        </a:rPr>
-                        <a:t>NGINX</a:t>
-                      </a:r>
-                      <a:endParaRPr sz="1100" b="1" dirty="0">
-                        <a:solidFill>
-                          <a:schemeClr val="tx1"/>
-                        </a:solidFill>
-                        <a:latin typeface="Catamaran"/>
-                        <a:ea typeface="Catamaran"/>
-                        <a:cs typeface="Catamaran"/>
-                        <a:sym typeface="Catamaran"/>
-                      </a:endParaRPr>
-                    </a:p>
-                  </a:txBody>
-                  <a:tcPr marL="91425" marR="91425" marT="68575" marB="68575" anchor="ctr">
-                    <a:lnL w="19050" cap="flat" cmpd="sng">
-                      <a:solidFill>
-                        <a:schemeClr val="accent1"/>
-                      </a:solidFill>
-                      <a:prstDash val="solid"/>
-                      <a:round/>
-                      <a:headEnd type="none" w="sm" len="sm"/>
-                      <a:tailEnd type="none" w="sm" len="sm"/>
-                    </a:lnL>
-                    <a:lnR w="9525" cap="flat" cmpd="sng">
-                      <a:solidFill>
-                        <a:schemeClr val="lt2">
-                          <a:alpha val="0"/>
-                        </a:schemeClr>
-                      </a:solidFill>
-                      <a:prstDash val="solid"/>
-                      <a:round/>
-                      <a:headEnd type="none" w="sm" len="sm"/>
-                      <a:tailEnd type="none" w="sm" len="sm"/>
-                    </a:lnR>
-                    <a:lnT w="9525" cap="flat" cmpd="sng">
-                      <a:solidFill>
-                        <a:schemeClr val="lt2">
-                          <a:alpha val="0"/>
-                        </a:schemeClr>
-                      </a:solidFill>
-                      <a:prstDash val="solid"/>
-                      <a:round/>
-                      <a:headEnd type="none" w="sm" len="sm"/>
-                      <a:tailEnd type="none" w="sm" len="sm"/>
-                    </a:lnT>
-                    <a:lnB w="9525" cap="flat" cmpd="sng">
-                      <a:solidFill>
-                        <a:schemeClr val="lt2">
-                          <a:alpha val="0"/>
-                        </a:schemeClr>
-                      </a:solidFill>
-                      <a:prstDash val="solid"/>
-                      <a:round/>
-                      <a:headEnd type="none" w="sm" len="sm"/>
-                      <a:tailEnd type="none" w="sm" len="sm"/>
-                    </a:lnB>
-                    <a:solidFill>
-                      <a:schemeClr val="lt1"/>
-                    </a:solidFill>
-                  </a:tcPr>
-                </a:tc>
-                <a:tc>
-                  <a:txBody>
-                    <a:bodyPr/>
-                    <a:lstStyle/>
-                    <a:p>
-                      <a:pPr marL="0" lvl="0" indent="0" algn="ctr" rtl="0">
-                        <a:spcBef>
-                          <a:spcPts val="0"/>
-                        </a:spcBef>
-                        <a:spcAft>
-                          <a:spcPts val="0"/>
-                        </a:spcAft>
-                        <a:buNone/>
-                      </a:pPr>
-                      <a:r>
-                        <a:rPr lang="en" sz="1100" i="1" dirty="0">
-                          <a:solidFill>
-                            <a:schemeClr val="bg1">
-                              <a:lumMod val="50000"/>
-                            </a:schemeClr>
-                          </a:solidFill>
-                          <a:latin typeface="Catamaran"/>
-                          <a:ea typeface="Catamaran"/>
-                          <a:cs typeface="Catamaran"/>
-                          <a:sym typeface="Catamaran"/>
-                        </a:rPr>
-                        <a:t>Proxy</a:t>
-                      </a:r>
-                      <a:r>
-                        <a:rPr lang="en" sz="1100" dirty="0">
-                          <a:solidFill>
-                            <a:schemeClr val="bg1">
-                              <a:lumMod val="50000"/>
-                            </a:schemeClr>
-                          </a:solidFill>
-                          <a:latin typeface="Catamaran"/>
-                          <a:ea typeface="Catamaran"/>
-                          <a:cs typeface="Catamaran"/>
-                          <a:sym typeface="Catamaran"/>
-                        </a:rPr>
-                        <a:t> inverso / API </a:t>
-                      </a:r>
-                      <a:r>
-                        <a:rPr lang="en" sz="1100" i="1" dirty="0">
-                          <a:solidFill>
-                            <a:schemeClr val="bg1">
-                              <a:lumMod val="50000"/>
-                            </a:schemeClr>
-                          </a:solidFill>
-                          <a:latin typeface="Catamaran"/>
-                          <a:ea typeface="Catamaran"/>
-                          <a:cs typeface="Catamaran"/>
-                          <a:sym typeface="Catamaran"/>
-                        </a:rPr>
-                        <a:t>Gateway</a:t>
-                      </a:r>
-                      <a:endParaRPr sz="1100" i="1" dirty="0">
-                        <a:solidFill>
-                          <a:schemeClr val="bg1">
-                            <a:lumMod val="50000"/>
-                          </a:schemeClr>
-                        </a:solidFill>
-                        <a:latin typeface="Catamaran"/>
-                        <a:ea typeface="Catamaran"/>
-                        <a:cs typeface="Catamaran"/>
-                        <a:sym typeface="Catamaran"/>
-                      </a:endParaRPr>
-                    </a:p>
-                  </a:txBody>
-                  <a:tcPr marL="91425" marR="91425" marT="68575" marB="68575" anchor="ctr">
-                    <a:lnL w="9525" cap="flat" cmpd="sng">
-                      <a:solidFill>
-                        <a:schemeClr val="lt2">
-                          <a:alpha val="0"/>
-                        </a:schemeClr>
-                      </a:solidFill>
-                      <a:prstDash val="solid"/>
-                      <a:round/>
-                      <a:headEnd type="none" w="sm" len="sm"/>
-                      <a:tailEnd type="none" w="sm" len="sm"/>
-                    </a:lnL>
-                    <a:lnR w="9525" cap="flat" cmpd="sng">
-                      <a:solidFill>
-                        <a:schemeClr val="lt2">
-                          <a:alpha val="0"/>
-                        </a:schemeClr>
-                      </a:solidFill>
-                      <a:prstDash val="solid"/>
-                      <a:round/>
-                      <a:headEnd type="none" w="sm" len="sm"/>
-                      <a:tailEnd type="none" w="sm" len="sm"/>
-                    </a:lnR>
-                    <a:lnT w="9525" cap="flat" cmpd="sng">
-                      <a:solidFill>
-                        <a:schemeClr val="lt2">
-                          <a:alpha val="0"/>
-                        </a:schemeClr>
-                      </a:solidFill>
-                      <a:prstDash val="solid"/>
-                      <a:round/>
-                      <a:headEnd type="none" w="sm" len="sm"/>
-                      <a:tailEnd type="none" w="sm" len="sm"/>
-                    </a:lnT>
-                    <a:lnB w="9525" cap="flat" cmpd="sng">
-                      <a:solidFill>
-                        <a:schemeClr val="lt2">
-                          <a:alpha val="0"/>
-                        </a:schemeClr>
-                      </a:solidFill>
-                      <a:prstDash val="solid"/>
-                      <a:round/>
-                      <a:headEnd type="none" w="sm" len="sm"/>
-                      <a:tailEnd type="none" w="sm" len="sm"/>
-                    </a:lnB>
-                    <a:solidFill>
-                      <a:schemeClr val="lt1"/>
-                    </a:solidFill>
-                  </a:tcPr>
-                </a:tc>
-                <a:tc>
-                  <a:txBody>
-                    <a:bodyPr/>
-                    <a:lstStyle/>
-                    <a:p>
-                      <a:pPr marL="0" lvl="0" indent="0" algn="ctr" rtl="0">
-                        <a:spcBef>
-                          <a:spcPts val="0"/>
-                        </a:spcBef>
-                        <a:spcAft>
-                          <a:spcPts val="0"/>
-                        </a:spcAft>
-                        <a:buNone/>
-                      </a:pPr>
-                      <a:r>
-                        <a:rPr lang="en" sz="1100" dirty="0">
-                          <a:solidFill>
-                            <a:schemeClr val="bg1">
-                              <a:lumMod val="50000"/>
-                            </a:schemeClr>
-                          </a:solidFill>
-                          <a:latin typeface="Catamaran"/>
-                          <a:ea typeface="Catamaran"/>
-                          <a:cs typeface="Catamaran"/>
-                          <a:sym typeface="Catamaran"/>
-                        </a:rPr>
-                        <a:t>7</a:t>
-                      </a:r>
-                      <a:endParaRPr sz="1100" dirty="0">
-                        <a:solidFill>
-                          <a:schemeClr val="bg1">
-                            <a:lumMod val="50000"/>
-                          </a:schemeClr>
-                        </a:solidFill>
-                        <a:latin typeface="Catamaran"/>
-                        <a:ea typeface="Catamaran"/>
-                        <a:cs typeface="Catamaran"/>
-                        <a:sym typeface="Catamaran"/>
-                      </a:endParaRPr>
-                    </a:p>
-                  </a:txBody>
-                  <a:tcPr marL="91425" marR="91425" marT="68575" marB="68575" anchor="ctr">
-                    <a:lnL w="9525" cap="flat" cmpd="sng">
-                      <a:solidFill>
-                        <a:schemeClr val="lt2">
-                          <a:alpha val="0"/>
-                        </a:schemeClr>
-                      </a:solidFill>
-                      <a:prstDash val="solid"/>
-                      <a:round/>
-                      <a:headEnd type="none" w="sm" len="sm"/>
-                      <a:tailEnd type="none" w="sm" len="sm"/>
-                    </a:lnL>
-                    <a:lnR w="9525" cap="flat" cmpd="sng">
-                      <a:solidFill>
-                        <a:schemeClr val="lt2">
-                          <a:alpha val="0"/>
-                        </a:schemeClr>
-                      </a:solidFill>
-                      <a:prstDash val="solid"/>
-                      <a:round/>
-                      <a:headEnd type="none" w="sm" len="sm"/>
-                      <a:tailEnd type="none" w="sm" len="sm"/>
-                    </a:lnR>
-                    <a:lnT w="9525" cap="flat" cmpd="sng">
-                      <a:solidFill>
-                        <a:schemeClr val="lt2">
-                          <a:alpha val="0"/>
-                        </a:schemeClr>
-                      </a:solidFill>
-                      <a:prstDash val="solid"/>
-                      <a:round/>
-                      <a:headEnd type="none" w="sm" len="sm"/>
-                      <a:tailEnd type="none" w="sm" len="sm"/>
-                    </a:lnT>
-                    <a:lnB w="9525" cap="flat" cmpd="sng">
-                      <a:solidFill>
-                        <a:schemeClr val="lt2">
-                          <a:alpha val="0"/>
-                        </a:schemeClr>
-                      </a:solidFill>
-                      <a:prstDash val="solid"/>
-                      <a:round/>
-                      <a:headEnd type="none" w="sm" len="sm"/>
-                      <a:tailEnd type="none" w="sm" len="sm"/>
-                    </a:lnB>
-                    <a:solidFill>
-                      <a:schemeClr val="lt1"/>
-                    </a:solidFill>
-                  </a:tcPr>
-                </a:tc>
-                <a:tc>
-                  <a:txBody>
-                    <a:bodyPr/>
-                    <a:lstStyle/>
-                    <a:p>
-                      <a:pPr marL="0" lvl="0" indent="0" algn="ctr" rtl="0">
-                        <a:spcBef>
-                          <a:spcPts val="0"/>
-                        </a:spcBef>
-                        <a:spcAft>
-                          <a:spcPts val="0"/>
-                        </a:spcAft>
-                        <a:buNone/>
-                      </a:pPr>
-                      <a:r>
-                        <a:rPr lang="es-ES" sz="1100" dirty="0">
-                          <a:solidFill>
-                            <a:schemeClr val="bg1">
-                              <a:lumMod val="50000"/>
-                            </a:schemeClr>
-                          </a:solidFill>
-                          <a:latin typeface="Catamaran"/>
-                          <a:ea typeface="Catamaran"/>
-                          <a:cs typeface="Catamaran"/>
-                          <a:sym typeface="Catamaran"/>
-                        </a:rPr>
-                        <a:t>De pago</a:t>
-                      </a:r>
-                      <a:endParaRPr sz="1100" dirty="0">
-                        <a:solidFill>
-                          <a:schemeClr val="bg1">
-                            <a:lumMod val="50000"/>
-                          </a:schemeClr>
-                        </a:solidFill>
-                        <a:latin typeface="Catamaran"/>
-                        <a:ea typeface="Catamaran"/>
-                        <a:cs typeface="Catamaran"/>
-                        <a:sym typeface="Catamaran"/>
-                      </a:endParaRPr>
-                    </a:p>
-                  </a:txBody>
-                  <a:tcPr marL="91425" marR="91425" marT="68575" marB="68575" anchor="ctr">
-                    <a:lnL w="9525" cap="flat" cmpd="sng">
-                      <a:solidFill>
-                        <a:schemeClr val="lt2">
-                          <a:alpha val="0"/>
-                        </a:schemeClr>
-                      </a:solidFill>
-                      <a:prstDash val="solid"/>
-                      <a:round/>
-                      <a:headEnd type="none" w="sm" len="sm"/>
-                      <a:tailEnd type="none" w="sm" len="sm"/>
-                    </a:lnL>
-                    <a:lnR w="9525" cap="flat" cmpd="sng" algn="ctr">
-                      <a:solidFill>
-                        <a:schemeClr val="lt2">
-                          <a:alpha val="0"/>
-                        </a:schemeClr>
-                      </a:solidFill>
-                      <a:prstDash val="solid"/>
-                      <a:round/>
-                      <a:headEnd type="none" w="sm" len="sm"/>
-                      <a:tailEnd type="none" w="sm" len="sm"/>
-                    </a:lnR>
-                    <a:lnT w="9525" cap="flat" cmpd="sng" algn="ctr">
-                      <a:solidFill>
-                        <a:schemeClr val="lt2">
-                          <a:alpha val="0"/>
-                        </a:schemeClr>
-                      </a:solidFill>
-                      <a:prstDash val="solid"/>
-                      <a:round/>
-                      <a:headEnd type="none" w="sm" len="sm"/>
-                      <a:tailEnd type="none" w="sm" len="sm"/>
-                    </a:lnT>
-                    <a:lnB w="9525" cap="flat" cmpd="sng" algn="ctr">
-                      <a:solidFill>
-                        <a:schemeClr val="lt2">
-                          <a:alpha val="0"/>
-                        </a:schemeClr>
-                      </a:solidFill>
-                      <a:prstDash val="solid"/>
-                      <a:round/>
-                      <a:headEnd type="none" w="sm" len="sm"/>
-                      <a:tailEnd type="none" w="sm" len="sm"/>
-                    </a:lnB>
-                    <a:solidFill>
-                      <a:schemeClr val="lt1"/>
-                    </a:solidFill>
-                  </a:tcPr>
-                </a:tc>
-                <a:tc>
-                  <a:txBody>
-                    <a:bodyPr/>
-                    <a:lstStyle/>
-                    <a:p>
-                      <a:pPr marL="0" lvl="0" indent="0" algn="ctr" rtl="0">
-                        <a:spcBef>
-                          <a:spcPts val="0"/>
-                        </a:spcBef>
-                        <a:spcAft>
-                          <a:spcPts val="0"/>
-                        </a:spcAft>
-                        <a:buNone/>
-                      </a:pPr>
-                      <a:r>
-                        <a:rPr lang="es-ES" sz="1100" dirty="0">
-                          <a:solidFill>
-                            <a:schemeClr val="bg1">
-                              <a:lumMod val="50000"/>
-                            </a:schemeClr>
-                          </a:solidFill>
-                          <a:latin typeface="Catamaran"/>
-                          <a:ea typeface="Catamaran"/>
-                          <a:cs typeface="Catamaran"/>
-                          <a:sym typeface="Catamaran"/>
-                        </a:rPr>
-                        <a:t>Sí</a:t>
-                      </a:r>
-                      <a:endParaRPr sz="1100" dirty="0">
-                        <a:solidFill>
-                          <a:schemeClr val="bg1">
-                            <a:lumMod val="50000"/>
-                          </a:schemeClr>
-                        </a:solidFill>
-                        <a:latin typeface="Catamaran"/>
-                        <a:ea typeface="Catamaran"/>
-                        <a:cs typeface="Catamaran"/>
-                        <a:sym typeface="Catamaran"/>
-                      </a:endParaRPr>
-                    </a:p>
-                  </a:txBody>
-                  <a:tcPr marL="91425" marR="91425" marT="68575" marB="68575" anchor="ctr">
-                    <a:lnL w="9525" cap="flat" cmpd="sng" algn="ctr">
-                      <a:solidFill>
-                        <a:schemeClr val="lt2">
-                          <a:alpha val="0"/>
-                        </a:schemeClr>
-                      </a:solidFill>
-                      <a:prstDash val="solid"/>
-                      <a:round/>
-                      <a:headEnd type="none" w="sm" len="sm"/>
-                      <a:tailEnd type="none" w="sm" len="sm"/>
-                    </a:lnL>
-                    <a:lnR w="9525" cap="flat" cmpd="sng" algn="ctr">
-                      <a:solidFill>
-                        <a:schemeClr val="lt2">
-                          <a:alpha val="0"/>
-                        </a:schemeClr>
-                      </a:solidFill>
-                      <a:prstDash val="solid"/>
-                      <a:round/>
-                      <a:headEnd type="none" w="sm" len="sm"/>
-                      <a:tailEnd type="none" w="sm" len="sm"/>
-                    </a:lnR>
-                    <a:lnT w="9525" cap="flat" cmpd="sng" algn="ctr">
-                      <a:solidFill>
-                        <a:schemeClr val="lt2">
-                          <a:alpha val="0"/>
-                        </a:schemeClr>
-                      </a:solidFill>
-                      <a:prstDash val="solid"/>
-                      <a:round/>
-                      <a:headEnd type="none" w="sm" len="sm"/>
-                      <a:tailEnd type="none" w="sm" len="sm"/>
-                    </a:lnT>
-                    <a:lnB w="9525" cap="flat" cmpd="sng" algn="ctr">
-                      <a:solidFill>
-                        <a:schemeClr val="lt2">
-                          <a:alpha val="0"/>
-                        </a:schemeClr>
-                      </a:solidFill>
-                      <a:prstDash val="solid"/>
-                      <a:round/>
-                      <a:headEnd type="none" w="sm" len="sm"/>
-                      <a:tailEnd type="none" w="sm" len="sm"/>
-                    </a:lnB>
-                    <a:solidFill>
-                      <a:schemeClr val="lt1"/>
-                    </a:solidFill>
-                  </a:tcPr>
-                </a:tc>
-                <a:tc>
-                  <a:txBody>
-                    <a:bodyPr/>
-                    <a:lstStyle/>
-                    <a:p>
-                      <a:pPr marL="0" lvl="0" indent="0" algn="ctr" rtl="0">
-                        <a:spcBef>
-                          <a:spcPts val="0"/>
-                        </a:spcBef>
-                        <a:spcAft>
-                          <a:spcPts val="0"/>
-                        </a:spcAft>
-                        <a:buNone/>
-                      </a:pPr>
-                      <a:r>
-                        <a:rPr lang="es-ES" sz="1100" dirty="0">
-                          <a:solidFill>
-                            <a:schemeClr val="bg1">
-                              <a:lumMod val="50000"/>
-                            </a:schemeClr>
-                          </a:solidFill>
-                          <a:latin typeface="Catamaran"/>
-                          <a:ea typeface="Catamaran"/>
-                          <a:cs typeface="Catamaran"/>
-                          <a:sym typeface="Catamaran"/>
-                        </a:rPr>
-                        <a:t>Baja</a:t>
-                      </a:r>
-                      <a:endParaRPr sz="1100" dirty="0">
-                        <a:solidFill>
-                          <a:schemeClr val="bg1">
-                            <a:lumMod val="50000"/>
-                          </a:schemeClr>
-                        </a:solidFill>
-                        <a:latin typeface="Catamaran"/>
-                        <a:ea typeface="Catamaran"/>
-                        <a:cs typeface="Catamaran"/>
-                        <a:sym typeface="Catamaran"/>
-                      </a:endParaRPr>
-                    </a:p>
-                  </a:txBody>
-                  <a:tcPr marL="91425" marR="91425" marT="68575" marB="68575" anchor="ctr">
-                    <a:lnL w="9525" cap="flat" cmpd="sng" algn="ctr">
-                      <a:solidFill>
-                        <a:schemeClr val="lt2">
-                          <a:alpha val="0"/>
-                        </a:schemeClr>
-                      </a:solidFill>
-                      <a:prstDash val="solid"/>
-                      <a:round/>
-                      <a:headEnd type="none" w="sm" len="sm"/>
-                      <a:tailEnd type="none" w="sm" len="sm"/>
-                    </a:lnL>
-                    <a:lnR w="9525" cap="flat" cmpd="sng" algn="ctr">
-                      <a:solidFill>
-                        <a:schemeClr val="lt2">
-                          <a:alpha val="0"/>
-                        </a:schemeClr>
-                      </a:solidFill>
-                      <a:prstDash val="solid"/>
-                      <a:round/>
-                      <a:headEnd type="none" w="sm" len="sm"/>
-                      <a:tailEnd type="none" w="sm" len="sm"/>
-                    </a:lnR>
-                    <a:lnT w="9525" cap="flat" cmpd="sng" algn="ctr">
-                      <a:solidFill>
-                        <a:schemeClr val="lt2">
-                          <a:alpha val="0"/>
-                        </a:schemeClr>
-                      </a:solidFill>
-                      <a:prstDash val="solid"/>
-                      <a:round/>
-                      <a:headEnd type="none" w="sm" len="sm"/>
-                      <a:tailEnd type="none" w="sm" len="sm"/>
-                    </a:lnT>
-                    <a:lnB w="9525" cap="flat" cmpd="sng" algn="ctr">
-                      <a:solidFill>
-                        <a:schemeClr val="lt2">
-                          <a:alpha val="0"/>
-                        </a:schemeClr>
-                      </a:solidFill>
-                      <a:prstDash val="solid"/>
-                      <a:round/>
-                      <a:headEnd type="none" w="sm" len="sm"/>
-                      <a:tailEnd type="none" w="sm" len="sm"/>
-                    </a:lnB>
-                    <a:solidFill>
-                      <a:schemeClr val="lt1"/>
-                    </a:solidFill>
-                  </a:tcPr>
-                </a:tc>
-                <a:tc>
-                  <a:txBody>
-                    <a:bodyPr/>
-                    <a:lstStyle/>
-                    <a:p>
-                      <a:pPr marL="0" lvl="0" indent="0" algn="ctr" rtl="0">
-                        <a:spcBef>
-                          <a:spcPts val="0"/>
-                        </a:spcBef>
-                        <a:spcAft>
-                          <a:spcPts val="0"/>
-                        </a:spcAft>
-                        <a:buNone/>
-                      </a:pPr>
-                      <a:r>
-                        <a:rPr lang="en" sz="1100" dirty="0">
-                          <a:solidFill>
-                            <a:schemeClr val="bg1">
-                              <a:lumMod val="50000"/>
-                            </a:schemeClr>
-                          </a:solidFill>
-                          <a:latin typeface="Catamaran"/>
-                          <a:ea typeface="Catamaran"/>
-                          <a:cs typeface="Catamaran"/>
-                          <a:sym typeface="Catamaran"/>
-                        </a:rPr>
-                        <a:t>Sencilla</a:t>
-                      </a:r>
-                      <a:endParaRPr sz="1100" dirty="0">
-                        <a:solidFill>
-                          <a:schemeClr val="bg1">
-                            <a:lumMod val="50000"/>
-                          </a:schemeClr>
-                        </a:solidFill>
-                        <a:latin typeface="Catamaran"/>
-                        <a:ea typeface="Catamaran"/>
-                        <a:cs typeface="Catamaran"/>
-                        <a:sym typeface="Catamaran"/>
-                      </a:endParaRPr>
-                    </a:p>
-                  </a:txBody>
-                  <a:tcPr marL="91425" marR="91425" marT="68575" marB="68575" anchor="ctr">
-                    <a:lnL w="9525" cap="flat" cmpd="sng">
-                      <a:solidFill>
-                        <a:schemeClr val="lt2">
-                          <a:alpha val="0"/>
-                        </a:schemeClr>
-                      </a:solidFill>
-                      <a:prstDash val="solid"/>
-                      <a:round/>
-                      <a:headEnd type="none" w="sm" len="sm"/>
-                      <a:tailEnd type="none" w="sm" len="sm"/>
-                    </a:lnL>
-                    <a:lnR w="19050" cap="flat" cmpd="sng">
-                      <a:solidFill>
-                        <a:schemeClr val="accent1"/>
-                      </a:solidFill>
-                      <a:prstDash val="solid"/>
-                      <a:round/>
-                      <a:headEnd type="none" w="sm" len="sm"/>
-                      <a:tailEnd type="none" w="sm" len="sm"/>
-                    </a:lnR>
-                    <a:lnT w="9525" cap="flat" cmpd="sng">
-                      <a:solidFill>
-                        <a:schemeClr val="lt2">
-                          <a:alpha val="0"/>
-                        </a:schemeClr>
-                      </a:solidFill>
-                      <a:prstDash val="solid"/>
-                      <a:round/>
-                      <a:headEnd type="none" w="sm" len="sm"/>
-                      <a:tailEnd type="none" w="sm" len="sm"/>
-                    </a:lnT>
-                    <a:lnB w="9525" cap="flat" cmpd="sng">
-                      <a:solidFill>
-                        <a:schemeClr val="lt2">
-                          <a:alpha val="0"/>
-                        </a:schemeClr>
-                      </a:solidFill>
-                      <a:prstDash val="solid"/>
-                      <a:round/>
-                      <a:headEnd type="none" w="sm" len="sm"/>
-                      <a:tailEnd type="none" w="sm" len="sm"/>
-                    </a:lnB>
-                    <a:solidFill>
-                      <a:schemeClr val="lt1"/>
-                    </a:solidFill>
-                  </a:tcPr>
-                </a:tc>
-                <a:extLst>
-                  <a:ext uri="{0D108BD9-81ED-4DB2-BD59-A6C34878D82A}">
-                    <a16:rowId xmlns:a16="http://schemas.microsoft.com/office/drawing/2014/main" val="10001"/>
-                  </a:ext>
-                </a:extLst>
-              </a:tr>
-              <a:tr h="670350">
-                <a:tc>
-                  <a:txBody>
-                    <a:bodyPr/>
-                    <a:lstStyle/>
-                    <a:p>
-                      <a:pPr marL="0" lvl="0" indent="0" algn="ctr" rtl="0">
-                        <a:spcBef>
-                          <a:spcPts val="0"/>
-                        </a:spcBef>
-                        <a:spcAft>
-                          <a:spcPts val="0"/>
-                        </a:spcAft>
-                        <a:buNone/>
-                      </a:pPr>
-                      <a:r>
-                        <a:rPr lang="en" sz="1100" b="1" dirty="0">
-                          <a:solidFill>
-                            <a:schemeClr val="tx1"/>
-                          </a:solidFill>
-                          <a:latin typeface="Catamaran"/>
-                          <a:ea typeface="Catamaran"/>
-                          <a:cs typeface="Catamaran"/>
-                          <a:sym typeface="Catamaran"/>
-                        </a:rPr>
-                        <a:t>Kemp</a:t>
-                      </a:r>
-                      <a:endParaRPr sz="1100" b="1" dirty="0">
-                        <a:solidFill>
-                          <a:schemeClr val="tx1"/>
-                        </a:solidFill>
-                        <a:latin typeface="Catamaran"/>
-                        <a:ea typeface="Catamaran"/>
-                        <a:cs typeface="Catamaran"/>
-                        <a:sym typeface="Catamaran"/>
-                      </a:endParaRPr>
-                    </a:p>
-                  </a:txBody>
-                  <a:tcPr marL="91425" marR="91425" marT="68575" marB="68575" anchor="ctr">
-                    <a:lnL w="19050" cap="flat" cmpd="sng">
-                      <a:solidFill>
-                        <a:schemeClr val="accent1"/>
-                      </a:solidFill>
-                      <a:prstDash val="solid"/>
-                      <a:round/>
-                      <a:headEnd type="none" w="sm" len="sm"/>
-                      <a:tailEnd type="none" w="sm" len="sm"/>
-                    </a:lnL>
-                    <a:lnR w="9525" cap="flat" cmpd="sng">
-                      <a:solidFill>
-                        <a:schemeClr val="lt2">
-                          <a:alpha val="0"/>
-                        </a:schemeClr>
-                      </a:solidFill>
-                      <a:prstDash val="solid"/>
-                      <a:round/>
-                      <a:headEnd type="none" w="sm" len="sm"/>
-                      <a:tailEnd type="none" w="sm" len="sm"/>
-                    </a:lnR>
-                    <a:lnT w="9525" cap="flat" cmpd="sng">
-                      <a:solidFill>
-                        <a:schemeClr val="lt2">
-                          <a:alpha val="0"/>
-                        </a:schemeClr>
-                      </a:solidFill>
-                      <a:prstDash val="solid"/>
-                      <a:round/>
-                      <a:headEnd type="none" w="sm" len="sm"/>
-                      <a:tailEnd type="none" w="sm" len="sm"/>
-                    </a:lnT>
-                    <a:lnB w="9525" cap="flat" cmpd="sng">
-                      <a:solidFill>
-                        <a:schemeClr val="lt2">
-                          <a:alpha val="0"/>
-                        </a:schemeClr>
-                      </a:solidFill>
-                      <a:prstDash val="solid"/>
-                      <a:round/>
-                      <a:headEnd type="none" w="sm" len="sm"/>
-                      <a:tailEnd type="none" w="sm" len="sm"/>
-                    </a:lnB>
-                    <a:solidFill>
-                      <a:schemeClr val="lt2"/>
-                    </a:solidFill>
-                  </a:tcPr>
-                </a:tc>
-                <a:tc>
-                  <a:txBody>
-                    <a:bodyPr/>
-                    <a:lstStyle/>
-                    <a:p>
-                      <a:pPr marL="0" lvl="0" indent="0" algn="ctr" rtl="0">
-                        <a:spcBef>
-                          <a:spcPts val="0"/>
-                        </a:spcBef>
-                        <a:spcAft>
-                          <a:spcPts val="0"/>
-                        </a:spcAft>
-                        <a:buNone/>
-                      </a:pPr>
-                      <a:r>
-                        <a:rPr lang="es-ES" sz="1100" dirty="0">
-                          <a:solidFill>
-                            <a:schemeClr val="bg1">
-                              <a:lumMod val="50000"/>
-                            </a:schemeClr>
-                          </a:solidFill>
-                          <a:latin typeface="Catamaran"/>
-                          <a:ea typeface="Catamaran"/>
-                          <a:cs typeface="Catamaran"/>
-                          <a:sym typeface="Catamaran"/>
-                        </a:rPr>
-                        <a:t>Balanceador de carga</a:t>
-                      </a:r>
-                      <a:endParaRPr sz="1100" dirty="0">
-                        <a:solidFill>
-                          <a:schemeClr val="bg1">
-                            <a:lumMod val="50000"/>
-                          </a:schemeClr>
-                        </a:solidFill>
-                        <a:latin typeface="Catamaran"/>
-                        <a:ea typeface="Catamaran"/>
-                        <a:cs typeface="Catamaran"/>
-                        <a:sym typeface="Catamaran"/>
-                      </a:endParaRPr>
-                    </a:p>
-                  </a:txBody>
-                  <a:tcPr marL="91425" marR="91425" marT="68575" marB="68575" anchor="ctr">
-                    <a:lnL w="9525" cap="flat" cmpd="sng">
-                      <a:solidFill>
-                        <a:schemeClr val="lt2">
-                          <a:alpha val="0"/>
-                        </a:schemeClr>
-                      </a:solidFill>
-                      <a:prstDash val="solid"/>
-                      <a:round/>
-                      <a:headEnd type="none" w="sm" len="sm"/>
-                      <a:tailEnd type="none" w="sm" len="sm"/>
-                    </a:lnL>
-                    <a:lnR w="9525" cap="flat" cmpd="sng">
-                      <a:solidFill>
-                        <a:schemeClr val="lt2">
-                          <a:alpha val="0"/>
-                        </a:schemeClr>
-                      </a:solidFill>
-                      <a:prstDash val="solid"/>
-                      <a:round/>
-                      <a:headEnd type="none" w="sm" len="sm"/>
-                      <a:tailEnd type="none" w="sm" len="sm"/>
-                    </a:lnR>
-                    <a:lnT w="9525" cap="flat" cmpd="sng">
-                      <a:solidFill>
-                        <a:schemeClr val="lt2">
-                          <a:alpha val="0"/>
-                        </a:schemeClr>
-                      </a:solidFill>
-                      <a:prstDash val="solid"/>
-                      <a:round/>
-                      <a:headEnd type="none" w="sm" len="sm"/>
-                      <a:tailEnd type="none" w="sm" len="sm"/>
-                    </a:lnT>
-                    <a:lnB w="9525" cap="flat" cmpd="sng">
-                      <a:solidFill>
-                        <a:schemeClr val="lt2">
-                          <a:alpha val="0"/>
-                        </a:schemeClr>
-                      </a:solidFill>
-                      <a:prstDash val="solid"/>
-                      <a:round/>
-                      <a:headEnd type="none" w="sm" len="sm"/>
-                      <a:tailEnd type="none" w="sm" len="sm"/>
-                    </a:lnB>
-                    <a:solidFill>
-                      <a:schemeClr val="lt2"/>
-                    </a:solidFill>
-                  </a:tcPr>
-                </a:tc>
-                <a:tc>
-                  <a:txBody>
-                    <a:bodyPr/>
-                    <a:lstStyle/>
-                    <a:p>
-                      <a:pPr marL="0" lvl="0" indent="0" algn="ctr" rtl="0">
-                        <a:spcBef>
-                          <a:spcPts val="0"/>
-                        </a:spcBef>
-                        <a:spcAft>
-                          <a:spcPts val="0"/>
-                        </a:spcAft>
-                        <a:buNone/>
-                      </a:pPr>
-                      <a:r>
-                        <a:rPr lang="en" sz="1100" dirty="0">
-                          <a:solidFill>
-                            <a:schemeClr val="bg1">
-                              <a:lumMod val="50000"/>
-                            </a:schemeClr>
-                          </a:solidFill>
-                          <a:latin typeface="Catamaran"/>
-                          <a:ea typeface="Catamaran"/>
-                          <a:cs typeface="Catamaran"/>
-                          <a:sym typeface="Catamaran"/>
-                        </a:rPr>
-                        <a:t>4/7</a:t>
-                      </a:r>
-                      <a:endParaRPr sz="1100" dirty="0">
-                        <a:solidFill>
-                          <a:schemeClr val="bg1">
-                            <a:lumMod val="50000"/>
-                          </a:schemeClr>
-                        </a:solidFill>
-                        <a:latin typeface="Catamaran"/>
-                        <a:ea typeface="Catamaran"/>
-                        <a:cs typeface="Catamaran"/>
-                        <a:sym typeface="Catamaran"/>
-                      </a:endParaRPr>
-                    </a:p>
-                  </a:txBody>
-                  <a:tcPr marL="91425" marR="91425" marT="68575" marB="68575" anchor="ctr">
-                    <a:lnL w="9525" cap="flat" cmpd="sng">
-                      <a:solidFill>
-                        <a:schemeClr val="lt2">
-                          <a:alpha val="0"/>
-                        </a:schemeClr>
-                      </a:solidFill>
-                      <a:prstDash val="solid"/>
-                      <a:round/>
-                      <a:headEnd type="none" w="sm" len="sm"/>
-                      <a:tailEnd type="none" w="sm" len="sm"/>
-                    </a:lnL>
-                    <a:lnR w="9525" cap="flat" cmpd="sng">
-                      <a:solidFill>
-                        <a:schemeClr val="lt2">
-                          <a:alpha val="0"/>
-                        </a:schemeClr>
-                      </a:solidFill>
-                      <a:prstDash val="solid"/>
-                      <a:round/>
-                      <a:headEnd type="none" w="sm" len="sm"/>
-                      <a:tailEnd type="none" w="sm" len="sm"/>
-                    </a:lnR>
-                    <a:lnT w="9525" cap="flat" cmpd="sng">
-                      <a:solidFill>
-                        <a:schemeClr val="lt2">
-                          <a:alpha val="0"/>
-                        </a:schemeClr>
-                      </a:solidFill>
-                      <a:prstDash val="solid"/>
-                      <a:round/>
-                      <a:headEnd type="none" w="sm" len="sm"/>
-                      <a:tailEnd type="none" w="sm" len="sm"/>
-                    </a:lnT>
-                    <a:lnB w="9525" cap="flat" cmpd="sng">
-                      <a:solidFill>
-                        <a:schemeClr val="lt2">
-                          <a:alpha val="0"/>
-                        </a:schemeClr>
-                      </a:solidFill>
-                      <a:prstDash val="solid"/>
-                      <a:round/>
-                      <a:headEnd type="none" w="sm" len="sm"/>
-                      <a:tailEnd type="none" w="sm" len="sm"/>
-                    </a:lnB>
-                    <a:solidFill>
-                      <a:schemeClr val="lt2"/>
-                    </a:solidFill>
-                  </a:tcPr>
-                </a:tc>
-                <a:tc>
-                  <a:txBody>
-                    <a:bodyPr/>
-                    <a:lstStyle/>
-                    <a:p>
-                      <a:pPr marL="0" lvl="0" indent="0" algn="ctr" rtl="0">
-                        <a:spcBef>
-                          <a:spcPts val="0"/>
-                        </a:spcBef>
-                        <a:spcAft>
-                          <a:spcPts val="0"/>
-                        </a:spcAft>
-                        <a:buNone/>
-                      </a:pPr>
-                      <a:r>
-                        <a:rPr lang="es-ES" sz="1100" dirty="0">
-                          <a:solidFill>
-                            <a:schemeClr val="bg1">
-                              <a:lumMod val="50000"/>
-                            </a:schemeClr>
-                          </a:solidFill>
-                          <a:latin typeface="Catamaran"/>
-                          <a:ea typeface="Catamaran"/>
-                          <a:cs typeface="Catamaran"/>
-                          <a:sym typeface="Catamaran"/>
-                        </a:rPr>
-                        <a:t>De pago</a:t>
-                      </a:r>
-                      <a:endParaRPr sz="1100" dirty="0">
-                        <a:solidFill>
-                          <a:schemeClr val="bg1">
-                            <a:lumMod val="50000"/>
-                          </a:schemeClr>
-                        </a:solidFill>
-                        <a:latin typeface="Catamaran"/>
-                        <a:ea typeface="Catamaran"/>
-                        <a:cs typeface="Catamaran"/>
-                        <a:sym typeface="Catamaran"/>
-                      </a:endParaRPr>
-                    </a:p>
-                  </a:txBody>
-                  <a:tcPr marL="91425" marR="91425" marT="68575" marB="68575" anchor="ctr">
-                    <a:lnL w="9525" cap="flat" cmpd="sng">
-                      <a:solidFill>
-                        <a:schemeClr val="lt2">
-                          <a:alpha val="0"/>
-                        </a:schemeClr>
-                      </a:solidFill>
-                      <a:prstDash val="solid"/>
-                      <a:round/>
-                      <a:headEnd type="none" w="sm" len="sm"/>
-                      <a:tailEnd type="none" w="sm" len="sm"/>
-                    </a:lnL>
-                    <a:lnR w="9525" cap="flat" cmpd="sng" algn="ctr">
-                      <a:solidFill>
-                        <a:schemeClr val="lt2">
-                          <a:alpha val="0"/>
-                        </a:schemeClr>
-                      </a:solidFill>
-                      <a:prstDash val="solid"/>
-                      <a:round/>
-                      <a:headEnd type="none" w="sm" len="sm"/>
-                      <a:tailEnd type="none" w="sm" len="sm"/>
-                    </a:lnR>
-                    <a:lnT w="9525" cap="flat" cmpd="sng" algn="ctr">
-                      <a:solidFill>
-                        <a:schemeClr val="lt2">
-                          <a:alpha val="0"/>
-                        </a:schemeClr>
-                      </a:solidFill>
-                      <a:prstDash val="solid"/>
-                      <a:round/>
-                      <a:headEnd type="none" w="sm" len="sm"/>
-                      <a:tailEnd type="none" w="sm" len="sm"/>
-                    </a:lnT>
-                    <a:lnB w="9525" cap="flat" cmpd="sng" algn="ctr">
-                      <a:solidFill>
-                        <a:schemeClr val="lt2">
-                          <a:alpha val="0"/>
-                        </a:schemeClr>
-                      </a:solidFill>
-                      <a:prstDash val="solid"/>
-                      <a:round/>
-                      <a:headEnd type="none" w="sm" len="sm"/>
-                      <a:tailEnd type="none" w="sm" len="sm"/>
-                    </a:lnB>
-                    <a:solidFill>
-                      <a:schemeClr val="lt2"/>
-                    </a:solidFill>
-                  </a:tcPr>
-                </a:tc>
-                <a:tc>
-                  <a:txBody>
-                    <a:bodyPr/>
-                    <a:lstStyle/>
-                    <a:p>
-                      <a:pPr marL="0" lvl="0" indent="0" algn="ctr" rtl="0">
-                        <a:spcBef>
-                          <a:spcPts val="0"/>
-                        </a:spcBef>
-                        <a:spcAft>
-                          <a:spcPts val="0"/>
-                        </a:spcAft>
-                        <a:buNone/>
-                      </a:pPr>
-                      <a:r>
-                        <a:rPr lang="es-ES" sz="1100" dirty="0">
-                          <a:solidFill>
-                            <a:schemeClr val="bg1">
-                              <a:lumMod val="50000"/>
-                            </a:schemeClr>
-                          </a:solidFill>
-                          <a:latin typeface="Catamaran"/>
-                          <a:ea typeface="Catamaran"/>
-                          <a:cs typeface="Catamaran"/>
-                          <a:sym typeface="Catamaran"/>
-                        </a:rPr>
-                        <a:t>Sí</a:t>
-                      </a:r>
-                      <a:endParaRPr sz="1100" dirty="0">
-                        <a:solidFill>
-                          <a:schemeClr val="bg1">
-                            <a:lumMod val="50000"/>
-                          </a:schemeClr>
-                        </a:solidFill>
-                        <a:latin typeface="Catamaran"/>
-                        <a:ea typeface="Catamaran"/>
-                        <a:cs typeface="Catamaran"/>
-                        <a:sym typeface="Catamaran"/>
-                      </a:endParaRPr>
-                    </a:p>
-                  </a:txBody>
-                  <a:tcPr marL="91425" marR="91425" marT="68575" marB="68575" anchor="ctr">
-                    <a:lnL w="9525" cap="flat" cmpd="sng" algn="ctr">
-                      <a:solidFill>
-                        <a:schemeClr val="lt2">
-                          <a:alpha val="0"/>
-                        </a:schemeClr>
-                      </a:solidFill>
-                      <a:prstDash val="solid"/>
-                      <a:round/>
-                      <a:headEnd type="none" w="sm" len="sm"/>
-                      <a:tailEnd type="none" w="sm" len="sm"/>
-                    </a:lnL>
-                    <a:lnR w="9525" cap="flat" cmpd="sng" algn="ctr">
-                      <a:solidFill>
-                        <a:schemeClr val="lt2">
-                          <a:alpha val="0"/>
-                        </a:schemeClr>
-                      </a:solidFill>
-                      <a:prstDash val="solid"/>
-                      <a:round/>
-                      <a:headEnd type="none" w="sm" len="sm"/>
-                      <a:tailEnd type="none" w="sm" len="sm"/>
-                    </a:lnR>
-                    <a:lnT w="9525" cap="flat" cmpd="sng" algn="ctr">
-                      <a:solidFill>
-                        <a:schemeClr val="lt2">
-                          <a:alpha val="0"/>
-                        </a:schemeClr>
-                      </a:solidFill>
-                      <a:prstDash val="solid"/>
-                      <a:round/>
-                      <a:headEnd type="none" w="sm" len="sm"/>
-                      <a:tailEnd type="none" w="sm" len="sm"/>
-                    </a:lnT>
-                    <a:lnB w="9525" cap="flat" cmpd="sng" algn="ctr">
-                      <a:solidFill>
-                        <a:schemeClr val="lt2">
-                          <a:alpha val="0"/>
-                        </a:schemeClr>
-                      </a:solidFill>
-                      <a:prstDash val="solid"/>
-                      <a:round/>
-                      <a:headEnd type="none" w="sm" len="sm"/>
-                      <a:tailEnd type="none" w="sm" len="sm"/>
-                    </a:lnB>
-                    <a:solidFill>
-                      <a:schemeClr val="lt2"/>
-                    </a:solidFill>
-                  </a:tcPr>
-                </a:tc>
-                <a:tc>
-                  <a:txBody>
-                    <a:bodyPr/>
-                    <a:lstStyle/>
-                    <a:p>
-                      <a:pPr marL="0" lvl="0" indent="0" algn="ctr" rtl="0">
-                        <a:spcBef>
-                          <a:spcPts val="0"/>
-                        </a:spcBef>
-                        <a:spcAft>
-                          <a:spcPts val="0"/>
-                        </a:spcAft>
-                        <a:buNone/>
-                      </a:pPr>
-                      <a:r>
-                        <a:rPr lang="es-ES" sz="1100" dirty="0">
-                          <a:solidFill>
-                            <a:schemeClr val="bg1">
-                              <a:lumMod val="50000"/>
-                            </a:schemeClr>
-                          </a:solidFill>
-                          <a:latin typeface="Catamaran"/>
-                          <a:ea typeface="Catamaran"/>
-                          <a:cs typeface="Catamaran"/>
-                          <a:sym typeface="Catamaran"/>
-                        </a:rPr>
-                        <a:t>Baja</a:t>
-                      </a:r>
-                    </a:p>
-                  </a:txBody>
-                  <a:tcPr marL="91425" marR="91425" marT="68575" marB="68575" anchor="ctr">
-                    <a:lnL w="9525" cap="flat" cmpd="sng" algn="ctr">
-                      <a:solidFill>
-                        <a:schemeClr val="lt2">
-                          <a:alpha val="0"/>
-                        </a:schemeClr>
-                      </a:solidFill>
-                      <a:prstDash val="solid"/>
-                      <a:round/>
-                      <a:headEnd type="none" w="sm" len="sm"/>
-                      <a:tailEnd type="none" w="sm" len="sm"/>
-                    </a:lnL>
-                    <a:lnR w="9525" cap="flat" cmpd="sng" algn="ctr">
-                      <a:solidFill>
-                        <a:schemeClr val="lt2">
-                          <a:alpha val="0"/>
-                        </a:schemeClr>
-                      </a:solidFill>
-                      <a:prstDash val="solid"/>
-                      <a:round/>
-                      <a:headEnd type="none" w="sm" len="sm"/>
-                      <a:tailEnd type="none" w="sm" len="sm"/>
-                    </a:lnR>
-                    <a:lnT w="9525" cap="flat" cmpd="sng" algn="ctr">
-                      <a:solidFill>
-                        <a:schemeClr val="lt2">
-                          <a:alpha val="0"/>
-                        </a:schemeClr>
-                      </a:solidFill>
-                      <a:prstDash val="solid"/>
-                      <a:round/>
-                      <a:headEnd type="none" w="sm" len="sm"/>
-                      <a:tailEnd type="none" w="sm" len="sm"/>
-                    </a:lnT>
-                    <a:lnB w="9525" cap="flat" cmpd="sng" algn="ctr">
-                      <a:solidFill>
-                        <a:schemeClr val="lt2">
-                          <a:alpha val="0"/>
-                        </a:schemeClr>
-                      </a:solidFill>
-                      <a:prstDash val="solid"/>
-                      <a:round/>
-                      <a:headEnd type="none" w="sm" len="sm"/>
-                      <a:tailEnd type="none" w="sm" len="sm"/>
-                    </a:lnB>
-                    <a:solidFill>
-                      <a:schemeClr val="lt2"/>
-                    </a:solidFill>
-                  </a:tcPr>
-                </a:tc>
-                <a:tc>
-                  <a:txBody>
-                    <a:bodyPr/>
-                    <a:lstStyle/>
-                    <a:p>
-                      <a:pPr marL="0" lvl="0" indent="0" algn="ctr" rtl="0">
-                        <a:spcBef>
-                          <a:spcPts val="0"/>
-                        </a:spcBef>
-                        <a:spcAft>
-                          <a:spcPts val="0"/>
-                        </a:spcAft>
-                        <a:buNone/>
-                      </a:pPr>
-                      <a:r>
-                        <a:rPr lang="en" sz="1100" dirty="0">
-                          <a:solidFill>
-                            <a:schemeClr val="bg1">
-                              <a:lumMod val="50000"/>
-                            </a:schemeClr>
-                          </a:solidFill>
-                          <a:latin typeface="Catamaran"/>
-                          <a:ea typeface="Catamaran"/>
-                          <a:cs typeface="Catamaran"/>
-                          <a:sym typeface="Catamaran"/>
-                        </a:rPr>
-                        <a:t>Sencilla</a:t>
-                      </a:r>
-                      <a:endParaRPr sz="1100" dirty="0">
-                        <a:solidFill>
-                          <a:schemeClr val="bg1">
-                            <a:lumMod val="50000"/>
-                          </a:schemeClr>
-                        </a:solidFill>
-                        <a:latin typeface="Catamaran"/>
-                        <a:ea typeface="Catamaran"/>
-                        <a:cs typeface="Catamaran"/>
-                        <a:sym typeface="Catamaran"/>
-                      </a:endParaRPr>
-                    </a:p>
-                  </a:txBody>
-                  <a:tcPr marL="91425" marR="91425" marT="68575" marB="68575" anchor="ctr">
-                    <a:lnL w="9525" cap="flat" cmpd="sng">
-                      <a:solidFill>
-                        <a:schemeClr val="lt2">
-                          <a:alpha val="0"/>
-                        </a:schemeClr>
-                      </a:solidFill>
-                      <a:prstDash val="solid"/>
-                      <a:round/>
-                      <a:headEnd type="none" w="sm" len="sm"/>
-                      <a:tailEnd type="none" w="sm" len="sm"/>
-                    </a:lnL>
-                    <a:lnR w="19050" cap="flat" cmpd="sng">
-                      <a:solidFill>
-                        <a:schemeClr val="accent1"/>
-                      </a:solidFill>
-                      <a:prstDash val="solid"/>
-                      <a:round/>
-                      <a:headEnd type="none" w="sm" len="sm"/>
-                      <a:tailEnd type="none" w="sm" len="sm"/>
-                    </a:lnR>
-                    <a:lnT w="9525" cap="flat" cmpd="sng">
-                      <a:solidFill>
-                        <a:schemeClr val="lt2">
-                          <a:alpha val="0"/>
-                        </a:schemeClr>
-                      </a:solidFill>
-                      <a:prstDash val="solid"/>
-                      <a:round/>
-                      <a:headEnd type="none" w="sm" len="sm"/>
-                      <a:tailEnd type="none" w="sm" len="sm"/>
-                    </a:lnT>
-                    <a:lnB w="9525" cap="flat" cmpd="sng">
-                      <a:solidFill>
-                        <a:schemeClr val="lt2">
-                          <a:alpha val="0"/>
-                        </a:schemeClr>
-                      </a:solidFill>
-                      <a:prstDash val="solid"/>
-                      <a:round/>
-                      <a:headEnd type="none" w="sm" len="sm"/>
-                      <a:tailEnd type="none" w="sm" len="sm"/>
-                    </a:lnB>
-                    <a:solidFill>
-                      <a:schemeClr val="lt2"/>
-                    </a:solidFill>
-                  </a:tcPr>
-                </a:tc>
-                <a:extLst>
-                  <a:ext uri="{0D108BD9-81ED-4DB2-BD59-A6C34878D82A}">
-                    <a16:rowId xmlns:a16="http://schemas.microsoft.com/office/drawing/2014/main" val="10002"/>
-                  </a:ext>
-                </a:extLst>
-              </a:tr>
-              <a:tr h="670350">
-                <a:tc>
-                  <a:txBody>
-                    <a:bodyPr/>
-                    <a:lstStyle/>
-                    <a:p>
-                      <a:pPr marL="0" lvl="0" indent="0" algn="ctr" rtl="0">
-                        <a:spcBef>
-                          <a:spcPts val="0"/>
-                        </a:spcBef>
-                        <a:spcAft>
-                          <a:spcPts val="0"/>
-                        </a:spcAft>
-                        <a:buNone/>
-                      </a:pPr>
-                      <a:r>
-                        <a:rPr lang="es-ES" sz="1100" b="1" dirty="0">
-                          <a:solidFill>
-                            <a:schemeClr val="tx1"/>
-                          </a:solidFill>
-                          <a:latin typeface="Catamaran"/>
-                          <a:ea typeface="Catamaran"/>
-                          <a:cs typeface="Catamaran"/>
-                          <a:sym typeface="Catamaran"/>
-                        </a:rPr>
-                        <a:t>YARP</a:t>
-                      </a:r>
-                      <a:endParaRPr sz="1100" b="1" dirty="0">
-                        <a:solidFill>
-                          <a:schemeClr val="tx1"/>
-                        </a:solidFill>
-                        <a:latin typeface="Catamaran"/>
-                        <a:ea typeface="Catamaran"/>
-                        <a:cs typeface="Catamaran"/>
-                        <a:sym typeface="Catamaran"/>
-                      </a:endParaRPr>
-                    </a:p>
-                  </a:txBody>
-                  <a:tcPr marL="91425" marR="91425" marT="68575" marB="68575" anchor="ctr">
-                    <a:lnL w="19050" cap="flat" cmpd="sng">
-                      <a:solidFill>
-                        <a:schemeClr val="accent1"/>
-                      </a:solidFill>
-                      <a:prstDash val="solid"/>
-                      <a:round/>
-                      <a:headEnd type="none" w="sm" len="sm"/>
-                      <a:tailEnd type="none" w="sm" len="sm"/>
-                    </a:lnL>
-                    <a:lnR w="9525" cap="flat" cmpd="sng" algn="ctr">
-                      <a:solidFill>
-                        <a:schemeClr val="lt2">
-                          <a:alpha val="0"/>
-                        </a:schemeClr>
-                      </a:solidFill>
-                      <a:prstDash val="solid"/>
-                      <a:round/>
-                      <a:headEnd type="none" w="sm" len="sm"/>
-                      <a:tailEnd type="none" w="sm" len="sm"/>
-                    </a:lnR>
-                    <a:lnT w="9525" cap="flat" cmpd="sng" algn="ctr">
-                      <a:solidFill>
-                        <a:schemeClr val="lt2">
-                          <a:alpha val="0"/>
-                        </a:schemeClr>
-                      </a:solidFill>
-                      <a:prstDash val="solid"/>
-                      <a:round/>
-                      <a:headEnd type="none" w="sm" len="sm"/>
-                      <a:tailEnd type="none" w="sm" len="sm"/>
-                    </a:lnT>
-                    <a:lnB w="9525" cap="flat" cmpd="sng">
-                      <a:solidFill>
-                        <a:schemeClr val="lt2">
-                          <a:alpha val="0"/>
-                        </a:schemeClr>
-                      </a:solidFill>
-                      <a:prstDash val="solid"/>
-                      <a:round/>
-                      <a:headEnd type="none" w="sm" len="sm"/>
-                      <a:tailEnd type="none" w="sm" len="sm"/>
-                    </a:lnB>
-                    <a:solidFill>
-                      <a:schemeClr val="bg1"/>
-                    </a:solidFill>
-                  </a:tcPr>
-                </a:tc>
-                <a:tc>
-                  <a:txBody>
-                    <a:bodyPr/>
-                    <a:lstStyle/>
-                    <a:p>
-                      <a:pPr marL="0" lvl="0" indent="0" algn="ctr" rtl="0">
-                        <a:spcBef>
-                          <a:spcPts val="0"/>
-                        </a:spcBef>
-                        <a:spcAft>
-                          <a:spcPts val="0"/>
-                        </a:spcAft>
-                        <a:buNone/>
-                      </a:pPr>
-                      <a:r>
-                        <a:rPr lang="es-ES" sz="1100" i="1" dirty="0">
-                          <a:solidFill>
-                            <a:schemeClr val="bg1">
-                              <a:lumMod val="50000"/>
-                            </a:schemeClr>
-                          </a:solidFill>
-                          <a:latin typeface="Catamaran"/>
-                          <a:ea typeface="Catamaran"/>
-                          <a:cs typeface="Catamaran"/>
-                          <a:sym typeface="Catamaran"/>
-                        </a:rPr>
-                        <a:t>Proxy</a:t>
-                      </a:r>
-                      <a:r>
-                        <a:rPr lang="es-ES" sz="1100" dirty="0">
-                          <a:solidFill>
-                            <a:schemeClr val="bg1">
-                              <a:lumMod val="50000"/>
-                            </a:schemeClr>
-                          </a:solidFill>
-                          <a:latin typeface="Catamaran"/>
-                          <a:ea typeface="Catamaran"/>
-                          <a:cs typeface="Catamaran"/>
-                          <a:sym typeface="Catamaran"/>
-                        </a:rPr>
-                        <a:t> inverso</a:t>
-                      </a:r>
-                      <a:endParaRPr sz="1100" dirty="0">
-                        <a:solidFill>
-                          <a:schemeClr val="bg1">
-                            <a:lumMod val="50000"/>
-                          </a:schemeClr>
-                        </a:solidFill>
-                        <a:latin typeface="Catamaran"/>
-                        <a:ea typeface="Catamaran"/>
-                        <a:cs typeface="Catamaran"/>
-                        <a:sym typeface="Catamaran"/>
-                      </a:endParaRPr>
-                    </a:p>
-                  </a:txBody>
-                  <a:tcPr marL="91425" marR="91425" marT="68575" marB="68575" anchor="ctr">
-                    <a:lnL w="9525" cap="flat" cmpd="sng" algn="ctr">
-                      <a:solidFill>
-                        <a:schemeClr val="lt2">
-                          <a:alpha val="0"/>
-                        </a:schemeClr>
-                      </a:solidFill>
-                      <a:prstDash val="solid"/>
-                      <a:round/>
-                      <a:headEnd type="none" w="sm" len="sm"/>
-                      <a:tailEnd type="none" w="sm" len="sm"/>
-                    </a:lnL>
-                    <a:lnR w="9525" cap="flat" cmpd="sng" algn="ctr">
-                      <a:solidFill>
-                        <a:schemeClr val="lt2">
-                          <a:alpha val="0"/>
-                        </a:schemeClr>
-                      </a:solidFill>
-                      <a:prstDash val="solid"/>
-                      <a:round/>
-                      <a:headEnd type="none" w="sm" len="sm"/>
-                      <a:tailEnd type="none" w="sm" len="sm"/>
-                    </a:lnR>
-                    <a:lnT w="9525" cap="flat" cmpd="sng" algn="ctr">
-                      <a:solidFill>
-                        <a:schemeClr val="lt2">
-                          <a:alpha val="0"/>
-                        </a:schemeClr>
-                      </a:solidFill>
-                      <a:prstDash val="solid"/>
-                      <a:round/>
-                      <a:headEnd type="none" w="sm" len="sm"/>
-                      <a:tailEnd type="none" w="sm" len="sm"/>
-                    </a:lnT>
-                    <a:lnB w="9525" cap="flat" cmpd="sng">
-                      <a:solidFill>
-                        <a:schemeClr val="lt2">
-                          <a:alpha val="0"/>
-                        </a:schemeClr>
-                      </a:solidFill>
-                      <a:prstDash val="solid"/>
-                      <a:round/>
-                      <a:headEnd type="none" w="sm" len="sm"/>
-                      <a:tailEnd type="none" w="sm" len="sm"/>
-                    </a:lnB>
-                    <a:solidFill>
-                      <a:schemeClr val="bg1"/>
-                    </a:solidFill>
-                  </a:tcPr>
-                </a:tc>
-                <a:tc>
-                  <a:txBody>
-                    <a:bodyPr/>
-                    <a:lstStyle/>
-                    <a:p>
-                      <a:pPr marL="0" lvl="0" indent="0" algn="ctr" rtl="0">
-                        <a:spcBef>
-                          <a:spcPts val="0"/>
-                        </a:spcBef>
-                        <a:spcAft>
-                          <a:spcPts val="0"/>
-                        </a:spcAft>
-                        <a:buNone/>
-                      </a:pPr>
-                      <a:r>
-                        <a:rPr lang="es-ES" sz="1100" dirty="0">
-                          <a:solidFill>
-                            <a:schemeClr val="bg1">
-                              <a:lumMod val="50000"/>
-                            </a:schemeClr>
-                          </a:solidFill>
-                          <a:latin typeface="Catamaran"/>
-                          <a:ea typeface="Catamaran"/>
-                          <a:cs typeface="Catamaran"/>
-                          <a:sym typeface="Catamaran"/>
-                        </a:rPr>
-                        <a:t>7</a:t>
-                      </a:r>
-                      <a:endParaRPr sz="1100" dirty="0">
-                        <a:solidFill>
-                          <a:schemeClr val="bg1">
-                            <a:lumMod val="50000"/>
-                          </a:schemeClr>
-                        </a:solidFill>
-                        <a:latin typeface="Catamaran"/>
-                        <a:ea typeface="Catamaran"/>
-                        <a:cs typeface="Catamaran"/>
-                        <a:sym typeface="Catamaran"/>
-                      </a:endParaRPr>
-                    </a:p>
-                  </a:txBody>
-                  <a:tcPr marL="91425" marR="91425" marT="68575" marB="68575" anchor="ctr">
-                    <a:lnL w="9525" cap="flat" cmpd="sng" algn="ctr">
-                      <a:solidFill>
-                        <a:schemeClr val="lt2">
-                          <a:alpha val="0"/>
-                        </a:schemeClr>
-                      </a:solidFill>
-                      <a:prstDash val="solid"/>
-                      <a:round/>
-                      <a:headEnd type="none" w="sm" len="sm"/>
-                      <a:tailEnd type="none" w="sm" len="sm"/>
-                    </a:lnL>
-                    <a:lnR w="9525" cap="flat" cmpd="sng" algn="ctr">
-                      <a:solidFill>
-                        <a:schemeClr val="lt2">
-                          <a:alpha val="0"/>
-                        </a:schemeClr>
-                      </a:solidFill>
-                      <a:prstDash val="solid"/>
-                      <a:round/>
-                      <a:headEnd type="none" w="sm" len="sm"/>
-                      <a:tailEnd type="none" w="sm" len="sm"/>
-                    </a:lnR>
-                    <a:lnT w="9525" cap="flat" cmpd="sng" algn="ctr">
-                      <a:solidFill>
-                        <a:schemeClr val="lt2">
-                          <a:alpha val="0"/>
-                        </a:schemeClr>
-                      </a:solidFill>
-                      <a:prstDash val="solid"/>
-                      <a:round/>
-                      <a:headEnd type="none" w="sm" len="sm"/>
-                      <a:tailEnd type="none" w="sm" len="sm"/>
-                    </a:lnT>
-                    <a:lnB w="9525" cap="flat" cmpd="sng">
-                      <a:solidFill>
-                        <a:schemeClr val="lt2">
-                          <a:alpha val="0"/>
-                        </a:schemeClr>
-                      </a:solidFill>
-                      <a:prstDash val="solid"/>
-                      <a:round/>
-                      <a:headEnd type="none" w="sm" len="sm"/>
-                      <a:tailEnd type="none" w="sm" len="sm"/>
-                    </a:lnB>
-                    <a:solidFill>
-                      <a:schemeClr val="bg1"/>
-                    </a:solidFill>
-                  </a:tcPr>
-                </a:tc>
-                <a:tc>
-                  <a:txBody>
-                    <a:bodyPr/>
-                    <a:lstStyle/>
-                    <a:p>
-                      <a:pPr marL="0" lvl="0" indent="0" algn="ctr" rtl="0">
-                        <a:spcBef>
-                          <a:spcPts val="0"/>
-                        </a:spcBef>
-                        <a:spcAft>
-                          <a:spcPts val="0"/>
-                        </a:spcAft>
-                        <a:buNone/>
-                      </a:pPr>
-                      <a:r>
-                        <a:rPr lang="es-ES" sz="1100" dirty="0">
-                          <a:solidFill>
-                            <a:schemeClr val="bg1">
-                              <a:lumMod val="50000"/>
-                            </a:schemeClr>
-                          </a:solidFill>
-                          <a:latin typeface="Catamaran"/>
-                          <a:ea typeface="Catamaran"/>
-                          <a:cs typeface="Catamaran"/>
-                          <a:sym typeface="Catamaran"/>
-                        </a:rPr>
-                        <a:t>Gratuito</a:t>
-                      </a:r>
-                    </a:p>
-                    <a:p>
-                      <a:pPr marL="0" lvl="0" indent="0" algn="ctr" rtl="0">
-                        <a:spcBef>
-                          <a:spcPts val="0"/>
-                        </a:spcBef>
-                        <a:spcAft>
-                          <a:spcPts val="0"/>
-                        </a:spcAft>
-                        <a:buNone/>
-                      </a:pPr>
-                      <a:r>
-                        <a:rPr lang="es-ES" sz="1100" dirty="0">
-                          <a:solidFill>
-                            <a:schemeClr val="bg1">
-                              <a:lumMod val="50000"/>
-                            </a:schemeClr>
-                          </a:solidFill>
-                          <a:latin typeface="Catamaran"/>
-                          <a:ea typeface="Catamaran"/>
-                          <a:cs typeface="Catamaran"/>
-                          <a:sym typeface="Catamaran"/>
-                        </a:rPr>
-                        <a:t>(</a:t>
-                      </a:r>
-                      <a:r>
-                        <a:rPr lang="es-ES" sz="1100" i="1" dirty="0">
-                          <a:solidFill>
-                            <a:schemeClr val="bg1">
-                              <a:lumMod val="50000"/>
-                            </a:schemeClr>
-                          </a:solidFill>
-                          <a:latin typeface="Catamaran"/>
-                          <a:ea typeface="Catamaran"/>
-                          <a:cs typeface="Catamaran"/>
-                          <a:sym typeface="Catamaran"/>
-                        </a:rPr>
-                        <a:t>open source</a:t>
-                      </a:r>
-                      <a:r>
-                        <a:rPr lang="es-ES" sz="1100" dirty="0">
-                          <a:solidFill>
-                            <a:schemeClr val="bg1">
-                              <a:lumMod val="50000"/>
-                            </a:schemeClr>
-                          </a:solidFill>
-                          <a:latin typeface="Catamaran"/>
-                          <a:ea typeface="Catamaran"/>
-                          <a:cs typeface="Catamaran"/>
-                          <a:sym typeface="Catamaran"/>
-                        </a:rPr>
-                        <a:t>)</a:t>
-                      </a:r>
-                      <a:endParaRPr sz="1100" dirty="0">
-                        <a:solidFill>
-                          <a:schemeClr val="bg1">
-                            <a:lumMod val="50000"/>
-                          </a:schemeClr>
-                        </a:solidFill>
-                        <a:latin typeface="Catamaran"/>
-                        <a:ea typeface="Catamaran"/>
-                        <a:cs typeface="Catamaran"/>
-                        <a:sym typeface="Catamaran"/>
-                      </a:endParaRPr>
-                    </a:p>
-                  </a:txBody>
-                  <a:tcPr marL="91425" marR="91425" marT="68575" marB="68575" anchor="ctr">
-                    <a:lnL w="9525" cap="flat" cmpd="sng" algn="ctr">
-                      <a:solidFill>
-                        <a:schemeClr val="lt2">
-                          <a:alpha val="0"/>
-                        </a:schemeClr>
-                      </a:solidFill>
-                      <a:prstDash val="solid"/>
-                      <a:round/>
-                      <a:headEnd type="none" w="sm" len="sm"/>
-                      <a:tailEnd type="none" w="sm" len="sm"/>
-                    </a:lnL>
-                    <a:lnR w="9525" cap="flat" cmpd="sng" algn="ctr">
-                      <a:solidFill>
-                        <a:schemeClr val="lt2">
-                          <a:alpha val="0"/>
-                        </a:schemeClr>
-                      </a:solidFill>
-                      <a:prstDash val="solid"/>
-                      <a:round/>
-                      <a:headEnd type="none" w="sm" len="sm"/>
-                      <a:tailEnd type="none" w="sm" len="sm"/>
-                    </a:lnR>
-                    <a:lnT w="9525" cap="flat" cmpd="sng" algn="ctr">
-                      <a:solidFill>
-                        <a:schemeClr val="lt2">
-                          <a:alpha val="0"/>
-                        </a:schemeClr>
-                      </a:solidFill>
-                      <a:prstDash val="solid"/>
-                      <a:round/>
-                      <a:headEnd type="none" w="sm" len="sm"/>
-                      <a:tailEnd type="none" w="sm" len="sm"/>
-                    </a:lnT>
-                    <a:lnB w="9525" cap="flat" cmpd="sng" algn="ctr">
-                      <a:solidFill>
-                        <a:schemeClr val="lt2">
-                          <a:alpha val="0"/>
-                        </a:schemeClr>
-                      </a:solidFill>
-                      <a:prstDash val="solid"/>
-                      <a:round/>
-                      <a:headEnd type="none" w="sm" len="sm"/>
-                      <a:tailEnd type="none" w="sm" len="sm"/>
-                    </a:lnB>
-                    <a:solidFill>
-                      <a:schemeClr val="bg1"/>
-                    </a:solidFill>
-                  </a:tcPr>
-                </a:tc>
-                <a:tc>
-                  <a:txBody>
-                    <a:bodyPr/>
-                    <a:lstStyle/>
-                    <a:p>
-                      <a:pPr marL="0" lvl="0" indent="0" algn="ctr" rtl="0">
-                        <a:spcBef>
-                          <a:spcPts val="0"/>
-                        </a:spcBef>
-                        <a:spcAft>
-                          <a:spcPts val="0"/>
-                        </a:spcAft>
-                        <a:buNone/>
-                      </a:pPr>
-                      <a:r>
-                        <a:rPr lang="es-ES" sz="1100" dirty="0">
-                          <a:solidFill>
-                            <a:schemeClr val="bg1">
-                              <a:lumMod val="50000"/>
-                            </a:schemeClr>
-                          </a:solidFill>
-                          <a:latin typeface="Catamaran"/>
-                          <a:ea typeface="Catamaran"/>
-                          <a:cs typeface="Catamaran"/>
-                          <a:sym typeface="Catamaran"/>
-                        </a:rPr>
-                        <a:t>Sí</a:t>
-                      </a:r>
-                      <a:endParaRPr sz="1100" dirty="0">
-                        <a:solidFill>
-                          <a:schemeClr val="bg1">
-                            <a:lumMod val="50000"/>
-                          </a:schemeClr>
-                        </a:solidFill>
-                        <a:latin typeface="Catamaran"/>
-                        <a:ea typeface="Catamaran"/>
-                        <a:cs typeface="Catamaran"/>
-                        <a:sym typeface="Catamaran"/>
-                      </a:endParaRPr>
-                    </a:p>
-                  </a:txBody>
-                  <a:tcPr marL="91425" marR="91425" marT="68575" marB="68575" anchor="ctr">
-                    <a:lnL w="9525" cap="flat" cmpd="sng" algn="ctr">
-                      <a:solidFill>
-                        <a:schemeClr val="lt2">
-                          <a:alpha val="0"/>
-                        </a:schemeClr>
-                      </a:solidFill>
-                      <a:prstDash val="solid"/>
-                      <a:round/>
-                      <a:headEnd type="none" w="sm" len="sm"/>
-                      <a:tailEnd type="none" w="sm" len="sm"/>
-                    </a:lnL>
-                    <a:lnR w="9525" cap="flat" cmpd="sng" algn="ctr">
-                      <a:solidFill>
-                        <a:schemeClr val="lt2">
-                          <a:alpha val="0"/>
-                        </a:schemeClr>
-                      </a:solidFill>
-                      <a:prstDash val="solid"/>
-                      <a:round/>
-                      <a:headEnd type="none" w="sm" len="sm"/>
-                      <a:tailEnd type="none" w="sm" len="sm"/>
-                    </a:lnR>
-                    <a:lnT w="9525" cap="flat" cmpd="sng" algn="ctr">
-                      <a:solidFill>
-                        <a:schemeClr val="lt2">
-                          <a:alpha val="0"/>
-                        </a:schemeClr>
-                      </a:solidFill>
-                      <a:prstDash val="solid"/>
-                      <a:round/>
-                      <a:headEnd type="none" w="sm" len="sm"/>
-                      <a:tailEnd type="none" w="sm" len="sm"/>
-                    </a:lnT>
-                    <a:lnB w="9525" cap="flat" cmpd="sng" algn="ctr">
-                      <a:solidFill>
-                        <a:schemeClr val="lt2">
-                          <a:alpha val="0"/>
-                        </a:schemeClr>
-                      </a:solidFill>
-                      <a:prstDash val="solid"/>
-                      <a:round/>
-                      <a:headEnd type="none" w="sm" len="sm"/>
-                      <a:tailEnd type="none" w="sm" len="sm"/>
-                    </a:lnB>
-                    <a:solidFill>
-                      <a:schemeClr val="bg1"/>
-                    </a:solidFill>
-                  </a:tcPr>
-                </a:tc>
-                <a:tc>
-                  <a:txBody>
-                    <a:bodyPr/>
-                    <a:lstStyle/>
-                    <a:p>
-                      <a:pPr marL="0" lvl="0" indent="0" algn="ctr" rtl="0">
-                        <a:spcBef>
-                          <a:spcPts val="0"/>
-                        </a:spcBef>
-                        <a:spcAft>
-                          <a:spcPts val="0"/>
-                        </a:spcAft>
-                        <a:buNone/>
-                      </a:pPr>
-                      <a:r>
-                        <a:rPr lang="es-ES" sz="1100" dirty="0">
-                          <a:solidFill>
-                            <a:schemeClr val="bg1">
-                              <a:lumMod val="50000"/>
-                            </a:schemeClr>
-                          </a:solidFill>
-                          <a:latin typeface="Catamaran"/>
-                          <a:ea typeface="Catamaran"/>
-                          <a:cs typeface="Catamaran"/>
-                          <a:sym typeface="Catamaran"/>
-                        </a:rPr>
-                        <a:t>Alta</a:t>
-                      </a:r>
-                      <a:endParaRPr sz="1100" dirty="0">
-                        <a:solidFill>
-                          <a:schemeClr val="bg1">
-                            <a:lumMod val="50000"/>
-                          </a:schemeClr>
-                        </a:solidFill>
-                        <a:latin typeface="Catamaran"/>
-                        <a:ea typeface="Catamaran"/>
-                        <a:cs typeface="Catamaran"/>
-                        <a:sym typeface="Catamaran"/>
-                      </a:endParaRPr>
-                    </a:p>
-                  </a:txBody>
-                  <a:tcPr marL="91425" marR="91425" marT="68575" marB="68575" anchor="ctr">
-                    <a:lnL w="9525" cap="flat" cmpd="sng" algn="ctr">
-                      <a:solidFill>
-                        <a:schemeClr val="lt2">
-                          <a:alpha val="0"/>
-                        </a:schemeClr>
-                      </a:solidFill>
-                      <a:prstDash val="solid"/>
-                      <a:round/>
-                      <a:headEnd type="none" w="sm" len="sm"/>
-                      <a:tailEnd type="none" w="sm" len="sm"/>
-                    </a:lnL>
-                    <a:lnR w="9525" cap="flat" cmpd="sng" algn="ctr">
-                      <a:solidFill>
-                        <a:schemeClr val="lt2">
-                          <a:alpha val="0"/>
-                        </a:schemeClr>
-                      </a:solidFill>
-                      <a:prstDash val="solid"/>
-                      <a:round/>
-                      <a:headEnd type="none" w="sm" len="sm"/>
-                      <a:tailEnd type="none" w="sm" len="sm"/>
-                    </a:lnR>
-                    <a:lnT w="9525" cap="flat" cmpd="sng" algn="ctr">
-                      <a:solidFill>
-                        <a:schemeClr val="lt2">
-                          <a:alpha val="0"/>
-                        </a:schemeClr>
-                      </a:solidFill>
-                      <a:prstDash val="solid"/>
-                      <a:round/>
-                      <a:headEnd type="none" w="sm" len="sm"/>
-                      <a:tailEnd type="none" w="sm" len="sm"/>
-                    </a:lnT>
-                    <a:lnB w="9525" cap="flat" cmpd="sng" algn="ctr">
-                      <a:solidFill>
-                        <a:schemeClr val="lt2">
-                          <a:alpha val="0"/>
-                        </a:schemeClr>
-                      </a:solidFill>
-                      <a:prstDash val="solid"/>
-                      <a:round/>
-                      <a:headEnd type="none" w="sm" len="sm"/>
-                      <a:tailEnd type="none" w="sm" len="sm"/>
-                    </a:lnB>
-                    <a:solidFill>
-                      <a:schemeClr val="bg1"/>
-                    </a:solidFill>
-                  </a:tcPr>
-                </a:tc>
-                <a:tc>
-                  <a:txBody>
-                    <a:bodyPr/>
-                    <a:lstStyle/>
-                    <a:p>
-                      <a:pPr marL="0" lvl="0" indent="0" algn="ctr" rtl="0">
-                        <a:spcBef>
-                          <a:spcPts val="0"/>
-                        </a:spcBef>
-                        <a:spcAft>
-                          <a:spcPts val="0"/>
-                        </a:spcAft>
-                        <a:buNone/>
-                      </a:pPr>
-                      <a:r>
-                        <a:rPr lang="es-ES" sz="1100" dirty="0">
-                          <a:solidFill>
-                            <a:schemeClr val="bg1">
-                              <a:lumMod val="50000"/>
-                            </a:schemeClr>
-                          </a:solidFill>
-                          <a:latin typeface="Catamaran"/>
-                          <a:ea typeface="Catamaran"/>
-                          <a:cs typeface="Catamaran"/>
-                          <a:sym typeface="Catamaran"/>
-                        </a:rPr>
-                        <a:t>Media</a:t>
-                      </a:r>
-                      <a:endParaRPr sz="1100" dirty="0">
-                        <a:solidFill>
-                          <a:schemeClr val="bg1">
-                            <a:lumMod val="50000"/>
-                          </a:schemeClr>
-                        </a:solidFill>
-                        <a:latin typeface="Catamaran"/>
-                        <a:ea typeface="Catamaran"/>
-                        <a:cs typeface="Catamaran"/>
-                        <a:sym typeface="Catamaran"/>
-                      </a:endParaRPr>
-                    </a:p>
-                  </a:txBody>
-                  <a:tcPr marL="91425" marR="91425" marT="68575" marB="68575" anchor="ctr">
-                    <a:lnL w="9525" cap="flat" cmpd="sng" algn="ctr">
-                      <a:solidFill>
-                        <a:schemeClr val="lt2">
-                          <a:alpha val="0"/>
-                        </a:schemeClr>
-                      </a:solidFill>
-                      <a:prstDash val="solid"/>
-                      <a:round/>
-                      <a:headEnd type="none" w="sm" len="sm"/>
-                      <a:tailEnd type="none" w="sm" len="sm"/>
-                    </a:lnL>
-                    <a:lnR w="19050" cap="flat" cmpd="sng">
-                      <a:solidFill>
-                        <a:schemeClr val="accent1"/>
-                      </a:solidFill>
-                      <a:prstDash val="solid"/>
-                      <a:round/>
-                      <a:headEnd type="none" w="sm" len="sm"/>
-                      <a:tailEnd type="none" w="sm" len="sm"/>
-                    </a:lnR>
-                    <a:lnT w="9525" cap="flat" cmpd="sng" algn="ctr">
-                      <a:solidFill>
-                        <a:schemeClr val="lt2">
-                          <a:alpha val="0"/>
-                        </a:schemeClr>
-                      </a:solidFill>
-                      <a:prstDash val="solid"/>
-                      <a:round/>
-                      <a:headEnd type="none" w="sm" len="sm"/>
-                      <a:tailEnd type="none" w="sm" len="sm"/>
-                    </a:lnT>
-                    <a:lnB w="9525" cap="flat" cmpd="sng">
-                      <a:solidFill>
-                        <a:schemeClr val="lt2">
-                          <a:alpha val="0"/>
-                        </a:schemeClr>
-                      </a:solidFill>
-                      <a:prstDash val="solid"/>
-                      <a:round/>
-                      <a:headEnd type="none" w="sm" len="sm"/>
-                      <a:tailEnd type="none" w="sm" len="sm"/>
-                    </a:lnB>
-                    <a:solidFill>
-                      <a:schemeClr val="bg1"/>
-                    </a:solidFill>
-                  </a:tcPr>
-                </a:tc>
-                <a:extLst>
-                  <a:ext uri="{0D108BD9-81ED-4DB2-BD59-A6C34878D82A}">
-                    <a16:rowId xmlns:a16="http://schemas.microsoft.com/office/drawing/2014/main" val="1193234055"/>
-                  </a:ext>
-                </a:extLst>
-              </a:tr>
-              <a:tr h="670350">
-                <a:tc>
-                  <a:txBody>
-                    <a:bodyPr/>
-                    <a:lstStyle/>
-                    <a:p>
-                      <a:pPr marL="0" lvl="0" indent="0" algn="ctr" rtl="0">
-                        <a:spcBef>
-                          <a:spcPts val="0"/>
-                        </a:spcBef>
-                        <a:spcAft>
-                          <a:spcPts val="0"/>
-                        </a:spcAft>
-                        <a:buNone/>
-                      </a:pPr>
-                      <a:r>
-                        <a:rPr lang="en" sz="1100" b="1" dirty="0">
-                          <a:solidFill>
-                            <a:schemeClr val="tx1"/>
-                          </a:solidFill>
-                          <a:latin typeface="Catamaran"/>
-                          <a:ea typeface="Catamaran"/>
-                          <a:cs typeface="Catamaran"/>
-                          <a:sym typeface="Catamaran"/>
-                        </a:rPr>
-                        <a:t>Ocelot</a:t>
-                      </a:r>
-                      <a:endParaRPr sz="1100" b="1" dirty="0">
-                        <a:solidFill>
-                          <a:schemeClr val="tx1"/>
-                        </a:solidFill>
-                        <a:latin typeface="Catamaran"/>
-                        <a:ea typeface="Catamaran"/>
-                        <a:cs typeface="Catamaran"/>
-                        <a:sym typeface="Catamaran"/>
-                      </a:endParaRPr>
-                    </a:p>
-                  </a:txBody>
-                  <a:tcPr marL="91425" marR="91425" marT="68575" marB="68575" anchor="ctr">
-                    <a:lnL w="19050" cap="flat" cmpd="sng">
-                      <a:solidFill>
-                        <a:schemeClr val="accent1"/>
-                      </a:solidFill>
-                      <a:prstDash val="solid"/>
-                      <a:round/>
-                      <a:headEnd type="none" w="sm" len="sm"/>
-                      <a:tailEnd type="none" w="sm" len="sm"/>
-                    </a:lnL>
-                    <a:lnR w="9525" cap="flat" cmpd="sng">
-                      <a:solidFill>
-                        <a:schemeClr val="lt2">
-                          <a:alpha val="0"/>
-                        </a:schemeClr>
-                      </a:solidFill>
-                      <a:prstDash val="solid"/>
-                      <a:round/>
-                      <a:headEnd type="none" w="sm" len="sm"/>
-                      <a:tailEnd type="none" w="sm" len="sm"/>
-                    </a:lnR>
-                    <a:lnT w="9525" cap="flat" cmpd="sng">
-                      <a:solidFill>
-                        <a:schemeClr val="lt2">
-                          <a:alpha val="0"/>
-                        </a:schemeClr>
-                      </a:solidFill>
-                      <a:prstDash val="solid"/>
-                      <a:round/>
-                      <a:headEnd type="none" w="sm" len="sm"/>
-                      <a:tailEnd type="none" w="sm" len="sm"/>
-                    </a:lnT>
-                    <a:lnB w="19050" cap="flat" cmpd="sng">
-                      <a:solidFill>
-                        <a:schemeClr val="accent1"/>
-                      </a:solidFill>
-                      <a:prstDash val="solid"/>
-                      <a:round/>
-                      <a:headEnd type="none" w="sm" len="sm"/>
-                      <a:tailEnd type="none" w="sm" len="sm"/>
-                    </a:lnB>
-                    <a:solidFill>
-                      <a:schemeClr val="tx2"/>
-                    </a:solidFill>
-                  </a:tcPr>
-                </a:tc>
-                <a:tc>
-                  <a:txBody>
-                    <a:bodyPr/>
-                    <a:lstStyle/>
-                    <a:p>
-                      <a:pPr marL="0" lvl="0" indent="0" algn="ctr" rtl="0">
-                        <a:spcBef>
-                          <a:spcPts val="0"/>
-                        </a:spcBef>
-                        <a:spcAft>
-                          <a:spcPts val="0"/>
-                        </a:spcAft>
-                        <a:buNone/>
-                      </a:pPr>
-                      <a:r>
-                        <a:rPr lang="en" sz="1100" dirty="0">
-                          <a:solidFill>
-                            <a:schemeClr val="bg1">
-                              <a:lumMod val="50000"/>
-                            </a:schemeClr>
-                          </a:solidFill>
-                          <a:latin typeface="Catamaran"/>
-                          <a:ea typeface="Catamaran"/>
-                          <a:cs typeface="Catamaran"/>
-                          <a:sym typeface="Catamaran"/>
-                        </a:rPr>
-                        <a:t>API </a:t>
-                      </a:r>
-                      <a:r>
-                        <a:rPr lang="en" sz="1100" i="1" dirty="0">
-                          <a:solidFill>
-                            <a:schemeClr val="bg1">
-                              <a:lumMod val="50000"/>
-                            </a:schemeClr>
-                          </a:solidFill>
-                          <a:latin typeface="Catamaran"/>
-                          <a:ea typeface="Catamaran"/>
-                          <a:cs typeface="Catamaran"/>
-                          <a:sym typeface="Catamaran"/>
-                        </a:rPr>
-                        <a:t>Gateway</a:t>
-                      </a:r>
-                      <a:endParaRPr sz="1100" i="1" dirty="0">
-                        <a:solidFill>
-                          <a:schemeClr val="bg1">
-                            <a:lumMod val="50000"/>
-                          </a:schemeClr>
-                        </a:solidFill>
-                        <a:latin typeface="Catamaran"/>
-                        <a:ea typeface="Catamaran"/>
-                        <a:cs typeface="Catamaran"/>
-                        <a:sym typeface="Catamaran"/>
-                      </a:endParaRPr>
-                    </a:p>
-                  </a:txBody>
-                  <a:tcPr marL="91425" marR="91425" marT="68575" marB="68575" anchor="ctr">
-                    <a:lnL w="9525" cap="flat" cmpd="sng">
-                      <a:solidFill>
-                        <a:schemeClr val="lt2">
-                          <a:alpha val="0"/>
-                        </a:schemeClr>
-                      </a:solidFill>
-                      <a:prstDash val="solid"/>
-                      <a:round/>
-                      <a:headEnd type="none" w="sm" len="sm"/>
-                      <a:tailEnd type="none" w="sm" len="sm"/>
-                    </a:lnL>
-                    <a:lnR w="9525" cap="flat" cmpd="sng">
-                      <a:solidFill>
-                        <a:schemeClr val="lt2">
-                          <a:alpha val="0"/>
-                        </a:schemeClr>
-                      </a:solidFill>
-                      <a:prstDash val="solid"/>
-                      <a:round/>
-                      <a:headEnd type="none" w="sm" len="sm"/>
-                      <a:tailEnd type="none" w="sm" len="sm"/>
-                    </a:lnR>
-                    <a:lnT w="9525" cap="flat" cmpd="sng">
-                      <a:solidFill>
-                        <a:schemeClr val="lt2">
-                          <a:alpha val="0"/>
-                        </a:schemeClr>
-                      </a:solidFill>
-                      <a:prstDash val="solid"/>
-                      <a:round/>
-                      <a:headEnd type="none" w="sm" len="sm"/>
-                      <a:tailEnd type="none" w="sm" len="sm"/>
-                    </a:lnT>
-                    <a:lnB w="19050" cap="flat" cmpd="sng">
-                      <a:solidFill>
-                        <a:schemeClr val="accent1"/>
-                      </a:solidFill>
-                      <a:prstDash val="solid"/>
-                      <a:round/>
-                      <a:headEnd type="none" w="sm" len="sm"/>
-                      <a:tailEnd type="none" w="sm" len="sm"/>
-                    </a:lnB>
-                    <a:solidFill>
-                      <a:schemeClr val="tx2"/>
-                    </a:solidFill>
-                  </a:tcPr>
-                </a:tc>
-                <a:tc>
-                  <a:txBody>
-                    <a:bodyPr/>
-                    <a:lstStyle/>
-                    <a:p>
-                      <a:pPr marL="0" lvl="0" indent="0" algn="ctr" rtl="0">
-                        <a:spcBef>
-                          <a:spcPts val="0"/>
-                        </a:spcBef>
-                        <a:spcAft>
-                          <a:spcPts val="0"/>
-                        </a:spcAft>
-                        <a:buNone/>
-                      </a:pPr>
-                      <a:r>
-                        <a:rPr lang="en" sz="1100" dirty="0">
-                          <a:solidFill>
-                            <a:schemeClr val="bg1">
-                              <a:lumMod val="50000"/>
-                            </a:schemeClr>
-                          </a:solidFill>
-                          <a:latin typeface="Catamaran"/>
-                          <a:ea typeface="Catamaran"/>
-                          <a:cs typeface="Catamaran"/>
-                          <a:sym typeface="Catamaran"/>
-                        </a:rPr>
-                        <a:t>7</a:t>
-                      </a:r>
-                      <a:endParaRPr sz="1100" dirty="0">
-                        <a:solidFill>
-                          <a:schemeClr val="bg1">
-                            <a:lumMod val="50000"/>
-                          </a:schemeClr>
-                        </a:solidFill>
-                        <a:latin typeface="Catamaran"/>
-                        <a:ea typeface="Catamaran"/>
-                        <a:cs typeface="Catamaran"/>
-                        <a:sym typeface="Catamaran"/>
-                      </a:endParaRPr>
-                    </a:p>
-                  </a:txBody>
-                  <a:tcPr marL="91425" marR="91425" marT="68575" marB="68575" anchor="ctr">
-                    <a:lnL w="9525" cap="flat" cmpd="sng">
-                      <a:solidFill>
-                        <a:schemeClr val="lt2">
-                          <a:alpha val="0"/>
-                        </a:schemeClr>
-                      </a:solidFill>
-                      <a:prstDash val="solid"/>
-                      <a:round/>
-                      <a:headEnd type="none" w="sm" len="sm"/>
-                      <a:tailEnd type="none" w="sm" len="sm"/>
-                    </a:lnL>
-                    <a:lnR w="9525" cap="flat" cmpd="sng">
-                      <a:solidFill>
-                        <a:schemeClr val="lt2">
-                          <a:alpha val="0"/>
-                        </a:schemeClr>
-                      </a:solidFill>
-                      <a:prstDash val="solid"/>
-                      <a:round/>
-                      <a:headEnd type="none" w="sm" len="sm"/>
-                      <a:tailEnd type="none" w="sm" len="sm"/>
-                    </a:lnR>
-                    <a:lnT w="9525" cap="flat" cmpd="sng">
-                      <a:solidFill>
-                        <a:schemeClr val="lt2">
-                          <a:alpha val="0"/>
-                        </a:schemeClr>
-                      </a:solidFill>
-                      <a:prstDash val="solid"/>
-                      <a:round/>
-                      <a:headEnd type="none" w="sm" len="sm"/>
-                      <a:tailEnd type="none" w="sm" len="sm"/>
-                    </a:lnT>
-                    <a:lnB w="19050" cap="flat" cmpd="sng">
-                      <a:solidFill>
-                        <a:schemeClr val="accent1"/>
-                      </a:solidFill>
-                      <a:prstDash val="solid"/>
-                      <a:round/>
-                      <a:headEnd type="none" w="sm" len="sm"/>
-                      <a:tailEnd type="none" w="sm" len="sm"/>
-                    </a:lnB>
-                    <a:solidFill>
-                      <a:schemeClr val="tx2"/>
-                    </a:solidFill>
-                  </a:tcPr>
-                </a:tc>
-                <a:tc>
-                  <a:txBody>
-                    <a:bodyPr/>
-                    <a:lstStyle/>
-                    <a:p>
-                      <a:pPr marL="0" lvl="0" indent="0" algn="ctr" rtl="0">
-                        <a:spcBef>
-                          <a:spcPts val="0"/>
-                        </a:spcBef>
-                        <a:spcAft>
-                          <a:spcPts val="0"/>
-                        </a:spcAft>
-                        <a:buNone/>
-                      </a:pPr>
-                      <a:r>
-                        <a:rPr lang="es-ES" sz="1100" dirty="0">
-                          <a:solidFill>
-                            <a:schemeClr val="bg1">
-                              <a:lumMod val="50000"/>
-                            </a:schemeClr>
-                          </a:solidFill>
-                          <a:latin typeface="Catamaran"/>
-                          <a:ea typeface="Catamaran"/>
-                          <a:cs typeface="Catamaran"/>
-                          <a:sym typeface="Catamaran"/>
-                        </a:rPr>
-                        <a:t>Gratuito</a:t>
-                      </a:r>
-                    </a:p>
-                    <a:p>
-                      <a:pPr marL="0" lvl="0" indent="0" algn="ctr" rtl="0">
-                        <a:spcBef>
-                          <a:spcPts val="0"/>
-                        </a:spcBef>
-                        <a:spcAft>
-                          <a:spcPts val="0"/>
-                        </a:spcAft>
-                        <a:buNone/>
-                      </a:pPr>
-                      <a:r>
-                        <a:rPr lang="es-ES" sz="1100" dirty="0">
-                          <a:solidFill>
-                            <a:schemeClr val="bg1">
-                              <a:lumMod val="50000"/>
-                            </a:schemeClr>
-                          </a:solidFill>
-                          <a:latin typeface="Catamaran"/>
-                          <a:ea typeface="Catamaran"/>
-                          <a:cs typeface="Catamaran"/>
-                          <a:sym typeface="Catamaran"/>
-                        </a:rPr>
-                        <a:t>(</a:t>
-                      </a:r>
-                      <a:r>
-                        <a:rPr lang="es-ES" sz="1100" i="1" dirty="0">
-                          <a:solidFill>
-                            <a:schemeClr val="bg1">
-                              <a:lumMod val="50000"/>
-                            </a:schemeClr>
-                          </a:solidFill>
-                          <a:latin typeface="Catamaran"/>
-                          <a:ea typeface="Catamaran"/>
-                          <a:cs typeface="Catamaran"/>
-                          <a:sym typeface="Catamaran"/>
-                        </a:rPr>
-                        <a:t>open source</a:t>
-                      </a:r>
-                      <a:r>
-                        <a:rPr lang="es-ES" sz="1100" dirty="0">
-                          <a:solidFill>
-                            <a:schemeClr val="bg1">
-                              <a:lumMod val="50000"/>
-                            </a:schemeClr>
-                          </a:solidFill>
-                          <a:latin typeface="Catamaran"/>
-                          <a:ea typeface="Catamaran"/>
-                          <a:cs typeface="Catamaran"/>
-                          <a:sym typeface="Catamaran"/>
-                        </a:rPr>
-                        <a:t>)</a:t>
-                      </a:r>
-                    </a:p>
-                  </a:txBody>
-                  <a:tcPr marL="91425" marR="91425" marT="68575" marB="68575" anchor="ctr">
-                    <a:lnL w="9525" cap="flat" cmpd="sng">
-                      <a:solidFill>
-                        <a:schemeClr val="lt2">
-                          <a:alpha val="0"/>
-                        </a:schemeClr>
-                      </a:solidFill>
-                      <a:prstDash val="solid"/>
-                      <a:round/>
-                      <a:headEnd type="none" w="sm" len="sm"/>
-                      <a:tailEnd type="none" w="sm" len="sm"/>
-                    </a:lnL>
-                    <a:lnR w="9525" cap="flat" cmpd="sng" algn="ctr">
-                      <a:solidFill>
-                        <a:schemeClr val="lt2">
-                          <a:alpha val="0"/>
-                        </a:schemeClr>
-                      </a:solidFill>
-                      <a:prstDash val="solid"/>
-                      <a:round/>
-                      <a:headEnd type="none" w="sm" len="sm"/>
-                      <a:tailEnd type="none" w="sm" len="sm"/>
-                    </a:lnR>
-                    <a:lnT w="9525" cap="flat" cmpd="sng" algn="ctr">
-                      <a:solidFill>
-                        <a:schemeClr val="lt2">
-                          <a:alpha val="0"/>
-                        </a:schemeClr>
-                      </a:solidFill>
-                      <a:prstDash val="solid"/>
-                      <a:round/>
-                      <a:headEnd type="none" w="sm" len="sm"/>
-                      <a:tailEnd type="none" w="sm" len="sm"/>
-                    </a:lnT>
-                    <a:lnB w="19050" cap="flat" cmpd="sng">
-                      <a:solidFill>
-                        <a:schemeClr val="accent1"/>
-                      </a:solidFill>
-                      <a:prstDash val="solid"/>
-                      <a:round/>
-                      <a:headEnd type="none" w="sm" len="sm"/>
-                      <a:tailEnd type="none" w="sm" len="sm"/>
-                    </a:lnB>
-                    <a:solidFill>
-                      <a:schemeClr val="tx2"/>
-                    </a:solidFill>
-                  </a:tcPr>
-                </a:tc>
-                <a:tc>
-                  <a:txBody>
-                    <a:bodyPr/>
-                    <a:lstStyle/>
-                    <a:p>
-                      <a:pPr marL="0" lvl="0" indent="0" algn="ctr" rtl="0">
-                        <a:spcBef>
-                          <a:spcPts val="0"/>
-                        </a:spcBef>
-                        <a:spcAft>
-                          <a:spcPts val="0"/>
-                        </a:spcAft>
-                        <a:buNone/>
-                      </a:pPr>
-                      <a:r>
-                        <a:rPr lang="es-ES" sz="1100" dirty="0">
-                          <a:solidFill>
-                            <a:schemeClr val="bg1">
-                              <a:lumMod val="50000"/>
-                            </a:schemeClr>
-                          </a:solidFill>
-                          <a:latin typeface="Catamaran"/>
-                          <a:ea typeface="Catamaran"/>
-                          <a:cs typeface="Catamaran"/>
-                          <a:sym typeface="Catamaran"/>
-                        </a:rPr>
-                        <a:t>Sí</a:t>
-                      </a:r>
-                      <a:endParaRPr sz="1100" dirty="0">
-                        <a:solidFill>
-                          <a:schemeClr val="bg1">
-                            <a:lumMod val="50000"/>
-                          </a:schemeClr>
-                        </a:solidFill>
-                        <a:latin typeface="Catamaran"/>
-                        <a:ea typeface="Catamaran"/>
-                        <a:cs typeface="Catamaran"/>
-                        <a:sym typeface="Catamaran"/>
-                      </a:endParaRPr>
-                    </a:p>
-                  </a:txBody>
-                  <a:tcPr marL="91425" marR="91425" marT="68575" marB="68575" anchor="ctr">
-                    <a:lnL w="9525" cap="flat" cmpd="sng" algn="ctr">
-                      <a:solidFill>
-                        <a:schemeClr val="lt2">
-                          <a:alpha val="0"/>
-                        </a:schemeClr>
-                      </a:solidFill>
-                      <a:prstDash val="solid"/>
-                      <a:round/>
-                      <a:headEnd type="none" w="sm" len="sm"/>
-                      <a:tailEnd type="none" w="sm" len="sm"/>
-                    </a:lnL>
-                    <a:lnR w="9525" cap="flat" cmpd="sng" algn="ctr">
-                      <a:solidFill>
-                        <a:schemeClr val="lt2">
-                          <a:alpha val="0"/>
-                        </a:schemeClr>
-                      </a:solidFill>
-                      <a:prstDash val="solid"/>
-                      <a:round/>
-                      <a:headEnd type="none" w="sm" len="sm"/>
-                      <a:tailEnd type="none" w="sm" len="sm"/>
-                    </a:lnR>
-                    <a:lnT w="9525" cap="flat" cmpd="sng" algn="ctr">
-                      <a:solidFill>
-                        <a:schemeClr val="lt2">
-                          <a:alpha val="0"/>
-                        </a:schemeClr>
-                      </a:solidFill>
-                      <a:prstDash val="solid"/>
-                      <a:round/>
-                      <a:headEnd type="none" w="sm" len="sm"/>
-                      <a:tailEnd type="none" w="sm" len="sm"/>
-                    </a:lnT>
-                    <a:lnB w="19050" cap="flat" cmpd="sng">
-                      <a:solidFill>
-                        <a:schemeClr val="accent1"/>
-                      </a:solidFill>
-                      <a:prstDash val="solid"/>
-                      <a:round/>
-                      <a:headEnd type="none" w="sm" len="sm"/>
-                      <a:tailEnd type="none" w="sm" len="sm"/>
-                    </a:lnB>
-                    <a:solidFill>
-                      <a:schemeClr val="tx2"/>
-                    </a:solidFill>
-                  </a:tcPr>
-                </a:tc>
-                <a:tc>
-                  <a:txBody>
-                    <a:bodyPr/>
-                    <a:lstStyle/>
-                    <a:p>
-                      <a:pPr marL="0" lvl="0" indent="0" algn="ctr" rtl="0">
-                        <a:spcBef>
-                          <a:spcPts val="0"/>
-                        </a:spcBef>
-                        <a:spcAft>
-                          <a:spcPts val="0"/>
-                        </a:spcAft>
-                        <a:buNone/>
-                      </a:pPr>
-                      <a:r>
-                        <a:rPr lang="es-ES" sz="1100" dirty="0">
-                          <a:solidFill>
-                            <a:schemeClr val="bg1">
-                              <a:lumMod val="50000"/>
-                            </a:schemeClr>
-                          </a:solidFill>
-                          <a:latin typeface="Catamaran"/>
-                          <a:ea typeface="Catamaran"/>
-                          <a:cs typeface="Catamaran"/>
-                          <a:sym typeface="Catamaran"/>
-                        </a:rPr>
-                        <a:t>Media</a:t>
-                      </a:r>
-                      <a:endParaRPr sz="1100" dirty="0">
-                        <a:solidFill>
-                          <a:schemeClr val="bg1">
-                            <a:lumMod val="50000"/>
-                          </a:schemeClr>
-                        </a:solidFill>
-                        <a:latin typeface="Catamaran"/>
-                        <a:ea typeface="Catamaran"/>
-                        <a:cs typeface="Catamaran"/>
-                        <a:sym typeface="Catamaran"/>
-                      </a:endParaRPr>
-                    </a:p>
-                  </a:txBody>
-                  <a:tcPr marL="91425" marR="91425" marT="68575" marB="68575" anchor="ctr">
-                    <a:lnL w="9525" cap="flat" cmpd="sng" algn="ctr">
-                      <a:solidFill>
-                        <a:schemeClr val="lt2">
-                          <a:alpha val="0"/>
-                        </a:schemeClr>
-                      </a:solidFill>
-                      <a:prstDash val="solid"/>
-                      <a:round/>
-                      <a:headEnd type="none" w="sm" len="sm"/>
-                      <a:tailEnd type="none" w="sm" len="sm"/>
-                    </a:lnL>
-                    <a:lnR w="9525" cap="flat" cmpd="sng" algn="ctr">
-                      <a:solidFill>
-                        <a:schemeClr val="lt2">
-                          <a:alpha val="0"/>
-                        </a:schemeClr>
-                      </a:solidFill>
-                      <a:prstDash val="solid"/>
-                      <a:round/>
-                      <a:headEnd type="none" w="sm" len="sm"/>
-                      <a:tailEnd type="none" w="sm" len="sm"/>
-                    </a:lnR>
-                    <a:lnT w="9525" cap="flat" cmpd="sng" algn="ctr">
-                      <a:solidFill>
-                        <a:schemeClr val="lt2">
-                          <a:alpha val="0"/>
-                        </a:schemeClr>
-                      </a:solidFill>
-                      <a:prstDash val="solid"/>
-                      <a:round/>
-                      <a:headEnd type="none" w="sm" len="sm"/>
-                      <a:tailEnd type="none" w="sm" len="sm"/>
-                    </a:lnT>
-                    <a:lnB w="19050" cap="flat" cmpd="sng">
-                      <a:solidFill>
-                        <a:schemeClr val="accent1"/>
-                      </a:solidFill>
-                      <a:prstDash val="solid"/>
-                      <a:round/>
-                      <a:headEnd type="none" w="sm" len="sm"/>
-                      <a:tailEnd type="none" w="sm" len="sm"/>
-                    </a:lnB>
-                    <a:solidFill>
-                      <a:schemeClr val="tx2"/>
-                    </a:solidFill>
-                  </a:tcPr>
-                </a:tc>
-                <a:tc>
-                  <a:txBody>
-                    <a:bodyPr/>
-                    <a:lstStyle/>
-                    <a:p>
-                      <a:pPr marL="0" lvl="0" indent="0" algn="ctr" rtl="0">
-                        <a:spcBef>
-                          <a:spcPts val="0"/>
-                        </a:spcBef>
-                        <a:spcAft>
-                          <a:spcPts val="0"/>
-                        </a:spcAft>
-                        <a:buNone/>
-                      </a:pPr>
-                      <a:r>
-                        <a:rPr lang="en" sz="1100" dirty="0">
-                          <a:solidFill>
-                            <a:schemeClr val="bg1">
-                              <a:lumMod val="50000"/>
-                            </a:schemeClr>
-                          </a:solidFill>
-                          <a:latin typeface="Catamaran"/>
-                          <a:ea typeface="Catamaran"/>
-                          <a:cs typeface="Catamaran"/>
-                          <a:sym typeface="Catamaran"/>
-                        </a:rPr>
-                        <a:t>Media</a:t>
-                      </a:r>
-                      <a:endParaRPr sz="1100" dirty="0">
-                        <a:solidFill>
-                          <a:schemeClr val="bg1">
-                            <a:lumMod val="50000"/>
-                          </a:schemeClr>
-                        </a:solidFill>
-                        <a:latin typeface="Catamaran"/>
-                        <a:ea typeface="Catamaran"/>
-                        <a:cs typeface="Catamaran"/>
-                        <a:sym typeface="Catamaran"/>
-                      </a:endParaRPr>
-                    </a:p>
-                  </a:txBody>
-                  <a:tcPr marL="91425" marR="91425" marT="68575" marB="68575" anchor="ctr">
-                    <a:lnL w="9525" cap="flat" cmpd="sng">
-                      <a:solidFill>
-                        <a:schemeClr val="lt2">
-                          <a:alpha val="0"/>
-                        </a:schemeClr>
-                      </a:solidFill>
-                      <a:prstDash val="solid"/>
-                      <a:round/>
-                      <a:headEnd type="none" w="sm" len="sm"/>
-                      <a:tailEnd type="none" w="sm" len="sm"/>
-                    </a:lnL>
-                    <a:lnR w="19050" cap="flat" cmpd="sng">
-                      <a:solidFill>
-                        <a:schemeClr val="accent1"/>
-                      </a:solidFill>
-                      <a:prstDash val="solid"/>
-                      <a:round/>
-                      <a:headEnd type="none" w="sm" len="sm"/>
-                      <a:tailEnd type="none" w="sm" len="sm"/>
-                    </a:lnR>
-                    <a:lnT w="9525" cap="flat" cmpd="sng">
-                      <a:solidFill>
-                        <a:schemeClr val="lt2">
-                          <a:alpha val="0"/>
-                        </a:schemeClr>
-                      </a:solidFill>
-                      <a:prstDash val="solid"/>
-                      <a:round/>
-                      <a:headEnd type="none" w="sm" len="sm"/>
-                      <a:tailEnd type="none" w="sm" len="sm"/>
-                    </a:lnT>
-                    <a:lnB w="19050" cap="flat" cmpd="sng">
-                      <a:solidFill>
-                        <a:schemeClr val="accent1"/>
-                      </a:solidFill>
-                      <a:prstDash val="solid"/>
-                      <a:round/>
-                      <a:headEnd type="none" w="sm" len="sm"/>
-                      <a:tailEnd type="none" w="sm" len="sm"/>
-                    </a:lnB>
-                    <a:solidFill>
-                      <a:schemeClr val="tx2"/>
-                    </a:solidFill>
-                  </a:tcPr>
-                </a:tc>
-                <a:extLst>
-                  <a:ext uri="{0D108BD9-81ED-4DB2-BD59-A6C34878D82A}">
-                    <a16:rowId xmlns:a16="http://schemas.microsoft.com/office/drawing/2014/main" val="10003"/>
-                  </a:ext>
-                </a:extLst>
-              </a:tr>
-            </a:tbl>
-          </a:graphicData>
-        </a:graphic>
-      </p:graphicFrame>
-      <p:sp>
-        <p:nvSpPr>
-          <p:cNvPr id="342" name="Google Shape;342;p24"/>
-          <p:cNvSpPr txBox="1">
-            <a:spLocks noGrp="1"/>
-          </p:cNvSpPr>
-          <p:nvPr>
-            <p:ph type="sldNum" idx="12"/>
-          </p:nvPr>
-        </p:nvSpPr>
-        <p:spPr>
-          <a:xfrm>
-            <a:off x="8480584" y="4749851"/>
-            <a:ext cx="548700" cy="393600"/>
-          </a:xfrm>
-          <a:prstGeom prst="rect">
-            <a:avLst/>
-          </a:prstGeom>
-        </p:spPr>
-        <p:txBody>
-          <a:bodyPr spcFirstLastPara="1" wrap="square" lIns="0" tIns="0" rIns="0" bIns="0" anchor="ctr" anchorCtr="0">
-            <a:noAutofit/>
-          </a:bodyPr>
-          <a:lstStyle/>
-          <a:p>
-            <a:pPr marL="0" lvl="0" indent="0" algn="r" rtl="0">
-              <a:spcBef>
-                <a:spcPts val="0"/>
-              </a:spcBef>
-              <a:spcAft>
-                <a:spcPts val="0"/>
-              </a:spcAft>
-              <a:buNone/>
-            </a:pPr>
-            <a:fld id="{00000000-1234-1234-1234-123412341234}" type="slidenum">
-              <a:rPr lang="en"/>
-              <a:t>15</a:t>
-            </a:fld>
-            <a:endParaRPr dirty="0"/>
-          </a:p>
-        </p:txBody>
-      </p:sp>
-    </p:spTree>
-  </p:cSld>
-  <p:clrMapOvr>
-    <a:masterClrMapping/>
-  </p:clrMapOvr>
-</p:sld>
-</file>
-
-<file path=ppt/slides/slide16.xml><?xml version="1.0" encoding="utf-8"?>
-<p:sld xmlns:a="http://schemas.openxmlformats.org/drawingml/2006/main" xmlns:r="http://schemas.openxmlformats.org/officeDocument/2006/relationships" xmlns:p="http://schemas.openxmlformats.org/presentationml/2006/main">
-  <p:cSld>
-    <p:spTree>
-      <p:nvGrpSpPr>
-        <p:cNvPr id="1" name="Shape 339"/>
-        <p:cNvGrpSpPr/>
-        <p:nvPr/>
-      </p:nvGrpSpPr>
-      <p:grpSpPr>
-        <a:xfrm>
-          <a:off x="0" y="0"/>
-          <a:ext cx="0" cy="0"/>
-          <a:chOff x="0" y="0"/>
-          <a:chExt cx="0" cy="0"/>
-        </a:xfrm>
-      </p:grpSpPr>
-      <p:sp>
-        <p:nvSpPr>
-          <p:cNvPr id="340" name="Google Shape;340;p24"/>
-          <p:cNvSpPr txBox="1">
-            <a:spLocks noGrp="1"/>
-          </p:cNvSpPr>
-          <p:nvPr>
-            <p:ph type="title"/>
-          </p:nvPr>
-        </p:nvSpPr>
-        <p:spPr>
           <a:prstGeom prst="rect">
             <a:avLst/>
           </a:prstGeom>
@@ -21616,7 +16538,7 @@
             </a:pPr>
             <a:fld id="{00000000-1234-1234-1234-123412341234}" type="slidenum">
               <a:rPr lang="en"/>
-              <a:t>16</a:t>
+              <a:t>15</a:t>
             </a:fld>
             <a:endParaRPr dirty="0"/>
           </a:p>
@@ -21978,7 +16900,7 @@
 </p:sld>
 </file>
 
-<file path=ppt/slides/slide17.xml><?xml version="1.0" encoding="utf-8"?>
+<file path=ppt/slides/slide16.xml><?xml version="1.0" encoding="utf-8"?>
 <p:sld xmlns:a="http://schemas.openxmlformats.org/drawingml/2006/main" xmlns:r="http://schemas.openxmlformats.org/officeDocument/2006/relationships" xmlns:p="http://schemas.openxmlformats.org/presentationml/2006/main">
   <p:cSld>
     <p:spTree>
@@ -22111,7 +17033,7 @@
 </p:sld>
 </file>
 
-<file path=ppt/slides/slide18.xml><?xml version="1.0" encoding="utf-8"?>
+<file path=ppt/slides/slide17.xml><?xml version="1.0" encoding="utf-8"?>
 <p:sld xmlns:a="http://schemas.openxmlformats.org/drawingml/2006/main" xmlns:r="http://schemas.openxmlformats.org/officeDocument/2006/relationships" xmlns:p="http://schemas.openxmlformats.org/presentationml/2006/main">
   <p:cSld>
     <p:spTree>
@@ -22376,7 +17298,7 @@
             </a:pPr>
             <a:fld id="{00000000-1234-1234-1234-123412341234}" type="slidenum">
               <a:rPr lang="en"/>
-              <a:t>18</a:t>
+              <a:t>17</a:t>
             </a:fld>
             <a:endParaRPr dirty="0"/>
           </a:p>
@@ -22395,7 +17317,7 @@
 </p:sld>
 </file>
 
-<file path=ppt/slides/slide19.xml><?xml version="1.0" encoding="utf-8"?>
+<file path=ppt/slides/slide18.xml><?xml version="1.0" encoding="utf-8"?>
 <p:sld xmlns:a="http://schemas.openxmlformats.org/drawingml/2006/main" xmlns:r="http://schemas.openxmlformats.org/officeDocument/2006/relationships" xmlns:p="http://schemas.openxmlformats.org/presentationml/2006/main">
   <p:cSld>
     <p:spTree>
@@ -22570,247 +17492,7 @@
 </p:sld>
 </file>
 
-<file path=ppt/slides/slide2.xml><?xml version="1.0" encoding="utf-8"?>
-<p:sld xmlns:a="http://schemas.openxmlformats.org/drawingml/2006/main" xmlns:r="http://schemas.openxmlformats.org/officeDocument/2006/relationships" xmlns:p="http://schemas.openxmlformats.org/presentationml/2006/main">
-  <p:cSld>
-    <p:spTree>
-      <p:nvGrpSpPr>
-        <p:cNvPr id="1" name="Shape 238"/>
-        <p:cNvGrpSpPr/>
-        <p:nvPr/>
-      </p:nvGrpSpPr>
-      <p:grpSpPr>
-        <a:xfrm>
-          <a:off x="0" y="0"/>
-          <a:ext cx="0" cy="0"/>
-          <a:chOff x="0" y="0"/>
-          <a:chExt cx="0" cy="0"/>
-        </a:xfrm>
-      </p:grpSpPr>
-      <p:sp>
-        <p:nvSpPr>
-          <p:cNvPr id="239" name="Google Shape;239;p17"/>
-          <p:cNvSpPr txBox="1">
-            <a:spLocks noGrp="1"/>
-          </p:cNvSpPr>
-          <p:nvPr>
-            <p:ph type="title"/>
-          </p:nvPr>
-        </p:nvSpPr>
-        <p:spPr>
-          <a:xfrm>
-            <a:off x="779100" y="836000"/>
-            <a:ext cx="6010500" cy="396300"/>
-          </a:xfrm>
-          <a:prstGeom prst="rect">
-            <a:avLst/>
-          </a:prstGeom>
-        </p:spPr>
-        <p:txBody>
-          <a:bodyPr spcFirstLastPara="1" wrap="square" lIns="0" tIns="0" rIns="0" bIns="0" anchor="ctr" anchorCtr="0">
-            <a:noAutofit/>
-          </a:bodyPr>
-          <a:lstStyle/>
-          <a:p>
-            <a:pPr marL="0" lvl="0" indent="0" algn="l" rtl="0">
-              <a:spcBef>
-                <a:spcPts val="0"/>
-              </a:spcBef>
-              <a:spcAft>
-                <a:spcPts val="0"/>
-              </a:spcAft>
-              <a:buNone/>
-            </a:pPr>
-            <a:r>
-              <a:rPr lang="en" dirty="0"/>
-              <a:t>Índice</a:t>
-            </a:r>
-            <a:endParaRPr dirty="0"/>
-          </a:p>
-        </p:txBody>
-      </p:sp>
-      <p:sp>
-        <p:nvSpPr>
-          <p:cNvPr id="240" name="Google Shape;240;p17"/>
-          <p:cNvSpPr txBox="1">
-            <a:spLocks noGrp="1"/>
-          </p:cNvSpPr>
-          <p:nvPr>
-            <p:ph type="body" idx="1"/>
-          </p:nvPr>
-        </p:nvSpPr>
-        <p:spPr>
-          <a:xfrm>
-            <a:off x="779100" y="1503550"/>
-            <a:ext cx="6010500" cy="2884200"/>
-          </a:xfrm>
-          <a:prstGeom prst="rect">
-            <a:avLst/>
-          </a:prstGeom>
-        </p:spPr>
-        <p:txBody>
-          <a:bodyPr spcFirstLastPara="1" wrap="square" lIns="0" tIns="0" rIns="0" bIns="0" anchor="t" anchorCtr="0">
-            <a:noAutofit/>
-          </a:bodyPr>
-          <a:lstStyle/>
-          <a:p>
-            <a:pPr marL="584200" lvl="0" indent="-457200" algn="l" rtl="0">
-              <a:spcBef>
-                <a:spcPts val="0"/>
-              </a:spcBef>
-              <a:spcAft>
-                <a:spcPts val="0"/>
-              </a:spcAft>
-              <a:buSzPct val="90000"/>
-              <a:buFont typeface="+mj-lt"/>
-              <a:buAutoNum type="arabicPeriod"/>
-            </a:pPr>
-            <a:r>
-              <a:rPr lang="es-ES" dirty="0"/>
-              <a:t>Introducción</a:t>
-            </a:r>
-            <a:endParaRPr dirty="0"/>
-          </a:p>
-          <a:p>
-            <a:pPr marL="584200" lvl="0" indent="-457200" algn="l" rtl="0">
-              <a:spcBef>
-                <a:spcPts val="0"/>
-              </a:spcBef>
-              <a:spcAft>
-                <a:spcPts val="0"/>
-              </a:spcAft>
-              <a:buSzPct val="90000"/>
-              <a:buFont typeface="+mj-lt"/>
-              <a:buAutoNum type="arabicPeriod"/>
-            </a:pPr>
-            <a:r>
-              <a:rPr lang="es-ES" dirty="0"/>
-              <a:t>Estado del arte</a:t>
-            </a:r>
-            <a:endParaRPr dirty="0"/>
-          </a:p>
-          <a:p>
-            <a:pPr marL="584200" lvl="0" indent="-457200" algn="l" rtl="0">
-              <a:spcBef>
-                <a:spcPts val="0"/>
-              </a:spcBef>
-              <a:spcAft>
-                <a:spcPts val="0"/>
-              </a:spcAft>
-              <a:buSzPct val="90000"/>
-              <a:buFont typeface="+mj-lt"/>
-              <a:buAutoNum type="arabicPeriod"/>
-            </a:pPr>
-            <a:r>
-              <a:rPr lang="es-ES" dirty="0"/>
-              <a:t>Tecnología utilizada</a:t>
-            </a:r>
-          </a:p>
-          <a:p>
-            <a:pPr marL="584200" lvl="0" indent="-457200" algn="l" rtl="0">
-              <a:spcBef>
-                <a:spcPts val="0"/>
-              </a:spcBef>
-              <a:spcAft>
-                <a:spcPts val="0"/>
-              </a:spcAft>
-              <a:buSzPct val="90000"/>
-              <a:buFont typeface="+mj-lt"/>
-              <a:buAutoNum type="arabicPeriod"/>
-            </a:pPr>
-            <a:r>
-              <a:rPr lang="es-ES" dirty="0"/>
-              <a:t>Desarrollo de la solución</a:t>
-            </a:r>
-          </a:p>
-          <a:p>
-            <a:pPr marL="584200" lvl="0" indent="-457200" algn="l" rtl="0">
-              <a:spcBef>
-                <a:spcPts val="0"/>
-              </a:spcBef>
-              <a:spcAft>
-                <a:spcPts val="0"/>
-              </a:spcAft>
-              <a:buSzPct val="90000"/>
-              <a:buFont typeface="+mj-lt"/>
-              <a:buAutoNum type="arabicPeriod"/>
-            </a:pPr>
-            <a:r>
-              <a:rPr lang="es-ES" dirty="0"/>
-              <a:t>Demo</a:t>
-            </a:r>
-          </a:p>
-          <a:p>
-            <a:pPr marL="584200" lvl="0" indent="-457200" algn="l" rtl="0">
-              <a:spcBef>
-                <a:spcPts val="0"/>
-              </a:spcBef>
-              <a:spcAft>
-                <a:spcPts val="0"/>
-              </a:spcAft>
-              <a:buSzPct val="90000"/>
-              <a:buFont typeface="+mj-lt"/>
-              <a:buAutoNum type="arabicPeriod"/>
-            </a:pPr>
-            <a:r>
-              <a:rPr lang="es-ES" dirty="0"/>
-              <a:t>Conclusiones y trabajo futuro</a:t>
-            </a:r>
-            <a:endParaRPr dirty="0"/>
-          </a:p>
-        </p:txBody>
-      </p:sp>
-      <p:sp>
-        <p:nvSpPr>
-          <p:cNvPr id="241" name="Google Shape;241;p17"/>
-          <p:cNvSpPr txBox="1">
-            <a:spLocks noGrp="1"/>
-          </p:cNvSpPr>
-          <p:nvPr>
-            <p:ph type="sldNum" idx="12"/>
-          </p:nvPr>
-        </p:nvSpPr>
-        <p:spPr>
-          <a:xfrm>
-            <a:off x="8480584" y="4749851"/>
-            <a:ext cx="548700" cy="393600"/>
-          </a:xfrm>
-          <a:prstGeom prst="rect">
-            <a:avLst/>
-          </a:prstGeom>
-        </p:spPr>
-        <p:txBody>
-          <a:bodyPr spcFirstLastPara="1" wrap="square" lIns="0" tIns="0" rIns="0" bIns="0" anchor="ctr" anchorCtr="0">
-            <a:noAutofit/>
-          </a:bodyPr>
-          <a:lstStyle/>
-          <a:p>
-            <a:pPr marL="0" lvl="0" indent="0" algn="r" rtl="0">
-              <a:spcBef>
-                <a:spcPts val="0"/>
-              </a:spcBef>
-              <a:spcAft>
-                <a:spcPts val="0"/>
-              </a:spcAft>
-              <a:buNone/>
-            </a:pPr>
-            <a:fld id="{00000000-1234-1234-1234-123412341234}" type="slidenum">
-              <a:rPr lang="en"/>
-              <a:t>2</a:t>
-            </a:fld>
-            <a:endParaRPr/>
-          </a:p>
-        </p:txBody>
-      </p:sp>
-    </p:spTree>
-  </p:cSld>
-  <p:clrMapOvr>
-    <a:masterClrMapping/>
-  </p:clrMapOvr>
-</p:sld>
-</file>
-
-<file path=ppt/slides/slide20.xml><?xml version="1.0" encoding="utf-8"?>
+<file path=ppt/slides/slide19.xml><?xml version="1.0" encoding="utf-8"?>
 <p:sld xmlns:a="http://schemas.openxmlformats.org/drawingml/2006/main" xmlns:r="http://schemas.openxmlformats.org/officeDocument/2006/relationships" xmlns:p="http://schemas.openxmlformats.org/presentationml/2006/main">
   <p:cSld>
     <p:spTree>
@@ -22936,7 +17618,7 @@
             </a:pPr>
             <a:fld id="{00000000-1234-1234-1234-123412341234}" type="slidenum">
               <a:rPr lang="en"/>
-              <a:t>20</a:t>
+              <a:t>19</a:t>
             </a:fld>
             <a:endParaRPr dirty="0"/>
           </a:p>
@@ -22955,7 +17637,247 @@
 </p:sld>
 </file>
 
-<file path=ppt/slides/slide21.xml><?xml version="1.0" encoding="utf-8"?>
+<file path=ppt/slides/slide2.xml><?xml version="1.0" encoding="utf-8"?>
+<p:sld xmlns:a="http://schemas.openxmlformats.org/drawingml/2006/main" xmlns:r="http://schemas.openxmlformats.org/officeDocument/2006/relationships" xmlns:p="http://schemas.openxmlformats.org/presentationml/2006/main">
+  <p:cSld>
+    <p:spTree>
+      <p:nvGrpSpPr>
+        <p:cNvPr id="1" name="Shape 238"/>
+        <p:cNvGrpSpPr/>
+        <p:nvPr/>
+      </p:nvGrpSpPr>
+      <p:grpSpPr>
+        <a:xfrm>
+          <a:off x="0" y="0"/>
+          <a:ext cx="0" cy="0"/>
+          <a:chOff x="0" y="0"/>
+          <a:chExt cx="0" cy="0"/>
+        </a:xfrm>
+      </p:grpSpPr>
+      <p:sp>
+        <p:nvSpPr>
+          <p:cNvPr id="239" name="Google Shape;239;p17"/>
+          <p:cNvSpPr txBox="1">
+            <a:spLocks noGrp="1"/>
+          </p:cNvSpPr>
+          <p:nvPr>
+            <p:ph type="title"/>
+          </p:nvPr>
+        </p:nvSpPr>
+        <p:spPr>
+          <a:xfrm>
+            <a:off x="779100" y="836000"/>
+            <a:ext cx="6010500" cy="396300"/>
+          </a:xfrm>
+          <a:prstGeom prst="rect">
+            <a:avLst/>
+          </a:prstGeom>
+        </p:spPr>
+        <p:txBody>
+          <a:bodyPr spcFirstLastPara="1" wrap="square" lIns="0" tIns="0" rIns="0" bIns="0" anchor="ctr" anchorCtr="0">
+            <a:noAutofit/>
+          </a:bodyPr>
+          <a:lstStyle/>
+          <a:p>
+            <a:pPr marL="0" lvl="0" indent="0" algn="l" rtl="0">
+              <a:spcBef>
+                <a:spcPts val="0"/>
+              </a:spcBef>
+              <a:spcAft>
+                <a:spcPts val="0"/>
+              </a:spcAft>
+              <a:buNone/>
+            </a:pPr>
+            <a:r>
+              <a:rPr lang="en" dirty="0"/>
+              <a:t>Índice</a:t>
+            </a:r>
+            <a:endParaRPr dirty="0"/>
+          </a:p>
+        </p:txBody>
+      </p:sp>
+      <p:sp>
+        <p:nvSpPr>
+          <p:cNvPr id="240" name="Google Shape;240;p17"/>
+          <p:cNvSpPr txBox="1">
+            <a:spLocks noGrp="1"/>
+          </p:cNvSpPr>
+          <p:nvPr>
+            <p:ph type="body" idx="1"/>
+          </p:nvPr>
+        </p:nvSpPr>
+        <p:spPr>
+          <a:xfrm>
+            <a:off x="779100" y="1503550"/>
+            <a:ext cx="6010500" cy="2884200"/>
+          </a:xfrm>
+          <a:prstGeom prst="rect">
+            <a:avLst/>
+          </a:prstGeom>
+        </p:spPr>
+        <p:txBody>
+          <a:bodyPr spcFirstLastPara="1" wrap="square" lIns="0" tIns="0" rIns="0" bIns="0" anchor="t" anchorCtr="0">
+            <a:noAutofit/>
+          </a:bodyPr>
+          <a:lstStyle/>
+          <a:p>
+            <a:pPr marL="584200" lvl="0" indent="-457200" algn="l" rtl="0">
+              <a:spcBef>
+                <a:spcPts val="0"/>
+              </a:spcBef>
+              <a:spcAft>
+                <a:spcPts val="0"/>
+              </a:spcAft>
+              <a:buSzPct val="90000"/>
+              <a:buFont typeface="+mj-lt"/>
+              <a:buAutoNum type="arabicPeriod"/>
+            </a:pPr>
+            <a:r>
+              <a:rPr lang="es-ES" dirty="0"/>
+              <a:t>Introducción</a:t>
+            </a:r>
+            <a:endParaRPr dirty="0"/>
+          </a:p>
+          <a:p>
+            <a:pPr marL="584200" lvl="0" indent="-457200" algn="l" rtl="0">
+              <a:spcBef>
+                <a:spcPts val="0"/>
+              </a:spcBef>
+              <a:spcAft>
+                <a:spcPts val="0"/>
+              </a:spcAft>
+              <a:buSzPct val="90000"/>
+              <a:buFont typeface="+mj-lt"/>
+              <a:buAutoNum type="arabicPeriod"/>
+            </a:pPr>
+            <a:r>
+              <a:rPr lang="es-ES" dirty="0"/>
+              <a:t>Estado del arte</a:t>
+            </a:r>
+            <a:endParaRPr dirty="0"/>
+          </a:p>
+          <a:p>
+            <a:pPr marL="584200" lvl="0" indent="-457200" algn="l" rtl="0">
+              <a:spcBef>
+                <a:spcPts val="0"/>
+              </a:spcBef>
+              <a:spcAft>
+                <a:spcPts val="0"/>
+              </a:spcAft>
+              <a:buSzPct val="90000"/>
+              <a:buFont typeface="+mj-lt"/>
+              <a:buAutoNum type="arabicPeriod"/>
+            </a:pPr>
+            <a:r>
+              <a:rPr lang="es-ES" dirty="0"/>
+              <a:t>Tecnología utilizada</a:t>
+            </a:r>
+          </a:p>
+          <a:p>
+            <a:pPr marL="584200" lvl="0" indent="-457200" algn="l" rtl="0">
+              <a:spcBef>
+                <a:spcPts val="0"/>
+              </a:spcBef>
+              <a:spcAft>
+                <a:spcPts val="0"/>
+              </a:spcAft>
+              <a:buSzPct val="90000"/>
+              <a:buFont typeface="+mj-lt"/>
+              <a:buAutoNum type="arabicPeriod"/>
+            </a:pPr>
+            <a:r>
+              <a:rPr lang="es-ES" dirty="0"/>
+              <a:t>Desarrollo de la solución</a:t>
+            </a:r>
+          </a:p>
+          <a:p>
+            <a:pPr marL="584200" lvl="0" indent="-457200" algn="l" rtl="0">
+              <a:spcBef>
+                <a:spcPts val="0"/>
+              </a:spcBef>
+              <a:spcAft>
+                <a:spcPts val="0"/>
+              </a:spcAft>
+              <a:buSzPct val="90000"/>
+              <a:buFont typeface="+mj-lt"/>
+              <a:buAutoNum type="arabicPeriod"/>
+            </a:pPr>
+            <a:r>
+              <a:rPr lang="es-ES" dirty="0"/>
+              <a:t>Demo</a:t>
+            </a:r>
+          </a:p>
+          <a:p>
+            <a:pPr marL="584200" lvl="0" indent="-457200" algn="l" rtl="0">
+              <a:spcBef>
+                <a:spcPts val="0"/>
+              </a:spcBef>
+              <a:spcAft>
+                <a:spcPts val="0"/>
+              </a:spcAft>
+              <a:buSzPct val="90000"/>
+              <a:buFont typeface="+mj-lt"/>
+              <a:buAutoNum type="arabicPeriod"/>
+            </a:pPr>
+            <a:r>
+              <a:rPr lang="es-ES" dirty="0"/>
+              <a:t>Conclusiones y trabajo futuro</a:t>
+            </a:r>
+            <a:endParaRPr dirty="0"/>
+          </a:p>
+        </p:txBody>
+      </p:sp>
+      <p:sp>
+        <p:nvSpPr>
+          <p:cNvPr id="241" name="Google Shape;241;p17"/>
+          <p:cNvSpPr txBox="1">
+            <a:spLocks noGrp="1"/>
+          </p:cNvSpPr>
+          <p:nvPr>
+            <p:ph type="sldNum" idx="12"/>
+          </p:nvPr>
+        </p:nvSpPr>
+        <p:spPr>
+          <a:xfrm>
+            <a:off x="8480584" y="4749851"/>
+            <a:ext cx="548700" cy="393600"/>
+          </a:xfrm>
+          <a:prstGeom prst="rect">
+            <a:avLst/>
+          </a:prstGeom>
+        </p:spPr>
+        <p:txBody>
+          <a:bodyPr spcFirstLastPara="1" wrap="square" lIns="0" tIns="0" rIns="0" bIns="0" anchor="ctr" anchorCtr="0">
+            <a:noAutofit/>
+          </a:bodyPr>
+          <a:lstStyle/>
+          <a:p>
+            <a:pPr marL="0" lvl="0" indent="0" algn="r" rtl="0">
+              <a:spcBef>
+                <a:spcPts val="0"/>
+              </a:spcBef>
+              <a:spcAft>
+                <a:spcPts val="0"/>
+              </a:spcAft>
+              <a:buNone/>
+            </a:pPr>
+            <a:fld id="{00000000-1234-1234-1234-123412341234}" type="slidenum">
+              <a:rPr lang="en"/>
+              <a:t>2</a:t>
+            </a:fld>
+            <a:endParaRPr/>
+          </a:p>
+        </p:txBody>
+      </p:sp>
+    </p:spTree>
+  </p:cSld>
+  <p:clrMapOvr>
+    <a:masterClrMapping/>
+  </p:clrMapOvr>
+</p:sld>
+</file>
+
+<file path=ppt/slides/slide20.xml><?xml version="1.0" encoding="utf-8"?>
 <p:sld xmlns:a="http://schemas.openxmlformats.org/drawingml/2006/main" xmlns:r="http://schemas.openxmlformats.org/officeDocument/2006/relationships" xmlns:p="http://schemas.openxmlformats.org/presentationml/2006/main">
   <p:cSld>
     <p:spTree>
@@ -23188,7 +18110,7 @@
             </a:pPr>
             <a:fld id="{00000000-1234-1234-1234-123412341234}" type="slidenum">
               <a:rPr lang="en"/>
-              <a:t>21</a:t>
+              <a:t>20</a:t>
             </a:fld>
             <a:endParaRPr dirty="0"/>
           </a:p>
@@ -23536,7 +18458,7 @@
 </p:sld>
 </file>
 
-<file path=ppt/slides/slide22.xml><?xml version="1.0" encoding="utf-8"?>
+<file path=ppt/slides/slide21.xml><?xml version="1.0" encoding="utf-8"?>
 <p:sld xmlns:a="http://schemas.openxmlformats.org/drawingml/2006/main" xmlns:r="http://schemas.openxmlformats.org/officeDocument/2006/relationships" xmlns:p="http://schemas.openxmlformats.org/presentationml/2006/main">
   <p:cSld>
     <p:spTree>
@@ -23623,7 +18545,7 @@
             </a:pPr>
             <a:fld id="{00000000-1234-1234-1234-123412341234}" type="slidenum">
               <a:rPr lang="en"/>
-              <a:t>22</a:t>
+              <a:t>21</a:t>
             </a:fld>
             <a:endParaRPr dirty="0"/>
           </a:p>
@@ -23702,7 +18624,7 @@
 </p:sld>
 </file>
 
-<file path=ppt/slides/slide23.xml><?xml version="1.0" encoding="utf-8"?>
+<file path=ppt/slides/slide22.xml><?xml version="1.0" encoding="utf-8"?>
 <p:sld xmlns:a="http://schemas.openxmlformats.org/drawingml/2006/main" xmlns:r="http://schemas.openxmlformats.org/officeDocument/2006/relationships" xmlns:p="http://schemas.openxmlformats.org/presentationml/2006/main">
   <p:cSld>
     <p:spTree>
@@ -23865,7 +18787,7 @@
             </a:pPr>
             <a:fld id="{00000000-1234-1234-1234-123412341234}" type="slidenum">
               <a:rPr lang="en"/>
-              <a:t>23</a:t>
+              <a:t>22</a:t>
             </a:fld>
             <a:endParaRPr dirty="0"/>
           </a:p>
@@ -23884,7 +18806,7 @@
 </p:sld>
 </file>
 
-<file path=ppt/slides/slide24.xml><?xml version="1.0" encoding="utf-8"?>
+<file path=ppt/slides/slide23.xml><?xml version="1.0" encoding="utf-8"?>
 <p:sld xmlns:a="http://schemas.openxmlformats.org/drawingml/2006/main" xmlns:r="http://schemas.openxmlformats.org/officeDocument/2006/relationships" xmlns:p="http://schemas.openxmlformats.org/presentationml/2006/main">
   <p:cSld>
     <p:spTree>
@@ -24058,7 +18980,7 @@
             </a:pPr>
             <a:fld id="{00000000-1234-1234-1234-123412341234}" type="slidenum">
               <a:rPr lang="en"/>
-              <a:t>24</a:t>
+              <a:t>23</a:t>
             </a:fld>
             <a:endParaRPr dirty="0"/>
           </a:p>
@@ -24077,7 +18999,7 @@
 </p:sld>
 </file>
 
-<file path=ppt/slides/slide25.xml><?xml version="1.0" encoding="utf-8"?>
+<file path=ppt/slides/slide24.xml><?xml version="1.0" encoding="utf-8"?>
 <p:sld xmlns:a="http://schemas.openxmlformats.org/drawingml/2006/main" xmlns:r="http://schemas.openxmlformats.org/officeDocument/2006/relationships" xmlns:p="http://schemas.openxmlformats.org/presentationml/2006/main">
   <p:cSld>
     <p:spTree>
@@ -24239,7 +19161,7 @@
             </a:pPr>
             <a:fld id="{00000000-1234-1234-1234-123412341234}" type="slidenum">
               <a:rPr lang="en"/>
-              <a:t>25</a:t>
+              <a:t>24</a:t>
             </a:fld>
             <a:endParaRPr dirty="0"/>
           </a:p>
@@ -24258,7 +19180,7 @@
 </p:sld>
 </file>
 
-<file path=ppt/slides/slide26.xml><?xml version="1.0" encoding="utf-8"?>
+<file path=ppt/slides/slide25.xml><?xml version="1.0" encoding="utf-8"?>
 <p:sld xmlns:a="http://schemas.openxmlformats.org/drawingml/2006/main" xmlns:r="http://schemas.openxmlformats.org/officeDocument/2006/relationships" xmlns:p="http://schemas.openxmlformats.org/presentationml/2006/main">
   <p:cSld>
     <p:spTree>
@@ -24436,7 +19358,7 @@
             </a:pPr>
             <a:fld id="{00000000-1234-1234-1234-123412341234}" type="slidenum">
               <a:rPr lang="en"/>
-              <a:t>26</a:t>
+              <a:t>25</a:t>
             </a:fld>
             <a:endParaRPr dirty="0"/>
           </a:p>
@@ -24455,7 +19377,7 @@
 </p:sld>
 </file>
 
-<file path=ppt/slides/slide27.xml><?xml version="1.0" encoding="utf-8"?>
+<file path=ppt/slides/slide26.xml><?xml version="1.0" encoding="utf-8"?>
 <p:sld xmlns:a="http://schemas.openxmlformats.org/drawingml/2006/main" xmlns:r="http://schemas.openxmlformats.org/officeDocument/2006/relationships" xmlns:p="http://schemas.openxmlformats.org/presentationml/2006/main">
   <p:cSld>
     <p:spTree>
@@ -24555,7 +19477,7 @@
             </a:pPr>
             <a:fld id="{00000000-1234-1234-1234-123412341234}" type="slidenum">
               <a:rPr lang="en"/>
-              <a:t>27</a:t>
+              <a:t>26</a:t>
             </a:fld>
             <a:endParaRPr dirty="0"/>
           </a:p>
@@ -24604,7 +19526,7 @@
 </p:sld>
 </file>
 
-<file path=ppt/slides/slide28.xml><?xml version="1.0" encoding="utf-8"?>
+<file path=ppt/slides/slide27.xml><?xml version="1.0" encoding="utf-8"?>
 <p:sld xmlns:a="http://schemas.openxmlformats.org/drawingml/2006/main" xmlns:r="http://schemas.openxmlformats.org/officeDocument/2006/relationships" xmlns:p="http://schemas.openxmlformats.org/presentationml/2006/main">
   <p:cSld>
     <p:spTree>
@@ -24753,7 +19675,7 @@
             </a:pPr>
             <a:fld id="{00000000-1234-1234-1234-123412341234}" type="slidenum">
               <a:rPr lang="en"/>
-              <a:t>28</a:t>
+              <a:t>27</a:t>
             </a:fld>
             <a:endParaRPr dirty="0"/>
           </a:p>
@@ -24802,7 +19724,7 @@
 </p:sld>
 </file>
 
-<file path=ppt/slides/slide29.xml><?xml version="1.0" encoding="utf-8"?>
+<file path=ppt/slides/slide28.xml><?xml version="1.0" encoding="utf-8"?>
 <p:sld xmlns:a="http://schemas.openxmlformats.org/drawingml/2006/main" xmlns:r="http://schemas.openxmlformats.org/officeDocument/2006/relationships" xmlns:p="http://schemas.openxmlformats.org/presentationml/2006/main">
   <p:cSld>
     <p:spTree>
@@ -24973,7 +19895,7 @@
             </a:pPr>
             <a:fld id="{00000000-1234-1234-1234-123412341234}" type="slidenum">
               <a:rPr lang="en"/>
-              <a:t>29</a:t>
+              <a:t>28</a:t>
             </a:fld>
             <a:endParaRPr dirty="0"/>
           </a:p>
@@ -24992,177 +19914,7 @@
 </p:sld>
 </file>
 
-<file path=ppt/slides/slide3.xml><?xml version="1.0" encoding="utf-8"?>
-<p:sld xmlns:a="http://schemas.openxmlformats.org/drawingml/2006/main" xmlns:r="http://schemas.openxmlformats.org/officeDocument/2006/relationships" xmlns:p="http://schemas.openxmlformats.org/presentationml/2006/main">
-  <p:cSld>
-    <p:spTree>
-      <p:nvGrpSpPr>
-        <p:cNvPr id="1" name="Shape 225"/>
-        <p:cNvGrpSpPr/>
-        <p:nvPr/>
-      </p:nvGrpSpPr>
-      <p:grpSpPr>
-        <a:xfrm>
-          <a:off x="0" y="0"/>
-          <a:ext cx="0" cy="0"/>
-          <a:chOff x="0" y="0"/>
-          <a:chExt cx="0" cy="0"/>
-        </a:xfrm>
-      </p:grpSpPr>
-      <p:sp>
-        <p:nvSpPr>
-          <p:cNvPr id="226" name="Google Shape;226;p15"/>
-          <p:cNvSpPr txBox="1">
-            <a:spLocks noGrp="1"/>
-          </p:cNvSpPr>
-          <p:nvPr>
-            <p:ph type="ctrTitle"/>
-          </p:nvPr>
-        </p:nvSpPr>
-        <p:spPr>
-          <a:xfrm>
-            <a:off x="2305150" y="2884378"/>
-            <a:ext cx="5811000" cy="475800"/>
-          </a:xfrm>
-          <a:prstGeom prst="rect">
-            <a:avLst/>
-          </a:prstGeom>
-        </p:spPr>
-        <p:txBody>
-          <a:bodyPr spcFirstLastPara="1" wrap="square" lIns="0" tIns="0" rIns="0" bIns="0" anchor="ctr" anchorCtr="0">
-            <a:noAutofit/>
-          </a:bodyPr>
-          <a:lstStyle/>
-          <a:p>
-            <a:pPr marL="0" lvl="0" indent="0" algn="l" rtl="0">
-              <a:spcBef>
-                <a:spcPts val="0"/>
-              </a:spcBef>
-              <a:spcAft>
-                <a:spcPts val="0"/>
-              </a:spcAft>
-              <a:buNone/>
-            </a:pPr>
-            <a:r>
-              <a:rPr lang="en" dirty="0"/>
-              <a:t>INTRODUCCIÓN</a:t>
-            </a:r>
-            <a:endParaRPr dirty="0"/>
-          </a:p>
-        </p:txBody>
-      </p:sp>
-      <p:sp>
-        <p:nvSpPr>
-          <p:cNvPr id="227" name="Google Shape;227;p15"/>
-          <p:cNvSpPr txBox="1">
-            <a:spLocks noGrp="1"/>
-          </p:cNvSpPr>
-          <p:nvPr>
-            <p:ph type="subTitle" idx="1"/>
-          </p:nvPr>
-        </p:nvSpPr>
-        <p:spPr>
-          <a:xfrm>
-            <a:off x="2305150" y="3385436"/>
-            <a:ext cx="5811000" cy="410700"/>
-          </a:xfrm>
-          <a:prstGeom prst="rect">
-            <a:avLst/>
-          </a:prstGeom>
-        </p:spPr>
-        <p:txBody>
-          <a:bodyPr spcFirstLastPara="1" wrap="square" lIns="0" tIns="0" rIns="0" bIns="0" anchor="t" anchorCtr="0">
-            <a:noAutofit/>
-          </a:bodyPr>
-          <a:lstStyle/>
-          <a:p>
-            <a:pPr marL="0" lvl="0" indent="0" algn="l" rtl="0">
-              <a:spcBef>
-                <a:spcPts val="0"/>
-              </a:spcBef>
-              <a:spcAft>
-                <a:spcPts val="800"/>
-              </a:spcAft>
-              <a:buNone/>
-            </a:pPr>
-            <a:r>
-              <a:rPr lang="en" dirty="0"/>
-              <a:t>Motivación y objetivos</a:t>
-            </a:r>
-            <a:endParaRPr dirty="0"/>
-          </a:p>
-        </p:txBody>
-      </p:sp>
-      <p:sp>
-        <p:nvSpPr>
-          <p:cNvPr id="228" name="Google Shape;228;p15"/>
-          <p:cNvSpPr txBox="1"/>
-          <p:nvPr/>
-        </p:nvSpPr>
-        <p:spPr>
-          <a:xfrm>
-            <a:off x="77600" y="2201325"/>
-            <a:ext cx="2004000" cy="2201400"/>
-          </a:xfrm>
-          <a:prstGeom prst="rect">
-            <a:avLst/>
-          </a:prstGeom>
-          <a:noFill/>
-          <a:ln>
-            <a:noFill/>
-          </a:ln>
-        </p:spPr>
-        <p:txBody>
-          <a:bodyPr spcFirstLastPara="1" wrap="square" lIns="91425" tIns="91425" rIns="91425" bIns="91425" anchor="ctr" anchorCtr="0">
-            <a:noAutofit/>
-          </a:bodyPr>
-          <a:lstStyle/>
-          <a:p>
-            <a:pPr marL="0" marR="0" lvl="0" indent="0" algn="ctr" rtl="0">
-              <a:lnSpc>
-                <a:spcPct val="90000"/>
-              </a:lnSpc>
-              <a:spcBef>
-                <a:spcPts val="0"/>
-              </a:spcBef>
-              <a:spcAft>
-                <a:spcPts val="0"/>
-              </a:spcAft>
-              <a:buNone/>
-            </a:pPr>
-            <a:r>
-              <a:rPr lang="en" sz="9600" b="1">
-                <a:solidFill>
-                  <a:schemeClr val="lt1"/>
-                </a:solidFill>
-                <a:latin typeface="Catamaran"/>
-                <a:ea typeface="Catamaran"/>
-                <a:cs typeface="Catamaran"/>
-                <a:sym typeface="Catamaran"/>
-              </a:rPr>
-              <a:t>1</a:t>
-            </a:r>
-            <a:endParaRPr sz="9600" b="1">
-              <a:solidFill>
-                <a:schemeClr val="lt1"/>
-              </a:solidFill>
-              <a:latin typeface="Catamaran"/>
-              <a:ea typeface="Catamaran"/>
-              <a:cs typeface="Catamaran"/>
-              <a:sym typeface="Catamaran"/>
-            </a:endParaRPr>
-          </a:p>
-        </p:txBody>
-      </p:sp>
-    </p:spTree>
-  </p:cSld>
-  <p:clrMapOvr>
-    <a:masterClrMapping/>
-  </p:clrMapOvr>
-</p:sld>
-</file>
-
-<file path=ppt/slides/slide30.xml><?xml version="1.0" encoding="utf-8"?>
+<file path=ppt/slides/slide29.xml><?xml version="1.0" encoding="utf-8"?>
 <p:sld xmlns:a="http://schemas.openxmlformats.org/drawingml/2006/main" xmlns:r="http://schemas.openxmlformats.org/officeDocument/2006/relationships" xmlns:p="http://schemas.openxmlformats.org/presentationml/2006/main">
   <p:cSld>
     <p:spTree>
@@ -25254,7 +20006,7 @@
             </a:pPr>
             <a:fld id="{00000000-1234-1234-1234-123412341234}" type="slidenum">
               <a:rPr lang="en"/>
-              <a:t>30</a:t>
+              <a:t>29</a:t>
             </a:fld>
             <a:endParaRPr dirty="0"/>
           </a:p>
@@ -25303,7 +20055,177 @@
 </p:sld>
 </file>
 
-<file path=ppt/slides/slide31.xml><?xml version="1.0" encoding="utf-8"?>
+<file path=ppt/slides/slide3.xml><?xml version="1.0" encoding="utf-8"?>
+<p:sld xmlns:a="http://schemas.openxmlformats.org/drawingml/2006/main" xmlns:r="http://schemas.openxmlformats.org/officeDocument/2006/relationships" xmlns:p="http://schemas.openxmlformats.org/presentationml/2006/main">
+  <p:cSld>
+    <p:spTree>
+      <p:nvGrpSpPr>
+        <p:cNvPr id="1" name="Shape 225"/>
+        <p:cNvGrpSpPr/>
+        <p:nvPr/>
+      </p:nvGrpSpPr>
+      <p:grpSpPr>
+        <a:xfrm>
+          <a:off x="0" y="0"/>
+          <a:ext cx="0" cy="0"/>
+          <a:chOff x="0" y="0"/>
+          <a:chExt cx="0" cy="0"/>
+        </a:xfrm>
+      </p:grpSpPr>
+      <p:sp>
+        <p:nvSpPr>
+          <p:cNvPr id="226" name="Google Shape;226;p15"/>
+          <p:cNvSpPr txBox="1">
+            <a:spLocks noGrp="1"/>
+          </p:cNvSpPr>
+          <p:nvPr>
+            <p:ph type="ctrTitle"/>
+          </p:nvPr>
+        </p:nvSpPr>
+        <p:spPr>
+          <a:xfrm>
+            <a:off x="2305150" y="2884378"/>
+            <a:ext cx="5811000" cy="475800"/>
+          </a:xfrm>
+          <a:prstGeom prst="rect">
+            <a:avLst/>
+          </a:prstGeom>
+        </p:spPr>
+        <p:txBody>
+          <a:bodyPr spcFirstLastPara="1" wrap="square" lIns="0" tIns="0" rIns="0" bIns="0" anchor="ctr" anchorCtr="0">
+            <a:noAutofit/>
+          </a:bodyPr>
+          <a:lstStyle/>
+          <a:p>
+            <a:pPr marL="0" lvl="0" indent="0" algn="l" rtl="0">
+              <a:spcBef>
+                <a:spcPts val="0"/>
+              </a:spcBef>
+              <a:spcAft>
+                <a:spcPts val="0"/>
+              </a:spcAft>
+              <a:buNone/>
+            </a:pPr>
+            <a:r>
+              <a:rPr lang="en" dirty="0"/>
+              <a:t>INTRODUCCIÓN</a:t>
+            </a:r>
+            <a:endParaRPr dirty="0"/>
+          </a:p>
+        </p:txBody>
+      </p:sp>
+      <p:sp>
+        <p:nvSpPr>
+          <p:cNvPr id="227" name="Google Shape;227;p15"/>
+          <p:cNvSpPr txBox="1">
+            <a:spLocks noGrp="1"/>
+          </p:cNvSpPr>
+          <p:nvPr>
+            <p:ph type="subTitle" idx="1"/>
+          </p:nvPr>
+        </p:nvSpPr>
+        <p:spPr>
+          <a:xfrm>
+            <a:off x="2305150" y="3385436"/>
+            <a:ext cx="5811000" cy="410700"/>
+          </a:xfrm>
+          <a:prstGeom prst="rect">
+            <a:avLst/>
+          </a:prstGeom>
+        </p:spPr>
+        <p:txBody>
+          <a:bodyPr spcFirstLastPara="1" wrap="square" lIns="0" tIns="0" rIns="0" bIns="0" anchor="t" anchorCtr="0">
+            <a:noAutofit/>
+          </a:bodyPr>
+          <a:lstStyle/>
+          <a:p>
+            <a:pPr marL="0" lvl="0" indent="0" algn="l" rtl="0">
+              <a:spcBef>
+                <a:spcPts val="0"/>
+              </a:spcBef>
+              <a:spcAft>
+                <a:spcPts val="800"/>
+              </a:spcAft>
+              <a:buNone/>
+            </a:pPr>
+            <a:r>
+              <a:rPr lang="en" dirty="0"/>
+              <a:t>Motivación y objetivos</a:t>
+            </a:r>
+            <a:endParaRPr dirty="0"/>
+          </a:p>
+        </p:txBody>
+      </p:sp>
+      <p:sp>
+        <p:nvSpPr>
+          <p:cNvPr id="228" name="Google Shape;228;p15"/>
+          <p:cNvSpPr txBox="1"/>
+          <p:nvPr/>
+        </p:nvSpPr>
+        <p:spPr>
+          <a:xfrm>
+            <a:off x="77600" y="2201325"/>
+            <a:ext cx="2004000" cy="2201400"/>
+          </a:xfrm>
+          <a:prstGeom prst="rect">
+            <a:avLst/>
+          </a:prstGeom>
+          <a:noFill/>
+          <a:ln>
+            <a:noFill/>
+          </a:ln>
+        </p:spPr>
+        <p:txBody>
+          <a:bodyPr spcFirstLastPara="1" wrap="square" lIns="91425" tIns="91425" rIns="91425" bIns="91425" anchor="ctr" anchorCtr="0">
+            <a:noAutofit/>
+          </a:bodyPr>
+          <a:lstStyle/>
+          <a:p>
+            <a:pPr marL="0" marR="0" lvl="0" indent="0" algn="ctr" rtl="0">
+              <a:lnSpc>
+                <a:spcPct val="90000"/>
+              </a:lnSpc>
+              <a:spcBef>
+                <a:spcPts val="0"/>
+              </a:spcBef>
+              <a:spcAft>
+                <a:spcPts val="0"/>
+              </a:spcAft>
+              <a:buNone/>
+            </a:pPr>
+            <a:r>
+              <a:rPr lang="en" sz="9600" b="1">
+                <a:solidFill>
+                  <a:schemeClr val="lt1"/>
+                </a:solidFill>
+                <a:latin typeface="Catamaran"/>
+                <a:ea typeface="Catamaran"/>
+                <a:cs typeface="Catamaran"/>
+                <a:sym typeface="Catamaran"/>
+              </a:rPr>
+              <a:t>1</a:t>
+            </a:r>
+            <a:endParaRPr sz="9600" b="1">
+              <a:solidFill>
+                <a:schemeClr val="lt1"/>
+              </a:solidFill>
+              <a:latin typeface="Catamaran"/>
+              <a:ea typeface="Catamaran"/>
+              <a:cs typeface="Catamaran"/>
+              <a:sym typeface="Catamaran"/>
+            </a:endParaRPr>
+          </a:p>
+        </p:txBody>
+      </p:sp>
+    </p:spTree>
+  </p:cSld>
+  <p:clrMapOvr>
+    <a:masterClrMapping/>
+  </p:clrMapOvr>
+</p:sld>
+</file>
+
+<file path=ppt/slides/slide30.xml><?xml version="1.0" encoding="utf-8"?>
 <p:sld xmlns:a="http://schemas.openxmlformats.org/drawingml/2006/main" xmlns:r="http://schemas.openxmlformats.org/officeDocument/2006/relationships" xmlns:p="http://schemas.openxmlformats.org/presentationml/2006/main">
   <p:cSld>
     <p:spTree>
@@ -25468,7 +20390,7 @@
             </a:pPr>
             <a:fld id="{00000000-1234-1234-1234-123412341234}" type="slidenum">
               <a:rPr lang="en"/>
-              <a:t>31</a:t>
+              <a:t>30</a:t>
             </a:fld>
             <a:endParaRPr dirty="0"/>
           </a:p>
@@ -25487,7 +20409,7 @@
 </p:sld>
 </file>
 
-<file path=ppt/slides/slide32.xml><?xml version="1.0" encoding="utf-8"?>
+<file path=ppt/slides/slide31.xml><?xml version="1.0" encoding="utf-8"?>
 <p:sld xmlns:a="http://schemas.openxmlformats.org/drawingml/2006/main" xmlns:r="http://schemas.openxmlformats.org/officeDocument/2006/relationships" xmlns:p="http://schemas.openxmlformats.org/presentationml/2006/main">
   <p:cSld>
     <p:spTree>
@@ -25620,7 +20542,7 @@
 </p:sld>
 </file>
 
-<file path=ppt/slides/slide33.xml><?xml version="1.0" encoding="utf-8"?>
+<file path=ppt/slides/slide32.xml><?xml version="1.0" encoding="utf-8"?>
 <p:sld xmlns:a="http://schemas.openxmlformats.org/drawingml/2006/main" xmlns:r="http://schemas.openxmlformats.org/officeDocument/2006/relationships" xmlns:p="http://schemas.openxmlformats.org/presentationml/2006/main">
   <p:cSld>
     <p:bg>
@@ -25685,7 +20607,7 @@
                   <a:schemeClr val="lt1"/>
                 </a:solidFill>
               </a:rPr>
-              <a:t>33</a:t>
+              <a:t>32</a:t>
             </a:fld>
             <a:endParaRPr>
               <a:solidFill>
@@ -26074,7 +20996,7 @@
 </p:sld>
 </file>
 
-<file path=ppt/slides/slide34.xml><?xml version="1.0" encoding="utf-8"?>
+<file path=ppt/slides/slide33.xml><?xml version="1.0" encoding="utf-8"?>
 <p:sld xmlns:a="http://schemas.openxmlformats.org/drawingml/2006/main" xmlns:r="http://schemas.openxmlformats.org/officeDocument/2006/relationships" xmlns:p="http://schemas.openxmlformats.org/presentationml/2006/main">
   <p:cSld>
     <p:spTree>
@@ -26214,7 +21136,7 @@
 </p:sld>
 </file>
 
-<file path=ppt/slides/slide35.xml><?xml version="1.0" encoding="utf-8"?>
+<file path=ppt/slides/slide34.xml><?xml version="1.0" encoding="utf-8"?>
 <p:sld xmlns:a="http://schemas.openxmlformats.org/drawingml/2006/main" xmlns:r="http://schemas.openxmlformats.org/officeDocument/2006/relationships" xmlns:p="http://schemas.openxmlformats.org/presentationml/2006/main">
   <p:cSld>
     <p:spTree>
@@ -26379,7 +21301,7 @@
             </a:pPr>
             <a:fld id="{00000000-1234-1234-1234-123412341234}" type="slidenum">
               <a:rPr lang="en"/>
-              <a:t>35</a:t>
+              <a:t>34</a:t>
             </a:fld>
             <a:endParaRPr dirty="0"/>
           </a:p>
@@ -26398,7 +21320,7 @@
 </p:sld>
 </file>
 
-<file path=ppt/slides/slide36.xml><?xml version="1.0" encoding="utf-8"?>
+<file path=ppt/slides/slide35.xml><?xml version="1.0" encoding="utf-8"?>
 <p:sld xmlns:a="http://schemas.openxmlformats.org/drawingml/2006/main" xmlns:r="http://schemas.openxmlformats.org/officeDocument/2006/relationships" xmlns:p="http://schemas.openxmlformats.org/presentationml/2006/main">
   <p:cSld>
     <p:spTree>
@@ -26548,7 +21470,7 @@
             </a:pPr>
             <a:fld id="{00000000-1234-1234-1234-123412341234}" type="slidenum">
               <a:rPr lang="en"/>
-              <a:t>36</a:t>
+              <a:t>35</a:t>
             </a:fld>
             <a:endParaRPr dirty="0"/>
           </a:p>
@@ -26567,7 +21489,7 @@
 </p:sld>
 </file>
 
-<file path=ppt/slides/slide37.xml><?xml version="1.0" encoding="utf-8"?>
+<file path=ppt/slides/slide36.xml><?xml version="1.0" encoding="utf-8"?>
 <p:sld xmlns:a="http://schemas.openxmlformats.org/drawingml/2006/main" xmlns:r="http://schemas.openxmlformats.org/officeDocument/2006/relationships" xmlns:p="http://schemas.openxmlformats.org/presentationml/2006/main">
   <p:cSld>
     <p:spTree>

--- a/TFG_AlejandroCarrion.pptx
+++ b/TFG_AlejandroCarrion.pptx
@@ -306,7 +306,7 @@
 <file path=ppt/revisionInfo.xml><?xml version="1.0" encoding="utf-8"?>
 <p1510:revInfo xmlns:a="http://schemas.openxmlformats.org/drawingml/2006/main" xmlns:r="http://schemas.openxmlformats.org/officeDocument/2006/relationships" xmlns:p1510="http://schemas.microsoft.com/office/powerpoint/2015/10/main">
   <p1510:revLst>
-    <p1510:client id="{ECF2C08A-1D63-4443-908D-B3C4743D2FCA}" v="71" dt="2021-08-31T18:45:38.120"/>
+    <p1510:client id="{ECF2C08A-1D63-4443-908D-B3C4743D2FCA}" v="72" dt="2021-09-02T19:05:01.713"/>
   </p1510:revLst>
 </p1510:revInfo>
 </file>
@@ -316,7 +316,7 @@
   <pc:docChgLst>
     <pc:chgData name="Alejandro Carrión" userId="757439b461449c9e" providerId="LiveId" clId="{ECF2C08A-1D63-4443-908D-B3C4743D2FCA}"/>
     <pc:docChg chg="undo redo custSel addSld delSld modSld sldOrd">
-      <pc:chgData name="Alejandro Carrión" userId="757439b461449c9e" providerId="LiveId" clId="{ECF2C08A-1D63-4443-908D-B3C4743D2FCA}" dt="2021-09-02T19:03:58.817" v="5691" actId="47"/>
+      <pc:chgData name="Alejandro Carrión" userId="757439b461449c9e" providerId="LiveId" clId="{ECF2C08A-1D63-4443-908D-B3C4743D2FCA}" dt="2021-09-02T19:05:01.713" v="5692"/>
       <pc:docMkLst>
         <pc:docMk/>
       </pc:docMkLst>
@@ -2518,8 +2518,8 @@
           </ac:spMkLst>
         </pc:spChg>
       </pc:sldChg>
-      <pc:sldChg chg="addSp delSp modSp add mod">
-        <pc:chgData name="Alejandro Carrión" userId="757439b461449c9e" providerId="LiveId" clId="{ECF2C08A-1D63-4443-908D-B3C4743D2FCA}" dt="2021-08-31T17:58:35.272" v="3454" actId="1076"/>
+      <pc:sldChg chg="addSp delSp modSp add mod modAnim">
+        <pc:chgData name="Alejandro Carrión" userId="757439b461449c9e" providerId="LiveId" clId="{ECF2C08A-1D63-4443-908D-B3C4743D2FCA}" dt="2021-09-02T19:05:01.713" v="5692"/>
         <pc:sldMkLst>
           <pc:docMk/>
           <pc:sldMk cId="1294296652" sldId="319"/>
@@ -22057,6 +22057,84 @@
   <p:clrMapOvr>
     <a:masterClrMapping/>
   </p:clrMapOvr>
+  <p:timing>
+    <p:tnLst>
+      <p:par>
+        <p:cTn id="1" dur="indefinite" restart="never" nodeType="tmRoot">
+          <p:childTnLst>
+            <p:seq concurrent="1" nextAc="seek">
+              <p:cTn id="2" dur="indefinite" nodeType="mainSeq">
+                <p:childTnLst>
+                  <p:par>
+                    <p:cTn id="3" fill="hold">
+                      <p:stCondLst>
+                        <p:cond delay="indefinite"/>
+                      </p:stCondLst>
+                      <p:childTnLst>
+                        <p:par>
+                          <p:cTn id="4" fill="hold">
+                            <p:stCondLst>
+                              <p:cond delay="0"/>
+                            </p:stCondLst>
+                            <p:childTnLst>
+                              <p:par>
+                                <p:cTn id="5" presetID="1" presetClass="entr" presetSubtype="0" fill="hold" grpId="0" nodeType="clickEffect">
+                                  <p:stCondLst>
+                                    <p:cond delay="0"/>
+                                  </p:stCondLst>
+                                  <p:childTnLst>
+                                    <p:set>
+                                      <p:cBhvr>
+                                        <p:cTn id="6" dur="1" fill="hold">
+                                          <p:stCondLst>
+                                            <p:cond delay="0"/>
+                                          </p:stCondLst>
+                                        </p:cTn>
+                                        <p:tgtEl>
+                                          <p:spTgt spid="9"/>
+                                        </p:tgtEl>
+                                        <p:attrNameLst>
+                                          <p:attrName>style.visibility</p:attrName>
+                                        </p:attrNameLst>
+                                      </p:cBhvr>
+                                      <p:to>
+                                        <p:strVal val="visible"/>
+                                      </p:to>
+                                    </p:set>
+                                  </p:childTnLst>
+                                </p:cTn>
+                              </p:par>
+                            </p:childTnLst>
+                          </p:cTn>
+                        </p:par>
+                      </p:childTnLst>
+                    </p:cTn>
+                  </p:par>
+                </p:childTnLst>
+              </p:cTn>
+              <p:prevCondLst>
+                <p:cond evt="onPrev" delay="0">
+                  <p:tgtEl>
+                    <p:sldTgt/>
+                  </p:tgtEl>
+                </p:cond>
+              </p:prevCondLst>
+              <p:nextCondLst>
+                <p:cond evt="onNext" delay="0">
+                  <p:tgtEl>
+                    <p:sldTgt/>
+                  </p:tgtEl>
+                </p:cond>
+              </p:nextCondLst>
+            </p:seq>
+          </p:childTnLst>
+        </p:cTn>
+      </p:par>
+    </p:tnLst>
+    <p:bldLst>
+      <p:bldP spid="9" grpId="0"/>
+    </p:bldLst>
+  </p:timing>
 </p:sld>
 </file>
 

--- a/TFG_AlejandroCarrion.pptx
+++ b/TFG_AlejandroCarrion.pptx
@@ -5,7 +5,7 @@
     <p:sldMasterId id="2147483658" r:id="rId1"/>
   </p:sldMasterIdLst>
   <p:notesMasterIdLst>
-    <p:notesMasterId r:id="rId38"/>
+    <p:notesMasterId r:id="rId37"/>
   </p:notesMasterIdLst>
   <p:sldIdLst>
     <p:sldId id="256" r:id="rId2"/>
@@ -36,34 +36,33 @@
     <p:sldId id="326" r:id="rId27"/>
     <p:sldId id="317" r:id="rId28"/>
     <p:sldId id="316" r:id="rId29"/>
-    <p:sldId id="321" r:id="rId30"/>
-    <p:sldId id="322" r:id="rId31"/>
-    <p:sldId id="297" r:id="rId32"/>
-    <p:sldId id="277" r:id="rId33"/>
-    <p:sldId id="298" r:id="rId34"/>
-    <p:sldId id="318" r:id="rId35"/>
-    <p:sldId id="320" r:id="rId36"/>
-    <p:sldId id="319" r:id="rId37"/>
+    <p:sldId id="322" r:id="rId30"/>
+    <p:sldId id="297" r:id="rId31"/>
+    <p:sldId id="277" r:id="rId32"/>
+    <p:sldId id="298" r:id="rId33"/>
+    <p:sldId id="318" r:id="rId34"/>
+    <p:sldId id="320" r:id="rId35"/>
+    <p:sldId id="319" r:id="rId36"/>
   </p:sldIdLst>
   <p:sldSz cx="9144000" cy="5143500" type="screen16x9"/>
   <p:notesSz cx="6858000" cy="9144000"/>
   <p:embeddedFontLst>
     <p:embeddedFont>
       <p:font typeface="Calibri" panose="020F0502020204030204" pitchFamily="34" charset="0"/>
-      <p:regular r:id="rId39"/>
-      <p:bold r:id="rId40"/>
-      <p:italic r:id="rId41"/>
-      <p:boldItalic r:id="rId42"/>
+      <p:regular r:id="rId38"/>
+      <p:bold r:id="rId39"/>
+      <p:italic r:id="rId40"/>
+      <p:boldItalic r:id="rId41"/>
     </p:embeddedFont>
     <p:embeddedFont>
       <p:font typeface="Catamaran" panose="020B0604020202020204" charset="0"/>
-      <p:regular r:id="rId43"/>
-      <p:bold r:id="rId44"/>
+      <p:regular r:id="rId42"/>
+      <p:bold r:id="rId43"/>
     </p:embeddedFont>
     <p:embeddedFont>
       <p:font typeface="Catamaran Thin" panose="020B0604020202020204" charset="0"/>
-      <p:regular r:id="rId45"/>
-      <p:bold r:id="rId46"/>
+      <p:regular r:id="rId44"/>
+      <p:bold r:id="rId45"/>
     </p:embeddedFont>
   </p:embeddedFontLst>
   <p:defaultTextStyle>
@@ -306,7 +305,7 @@
 <file path=ppt/revisionInfo.xml><?xml version="1.0" encoding="utf-8"?>
 <p1510:revInfo xmlns:a="http://schemas.openxmlformats.org/drawingml/2006/main" xmlns:r="http://schemas.openxmlformats.org/officeDocument/2006/relationships" xmlns:p1510="http://schemas.microsoft.com/office/powerpoint/2015/10/main">
   <p1510:revLst>
-    <p1510:client id="{ECF2C08A-1D63-4443-908D-B3C4743D2FCA}" v="72" dt="2021-09-02T19:05:01.713"/>
+    <p1510:client id="{ECF2C08A-1D63-4443-908D-B3C4743D2FCA}" v="74" dt="2021-09-04T09:00:31.803"/>
   </p1510:revLst>
 </p1510:revInfo>
 </file>
@@ -316,7 +315,7 @@
   <pc:docChgLst>
     <pc:chgData name="Alejandro Carrión" userId="757439b461449c9e" providerId="LiveId" clId="{ECF2C08A-1D63-4443-908D-B3C4743D2FCA}"/>
     <pc:docChg chg="undo redo custSel addSld delSld modSld sldOrd">
-      <pc:chgData name="Alejandro Carrión" userId="757439b461449c9e" providerId="LiveId" clId="{ECF2C08A-1D63-4443-908D-B3C4743D2FCA}" dt="2021-09-02T19:05:01.713" v="5692"/>
+      <pc:chgData name="Alejandro Carrión" userId="757439b461449c9e" providerId="LiveId" clId="{ECF2C08A-1D63-4443-908D-B3C4743D2FCA}" dt="2021-09-04T09:01:10.987" v="5793" actId="20577"/>
       <pc:docMkLst>
         <pc:docMk/>
       </pc:docMkLst>
@@ -1551,7 +1550,7 @@
         </pc:picChg>
       </pc:sldChg>
       <pc:sldChg chg="addSp delSp modSp new add del mod modClrScheme chgLayout">
-        <pc:chgData name="Alejandro Carrión" userId="757439b461449c9e" providerId="LiveId" clId="{ECF2C08A-1D63-4443-908D-B3C4743D2FCA}" dt="2021-08-30T18:32:15.215" v="1872" actId="14100"/>
+        <pc:chgData name="Alejandro Carrión" userId="757439b461449c9e" providerId="LiveId" clId="{ECF2C08A-1D63-4443-908D-B3C4743D2FCA}" dt="2021-09-04T08:50:39.585" v="5759" actId="14100"/>
         <pc:sldMkLst>
           <pc:docMk/>
           <pc:sldMk cId="695939527" sldId="305"/>
@@ -1602,6 +1601,14 @@
             <pc:docMk/>
             <pc:sldMk cId="695939527" sldId="305"/>
             <ac:picMk id="6" creationId="{FE2835EA-8806-42E1-B050-440CAD2C1887}"/>
+          </ac:picMkLst>
+        </pc:picChg>
+        <pc:picChg chg="mod">
+          <ac:chgData name="Alejandro Carrión" userId="757439b461449c9e" providerId="LiveId" clId="{ECF2C08A-1D63-4443-908D-B3C4743D2FCA}" dt="2021-09-04T08:50:39.585" v="5759" actId="14100"/>
+          <ac:picMkLst>
+            <pc:docMk/>
+            <pc:sldMk cId="695939527" sldId="305"/>
+            <ac:picMk id="1026" creationId="{C5B14513-AC22-49C2-A6E7-D1B32F10D16A}"/>
           </ac:picMkLst>
         </pc:picChg>
         <pc:picChg chg="mod">
@@ -1692,8 +1699,8 @@
             <ac:picMk id="23554" creationId="{F19DAF85-BB61-4B24-8089-0CEE3DC60A52}"/>
           </ac:picMkLst>
         </pc:picChg>
-        <pc:picChg chg="mod modCrop">
-          <ac:chgData name="Alejandro Carrión" userId="757439b461449c9e" providerId="LiveId" clId="{ECF2C08A-1D63-4443-908D-B3C4743D2FCA}" dt="2021-08-30T18:19:12.596" v="1800" actId="1076"/>
+        <pc:picChg chg="del mod modCrop">
+          <ac:chgData name="Alejandro Carrión" userId="757439b461449c9e" providerId="LiveId" clId="{ECF2C08A-1D63-4443-908D-B3C4743D2FCA}" dt="2021-09-04T08:50:23.439" v="5748" actId="478"/>
           <ac:picMkLst>
             <pc:docMk/>
             <pc:sldMk cId="695939527" sldId="305"/>
@@ -1836,6 +1843,21 @@
             <pc:docMk/>
             <pc:sldMk cId="1942491338" sldId="305"/>
             <ac:picMk id="25602" creationId="{16766E72-485E-4F29-9E22-26838D7F9832}"/>
+          </ac:picMkLst>
+        </pc:picChg>
+      </pc:sldChg>
+      <pc:sldChg chg="addSp">
+        <pc:chgData name="Alejandro Carrión" userId="757439b461449c9e" providerId="LiveId" clId="{ECF2C08A-1D63-4443-908D-B3C4743D2FCA}" dt="2021-09-04T08:50:24.001" v="5749"/>
+        <pc:sldMkLst>
+          <pc:docMk/>
+          <pc:sldMk cId="1977333874" sldId="305"/>
+        </pc:sldMkLst>
+        <pc:picChg chg="add">
+          <ac:chgData name="Alejandro Carrión" userId="757439b461449c9e" providerId="LiveId" clId="{ECF2C08A-1D63-4443-908D-B3C4743D2FCA}" dt="2021-09-04T08:50:24.001" v="5749"/>
+          <ac:picMkLst>
+            <pc:docMk/>
+            <pc:sldMk cId="1977333874" sldId="305"/>
+            <ac:picMk id="1026" creationId="{C5B14513-AC22-49C2-A6E7-D1B32F10D16A}"/>
           </ac:picMkLst>
         </pc:picChg>
       </pc:sldChg>
@@ -2201,7 +2223,7 @@
         </pc:picChg>
       </pc:sldChg>
       <pc:sldChg chg="addSp delSp modSp add mod">
-        <pc:chgData name="Alejandro Carrión" userId="757439b461449c9e" providerId="LiveId" clId="{ECF2C08A-1D63-4443-908D-B3C4743D2FCA}" dt="2021-08-30T19:27:51.537" v="2615" actId="20577"/>
+        <pc:chgData name="Alejandro Carrión" userId="757439b461449c9e" providerId="LiveId" clId="{ECF2C08A-1D63-4443-908D-B3C4743D2FCA}" dt="2021-09-04T08:49:19.202" v="5747" actId="2710"/>
         <pc:sldMkLst>
           <pc:docMk/>
           <pc:sldMk cId="1817353308" sldId="309"/>
@@ -2215,7 +2237,7 @@
           </ac:spMkLst>
         </pc:spChg>
         <pc:spChg chg="mod">
-          <ac:chgData name="Alejandro Carrión" userId="757439b461449c9e" providerId="LiveId" clId="{ECF2C08A-1D63-4443-908D-B3C4743D2FCA}" dt="2021-08-30T19:27:51.537" v="2615" actId="20577"/>
+          <ac:chgData name="Alejandro Carrión" userId="757439b461449c9e" providerId="LiveId" clId="{ECF2C08A-1D63-4443-908D-B3C4743D2FCA}" dt="2021-09-04T08:49:19.202" v="5747" actId="2710"/>
           <ac:spMkLst>
             <pc:docMk/>
             <pc:sldMk cId="1817353308" sldId="309"/>
@@ -2364,13 +2386,13 @@
         </pc:picChg>
       </pc:sldChg>
       <pc:sldChg chg="addSp delSp modSp add mod ord chgLayout">
-        <pc:chgData name="Alejandro Carrión" userId="757439b461449c9e" providerId="LiveId" clId="{ECF2C08A-1D63-4443-908D-B3C4743D2FCA}" dt="2021-08-31T17:46:27.664" v="3319" actId="20577"/>
+        <pc:chgData name="Alejandro Carrión" userId="757439b461449c9e" providerId="LiveId" clId="{ECF2C08A-1D63-4443-908D-B3C4743D2FCA}" dt="2021-09-04T08:51:06.534" v="5765" actId="6549"/>
         <pc:sldMkLst>
           <pc:docMk/>
           <pc:sldMk cId="805546150" sldId="314"/>
         </pc:sldMkLst>
         <pc:spChg chg="add del mod ord">
-          <ac:chgData name="Alejandro Carrión" userId="757439b461449c9e" providerId="LiveId" clId="{ECF2C08A-1D63-4443-908D-B3C4743D2FCA}" dt="2021-08-31T17:46:27.664" v="3319" actId="20577"/>
+          <ac:chgData name="Alejandro Carrión" userId="757439b461449c9e" providerId="LiveId" clId="{ECF2C08A-1D63-4443-908D-B3C4743D2FCA}" dt="2021-09-04T08:51:06.534" v="5765" actId="6549"/>
           <ac:spMkLst>
             <pc:docMk/>
             <pc:sldMk cId="805546150" sldId="314"/>
@@ -2378,7 +2400,7 @@
           </ac:spMkLst>
         </pc:spChg>
         <pc:spChg chg="mod ord">
-          <ac:chgData name="Alejandro Carrión" userId="757439b461449c9e" providerId="LiveId" clId="{ECF2C08A-1D63-4443-908D-B3C4743D2FCA}" dt="2021-08-31T17:45:23.832" v="3309" actId="14100"/>
+          <ac:chgData name="Alejandro Carrión" userId="757439b461449c9e" providerId="LiveId" clId="{ECF2C08A-1D63-4443-908D-B3C4743D2FCA}" dt="2021-09-04T08:51:04.237" v="5763" actId="20577"/>
           <ac:spMkLst>
             <pc:docMk/>
             <pc:sldMk cId="805546150" sldId="314"/>
@@ -2394,7 +2416,7 @@
           </ac:spMkLst>
         </pc:spChg>
         <pc:spChg chg="add mod">
-          <ac:chgData name="Alejandro Carrión" userId="757439b461449c9e" providerId="LiveId" clId="{ECF2C08A-1D63-4443-908D-B3C4743D2FCA}" dt="2021-08-31T17:45:44.783" v="3313" actId="1076"/>
+          <ac:chgData name="Alejandro Carrión" userId="757439b461449c9e" providerId="LiveId" clId="{ECF2C08A-1D63-4443-908D-B3C4743D2FCA}" dt="2021-09-04T08:51:05.002" v="5764" actId="20577"/>
           <ac:spMkLst>
             <pc:docMk/>
             <pc:sldMk cId="805546150" sldId="314"/>
@@ -2441,14 +2463,14 @@
           </ac:spMkLst>
         </pc:spChg>
       </pc:sldChg>
-      <pc:sldChg chg="modSp add mod">
-        <pc:chgData name="Alejandro Carrión" userId="757439b461449c9e" providerId="LiveId" clId="{ECF2C08A-1D63-4443-908D-B3C4743D2FCA}" dt="2021-08-31T18:15:43.101" v="4279" actId="113"/>
+      <pc:sldChg chg="addSp modSp add mod">
+        <pc:chgData name="Alejandro Carrión" userId="757439b461449c9e" providerId="LiveId" clId="{ECF2C08A-1D63-4443-908D-B3C4743D2FCA}" dt="2021-09-04T09:00:52.209" v="5788" actId="20577"/>
         <pc:sldMkLst>
           <pc:docMk/>
           <pc:sldMk cId="159887170" sldId="316"/>
         </pc:sldMkLst>
         <pc:spChg chg="mod">
-          <ac:chgData name="Alejandro Carrión" userId="757439b461449c9e" providerId="LiveId" clId="{ECF2C08A-1D63-4443-908D-B3C4743D2FCA}" dt="2021-08-31T18:14:56.992" v="4258" actId="14100"/>
+          <ac:chgData name="Alejandro Carrión" userId="757439b461449c9e" providerId="LiveId" clId="{ECF2C08A-1D63-4443-908D-B3C4743D2FCA}" dt="2021-09-04T09:00:37.912" v="5786" actId="14100"/>
           <ac:spMkLst>
             <pc:docMk/>
             <pc:sldMk cId="159887170" sldId="316"/>
@@ -2456,13 +2478,21 @@
           </ac:spMkLst>
         </pc:spChg>
         <pc:spChg chg="mod">
-          <ac:chgData name="Alejandro Carrión" userId="757439b461449c9e" providerId="LiveId" clId="{ECF2C08A-1D63-4443-908D-B3C4743D2FCA}" dt="2021-08-31T18:15:43.101" v="4279" actId="113"/>
+          <ac:chgData name="Alejandro Carrión" userId="757439b461449c9e" providerId="LiveId" clId="{ECF2C08A-1D63-4443-908D-B3C4743D2FCA}" dt="2021-09-04T09:00:52.209" v="5788" actId="20577"/>
           <ac:spMkLst>
             <pc:docMk/>
             <pc:sldMk cId="159887170" sldId="316"/>
             <ac:spMk id="4" creationId="{BF52B7DE-5887-4E0E-A1E2-39957FD5F9FF}"/>
           </ac:spMkLst>
         </pc:spChg>
+        <pc:picChg chg="add mod">
+          <ac:chgData name="Alejandro Carrión" userId="757439b461449c9e" providerId="LiveId" clId="{ECF2C08A-1D63-4443-908D-B3C4743D2FCA}" dt="2021-09-04T09:00:34.849" v="5785" actId="1076"/>
+          <ac:picMkLst>
+            <pc:docMk/>
+            <pc:sldMk cId="159887170" sldId="316"/>
+            <ac:picMk id="5" creationId="{5B9A4227-2553-4039-BEAB-2E62997C6BE7}"/>
+          </ac:picMkLst>
+        </pc:picChg>
       </pc:sldChg>
       <pc:sldChg chg="addSp modSp add mod">
         <pc:chgData name="Alejandro Carrión" userId="757439b461449c9e" providerId="LiveId" clId="{ECF2C08A-1D63-4443-908D-B3C4743D2FCA}" dt="2021-08-31T18:23:31.664" v="4697" actId="2710"/>
@@ -2496,13 +2526,13 @@
         </pc:picChg>
       </pc:sldChg>
       <pc:sldChg chg="modSp add mod ord">
-        <pc:chgData name="Alejandro Carrión" userId="757439b461449c9e" providerId="LiveId" clId="{ECF2C08A-1D63-4443-908D-B3C4743D2FCA}" dt="2021-08-31T18:06:21.493" v="3708" actId="255"/>
+        <pc:chgData name="Alejandro Carrión" userId="757439b461449c9e" providerId="LiveId" clId="{ECF2C08A-1D63-4443-908D-B3C4743D2FCA}" dt="2021-09-04T08:54:41.415" v="5780" actId="2710"/>
         <pc:sldMkLst>
           <pc:docMk/>
           <pc:sldMk cId="1083794317" sldId="318"/>
         </pc:sldMkLst>
         <pc:spChg chg="mod">
-          <ac:chgData name="Alejandro Carrión" userId="757439b461449c9e" providerId="LiveId" clId="{ECF2C08A-1D63-4443-908D-B3C4743D2FCA}" dt="2021-08-31T18:06:21.493" v="3708" actId="255"/>
+          <ac:chgData name="Alejandro Carrión" userId="757439b461449c9e" providerId="LiveId" clId="{ECF2C08A-1D63-4443-908D-B3C4743D2FCA}" dt="2021-09-04T08:54:41.415" v="5780" actId="2710"/>
           <ac:spMkLst>
             <pc:docMk/>
             <pc:sldMk cId="1083794317" sldId="318"/>
@@ -2588,8 +2618,8 @@
           </ac:spMkLst>
         </pc:spChg>
       </pc:sldChg>
-      <pc:sldChg chg="addSp delSp modSp add mod">
-        <pc:chgData name="Alejandro Carrión" userId="757439b461449c9e" providerId="LiveId" clId="{ECF2C08A-1D63-4443-908D-B3C4743D2FCA}" dt="2021-08-31T18:24:15.163" v="4704" actId="14100"/>
+      <pc:sldChg chg="addSp delSp modSp add del mod">
+        <pc:chgData name="Alejandro Carrión" userId="757439b461449c9e" providerId="LiveId" clId="{ECF2C08A-1D63-4443-908D-B3C4743D2FCA}" dt="2021-09-04T09:01:05.206" v="5789" actId="47"/>
         <pc:sldMkLst>
           <pc:docMk/>
           <pc:sldMk cId="4010743008" sldId="321"/>
@@ -2610,8 +2640,8 @@
             <ac:spMk id="4" creationId="{BF52B7DE-5887-4E0E-A1E2-39957FD5F9FF}"/>
           </ac:spMkLst>
         </pc:spChg>
-        <pc:picChg chg="add mod">
-          <ac:chgData name="Alejandro Carrión" userId="757439b461449c9e" providerId="LiveId" clId="{ECF2C08A-1D63-4443-908D-B3C4743D2FCA}" dt="2021-08-31T18:24:15.163" v="4704" actId="14100"/>
+        <pc:picChg chg="add del mod">
+          <ac:chgData name="Alejandro Carrión" userId="757439b461449c9e" providerId="LiveId" clId="{ECF2C08A-1D63-4443-908D-B3C4743D2FCA}" dt="2021-09-04T09:00:30.303" v="5783" actId="21"/>
           <ac:picMkLst>
             <pc:docMk/>
             <pc:sldMk cId="4010743008" sldId="321"/>
@@ -2620,13 +2650,13 @@
         </pc:picChg>
       </pc:sldChg>
       <pc:sldChg chg="modSp add mod ord">
-        <pc:chgData name="Alejandro Carrión" userId="757439b461449c9e" providerId="LiveId" clId="{ECF2C08A-1D63-4443-908D-B3C4743D2FCA}" dt="2021-08-31T18:18:45.506" v="4556" actId="20577"/>
+        <pc:chgData name="Alejandro Carrión" userId="757439b461449c9e" providerId="LiveId" clId="{ECF2C08A-1D63-4443-908D-B3C4743D2FCA}" dt="2021-09-04T09:01:10.987" v="5793" actId="20577"/>
         <pc:sldMkLst>
           <pc:docMk/>
           <pc:sldMk cId="2415125095" sldId="322"/>
         </pc:sldMkLst>
         <pc:spChg chg="mod">
-          <ac:chgData name="Alejandro Carrión" userId="757439b461449c9e" providerId="LiveId" clId="{ECF2C08A-1D63-4443-908D-B3C4743D2FCA}" dt="2021-08-31T18:18:45.506" v="4556" actId="20577"/>
+          <ac:chgData name="Alejandro Carrión" userId="757439b461449c9e" providerId="LiveId" clId="{ECF2C08A-1D63-4443-908D-B3C4743D2FCA}" dt="2021-09-04T08:55:34.883" v="5781" actId="2710"/>
           <ac:spMkLst>
             <pc:docMk/>
             <pc:sldMk cId="2415125095" sldId="322"/>
@@ -2634,7 +2664,7 @@
           </ac:spMkLst>
         </pc:spChg>
         <pc:spChg chg="mod">
-          <ac:chgData name="Alejandro Carrión" userId="757439b461449c9e" providerId="LiveId" clId="{ECF2C08A-1D63-4443-908D-B3C4743D2FCA}" dt="2021-08-31T18:17:37.992" v="4358" actId="14100"/>
+          <ac:chgData name="Alejandro Carrión" userId="757439b461449c9e" providerId="LiveId" clId="{ECF2C08A-1D63-4443-908D-B3C4743D2FCA}" dt="2021-09-04T09:01:10.987" v="5793" actId="20577"/>
           <ac:spMkLst>
             <pc:docMk/>
             <pc:sldMk cId="2415125095" sldId="322"/>
@@ -2666,13 +2696,13 @@
         </pc:spChg>
       </pc:sldChg>
       <pc:sldChg chg="modSp add mod">
-        <pc:chgData name="Alejandro Carrión" userId="757439b461449c9e" providerId="LiveId" clId="{ECF2C08A-1D63-4443-908D-B3C4743D2FCA}" dt="2021-09-02T18:59:09.389" v="5511" actId="20577"/>
+        <pc:chgData name="Alejandro Carrión" userId="757439b461449c9e" providerId="LiveId" clId="{ECF2C08A-1D63-4443-908D-B3C4743D2FCA}" dt="2021-09-04T08:55:48.283" v="5782" actId="2710"/>
         <pc:sldMkLst>
           <pc:docMk/>
           <pc:sldMk cId="1460749720" sldId="324"/>
         </pc:sldMkLst>
         <pc:spChg chg="mod">
-          <ac:chgData name="Alejandro Carrión" userId="757439b461449c9e" providerId="LiveId" clId="{ECF2C08A-1D63-4443-908D-B3C4743D2FCA}" dt="2021-09-02T18:59:09.389" v="5511" actId="20577"/>
+          <ac:chgData name="Alejandro Carrión" userId="757439b461449c9e" providerId="LiveId" clId="{ECF2C08A-1D63-4443-908D-B3C4743D2FCA}" dt="2021-09-04T08:55:48.283" v="5782" actId="2710"/>
           <ac:spMkLst>
             <pc:docMk/>
             <pc:sldMk cId="1460749720" sldId="324"/>
@@ -17148,42 +17178,6 @@
       </p:pic>
       <p:pic>
         <p:nvPicPr>
-          <p:cNvPr id="24578" name="Picture 2" descr="Logotipo&#10;&#10;Descripción generada automáticamente">
-            <a:extLst>
-              <a:ext uri="{FF2B5EF4-FFF2-40B4-BE49-F238E27FC236}">
-                <a16:creationId xmlns:a16="http://schemas.microsoft.com/office/drawing/2014/main" id="{0D5C7D47-2FAE-4B75-8EBD-F411BC151AC0}"/>
-              </a:ext>
-            </a:extLst>
-          </p:cNvPr>
-          <p:cNvPicPr>
-            <a:picLocks noChangeAspect="1" noChangeArrowheads="1"/>
-          </p:cNvPicPr>
-          <p:nvPr/>
-        </p:nvPicPr>
-        <p:blipFill rotWithShape="1">
-          <a:blip r:embed="rId4">
-            <a:extLst>
-              <a:ext uri="{28A0092B-C50C-407E-A947-70E740481C1C}">
-                <a14:useLocalDpi xmlns:a14="http://schemas.microsoft.com/office/drawing/2010/main" val="0"/>
-              </a:ext>
-            </a:extLst>
-          </a:blip>
-          <a:srcRect l="5856" t="15652" r="66328" b="15704"/>
-          <a:stretch/>
-        </p:blipFill>
-        <p:spPr bwMode="auto">
-          <a:xfrm>
-            <a:off x="6809214" y="1473482"/>
-            <a:ext cx="1671370" cy="1646236"/>
-          </a:xfrm>
-          <a:prstGeom prst="rect">
-            <a:avLst/>
-          </a:prstGeom>
-          <a:noFill/>
-        </p:spPr>
-      </p:pic>
-      <p:pic>
-        <p:nvPicPr>
           <p:cNvPr id="28674" name="Picture 2" descr="Icono&#10;&#10;Descripción generada automáticamente">
             <a:extLst>
               <a:ext uri="{FF2B5EF4-FFF2-40B4-BE49-F238E27FC236}">
@@ -17197,7 +17191,7 @@
           <p:nvPr/>
         </p:nvPicPr>
         <p:blipFill rotWithShape="1">
-          <a:blip r:embed="rId5">
+          <a:blip r:embed="rId4">
             <a:extLst>
               <a:ext uri="{28A0092B-C50C-407E-A947-70E740481C1C}">
                 <a14:useLocalDpi xmlns:a14="http://schemas.microsoft.com/office/drawing/2010/main" val="0"/>
@@ -17233,7 +17227,7 @@
           <p:nvPr/>
         </p:nvPicPr>
         <p:blipFill>
-          <a:blip r:embed="rId6">
+          <a:blip r:embed="rId5">
             <a:extLst>
               <a:ext uri="{28A0092B-C50C-407E-A947-70E740481C1C}">
                 <a14:useLocalDpi xmlns:a14="http://schemas.microsoft.com/office/drawing/2010/main" val="0"/>
@@ -17304,6 +17298,44 @@
           </a:p>
         </p:txBody>
       </p:sp>
+      <p:pic>
+        <p:nvPicPr>
+          <p:cNvPr id="1026" name="Picture 2" descr="Logotipo&#10;&#10;Descripción generada automáticamente">
+            <a:extLst>
+              <a:ext uri="{FF2B5EF4-FFF2-40B4-BE49-F238E27FC236}">
+                <a16:creationId xmlns:a16="http://schemas.microsoft.com/office/drawing/2014/main" id="{C5B14513-AC22-49C2-A6E7-D1B32F10D16A}"/>
+              </a:ext>
+            </a:extLst>
+          </p:cNvPr>
+          <p:cNvPicPr>
+            <a:picLocks noChangeAspect="1" noChangeArrowheads="1"/>
+          </p:cNvPicPr>
+          <p:nvPr/>
+        </p:nvPicPr>
+        <p:blipFill>
+          <a:blip r:embed="rId6">
+            <a:extLst>
+              <a:ext uri="{28A0092B-C50C-407E-A947-70E740481C1C}">
+                <a14:useLocalDpi xmlns:a14="http://schemas.microsoft.com/office/drawing/2010/main" val="0"/>
+              </a:ext>
+            </a:extLst>
+          </a:blip>
+          <a:srcRect/>
+          <a:stretch>
+            <a:fillRect/>
+          </a:stretch>
+        </p:blipFill>
+        <p:spPr bwMode="auto">
+          <a:xfrm>
+            <a:off x="6066736" y="1034150"/>
+            <a:ext cx="2457956" cy="2193918"/>
+          </a:xfrm>
+          <a:prstGeom prst="rect">
+            <a:avLst/>
+          </a:prstGeom>
+          <a:noFill/>
+        </p:spPr>
+      </p:pic>
     </p:spTree>
     <p:extLst>
       <p:ext uri="{BB962C8B-B14F-4D97-AF65-F5344CB8AC3E}">
@@ -17926,19 +17958,7 @@
             </a:r>
             <a:r>
               <a:rPr lang="es-ES" b="0" dirty="0"/>
-              <a:t> – </a:t>
-            </a:r>
-            <a:r>
-              <a:rPr lang="es-ES" b="0" dirty="0" err="1"/>
-              <a:t>RFs</a:t>
-            </a:r>
-            <a:r>
-              <a:rPr lang="es-ES" b="0" dirty="0"/>
-              <a:t> y </a:t>
-            </a:r>
-            <a:r>
-              <a:rPr lang="es-ES" b="0" dirty="0" err="1"/>
-              <a:t>RNFs</a:t>
+              <a:t> – RF y RNF</a:t>
             </a:r>
             <a:endParaRPr lang="es-ES" dirty="0"/>
           </a:p>
@@ -17982,27 +18002,8 @@
                   </a:schemeClr>
                 </a:solidFill>
               </a:rPr>
-              <a:t>Otros </a:t>
+              <a:t>Otros RF</a:t>
             </a:r>
-            <a:r>
-              <a:rPr lang="es-ES" dirty="0" err="1">
-                <a:solidFill>
-                  <a:schemeClr val="accent1">
-                    <a:lumMod val="40000"/>
-                    <a:lumOff val="60000"/>
-                  </a:schemeClr>
-                </a:solidFill>
-              </a:rPr>
-              <a:t>RFs</a:t>
-            </a:r>
-            <a:endParaRPr lang="es-ES" dirty="0">
-              <a:solidFill>
-                <a:schemeClr val="accent1">
-                  <a:lumMod val="40000"/>
-                  <a:lumOff val="60000"/>
-                </a:schemeClr>
-              </a:solidFill>
-            </a:endParaRPr>
           </a:p>
           <a:p>
             <a:r>
@@ -18399,7 +18400,7 @@
               <a:buNone/>
             </a:pPr>
             <a:r>
-              <a:rPr lang="es-ES" dirty="0" err="1">
+              <a:rPr lang="es-ES" dirty="0">
                 <a:solidFill>
                   <a:schemeClr val="accent1">
                     <a:lumMod val="40000"/>
@@ -18407,16 +18408,8 @@
                   </a:schemeClr>
                 </a:solidFill>
               </a:rPr>
-              <a:t>RNFs</a:t>
+              <a:t>RNF</a:t>
             </a:r>
-            <a:endParaRPr lang="es-ES" dirty="0">
-              <a:solidFill>
-                <a:schemeClr val="accent1">
-                  <a:lumMod val="40000"/>
-                  <a:lumOff val="60000"/>
-                </a:schemeClr>
-              </a:solidFill>
-            </a:endParaRPr>
           </a:p>
           <a:p>
             <a:r>
@@ -19103,7 +19096,11 @@
             </a:r>
           </a:p>
           <a:p>
-            <a:pPr lvl="1"/>
+            <a:pPr lvl="1">
+              <a:lnSpc>
+                <a:spcPct val="100000"/>
+              </a:lnSpc>
+            </a:pPr>
             <a:r>
               <a:rPr lang="es-ES" dirty="0"/>
               <a:t>Códigos de error: 404, 502 y 504</a:t>
@@ -19764,7 +19761,7 @@
           <a:p>
             <a:r>
               <a:rPr lang="es-ES" dirty="0"/>
-              <a:t>Metodología (1/3)</a:t>
+              <a:t>Metodología (1/2)</a:t>
             </a:r>
             <a:r>
               <a:rPr lang="es-ES" b="0" dirty="0"/>
@@ -19791,8 +19788,8 @@
         </p:nvSpPr>
         <p:spPr>
           <a:xfrm>
-            <a:off x="779099" y="1503550"/>
-            <a:ext cx="7437053" cy="2884200"/>
+            <a:off x="779100" y="1503550"/>
+            <a:ext cx="6146136" cy="2884200"/>
           </a:xfrm>
         </p:spPr>
         <p:txBody>
@@ -19801,13 +19798,8 @@
           <a:p>
             <a:r>
               <a:rPr lang="es-ES" dirty="0"/>
-              <a:t>Organización de las tareas en </a:t>
+              <a:t>Organización de las tareas en UT</a:t>
             </a:r>
-            <a:r>
-              <a:rPr lang="es-ES" dirty="0" err="1"/>
-              <a:t>UTs</a:t>
-            </a:r>
-            <a:endParaRPr lang="es-ES" dirty="0"/>
           </a:p>
           <a:p>
             <a:r>
@@ -19829,13 +19821,8 @@
           <a:p>
             <a:r>
               <a:rPr lang="es-ES" dirty="0"/>
-              <a:t>Definición de </a:t>
+              <a:t>Definición de PA</a:t>
             </a:r>
-            <a:r>
-              <a:rPr lang="es-ES" dirty="0" err="1"/>
-              <a:t>PAs</a:t>
-            </a:r>
-            <a:endParaRPr lang="es-ES" dirty="0"/>
           </a:p>
           <a:p>
             <a:r>
@@ -19901,6 +19888,36 @@
           </a:p>
         </p:txBody>
       </p:sp>
+      <p:pic>
+        <p:nvPicPr>
+          <p:cNvPr id="5" name="Imagen 4" descr="Interfaz de usuario gráfica, Aplicación&#10;&#10;Descripción generada automáticamente">
+            <a:extLst>
+              <a:ext uri="{FF2B5EF4-FFF2-40B4-BE49-F238E27FC236}">
+                <a16:creationId xmlns:a16="http://schemas.microsoft.com/office/drawing/2014/main" id="{5B9A4227-2553-4039-BEAB-2E62997C6BE7}"/>
+              </a:ext>
+            </a:extLst>
+          </p:cNvPr>
+          <p:cNvPicPr>
+            <a:picLocks noChangeAspect="1"/>
+          </p:cNvPicPr>
+          <p:nvPr/>
+        </p:nvPicPr>
+        <p:blipFill>
+          <a:blip r:embed="rId2"/>
+          <a:stretch>
+            <a:fillRect/>
+          </a:stretch>
+        </p:blipFill>
+        <p:spPr>
+          <a:xfrm>
+            <a:off x="7039535" y="133276"/>
+            <a:ext cx="1580029" cy="4876948"/>
+          </a:xfrm>
+          <a:prstGeom prst="rect">
+            <a:avLst/>
+          </a:prstGeom>
+        </p:spPr>
+      </p:pic>
     </p:spTree>
     <p:extLst>
       <p:ext uri="{BB962C8B-B14F-4D97-AF65-F5344CB8AC3E}">
@@ -19949,317 +19966,6 @@
         </p:nvSpPr>
         <p:spPr>
           <a:xfrm>
-            <a:off x="779100" y="836000"/>
-            <a:ext cx="4303888" cy="396300"/>
-          </a:xfrm>
-        </p:spPr>
-        <p:txBody>
-          <a:bodyPr anchor="t"/>
-          <a:lstStyle/>
-          <a:p>
-            <a:r>
-              <a:rPr lang="es-ES" dirty="0"/>
-              <a:t>Metodología (2/3)</a:t>
-            </a:r>
-            <a:r>
-              <a:rPr lang="es-ES" b="0" dirty="0"/>
-              <a:t> – Plan de trabajo</a:t>
-            </a:r>
-          </a:p>
-        </p:txBody>
-      </p:sp>
-      <p:sp>
-        <p:nvSpPr>
-          <p:cNvPr id="6" name="Google Shape;342;p24">
-            <a:extLst>
-              <a:ext uri="{FF2B5EF4-FFF2-40B4-BE49-F238E27FC236}">
-                <a16:creationId xmlns:a16="http://schemas.microsoft.com/office/drawing/2014/main" id="{57CD6963-C021-4F2A-B2B3-BC2173F77F80}"/>
-              </a:ext>
-            </a:extLst>
-          </p:cNvPr>
-          <p:cNvSpPr txBox="1">
-            <a:spLocks noGrp="1"/>
-          </p:cNvSpPr>
-          <p:nvPr>
-            <p:ph type="sldNum" idx="12"/>
-          </p:nvPr>
-        </p:nvSpPr>
-        <p:spPr>
-          <a:prstGeom prst="rect">
-            <a:avLst/>
-          </a:prstGeom>
-        </p:spPr>
-        <p:txBody>
-          <a:bodyPr spcFirstLastPara="1" wrap="square" lIns="0" tIns="0" rIns="0" bIns="0" anchor="ctr" anchorCtr="0">
-            <a:noAutofit/>
-          </a:bodyPr>
-          <a:lstStyle/>
-          <a:p>
-            <a:pPr marL="0" lvl="0" indent="0" algn="r" rtl="0">
-              <a:spcBef>
-                <a:spcPts val="0"/>
-              </a:spcBef>
-              <a:spcAft>
-                <a:spcPts val="0"/>
-              </a:spcAft>
-              <a:buNone/>
-            </a:pPr>
-            <a:fld id="{00000000-1234-1234-1234-123412341234}" type="slidenum">
-              <a:rPr lang="en"/>
-              <a:t>29</a:t>
-            </a:fld>
-            <a:endParaRPr dirty="0"/>
-          </a:p>
-        </p:txBody>
-      </p:sp>
-      <p:pic>
-        <p:nvPicPr>
-          <p:cNvPr id="5" name="Imagen 4" descr="Interfaz de usuario gráfica, Aplicación&#10;&#10;Descripción generada automáticamente">
-            <a:extLst>
-              <a:ext uri="{FF2B5EF4-FFF2-40B4-BE49-F238E27FC236}">
-                <a16:creationId xmlns:a16="http://schemas.microsoft.com/office/drawing/2014/main" id="{31823D6F-4008-4C63-AF88-632EED87648F}"/>
-              </a:ext>
-            </a:extLst>
-          </p:cNvPr>
-          <p:cNvPicPr>
-            <a:picLocks noChangeAspect="1"/>
-          </p:cNvPicPr>
-          <p:nvPr/>
-        </p:nvPicPr>
-        <p:blipFill>
-          <a:blip r:embed="rId2"/>
-          <a:stretch>
-            <a:fillRect/>
-          </a:stretch>
-        </p:blipFill>
-        <p:spPr>
-          <a:xfrm>
-            <a:off x="5748617" y="133276"/>
-            <a:ext cx="1580029" cy="4876948"/>
-          </a:xfrm>
-          <a:prstGeom prst="rect">
-            <a:avLst/>
-          </a:prstGeom>
-        </p:spPr>
-      </p:pic>
-    </p:spTree>
-    <p:extLst>
-      <p:ext uri="{BB962C8B-B14F-4D97-AF65-F5344CB8AC3E}">
-        <p14:creationId xmlns:p14="http://schemas.microsoft.com/office/powerpoint/2010/main" val="4010743008"/>
-      </p:ext>
-    </p:extLst>
-  </p:cSld>
-  <p:clrMapOvr>
-    <a:masterClrMapping/>
-  </p:clrMapOvr>
-</p:sld>
-</file>
-
-<file path=ppt/slides/slide3.xml><?xml version="1.0" encoding="utf-8"?>
-<p:sld xmlns:a="http://schemas.openxmlformats.org/drawingml/2006/main" xmlns:r="http://schemas.openxmlformats.org/officeDocument/2006/relationships" xmlns:p="http://schemas.openxmlformats.org/presentationml/2006/main">
-  <p:cSld>
-    <p:spTree>
-      <p:nvGrpSpPr>
-        <p:cNvPr id="1" name="Shape 225"/>
-        <p:cNvGrpSpPr/>
-        <p:nvPr/>
-      </p:nvGrpSpPr>
-      <p:grpSpPr>
-        <a:xfrm>
-          <a:off x="0" y="0"/>
-          <a:ext cx="0" cy="0"/>
-          <a:chOff x="0" y="0"/>
-          <a:chExt cx="0" cy="0"/>
-        </a:xfrm>
-      </p:grpSpPr>
-      <p:sp>
-        <p:nvSpPr>
-          <p:cNvPr id="226" name="Google Shape;226;p15"/>
-          <p:cNvSpPr txBox="1">
-            <a:spLocks noGrp="1"/>
-          </p:cNvSpPr>
-          <p:nvPr>
-            <p:ph type="ctrTitle"/>
-          </p:nvPr>
-        </p:nvSpPr>
-        <p:spPr>
-          <a:xfrm>
-            <a:off x="2305150" y="2884378"/>
-            <a:ext cx="5811000" cy="475800"/>
-          </a:xfrm>
-          <a:prstGeom prst="rect">
-            <a:avLst/>
-          </a:prstGeom>
-        </p:spPr>
-        <p:txBody>
-          <a:bodyPr spcFirstLastPara="1" wrap="square" lIns="0" tIns="0" rIns="0" bIns="0" anchor="ctr" anchorCtr="0">
-            <a:noAutofit/>
-          </a:bodyPr>
-          <a:lstStyle/>
-          <a:p>
-            <a:pPr marL="0" lvl="0" indent="0" algn="l" rtl="0">
-              <a:spcBef>
-                <a:spcPts val="0"/>
-              </a:spcBef>
-              <a:spcAft>
-                <a:spcPts val="0"/>
-              </a:spcAft>
-              <a:buNone/>
-            </a:pPr>
-            <a:r>
-              <a:rPr lang="en" dirty="0"/>
-              <a:t>INTRODUCCIÓN</a:t>
-            </a:r>
-            <a:endParaRPr dirty="0"/>
-          </a:p>
-        </p:txBody>
-      </p:sp>
-      <p:sp>
-        <p:nvSpPr>
-          <p:cNvPr id="227" name="Google Shape;227;p15"/>
-          <p:cNvSpPr txBox="1">
-            <a:spLocks noGrp="1"/>
-          </p:cNvSpPr>
-          <p:nvPr>
-            <p:ph type="subTitle" idx="1"/>
-          </p:nvPr>
-        </p:nvSpPr>
-        <p:spPr>
-          <a:xfrm>
-            <a:off x="2305150" y="3385436"/>
-            <a:ext cx="5811000" cy="410700"/>
-          </a:xfrm>
-          <a:prstGeom prst="rect">
-            <a:avLst/>
-          </a:prstGeom>
-        </p:spPr>
-        <p:txBody>
-          <a:bodyPr spcFirstLastPara="1" wrap="square" lIns="0" tIns="0" rIns="0" bIns="0" anchor="t" anchorCtr="0">
-            <a:noAutofit/>
-          </a:bodyPr>
-          <a:lstStyle/>
-          <a:p>
-            <a:pPr marL="0" lvl="0" indent="0" algn="l" rtl="0">
-              <a:spcBef>
-                <a:spcPts val="0"/>
-              </a:spcBef>
-              <a:spcAft>
-                <a:spcPts val="800"/>
-              </a:spcAft>
-              <a:buNone/>
-            </a:pPr>
-            <a:r>
-              <a:rPr lang="en" dirty="0"/>
-              <a:t>Motivación y objetivos</a:t>
-            </a:r>
-            <a:endParaRPr dirty="0"/>
-          </a:p>
-        </p:txBody>
-      </p:sp>
-      <p:sp>
-        <p:nvSpPr>
-          <p:cNvPr id="228" name="Google Shape;228;p15"/>
-          <p:cNvSpPr txBox="1"/>
-          <p:nvPr/>
-        </p:nvSpPr>
-        <p:spPr>
-          <a:xfrm>
-            <a:off x="77600" y="2201325"/>
-            <a:ext cx="2004000" cy="2201400"/>
-          </a:xfrm>
-          <a:prstGeom prst="rect">
-            <a:avLst/>
-          </a:prstGeom>
-          <a:noFill/>
-          <a:ln>
-            <a:noFill/>
-          </a:ln>
-        </p:spPr>
-        <p:txBody>
-          <a:bodyPr spcFirstLastPara="1" wrap="square" lIns="91425" tIns="91425" rIns="91425" bIns="91425" anchor="ctr" anchorCtr="0">
-            <a:noAutofit/>
-          </a:bodyPr>
-          <a:lstStyle/>
-          <a:p>
-            <a:pPr marL="0" marR="0" lvl="0" indent="0" algn="ctr" rtl="0">
-              <a:lnSpc>
-                <a:spcPct val="90000"/>
-              </a:lnSpc>
-              <a:spcBef>
-                <a:spcPts val="0"/>
-              </a:spcBef>
-              <a:spcAft>
-                <a:spcPts val="0"/>
-              </a:spcAft>
-              <a:buNone/>
-            </a:pPr>
-            <a:r>
-              <a:rPr lang="en" sz="9600" b="1">
-                <a:solidFill>
-                  <a:schemeClr val="lt1"/>
-                </a:solidFill>
-                <a:latin typeface="Catamaran"/>
-                <a:ea typeface="Catamaran"/>
-                <a:cs typeface="Catamaran"/>
-                <a:sym typeface="Catamaran"/>
-              </a:rPr>
-              <a:t>1</a:t>
-            </a:r>
-            <a:endParaRPr sz="9600" b="1">
-              <a:solidFill>
-                <a:schemeClr val="lt1"/>
-              </a:solidFill>
-              <a:latin typeface="Catamaran"/>
-              <a:ea typeface="Catamaran"/>
-              <a:cs typeface="Catamaran"/>
-              <a:sym typeface="Catamaran"/>
-            </a:endParaRPr>
-          </a:p>
-        </p:txBody>
-      </p:sp>
-    </p:spTree>
-  </p:cSld>
-  <p:clrMapOvr>
-    <a:masterClrMapping/>
-  </p:clrMapOvr>
-</p:sld>
-</file>
-
-<file path=ppt/slides/slide30.xml><?xml version="1.0" encoding="utf-8"?>
-<p:sld xmlns:a="http://schemas.openxmlformats.org/drawingml/2006/main" xmlns:r="http://schemas.openxmlformats.org/officeDocument/2006/relationships" xmlns:p="http://schemas.openxmlformats.org/presentationml/2006/main">
-  <p:cSld>
-    <p:spTree>
-      <p:nvGrpSpPr>
-        <p:cNvPr id="1" name=""/>
-        <p:cNvGrpSpPr/>
-        <p:nvPr/>
-      </p:nvGrpSpPr>
-      <p:grpSpPr>
-        <a:xfrm>
-          <a:off x="0" y="0"/>
-          <a:ext cx="0" cy="0"/>
-          <a:chOff x="0" y="0"/>
-          <a:chExt cx="0" cy="0"/>
-        </a:xfrm>
-      </p:grpSpPr>
-      <p:sp>
-        <p:nvSpPr>
-          <p:cNvPr id="4" name="Título 3">
-            <a:extLst>
-              <a:ext uri="{FF2B5EF4-FFF2-40B4-BE49-F238E27FC236}">
-                <a16:creationId xmlns:a16="http://schemas.microsoft.com/office/drawing/2014/main" id="{BF52B7DE-5887-4E0E-A1E2-39957FD5F9FF}"/>
-              </a:ext>
-            </a:extLst>
-          </p:cNvPr>
-          <p:cNvSpPr>
-            <a:spLocks noGrp="1"/>
-          </p:cNvSpPr>
-          <p:nvPr>
-            <p:ph type="title"/>
-          </p:nvPr>
-        </p:nvSpPr>
-        <p:spPr>
-          <a:xfrm>
             <a:off x="779099" y="836000"/>
             <a:ext cx="7605141" cy="396300"/>
           </a:xfrm>
@@ -20270,7 +19976,7 @@
           <a:p>
             <a:r>
               <a:rPr lang="es-ES" dirty="0"/>
-              <a:t>Metodología (3/3)</a:t>
+              <a:t>Metodología (2/2)</a:t>
             </a:r>
             <a:r>
               <a:rPr lang="es-ES" b="0" dirty="0"/>
@@ -20317,7 +20023,11 @@
             </a:r>
           </a:p>
           <a:p>
-            <a:pPr lvl="1"/>
+            <a:pPr lvl="1">
+              <a:lnSpc>
+                <a:spcPct val="100000"/>
+              </a:lnSpc>
+            </a:pPr>
             <a:r>
               <a:rPr lang="es-ES" dirty="0"/>
               <a:t>Construcción de prototipos</a:t>
@@ -20390,7 +20100,7 @@
             </a:pPr>
             <a:fld id="{00000000-1234-1234-1234-123412341234}" type="slidenum">
               <a:rPr lang="en"/>
-              <a:t>30</a:t>
+              <a:t>29</a:t>
             </a:fld>
             <a:endParaRPr dirty="0"/>
           </a:p>
@@ -20409,7 +20119,7 @@
 </p:sld>
 </file>
 
-<file path=ppt/slides/slide31.xml><?xml version="1.0" encoding="utf-8"?>
+<file path=ppt/slides/slide3.xml><?xml version="1.0" encoding="utf-8"?>
 <p:sld xmlns:a="http://schemas.openxmlformats.org/drawingml/2006/main" xmlns:r="http://schemas.openxmlformats.org/officeDocument/2006/relationships" xmlns:p="http://schemas.openxmlformats.org/presentationml/2006/main">
   <p:cSld>
     <p:spTree>
@@ -20462,6 +20172,176 @@
             </a:pPr>
             <a:r>
               <a:rPr lang="en" dirty="0"/>
+              <a:t>INTRODUCCIÓN</a:t>
+            </a:r>
+            <a:endParaRPr dirty="0"/>
+          </a:p>
+        </p:txBody>
+      </p:sp>
+      <p:sp>
+        <p:nvSpPr>
+          <p:cNvPr id="227" name="Google Shape;227;p15"/>
+          <p:cNvSpPr txBox="1">
+            <a:spLocks noGrp="1"/>
+          </p:cNvSpPr>
+          <p:nvPr>
+            <p:ph type="subTitle" idx="1"/>
+          </p:nvPr>
+        </p:nvSpPr>
+        <p:spPr>
+          <a:xfrm>
+            <a:off x="2305150" y="3385436"/>
+            <a:ext cx="5811000" cy="410700"/>
+          </a:xfrm>
+          <a:prstGeom prst="rect">
+            <a:avLst/>
+          </a:prstGeom>
+        </p:spPr>
+        <p:txBody>
+          <a:bodyPr spcFirstLastPara="1" wrap="square" lIns="0" tIns="0" rIns="0" bIns="0" anchor="t" anchorCtr="0">
+            <a:noAutofit/>
+          </a:bodyPr>
+          <a:lstStyle/>
+          <a:p>
+            <a:pPr marL="0" lvl="0" indent="0" algn="l" rtl="0">
+              <a:spcBef>
+                <a:spcPts val="0"/>
+              </a:spcBef>
+              <a:spcAft>
+                <a:spcPts val="800"/>
+              </a:spcAft>
+              <a:buNone/>
+            </a:pPr>
+            <a:r>
+              <a:rPr lang="en" dirty="0"/>
+              <a:t>Motivación y objetivos</a:t>
+            </a:r>
+            <a:endParaRPr dirty="0"/>
+          </a:p>
+        </p:txBody>
+      </p:sp>
+      <p:sp>
+        <p:nvSpPr>
+          <p:cNvPr id="228" name="Google Shape;228;p15"/>
+          <p:cNvSpPr txBox="1"/>
+          <p:nvPr/>
+        </p:nvSpPr>
+        <p:spPr>
+          <a:xfrm>
+            <a:off x="77600" y="2201325"/>
+            <a:ext cx="2004000" cy="2201400"/>
+          </a:xfrm>
+          <a:prstGeom prst="rect">
+            <a:avLst/>
+          </a:prstGeom>
+          <a:noFill/>
+          <a:ln>
+            <a:noFill/>
+          </a:ln>
+        </p:spPr>
+        <p:txBody>
+          <a:bodyPr spcFirstLastPara="1" wrap="square" lIns="91425" tIns="91425" rIns="91425" bIns="91425" anchor="ctr" anchorCtr="0">
+            <a:noAutofit/>
+          </a:bodyPr>
+          <a:lstStyle/>
+          <a:p>
+            <a:pPr marL="0" marR="0" lvl="0" indent="0" algn="ctr" rtl="0">
+              <a:lnSpc>
+                <a:spcPct val="90000"/>
+              </a:lnSpc>
+              <a:spcBef>
+                <a:spcPts val="0"/>
+              </a:spcBef>
+              <a:spcAft>
+                <a:spcPts val="0"/>
+              </a:spcAft>
+              <a:buNone/>
+            </a:pPr>
+            <a:r>
+              <a:rPr lang="en" sz="9600" b="1">
+                <a:solidFill>
+                  <a:schemeClr val="lt1"/>
+                </a:solidFill>
+                <a:latin typeface="Catamaran"/>
+                <a:ea typeface="Catamaran"/>
+                <a:cs typeface="Catamaran"/>
+                <a:sym typeface="Catamaran"/>
+              </a:rPr>
+              <a:t>1</a:t>
+            </a:r>
+            <a:endParaRPr sz="9600" b="1">
+              <a:solidFill>
+                <a:schemeClr val="lt1"/>
+              </a:solidFill>
+              <a:latin typeface="Catamaran"/>
+              <a:ea typeface="Catamaran"/>
+              <a:cs typeface="Catamaran"/>
+              <a:sym typeface="Catamaran"/>
+            </a:endParaRPr>
+          </a:p>
+        </p:txBody>
+      </p:sp>
+    </p:spTree>
+  </p:cSld>
+  <p:clrMapOvr>
+    <a:masterClrMapping/>
+  </p:clrMapOvr>
+</p:sld>
+</file>
+
+<file path=ppt/slides/slide30.xml><?xml version="1.0" encoding="utf-8"?>
+<p:sld xmlns:a="http://schemas.openxmlformats.org/drawingml/2006/main" xmlns:r="http://schemas.openxmlformats.org/officeDocument/2006/relationships" xmlns:p="http://schemas.openxmlformats.org/presentationml/2006/main">
+  <p:cSld>
+    <p:spTree>
+      <p:nvGrpSpPr>
+        <p:cNvPr id="1" name="Shape 225"/>
+        <p:cNvGrpSpPr/>
+        <p:nvPr/>
+      </p:nvGrpSpPr>
+      <p:grpSpPr>
+        <a:xfrm>
+          <a:off x="0" y="0"/>
+          <a:ext cx="0" cy="0"/>
+          <a:chOff x="0" y="0"/>
+          <a:chExt cx="0" cy="0"/>
+        </a:xfrm>
+      </p:grpSpPr>
+      <p:sp>
+        <p:nvSpPr>
+          <p:cNvPr id="226" name="Google Shape;226;p15"/>
+          <p:cNvSpPr txBox="1">
+            <a:spLocks noGrp="1"/>
+          </p:cNvSpPr>
+          <p:nvPr>
+            <p:ph type="ctrTitle"/>
+          </p:nvPr>
+        </p:nvSpPr>
+        <p:spPr>
+          <a:xfrm>
+            <a:off x="2305150" y="2884378"/>
+            <a:ext cx="5811000" cy="475800"/>
+          </a:xfrm>
+          <a:prstGeom prst="rect">
+            <a:avLst/>
+          </a:prstGeom>
+        </p:spPr>
+        <p:txBody>
+          <a:bodyPr spcFirstLastPara="1" wrap="square" lIns="0" tIns="0" rIns="0" bIns="0" anchor="ctr" anchorCtr="0">
+            <a:noAutofit/>
+          </a:bodyPr>
+          <a:lstStyle/>
+          <a:p>
+            <a:pPr marL="0" lvl="0" indent="0" algn="l" rtl="0">
+              <a:spcBef>
+                <a:spcPts val="0"/>
+              </a:spcBef>
+              <a:spcAft>
+                <a:spcPts val="0"/>
+              </a:spcAft>
+              <a:buNone/>
+            </a:pPr>
+            <a:r>
+              <a:rPr lang="en" dirty="0"/>
               <a:t>DEMO</a:t>
             </a:r>
             <a:endParaRPr dirty="0"/>
@@ -20542,7 +20422,7 @@
 </p:sld>
 </file>
 
-<file path=ppt/slides/slide32.xml><?xml version="1.0" encoding="utf-8"?>
+<file path=ppt/slides/slide31.xml><?xml version="1.0" encoding="utf-8"?>
 <p:sld xmlns:a="http://schemas.openxmlformats.org/drawingml/2006/main" xmlns:r="http://schemas.openxmlformats.org/officeDocument/2006/relationships" xmlns:p="http://schemas.openxmlformats.org/presentationml/2006/main">
   <p:cSld>
     <p:bg>
@@ -20607,7 +20487,7 @@
                   <a:schemeClr val="lt1"/>
                 </a:solidFill>
               </a:rPr>
-              <a:t>32</a:t>
+              <a:t>31</a:t>
             </a:fld>
             <a:endParaRPr>
               <a:solidFill>
@@ -20996,7 +20876,7 @@
 </p:sld>
 </file>
 
-<file path=ppt/slides/slide33.xml><?xml version="1.0" encoding="utf-8"?>
+<file path=ppt/slides/slide32.xml><?xml version="1.0" encoding="utf-8"?>
 <p:sld xmlns:a="http://schemas.openxmlformats.org/drawingml/2006/main" xmlns:r="http://schemas.openxmlformats.org/officeDocument/2006/relationships" xmlns:p="http://schemas.openxmlformats.org/presentationml/2006/main">
   <p:cSld>
     <p:spTree>
@@ -21136,7 +21016,7 @@
 </p:sld>
 </file>
 
-<file path=ppt/slides/slide34.xml><?xml version="1.0" encoding="utf-8"?>
+<file path=ppt/slides/slide33.xml><?xml version="1.0" encoding="utf-8"?>
 <p:sld xmlns:a="http://schemas.openxmlformats.org/drawingml/2006/main" xmlns:r="http://schemas.openxmlformats.org/officeDocument/2006/relationships" xmlns:p="http://schemas.openxmlformats.org/presentationml/2006/main">
   <p:cSld>
     <p:spTree>
@@ -21232,7 +21112,7 @@
           <a:p>
             <a:r>
               <a:rPr lang="es-ES" sz="2200" dirty="0"/>
-              <a:t>Aspectos negativos</a:t>
+              <a:t>Algunos aspectos negativos</a:t>
             </a:r>
           </a:p>
           <a:p>
@@ -21242,7 +21122,11 @@
             </a:r>
           </a:p>
           <a:p>
-            <a:pPr lvl="1"/>
+            <a:pPr lvl="1">
+              <a:lnSpc>
+                <a:spcPct val="100000"/>
+              </a:lnSpc>
+            </a:pPr>
             <a:r>
               <a:rPr lang="es-ES" sz="2200" dirty="0"/>
               <a:t>Previos: metodología, sistemas en red, modelado</a:t>
@@ -21301,7 +21185,7 @@
             </a:pPr>
             <a:fld id="{00000000-1234-1234-1234-123412341234}" type="slidenum">
               <a:rPr lang="en"/>
-              <a:t>34</a:t>
+              <a:t>33</a:t>
             </a:fld>
             <a:endParaRPr dirty="0"/>
           </a:p>
@@ -21320,7 +21204,7 @@
 </p:sld>
 </file>
 
-<file path=ppt/slides/slide35.xml><?xml version="1.0" encoding="utf-8"?>
+<file path=ppt/slides/slide34.xml><?xml version="1.0" encoding="utf-8"?>
 <p:sld xmlns:a="http://schemas.openxmlformats.org/drawingml/2006/main" xmlns:r="http://schemas.openxmlformats.org/officeDocument/2006/relationships" xmlns:p="http://schemas.openxmlformats.org/presentationml/2006/main">
   <p:cSld>
     <p:spTree>
@@ -21470,7 +21354,7 @@
             </a:pPr>
             <a:fld id="{00000000-1234-1234-1234-123412341234}" type="slidenum">
               <a:rPr lang="en"/>
-              <a:t>35</a:t>
+              <a:t>34</a:t>
             </a:fld>
             <a:endParaRPr dirty="0"/>
           </a:p>
@@ -21489,7 +21373,7 @@
 </p:sld>
 </file>
 
-<file path=ppt/slides/slide36.xml><?xml version="1.0" encoding="utf-8"?>
+<file path=ppt/slides/slide35.xml><?xml version="1.0" encoding="utf-8"?>
 <p:sld xmlns:a="http://schemas.openxmlformats.org/drawingml/2006/main" xmlns:r="http://schemas.openxmlformats.org/officeDocument/2006/relationships" xmlns:p="http://schemas.openxmlformats.org/presentationml/2006/main">
   <p:cSld>
     <p:spTree>
@@ -23166,12 +23050,41 @@
           <a:bodyPr/>
           <a:lstStyle/>
           <a:p>
+            <a:pPr>
+              <a:lnSpc>
+                <a:spcPct val="100000"/>
+              </a:lnSpc>
+            </a:pPr>
+            <a:r>
+              <a:rPr lang="es-ES" dirty="0"/>
+              <a:t>Construir un </a:t>
+            </a:r>
+            <a:r>
+              <a:rPr lang="es-ES" i="1" dirty="0"/>
+              <a:t>proxy</a:t>
+            </a:r>
+            <a:r>
+              <a:rPr lang="es-ES" dirty="0"/>
+              <a:t> inverso:</a:t>
+            </a:r>
+          </a:p>
+          <a:p>
+            <a:pPr lvl="1">
+              <a:lnSpc>
+                <a:spcPct val="150000"/>
+              </a:lnSpc>
+            </a:pPr>
             <a:r>
               <a:rPr lang="es-ES" dirty="0"/>
               <a:t>Ocultar los microservicios</a:t>
             </a:r>
           </a:p>
           <a:p>
+            <a:pPr lvl="1">
+              <a:lnSpc>
+                <a:spcPct val="150000"/>
+              </a:lnSpc>
+            </a:pPr>
             <a:r>
               <a:rPr lang="es-ES" dirty="0" err="1"/>
               <a:t>Multiinstanciar</a:t>
@@ -23182,9 +23095,9 @@
             </a:r>
           </a:p>
           <a:p>
-            <a:pPr lvl="1">
+            <a:pPr lvl="2">
               <a:lnSpc>
-                <a:spcPct val="150000"/>
+                <a:spcPct val="100000"/>
               </a:lnSpc>
               <a:buFont typeface="Wingdings" panose="05000000000000000000" pitchFamily="2" charset="2"/>
               <a:buChar char="q"/>
@@ -23195,9 +23108,9 @@
             </a:r>
           </a:p>
           <a:p>
-            <a:pPr lvl="1">
+            <a:pPr lvl="2">
               <a:lnSpc>
-                <a:spcPct val="200000"/>
+                <a:spcPct val="150000"/>
               </a:lnSpc>
             </a:pPr>
             <a:r>
@@ -23206,7 +23119,11 @@
             </a:r>
           </a:p>
           <a:p>
-            <a:pPr lvl="1"/>
+            <a:pPr lvl="2">
+              <a:lnSpc>
+                <a:spcPct val="100000"/>
+              </a:lnSpc>
+            </a:pPr>
             <a:r>
               <a:rPr lang="es-ES" dirty="0"/>
               <a:t>Aumentar eficiencia</a:t>

--- a/TFG_AlejandroCarrion.pptx
+++ b/TFG_AlejandroCarrion.pptx
@@ -36,7 +36,7 @@
     <p:sldId id="326" r:id="rId27"/>
     <p:sldId id="317" r:id="rId28"/>
     <p:sldId id="316" r:id="rId29"/>
-    <p:sldId id="322" r:id="rId30"/>
+    <p:sldId id="328" r:id="rId30"/>
     <p:sldId id="297" r:id="rId31"/>
     <p:sldId id="277" r:id="rId32"/>
     <p:sldId id="298" r:id="rId33"/>
@@ -305,7 +305,7 @@
 <file path=ppt/revisionInfo.xml><?xml version="1.0" encoding="utf-8"?>
 <p1510:revInfo xmlns:a="http://schemas.openxmlformats.org/drawingml/2006/main" xmlns:r="http://schemas.openxmlformats.org/officeDocument/2006/relationships" xmlns:p1510="http://schemas.microsoft.com/office/powerpoint/2015/10/main">
   <p1510:revLst>
-    <p1510:client id="{ECF2C08A-1D63-4443-908D-B3C4743D2FCA}" v="74" dt="2021-09-04T09:00:31.803"/>
+    <p1510:client id="{ECF2C08A-1D63-4443-908D-B3C4743D2FCA}" v="92" dt="2021-09-04T09:48:34.240"/>
   </p1510:revLst>
 </p1510:revInfo>
 </file>
@@ -315,7 +315,7 @@
   <pc:docChgLst>
     <pc:chgData name="Alejandro Carrión" userId="757439b461449c9e" providerId="LiveId" clId="{ECF2C08A-1D63-4443-908D-B3C4743D2FCA}"/>
     <pc:docChg chg="undo redo custSel addSld delSld modSld sldOrd">
-      <pc:chgData name="Alejandro Carrión" userId="757439b461449c9e" providerId="LiveId" clId="{ECF2C08A-1D63-4443-908D-B3C4743D2FCA}" dt="2021-09-04T09:01:10.987" v="5793" actId="20577"/>
+      <pc:chgData name="Alejandro Carrión" userId="757439b461449c9e" providerId="LiveId" clId="{ECF2C08A-1D63-4443-908D-B3C4743D2FCA}" dt="2021-09-04T09:49:21.390" v="6142" actId="6559"/>
       <pc:docMkLst>
         <pc:docMk/>
       </pc:docMkLst>
@@ -2649,8 +2649,8 @@
           </ac:picMkLst>
         </pc:picChg>
       </pc:sldChg>
-      <pc:sldChg chg="modSp add mod ord">
-        <pc:chgData name="Alejandro Carrión" userId="757439b461449c9e" providerId="LiveId" clId="{ECF2C08A-1D63-4443-908D-B3C4743D2FCA}" dt="2021-09-04T09:01:10.987" v="5793" actId="20577"/>
+      <pc:sldChg chg="modSp add del mod ord">
+        <pc:chgData name="Alejandro Carrión" userId="757439b461449c9e" providerId="LiveId" clId="{ECF2C08A-1D63-4443-908D-B3C4743D2FCA}" dt="2021-09-04T09:48:25.456" v="6104" actId="47"/>
         <pc:sldMkLst>
           <pc:docMk/>
           <pc:sldMk cId="2415125095" sldId="322"/>
@@ -2771,6 +2771,612 @@
             <ac:picMk id="5" creationId="{BEB1A286-BACF-4DA3-B599-9FE8E34525E6}"/>
           </ac:picMkLst>
         </pc:picChg>
+      </pc:sldChg>
+      <pc:sldChg chg="addSp delSp modSp add del mod">
+        <pc:chgData name="Alejandro Carrión" userId="757439b461449c9e" providerId="LiveId" clId="{ECF2C08A-1D63-4443-908D-B3C4743D2FCA}" dt="2021-09-04T09:48:09.431" v="6103" actId="47"/>
+        <pc:sldMkLst>
+          <pc:docMk/>
+          <pc:sldMk cId="2532926159" sldId="327"/>
+        </pc:sldMkLst>
+        <pc:spChg chg="del mod">
+          <ac:chgData name="Alejandro Carrión" userId="757439b461449c9e" providerId="LiveId" clId="{ECF2C08A-1D63-4443-908D-B3C4743D2FCA}" dt="2021-09-04T09:38:23.166" v="5796" actId="478"/>
+          <ac:spMkLst>
+            <pc:docMk/>
+            <pc:sldMk cId="2532926159" sldId="327"/>
+            <ac:spMk id="2" creationId="{00E721FB-67D7-4442-B14A-9203B4ACCB73}"/>
+          </ac:spMkLst>
+        </pc:spChg>
+        <pc:spChg chg="add del mod">
+          <ac:chgData name="Alejandro Carrión" userId="757439b461449c9e" providerId="LiveId" clId="{ECF2C08A-1D63-4443-908D-B3C4743D2FCA}" dt="2021-09-04T09:39:24.158" v="5798" actId="478"/>
+          <ac:spMkLst>
+            <pc:docMk/>
+            <pc:sldMk cId="2532926159" sldId="327"/>
+            <ac:spMk id="5" creationId="{7E41CC4B-2E3A-4B29-A2C6-FA87846EB114}"/>
+          </ac:spMkLst>
+        </pc:spChg>
+        <pc:spChg chg="add del mod">
+          <ac:chgData name="Alejandro Carrión" userId="757439b461449c9e" providerId="LiveId" clId="{ECF2C08A-1D63-4443-908D-B3C4743D2FCA}" dt="2021-09-04T09:39:24.158" v="5798" actId="478"/>
+          <ac:spMkLst>
+            <pc:docMk/>
+            <pc:sldMk cId="2532926159" sldId="327"/>
+            <ac:spMk id="7" creationId="{C91ED263-766B-4D6E-AEA3-AB874FBD5056}"/>
+          </ac:spMkLst>
+        </pc:spChg>
+        <pc:spChg chg="add del mod">
+          <ac:chgData name="Alejandro Carrión" userId="757439b461449c9e" providerId="LiveId" clId="{ECF2C08A-1D63-4443-908D-B3C4743D2FCA}" dt="2021-09-04T09:39:24.158" v="5798" actId="478"/>
+          <ac:spMkLst>
+            <pc:docMk/>
+            <pc:sldMk cId="2532926159" sldId="327"/>
+            <ac:spMk id="8" creationId="{E369E080-AF92-476C-83BE-90555AB864BF}"/>
+          </ac:spMkLst>
+        </pc:spChg>
+        <pc:spChg chg="add del mod">
+          <ac:chgData name="Alejandro Carrión" userId="757439b461449c9e" providerId="LiveId" clId="{ECF2C08A-1D63-4443-908D-B3C4743D2FCA}" dt="2021-09-04T09:39:24.158" v="5798" actId="478"/>
+          <ac:spMkLst>
+            <pc:docMk/>
+            <pc:sldMk cId="2532926159" sldId="327"/>
+            <ac:spMk id="9" creationId="{A49E6866-1810-4963-88A6-58D5D4BB7956}"/>
+          </ac:spMkLst>
+        </pc:spChg>
+        <pc:spChg chg="add del mod">
+          <ac:chgData name="Alejandro Carrión" userId="757439b461449c9e" providerId="LiveId" clId="{ECF2C08A-1D63-4443-908D-B3C4743D2FCA}" dt="2021-09-04T09:39:24.158" v="5798" actId="478"/>
+          <ac:spMkLst>
+            <pc:docMk/>
+            <pc:sldMk cId="2532926159" sldId="327"/>
+            <ac:spMk id="10" creationId="{1D601909-EBD6-4318-B0E7-B16F18238074}"/>
+          </ac:spMkLst>
+        </pc:spChg>
+        <pc:spChg chg="add del mod">
+          <ac:chgData name="Alejandro Carrión" userId="757439b461449c9e" providerId="LiveId" clId="{ECF2C08A-1D63-4443-908D-B3C4743D2FCA}" dt="2021-09-04T09:39:25.924" v="5799" actId="478"/>
+          <ac:spMkLst>
+            <pc:docMk/>
+            <pc:sldMk cId="2532926159" sldId="327"/>
+            <ac:spMk id="11" creationId="{0A0DA2E9-C7CE-48EB-BFE9-48E80A5CA6BC}"/>
+          </ac:spMkLst>
+        </pc:spChg>
+        <pc:spChg chg="add mod">
+          <ac:chgData name="Alejandro Carrión" userId="757439b461449c9e" providerId="LiveId" clId="{ECF2C08A-1D63-4443-908D-B3C4743D2FCA}" dt="2021-09-04T09:41:46.585" v="5856" actId="14100"/>
+          <ac:spMkLst>
+            <pc:docMk/>
+            <pc:sldMk cId="2532926159" sldId="327"/>
+            <ac:spMk id="12" creationId="{8CFDED87-45B8-45FC-A4E5-2BD13CE62230}"/>
+          </ac:spMkLst>
+        </pc:spChg>
+        <pc:spChg chg="add del mod">
+          <ac:chgData name="Alejandro Carrión" userId="757439b461449c9e" providerId="LiveId" clId="{ECF2C08A-1D63-4443-908D-B3C4743D2FCA}" dt="2021-09-04T09:40:23.522" v="5821" actId="478"/>
+          <ac:spMkLst>
+            <pc:docMk/>
+            <pc:sldMk cId="2532926159" sldId="327"/>
+            <ac:spMk id="13" creationId="{0136F817-97C0-47E7-BE57-400828BF3799}"/>
+          </ac:spMkLst>
+        </pc:spChg>
+        <pc:spChg chg="add del mod">
+          <ac:chgData name="Alejandro Carrión" userId="757439b461449c9e" providerId="LiveId" clId="{ECF2C08A-1D63-4443-908D-B3C4743D2FCA}" dt="2021-09-04T09:40:53.528" v="5836" actId="478"/>
+          <ac:spMkLst>
+            <pc:docMk/>
+            <pc:sldMk cId="2532926159" sldId="327"/>
+            <ac:spMk id="14" creationId="{06D2B3AF-9DFC-46E4-9A1F-761C72035750}"/>
+          </ac:spMkLst>
+        </pc:spChg>
+        <pc:spChg chg="add del mod">
+          <ac:chgData name="Alejandro Carrión" userId="757439b461449c9e" providerId="LiveId" clId="{ECF2C08A-1D63-4443-908D-B3C4743D2FCA}" dt="2021-09-04T09:40:54.034" v="5837" actId="478"/>
+          <ac:spMkLst>
+            <pc:docMk/>
+            <pc:sldMk cId="2532926159" sldId="327"/>
+            <ac:spMk id="15" creationId="{8E7D4ABA-97A6-42DF-962C-67B6A475F22E}"/>
+          </ac:spMkLst>
+        </pc:spChg>
+        <pc:spChg chg="add del mod">
+          <ac:chgData name="Alejandro Carrión" userId="757439b461449c9e" providerId="LiveId" clId="{ECF2C08A-1D63-4443-908D-B3C4743D2FCA}" dt="2021-09-04T09:40:54.034" v="5837" actId="478"/>
+          <ac:spMkLst>
+            <pc:docMk/>
+            <pc:sldMk cId="2532926159" sldId="327"/>
+            <ac:spMk id="16" creationId="{98246925-4CB2-4627-9A9B-B72D9D964EAF}"/>
+          </ac:spMkLst>
+        </pc:spChg>
+        <pc:spChg chg="add del mod">
+          <ac:chgData name="Alejandro Carrión" userId="757439b461449c9e" providerId="LiveId" clId="{ECF2C08A-1D63-4443-908D-B3C4743D2FCA}" dt="2021-09-04T09:40:54.034" v="5837" actId="478"/>
+          <ac:spMkLst>
+            <pc:docMk/>
+            <pc:sldMk cId="2532926159" sldId="327"/>
+            <ac:spMk id="17" creationId="{6F383EE9-7788-41B6-9B9C-035638AEBA9D}"/>
+          </ac:spMkLst>
+        </pc:spChg>
+        <pc:spChg chg="add mod">
+          <ac:chgData name="Alejandro Carrión" userId="757439b461449c9e" providerId="LiveId" clId="{ECF2C08A-1D63-4443-908D-B3C4743D2FCA}" dt="2021-09-04T09:38:28.267" v="5797"/>
+          <ac:spMkLst>
+            <pc:docMk/>
+            <pc:sldMk cId="2532926159" sldId="327"/>
+            <ac:spMk id="19" creationId="{D7C615E7-2584-4803-BB3A-C03B599BD934}"/>
+          </ac:spMkLst>
+        </pc:spChg>
+        <pc:spChg chg="add mod">
+          <ac:chgData name="Alejandro Carrión" userId="757439b461449c9e" providerId="LiveId" clId="{ECF2C08A-1D63-4443-908D-B3C4743D2FCA}" dt="2021-09-04T09:38:28.267" v="5797"/>
+          <ac:spMkLst>
+            <pc:docMk/>
+            <pc:sldMk cId="2532926159" sldId="327"/>
+            <ac:spMk id="21" creationId="{04D672C4-DEC4-481A-9124-340155F75CF4}"/>
+          </ac:spMkLst>
+        </pc:spChg>
+        <pc:spChg chg="add mod">
+          <ac:chgData name="Alejandro Carrión" userId="757439b461449c9e" providerId="LiveId" clId="{ECF2C08A-1D63-4443-908D-B3C4743D2FCA}" dt="2021-09-04T09:38:28.267" v="5797"/>
+          <ac:spMkLst>
+            <pc:docMk/>
+            <pc:sldMk cId="2532926159" sldId="327"/>
+            <ac:spMk id="23" creationId="{13D80241-D689-4636-89D9-A361CC437869}"/>
+          </ac:spMkLst>
+        </pc:spChg>
+        <pc:spChg chg="add del mod">
+          <ac:chgData name="Alejandro Carrión" userId="757439b461449c9e" providerId="LiveId" clId="{ECF2C08A-1D63-4443-908D-B3C4743D2FCA}" dt="2021-09-04T09:39:24.158" v="5798" actId="478"/>
+          <ac:spMkLst>
+            <pc:docMk/>
+            <pc:sldMk cId="2532926159" sldId="327"/>
+            <ac:spMk id="25" creationId="{AB293072-B745-4A3D-841C-3ABA40E585FB}"/>
+          </ac:spMkLst>
+        </pc:spChg>
+        <pc:spChg chg="add del mod">
+          <ac:chgData name="Alejandro Carrión" userId="757439b461449c9e" providerId="LiveId" clId="{ECF2C08A-1D63-4443-908D-B3C4743D2FCA}" dt="2021-09-04T09:39:24.158" v="5798" actId="478"/>
+          <ac:spMkLst>
+            <pc:docMk/>
+            <pc:sldMk cId="2532926159" sldId="327"/>
+            <ac:spMk id="27" creationId="{1FBE296F-EBA9-40FC-8FEB-D0A6672048C9}"/>
+          </ac:spMkLst>
+        </pc:spChg>
+        <pc:spChg chg="add del mod">
+          <ac:chgData name="Alejandro Carrión" userId="757439b461449c9e" providerId="LiveId" clId="{ECF2C08A-1D63-4443-908D-B3C4743D2FCA}" dt="2021-09-04T09:39:24.158" v="5798" actId="478"/>
+          <ac:spMkLst>
+            <pc:docMk/>
+            <pc:sldMk cId="2532926159" sldId="327"/>
+            <ac:spMk id="29" creationId="{071DE5BA-E116-47BD-B76C-1D5369A148C5}"/>
+          </ac:spMkLst>
+        </pc:spChg>
+        <pc:spChg chg="add mod">
+          <ac:chgData name="Alejandro Carrión" userId="757439b461449c9e" providerId="LiveId" clId="{ECF2C08A-1D63-4443-908D-B3C4743D2FCA}" dt="2021-09-04T09:38:28.267" v="5797"/>
+          <ac:spMkLst>
+            <pc:docMk/>
+            <pc:sldMk cId="2532926159" sldId="327"/>
+            <ac:spMk id="31" creationId="{D75C1EA0-423E-425A-BC8E-B07FD8C19E7D}"/>
+          </ac:spMkLst>
+        </pc:spChg>
+        <pc:spChg chg="add mod">
+          <ac:chgData name="Alejandro Carrión" userId="757439b461449c9e" providerId="LiveId" clId="{ECF2C08A-1D63-4443-908D-B3C4743D2FCA}" dt="2021-09-04T09:38:28.267" v="5797"/>
+          <ac:spMkLst>
+            <pc:docMk/>
+            <pc:sldMk cId="2532926159" sldId="327"/>
+            <ac:spMk id="33" creationId="{CCE07770-7643-4C77-96E1-200FE361A00A}"/>
+          </ac:spMkLst>
+        </pc:spChg>
+        <pc:spChg chg="add mod">
+          <ac:chgData name="Alejandro Carrión" userId="757439b461449c9e" providerId="LiveId" clId="{ECF2C08A-1D63-4443-908D-B3C4743D2FCA}" dt="2021-09-04T09:38:28.267" v="5797"/>
+          <ac:spMkLst>
+            <pc:docMk/>
+            <pc:sldMk cId="2532926159" sldId="327"/>
+            <ac:spMk id="35" creationId="{4F3B4FA6-1366-41A0-9B24-636373A82789}"/>
+          </ac:spMkLst>
+        </pc:spChg>
+        <pc:spChg chg="add del mod">
+          <ac:chgData name="Alejandro Carrión" userId="757439b461449c9e" providerId="LiveId" clId="{ECF2C08A-1D63-4443-908D-B3C4743D2FCA}" dt="2021-09-04T09:39:24.158" v="5798" actId="478"/>
+          <ac:spMkLst>
+            <pc:docMk/>
+            <pc:sldMk cId="2532926159" sldId="327"/>
+            <ac:spMk id="37" creationId="{F7F48D1C-5E19-43D9-A47A-F7A6AF0B8805}"/>
+          </ac:spMkLst>
+        </pc:spChg>
+        <pc:spChg chg="add del mod">
+          <ac:chgData name="Alejandro Carrión" userId="757439b461449c9e" providerId="LiveId" clId="{ECF2C08A-1D63-4443-908D-B3C4743D2FCA}" dt="2021-09-04T09:39:24.158" v="5798" actId="478"/>
+          <ac:spMkLst>
+            <pc:docMk/>
+            <pc:sldMk cId="2532926159" sldId="327"/>
+            <ac:spMk id="39" creationId="{A374CB5F-B9A4-4136-ACA8-B4AF215A0DB8}"/>
+          </ac:spMkLst>
+        </pc:spChg>
+        <pc:spChg chg="add del mod">
+          <ac:chgData name="Alejandro Carrión" userId="757439b461449c9e" providerId="LiveId" clId="{ECF2C08A-1D63-4443-908D-B3C4743D2FCA}" dt="2021-09-04T09:39:24.158" v="5798" actId="478"/>
+          <ac:spMkLst>
+            <pc:docMk/>
+            <pc:sldMk cId="2532926159" sldId="327"/>
+            <ac:spMk id="41" creationId="{CD915744-0B34-4CFA-A6F4-3D376D82CCC7}"/>
+          </ac:spMkLst>
+        </pc:spChg>
+        <pc:spChg chg="add del mod">
+          <ac:chgData name="Alejandro Carrión" userId="757439b461449c9e" providerId="LiveId" clId="{ECF2C08A-1D63-4443-908D-B3C4743D2FCA}" dt="2021-09-04T09:41:46.585" v="5856" actId="14100"/>
+          <ac:spMkLst>
+            <pc:docMk/>
+            <pc:sldMk cId="2532926159" sldId="327"/>
+            <ac:spMk id="42" creationId="{DBEC68AC-D140-4811-868C-4FE6DA0843EB}"/>
+          </ac:spMkLst>
+        </pc:spChg>
+        <pc:spChg chg="add mod">
+          <ac:chgData name="Alejandro Carrión" userId="757439b461449c9e" providerId="LiveId" clId="{ECF2C08A-1D63-4443-908D-B3C4743D2FCA}" dt="2021-09-04T09:41:46.585" v="5856" actId="14100"/>
+          <ac:spMkLst>
+            <pc:docMk/>
+            <pc:sldMk cId="2532926159" sldId="327"/>
+            <ac:spMk id="43" creationId="{5C7A3052-3E88-450C-86E8-1A80D381E97E}"/>
+          </ac:spMkLst>
+        </pc:spChg>
+        <pc:spChg chg="add mod">
+          <ac:chgData name="Alejandro Carrión" userId="757439b461449c9e" providerId="LiveId" clId="{ECF2C08A-1D63-4443-908D-B3C4743D2FCA}" dt="2021-09-04T09:41:46.585" v="5856" actId="14100"/>
+          <ac:spMkLst>
+            <pc:docMk/>
+            <pc:sldMk cId="2532926159" sldId="327"/>
+            <ac:spMk id="44" creationId="{30312589-568A-460D-AA81-D78C174E7293}"/>
+          </ac:spMkLst>
+        </pc:spChg>
+        <pc:spChg chg="add mod">
+          <ac:chgData name="Alejandro Carrión" userId="757439b461449c9e" providerId="LiveId" clId="{ECF2C08A-1D63-4443-908D-B3C4743D2FCA}" dt="2021-09-04T09:41:46.585" v="5856" actId="14100"/>
+          <ac:spMkLst>
+            <pc:docMk/>
+            <pc:sldMk cId="2532926159" sldId="327"/>
+            <ac:spMk id="45" creationId="{DBD1F82C-53EA-42C3-B1D7-CDD6B7806EA7}"/>
+          </ac:spMkLst>
+        </pc:spChg>
+        <pc:spChg chg="add mod">
+          <ac:chgData name="Alejandro Carrión" userId="757439b461449c9e" providerId="LiveId" clId="{ECF2C08A-1D63-4443-908D-B3C4743D2FCA}" dt="2021-09-04T09:41:46.585" v="5856" actId="14100"/>
+          <ac:spMkLst>
+            <pc:docMk/>
+            <pc:sldMk cId="2532926159" sldId="327"/>
+            <ac:spMk id="46" creationId="{2629B164-F50E-4DD9-BDDF-E56C8B751D84}"/>
+          </ac:spMkLst>
+        </pc:spChg>
+        <pc:spChg chg="add del mod">
+          <ac:chgData name="Alejandro Carrión" userId="757439b461449c9e" providerId="LiveId" clId="{ECF2C08A-1D63-4443-908D-B3C4743D2FCA}" dt="2021-09-04T09:44:00.789" v="5882"/>
+          <ac:spMkLst>
+            <pc:docMk/>
+            <pc:sldMk cId="2532926159" sldId="327"/>
+            <ac:spMk id="47" creationId="{125F68E5-1766-41CC-9F77-3F8BEE45A399}"/>
+          </ac:spMkLst>
+        </pc:spChg>
+        <pc:cxnChg chg="add mod">
+          <ac:chgData name="Alejandro Carrión" userId="757439b461449c9e" providerId="LiveId" clId="{ECF2C08A-1D63-4443-908D-B3C4743D2FCA}" dt="2021-09-04T09:38:28.267" v="5797"/>
+          <ac:cxnSpMkLst>
+            <pc:docMk/>
+            <pc:sldMk cId="2532926159" sldId="327"/>
+            <ac:cxnSpMk id="18" creationId="{0ACDEAFF-98B5-427A-9F48-A7A34C5E557E}"/>
+          </ac:cxnSpMkLst>
+        </pc:cxnChg>
+        <pc:cxnChg chg="add mod">
+          <ac:chgData name="Alejandro Carrión" userId="757439b461449c9e" providerId="LiveId" clId="{ECF2C08A-1D63-4443-908D-B3C4743D2FCA}" dt="2021-09-04T09:38:28.267" v="5797"/>
+          <ac:cxnSpMkLst>
+            <pc:docMk/>
+            <pc:sldMk cId="2532926159" sldId="327"/>
+            <ac:cxnSpMk id="20" creationId="{7A61DE52-F6DB-4EA9-9782-9328958A1AC6}"/>
+          </ac:cxnSpMkLst>
+        </pc:cxnChg>
+        <pc:cxnChg chg="add mod">
+          <ac:chgData name="Alejandro Carrión" userId="757439b461449c9e" providerId="LiveId" clId="{ECF2C08A-1D63-4443-908D-B3C4743D2FCA}" dt="2021-09-04T09:38:28.267" v="5797"/>
+          <ac:cxnSpMkLst>
+            <pc:docMk/>
+            <pc:sldMk cId="2532926159" sldId="327"/>
+            <ac:cxnSpMk id="22" creationId="{C6CEC6F6-4587-4594-B731-9703163624D7}"/>
+          </ac:cxnSpMkLst>
+        </pc:cxnChg>
+        <pc:cxnChg chg="add del mod">
+          <ac:chgData name="Alejandro Carrión" userId="757439b461449c9e" providerId="LiveId" clId="{ECF2C08A-1D63-4443-908D-B3C4743D2FCA}" dt="2021-09-04T09:39:24.158" v="5798" actId="478"/>
+          <ac:cxnSpMkLst>
+            <pc:docMk/>
+            <pc:sldMk cId="2532926159" sldId="327"/>
+            <ac:cxnSpMk id="24" creationId="{A12EBE8B-672F-4A37-A179-FB1C12872B07}"/>
+          </ac:cxnSpMkLst>
+        </pc:cxnChg>
+        <pc:cxnChg chg="add del mod">
+          <ac:chgData name="Alejandro Carrión" userId="757439b461449c9e" providerId="LiveId" clId="{ECF2C08A-1D63-4443-908D-B3C4743D2FCA}" dt="2021-09-04T09:39:24.158" v="5798" actId="478"/>
+          <ac:cxnSpMkLst>
+            <pc:docMk/>
+            <pc:sldMk cId="2532926159" sldId="327"/>
+            <ac:cxnSpMk id="26" creationId="{AB4AE2C5-2A24-467D-A4E9-426FD8302783}"/>
+          </ac:cxnSpMkLst>
+        </pc:cxnChg>
+        <pc:cxnChg chg="add del mod">
+          <ac:chgData name="Alejandro Carrión" userId="757439b461449c9e" providerId="LiveId" clId="{ECF2C08A-1D63-4443-908D-B3C4743D2FCA}" dt="2021-09-04T09:39:24.158" v="5798" actId="478"/>
+          <ac:cxnSpMkLst>
+            <pc:docMk/>
+            <pc:sldMk cId="2532926159" sldId="327"/>
+            <ac:cxnSpMk id="28" creationId="{C6ACF750-F9EE-4AEF-A205-0C73E10B8D00}"/>
+          </ac:cxnSpMkLst>
+        </pc:cxnChg>
+        <pc:cxnChg chg="add mod">
+          <ac:chgData name="Alejandro Carrión" userId="757439b461449c9e" providerId="LiveId" clId="{ECF2C08A-1D63-4443-908D-B3C4743D2FCA}" dt="2021-09-04T09:38:28.267" v="5797"/>
+          <ac:cxnSpMkLst>
+            <pc:docMk/>
+            <pc:sldMk cId="2532926159" sldId="327"/>
+            <ac:cxnSpMk id="30" creationId="{2EC73D98-E435-40B7-B4EB-C5D5E9DE64D0}"/>
+          </ac:cxnSpMkLst>
+        </pc:cxnChg>
+        <pc:cxnChg chg="add mod">
+          <ac:chgData name="Alejandro Carrión" userId="757439b461449c9e" providerId="LiveId" clId="{ECF2C08A-1D63-4443-908D-B3C4743D2FCA}" dt="2021-09-04T09:38:28.267" v="5797"/>
+          <ac:cxnSpMkLst>
+            <pc:docMk/>
+            <pc:sldMk cId="2532926159" sldId="327"/>
+            <ac:cxnSpMk id="32" creationId="{3A37662F-3B3D-41FC-81AD-93B111C1F545}"/>
+          </ac:cxnSpMkLst>
+        </pc:cxnChg>
+        <pc:cxnChg chg="add mod">
+          <ac:chgData name="Alejandro Carrión" userId="757439b461449c9e" providerId="LiveId" clId="{ECF2C08A-1D63-4443-908D-B3C4743D2FCA}" dt="2021-09-04T09:38:28.267" v="5797"/>
+          <ac:cxnSpMkLst>
+            <pc:docMk/>
+            <pc:sldMk cId="2532926159" sldId="327"/>
+            <ac:cxnSpMk id="34" creationId="{2952BCBC-4AB6-42D5-BCF6-329CC93CF14A}"/>
+          </ac:cxnSpMkLst>
+        </pc:cxnChg>
+        <pc:cxnChg chg="add del mod">
+          <ac:chgData name="Alejandro Carrión" userId="757439b461449c9e" providerId="LiveId" clId="{ECF2C08A-1D63-4443-908D-B3C4743D2FCA}" dt="2021-09-04T09:39:24.158" v="5798" actId="478"/>
+          <ac:cxnSpMkLst>
+            <pc:docMk/>
+            <pc:sldMk cId="2532926159" sldId="327"/>
+            <ac:cxnSpMk id="36" creationId="{BF1DF799-829C-45A2-97A0-FE1FC9DADD98}"/>
+          </ac:cxnSpMkLst>
+        </pc:cxnChg>
+        <pc:cxnChg chg="add del mod">
+          <ac:chgData name="Alejandro Carrión" userId="757439b461449c9e" providerId="LiveId" clId="{ECF2C08A-1D63-4443-908D-B3C4743D2FCA}" dt="2021-09-04T09:39:24.158" v="5798" actId="478"/>
+          <ac:cxnSpMkLst>
+            <pc:docMk/>
+            <pc:sldMk cId="2532926159" sldId="327"/>
+            <ac:cxnSpMk id="38" creationId="{A63360B9-B87A-4F4C-B242-6F10C8AF0FE9}"/>
+          </ac:cxnSpMkLst>
+        </pc:cxnChg>
+        <pc:cxnChg chg="add del mod">
+          <ac:chgData name="Alejandro Carrión" userId="757439b461449c9e" providerId="LiveId" clId="{ECF2C08A-1D63-4443-908D-B3C4743D2FCA}" dt="2021-09-04T09:39:24.158" v="5798" actId="478"/>
+          <ac:cxnSpMkLst>
+            <pc:docMk/>
+            <pc:sldMk cId="2532926159" sldId="327"/>
+            <ac:cxnSpMk id="40" creationId="{EC6B3B7A-860B-46C0-B63A-1C4B0165CD60}"/>
+          </ac:cxnSpMkLst>
+        </pc:cxnChg>
+      </pc:sldChg>
+      <pc:sldChg chg="addSp delSp modSp add mod">
+        <pc:chgData name="Alejandro Carrión" userId="757439b461449c9e" providerId="LiveId" clId="{ECF2C08A-1D63-4443-908D-B3C4743D2FCA}" dt="2021-09-04T09:49:21.390" v="6142" actId="6559"/>
+        <pc:sldMkLst>
+          <pc:docMk/>
+          <pc:sldMk cId="1191438269" sldId="328"/>
+        </pc:sldMkLst>
+        <pc:spChg chg="mod">
+          <ac:chgData name="Alejandro Carrión" userId="757439b461449c9e" providerId="LiveId" clId="{ECF2C08A-1D63-4443-908D-B3C4743D2FCA}" dt="2021-09-04T09:48:03.634" v="6102" actId="1076"/>
+          <ac:spMkLst>
+            <pc:docMk/>
+            <pc:sldMk cId="1191438269" sldId="328"/>
+            <ac:spMk id="12" creationId="{8CFDED87-45B8-45FC-A4E5-2BD13CE62230}"/>
+          </ac:spMkLst>
+        </pc:spChg>
+        <pc:spChg chg="del">
+          <ac:chgData name="Alejandro Carrión" userId="757439b461449c9e" providerId="LiveId" clId="{ECF2C08A-1D63-4443-908D-B3C4743D2FCA}" dt="2021-09-04T09:41:58.804" v="5859" actId="478"/>
+          <ac:spMkLst>
+            <pc:docMk/>
+            <pc:sldMk cId="1191438269" sldId="328"/>
+            <ac:spMk id="19" creationId="{D7C615E7-2584-4803-BB3A-C03B599BD934}"/>
+          </ac:spMkLst>
+        </pc:spChg>
+        <pc:spChg chg="del">
+          <ac:chgData name="Alejandro Carrión" userId="757439b461449c9e" providerId="LiveId" clId="{ECF2C08A-1D63-4443-908D-B3C4743D2FCA}" dt="2021-09-04T09:41:58.804" v="5859" actId="478"/>
+          <ac:spMkLst>
+            <pc:docMk/>
+            <pc:sldMk cId="1191438269" sldId="328"/>
+            <ac:spMk id="21" creationId="{04D672C4-DEC4-481A-9124-340155F75CF4}"/>
+          </ac:spMkLst>
+        </pc:spChg>
+        <pc:spChg chg="del">
+          <ac:chgData name="Alejandro Carrión" userId="757439b461449c9e" providerId="LiveId" clId="{ECF2C08A-1D63-4443-908D-B3C4743D2FCA}" dt="2021-09-04T09:41:58.804" v="5859" actId="478"/>
+          <ac:spMkLst>
+            <pc:docMk/>
+            <pc:sldMk cId="1191438269" sldId="328"/>
+            <ac:spMk id="23" creationId="{13D80241-D689-4636-89D9-A361CC437869}"/>
+          </ac:spMkLst>
+        </pc:spChg>
+        <pc:spChg chg="add mod">
+          <ac:chgData name="Alejandro Carrión" userId="757439b461449c9e" providerId="LiveId" clId="{ECF2C08A-1D63-4443-908D-B3C4743D2FCA}" dt="2021-09-04T09:48:03.634" v="6102" actId="1076"/>
+          <ac:spMkLst>
+            <pc:docMk/>
+            <pc:sldMk cId="1191438269" sldId="328"/>
+            <ac:spMk id="25" creationId="{17B83928-1B30-4DB8-A4C9-8EE65C74D6A2}"/>
+          </ac:spMkLst>
+        </pc:spChg>
+        <pc:spChg chg="add mod">
+          <ac:chgData name="Alejandro Carrión" userId="757439b461449c9e" providerId="LiveId" clId="{ECF2C08A-1D63-4443-908D-B3C4743D2FCA}" dt="2021-09-04T09:48:03.634" v="6102" actId="1076"/>
+          <ac:spMkLst>
+            <pc:docMk/>
+            <pc:sldMk cId="1191438269" sldId="328"/>
+            <ac:spMk id="27" creationId="{C47D9E60-9409-417E-9089-5A1FC3F64711}"/>
+          </ac:spMkLst>
+        </pc:spChg>
+        <pc:spChg chg="add mod">
+          <ac:chgData name="Alejandro Carrión" userId="757439b461449c9e" providerId="LiveId" clId="{ECF2C08A-1D63-4443-908D-B3C4743D2FCA}" dt="2021-09-04T09:48:03.634" v="6102" actId="1076"/>
+          <ac:spMkLst>
+            <pc:docMk/>
+            <pc:sldMk cId="1191438269" sldId="328"/>
+            <ac:spMk id="29" creationId="{7CF6E3DF-5B76-4DB3-ADD7-ABEC236C7F81}"/>
+          </ac:spMkLst>
+        </pc:spChg>
+        <pc:spChg chg="del">
+          <ac:chgData name="Alejandro Carrión" userId="757439b461449c9e" providerId="LiveId" clId="{ECF2C08A-1D63-4443-908D-B3C4743D2FCA}" dt="2021-09-04T09:41:57.002" v="5858" actId="478"/>
+          <ac:spMkLst>
+            <pc:docMk/>
+            <pc:sldMk cId="1191438269" sldId="328"/>
+            <ac:spMk id="31" creationId="{D75C1EA0-423E-425A-BC8E-B07FD8C19E7D}"/>
+          </ac:spMkLst>
+        </pc:spChg>
+        <pc:spChg chg="del">
+          <ac:chgData name="Alejandro Carrión" userId="757439b461449c9e" providerId="LiveId" clId="{ECF2C08A-1D63-4443-908D-B3C4743D2FCA}" dt="2021-09-04T09:41:57.002" v="5858" actId="478"/>
+          <ac:spMkLst>
+            <pc:docMk/>
+            <pc:sldMk cId="1191438269" sldId="328"/>
+            <ac:spMk id="33" creationId="{CCE07770-7643-4C77-96E1-200FE361A00A}"/>
+          </ac:spMkLst>
+        </pc:spChg>
+        <pc:spChg chg="del">
+          <ac:chgData name="Alejandro Carrión" userId="757439b461449c9e" providerId="LiveId" clId="{ECF2C08A-1D63-4443-908D-B3C4743D2FCA}" dt="2021-09-04T09:41:57.002" v="5858" actId="478"/>
+          <ac:spMkLst>
+            <pc:docMk/>
+            <pc:sldMk cId="1191438269" sldId="328"/>
+            <ac:spMk id="35" creationId="{4F3B4FA6-1366-41A0-9B24-636373A82789}"/>
+          </ac:spMkLst>
+        </pc:spChg>
+        <pc:spChg chg="add mod">
+          <ac:chgData name="Alejandro Carrión" userId="757439b461449c9e" providerId="LiveId" clId="{ECF2C08A-1D63-4443-908D-B3C4743D2FCA}" dt="2021-09-04T09:48:03.634" v="6102" actId="1076"/>
+          <ac:spMkLst>
+            <pc:docMk/>
+            <pc:sldMk cId="1191438269" sldId="328"/>
+            <ac:spMk id="37" creationId="{2BD3DD83-01DE-480C-9410-0B76BBE252DC}"/>
+          </ac:spMkLst>
+        </pc:spChg>
+        <pc:spChg chg="add mod">
+          <ac:chgData name="Alejandro Carrión" userId="757439b461449c9e" providerId="LiveId" clId="{ECF2C08A-1D63-4443-908D-B3C4743D2FCA}" dt="2021-09-04T09:48:03.634" v="6102" actId="1076"/>
+          <ac:spMkLst>
+            <pc:docMk/>
+            <pc:sldMk cId="1191438269" sldId="328"/>
+            <ac:spMk id="39" creationId="{0331AC53-1D73-45F0-B490-8A1E20E46D5E}"/>
+          </ac:spMkLst>
+        </pc:spChg>
+        <pc:spChg chg="add mod">
+          <ac:chgData name="Alejandro Carrión" userId="757439b461449c9e" providerId="LiveId" clId="{ECF2C08A-1D63-4443-908D-B3C4743D2FCA}" dt="2021-09-04T09:48:03.634" v="6102" actId="1076"/>
+          <ac:spMkLst>
+            <pc:docMk/>
+            <pc:sldMk cId="1191438269" sldId="328"/>
+            <ac:spMk id="41" creationId="{2D3C34DE-C8F6-4B76-B4E7-3F71D06DDEEF}"/>
+          </ac:spMkLst>
+        </pc:spChg>
+        <pc:spChg chg="mod">
+          <ac:chgData name="Alejandro Carrión" userId="757439b461449c9e" providerId="LiveId" clId="{ECF2C08A-1D63-4443-908D-B3C4743D2FCA}" dt="2021-09-04T09:48:03.634" v="6102" actId="1076"/>
+          <ac:spMkLst>
+            <pc:docMk/>
+            <pc:sldMk cId="1191438269" sldId="328"/>
+            <ac:spMk id="42" creationId="{DBEC68AC-D140-4811-868C-4FE6DA0843EB}"/>
+          </ac:spMkLst>
+        </pc:spChg>
+        <pc:spChg chg="mod">
+          <ac:chgData name="Alejandro Carrión" userId="757439b461449c9e" providerId="LiveId" clId="{ECF2C08A-1D63-4443-908D-B3C4743D2FCA}" dt="2021-09-04T09:48:03.634" v="6102" actId="1076"/>
+          <ac:spMkLst>
+            <pc:docMk/>
+            <pc:sldMk cId="1191438269" sldId="328"/>
+            <ac:spMk id="43" creationId="{5C7A3052-3E88-450C-86E8-1A80D381E97E}"/>
+          </ac:spMkLst>
+        </pc:spChg>
+        <pc:spChg chg="mod">
+          <ac:chgData name="Alejandro Carrión" userId="757439b461449c9e" providerId="LiveId" clId="{ECF2C08A-1D63-4443-908D-B3C4743D2FCA}" dt="2021-09-04T09:48:03.634" v="6102" actId="1076"/>
+          <ac:spMkLst>
+            <pc:docMk/>
+            <pc:sldMk cId="1191438269" sldId="328"/>
+            <ac:spMk id="44" creationId="{30312589-568A-460D-AA81-D78C174E7293}"/>
+          </ac:spMkLst>
+        </pc:spChg>
+        <pc:spChg chg="mod">
+          <ac:chgData name="Alejandro Carrión" userId="757439b461449c9e" providerId="LiveId" clId="{ECF2C08A-1D63-4443-908D-B3C4743D2FCA}" dt="2021-09-04T09:48:03.634" v="6102" actId="1076"/>
+          <ac:spMkLst>
+            <pc:docMk/>
+            <pc:sldMk cId="1191438269" sldId="328"/>
+            <ac:spMk id="45" creationId="{DBD1F82C-53EA-42C3-B1D7-CDD6B7806EA7}"/>
+          </ac:spMkLst>
+        </pc:spChg>
+        <pc:spChg chg="mod">
+          <ac:chgData name="Alejandro Carrión" userId="757439b461449c9e" providerId="LiveId" clId="{ECF2C08A-1D63-4443-908D-B3C4743D2FCA}" dt="2021-09-04T09:48:03.634" v="6102" actId="1076"/>
+          <ac:spMkLst>
+            <pc:docMk/>
+            <pc:sldMk cId="1191438269" sldId="328"/>
+            <ac:spMk id="46" creationId="{2629B164-F50E-4DD9-BDDF-E56C8B751D84}"/>
+          </ac:spMkLst>
+        </pc:spChg>
+        <pc:spChg chg="add mod">
+          <ac:chgData name="Alejandro Carrión" userId="757439b461449c9e" providerId="LiveId" clId="{ECF2C08A-1D63-4443-908D-B3C4743D2FCA}" dt="2021-09-04T09:49:21.390" v="6142" actId="6559"/>
+          <ac:spMkLst>
+            <pc:docMk/>
+            <pc:sldMk cId="1191438269" sldId="328"/>
+            <ac:spMk id="47" creationId="{6AA69242-A17D-4BFA-8CDF-FC87F6D77628}"/>
+          </ac:spMkLst>
+        </pc:spChg>
+        <pc:cxnChg chg="del">
+          <ac:chgData name="Alejandro Carrión" userId="757439b461449c9e" providerId="LiveId" clId="{ECF2C08A-1D63-4443-908D-B3C4743D2FCA}" dt="2021-09-04T09:41:58.804" v="5859" actId="478"/>
+          <ac:cxnSpMkLst>
+            <pc:docMk/>
+            <pc:sldMk cId="1191438269" sldId="328"/>
+            <ac:cxnSpMk id="18" creationId="{0ACDEAFF-98B5-427A-9F48-A7A34C5E557E}"/>
+          </ac:cxnSpMkLst>
+        </pc:cxnChg>
+        <pc:cxnChg chg="del">
+          <ac:chgData name="Alejandro Carrión" userId="757439b461449c9e" providerId="LiveId" clId="{ECF2C08A-1D63-4443-908D-B3C4743D2FCA}" dt="2021-09-04T09:41:58.804" v="5859" actId="478"/>
+          <ac:cxnSpMkLst>
+            <pc:docMk/>
+            <pc:sldMk cId="1191438269" sldId="328"/>
+            <ac:cxnSpMk id="20" creationId="{7A61DE52-F6DB-4EA9-9782-9328958A1AC6}"/>
+          </ac:cxnSpMkLst>
+        </pc:cxnChg>
+        <pc:cxnChg chg="del">
+          <ac:chgData name="Alejandro Carrión" userId="757439b461449c9e" providerId="LiveId" clId="{ECF2C08A-1D63-4443-908D-B3C4743D2FCA}" dt="2021-09-04T09:41:58.804" v="5859" actId="478"/>
+          <ac:cxnSpMkLst>
+            <pc:docMk/>
+            <pc:sldMk cId="1191438269" sldId="328"/>
+            <ac:cxnSpMk id="22" creationId="{C6CEC6F6-4587-4594-B731-9703163624D7}"/>
+          </ac:cxnSpMkLst>
+        </pc:cxnChg>
+        <pc:cxnChg chg="add mod ord">
+          <ac:chgData name="Alejandro Carrión" userId="757439b461449c9e" providerId="LiveId" clId="{ECF2C08A-1D63-4443-908D-B3C4743D2FCA}" dt="2021-09-04T09:48:03.634" v="6102" actId="1076"/>
+          <ac:cxnSpMkLst>
+            <pc:docMk/>
+            <pc:sldMk cId="1191438269" sldId="328"/>
+            <ac:cxnSpMk id="24" creationId="{95324B09-1BAC-4FB5-8218-1EE71BE70C94}"/>
+          </ac:cxnSpMkLst>
+        </pc:cxnChg>
+        <pc:cxnChg chg="add mod ord">
+          <ac:chgData name="Alejandro Carrión" userId="757439b461449c9e" providerId="LiveId" clId="{ECF2C08A-1D63-4443-908D-B3C4743D2FCA}" dt="2021-09-04T09:48:03.634" v="6102" actId="1076"/>
+          <ac:cxnSpMkLst>
+            <pc:docMk/>
+            <pc:sldMk cId="1191438269" sldId="328"/>
+            <ac:cxnSpMk id="26" creationId="{D570CEB9-ACA9-442B-8F6B-B7B47FEE6895}"/>
+          </ac:cxnSpMkLst>
+        </pc:cxnChg>
+        <pc:cxnChg chg="add mod ord">
+          <ac:chgData name="Alejandro Carrión" userId="757439b461449c9e" providerId="LiveId" clId="{ECF2C08A-1D63-4443-908D-B3C4743D2FCA}" dt="2021-09-04T09:48:03.634" v="6102" actId="1076"/>
+          <ac:cxnSpMkLst>
+            <pc:docMk/>
+            <pc:sldMk cId="1191438269" sldId="328"/>
+            <ac:cxnSpMk id="28" creationId="{237A1039-66FD-4796-B867-7EC50758B9B9}"/>
+          </ac:cxnSpMkLst>
+        </pc:cxnChg>
+        <pc:cxnChg chg="del">
+          <ac:chgData name="Alejandro Carrión" userId="757439b461449c9e" providerId="LiveId" clId="{ECF2C08A-1D63-4443-908D-B3C4743D2FCA}" dt="2021-09-04T09:42:02.892" v="5862" actId="478"/>
+          <ac:cxnSpMkLst>
+            <pc:docMk/>
+            <pc:sldMk cId="1191438269" sldId="328"/>
+            <ac:cxnSpMk id="30" creationId="{2EC73D98-E435-40B7-B4EB-C5D5E9DE64D0}"/>
+          </ac:cxnSpMkLst>
+        </pc:cxnChg>
+        <pc:cxnChg chg="del">
+          <ac:chgData name="Alejandro Carrión" userId="757439b461449c9e" providerId="LiveId" clId="{ECF2C08A-1D63-4443-908D-B3C4743D2FCA}" dt="2021-09-04T09:42:02.234" v="5861" actId="478"/>
+          <ac:cxnSpMkLst>
+            <pc:docMk/>
+            <pc:sldMk cId="1191438269" sldId="328"/>
+            <ac:cxnSpMk id="32" creationId="{3A37662F-3B3D-41FC-81AD-93B111C1F545}"/>
+          </ac:cxnSpMkLst>
+        </pc:cxnChg>
+        <pc:cxnChg chg="del">
+          <ac:chgData name="Alejandro Carrión" userId="757439b461449c9e" providerId="LiveId" clId="{ECF2C08A-1D63-4443-908D-B3C4743D2FCA}" dt="2021-09-04T09:42:00.770" v="5860" actId="478"/>
+          <ac:cxnSpMkLst>
+            <pc:docMk/>
+            <pc:sldMk cId="1191438269" sldId="328"/>
+            <ac:cxnSpMk id="34" creationId="{2952BCBC-4AB6-42D5-BCF6-329CC93CF14A}"/>
+          </ac:cxnSpMkLst>
+        </pc:cxnChg>
+        <pc:cxnChg chg="add mod ord">
+          <ac:chgData name="Alejandro Carrión" userId="757439b461449c9e" providerId="LiveId" clId="{ECF2C08A-1D63-4443-908D-B3C4743D2FCA}" dt="2021-09-04T09:48:03.634" v="6102" actId="1076"/>
+          <ac:cxnSpMkLst>
+            <pc:docMk/>
+            <pc:sldMk cId="1191438269" sldId="328"/>
+            <ac:cxnSpMk id="36" creationId="{562B8A6D-A9E3-4FFD-86F1-BA55ADF6E8DE}"/>
+          </ac:cxnSpMkLst>
+        </pc:cxnChg>
+        <pc:cxnChg chg="add mod ord">
+          <ac:chgData name="Alejandro Carrión" userId="757439b461449c9e" providerId="LiveId" clId="{ECF2C08A-1D63-4443-908D-B3C4743D2FCA}" dt="2021-09-04T09:48:03.634" v="6102" actId="1076"/>
+          <ac:cxnSpMkLst>
+            <pc:docMk/>
+            <pc:sldMk cId="1191438269" sldId="328"/>
+            <ac:cxnSpMk id="38" creationId="{DA728EA3-D86F-4D2B-ADD5-43D87A18F831}"/>
+          </ac:cxnSpMkLst>
+        </pc:cxnChg>
+        <pc:cxnChg chg="add mod ord">
+          <ac:chgData name="Alejandro Carrión" userId="757439b461449c9e" providerId="LiveId" clId="{ECF2C08A-1D63-4443-908D-B3C4743D2FCA}" dt="2021-09-04T09:48:03.634" v="6102" actId="1076"/>
+          <ac:cxnSpMkLst>
+            <pc:docMk/>
+            <pc:sldMk cId="1191438269" sldId="328"/>
+            <ac:cxnSpMk id="40" creationId="{1EF72E91-FFFC-4463-A7BC-454EB58E8872}"/>
+          </ac:cxnSpMkLst>
+        </pc:cxnChg>
       </pc:sldChg>
       <pc:sldMasterChg chg="delSldLayout">
         <pc:chgData name="Alejandro Carrión" userId="757439b461449c9e" providerId="LiveId" clId="{ECF2C08A-1D63-4443-908D-B3C4743D2FCA}" dt="2021-09-02T19:03:58.817" v="5691" actId="47"/>
@@ -19948,6 +20554,216 @@
           <a:chExt cx="0" cy="0"/>
         </a:xfrm>
       </p:grpSpPr>
+      <p:cxnSp>
+        <p:nvCxnSpPr>
+          <p:cNvPr id="40" name="Google Shape;559;p38">
+            <a:extLst>
+              <a:ext uri="{FF2B5EF4-FFF2-40B4-BE49-F238E27FC236}">
+                <a16:creationId xmlns:a16="http://schemas.microsoft.com/office/drawing/2014/main" id="{1EF72E91-FFFC-4463-A7BC-454EB58E8872}"/>
+              </a:ext>
+            </a:extLst>
+          </p:cNvPr>
+          <p:cNvCxnSpPr/>
+          <p:nvPr/>
+        </p:nvCxnSpPr>
+        <p:spPr>
+          <a:xfrm rot="10800000">
+            <a:off x="7439943" y="3565296"/>
+            <a:ext cx="0" cy="498600"/>
+          </a:xfrm>
+          <a:prstGeom prst="straightConnector1">
+            <a:avLst/>
+          </a:prstGeom>
+          <a:noFill/>
+          <a:ln w="9525" cap="flat" cmpd="sng">
+            <a:solidFill>
+              <a:schemeClr val="tx1">
+                <a:lumMod val="50000"/>
+                <a:lumOff val="50000"/>
+              </a:schemeClr>
+            </a:solidFill>
+            <a:prstDash val="solid"/>
+            <a:round/>
+            <a:headEnd type="oval" w="med" len="med"/>
+            <a:tailEnd type="oval" w="med" len="med"/>
+          </a:ln>
+        </p:spPr>
+      </p:cxnSp>
+      <p:cxnSp>
+        <p:nvCxnSpPr>
+          <p:cNvPr id="38" name="Google Shape;559;p38">
+            <a:extLst>
+              <a:ext uri="{FF2B5EF4-FFF2-40B4-BE49-F238E27FC236}">
+                <a16:creationId xmlns:a16="http://schemas.microsoft.com/office/drawing/2014/main" id="{DA728EA3-D86F-4D2B-ADD5-43D87A18F831}"/>
+              </a:ext>
+            </a:extLst>
+          </p:cNvPr>
+          <p:cNvCxnSpPr/>
+          <p:nvPr/>
+        </p:nvCxnSpPr>
+        <p:spPr>
+          <a:xfrm rot="10800000">
+            <a:off x="5040210" y="3565296"/>
+            <a:ext cx="0" cy="498600"/>
+          </a:xfrm>
+          <a:prstGeom prst="straightConnector1">
+            <a:avLst/>
+          </a:prstGeom>
+          <a:noFill/>
+          <a:ln w="9525" cap="flat" cmpd="sng">
+            <a:solidFill>
+              <a:schemeClr val="tx1">
+                <a:lumMod val="50000"/>
+                <a:lumOff val="50000"/>
+              </a:schemeClr>
+            </a:solidFill>
+            <a:prstDash val="solid"/>
+            <a:round/>
+            <a:headEnd type="oval" w="med" len="med"/>
+            <a:tailEnd type="oval" w="med" len="med"/>
+          </a:ln>
+        </p:spPr>
+      </p:cxnSp>
+      <p:cxnSp>
+        <p:nvCxnSpPr>
+          <p:cNvPr id="28" name="Google Shape;559;p38">
+            <a:extLst>
+              <a:ext uri="{FF2B5EF4-FFF2-40B4-BE49-F238E27FC236}">
+                <a16:creationId xmlns:a16="http://schemas.microsoft.com/office/drawing/2014/main" id="{237A1039-66FD-4796-B867-7EC50758B9B9}"/>
+              </a:ext>
+            </a:extLst>
+          </p:cNvPr>
+          <p:cNvCxnSpPr/>
+          <p:nvPr/>
+        </p:nvCxnSpPr>
+        <p:spPr>
+          <a:xfrm rot="10800000">
+            <a:off x="6276749" y="2498101"/>
+            <a:ext cx="0" cy="498600"/>
+          </a:xfrm>
+          <a:prstGeom prst="straightConnector1">
+            <a:avLst/>
+          </a:prstGeom>
+          <a:noFill/>
+          <a:ln w="9525" cap="flat" cmpd="sng">
+            <a:solidFill>
+              <a:schemeClr val="tx1">
+                <a:lumMod val="50000"/>
+                <a:lumOff val="50000"/>
+              </a:schemeClr>
+            </a:solidFill>
+            <a:prstDash val="solid"/>
+            <a:round/>
+            <a:headEnd type="oval" w="med" len="med"/>
+            <a:tailEnd type="oval" w="med" len="med"/>
+          </a:ln>
+        </p:spPr>
+      </p:cxnSp>
+      <p:cxnSp>
+        <p:nvCxnSpPr>
+          <p:cNvPr id="26" name="Google Shape;559;p38">
+            <a:extLst>
+              <a:ext uri="{FF2B5EF4-FFF2-40B4-BE49-F238E27FC236}">
+                <a16:creationId xmlns:a16="http://schemas.microsoft.com/office/drawing/2014/main" id="{D570CEB9-ACA9-442B-8F6B-B7B47FEE6895}"/>
+              </a:ext>
+            </a:extLst>
+          </p:cNvPr>
+          <p:cNvCxnSpPr/>
+          <p:nvPr/>
+        </p:nvCxnSpPr>
+        <p:spPr>
+          <a:xfrm rot="10800000">
+            <a:off x="3855350" y="2498101"/>
+            <a:ext cx="0" cy="498600"/>
+          </a:xfrm>
+          <a:prstGeom prst="straightConnector1">
+            <a:avLst/>
+          </a:prstGeom>
+          <a:noFill/>
+          <a:ln w="9525" cap="flat" cmpd="sng">
+            <a:solidFill>
+              <a:schemeClr val="tx1">
+                <a:lumMod val="50000"/>
+                <a:lumOff val="50000"/>
+              </a:schemeClr>
+            </a:solidFill>
+            <a:prstDash val="solid"/>
+            <a:round/>
+            <a:headEnd type="oval" w="med" len="med"/>
+            <a:tailEnd type="oval" w="med" len="med"/>
+          </a:ln>
+        </p:spPr>
+      </p:cxnSp>
+      <p:cxnSp>
+        <p:nvCxnSpPr>
+          <p:cNvPr id="36" name="Google Shape;559;p38">
+            <a:extLst>
+              <a:ext uri="{FF2B5EF4-FFF2-40B4-BE49-F238E27FC236}">
+                <a16:creationId xmlns:a16="http://schemas.microsoft.com/office/drawing/2014/main" id="{562B8A6D-A9E3-4FFD-86F1-BA55ADF6E8DE}"/>
+              </a:ext>
+            </a:extLst>
+          </p:cNvPr>
+          <p:cNvCxnSpPr/>
+          <p:nvPr/>
+        </p:nvCxnSpPr>
+        <p:spPr>
+          <a:xfrm rot="10800000">
+            <a:off x="2628190" y="3565296"/>
+            <a:ext cx="0" cy="498600"/>
+          </a:xfrm>
+          <a:prstGeom prst="straightConnector1">
+            <a:avLst/>
+          </a:prstGeom>
+          <a:noFill/>
+          <a:ln w="9525" cap="flat" cmpd="sng">
+            <a:solidFill>
+              <a:schemeClr val="tx1">
+                <a:lumMod val="50000"/>
+                <a:lumOff val="50000"/>
+              </a:schemeClr>
+            </a:solidFill>
+            <a:prstDash val="solid"/>
+            <a:round/>
+            <a:headEnd type="oval" w="med" len="med"/>
+            <a:tailEnd type="oval" w="med" len="med"/>
+          </a:ln>
+        </p:spPr>
+      </p:cxnSp>
+      <p:cxnSp>
+        <p:nvCxnSpPr>
+          <p:cNvPr id="24" name="Google Shape;559;p38">
+            <a:extLst>
+              <a:ext uri="{FF2B5EF4-FFF2-40B4-BE49-F238E27FC236}">
+                <a16:creationId xmlns:a16="http://schemas.microsoft.com/office/drawing/2014/main" id="{95324B09-1BAC-4FB5-8218-1EE71BE70C94}"/>
+              </a:ext>
+            </a:extLst>
+          </p:cNvPr>
+          <p:cNvCxnSpPr/>
+          <p:nvPr/>
+        </p:nvCxnSpPr>
+        <p:spPr>
+          <a:xfrm rot="10800000">
+            <a:off x="1427257" y="2498101"/>
+            <a:ext cx="0" cy="498600"/>
+          </a:xfrm>
+          <a:prstGeom prst="straightConnector1">
+            <a:avLst/>
+          </a:prstGeom>
+          <a:noFill/>
+          <a:ln w="9525" cap="flat" cmpd="sng">
+            <a:solidFill>
+              <a:schemeClr val="tx1">
+                <a:lumMod val="50000"/>
+                <a:lumOff val="50000"/>
+              </a:schemeClr>
+            </a:solidFill>
+            <a:prstDash val="solid"/>
+            <a:round/>
+            <a:headEnd type="oval" w="med" len="med"/>
+            <a:tailEnd type="oval" w="med" len="med"/>
+          </a:ln>
+        </p:spPr>
+      </p:cxnSp>
       <p:sp>
         <p:nvSpPr>
           <p:cNvPr id="4" name="Título 3">
@@ -19987,83 +20803,6 @@
       </p:sp>
       <p:sp>
         <p:nvSpPr>
-          <p:cNvPr id="2" name="Marcador de texto 1">
-            <a:extLst>
-              <a:ext uri="{FF2B5EF4-FFF2-40B4-BE49-F238E27FC236}">
-                <a16:creationId xmlns:a16="http://schemas.microsoft.com/office/drawing/2014/main" id="{00E721FB-67D7-4442-B14A-9203B4ACCB73}"/>
-              </a:ext>
-            </a:extLst>
-          </p:cNvPr>
-          <p:cNvSpPr>
-            <a:spLocks noGrp="1"/>
-          </p:cNvSpPr>
-          <p:nvPr>
-            <p:ph type="body" idx="1"/>
-          </p:nvPr>
-        </p:nvSpPr>
-        <p:spPr>
-          <a:xfrm>
-            <a:off x="779099" y="1503550"/>
-            <a:ext cx="7437053" cy="2884200"/>
-          </a:xfrm>
-        </p:spPr>
-        <p:txBody>
-          <a:bodyPr/>
-          <a:lstStyle/>
-          <a:p>
-            <a:r>
-              <a:rPr lang="es-ES" dirty="0"/>
-              <a:t>Estudio de tecnologías</a:t>
-            </a:r>
-          </a:p>
-          <a:p>
-            <a:r>
-              <a:rPr lang="es-ES" dirty="0"/>
-              <a:t>Programación</a:t>
-            </a:r>
-          </a:p>
-          <a:p>
-            <a:pPr lvl="1">
-              <a:lnSpc>
-                <a:spcPct val="100000"/>
-              </a:lnSpc>
-            </a:pPr>
-            <a:r>
-              <a:rPr lang="es-ES" dirty="0"/>
-              <a:t>Construcción de prototipos</a:t>
-            </a:r>
-          </a:p>
-          <a:p>
-            <a:pPr lvl="1"/>
-            <a:r>
-              <a:rPr lang="es-ES" dirty="0"/>
-              <a:t>Consolidación del microservicio autogenerado</a:t>
-            </a:r>
-          </a:p>
-          <a:p>
-            <a:pPr lvl="1"/>
-            <a:r>
-              <a:rPr lang="es-ES" dirty="0"/>
-              <a:t>Primeros despliegues</a:t>
-            </a:r>
-          </a:p>
-          <a:p>
-            <a:pPr lvl="1"/>
-            <a:r>
-              <a:rPr lang="es-ES" dirty="0"/>
-              <a:t>Producto final</a:t>
-            </a:r>
-          </a:p>
-          <a:p>
-            <a:r>
-              <a:rPr lang="es-ES" dirty="0"/>
-              <a:t>Revisión de la memoria</a:t>
-            </a:r>
-          </a:p>
-        </p:txBody>
-      </p:sp>
-      <p:sp>
-        <p:nvSpPr>
           <p:cNvPr id="6" name="Google Shape;342;p24">
             <a:extLst>
               <a:ext uri="{FF2B5EF4-FFF2-40B4-BE49-F238E27FC236}">
@@ -20106,10 +20845,917 @@
           </a:p>
         </p:txBody>
       </p:sp>
+      <p:sp>
+        <p:nvSpPr>
+          <p:cNvPr id="12" name="Google Shape;552;p38">
+            <a:extLst>
+              <a:ext uri="{FF2B5EF4-FFF2-40B4-BE49-F238E27FC236}">
+                <a16:creationId xmlns:a16="http://schemas.microsoft.com/office/drawing/2014/main" id="{8CFDED87-45B8-45FC-A4E5-2BD13CE62230}"/>
+              </a:ext>
+            </a:extLst>
+          </p:cNvPr>
+          <p:cNvSpPr/>
+          <p:nvPr/>
+        </p:nvSpPr>
+        <p:spPr>
+          <a:xfrm>
+            <a:off x="6929281" y="2821102"/>
+            <a:ext cx="1340659" cy="917762"/>
+          </a:xfrm>
+          <a:prstGeom prst="homePlate">
+            <a:avLst>
+              <a:gd name="adj" fmla="val 32030"/>
+            </a:avLst>
+          </a:prstGeom>
+          <a:solidFill>
+            <a:schemeClr val="accent2">
+              <a:lumMod val="60000"/>
+              <a:lumOff val="40000"/>
+            </a:schemeClr>
+          </a:solidFill>
+          <a:ln>
+            <a:noFill/>
+          </a:ln>
+          <a:effectLst>
+            <a:outerShdw blurRad="28575" dist="9525" algn="bl" rotWithShape="0">
+              <a:srgbClr val="000000">
+                <a:alpha val="20000"/>
+              </a:srgbClr>
+            </a:outerShdw>
+          </a:effectLst>
+        </p:spPr>
+        <p:txBody>
+          <a:bodyPr spcFirstLastPara="1" wrap="square" lIns="274300" tIns="0" rIns="0" bIns="0" anchor="ctr" anchorCtr="0">
+            <a:noAutofit/>
+          </a:bodyPr>
+          <a:lstStyle/>
+          <a:p>
+            <a:pPr marL="0" marR="0" lvl="0" indent="0" algn="l" rtl="0">
+              <a:lnSpc>
+                <a:spcPct val="100000"/>
+              </a:lnSpc>
+              <a:spcBef>
+                <a:spcPts val="0"/>
+              </a:spcBef>
+              <a:spcAft>
+                <a:spcPts val="0"/>
+              </a:spcAft>
+              <a:buNone/>
+            </a:pPr>
+            <a:endParaRPr sz="1200" dirty="0">
+              <a:solidFill>
+                <a:schemeClr val="lt1"/>
+              </a:solidFill>
+              <a:latin typeface="Catamaran"/>
+              <a:ea typeface="Catamaran"/>
+              <a:cs typeface="Catamaran"/>
+              <a:sym typeface="Catamaran"/>
+            </a:endParaRPr>
+          </a:p>
+        </p:txBody>
+      </p:sp>
+      <p:sp>
+        <p:nvSpPr>
+          <p:cNvPr id="42" name="Google Shape;552;p38">
+            <a:extLst>
+              <a:ext uri="{FF2B5EF4-FFF2-40B4-BE49-F238E27FC236}">
+                <a16:creationId xmlns:a16="http://schemas.microsoft.com/office/drawing/2014/main" id="{DBEC68AC-D140-4811-868C-4FE6DA0843EB}"/>
+              </a:ext>
+            </a:extLst>
+          </p:cNvPr>
+          <p:cNvSpPr/>
+          <p:nvPr/>
+        </p:nvSpPr>
+        <p:spPr>
+          <a:xfrm>
+            <a:off x="5723548" y="2826662"/>
+            <a:ext cx="1340659" cy="917762"/>
+          </a:xfrm>
+          <a:prstGeom prst="homePlate">
+            <a:avLst>
+              <a:gd name="adj" fmla="val 32030"/>
+            </a:avLst>
+          </a:prstGeom>
+          <a:solidFill>
+            <a:schemeClr val="accent1">
+              <a:lumMod val="60000"/>
+              <a:lumOff val="40000"/>
+            </a:schemeClr>
+          </a:solidFill>
+          <a:ln>
+            <a:noFill/>
+          </a:ln>
+          <a:effectLst>
+            <a:outerShdw blurRad="28575" dist="9525" algn="bl" rotWithShape="0">
+              <a:srgbClr val="000000">
+                <a:alpha val="20000"/>
+              </a:srgbClr>
+            </a:outerShdw>
+          </a:effectLst>
+        </p:spPr>
+        <p:txBody>
+          <a:bodyPr spcFirstLastPara="1" wrap="square" lIns="274300" tIns="0" rIns="0" bIns="0" anchor="ctr" anchorCtr="0">
+            <a:noAutofit/>
+          </a:bodyPr>
+          <a:lstStyle/>
+          <a:p>
+            <a:pPr marL="0" marR="0" lvl="0" indent="0" algn="l" rtl="0">
+              <a:lnSpc>
+                <a:spcPct val="100000"/>
+              </a:lnSpc>
+              <a:spcBef>
+                <a:spcPts val="0"/>
+              </a:spcBef>
+              <a:spcAft>
+                <a:spcPts val="0"/>
+              </a:spcAft>
+              <a:buNone/>
+            </a:pPr>
+            <a:endParaRPr sz="1200" dirty="0">
+              <a:solidFill>
+                <a:schemeClr val="lt1"/>
+              </a:solidFill>
+              <a:latin typeface="Catamaran"/>
+              <a:ea typeface="Catamaran"/>
+              <a:cs typeface="Catamaran"/>
+              <a:sym typeface="Catamaran"/>
+            </a:endParaRPr>
+          </a:p>
+        </p:txBody>
+      </p:sp>
+      <p:sp>
+        <p:nvSpPr>
+          <p:cNvPr id="43" name="Google Shape;552;p38">
+            <a:extLst>
+              <a:ext uri="{FF2B5EF4-FFF2-40B4-BE49-F238E27FC236}">
+                <a16:creationId xmlns:a16="http://schemas.microsoft.com/office/drawing/2014/main" id="{5C7A3052-3E88-450C-86E8-1A80D381E97E}"/>
+              </a:ext>
+            </a:extLst>
+          </p:cNvPr>
+          <p:cNvSpPr/>
+          <p:nvPr/>
+        </p:nvSpPr>
+        <p:spPr>
+          <a:xfrm>
+            <a:off x="4507884" y="2832222"/>
+            <a:ext cx="1340659" cy="917762"/>
+          </a:xfrm>
+          <a:prstGeom prst="homePlate">
+            <a:avLst>
+              <a:gd name="adj" fmla="val 32030"/>
+            </a:avLst>
+          </a:prstGeom>
+          <a:solidFill>
+            <a:schemeClr val="accent1">
+              <a:lumMod val="60000"/>
+              <a:lumOff val="40000"/>
+            </a:schemeClr>
+          </a:solidFill>
+          <a:ln>
+            <a:noFill/>
+          </a:ln>
+          <a:effectLst>
+            <a:outerShdw blurRad="28575" dist="9525" algn="bl" rotWithShape="0">
+              <a:srgbClr val="000000">
+                <a:alpha val="20000"/>
+              </a:srgbClr>
+            </a:outerShdw>
+          </a:effectLst>
+        </p:spPr>
+        <p:txBody>
+          <a:bodyPr spcFirstLastPara="1" wrap="square" lIns="274300" tIns="0" rIns="0" bIns="0" anchor="ctr" anchorCtr="0">
+            <a:noAutofit/>
+          </a:bodyPr>
+          <a:lstStyle/>
+          <a:p>
+            <a:pPr marL="0" marR="0" lvl="0" indent="0" algn="l" rtl="0">
+              <a:lnSpc>
+                <a:spcPct val="100000"/>
+              </a:lnSpc>
+              <a:spcBef>
+                <a:spcPts val="0"/>
+              </a:spcBef>
+              <a:spcAft>
+                <a:spcPts val="0"/>
+              </a:spcAft>
+              <a:buNone/>
+            </a:pPr>
+            <a:endParaRPr sz="1200" dirty="0">
+              <a:solidFill>
+                <a:schemeClr val="lt1"/>
+              </a:solidFill>
+              <a:latin typeface="Catamaran"/>
+              <a:ea typeface="Catamaran"/>
+              <a:cs typeface="Catamaran"/>
+              <a:sym typeface="Catamaran"/>
+            </a:endParaRPr>
+          </a:p>
+        </p:txBody>
+      </p:sp>
+      <p:sp>
+        <p:nvSpPr>
+          <p:cNvPr id="44" name="Google Shape;552;p38">
+            <a:extLst>
+              <a:ext uri="{FF2B5EF4-FFF2-40B4-BE49-F238E27FC236}">
+                <a16:creationId xmlns:a16="http://schemas.microsoft.com/office/drawing/2014/main" id="{30312589-568A-460D-AA81-D78C174E7293}"/>
+              </a:ext>
+            </a:extLst>
+          </p:cNvPr>
+          <p:cNvSpPr/>
+          <p:nvPr/>
+        </p:nvSpPr>
+        <p:spPr>
+          <a:xfrm>
+            <a:off x="3302149" y="2832222"/>
+            <a:ext cx="1340659" cy="917762"/>
+          </a:xfrm>
+          <a:prstGeom prst="homePlate">
+            <a:avLst>
+              <a:gd name="adj" fmla="val 32030"/>
+            </a:avLst>
+          </a:prstGeom>
+          <a:solidFill>
+            <a:schemeClr val="accent1">
+              <a:lumMod val="60000"/>
+              <a:lumOff val="40000"/>
+            </a:schemeClr>
+          </a:solidFill>
+          <a:ln>
+            <a:noFill/>
+          </a:ln>
+          <a:effectLst>
+            <a:outerShdw blurRad="28575" dist="9525" algn="bl" rotWithShape="0">
+              <a:srgbClr val="000000">
+                <a:alpha val="20000"/>
+              </a:srgbClr>
+            </a:outerShdw>
+          </a:effectLst>
+        </p:spPr>
+        <p:txBody>
+          <a:bodyPr spcFirstLastPara="1" wrap="square" lIns="274300" tIns="0" rIns="0" bIns="0" anchor="ctr" anchorCtr="0">
+            <a:noAutofit/>
+          </a:bodyPr>
+          <a:lstStyle/>
+          <a:p>
+            <a:pPr marL="0" marR="0" lvl="0" indent="0" algn="l" rtl="0">
+              <a:lnSpc>
+                <a:spcPct val="100000"/>
+              </a:lnSpc>
+              <a:spcBef>
+                <a:spcPts val="0"/>
+              </a:spcBef>
+              <a:spcAft>
+                <a:spcPts val="0"/>
+              </a:spcAft>
+              <a:buNone/>
+            </a:pPr>
+            <a:endParaRPr sz="1200" dirty="0">
+              <a:solidFill>
+                <a:schemeClr val="lt1"/>
+              </a:solidFill>
+              <a:latin typeface="Catamaran"/>
+              <a:ea typeface="Catamaran"/>
+              <a:cs typeface="Catamaran"/>
+              <a:sym typeface="Catamaran"/>
+            </a:endParaRPr>
+          </a:p>
+        </p:txBody>
+      </p:sp>
+      <p:sp>
+        <p:nvSpPr>
+          <p:cNvPr id="45" name="Google Shape;552;p38">
+            <a:extLst>
+              <a:ext uri="{FF2B5EF4-FFF2-40B4-BE49-F238E27FC236}">
+                <a16:creationId xmlns:a16="http://schemas.microsoft.com/office/drawing/2014/main" id="{DBD1F82C-53EA-42C3-B1D7-CDD6B7806EA7}"/>
+              </a:ext>
+            </a:extLst>
+          </p:cNvPr>
+          <p:cNvSpPr/>
+          <p:nvPr/>
+        </p:nvSpPr>
+        <p:spPr>
+          <a:xfrm>
+            <a:off x="2091450" y="2832222"/>
+            <a:ext cx="1340659" cy="917762"/>
+          </a:xfrm>
+          <a:prstGeom prst="homePlate">
+            <a:avLst>
+              <a:gd name="adj" fmla="val 32030"/>
+            </a:avLst>
+          </a:prstGeom>
+          <a:solidFill>
+            <a:schemeClr val="accent1">
+              <a:lumMod val="60000"/>
+              <a:lumOff val="40000"/>
+            </a:schemeClr>
+          </a:solidFill>
+          <a:ln>
+            <a:noFill/>
+          </a:ln>
+          <a:effectLst>
+            <a:outerShdw blurRad="28575" dist="9525" algn="bl" rotWithShape="0">
+              <a:srgbClr val="000000">
+                <a:alpha val="20000"/>
+              </a:srgbClr>
+            </a:outerShdw>
+          </a:effectLst>
+        </p:spPr>
+        <p:txBody>
+          <a:bodyPr spcFirstLastPara="1" wrap="square" lIns="274300" tIns="0" rIns="0" bIns="0" anchor="ctr" anchorCtr="0">
+            <a:noAutofit/>
+          </a:bodyPr>
+          <a:lstStyle/>
+          <a:p>
+            <a:pPr marL="0" marR="0" lvl="0" indent="0" algn="l" rtl="0">
+              <a:lnSpc>
+                <a:spcPct val="100000"/>
+              </a:lnSpc>
+              <a:spcBef>
+                <a:spcPts val="0"/>
+              </a:spcBef>
+              <a:spcAft>
+                <a:spcPts val="0"/>
+              </a:spcAft>
+              <a:buNone/>
+            </a:pPr>
+            <a:endParaRPr sz="1200" dirty="0">
+              <a:solidFill>
+                <a:schemeClr val="lt1"/>
+              </a:solidFill>
+              <a:latin typeface="Catamaran"/>
+              <a:ea typeface="Catamaran"/>
+              <a:cs typeface="Catamaran"/>
+              <a:sym typeface="Catamaran"/>
+            </a:endParaRPr>
+          </a:p>
+        </p:txBody>
+      </p:sp>
+      <p:sp>
+        <p:nvSpPr>
+          <p:cNvPr id="46" name="Google Shape;552;p38">
+            <a:extLst>
+              <a:ext uri="{FF2B5EF4-FFF2-40B4-BE49-F238E27FC236}">
+                <a16:creationId xmlns:a16="http://schemas.microsoft.com/office/drawing/2014/main" id="{2629B164-F50E-4DD9-BDDF-E56C8B751D84}"/>
+              </a:ext>
+            </a:extLst>
+          </p:cNvPr>
+          <p:cNvSpPr/>
+          <p:nvPr/>
+        </p:nvSpPr>
+        <p:spPr>
+          <a:xfrm>
+            <a:off x="883233" y="2832222"/>
+            <a:ext cx="1340659" cy="917762"/>
+          </a:xfrm>
+          <a:prstGeom prst="homePlate">
+            <a:avLst>
+              <a:gd name="adj" fmla="val 32030"/>
+            </a:avLst>
+          </a:prstGeom>
+          <a:solidFill>
+            <a:schemeClr val="accent1">
+              <a:lumMod val="40000"/>
+              <a:lumOff val="60000"/>
+            </a:schemeClr>
+          </a:solidFill>
+          <a:ln>
+            <a:noFill/>
+          </a:ln>
+          <a:effectLst>
+            <a:outerShdw blurRad="28575" dist="9525" algn="bl" rotWithShape="0">
+              <a:srgbClr val="000000">
+                <a:alpha val="20000"/>
+              </a:srgbClr>
+            </a:outerShdw>
+          </a:effectLst>
+        </p:spPr>
+        <p:txBody>
+          <a:bodyPr spcFirstLastPara="1" wrap="square" lIns="274300" tIns="0" rIns="0" bIns="0" anchor="ctr" anchorCtr="0">
+            <a:noAutofit/>
+          </a:bodyPr>
+          <a:lstStyle/>
+          <a:p>
+            <a:pPr marL="0" marR="0" lvl="0" indent="0" algn="l" rtl="0">
+              <a:lnSpc>
+                <a:spcPct val="100000"/>
+              </a:lnSpc>
+              <a:spcBef>
+                <a:spcPts val="0"/>
+              </a:spcBef>
+              <a:spcAft>
+                <a:spcPts val="0"/>
+              </a:spcAft>
+              <a:buNone/>
+            </a:pPr>
+            <a:endParaRPr sz="1200" dirty="0">
+              <a:solidFill>
+                <a:schemeClr val="lt1"/>
+              </a:solidFill>
+              <a:latin typeface="Catamaran"/>
+              <a:ea typeface="Catamaran"/>
+              <a:cs typeface="Catamaran"/>
+              <a:sym typeface="Catamaran"/>
+            </a:endParaRPr>
+          </a:p>
+        </p:txBody>
+      </p:sp>
+      <p:sp>
+        <p:nvSpPr>
+          <p:cNvPr id="25" name="Google Shape;560;p38">
+            <a:extLst>
+              <a:ext uri="{FF2B5EF4-FFF2-40B4-BE49-F238E27FC236}">
+                <a16:creationId xmlns:a16="http://schemas.microsoft.com/office/drawing/2014/main" id="{17B83928-1B30-4DB8-A4C9-8EE65C74D6A2}"/>
+              </a:ext>
+            </a:extLst>
+          </p:cNvPr>
+          <p:cNvSpPr txBox="1"/>
+          <p:nvPr/>
+        </p:nvSpPr>
+        <p:spPr>
+          <a:xfrm>
+            <a:off x="874056" y="1865062"/>
+            <a:ext cx="1106400" cy="533400"/>
+          </a:xfrm>
+          <a:prstGeom prst="rect">
+            <a:avLst/>
+          </a:prstGeom>
+          <a:noFill/>
+          <a:ln>
+            <a:noFill/>
+          </a:ln>
+        </p:spPr>
+        <p:txBody>
+          <a:bodyPr spcFirstLastPara="1" wrap="square" lIns="0" tIns="0" rIns="0" bIns="0" anchor="b" anchorCtr="0">
+            <a:noAutofit/>
+          </a:bodyPr>
+          <a:lstStyle/>
+          <a:p>
+            <a:pPr marL="0" marR="0" lvl="0" indent="0" algn="ctr" rtl="0">
+              <a:lnSpc>
+                <a:spcPct val="100000"/>
+              </a:lnSpc>
+              <a:spcBef>
+                <a:spcPts val="0"/>
+              </a:spcBef>
+              <a:spcAft>
+                <a:spcPts val="0"/>
+              </a:spcAft>
+              <a:buNone/>
+            </a:pPr>
+            <a:r>
+              <a:rPr lang="en" sz="1800" dirty="0">
+                <a:solidFill>
+                  <a:schemeClr val="dk2"/>
+                </a:solidFill>
+                <a:latin typeface="Catamaran"/>
+                <a:ea typeface="Catamaran"/>
+                <a:cs typeface="Catamaran"/>
+                <a:sym typeface="Catamaran"/>
+              </a:rPr>
+              <a:t>Estudio de tecnologías</a:t>
+            </a:r>
+            <a:endParaRPr sz="1800" dirty="0">
+              <a:solidFill>
+                <a:schemeClr val="dk2"/>
+              </a:solidFill>
+              <a:latin typeface="Catamaran"/>
+              <a:ea typeface="Catamaran"/>
+              <a:cs typeface="Catamaran"/>
+              <a:sym typeface="Catamaran"/>
+            </a:endParaRPr>
+          </a:p>
+        </p:txBody>
+      </p:sp>
+      <p:sp>
+        <p:nvSpPr>
+          <p:cNvPr id="27" name="Google Shape;560;p38">
+            <a:extLst>
+              <a:ext uri="{FF2B5EF4-FFF2-40B4-BE49-F238E27FC236}">
+                <a16:creationId xmlns:a16="http://schemas.microsoft.com/office/drawing/2014/main" id="{C47D9E60-9409-417E-9089-5A1FC3F64711}"/>
+              </a:ext>
+            </a:extLst>
+          </p:cNvPr>
+          <p:cNvSpPr txBox="1"/>
+          <p:nvPr/>
+        </p:nvSpPr>
+        <p:spPr>
+          <a:xfrm>
+            <a:off x="3039037" y="1865062"/>
+            <a:ext cx="1603770" cy="533400"/>
+          </a:xfrm>
+          <a:prstGeom prst="rect">
+            <a:avLst/>
+          </a:prstGeom>
+          <a:noFill/>
+          <a:ln>
+            <a:noFill/>
+          </a:ln>
+        </p:spPr>
+        <p:txBody>
+          <a:bodyPr spcFirstLastPara="1" wrap="square" lIns="0" tIns="0" rIns="0" bIns="0" anchor="b" anchorCtr="0">
+            <a:noAutofit/>
+          </a:bodyPr>
+          <a:lstStyle/>
+          <a:p>
+            <a:pPr marL="0" marR="0" lvl="0" indent="0" algn="ctr" rtl="0">
+              <a:lnSpc>
+                <a:spcPct val="100000"/>
+              </a:lnSpc>
+              <a:spcBef>
+                <a:spcPts val="0"/>
+              </a:spcBef>
+              <a:spcAft>
+                <a:spcPts val="0"/>
+              </a:spcAft>
+              <a:buNone/>
+            </a:pPr>
+            <a:r>
+              <a:rPr lang="en" sz="1800" dirty="0">
+                <a:solidFill>
+                  <a:schemeClr val="dk2"/>
+                </a:solidFill>
+                <a:latin typeface="Catamaran"/>
+                <a:ea typeface="Catamaran"/>
+                <a:cs typeface="Catamaran"/>
+                <a:sym typeface="Catamaran"/>
+              </a:rPr>
+              <a:t>Consolidación del microservicio autogenerado</a:t>
+            </a:r>
+            <a:endParaRPr sz="1800" dirty="0">
+              <a:solidFill>
+                <a:schemeClr val="dk2"/>
+              </a:solidFill>
+              <a:latin typeface="Catamaran"/>
+              <a:ea typeface="Catamaran"/>
+              <a:cs typeface="Catamaran"/>
+              <a:sym typeface="Catamaran"/>
+            </a:endParaRPr>
+          </a:p>
+        </p:txBody>
+      </p:sp>
+      <p:sp>
+        <p:nvSpPr>
+          <p:cNvPr id="29" name="Google Shape;560;p38">
+            <a:extLst>
+              <a:ext uri="{FF2B5EF4-FFF2-40B4-BE49-F238E27FC236}">
+                <a16:creationId xmlns:a16="http://schemas.microsoft.com/office/drawing/2014/main" id="{7CF6E3DF-5B76-4DB3-ADD7-ABEC236C7F81}"/>
+              </a:ext>
+            </a:extLst>
+          </p:cNvPr>
+          <p:cNvSpPr txBox="1"/>
+          <p:nvPr/>
+        </p:nvSpPr>
+        <p:spPr>
+          <a:xfrm>
+            <a:off x="5674658" y="1865062"/>
+            <a:ext cx="1155290" cy="533400"/>
+          </a:xfrm>
+          <a:prstGeom prst="rect">
+            <a:avLst/>
+          </a:prstGeom>
+          <a:noFill/>
+          <a:ln>
+            <a:noFill/>
+          </a:ln>
+        </p:spPr>
+        <p:txBody>
+          <a:bodyPr spcFirstLastPara="1" wrap="square" lIns="0" tIns="0" rIns="0" bIns="0" anchor="b" anchorCtr="0">
+            <a:noAutofit/>
+          </a:bodyPr>
+          <a:lstStyle/>
+          <a:p>
+            <a:pPr marL="0" marR="0" lvl="0" indent="0" algn="ctr" rtl="0">
+              <a:lnSpc>
+                <a:spcPct val="100000"/>
+              </a:lnSpc>
+              <a:spcBef>
+                <a:spcPts val="0"/>
+              </a:spcBef>
+              <a:spcAft>
+                <a:spcPts val="0"/>
+              </a:spcAft>
+              <a:buNone/>
+            </a:pPr>
+            <a:r>
+              <a:rPr lang="en" sz="1800" dirty="0">
+                <a:solidFill>
+                  <a:schemeClr val="dk2"/>
+                </a:solidFill>
+                <a:latin typeface="Catamaran"/>
+                <a:ea typeface="Catamaran"/>
+                <a:cs typeface="Catamaran"/>
+                <a:sym typeface="Catamaran"/>
+              </a:rPr>
+              <a:t>Producto final</a:t>
+            </a:r>
+            <a:endParaRPr sz="1800" dirty="0">
+              <a:solidFill>
+                <a:schemeClr val="dk2"/>
+              </a:solidFill>
+              <a:latin typeface="Catamaran"/>
+              <a:ea typeface="Catamaran"/>
+              <a:cs typeface="Catamaran"/>
+              <a:sym typeface="Catamaran"/>
+            </a:endParaRPr>
+          </a:p>
+        </p:txBody>
+      </p:sp>
+      <p:sp>
+        <p:nvSpPr>
+          <p:cNvPr id="37" name="Google Shape;560;p38">
+            <a:extLst>
+              <a:ext uri="{FF2B5EF4-FFF2-40B4-BE49-F238E27FC236}">
+                <a16:creationId xmlns:a16="http://schemas.microsoft.com/office/drawing/2014/main" id="{2BD3DD83-01DE-480C-9410-0B76BBE252DC}"/>
+              </a:ext>
+            </a:extLst>
+          </p:cNvPr>
+          <p:cNvSpPr txBox="1"/>
+          <p:nvPr/>
+        </p:nvSpPr>
+        <p:spPr>
+          <a:xfrm>
+            <a:off x="2037229" y="4216451"/>
+            <a:ext cx="1264917" cy="533400"/>
+          </a:xfrm>
+          <a:prstGeom prst="rect">
+            <a:avLst/>
+          </a:prstGeom>
+          <a:noFill/>
+          <a:ln>
+            <a:noFill/>
+          </a:ln>
+        </p:spPr>
+        <p:txBody>
+          <a:bodyPr spcFirstLastPara="1" wrap="square" lIns="0" tIns="0" rIns="0" bIns="0" anchor="b" anchorCtr="0">
+            <a:noAutofit/>
+          </a:bodyPr>
+          <a:lstStyle/>
+          <a:p>
+            <a:pPr marL="0" marR="0" lvl="0" indent="0" algn="ctr" rtl="0">
+              <a:lnSpc>
+                <a:spcPct val="100000"/>
+              </a:lnSpc>
+              <a:spcBef>
+                <a:spcPts val="0"/>
+              </a:spcBef>
+              <a:spcAft>
+                <a:spcPts val="0"/>
+              </a:spcAft>
+              <a:buNone/>
+            </a:pPr>
+            <a:r>
+              <a:rPr lang="en" sz="1800" dirty="0">
+                <a:solidFill>
+                  <a:schemeClr val="dk2"/>
+                </a:solidFill>
+                <a:latin typeface="Catamaran"/>
+                <a:ea typeface="Catamaran"/>
+                <a:cs typeface="Catamaran"/>
+                <a:sym typeface="Catamaran"/>
+              </a:rPr>
+              <a:t>Construcción de prototipos</a:t>
+            </a:r>
+            <a:endParaRPr sz="1800" dirty="0">
+              <a:solidFill>
+                <a:schemeClr val="dk2"/>
+              </a:solidFill>
+              <a:latin typeface="Catamaran"/>
+              <a:ea typeface="Catamaran"/>
+              <a:cs typeface="Catamaran"/>
+              <a:sym typeface="Catamaran"/>
+            </a:endParaRPr>
+          </a:p>
+        </p:txBody>
+      </p:sp>
+      <p:sp>
+        <p:nvSpPr>
+          <p:cNvPr id="39" name="Google Shape;560;p38">
+            <a:extLst>
+              <a:ext uri="{FF2B5EF4-FFF2-40B4-BE49-F238E27FC236}">
+                <a16:creationId xmlns:a16="http://schemas.microsoft.com/office/drawing/2014/main" id="{0331AC53-1D73-45F0-B490-8A1E20E46D5E}"/>
+              </a:ext>
+            </a:extLst>
+          </p:cNvPr>
+          <p:cNvSpPr txBox="1"/>
+          <p:nvPr/>
+        </p:nvSpPr>
+        <p:spPr>
+          <a:xfrm>
+            <a:off x="4409741" y="4216451"/>
+            <a:ext cx="1264917" cy="533400"/>
+          </a:xfrm>
+          <a:prstGeom prst="rect">
+            <a:avLst/>
+          </a:prstGeom>
+          <a:noFill/>
+          <a:ln>
+            <a:noFill/>
+          </a:ln>
+        </p:spPr>
+        <p:txBody>
+          <a:bodyPr spcFirstLastPara="1" wrap="square" lIns="0" tIns="0" rIns="0" bIns="0" anchor="b" anchorCtr="0">
+            <a:noAutofit/>
+          </a:bodyPr>
+          <a:lstStyle/>
+          <a:p>
+            <a:pPr marL="0" marR="0" lvl="0" indent="0" algn="ctr" rtl="0">
+              <a:lnSpc>
+                <a:spcPct val="100000"/>
+              </a:lnSpc>
+              <a:spcBef>
+                <a:spcPts val="0"/>
+              </a:spcBef>
+              <a:spcAft>
+                <a:spcPts val="0"/>
+              </a:spcAft>
+              <a:buNone/>
+            </a:pPr>
+            <a:r>
+              <a:rPr lang="en" sz="1800" dirty="0">
+                <a:solidFill>
+                  <a:schemeClr val="dk2"/>
+                </a:solidFill>
+                <a:latin typeface="Catamaran"/>
+                <a:ea typeface="Catamaran"/>
+                <a:cs typeface="Catamaran"/>
+                <a:sym typeface="Catamaran"/>
+              </a:rPr>
+              <a:t>Primeros despliegues</a:t>
+            </a:r>
+            <a:endParaRPr sz="1800" dirty="0">
+              <a:solidFill>
+                <a:schemeClr val="dk2"/>
+              </a:solidFill>
+              <a:latin typeface="Catamaran"/>
+              <a:ea typeface="Catamaran"/>
+              <a:cs typeface="Catamaran"/>
+              <a:sym typeface="Catamaran"/>
+            </a:endParaRPr>
+          </a:p>
+        </p:txBody>
+      </p:sp>
+      <p:sp>
+        <p:nvSpPr>
+          <p:cNvPr id="41" name="Google Shape;560;p38">
+            <a:extLst>
+              <a:ext uri="{FF2B5EF4-FFF2-40B4-BE49-F238E27FC236}">
+                <a16:creationId xmlns:a16="http://schemas.microsoft.com/office/drawing/2014/main" id="{2D3C34DE-C8F6-4B76-B4E7-3F71D06DDEEF}"/>
+              </a:ext>
+            </a:extLst>
+          </p:cNvPr>
+          <p:cNvSpPr txBox="1"/>
+          <p:nvPr/>
+        </p:nvSpPr>
+        <p:spPr>
+          <a:xfrm>
+            <a:off x="6900189" y="4216451"/>
+            <a:ext cx="1106400" cy="533400"/>
+          </a:xfrm>
+          <a:prstGeom prst="rect">
+            <a:avLst/>
+          </a:prstGeom>
+          <a:noFill/>
+          <a:ln>
+            <a:noFill/>
+          </a:ln>
+        </p:spPr>
+        <p:txBody>
+          <a:bodyPr spcFirstLastPara="1" wrap="square" lIns="0" tIns="0" rIns="0" bIns="0" anchor="b" anchorCtr="0">
+            <a:noAutofit/>
+          </a:bodyPr>
+          <a:lstStyle/>
+          <a:p>
+            <a:pPr marL="0" marR="0" lvl="0" indent="0" algn="ctr" rtl="0">
+              <a:lnSpc>
+                <a:spcPct val="100000"/>
+              </a:lnSpc>
+              <a:spcBef>
+                <a:spcPts val="0"/>
+              </a:spcBef>
+              <a:spcAft>
+                <a:spcPts val="0"/>
+              </a:spcAft>
+              <a:buNone/>
+            </a:pPr>
+            <a:r>
+              <a:rPr lang="en" sz="1800" dirty="0">
+                <a:solidFill>
+                  <a:schemeClr val="dk2"/>
+                </a:solidFill>
+                <a:latin typeface="Catamaran"/>
+                <a:ea typeface="Catamaran"/>
+                <a:cs typeface="Catamaran"/>
+                <a:sym typeface="Catamaran"/>
+              </a:rPr>
+              <a:t>R</a:t>
+            </a:r>
+            <a:r>
+              <a:rPr lang="es-ES" sz="1800" dirty="0">
+                <a:solidFill>
+                  <a:schemeClr val="dk2"/>
+                </a:solidFill>
+                <a:latin typeface="Catamaran"/>
+                <a:ea typeface="Catamaran"/>
+                <a:cs typeface="Catamaran"/>
+                <a:sym typeface="Catamaran"/>
+              </a:rPr>
+              <a:t>e</a:t>
+            </a:r>
+            <a:r>
+              <a:rPr lang="en" sz="1800" dirty="0">
+                <a:solidFill>
+                  <a:schemeClr val="dk2"/>
+                </a:solidFill>
+                <a:latin typeface="Catamaran"/>
+                <a:ea typeface="Catamaran"/>
+                <a:cs typeface="Catamaran"/>
+                <a:sym typeface="Catamaran"/>
+              </a:rPr>
+              <a:t>visión de la memoria</a:t>
+            </a:r>
+            <a:endParaRPr sz="1800" dirty="0">
+              <a:solidFill>
+                <a:schemeClr val="dk2"/>
+              </a:solidFill>
+              <a:latin typeface="Catamaran"/>
+              <a:ea typeface="Catamaran"/>
+              <a:cs typeface="Catamaran"/>
+              <a:sym typeface="Catamaran"/>
+            </a:endParaRPr>
+          </a:p>
+        </p:txBody>
+      </p:sp>
+      <p:sp>
+        <p:nvSpPr>
+          <p:cNvPr id="47" name="Google Shape;560;p38">
+            <a:extLst>
+              <a:ext uri="{FF2B5EF4-FFF2-40B4-BE49-F238E27FC236}">
+                <a16:creationId xmlns:a16="http://schemas.microsoft.com/office/drawing/2014/main" id="{6AA69242-A17D-4BFA-8CDF-FC87F6D77628}"/>
+              </a:ext>
+            </a:extLst>
+          </p:cNvPr>
+          <p:cNvSpPr txBox="1"/>
+          <p:nvPr/>
+        </p:nvSpPr>
+        <p:spPr>
+          <a:xfrm>
+            <a:off x="2185822" y="3111291"/>
+            <a:ext cx="4714367" cy="533400"/>
+          </a:xfrm>
+          <a:prstGeom prst="rect">
+            <a:avLst/>
+          </a:prstGeom>
+          <a:noFill/>
+          <a:ln>
+            <a:noFill/>
+          </a:ln>
+        </p:spPr>
+        <p:txBody>
+          <a:bodyPr spcFirstLastPara="1" wrap="square" lIns="0" tIns="0" rIns="0" bIns="0" anchor="b" anchorCtr="0">
+            <a:noAutofit/>
+          </a:bodyPr>
+          <a:lstStyle/>
+          <a:p>
+            <a:pPr marL="0" marR="0" lvl="0" indent="0" algn="ctr" rtl="0">
+              <a:lnSpc>
+                <a:spcPct val="100000"/>
+              </a:lnSpc>
+              <a:spcBef>
+                <a:spcPts val="0"/>
+              </a:spcBef>
+              <a:spcAft>
+                <a:spcPts val="0"/>
+              </a:spcAft>
+              <a:buNone/>
+            </a:pPr>
+            <a:r>
+              <a:rPr lang="en" sz="3600" spc="600" dirty="0">
+                <a:solidFill>
+                  <a:schemeClr val="bg1"/>
+                </a:solidFill>
+                <a:latin typeface="Catamaran"/>
+                <a:ea typeface="Catamaran"/>
+                <a:cs typeface="Catamaran"/>
+                <a:sym typeface="Catamaran"/>
+              </a:rPr>
+              <a:t>PROGRAMACIÓN</a:t>
+            </a:r>
+            <a:endParaRPr sz="3600" spc="600" dirty="0">
+              <a:solidFill>
+                <a:schemeClr val="bg1"/>
+              </a:solidFill>
+              <a:latin typeface="Catamaran"/>
+              <a:ea typeface="Catamaran"/>
+              <a:cs typeface="Catamaran"/>
+              <a:sym typeface="Catamaran"/>
+            </a:endParaRPr>
+          </a:p>
+        </p:txBody>
+      </p:sp>
     </p:spTree>
     <p:extLst>
       <p:ext uri="{BB962C8B-B14F-4D97-AF65-F5344CB8AC3E}">
-        <p14:creationId xmlns:p14="http://schemas.microsoft.com/office/powerpoint/2010/main" val="2415125095"/>
+        <p14:creationId xmlns:p14="http://schemas.microsoft.com/office/powerpoint/2010/main" val="1191438269"/>
       </p:ext>
     </p:extLst>
   </p:cSld>

--- a/TFG_AlejandroCarrion.pptx
+++ b/TFG_AlejandroCarrion.pptx
@@ -5,7 +5,7 @@
     <p:sldMasterId id="2147483658" r:id="rId1"/>
   </p:sldMasterIdLst>
   <p:notesMasterIdLst>
-    <p:notesMasterId r:id="rId37"/>
+    <p:notesMasterId r:id="rId30"/>
   </p:notesMasterIdLst>
   <p:sldIdLst>
     <p:sldId id="256" r:id="rId2"/>
@@ -19,50 +19,43 @@
     <p:sldId id="309" r:id="rId10"/>
     <p:sldId id="294" r:id="rId11"/>
     <p:sldId id="302" r:id="rId12"/>
-    <p:sldId id="303" r:id="rId13"/>
-    <p:sldId id="301" r:id="rId14"/>
-    <p:sldId id="300" r:id="rId15"/>
-    <p:sldId id="304" r:id="rId16"/>
-    <p:sldId id="295" r:id="rId17"/>
-    <p:sldId id="305" r:id="rId18"/>
-    <p:sldId id="296" r:id="rId19"/>
-    <p:sldId id="306" r:id="rId20"/>
-    <p:sldId id="314" r:id="rId21"/>
-    <p:sldId id="307" r:id="rId22"/>
-    <p:sldId id="315" r:id="rId23"/>
-    <p:sldId id="323" r:id="rId24"/>
-    <p:sldId id="324" r:id="rId25"/>
-    <p:sldId id="325" r:id="rId26"/>
-    <p:sldId id="326" r:id="rId27"/>
-    <p:sldId id="317" r:id="rId28"/>
-    <p:sldId id="316" r:id="rId29"/>
-    <p:sldId id="328" r:id="rId30"/>
-    <p:sldId id="297" r:id="rId31"/>
-    <p:sldId id="277" r:id="rId32"/>
-    <p:sldId id="298" r:id="rId33"/>
-    <p:sldId id="318" r:id="rId34"/>
-    <p:sldId id="320" r:id="rId35"/>
-    <p:sldId id="319" r:id="rId36"/>
+    <p:sldId id="301" r:id="rId13"/>
+    <p:sldId id="300" r:id="rId14"/>
+    <p:sldId id="304" r:id="rId15"/>
+    <p:sldId id="295" r:id="rId16"/>
+    <p:sldId id="305" r:id="rId17"/>
+    <p:sldId id="296" r:id="rId18"/>
+    <p:sldId id="306" r:id="rId19"/>
+    <p:sldId id="315" r:id="rId20"/>
+    <p:sldId id="326" r:id="rId21"/>
+    <p:sldId id="317" r:id="rId22"/>
+    <p:sldId id="328" r:id="rId23"/>
+    <p:sldId id="297" r:id="rId24"/>
+    <p:sldId id="277" r:id="rId25"/>
+    <p:sldId id="298" r:id="rId26"/>
+    <p:sldId id="318" r:id="rId27"/>
+    <p:sldId id="320" r:id="rId28"/>
+    <p:sldId id="319" r:id="rId29"/>
   </p:sldIdLst>
   <p:sldSz cx="9144000" cy="5143500" type="screen16x9"/>
   <p:notesSz cx="6858000" cy="9144000"/>
   <p:embeddedFontLst>
     <p:embeddedFont>
       <p:font typeface="Calibri" panose="020F0502020204030204" pitchFamily="34" charset="0"/>
-      <p:regular r:id="rId38"/>
-      <p:bold r:id="rId39"/>
-      <p:italic r:id="rId40"/>
-      <p:boldItalic r:id="rId41"/>
+      <p:regular r:id="rId31"/>
+      <p:bold r:id="rId32"/>
+      <p:italic r:id="rId33"/>
+      <p:boldItalic r:id="rId34"/>
     </p:embeddedFont>
     <p:embeddedFont>
       <p:font typeface="Catamaran" panose="020B0604020202020204" charset="0"/>
-      <p:regular r:id="rId42"/>
-      <p:bold r:id="rId43"/>
+      <p:regular r:id="rId35"/>
+      <p:bold r:id="rId36"/>
     </p:embeddedFont>
     <p:embeddedFont>
       <p:font typeface="Catamaran Thin" panose="020B0604020202020204" charset="0"/>
-      <p:regular r:id="rId44"/>
-      <p:bold r:id="rId45"/>
+      <p:regular r:id="rId37"/>
+      <p:bold r:id="rId38"/>
     </p:embeddedFont>
   </p:embeddedFontLst>
   <p:defaultTextStyle>
@@ -305,7 +298,7 @@
 <file path=ppt/revisionInfo.xml><?xml version="1.0" encoding="utf-8"?>
 <p1510:revInfo xmlns:a="http://schemas.openxmlformats.org/drawingml/2006/main" xmlns:r="http://schemas.openxmlformats.org/officeDocument/2006/relationships" xmlns:p1510="http://schemas.microsoft.com/office/powerpoint/2015/10/main">
   <p1510:revLst>
-    <p1510:client id="{ECF2C08A-1D63-4443-908D-B3C4743D2FCA}" v="92" dt="2021-09-04T09:48:34.240"/>
+    <p1510:client id="{ECF2C08A-1D63-4443-908D-B3C4743D2FCA}" v="94" dt="2021-09-06T14:07:19.559"/>
   </p1510:revLst>
 </p1510:revInfo>
 </file>
@@ -315,7 +308,7 @@
   <pc:docChgLst>
     <pc:chgData name="Alejandro Carrión" userId="757439b461449c9e" providerId="LiveId" clId="{ECF2C08A-1D63-4443-908D-B3C4743D2FCA}"/>
     <pc:docChg chg="undo redo custSel addSld delSld modSld sldOrd">
-      <pc:chgData name="Alejandro Carrión" userId="757439b461449c9e" providerId="LiveId" clId="{ECF2C08A-1D63-4443-908D-B3C4743D2FCA}" dt="2021-09-04T09:49:21.390" v="6142" actId="6559"/>
+      <pc:chgData name="Alejandro Carrión" userId="757439b461449c9e" providerId="LiveId" clId="{ECF2C08A-1D63-4443-908D-B3C4743D2FCA}" dt="2021-09-06T14:43:05.315" v="6838" actId="2710"/>
       <pc:docMkLst>
         <pc:docMk/>
       </pc:docMkLst>
@@ -721,7 +714,7 @@
         </pc:sldMkLst>
       </pc:sldChg>
       <pc:sldChg chg="modSp add del mod">
-        <pc:chgData name="Alejandro Carrión" userId="757439b461449c9e" providerId="LiveId" clId="{ECF2C08A-1D63-4443-908D-B3C4743D2FCA}" dt="2021-08-25T11:58:43.860" v="794" actId="20577"/>
+        <pc:chgData name="Alejandro Carrión" userId="757439b461449c9e" providerId="LiveId" clId="{ECF2C08A-1D63-4443-908D-B3C4743D2FCA}" dt="2021-09-05T18:50:40.110" v="6178" actId="14100"/>
         <pc:sldMkLst>
           <pc:docMk/>
           <pc:sldMk cId="3346505560" sldId="294"/>
@@ -735,7 +728,7 @@
           </ac:spMkLst>
         </pc:spChg>
         <pc:spChg chg="mod">
-          <ac:chgData name="Alejandro Carrión" userId="757439b461449c9e" providerId="LiveId" clId="{ECF2C08A-1D63-4443-908D-B3C4743D2FCA}" dt="2021-08-25T11:58:34.439" v="792" actId="20577"/>
+          <ac:chgData name="Alejandro Carrión" userId="757439b461449c9e" providerId="LiveId" clId="{ECF2C08A-1D63-4443-908D-B3C4743D2FCA}" dt="2021-09-05T18:50:40.110" v="6178" actId="14100"/>
           <ac:spMkLst>
             <pc:docMk/>
             <pc:sldMk cId="3346505560" sldId="294"/>
@@ -791,7 +784,7 @@
         </pc:spChg>
       </pc:sldChg>
       <pc:sldChg chg="modSp add mod">
-        <pc:chgData name="Alejandro Carrión" userId="757439b461449c9e" providerId="LiveId" clId="{ECF2C08A-1D63-4443-908D-B3C4743D2FCA}" dt="2021-08-25T12:02:15.353" v="990" actId="20577"/>
+        <pc:chgData name="Alejandro Carrión" userId="757439b461449c9e" providerId="LiveId" clId="{ECF2C08A-1D63-4443-908D-B3C4743D2FCA}" dt="2021-09-05T18:50:30.710" v="6177" actId="14100"/>
         <pc:sldMkLst>
           <pc:docMk/>
           <pc:sldMk cId="3606591171" sldId="296"/>
@@ -805,7 +798,7 @@
           </ac:spMkLst>
         </pc:spChg>
         <pc:spChg chg="mod">
-          <ac:chgData name="Alejandro Carrión" userId="757439b461449c9e" providerId="LiveId" clId="{ECF2C08A-1D63-4443-908D-B3C4743D2FCA}" dt="2021-08-25T12:02:15.353" v="990" actId="20577"/>
+          <ac:chgData name="Alejandro Carrión" userId="757439b461449c9e" providerId="LiveId" clId="{ECF2C08A-1D63-4443-908D-B3C4743D2FCA}" dt="2021-09-05T18:50:30.710" v="6177" actId="14100"/>
           <ac:spMkLst>
             <pc:docMk/>
             <pc:sldMk cId="3606591171" sldId="296"/>
@@ -1247,7 +1240,7 @@
         </pc:picChg>
       </pc:sldChg>
       <pc:sldChg chg="addSp delSp modSp new add del mod modClrScheme chgLayout">
-        <pc:chgData name="Alejandro Carrión" userId="757439b461449c9e" providerId="LiveId" clId="{ECF2C08A-1D63-4443-908D-B3C4743D2FCA}" dt="2021-08-30T19:03:27.038" v="2236" actId="20577"/>
+        <pc:chgData name="Alejandro Carrión" userId="757439b461449c9e" providerId="LiveId" clId="{ECF2C08A-1D63-4443-908D-B3C4743D2FCA}" dt="2021-09-06T14:03:17.565" v="6234" actId="20577"/>
         <pc:sldMkLst>
           <pc:docMk/>
           <pc:sldMk cId="2979789516" sldId="302"/>
@@ -1269,7 +1262,7 @@
           </ac:spMkLst>
         </pc:spChg>
         <pc:spChg chg="add mod ord">
-          <ac:chgData name="Alejandro Carrión" userId="757439b461449c9e" providerId="LiveId" clId="{ECF2C08A-1D63-4443-908D-B3C4743D2FCA}" dt="2021-08-30T19:03:27.038" v="2236" actId="20577"/>
+          <ac:chgData name="Alejandro Carrión" userId="757439b461449c9e" providerId="LiveId" clId="{ECF2C08A-1D63-4443-908D-B3C4743D2FCA}" dt="2021-09-06T14:03:17.565" v="6234" actId="20577"/>
           <ac:spMkLst>
             <pc:docMk/>
             <pc:sldMk cId="2979789516" sldId="302"/>
@@ -1349,7 +1342,7 @@
         </pc:picChg>
       </pc:sldChg>
       <pc:sldChg chg="addSp delSp modSp add del mod">
-        <pc:chgData name="Alejandro Carrión" userId="757439b461449c9e" providerId="LiveId" clId="{ECF2C08A-1D63-4443-908D-B3C4743D2FCA}" dt="2021-08-30T19:03:31.118" v="2241" actId="20577"/>
+        <pc:chgData name="Alejandro Carrión" userId="757439b461449c9e" providerId="LiveId" clId="{ECF2C08A-1D63-4443-908D-B3C4743D2FCA}" dt="2021-09-06T14:03:13.757" v="6233" actId="47"/>
         <pc:sldMkLst>
           <pc:docMk/>
           <pc:sldMk cId="600991643" sldId="303"/>
@@ -1550,7 +1543,7 @@
         </pc:picChg>
       </pc:sldChg>
       <pc:sldChg chg="addSp delSp modSp new add del mod modClrScheme chgLayout">
-        <pc:chgData name="Alejandro Carrión" userId="757439b461449c9e" providerId="LiveId" clId="{ECF2C08A-1D63-4443-908D-B3C4743D2FCA}" dt="2021-09-04T08:50:39.585" v="5759" actId="14100"/>
+        <pc:chgData name="Alejandro Carrión" userId="757439b461449c9e" providerId="LiveId" clId="{ECF2C08A-1D63-4443-908D-B3C4743D2FCA}" dt="2021-09-05T18:39:24.846" v="6159" actId="1076"/>
         <pc:sldMkLst>
           <pc:docMk/>
           <pc:sldMk cId="695939527" sldId="305"/>
@@ -1612,7 +1605,7 @@
           </ac:picMkLst>
         </pc:picChg>
         <pc:picChg chg="mod">
-          <ac:chgData name="Alejandro Carrión" userId="757439b461449c9e" providerId="LiveId" clId="{ECF2C08A-1D63-4443-908D-B3C4743D2FCA}" dt="2021-08-30T18:19:10.373" v="1799" actId="1076"/>
+          <ac:chgData name="Alejandro Carrión" userId="757439b461449c9e" providerId="LiveId" clId="{ECF2C08A-1D63-4443-908D-B3C4743D2FCA}" dt="2021-09-05T18:39:24.846" v="6159" actId="1076"/>
           <ac:picMkLst>
             <pc:docMk/>
             <pc:sldMk cId="695939527" sldId="305"/>
@@ -1732,7 +1725,7 @@
           </ac:picMkLst>
         </pc:picChg>
         <pc:picChg chg="mod modCrop">
-          <ac:chgData name="Alejandro Carrión" userId="757439b461449c9e" providerId="LiveId" clId="{ECF2C08A-1D63-4443-908D-B3C4743D2FCA}" dt="2021-08-30T18:17:45.845" v="1794" actId="1076"/>
+          <ac:chgData name="Alejandro Carrión" userId="757439b461449c9e" providerId="LiveId" clId="{ECF2C08A-1D63-4443-908D-B3C4743D2FCA}" dt="2021-09-05T18:39:22.246" v="6157" actId="1076"/>
           <ac:picMkLst>
             <pc:docMk/>
             <pc:sldMk cId="695939527" sldId="305"/>
@@ -1748,7 +1741,7 @@
           </ac:picMkLst>
         </pc:picChg>
         <pc:picChg chg="mod">
-          <ac:chgData name="Alejandro Carrión" userId="757439b461449c9e" providerId="LiveId" clId="{ECF2C08A-1D63-4443-908D-B3C4743D2FCA}" dt="2021-08-30T18:19:16.285" v="1802" actId="14100"/>
+          <ac:chgData name="Alejandro Carrión" userId="757439b461449c9e" providerId="LiveId" clId="{ECF2C08A-1D63-4443-908D-B3C4743D2FCA}" dt="2021-09-05T18:39:23.718" v="6158" actId="1076"/>
           <ac:picMkLst>
             <pc:docMk/>
             <pc:sldMk cId="695939527" sldId="305"/>
@@ -1997,7 +1990,7 @@
         </pc:picChg>
       </pc:sldChg>
       <pc:sldChg chg="addSp delSp modSp new mod modClrScheme chgLayout">
-        <pc:chgData name="Alejandro Carrión" userId="757439b461449c9e" providerId="LiveId" clId="{ECF2C08A-1D63-4443-908D-B3C4743D2FCA}" dt="2021-08-31T17:44:45.106" v="3292" actId="113"/>
+        <pc:chgData name="Alejandro Carrión" userId="757439b461449c9e" providerId="LiveId" clId="{ECF2C08A-1D63-4443-908D-B3C4743D2FCA}" dt="2021-09-06T14:03:01.634" v="6232" actId="20577"/>
         <pc:sldMkLst>
           <pc:docMk/>
           <pc:sldMk cId="3387673270" sldId="306"/>
@@ -2019,7 +2012,7 @@
           </ac:spMkLst>
         </pc:spChg>
         <pc:spChg chg="add mod ord">
-          <ac:chgData name="Alejandro Carrión" userId="757439b461449c9e" providerId="LiveId" clId="{ECF2C08A-1D63-4443-908D-B3C4743D2FCA}" dt="2021-08-31T17:44:45.106" v="3292" actId="113"/>
+          <ac:chgData name="Alejandro Carrión" userId="757439b461449c9e" providerId="LiveId" clId="{ECF2C08A-1D63-4443-908D-B3C4743D2FCA}" dt="2021-09-06T14:03:01.634" v="6232" actId="20577"/>
           <ac:spMkLst>
             <pc:docMk/>
             <pc:sldMk cId="3387673270" sldId="306"/>
@@ -2051,8 +2044,8 @@
           </ac:picMkLst>
         </pc:picChg>
       </pc:sldChg>
-      <pc:sldChg chg="addSp delSp modSp add mod">
-        <pc:chgData name="Alejandro Carrión" userId="757439b461449c9e" providerId="LiveId" clId="{ECF2C08A-1D63-4443-908D-B3C4743D2FCA}" dt="2021-08-31T17:30:24.264" v="2856" actId="1076"/>
+      <pc:sldChg chg="addSp delSp modSp add del mod">
+        <pc:chgData name="Alejandro Carrión" userId="757439b461449c9e" providerId="LiveId" clId="{ECF2C08A-1D63-4443-908D-B3C4743D2FCA}" dt="2021-09-05T18:50:23.180" v="6175" actId="47"/>
         <pc:sldMkLst>
           <pc:docMk/>
           <pc:sldMk cId="2644552776" sldId="307"/>
@@ -2223,7 +2216,7 @@
         </pc:picChg>
       </pc:sldChg>
       <pc:sldChg chg="addSp delSp modSp add mod">
-        <pc:chgData name="Alejandro Carrión" userId="757439b461449c9e" providerId="LiveId" clId="{ECF2C08A-1D63-4443-908D-B3C4743D2FCA}" dt="2021-09-04T08:49:19.202" v="5747" actId="2710"/>
+        <pc:chgData name="Alejandro Carrión" userId="757439b461449c9e" providerId="LiveId" clId="{ECF2C08A-1D63-4443-908D-B3C4743D2FCA}" dt="2021-09-06T14:43:05.315" v="6838" actId="2710"/>
         <pc:sldMkLst>
           <pc:docMk/>
           <pc:sldMk cId="1817353308" sldId="309"/>
@@ -2237,7 +2230,7 @@
           </ac:spMkLst>
         </pc:spChg>
         <pc:spChg chg="mod">
-          <ac:chgData name="Alejandro Carrión" userId="757439b461449c9e" providerId="LiveId" clId="{ECF2C08A-1D63-4443-908D-B3C4743D2FCA}" dt="2021-09-04T08:49:19.202" v="5747" actId="2710"/>
+          <ac:chgData name="Alejandro Carrión" userId="757439b461449c9e" providerId="LiveId" clId="{ECF2C08A-1D63-4443-908D-B3C4743D2FCA}" dt="2021-09-06T14:43:05.315" v="6838" actId="2710"/>
           <ac:spMkLst>
             <pc:docMk/>
             <pc:sldMk cId="1817353308" sldId="309"/>
@@ -2308,13 +2301,13 @@
         </pc:spChg>
       </pc:sldChg>
       <pc:sldChg chg="addSp delSp modSp add mod chgLayout">
-        <pc:chgData name="Alejandro Carrión" userId="757439b461449c9e" providerId="LiveId" clId="{ECF2C08A-1D63-4443-908D-B3C4743D2FCA}" dt="2021-08-30T19:36:10.692" v="2822" actId="2710"/>
+        <pc:chgData name="Alejandro Carrión" userId="757439b461449c9e" providerId="LiveId" clId="{ECF2C08A-1D63-4443-908D-B3C4743D2FCA}" dt="2021-09-06T14:42:43.463" v="6834" actId="20577"/>
         <pc:sldMkLst>
           <pc:docMk/>
           <pc:sldMk cId="4270167003" sldId="312"/>
         </pc:sldMkLst>
         <pc:spChg chg="add mod ord">
-          <ac:chgData name="Alejandro Carrión" userId="757439b461449c9e" providerId="LiveId" clId="{ECF2C08A-1D63-4443-908D-B3C4743D2FCA}" dt="2021-08-30T19:36:10.692" v="2822" actId="2710"/>
+          <ac:chgData name="Alejandro Carrión" userId="757439b461449c9e" providerId="LiveId" clId="{ECF2C08A-1D63-4443-908D-B3C4743D2FCA}" dt="2021-09-06T14:42:43.463" v="6834" actId="20577"/>
           <ac:spMkLst>
             <pc:docMk/>
             <pc:sldMk cId="4270167003" sldId="312"/>
@@ -2385,14 +2378,14 @@
           </ac:picMkLst>
         </pc:picChg>
       </pc:sldChg>
-      <pc:sldChg chg="addSp delSp modSp add mod ord chgLayout">
-        <pc:chgData name="Alejandro Carrión" userId="757439b461449c9e" providerId="LiveId" clId="{ECF2C08A-1D63-4443-908D-B3C4743D2FCA}" dt="2021-09-04T08:51:06.534" v="5765" actId="6549"/>
+      <pc:sldChg chg="addSp delSp modSp add del mod ord chgLayout">
+        <pc:chgData name="Alejandro Carrión" userId="757439b461449c9e" providerId="LiveId" clId="{ECF2C08A-1D63-4443-908D-B3C4743D2FCA}" dt="2021-09-06T14:02:57.329" v="6226" actId="47"/>
         <pc:sldMkLst>
           <pc:docMk/>
           <pc:sldMk cId="805546150" sldId="314"/>
         </pc:sldMkLst>
         <pc:spChg chg="add del mod ord">
-          <ac:chgData name="Alejandro Carrión" userId="757439b461449c9e" providerId="LiveId" clId="{ECF2C08A-1D63-4443-908D-B3C4743D2FCA}" dt="2021-09-04T08:51:06.534" v="5765" actId="6549"/>
+          <ac:chgData name="Alejandro Carrión" userId="757439b461449c9e" providerId="LiveId" clId="{ECF2C08A-1D63-4443-908D-B3C4743D2FCA}" dt="2021-09-05T18:43:24.158" v="6173" actId="1076"/>
           <ac:spMkLst>
             <pc:docMk/>
             <pc:sldMk cId="805546150" sldId="314"/>
@@ -2416,7 +2409,7 @@
           </ac:spMkLst>
         </pc:spChg>
         <pc:spChg chg="add mod">
-          <ac:chgData name="Alejandro Carrión" userId="757439b461449c9e" providerId="LiveId" clId="{ECF2C08A-1D63-4443-908D-B3C4743D2FCA}" dt="2021-09-04T08:51:05.002" v="5764" actId="20577"/>
+          <ac:chgData name="Alejandro Carrión" userId="757439b461449c9e" providerId="LiveId" clId="{ECF2C08A-1D63-4443-908D-B3C4743D2FCA}" dt="2021-09-05T18:45:34.317" v="6174" actId="20577"/>
           <ac:spMkLst>
             <pc:docMk/>
             <pc:sldMk cId="805546150" sldId="314"/>
@@ -2440,14 +2433,14 @@
           </ac:picMkLst>
         </pc:picChg>
       </pc:sldChg>
-      <pc:sldChg chg="modSp add mod">
-        <pc:chgData name="Alejandro Carrión" userId="757439b461449c9e" providerId="LiveId" clId="{ECF2C08A-1D63-4443-908D-B3C4743D2FCA}" dt="2021-09-02T18:51:53.232" v="5062" actId="14100"/>
+      <pc:sldChg chg="addSp delSp modSp add mod modNotesTx">
+        <pc:chgData name="Alejandro Carrión" userId="757439b461449c9e" providerId="LiveId" clId="{ECF2C08A-1D63-4443-908D-B3C4743D2FCA}" dt="2021-09-06T14:14:33.855" v="6787" actId="20577"/>
         <pc:sldMkLst>
           <pc:docMk/>
           <pc:sldMk cId="468109639" sldId="315"/>
         </pc:sldMkLst>
-        <pc:spChg chg="mod">
-          <ac:chgData name="Alejandro Carrión" userId="757439b461449c9e" providerId="LiveId" clId="{ECF2C08A-1D63-4443-908D-B3C4743D2FCA}" dt="2021-09-02T18:51:53.232" v="5062" actId="14100"/>
+        <pc:spChg chg="del mod">
+          <ac:chgData name="Alejandro Carrión" userId="757439b461449c9e" providerId="LiveId" clId="{ECF2C08A-1D63-4443-908D-B3C4743D2FCA}" dt="2021-09-06T14:04:02.933" v="6237" actId="478"/>
           <ac:spMkLst>
             <pc:docMk/>
             <pc:sldMk cId="468109639" sldId="315"/>
@@ -2455,22 +2448,86 @@
           </ac:spMkLst>
         </pc:spChg>
         <pc:spChg chg="mod">
-          <ac:chgData name="Alejandro Carrión" userId="757439b461449c9e" providerId="LiveId" clId="{ECF2C08A-1D63-4443-908D-B3C4743D2FCA}" dt="2021-08-31T18:43:48.529" v="4944" actId="20577"/>
+          <ac:chgData name="Alejandro Carrión" userId="757439b461449c9e" providerId="LiveId" clId="{ECF2C08A-1D63-4443-908D-B3C4743D2FCA}" dt="2021-09-06T14:14:33.855" v="6787" actId="20577"/>
           <ac:spMkLst>
             <pc:docMk/>
             <pc:sldMk cId="468109639" sldId="315"/>
             <ac:spMk id="4" creationId="{BF52B7DE-5887-4E0E-A1E2-39957FD5F9FF}"/>
           </ac:spMkLst>
         </pc:spChg>
+        <pc:spChg chg="add del mod">
+          <ac:chgData name="Alejandro Carrión" userId="757439b461449c9e" providerId="LiveId" clId="{ECF2C08A-1D63-4443-908D-B3C4743D2FCA}" dt="2021-09-06T14:04:04.604" v="6238" actId="478"/>
+          <ac:spMkLst>
+            <pc:docMk/>
+            <pc:sldMk cId="468109639" sldId="315"/>
+            <ac:spMk id="5" creationId="{D2370A8A-AFCF-4A1E-8B5A-E8792EBB745C}"/>
+          </ac:spMkLst>
+        </pc:spChg>
+        <pc:spChg chg="del mod">
+          <ac:chgData name="Alejandro Carrión" userId="757439b461449c9e" providerId="LiveId" clId="{ECF2C08A-1D63-4443-908D-B3C4743D2FCA}" dt="2021-09-06T14:07:24.837" v="6242" actId="478"/>
+          <ac:spMkLst>
+            <pc:docMk/>
+            <pc:sldMk cId="468109639" sldId="315"/>
+            <ac:spMk id="8" creationId="{1A09089E-85A5-4781-8F50-D341E0DF263A}"/>
+          </ac:spMkLst>
+        </pc:spChg>
+        <pc:spChg chg="del mod">
+          <ac:chgData name="Alejandro Carrión" userId="757439b461449c9e" providerId="LiveId" clId="{ECF2C08A-1D63-4443-908D-B3C4743D2FCA}" dt="2021-09-06T14:07:23.167" v="6241" actId="478"/>
+          <ac:spMkLst>
+            <pc:docMk/>
+            <pc:sldMk cId="468109639" sldId="315"/>
+            <ac:spMk id="9" creationId="{836ACD19-A70D-4B30-A07E-B17BA2AB6430}"/>
+          </ac:spMkLst>
+        </pc:spChg>
+        <pc:spChg chg="mod">
+          <ac:chgData name="Alejandro Carrión" userId="757439b461449c9e" providerId="LiveId" clId="{ECF2C08A-1D63-4443-908D-B3C4743D2FCA}" dt="2021-09-06T14:10:39.755" v="6431" actId="113"/>
+          <ac:spMkLst>
+            <pc:docMk/>
+            <pc:sldMk cId="468109639" sldId="315"/>
+            <ac:spMk id="10" creationId="{17F18561-7CD7-46AC-8603-957F20E63513}"/>
+          </ac:spMkLst>
+        </pc:spChg>
+        <pc:spChg chg="mod">
+          <ac:chgData name="Alejandro Carrión" userId="757439b461449c9e" providerId="LiveId" clId="{ECF2C08A-1D63-4443-908D-B3C4743D2FCA}" dt="2021-09-06T14:10:35.811" v="6430" actId="113"/>
+          <ac:spMkLst>
+            <pc:docMk/>
+            <pc:sldMk cId="468109639" sldId="315"/>
+            <ac:spMk id="11" creationId="{E0EDFFF9-A3AE-45F6-856E-7AFA922E6851}"/>
+          </ac:spMkLst>
+        </pc:spChg>
+        <pc:spChg chg="mod">
+          <ac:chgData name="Alejandro Carrión" userId="757439b461449c9e" providerId="LiveId" clId="{ECF2C08A-1D63-4443-908D-B3C4743D2FCA}" dt="2021-09-06T14:10:46.041" v="6433" actId="113"/>
+          <ac:spMkLst>
+            <pc:docMk/>
+            <pc:sldMk cId="468109639" sldId="315"/>
+            <ac:spMk id="12" creationId="{46E8FB97-98E9-4191-B288-EB1636D2F31E}"/>
+          </ac:spMkLst>
+        </pc:spChg>
+        <pc:spChg chg="mod">
+          <ac:chgData name="Alejandro Carrión" userId="757439b461449c9e" providerId="LiveId" clId="{ECF2C08A-1D63-4443-908D-B3C4743D2FCA}" dt="2021-09-06T14:10:54.168" v="6434" actId="404"/>
+          <ac:spMkLst>
+            <pc:docMk/>
+            <pc:sldMk cId="468109639" sldId="315"/>
+            <ac:spMk id="13" creationId="{9D83F03B-6DD9-452E-AE56-27F0A11C00E7}"/>
+          </ac:spMkLst>
+        </pc:spChg>
+        <pc:grpChg chg="add mod">
+          <ac:chgData name="Alejandro Carrión" userId="757439b461449c9e" providerId="LiveId" clId="{ECF2C08A-1D63-4443-908D-B3C4743D2FCA}" dt="2021-09-06T14:14:14.318" v="6754" actId="1076"/>
+          <ac:grpSpMkLst>
+            <pc:docMk/>
+            <pc:sldMk cId="468109639" sldId="315"/>
+            <ac:grpSpMk id="7" creationId="{586F8647-DE91-4CD5-9CCF-490EC5C855AC}"/>
+          </ac:grpSpMkLst>
+        </pc:grpChg>
       </pc:sldChg>
-      <pc:sldChg chg="addSp modSp add mod">
-        <pc:chgData name="Alejandro Carrión" userId="757439b461449c9e" providerId="LiveId" clId="{ECF2C08A-1D63-4443-908D-B3C4743D2FCA}" dt="2021-09-04T09:00:52.209" v="5788" actId="20577"/>
+      <pc:sldChg chg="addSp modSp add del mod">
+        <pc:chgData name="Alejandro Carrión" userId="757439b461449c9e" providerId="LiveId" clId="{ECF2C08A-1D63-4443-908D-B3C4743D2FCA}" dt="2021-09-06T14:40:22.192" v="6830" actId="47"/>
         <pc:sldMkLst>
           <pc:docMk/>
           <pc:sldMk cId="159887170" sldId="316"/>
         </pc:sldMkLst>
         <pc:spChg chg="mod">
-          <ac:chgData name="Alejandro Carrión" userId="757439b461449c9e" providerId="LiveId" clId="{ECF2C08A-1D63-4443-908D-B3C4743D2FCA}" dt="2021-09-04T09:00:37.912" v="5786" actId="14100"/>
+          <ac:chgData name="Alejandro Carrión" userId="757439b461449c9e" providerId="LiveId" clId="{ECF2C08A-1D63-4443-908D-B3C4743D2FCA}" dt="2021-09-06T14:19:24.748" v="6829" actId="114"/>
           <ac:spMkLst>
             <pc:docMk/>
             <pc:sldMk cId="159887170" sldId="316"/>
@@ -2526,13 +2583,13 @@
         </pc:picChg>
       </pc:sldChg>
       <pc:sldChg chg="modSp add mod ord">
-        <pc:chgData name="Alejandro Carrión" userId="757439b461449c9e" providerId="LiveId" clId="{ECF2C08A-1D63-4443-908D-B3C4743D2FCA}" dt="2021-09-04T08:54:41.415" v="5780" actId="2710"/>
+        <pc:chgData name="Alejandro Carrión" userId="757439b461449c9e" providerId="LiveId" clId="{ECF2C08A-1D63-4443-908D-B3C4743D2FCA}" dt="2021-09-06T14:16:53.754" v="6794" actId="2710"/>
         <pc:sldMkLst>
           <pc:docMk/>
           <pc:sldMk cId="1083794317" sldId="318"/>
         </pc:sldMkLst>
         <pc:spChg chg="mod">
-          <ac:chgData name="Alejandro Carrión" userId="757439b461449c9e" providerId="LiveId" clId="{ECF2C08A-1D63-4443-908D-B3C4743D2FCA}" dt="2021-09-04T08:54:41.415" v="5780" actId="2710"/>
+          <ac:chgData name="Alejandro Carrión" userId="757439b461449c9e" providerId="LiveId" clId="{ECF2C08A-1D63-4443-908D-B3C4743D2FCA}" dt="2021-09-06T14:16:53.754" v="6794" actId="2710"/>
           <ac:spMkLst>
             <pc:docMk/>
             <pc:sldMk cId="1083794317" sldId="318"/>
@@ -2672,14 +2729,14 @@
           </ac:spMkLst>
         </pc:spChg>
       </pc:sldChg>
-      <pc:sldChg chg="modSp add mod">
-        <pc:chgData name="Alejandro Carrión" userId="757439b461449c9e" providerId="LiveId" clId="{ECF2C08A-1D63-4443-908D-B3C4743D2FCA}" dt="2021-09-02T18:55:23.721" v="5266" actId="20577"/>
+      <pc:sldChg chg="modSp add del mod">
+        <pc:chgData name="Alejandro Carrión" userId="757439b461449c9e" providerId="LiveId" clId="{ECF2C08A-1D63-4443-908D-B3C4743D2FCA}" dt="2021-09-06T14:13:31.653" v="6751" actId="47"/>
         <pc:sldMkLst>
           <pc:docMk/>
           <pc:sldMk cId="637205855" sldId="323"/>
         </pc:sldMkLst>
         <pc:spChg chg="mod">
-          <ac:chgData name="Alejandro Carrión" userId="757439b461449c9e" providerId="LiveId" clId="{ECF2C08A-1D63-4443-908D-B3C4743D2FCA}" dt="2021-09-02T18:55:23.721" v="5266" actId="20577"/>
+          <ac:chgData name="Alejandro Carrión" userId="757439b461449c9e" providerId="LiveId" clId="{ECF2C08A-1D63-4443-908D-B3C4743D2FCA}" dt="2021-09-05T18:52:04.958" v="6182" actId="1076"/>
           <ac:spMkLst>
             <pc:docMk/>
             <pc:sldMk cId="637205855" sldId="323"/>
@@ -2695,14 +2752,14 @@
           </ac:spMkLst>
         </pc:spChg>
       </pc:sldChg>
-      <pc:sldChg chg="modSp add mod">
-        <pc:chgData name="Alejandro Carrión" userId="757439b461449c9e" providerId="LiveId" clId="{ECF2C08A-1D63-4443-908D-B3C4743D2FCA}" dt="2021-09-04T08:55:48.283" v="5782" actId="2710"/>
+      <pc:sldChg chg="modSp add del mod">
+        <pc:chgData name="Alejandro Carrión" userId="757439b461449c9e" providerId="LiveId" clId="{ECF2C08A-1D63-4443-908D-B3C4743D2FCA}" dt="2021-09-06T14:13:39.674" v="6752" actId="47"/>
         <pc:sldMkLst>
           <pc:docMk/>
           <pc:sldMk cId="1460749720" sldId="324"/>
         </pc:sldMkLst>
         <pc:spChg chg="mod">
-          <ac:chgData name="Alejandro Carrión" userId="757439b461449c9e" providerId="LiveId" clId="{ECF2C08A-1D63-4443-908D-B3C4743D2FCA}" dt="2021-09-04T08:55:48.283" v="5782" actId="2710"/>
+          <ac:chgData name="Alejandro Carrión" userId="757439b461449c9e" providerId="LiveId" clId="{ECF2C08A-1D63-4443-908D-B3C4743D2FCA}" dt="2021-09-05T18:53:18.572" v="6185" actId="2710"/>
           <ac:spMkLst>
             <pc:docMk/>
             <pc:sldMk cId="1460749720" sldId="324"/>
@@ -2718,14 +2775,14 @@
           </ac:spMkLst>
         </pc:spChg>
       </pc:sldChg>
-      <pc:sldChg chg="modSp add mod">
-        <pc:chgData name="Alejandro Carrión" userId="757439b461449c9e" providerId="LiveId" clId="{ECF2C08A-1D63-4443-908D-B3C4743D2FCA}" dt="2021-09-02T19:02:37.303" v="5688" actId="2710"/>
+      <pc:sldChg chg="modSp add del mod">
+        <pc:chgData name="Alejandro Carrión" userId="757439b461449c9e" providerId="LiveId" clId="{ECF2C08A-1D63-4443-908D-B3C4743D2FCA}" dt="2021-09-06T14:13:54.300" v="6753" actId="47"/>
         <pc:sldMkLst>
           <pc:docMk/>
           <pc:sldMk cId="261057793" sldId="325"/>
         </pc:sldMkLst>
         <pc:spChg chg="mod">
-          <ac:chgData name="Alejandro Carrión" userId="757439b461449c9e" providerId="LiveId" clId="{ECF2C08A-1D63-4443-908D-B3C4743D2FCA}" dt="2021-09-02T19:02:37.303" v="5688" actId="2710"/>
+          <ac:chgData name="Alejandro Carrión" userId="757439b461449c9e" providerId="LiveId" clId="{ECF2C08A-1D63-4443-908D-B3C4743D2FCA}" dt="2021-09-05T18:56:05.629" v="6187" actId="20577"/>
           <ac:spMkLst>
             <pc:docMk/>
             <pc:sldMk cId="261057793" sldId="325"/>
@@ -2742,7 +2799,7 @@
         </pc:spChg>
       </pc:sldChg>
       <pc:sldChg chg="addSp delSp modSp add mod">
-        <pc:chgData name="Alejandro Carrión" userId="757439b461449c9e" providerId="LiveId" clId="{ECF2C08A-1D63-4443-908D-B3C4743D2FCA}" dt="2021-09-02T18:48:36.181" v="5018" actId="14100"/>
+        <pc:chgData name="Alejandro Carrión" userId="757439b461449c9e" providerId="LiveId" clId="{ECF2C08A-1D63-4443-908D-B3C4743D2FCA}" dt="2021-09-06T14:14:56.814" v="6791" actId="20577"/>
         <pc:sldMkLst>
           <pc:docMk/>
           <pc:sldMk cId="2446058371" sldId="326"/>
@@ -2756,7 +2813,7 @@
           </ac:spMkLst>
         </pc:spChg>
         <pc:spChg chg="mod">
-          <ac:chgData name="Alejandro Carrión" userId="757439b461449c9e" providerId="LiveId" clId="{ECF2C08A-1D63-4443-908D-B3C4743D2FCA}" dt="2021-09-02T18:48:36.181" v="5018" actId="14100"/>
+          <ac:chgData name="Alejandro Carrión" userId="757439b461449c9e" providerId="LiveId" clId="{ECF2C08A-1D63-4443-908D-B3C4743D2FCA}" dt="2021-09-06T14:14:56.814" v="6791" actId="20577"/>
           <ac:spMkLst>
             <pc:docMk/>
             <pc:sldMk cId="2446058371" sldId="326"/>
@@ -3124,11 +3181,19 @@
         </pc:cxnChg>
       </pc:sldChg>
       <pc:sldChg chg="addSp delSp modSp add mod">
-        <pc:chgData name="Alejandro Carrión" userId="757439b461449c9e" providerId="LiveId" clId="{ECF2C08A-1D63-4443-908D-B3C4743D2FCA}" dt="2021-09-04T09:49:21.390" v="6142" actId="6559"/>
+        <pc:chgData name="Alejandro Carrión" userId="757439b461449c9e" providerId="LiveId" clId="{ECF2C08A-1D63-4443-908D-B3C4743D2FCA}" dt="2021-09-06T14:40:28.973" v="6833" actId="20577"/>
         <pc:sldMkLst>
           <pc:docMk/>
           <pc:sldMk cId="1191438269" sldId="328"/>
         </pc:sldMkLst>
+        <pc:spChg chg="mod">
+          <ac:chgData name="Alejandro Carrión" userId="757439b461449c9e" providerId="LiveId" clId="{ECF2C08A-1D63-4443-908D-B3C4743D2FCA}" dt="2021-09-06T14:40:28.973" v="6833" actId="20577"/>
+          <ac:spMkLst>
+            <pc:docMk/>
+            <pc:sldMk cId="1191438269" sldId="328"/>
+            <ac:spMk id="4" creationId="{BF52B7DE-5887-4E0E-A1E2-39957FD5F9FF}"/>
+          </ac:spMkLst>
+        </pc:spChg>
         <pc:spChg chg="mod">
           <ac:chgData name="Alejandro Carrión" userId="757439b461449c9e" providerId="LiveId" clId="{ECF2C08A-1D63-4443-908D-B3C4743D2FCA}" dt="2021-09-04T09:48:03.634" v="6102" actId="1076"/>
           <ac:spMkLst>
@@ -3377,6 +3442,13 @@
             <ac:cxnSpMk id="40" creationId="{1EF72E91-FFFC-4463-A7BC-454EB58E8872}"/>
           </ac:cxnSpMkLst>
         </pc:cxnChg>
+      </pc:sldChg>
+      <pc:sldChg chg="add del">
+        <pc:chgData name="Alejandro Carrión" userId="757439b461449c9e" providerId="LiveId" clId="{ECF2C08A-1D63-4443-908D-B3C4743D2FCA}" dt="2021-09-06T14:11:08.327" v="6435" actId="47"/>
+        <pc:sldMkLst>
+          <pc:docMk/>
+          <pc:sldMk cId="2012193475" sldId="329"/>
+        </pc:sldMkLst>
       </pc:sldChg>
       <pc:sldMasterChg chg="delSldLayout">
         <pc:chgData name="Alejandro Carrión" userId="757439b461449c9e" providerId="LiveId" clId="{ECF2C08A-1D63-4443-908D-B3C4743D2FCA}" dt="2021-09-02T19:03:58.817" v="5691" actId="47"/>
@@ -4897,72 +4969,6 @@
 </file>
 
 <file path=ppt/notesSlides/notesSlide6.xml><?xml version="1.0" encoding="utf-8"?>
-<p:notes xmlns:a="http://schemas.openxmlformats.org/drawingml/2006/main" xmlns:r="http://schemas.openxmlformats.org/officeDocument/2006/relationships" xmlns:p="http://schemas.openxmlformats.org/presentationml/2006/main">
-  <p:cSld>
-    <p:spTree>
-      <p:nvGrpSpPr>
-        <p:cNvPr id="1" name=""/>
-        <p:cNvGrpSpPr/>
-        <p:nvPr/>
-      </p:nvGrpSpPr>
-      <p:grpSpPr>
-        <a:xfrm>
-          <a:off x="0" y="0"/>
-          <a:ext cx="0" cy="0"/>
-          <a:chOff x="0" y="0"/>
-          <a:chExt cx="0" cy="0"/>
-        </a:xfrm>
-      </p:grpSpPr>
-      <p:sp>
-        <p:nvSpPr>
-          <p:cNvPr id="2" name="Marcador de imagen de diapositiva 1"/>
-          <p:cNvSpPr>
-            <a:spLocks noGrp="1" noRot="1" noChangeAspect="1"/>
-          </p:cNvSpPr>
-          <p:nvPr>
-            <p:ph type="sldImg"/>
-          </p:nvPr>
-        </p:nvSpPr>
-        <p:spPr>
-          <a:xfrm>
-            <a:off x="381000" y="685800"/>
-            <a:ext cx="6096000" cy="3429000"/>
-          </a:xfrm>
-        </p:spPr>
-      </p:sp>
-      <p:sp>
-        <p:nvSpPr>
-          <p:cNvPr id="3" name="Marcador de notas 2"/>
-          <p:cNvSpPr>
-            <a:spLocks noGrp="1"/>
-          </p:cNvSpPr>
-          <p:nvPr>
-            <p:ph type="body" idx="1"/>
-          </p:nvPr>
-        </p:nvSpPr>
-        <p:spPr/>
-        <p:txBody>
-          <a:bodyPr/>
-          <a:lstStyle/>
-          <a:p>
-            <a:endParaRPr lang="es-ES" dirty="0"/>
-          </a:p>
-        </p:txBody>
-      </p:sp>
-    </p:spTree>
-    <p:extLst>
-      <p:ext uri="{BB962C8B-B14F-4D97-AF65-F5344CB8AC3E}">
-        <p14:creationId xmlns:p14="http://schemas.microsoft.com/office/powerpoint/2010/main" val="205086532"/>
-      </p:ext>
-    </p:extLst>
-  </p:cSld>
-  <p:clrMapOvr>
-    <a:masterClrMapping/>
-  </p:clrMapOvr>
-</p:notes>
-</file>
-
-<file path=ppt/notesSlides/notesSlide7.xml><?xml version="1.0" encoding="utf-8"?>
 <p:notes xmlns:a="http://schemas.openxmlformats.org/drawingml/2006/main" xmlns:r="http://schemas.openxmlformats.org/officeDocument/2006/relationships" xmlns:p="http://schemas.openxmlformats.org/presentationml/2006/main" showMasterSp="0" showMasterPhAnim="0">
   <p:cSld>
     <p:spTree>
@@ -5062,6 +5068,115 @@
     <p:extLst>
       <p:ext uri="{BB962C8B-B14F-4D97-AF65-F5344CB8AC3E}">
         <p14:creationId xmlns:p14="http://schemas.microsoft.com/office/powerpoint/2010/main" val="3514015849"/>
+      </p:ext>
+    </p:extLst>
+  </p:cSld>
+  <p:clrMapOvr>
+    <a:masterClrMapping/>
+  </p:clrMapOvr>
+</p:notes>
+</file>
+
+<file path=ppt/notesSlides/notesSlide7.xml><?xml version="1.0" encoding="utf-8"?>
+<p:notes xmlns:a="http://schemas.openxmlformats.org/drawingml/2006/main" xmlns:r="http://schemas.openxmlformats.org/officeDocument/2006/relationships" xmlns:p="http://schemas.openxmlformats.org/presentationml/2006/main" showMasterSp="0" showMasterPhAnim="0">
+  <p:cSld>
+    <p:spTree>
+      <p:nvGrpSpPr>
+        <p:cNvPr id="1" name="Shape 222"/>
+        <p:cNvGrpSpPr/>
+        <p:nvPr/>
+      </p:nvGrpSpPr>
+      <p:grpSpPr>
+        <a:xfrm>
+          <a:off x="0" y="0"/>
+          <a:ext cx="0" cy="0"/>
+          <a:chOff x="0" y="0"/>
+          <a:chExt cx="0" cy="0"/>
+        </a:xfrm>
+      </p:grpSpPr>
+      <p:sp>
+        <p:nvSpPr>
+          <p:cNvPr id="223" name="Google Shape;223;g35f391192_029:notes"/>
+          <p:cNvSpPr>
+            <a:spLocks noGrp="1" noRot="1" noChangeAspect="1"/>
+          </p:cNvSpPr>
+          <p:nvPr>
+            <p:ph type="sldImg" idx="2"/>
+          </p:nvPr>
+        </p:nvSpPr>
+        <p:spPr>
+          <a:xfrm>
+            <a:off x="381000" y="685800"/>
+            <a:ext cx="6096000" cy="3429000"/>
+          </a:xfrm>
+          <a:custGeom>
+            <a:avLst/>
+            <a:gdLst/>
+            <a:ahLst/>
+            <a:cxnLst/>
+            <a:rect l="l" t="t" r="r" b="b"/>
+            <a:pathLst>
+              <a:path w="120000" h="120000" extrusionOk="0">
+                <a:moveTo>
+                  <a:pt x="0" y="0"/>
+                </a:moveTo>
+                <a:lnTo>
+                  <a:pt x="120000" y="0"/>
+                </a:lnTo>
+                <a:lnTo>
+                  <a:pt x="120000" y="120000"/>
+                </a:lnTo>
+                <a:lnTo>
+                  <a:pt x="0" y="120000"/>
+                </a:lnTo>
+                <a:close/>
+              </a:path>
+            </a:pathLst>
+          </a:custGeom>
+        </p:spPr>
+      </p:sp>
+      <p:sp>
+        <p:nvSpPr>
+          <p:cNvPr id="224" name="Google Shape;224;g35f391192_029:notes"/>
+          <p:cNvSpPr txBox="1">
+            <a:spLocks noGrp="1"/>
+          </p:cNvSpPr>
+          <p:nvPr>
+            <p:ph type="body" idx="1"/>
+          </p:nvPr>
+        </p:nvSpPr>
+        <p:spPr>
+          <a:xfrm>
+            <a:off x="685800" y="4343400"/>
+            <a:ext cx="5486400" cy="4114800"/>
+          </a:xfrm>
+          <a:prstGeom prst="rect">
+            <a:avLst/>
+          </a:prstGeom>
+        </p:spPr>
+        <p:txBody>
+          <a:bodyPr spcFirstLastPara="1" wrap="square" lIns="91425" tIns="91425" rIns="91425" bIns="91425" anchor="t" anchorCtr="0">
+            <a:noAutofit/>
+          </a:bodyPr>
+          <a:lstStyle/>
+          <a:p>
+            <a:pPr marL="0" lvl="0" indent="0" algn="l" rtl="0">
+              <a:spcBef>
+                <a:spcPts val="0"/>
+              </a:spcBef>
+              <a:spcAft>
+                <a:spcPts val="0"/>
+              </a:spcAft>
+              <a:buNone/>
+            </a:pPr>
+            <a:endParaRPr/>
+          </a:p>
+        </p:txBody>
+      </p:sp>
+    </p:spTree>
+    <p:extLst>
+      <p:ext uri="{BB962C8B-B14F-4D97-AF65-F5344CB8AC3E}">
+        <p14:creationId xmlns:p14="http://schemas.microsoft.com/office/powerpoint/2010/main" val="4133447536"/>
       </p:ext>
     </p:extLst>
   </p:cSld>
@@ -5170,7 +5285,7 @@
     </p:spTree>
     <p:extLst>
       <p:ext uri="{BB962C8B-B14F-4D97-AF65-F5344CB8AC3E}">
-        <p14:creationId xmlns:p14="http://schemas.microsoft.com/office/powerpoint/2010/main" val="4133447536"/>
+        <p14:creationId xmlns:p14="http://schemas.microsoft.com/office/powerpoint/2010/main" val="705563851"/>
       </p:ext>
     </p:extLst>
   </p:cSld>
@@ -5181,11 +5296,11 @@
 </file>
 
 <file path=ppt/notesSlides/notesSlide9.xml><?xml version="1.0" encoding="utf-8"?>
-<p:notes xmlns:a="http://schemas.openxmlformats.org/drawingml/2006/main" xmlns:r="http://schemas.openxmlformats.org/officeDocument/2006/relationships" xmlns:p="http://schemas.openxmlformats.org/presentationml/2006/main" showMasterSp="0" showMasterPhAnim="0">
+<p:notes xmlns:a="http://schemas.openxmlformats.org/drawingml/2006/main" xmlns:r="http://schemas.openxmlformats.org/officeDocument/2006/relationships" xmlns:p="http://schemas.openxmlformats.org/presentationml/2006/main">
   <p:cSld>
     <p:spTree>
       <p:nvGrpSpPr>
-        <p:cNvPr id="1" name="Shape 222"/>
+        <p:cNvPr id="1" name=""/>
         <p:cNvGrpSpPr/>
         <p:nvPr/>
       </p:nvGrpSpPr>
@@ -5199,12 +5314,12 @@
       </p:grpSpPr>
       <p:sp>
         <p:nvSpPr>
-          <p:cNvPr id="223" name="Google Shape;223;g35f391192_029:notes"/>
+          <p:cNvPr id="2" name="Marcador de imagen de diapositiva 1"/>
           <p:cNvSpPr>
             <a:spLocks noGrp="1" noRot="1" noChangeAspect="1"/>
           </p:cNvSpPr>
           <p:nvPr>
-            <p:ph type="sldImg" idx="2"/>
+            <p:ph type="sldImg"/>
           </p:nvPr>
         </p:nvSpPr>
         <p:spPr>
@@ -5212,74 +5327,68 @@
             <a:off x="381000" y="685800"/>
             <a:ext cx="6096000" cy="3429000"/>
           </a:xfrm>
-          <a:custGeom>
-            <a:avLst/>
-            <a:gdLst/>
-            <a:ahLst/>
-            <a:cxnLst/>
-            <a:rect l="l" t="t" r="r" b="b"/>
-            <a:pathLst>
-              <a:path w="120000" h="120000" extrusionOk="0">
-                <a:moveTo>
-                  <a:pt x="0" y="0"/>
-                </a:moveTo>
-                <a:lnTo>
-                  <a:pt x="120000" y="0"/>
-                </a:lnTo>
-                <a:lnTo>
-                  <a:pt x="120000" y="120000"/>
-                </a:lnTo>
-                <a:lnTo>
-                  <a:pt x="0" y="120000"/>
-                </a:lnTo>
-                <a:close/>
-              </a:path>
-            </a:pathLst>
-          </a:custGeom>
         </p:spPr>
       </p:sp>
       <p:sp>
         <p:nvSpPr>
-          <p:cNvPr id="224" name="Google Shape;224;g35f391192_029:notes"/>
-          <p:cNvSpPr txBox="1">
+          <p:cNvPr id="3" name="Marcador de notas 2"/>
+          <p:cNvSpPr>
             <a:spLocks noGrp="1"/>
           </p:cNvSpPr>
           <p:nvPr>
             <p:ph type="body" idx="1"/>
           </p:nvPr>
         </p:nvSpPr>
-        <p:spPr>
-          <a:xfrm>
-            <a:off x="685800" y="4343400"/>
-            <a:ext cx="5486400" cy="4114800"/>
-          </a:xfrm>
-          <a:prstGeom prst="rect">
-            <a:avLst/>
-          </a:prstGeom>
-        </p:spPr>
+        <p:spPr/>
         <p:txBody>
-          <a:bodyPr spcFirstLastPara="1" wrap="square" lIns="91425" tIns="91425" rIns="91425" bIns="91425" anchor="t" anchorCtr="0">
-            <a:noAutofit/>
-          </a:bodyPr>
+          <a:bodyPr/>
           <a:lstStyle/>
           <a:p>
-            <a:pPr marL="0" lvl="0" indent="0" algn="l" rtl="0">
-              <a:spcBef>
-                <a:spcPts val="0"/>
-              </a:spcBef>
-              <a:spcAft>
-                <a:spcPts val="0"/>
-              </a:spcAft>
-              <a:buNone/>
-            </a:pPr>
-            <a:endParaRPr/>
+            <a:r>
+              <a:rPr lang="es-ES" dirty="0"/>
+              <a:t>1 – Dos prototipos, comparativa</a:t>
+            </a:r>
+          </a:p>
+          <a:p>
+            <a:r>
+              <a:rPr lang="es-ES" dirty="0"/>
+              <a:t>2 – Flecos generación, normalizar ruta base peticiones</a:t>
+            </a:r>
+          </a:p>
+          <a:p>
+            <a:r>
+              <a:rPr lang="es-ES" dirty="0"/>
+              <a:t>3 – Comunicación UI, comunicación microservicios, problemas como </a:t>
+            </a:r>
+            <a:r>
+              <a:rPr lang="es-ES" dirty="0" err="1"/>
+              <a:t>timeouts</a:t>
+            </a:r>
+            <a:r>
+              <a:rPr lang="es-ES" dirty="0"/>
+              <a:t> peticiones</a:t>
+            </a:r>
+          </a:p>
+          <a:p>
+            <a:r>
+              <a:rPr lang="es-ES" dirty="0"/>
+              <a:t>4 – </a:t>
+            </a:r>
+            <a:r>
+              <a:rPr lang="es-ES" dirty="0" err="1"/>
+              <a:t>Multiinstancia</a:t>
+            </a:r>
+            <a:r>
+              <a:rPr lang="es-ES" dirty="0"/>
+              <a:t> de microservicios, segundo nivel de redirección</a:t>
+            </a:r>
           </a:p>
         </p:txBody>
       </p:sp>
     </p:spTree>
     <p:extLst>
       <p:ext uri="{BB962C8B-B14F-4D97-AF65-F5344CB8AC3E}">
-        <p14:creationId xmlns:p14="http://schemas.microsoft.com/office/powerpoint/2010/main" val="705563851"/>
+        <p14:creationId xmlns:p14="http://schemas.microsoft.com/office/powerpoint/2010/main" val="141154289"/>
       </p:ext>
     </p:extLst>
   </p:cSld>
@@ -15449,7 +15558,7 @@
         <p:spPr>
           <a:xfrm>
             <a:off x="2305150" y="3385436"/>
-            <a:ext cx="5811000" cy="410700"/>
+            <a:ext cx="5539439" cy="410700"/>
           </a:xfrm>
           <a:prstGeom prst="rect">
             <a:avLst/>
@@ -15472,7 +15581,7 @@
             </a:pPr>
             <a:r>
               <a:rPr lang="en" dirty="0"/>
-              <a:t>Patrones relacionados, productos, librerías, comparativa y conclusiones</a:t>
+              <a:t>Patrones relacionados, productos, librerías y conclusiones</a:t>
             </a:r>
             <a:endParaRPr dirty="0"/>
           </a:p>
@@ -15592,7 +15701,7 @@
           <a:p>
             <a:r>
               <a:rPr lang="es-ES" dirty="0"/>
-              <a:t>Patrones relacionados (1/2)</a:t>
+              <a:t>Patrones relacionados</a:t>
             </a:r>
           </a:p>
         </p:txBody>
@@ -16063,531 +16172,6 @@
 </file>
 
 <file path=ppt/slides/slide12.xml><?xml version="1.0" encoding="utf-8"?>
-<p:sld xmlns:a="http://schemas.openxmlformats.org/drawingml/2006/main" xmlns:r="http://schemas.openxmlformats.org/officeDocument/2006/relationships" xmlns:p="http://schemas.openxmlformats.org/presentationml/2006/main">
-  <p:cSld>
-    <p:spTree>
-      <p:nvGrpSpPr>
-        <p:cNvPr id="1" name=""/>
-        <p:cNvGrpSpPr/>
-        <p:nvPr/>
-      </p:nvGrpSpPr>
-      <p:grpSpPr>
-        <a:xfrm>
-          <a:off x="0" y="0"/>
-          <a:ext cx="0" cy="0"/>
-          <a:chOff x="0" y="0"/>
-          <a:chExt cx="0" cy="0"/>
-        </a:xfrm>
-      </p:grpSpPr>
-      <p:sp>
-        <p:nvSpPr>
-          <p:cNvPr id="4" name="Título 3">
-            <a:extLst>
-              <a:ext uri="{FF2B5EF4-FFF2-40B4-BE49-F238E27FC236}">
-                <a16:creationId xmlns:a16="http://schemas.microsoft.com/office/drawing/2014/main" id="{F67FEC67-B6F1-4ECC-B466-25D1433AD4AF}"/>
-              </a:ext>
-            </a:extLst>
-          </p:cNvPr>
-          <p:cNvSpPr>
-            <a:spLocks noGrp="1"/>
-          </p:cNvSpPr>
-          <p:nvPr>
-            <p:ph type="title"/>
-          </p:nvPr>
-        </p:nvSpPr>
-        <p:spPr/>
-        <p:txBody>
-          <a:bodyPr/>
-          <a:lstStyle/>
-          <a:p>
-            <a:r>
-              <a:rPr lang="es-ES" dirty="0"/>
-              <a:t>Patrones relacionados (2/2)</a:t>
-            </a:r>
-          </a:p>
-        </p:txBody>
-      </p:sp>
-      <p:sp>
-        <p:nvSpPr>
-          <p:cNvPr id="5" name="Marcador de texto 4">
-            <a:extLst>
-              <a:ext uri="{FF2B5EF4-FFF2-40B4-BE49-F238E27FC236}">
-                <a16:creationId xmlns:a16="http://schemas.microsoft.com/office/drawing/2014/main" id="{F6694B39-F83E-4BBD-BE1E-2C80D5269C0D}"/>
-              </a:ext>
-            </a:extLst>
-          </p:cNvPr>
-          <p:cNvSpPr>
-            <a:spLocks noGrp="1"/>
-          </p:cNvSpPr>
-          <p:nvPr>
-            <p:ph type="body" idx="1"/>
-          </p:nvPr>
-        </p:nvSpPr>
-        <p:spPr>
-          <a:xfrm>
-            <a:off x="818520" y="1725426"/>
-            <a:ext cx="3792900" cy="2884200"/>
-          </a:xfrm>
-        </p:spPr>
-        <p:txBody>
-          <a:bodyPr/>
-          <a:lstStyle/>
-          <a:p>
-            <a:r>
-              <a:rPr lang="es-ES" i="1" dirty="0" err="1"/>
-              <a:t>Backend</a:t>
-            </a:r>
-            <a:r>
-              <a:rPr lang="es-ES" i="1" dirty="0"/>
-              <a:t> </a:t>
-            </a:r>
-            <a:r>
-              <a:rPr lang="es-ES" i="1" dirty="0" err="1"/>
-              <a:t>for</a:t>
-            </a:r>
-            <a:r>
-              <a:rPr lang="es-ES" i="1" dirty="0"/>
-              <a:t> </a:t>
-            </a:r>
-            <a:r>
-              <a:rPr lang="es-ES" i="1" dirty="0" err="1"/>
-              <a:t>frontend</a:t>
-            </a:r>
-            <a:endParaRPr lang="es-ES" i="1" dirty="0"/>
-          </a:p>
-        </p:txBody>
-      </p:sp>
-      <p:sp>
-        <p:nvSpPr>
-          <p:cNvPr id="6" name="Marcador de texto 4">
-            <a:extLst>
-              <a:ext uri="{FF2B5EF4-FFF2-40B4-BE49-F238E27FC236}">
-                <a16:creationId xmlns:a16="http://schemas.microsoft.com/office/drawing/2014/main" id="{D888BB23-0D9E-4449-8DC5-A20460C50FC5}"/>
-              </a:ext>
-            </a:extLst>
-          </p:cNvPr>
-          <p:cNvSpPr txBox="1">
-            <a:spLocks/>
-          </p:cNvSpPr>
-          <p:nvPr/>
-        </p:nvSpPr>
-        <p:spPr>
-          <a:xfrm>
-            <a:off x="4893150" y="1725426"/>
-            <a:ext cx="3792900" cy="2884200"/>
-          </a:xfrm>
-          <a:prstGeom prst="rect">
-            <a:avLst/>
-          </a:prstGeom>
-          <a:noFill/>
-          <a:ln>
-            <a:noFill/>
-          </a:ln>
-        </p:spPr>
-        <p:txBody>
-          <a:bodyPr spcFirstLastPara="1" wrap="square" lIns="0" tIns="0" rIns="0" bIns="0" anchor="t" anchorCtr="0">
-            <a:noAutofit/>
-          </a:bodyPr>
-          <a:lstStyle>
-            <a:defPPr marR="0" lvl="0" algn="l" rtl="0">
-              <a:lnSpc>
-                <a:spcPct val="100000"/>
-              </a:lnSpc>
-              <a:spcBef>
-                <a:spcPts val="0"/>
-              </a:spcBef>
-              <a:spcAft>
-                <a:spcPts val="0"/>
-              </a:spcAft>
-            </a:defPPr>
-            <a:lvl1pPr marL="457200" marR="0" lvl="0" indent="-330200" algn="l" rtl="0">
-              <a:lnSpc>
-                <a:spcPct val="115000"/>
-              </a:lnSpc>
-              <a:spcBef>
-                <a:spcPts val="0"/>
-              </a:spcBef>
-              <a:spcAft>
-                <a:spcPts val="0"/>
-              </a:spcAft>
-              <a:buClr>
-                <a:schemeClr val="accent5"/>
-              </a:buClr>
-              <a:buSzPts val="1600"/>
-              <a:buFont typeface="Catamaran Thin"/>
-              <a:buChar char="⬢"/>
-              <a:defRPr sz="2400" b="0" i="0" u="none" strike="noStrike" cap="none">
-                <a:solidFill>
-                  <a:schemeClr val="dk1"/>
-                </a:solidFill>
-                <a:latin typeface="Catamaran Thin"/>
-                <a:ea typeface="Catamaran Thin"/>
-                <a:cs typeface="Catamaran Thin"/>
-                <a:sym typeface="Catamaran Thin"/>
-              </a:defRPr>
-            </a:lvl1pPr>
-            <a:lvl2pPr marL="914400" marR="0" lvl="1" indent="-330200" algn="l" rtl="0">
-              <a:lnSpc>
-                <a:spcPct val="115000"/>
-              </a:lnSpc>
-              <a:spcBef>
-                <a:spcPts val="800"/>
-              </a:spcBef>
-              <a:spcAft>
-                <a:spcPts val="0"/>
-              </a:spcAft>
-              <a:buClr>
-                <a:schemeClr val="accent5"/>
-              </a:buClr>
-              <a:buSzPts val="1600"/>
-              <a:buFont typeface="Catamaran Thin"/>
-              <a:buChar char="⬡"/>
-              <a:defRPr sz="2400" b="0" i="0" u="none" strike="noStrike" cap="none">
-                <a:solidFill>
-                  <a:schemeClr val="dk1"/>
-                </a:solidFill>
-                <a:latin typeface="Catamaran Thin"/>
-                <a:ea typeface="Catamaran Thin"/>
-                <a:cs typeface="Catamaran Thin"/>
-                <a:sym typeface="Catamaran Thin"/>
-              </a:defRPr>
-            </a:lvl2pPr>
-            <a:lvl3pPr marL="1371600" marR="0" lvl="2" indent="-330200" algn="l" rtl="0">
-              <a:lnSpc>
-                <a:spcPct val="115000"/>
-              </a:lnSpc>
-              <a:spcBef>
-                <a:spcPts val="800"/>
-              </a:spcBef>
-              <a:spcAft>
-                <a:spcPts val="0"/>
-              </a:spcAft>
-              <a:buClr>
-                <a:schemeClr val="dk2"/>
-              </a:buClr>
-              <a:buSzPts val="1600"/>
-              <a:buFont typeface="Catamaran Thin"/>
-              <a:buChar char="⬡"/>
-              <a:defRPr sz="2400" b="0" i="0" u="none" strike="noStrike" cap="none">
-                <a:solidFill>
-                  <a:schemeClr val="dk1"/>
-                </a:solidFill>
-                <a:latin typeface="Catamaran Thin"/>
-                <a:ea typeface="Catamaran Thin"/>
-                <a:cs typeface="Catamaran Thin"/>
-                <a:sym typeface="Catamaran Thin"/>
-              </a:defRPr>
-            </a:lvl3pPr>
-            <a:lvl4pPr marL="1828800" marR="0" lvl="3" indent="-381000" algn="l" rtl="0">
-              <a:lnSpc>
-                <a:spcPct val="115000"/>
-              </a:lnSpc>
-              <a:spcBef>
-                <a:spcPts val="800"/>
-              </a:spcBef>
-              <a:spcAft>
-                <a:spcPts val="0"/>
-              </a:spcAft>
-              <a:buClr>
-                <a:schemeClr val="dk1"/>
-              </a:buClr>
-              <a:buSzPts val="2400"/>
-              <a:buFont typeface="Catamaran Thin"/>
-              <a:buChar char="●"/>
-              <a:defRPr sz="2400" b="0" i="0" u="none" strike="noStrike" cap="none">
-                <a:solidFill>
-                  <a:schemeClr val="dk1"/>
-                </a:solidFill>
-                <a:latin typeface="Catamaran Thin"/>
-                <a:ea typeface="Catamaran Thin"/>
-                <a:cs typeface="Catamaran Thin"/>
-                <a:sym typeface="Catamaran Thin"/>
-              </a:defRPr>
-            </a:lvl4pPr>
-            <a:lvl5pPr marL="2286000" marR="0" lvl="4" indent="-381000" algn="l" rtl="0">
-              <a:lnSpc>
-                <a:spcPct val="115000"/>
-              </a:lnSpc>
-              <a:spcBef>
-                <a:spcPts val="800"/>
-              </a:spcBef>
-              <a:spcAft>
-                <a:spcPts val="0"/>
-              </a:spcAft>
-              <a:buClr>
-                <a:schemeClr val="dk1"/>
-              </a:buClr>
-              <a:buSzPts val="2400"/>
-              <a:buFont typeface="Catamaran Thin"/>
-              <a:buChar char="○"/>
-              <a:defRPr sz="2400" b="0" i="0" u="none" strike="noStrike" cap="none">
-                <a:solidFill>
-                  <a:schemeClr val="dk1"/>
-                </a:solidFill>
-                <a:latin typeface="Catamaran Thin"/>
-                <a:ea typeface="Catamaran Thin"/>
-                <a:cs typeface="Catamaran Thin"/>
-                <a:sym typeface="Catamaran Thin"/>
-              </a:defRPr>
-            </a:lvl5pPr>
-            <a:lvl6pPr marL="2743200" marR="0" lvl="5" indent="-381000" algn="l" rtl="0">
-              <a:lnSpc>
-                <a:spcPct val="115000"/>
-              </a:lnSpc>
-              <a:spcBef>
-                <a:spcPts val="800"/>
-              </a:spcBef>
-              <a:spcAft>
-                <a:spcPts val="0"/>
-              </a:spcAft>
-              <a:buClr>
-                <a:schemeClr val="dk1"/>
-              </a:buClr>
-              <a:buSzPts val="2400"/>
-              <a:buFont typeface="Catamaran Thin"/>
-              <a:buChar char="■"/>
-              <a:defRPr sz="2400" b="0" i="0" u="none" strike="noStrike" cap="none">
-                <a:solidFill>
-                  <a:schemeClr val="dk1"/>
-                </a:solidFill>
-                <a:latin typeface="Catamaran Thin"/>
-                <a:ea typeface="Catamaran Thin"/>
-                <a:cs typeface="Catamaran Thin"/>
-                <a:sym typeface="Catamaran Thin"/>
-              </a:defRPr>
-            </a:lvl6pPr>
-            <a:lvl7pPr marL="3200400" marR="0" lvl="6" indent="-381000" algn="l" rtl="0">
-              <a:lnSpc>
-                <a:spcPct val="115000"/>
-              </a:lnSpc>
-              <a:spcBef>
-                <a:spcPts val="800"/>
-              </a:spcBef>
-              <a:spcAft>
-                <a:spcPts val="0"/>
-              </a:spcAft>
-              <a:buClr>
-                <a:schemeClr val="dk1"/>
-              </a:buClr>
-              <a:buSzPts val="2400"/>
-              <a:buFont typeface="Catamaran Thin"/>
-              <a:buChar char="●"/>
-              <a:defRPr sz="2400" b="0" i="0" u="none" strike="noStrike" cap="none">
-                <a:solidFill>
-                  <a:schemeClr val="dk1"/>
-                </a:solidFill>
-                <a:latin typeface="Catamaran Thin"/>
-                <a:ea typeface="Catamaran Thin"/>
-                <a:cs typeface="Catamaran Thin"/>
-                <a:sym typeface="Catamaran Thin"/>
-              </a:defRPr>
-            </a:lvl7pPr>
-            <a:lvl8pPr marL="3657600" marR="0" lvl="7" indent="-381000" algn="l" rtl="0">
-              <a:lnSpc>
-                <a:spcPct val="115000"/>
-              </a:lnSpc>
-              <a:spcBef>
-                <a:spcPts val="800"/>
-              </a:spcBef>
-              <a:spcAft>
-                <a:spcPts val="0"/>
-              </a:spcAft>
-              <a:buClr>
-                <a:schemeClr val="dk1"/>
-              </a:buClr>
-              <a:buSzPts val="2400"/>
-              <a:buFont typeface="Catamaran Thin"/>
-              <a:buChar char="○"/>
-              <a:defRPr sz="2400" b="0" i="0" u="none" strike="noStrike" cap="none">
-                <a:solidFill>
-                  <a:schemeClr val="dk1"/>
-                </a:solidFill>
-                <a:latin typeface="Catamaran Thin"/>
-                <a:ea typeface="Catamaran Thin"/>
-                <a:cs typeface="Catamaran Thin"/>
-                <a:sym typeface="Catamaran Thin"/>
-              </a:defRPr>
-            </a:lvl8pPr>
-            <a:lvl9pPr marL="4114800" marR="0" lvl="8" indent="-381000" algn="l" rtl="0">
-              <a:lnSpc>
-                <a:spcPct val="115000"/>
-              </a:lnSpc>
-              <a:spcBef>
-                <a:spcPts val="800"/>
-              </a:spcBef>
-              <a:spcAft>
-                <a:spcPts val="800"/>
-              </a:spcAft>
-              <a:buClr>
-                <a:schemeClr val="dk1"/>
-              </a:buClr>
-              <a:buSzPts val="2400"/>
-              <a:buFont typeface="Catamaran Thin"/>
-              <a:buChar char="■"/>
-              <a:defRPr sz="2400" b="0" i="0" u="none" strike="noStrike" cap="none">
-                <a:solidFill>
-                  <a:schemeClr val="dk1"/>
-                </a:solidFill>
-                <a:latin typeface="Catamaran Thin"/>
-                <a:ea typeface="Catamaran Thin"/>
-                <a:cs typeface="Catamaran Thin"/>
-                <a:sym typeface="Catamaran Thin"/>
-              </a:defRPr>
-            </a:lvl9pPr>
-          </a:lstStyle>
-          <a:p>
-            <a:r>
-              <a:rPr lang="es-ES" i="1" dirty="0" err="1"/>
-              <a:t>Service</a:t>
-            </a:r>
-            <a:r>
-              <a:rPr lang="es-ES" i="1" dirty="0"/>
-              <a:t> </a:t>
-            </a:r>
-            <a:r>
-              <a:rPr lang="es-ES" i="1" dirty="0" err="1"/>
-              <a:t>mesh</a:t>
-            </a:r>
-            <a:endParaRPr lang="es-ES" i="1" dirty="0"/>
-          </a:p>
-        </p:txBody>
-      </p:sp>
-      <p:pic>
-        <p:nvPicPr>
-          <p:cNvPr id="10242" name="Picture 2" descr="Diagrama&#10;&#10;Descripción generada automáticamente">
-            <a:extLst>
-              <a:ext uri="{FF2B5EF4-FFF2-40B4-BE49-F238E27FC236}">
-                <a16:creationId xmlns:a16="http://schemas.microsoft.com/office/drawing/2014/main" id="{29D0870C-D0F1-471B-9FD3-BC839AD594E0}"/>
-              </a:ext>
-            </a:extLst>
-          </p:cNvPr>
-          <p:cNvPicPr>
-            <a:picLocks noChangeAspect="1" noChangeArrowheads="1"/>
-          </p:cNvPicPr>
-          <p:nvPr/>
-        </p:nvPicPr>
-        <p:blipFill rotWithShape="1">
-          <a:blip r:embed="rId3">
-            <a:extLst>
-              <a:ext uri="{28A0092B-C50C-407E-A947-70E740481C1C}">
-                <a14:useLocalDpi xmlns:a14="http://schemas.microsoft.com/office/drawing/2010/main" val="0"/>
-              </a:ext>
-            </a:extLst>
-          </a:blip>
-          <a:srcRect t="12224"/>
-          <a:stretch/>
-        </p:blipFill>
-        <p:spPr bwMode="auto">
-          <a:xfrm>
-            <a:off x="374203" y="2395393"/>
-            <a:ext cx="4237217" cy="2087562"/>
-          </a:xfrm>
-          <a:prstGeom prst="rect">
-            <a:avLst/>
-          </a:prstGeom>
-          <a:noFill/>
-        </p:spPr>
-      </p:pic>
-      <p:pic>
-        <p:nvPicPr>
-          <p:cNvPr id="12290" name="Picture 2" descr="Diagrama&#10;&#10;Descripción generada automáticamente">
-            <a:extLst>
-              <a:ext uri="{FF2B5EF4-FFF2-40B4-BE49-F238E27FC236}">
-                <a16:creationId xmlns:a16="http://schemas.microsoft.com/office/drawing/2014/main" id="{51DFF283-2C35-4E95-B5D9-E04D48C0EB69}"/>
-              </a:ext>
-            </a:extLst>
-          </p:cNvPr>
-          <p:cNvPicPr>
-            <a:picLocks noChangeAspect="1" noChangeArrowheads="1"/>
-          </p:cNvPicPr>
-          <p:nvPr/>
-        </p:nvPicPr>
-        <p:blipFill>
-          <a:blip r:embed="rId4">
-            <a:extLst>
-              <a:ext uri="{28A0092B-C50C-407E-A947-70E740481C1C}">
-                <a14:useLocalDpi xmlns:a14="http://schemas.microsoft.com/office/drawing/2010/main" val="0"/>
-              </a:ext>
-            </a:extLst>
-          </a:blip>
-          <a:srcRect/>
-          <a:stretch>
-            <a:fillRect/>
-          </a:stretch>
-        </p:blipFill>
-        <p:spPr bwMode="auto">
-          <a:xfrm>
-            <a:off x="4893150" y="2395393"/>
-            <a:ext cx="3968825" cy="2087562"/>
-          </a:xfrm>
-          <a:prstGeom prst="rect">
-            <a:avLst/>
-          </a:prstGeom>
-          <a:noFill/>
-        </p:spPr>
-      </p:pic>
-      <p:sp>
-        <p:nvSpPr>
-          <p:cNvPr id="7" name="Google Shape;342;p24">
-            <a:extLst>
-              <a:ext uri="{FF2B5EF4-FFF2-40B4-BE49-F238E27FC236}">
-                <a16:creationId xmlns:a16="http://schemas.microsoft.com/office/drawing/2014/main" id="{813EC988-15CB-4A85-85B8-7CE51C4F6341}"/>
-              </a:ext>
-            </a:extLst>
-          </p:cNvPr>
-          <p:cNvSpPr txBox="1">
-            <a:spLocks noGrp="1"/>
-          </p:cNvSpPr>
-          <p:nvPr>
-            <p:ph type="sldNum" idx="12"/>
-          </p:nvPr>
-        </p:nvSpPr>
-        <p:spPr>
-          <a:xfrm>
-            <a:off x="8480584" y="4749851"/>
-            <a:ext cx="548700" cy="393600"/>
-          </a:xfrm>
-          <a:prstGeom prst="rect">
-            <a:avLst/>
-          </a:prstGeom>
-        </p:spPr>
-        <p:txBody>
-          <a:bodyPr spcFirstLastPara="1" wrap="square" lIns="0" tIns="0" rIns="0" bIns="0" anchor="ctr" anchorCtr="0">
-            <a:noAutofit/>
-          </a:bodyPr>
-          <a:lstStyle/>
-          <a:p>
-            <a:pPr marL="0" lvl="0" indent="0" algn="r" rtl="0">
-              <a:spcBef>
-                <a:spcPts val="0"/>
-              </a:spcBef>
-              <a:spcAft>
-                <a:spcPts val="0"/>
-              </a:spcAft>
-              <a:buNone/>
-            </a:pPr>
-            <a:fld id="{00000000-1234-1234-1234-123412341234}" type="slidenum">
-              <a:rPr lang="en"/>
-              <a:t>12</a:t>
-            </a:fld>
-            <a:endParaRPr dirty="0"/>
-          </a:p>
-        </p:txBody>
-      </p:sp>
-    </p:spTree>
-    <p:extLst>
-      <p:ext uri="{BB962C8B-B14F-4D97-AF65-F5344CB8AC3E}">
-        <p14:creationId xmlns:p14="http://schemas.microsoft.com/office/powerpoint/2010/main" val="600991643"/>
-      </p:ext>
-    </p:extLst>
-  </p:cSld>
-  <p:clrMapOvr>
-    <a:masterClrMapping/>
-  </p:clrMapOvr>
-</p:sld>
-</file>
-
-<file path=ppt/slides/slide13.xml><?xml version="1.0" encoding="utf-8"?>
 <p:sld xmlns:a="http://schemas.openxmlformats.org/drawingml/2006/main" xmlns:r="http://schemas.openxmlformats.org/officeDocument/2006/relationships" xmlns:p="http://schemas.openxmlformats.org/presentationml/2006/main">
   <p:cSld>
     <p:spTree>
@@ -16793,7 +16377,7 @@
             </a:pPr>
             <a:fld id="{00000000-1234-1234-1234-123412341234}" type="slidenum">
               <a:rPr lang="en"/>
-              <a:t>13</a:t>
+              <a:t>12</a:t>
             </a:fld>
             <a:endParaRPr dirty="0"/>
           </a:p>
@@ -16812,7 +16396,7 @@
 </p:sld>
 </file>
 
-<file path=ppt/slides/slide14.xml><?xml version="1.0" encoding="utf-8"?>
+<file path=ppt/slides/slide13.xml><?xml version="1.0" encoding="utf-8"?>
 <p:sld xmlns:a="http://schemas.openxmlformats.org/drawingml/2006/main" xmlns:r="http://schemas.openxmlformats.org/officeDocument/2006/relationships" xmlns:p="http://schemas.openxmlformats.org/presentationml/2006/main">
   <p:cSld>
     <p:spTree>
@@ -17012,7 +16596,7 @@
             </a:pPr>
             <a:fld id="{00000000-1234-1234-1234-123412341234}" type="slidenum">
               <a:rPr lang="en"/>
-              <a:t>14</a:t>
+              <a:t>13</a:t>
             </a:fld>
             <a:endParaRPr dirty="0"/>
           </a:p>
@@ -17031,7 +16615,7 @@
 </p:sld>
 </file>
 
-<file path=ppt/slides/slide15.xml><?xml version="1.0" encoding="utf-8"?>
+<file path=ppt/slides/slide14.xml><?xml version="1.0" encoding="utf-8"?>
 <p:sld xmlns:a="http://schemas.openxmlformats.org/drawingml/2006/main" xmlns:r="http://schemas.openxmlformats.org/officeDocument/2006/relationships" xmlns:p="http://schemas.openxmlformats.org/presentationml/2006/main">
   <p:cSld>
     <p:spTree>
@@ -17174,7 +16758,7 @@
             </a:pPr>
             <a:fld id="{00000000-1234-1234-1234-123412341234}" type="slidenum">
               <a:rPr lang="en"/>
-              <a:t>15</a:t>
+              <a:t>14</a:t>
             </a:fld>
             <a:endParaRPr dirty="0"/>
           </a:p>
@@ -17536,7 +17120,7 @@
 </p:sld>
 </file>
 
-<file path=ppt/slides/slide16.xml><?xml version="1.0" encoding="utf-8"?>
+<file path=ppt/slides/slide15.xml><?xml version="1.0" encoding="utf-8"?>
 <p:sld xmlns:a="http://schemas.openxmlformats.org/drawingml/2006/main" xmlns:r="http://schemas.openxmlformats.org/officeDocument/2006/relationships" xmlns:p="http://schemas.openxmlformats.org/presentationml/2006/main">
   <p:cSld>
     <p:spTree>
@@ -17669,7 +17253,7 @@
 </p:sld>
 </file>
 
-<file path=ppt/slides/slide17.xml><?xml version="1.0" encoding="utf-8"?>
+<file path=ppt/slides/slide16.xml><?xml version="1.0" encoding="utf-8"?>
 <p:sld xmlns:a="http://schemas.openxmlformats.org/drawingml/2006/main" xmlns:r="http://schemas.openxmlformats.org/officeDocument/2006/relationships" xmlns:p="http://schemas.openxmlformats.org/presentationml/2006/main">
   <p:cSld>
     <p:spTree>
@@ -17773,7 +17357,7 @@
         </p:blipFill>
         <p:spPr bwMode="auto">
           <a:xfrm>
-            <a:off x="3664304" y="1793200"/>
+            <a:off x="471391" y="1680815"/>
             <a:ext cx="1646236" cy="1646236"/>
           </a:xfrm>
           <a:prstGeom prst="rect">
@@ -17809,7 +17393,7 @@
         </p:blipFill>
         <p:spPr bwMode="auto">
           <a:xfrm>
-            <a:off x="1627094" y="3228068"/>
+            <a:off x="1694330" y="3234792"/>
             <a:ext cx="1566583" cy="1711859"/>
           </a:xfrm>
           <a:prstGeom prst="rect">
@@ -17847,7 +17431,7 @@
         </p:blipFill>
         <p:spPr bwMode="auto">
           <a:xfrm>
-            <a:off x="255494" y="1544383"/>
+            <a:off x="2888169" y="1796949"/>
             <a:ext cx="2827938" cy="1413969"/>
           </a:xfrm>
           <a:prstGeom prst="rect">
@@ -17898,7 +17482,7 @@
             </a:pPr>
             <a:fld id="{00000000-1234-1234-1234-123412341234}" type="slidenum">
               <a:rPr lang="en"/>
-              <a:t>17</a:t>
+              <a:t>16</a:t>
             </a:fld>
             <a:endParaRPr dirty="0"/>
           </a:p>
@@ -17955,7 +17539,7 @@
 </p:sld>
 </file>
 
-<file path=ppt/slides/slide18.xml><?xml version="1.0" encoding="utf-8"?>
+<file path=ppt/slides/slide17.xml><?xml version="1.0" encoding="utf-8"?>
 <p:sld xmlns:a="http://schemas.openxmlformats.org/drawingml/2006/main" xmlns:r="http://schemas.openxmlformats.org/officeDocument/2006/relationships" xmlns:p="http://schemas.openxmlformats.org/presentationml/2006/main">
   <p:cSld>
     <p:spTree>
@@ -18026,8 +17610,8 @@
         </p:nvSpPr>
         <p:spPr>
           <a:xfrm>
-            <a:off x="2305150" y="3385436"/>
-            <a:ext cx="5811000" cy="410700"/>
+            <a:off x="2305149" y="3385436"/>
+            <a:ext cx="6185707" cy="410700"/>
           </a:xfrm>
           <a:prstGeom prst="rect">
             <a:avLst/>
@@ -18050,7 +17634,7 @@
             </a:pPr>
             <a:r>
               <a:rPr lang="en" dirty="0"/>
-              <a:t>Requisitos, diseño, programación, pruebas y metodología</a:t>
+              <a:t>Requisitos, programación, pruebas y metodología</a:t>
             </a:r>
             <a:endParaRPr dirty="0"/>
           </a:p>
@@ -18130,7 +17714,7 @@
 </p:sld>
 </file>
 
-<file path=ppt/slides/slide19.xml><?xml version="1.0" encoding="utf-8"?>
+<file path=ppt/slides/slide18.xml><?xml version="1.0" encoding="utf-8"?>
 <p:sld xmlns:a="http://schemas.openxmlformats.org/drawingml/2006/main" xmlns:r="http://schemas.openxmlformats.org/officeDocument/2006/relationships" xmlns:p="http://schemas.openxmlformats.org/presentationml/2006/main">
   <p:cSld>
     <p:spTree>
@@ -18205,7 +17789,7 @@
           <a:p>
             <a:r>
               <a:rPr lang="es-ES" dirty="0"/>
-              <a:t>Especificación de requisitos (1/2)</a:t>
+              <a:t>Especificación de requisitos</a:t>
             </a:r>
             <a:r>
               <a:rPr lang="es-ES" b="0" dirty="0"/>
@@ -18256,7 +17840,7 @@
             </a:pPr>
             <a:fld id="{00000000-1234-1234-1234-123412341234}" type="slidenum">
               <a:rPr lang="en"/>
-              <a:t>19</a:t>
+              <a:t>18</a:t>
             </a:fld>
             <a:endParaRPr dirty="0"/>
           </a:p>
@@ -18266,6 +17850,458 @@
     <p:extLst>
       <p:ext uri="{BB962C8B-B14F-4D97-AF65-F5344CB8AC3E}">
         <p14:creationId xmlns:p14="http://schemas.microsoft.com/office/powerpoint/2010/main" val="3387673270"/>
+      </p:ext>
+    </p:extLst>
+  </p:cSld>
+  <p:clrMapOvr>
+    <a:masterClrMapping/>
+  </p:clrMapOvr>
+</p:sld>
+</file>
+
+<file path=ppt/slides/slide19.xml><?xml version="1.0" encoding="utf-8"?>
+<p:sld xmlns:a="http://schemas.openxmlformats.org/drawingml/2006/main" xmlns:r="http://schemas.openxmlformats.org/officeDocument/2006/relationships" xmlns:p="http://schemas.openxmlformats.org/presentationml/2006/main">
+  <p:cSld>
+    <p:spTree>
+      <p:nvGrpSpPr>
+        <p:cNvPr id="1" name=""/>
+        <p:cNvGrpSpPr/>
+        <p:nvPr/>
+      </p:nvGrpSpPr>
+      <p:grpSpPr>
+        <a:xfrm>
+          <a:off x="0" y="0"/>
+          <a:ext cx="0" cy="0"/>
+          <a:chOff x="0" y="0"/>
+          <a:chExt cx="0" cy="0"/>
+        </a:xfrm>
+      </p:grpSpPr>
+      <p:sp>
+        <p:nvSpPr>
+          <p:cNvPr id="4" name="Título 3">
+            <a:extLst>
+              <a:ext uri="{FF2B5EF4-FFF2-40B4-BE49-F238E27FC236}">
+                <a16:creationId xmlns:a16="http://schemas.microsoft.com/office/drawing/2014/main" id="{BF52B7DE-5887-4E0E-A1E2-39957FD5F9FF}"/>
+              </a:ext>
+            </a:extLst>
+          </p:cNvPr>
+          <p:cNvSpPr>
+            <a:spLocks noGrp="1"/>
+          </p:cNvSpPr>
+          <p:nvPr>
+            <p:ph type="title"/>
+          </p:nvPr>
+        </p:nvSpPr>
+        <p:spPr>
+          <a:xfrm>
+            <a:off x="779099" y="836000"/>
+            <a:ext cx="7867359" cy="396300"/>
+          </a:xfrm>
+        </p:spPr>
+        <p:txBody>
+          <a:bodyPr anchor="t"/>
+          <a:lstStyle/>
+          <a:p>
+            <a:r>
+              <a:rPr lang="es-ES" dirty="0"/>
+              <a:t>Programación (1/2) </a:t>
+            </a:r>
+            <a:r>
+              <a:rPr lang="es-ES" b="0" dirty="0"/>
+              <a:t>– Fases del desarrollo</a:t>
+            </a:r>
+          </a:p>
+        </p:txBody>
+      </p:sp>
+      <p:sp>
+        <p:nvSpPr>
+          <p:cNvPr id="6" name="Google Shape;342;p24">
+            <a:extLst>
+              <a:ext uri="{FF2B5EF4-FFF2-40B4-BE49-F238E27FC236}">
+                <a16:creationId xmlns:a16="http://schemas.microsoft.com/office/drawing/2014/main" id="{57CD6963-C021-4F2A-B2B3-BC2173F77F80}"/>
+              </a:ext>
+            </a:extLst>
+          </p:cNvPr>
+          <p:cNvSpPr txBox="1">
+            <a:spLocks noGrp="1"/>
+          </p:cNvSpPr>
+          <p:nvPr>
+            <p:ph type="sldNum" idx="12"/>
+          </p:nvPr>
+        </p:nvSpPr>
+        <p:spPr>
+          <a:prstGeom prst="rect">
+            <a:avLst/>
+          </a:prstGeom>
+        </p:spPr>
+        <p:txBody>
+          <a:bodyPr spcFirstLastPara="1" wrap="square" lIns="0" tIns="0" rIns="0" bIns="0" anchor="ctr" anchorCtr="0">
+            <a:noAutofit/>
+          </a:bodyPr>
+          <a:lstStyle/>
+          <a:p>
+            <a:pPr marL="0" lvl="0" indent="0" algn="r" rtl="0">
+              <a:spcBef>
+                <a:spcPts val="0"/>
+              </a:spcBef>
+              <a:spcAft>
+                <a:spcPts val="0"/>
+              </a:spcAft>
+              <a:buNone/>
+            </a:pPr>
+            <a:fld id="{00000000-1234-1234-1234-123412341234}" type="slidenum">
+              <a:rPr lang="en"/>
+              <a:t>19</a:t>
+            </a:fld>
+            <a:endParaRPr dirty="0"/>
+          </a:p>
+        </p:txBody>
+      </p:sp>
+      <p:grpSp>
+        <p:nvGrpSpPr>
+          <p:cNvPr id="7" name="Google Shape;1408;p48">
+            <a:extLst>
+              <a:ext uri="{FF2B5EF4-FFF2-40B4-BE49-F238E27FC236}">
+                <a16:creationId xmlns:a16="http://schemas.microsoft.com/office/drawing/2014/main" id="{586F8647-DE91-4CD5-9CCF-490EC5C855AC}"/>
+              </a:ext>
+            </a:extLst>
+          </p:cNvPr>
+          <p:cNvGrpSpPr/>
+          <p:nvPr/>
+        </p:nvGrpSpPr>
+        <p:grpSpPr>
+          <a:xfrm>
+            <a:off x="921646" y="1485466"/>
+            <a:ext cx="7300707" cy="3367056"/>
+            <a:chOff x="8011692" y="3231683"/>
+            <a:chExt cx="306600" cy="645910"/>
+          </a:xfrm>
+        </p:grpSpPr>
+        <p:sp>
+          <p:nvSpPr>
+            <p:cNvPr id="10" name="Google Shape;1411;p48">
+              <a:extLst>
+                <a:ext uri="{FF2B5EF4-FFF2-40B4-BE49-F238E27FC236}">
+                  <a16:creationId xmlns:a16="http://schemas.microsoft.com/office/drawing/2014/main" id="{17F18561-7CD7-46AC-8603-957F20E63513}"/>
+                </a:ext>
+              </a:extLst>
+            </p:cNvPr>
+            <p:cNvSpPr txBox="1"/>
+            <p:nvPr/>
+          </p:nvSpPr>
+          <p:spPr>
+            <a:xfrm>
+              <a:off x="8011692" y="3395332"/>
+              <a:ext cx="306600" cy="157200"/>
+            </a:xfrm>
+            <a:prstGeom prst="rect">
+              <a:avLst/>
+            </a:prstGeom>
+            <a:solidFill>
+              <a:schemeClr val="accent2"/>
+            </a:solidFill>
+            <a:ln>
+              <a:noFill/>
+            </a:ln>
+          </p:spPr>
+          <p:txBody>
+            <a:bodyPr spcFirstLastPara="1" wrap="square" lIns="68575" tIns="34275" rIns="68575" bIns="34275" anchor="ctr" anchorCtr="0">
+              <a:noAutofit/>
+            </a:bodyPr>
+            <a:lstStyle/>
+            <a:p>
+              <a:pPr marL="0" marR="0" lvl="0" indent="0" algn="ctr" rtl="0">
+                <a:lnSpc>
+                  <a:spcPct val="100000"/>
+                </a:lnSpc>
+                <a:spcBef>
+                  <a:spcPts val="0"/>
+                </a:spcBef>
+                <a:spcAft>
+                  <a:spcPts val="0"/>
+                </a:spcAft>
+                <a:buClr>
+                  <a:schemeClr val="dk1"/>
+                </a:buClr>
+                <a:buSzPts val="1400"/>
+                <a:buFont typeface="Calibri"/>
+                <a:buNone/>
+              </a:pPr>
+              <a:r>
+                <a:rPr lang="es-ES" sz="2400" b="1" i="0" u="none" dirty="0">
+                  <a:solidFill>
+                    <a:schemeClr val="bg1"/>
+                  </a:solidFill>
+                  <a:latin typeface="Catamaran"/>
+                  <a:ea typeface="Catamaran"/>
+                  <a:cs typeface="Catamaran"/>
+                  <a:sym typeface="Catamaran"/>
+                </a:rPr>
+                <a:t>Consolidación del microservicio autogenerado</a:t>
+              </a:r>
+              <a:endParaRPr sz="2400" b="1" i="0" u="none" dirty="0">
+                <a:solidFill>
+                  <a:schemeClr val="bg1"/>
+                </a:solidFill>
+                <a:latin typeface="Catamaran"/>
+                <a:ea typeface="Catamaran"/>
+                <a:cs typeface="Catamaran"/>
+                <a:sym typeface="Catamaran"/>
+              </a:endParaRPr>
+            </a:p>
+          </p:txBody>
+        </p:sp>
+        <p:sp>
+          <p:nvSpPr>
+            <p:cNvPr id="11" name="Google Shape;1412;p48">
+              <a:extLst>
+                <a:ext uri="{FF2B5EF4-FFF2-40B4-BE49-F238E27FC236}">
+                  <a16:creationId xmlns:a16="http://schemas.microsoft.com/office/drawing/2014/main" id="{E0EDFFF9-A3AE-45F6-856E-7AFA922E6851}"/>
+                </a:ext>
+              </a:extLst>
+            </p:cNvPr>
+            <p:cNvSpPr txBox="1"/>
+            <p:nvPr/>
+          </p:nvSpPr>
+          <p:spPr>
+            <a:xfrm>
+              <a:off x="8011692" y="3231683"/>
+              <a:ext cx="306600" cy="159300"/>
+            </a:xfrm>
+            <a:prstGeom prst="rect">
+              <a:avLst/>
+            </a:prstGeom>
+            <a:solidFill>
+              <a:schemeClr val="accent1"/>
+            </a:solidFill>
+            <a:ln>
+              <a:noFill/>
+            </a:ln>
+          </p:spPr>
+          <p:txBody>
+            <a:bodyPr spcFirstLastPara="1" wrap="square" lIns="68575" tIns="34275" rIns="68575" bIns="34275" anchor="ctr" anchorCtr="0">
+              <a:noAutofit/>
+            </a:bodyPr>
+            <a:lstStyle/>
+            <a:p>
+              <a:pPr marL="0" marR="0" lvl="0" indent="0" algn="ctr" rtl="0">
+                <a:lnSpc>
+                  <a:spcPct val="100000"/>
+                </a:lnSpc>
+                <a:spcBef>
+                  <a:spcPts val="0"/>
+                </a:spcBef>
+                <a:spcAft>
+                  <a:spcPts val="0"/>
+                </a:spcAft>
+                <a:buClr>
+                  <a:schemeClr val="dk1"/>
+                </a:buClr>
+                <a:buSzPts val="1400"/>
+                <a:buFont typeface="Calibri"/>
+                <a:buNone/>
+              </a:pPr>
+              <a:r>
+                <a:rPr lang="es-ES" sz="2400" b="1" i="0" u="none" dirty="0">
+                  <a:solidFill>
+                    <a:schemeClr val="bg1"/>
+                  </a:solidFill>
+                  <a:latin typeface="Catamaran"/>
+                  <a:ea typeface="Catamaran"/>
+                  <a:cs typeface="Catamaran"/>
+                  <a:sym typeface="Catamaran"/>
+                </a:rPr>
+                <a:t>Construcción de prototipos</a:t>
+              </a:r>
+              <a:endParaRPr sz="2400" b="1" i="0" u="none" dirty="0">
+                <a:solidFill>
+                  <a:schemeClr val="bg1"/>
+                </a:solidFill>
+                <a:latin typeface="Catamaran"/>
+                <a:ea typeface="Catamaran"/>
+                <a:cs typeface="Catamaran"/>
+                <a:sym typeface="Catamaran"/>
+              </a:endParaRPr>
+            </a:p>
+          </p:txBody>
+        </p:sp>
+        <p:sp>
+          <p:nvSpPr>
+            <p:cNvPr id="12" name="Google Shape;1413;p48">
+              <a:extLst>
+                <a:ext uri="{FF2B5EF4-FFF2-40B4-BE49-F238E27FC236}">
+                  <a16:creationId xmlns:a16="http://schemas.microsoft.com/office/drawing/2014/main" id="{46E8FB97-98E9-4191-B288-EB1636D2F31E}"/>
+                </a:ext>
+              </a:extLst>
+            </p:cNvPr>
+            <p:cNvSpPr txBox="1"/>
+            <p:nvPr/>
+          </p:nvSpPr>
+          <p:spPr>
+            <a:xfrm>
+              <a:off x="8011692" y="3718293"/>
+              <a:ext cx="306600" cy="159300"/>
+            </a:xfrm>
+            <a:prstGeom prst="rect">
+              <a:avLst/>
+            </a:prstGeom>
+            <a:solidFill>
+              <a:schemeClr val="accent4"/>
+            </a:solidFill>
+            <a:ln>
+              <a:noFill/>
+            </a:ln>
+          </p:spPr>
+          <p:txBody>
+            <a:bodyPr spcFirstLastPara="1" wrap="square" lIns="68575" tIns="34275" rIns="68575" bIns="34275" anchor="ctr" anchorCtr="0">
+              <a:noAutofit/>
+            </a:bodyPr>
+            <a:lstStyle/>
+            <a:p>
+              <a:pPr marL="0" marR="0" lvl="0" indent="0" algn="ctr" rtl="0">
+                <a:lnSpc>
+                  <a:spcPct val="100000"/>
+                </a:lnSpc>
+                <a:spcBef>
+                  <a:spcPts val="0"/>
+                </a:spcBef>
+                <a:spcAft>
+                  <a:spcPts val="0"/>
+                </a:spcAft>
+                <a:buClr>
+                  <a:schemeClr val="dk1"/>
+                </a:buClr>
+                <a:buSzPts val="1400"/>
+                <a:buFont typeface="Calibri"/>
+                <a:buNone/>
+              </a:pPr>
+              <a:r>
+                <a:rPr lang="es-ES" sz="2400" b="1" i="0" u="none" dirty="0">
+                  <a:solidFill>
+                    <a:schemeClr val="bg1"/>
+                  </a:solidFill>
+                  <a:latin typeface="Catamaran"/>
+                  <a:ea typeface="Catamaran"/>
+                  <a:cs typeface="Catamaran"/>
+                  <a:sym typeface="Catamaran"/>
+                </a:rPr>
+                <a:t>Producto final</a:t>
+              </a:r>
+              <a:endParaRPr sz="2400" b="1" i="0" u="none" dirty="0">
+                <a:solidFill>
+                  <a:schemeClr val="bg1"/>
+                </a:solidFill>
+                <a:latin typeface="Catamaran"/>
+                <a:ea typeface="Catamaran"/>
+                <a:cs typeface="Catamaran"/>
+                <a:sym typeface="Catamaran"/>
+              </a:endParaRPr>
+            </a:p>
+          </p:txBody>
+        </p:sp>
+        <p:sp>
+          <p:nvSpPr>
+            <p:cNvPr id="13" name="Google Shape;1414;p48">
+              <a:extLst>
+                <a:ext uri="{FF2B5EF4-FFF2-40B4-BE49-F238E27FC236}">
+                  <a16:creationId xmlns:a16="http://schemas.microsoft.com/office/drawing/2014/main" id="{9D83F03B-6DD9-452E-AE56-27F0A11C00E7}"/>
+                </a:ext>
+              </a:extLst>
+            </p:cNvPr>
+            <p:cNvSpPr txBox="1"/>
+            <p:nvPr/>
+          </p:nvSpPr>
+          <p:spPr>
+            <a:xfrm>
+              <a:off x="8011692" y="3556812"/>
+              <a:ext cx="306600" cy="157200"/>
+            </a:xfrm>
+            <a:prstGeom prst="rect">
+              <a:avLst/>
+            </a:prstGeom>
+            <a:solidFill>
+              <a:schemeClr val="accent3"/>
+            </a:solidFill>
+            <a:ln>
+              <a:noFill/>
+            </a:ln>
+          </p:spPr>
+          <p:txBody>
+            <a:bodyPr spcFirstLastPara="1" wrap="square" lIns="68575" tIns="34275" rIns="68575" bIns="34275" anchor="ctr" anchorCtr="0">
+              <a:noAutofit/>
+            </a:bodyPr>
+            <a:lstStyle/>
+            <a:p>
+              <a:pPr marL="0" marR="0" lvl="0" indent="0" algn="ctr" rtl="0">
+                <a:lnSpc>
+                  <a:spcPct val="100000"/>
+                </a:lnSpc>
+                <a:spcBef>
+                  <a:spcPts val="0"/>
+                </a:spcBef>
+                <a:spcAft>
+                  <a:spcPts val="0"/>
+                </a:spcAft>
+                <a:buClr>
+                  <a:schemeClr val="dk1"/>
+                </a:buClr>
+                <a:buSzPts val="1400"/>
+                <a:buFont typeface="Calibri"/>
+                <a:buNone/>
+              </a:pPr>
+              <a:r>
+                <a:rPr lang="es-ES" sz="2400" b="1" i="0" u="none" dirty="0">
+                  <a:solidFill>
+                    <a:schemeClr val="bg1"/>
+                  </a:solidFill>
+                  <a:latin typeface="Catamaran"/>
+                  <a:ea typeface="Catamaran"/>
+                  <a:cs typeface="Catamaran"/>
+                  <a:sym typeface="Catamaran"/>
+                </a:rPr>
+                <a:t>Primeros</a:t>
+              </a:r>
+              <a:r>
+                <a:rPr lang="es-ES" sz="2800" b="1" i="0" u="none" dirty="0">
+                  <a:solidFill>
+                    <a:schemeClr val="bg1"/>
+                  </a:solidFill>
+                  <a:latin typeface="Catamaran"/>
+                  <a:ea typeface="Catamaran"/>
+                  <a:cs typeface="Catamaran"/>
+                  <a:sym typeface="Catamaran"/>
+                </a:rPr>
+                <a:t> </a:t>
+              </a:r>
+              <a:r>
+                <a:rPr lang="es-ES" sz="2400" b="1" i="0" u="none" dirty="0">
+                  <a:solidFill>
+                    <a:schemeClr val="bg1"/>
+                  </a:solidFill>
+                  <a:latin typeface="Catamaran"/>
+                  <a:ea typeface="Catamaran"/>
+                  <a:cs typeface="Catamaran"/>
+                  <a:sym typeface="Catamaran"/>
+                </a:rPr>
+                <a:t>despliegues</a:t>
+              </a:r>
+              <a:endParaRPr sz="2800" b="1" i="0" u="none" dirty="0">
+                <a:solidFill>
+                  <a:schemeClr val="bg1"/>
+                </a:solidFill>
+                <a:latin typeface="Catamaran"/>
+                <a:ea typeface="Catamaran"/>
+                <a:cs typeface="Catamaran"/>
+                <a:sym typeface="Catamaran"/>
+              </a:endParaRPr>
+            </a:p>
+          </p:txBody>
+        </p:sp>
+      </p:grpSp>
+    </p:spTree>
+    <p:extLst>
+      <p:ext uri="{BB962C8B-B14F-4D97-AF65-F5344CB8AC3E}">
+        <p14:creationId xmlns:p14="http://schemas.microsoft.com/office/powerpoint/2010/main" val="468109639"/>
       </p:ext>
     </p:extLst>
   </p:cSld>
@@ -18550,1471 +18586,6 @@
         </p:nvSpPr>
         <p:spPr>
           <a:xfrm>
-            <a:off x="779100" y="835999"/>
-            <a:ext cx="8250184" cy="979353"/>
-          </a:xfrm>
-        </p:spPr>
-        <p:txBody>
-          <a:bodyPr anchor="t"/>
-          <a:lstStyle/>
-          <a:p>
-            <a:r>
-              <a:rPr lang="es-ES" dirty="0"/>
-              <a:t>Especificación de requisitos (2/2)</a:t>
-            </a:r>
-            <a:r>
-              <a:rPr lang="es-ES" b="0" dirty="0"/>
-              <a:t> – RF y RNF</a:t>
-            </a:r>
-            <a:endParaRPr lang="es-ES" dirty="0"/>
-          </a:p>
-        </p:txBody>
-      </p:sp>
-      <p:sp>
-        <p:nvSpPr>
-          <p:cNvPr id="2" name="Marcador de texto 1">
-            <a:extLst>
-              <a:ext uri="{FF2B5EF4-FFF2-40B4-BE49-F238E27FC236}">
-                <a16:creationId xmlns:a16="http://schemas.microsoft.com/office/drawing/2014/main" id="{00E721FB-67D7-4442-B14A-9203B4ACCB73}"/>
-              </a:ext>
-            </a:extLst>
-          </p:cNvPr>
-          <p:cNvSpPr>
-            <a:spLocks noGrp="1"/>
-          </p:cNvSpPr>
-          <p:nvPr>
-            <p:ph type="body" idx="1"/>
-          </p:nvPr>
-        </p:nvSpPr>
-        <p:spPr>
-          <a:xfrm>
-            <a:off x="563946" y="1815351"/>
-            <a:ext cx="4102183" cy="2564927"/>
-          </a:xfrm>
-        </p:spPr>
-        <p:txBody>
-          <a:bodyPr anchor="ctr"/>
-          <a:lstStyle/>
-          <a:p>
-            <a:pPr marL="127000" indent="0" algn="ctr">
-              <a:buNone/>
-            </a:pPr>
-            <a:r>
-              <a:rPr lang="es-ES" dirty="0">
-                <a:solidFill>
-                  <a:schemeClr val="accent1">
-                    <a:lumMod val="40000"/>
-                    <a:lumOff val="60000"/>
-                  </a:schemeClr>
-                </a:solidFill>
-              </a:rPr>
-              <a:t>Otros RF</a:t>
-            </a:r>
-          </a:p>
-          <a:p>
-            <a:r>
-              <a:rPr lang="es-ES" sz="2000" dirty="0"/>
-              <a:t>Añadir rutas dinámicamente</a:t>
-            </a:r>
-          </a:p>
-          <a:p>
-            <a:r>
-              <a:rPr lang="es-ES" sz="2000" dirty="0"/>
-              <a:t>Efectuar doble comunicación</a:t>
-            </a:r>
-          </a:p>
-          <a:p>
-            <a:r>
-              <a:rPr lang="es-ES" sz="2000" dirty="0" err="1"/>
-              <a:t>Multiinstanciar</a:t>
-            </a:r>
-            <a:r>
-              <a:rPr lang="es-ES" sz="2000" dirty="0"/>
-              <a:t> microservicios</a:t>
-            </a:r>
-          </a:p>
-          <a:p>
-            <a:r>
-              <a:rPr lang="es-ES" sz="2000" dirty="0"/>
-              <a:t>Balancear de carga</a:t>
-            </a:r>
-          </a:p>
-          <a:p>
-            <a:r>
-              <a:rPr lang="es-ES" sz="2000" dirty="0"/>
-              <a:t>Versionar microservicios</a:t>
-            </a:r>
-          </a:p>
-          <a:p>
-            <a:r>
-              <a:rPr lang="es-ES" sz="2000" dirty="0" err="1"/>
-              <a:t>Multiinstanciar</a:t>
-            </a:r>
-            <a:r>
-              <a:rPr lang="es-ES" sz="2000" dirty="0"/>
-              <a:t> </a:t>
-            </a:r>
-            <a:r>
-              <a:rPr lang="es-ES" sz="2000" i="1" dirty="0"/>
-              <a:t>proxy</a:t>
-            </a:r>
-            <a:r>
-              <a:rPr lang="es-ES" sz="2000" dirty="0"/>
-              <a:t> inversos</a:t>
-            </a:r>
-          </a:p>
-          <a:p>
-            <a:r>
-              <a:rPr lang="es-ES" sz="2000" dirty="0"/>
-              <a:t>Instanciar </a:t>
-            </a:r>
-            <a:r>
-              <a:rPr lang="es-ES" sz="2000" i="1" dirty="0"/>
-              <a:t>proxy</a:t>
-            </a:r>
-            <a:r>
-              <a:rPr lang="es-ES" sz="2000" dirty="0"/>
-              <a:t> inversos exclusivos</a:t>
-            </a:r>
-          </a:p>
-        </p:txBody>
-      </p:sp>
-      <p:sp>
-        <p:nvSpPr>
-          <p:cNvPr id="6" name="Google Shape;342;p24">
-            <a:extLst>
-              <a:ext uri="{FF2B5EF4-FFF2-40B4-BE49-F238E27FC236}">
-                <a16:creationId xmlns:a16="http://schemas.microsoft.com/office/drawing/2014/main" id="{57CD6963-C021-4F2A-B2B3-BC2173F77F80}"/>
-              </a:ext>
-            </a:extLst>
-          </p:cNvPr>
-          <p:cNvSpPr txBox="1">
-            <a:spLocks noGrp="1"/>
-          </p:cNvSpPr>
-          <p:nvPr>
-            <p:ph type="sldNum" idx="12"/>
-          </p:nvPr>
-        </p:nvSpPr>
-        <p:spPr>
-          <a:prstGeom prst="rect">
-            <a:avLst/>
-          </a:prstGeom>
-        </p:spPr>
-        <p:txBody>
-          <a:bodyPr spcFirstLastPara="1" wrap="square" lIns="0" tIns="0" rIns="0" bIns="0" anchor="ctr" anchorCtr="0">
-            <a:noAutofit/>
-          </a:bodyPr>
-          <a:lstStyle/>
-          <a:p>
-            <a:pPr marL="0" lvl="0" indent="0" algn="r" rtl="0">
-              <a:spcBef>
-                <a:spcPts val="0"/>
-              </a:spcBef>
-              <a:spcAft>
-                <a:spcPts val="0"/>
-              </a:spcAft>
-              <a:buNone/>
-            </a:pPr>
-            <a:fld id="{00000000-1234-1234-1234-123412341234}" type="slidenum">
-              <a:rPr lang="en"/>
-              <a:t>20</a:t>
-            </a:fld>
-            <a:endParaRPr dirty="0"/>
-          </a:p>
-        </p:txBody>
-      </p:sp>
-      <p:sp>
-        <p:nvSpPr>
-          <p:cNvPr id="7" name="Marcador de texto 1">
-            <a:extLst>
-              <a:ext uri="{FF2B5EF4-FFF2-40B4-BE49-F238E27FC236}">
-                <a16:creationId xmlns:a16="http://schemas.microsoft.com/office/drawing/2014/main" id="{7BA7E9A5-01DB-400F-BEA8-D0FD1FBD6BB8}"/>
-              </a:ext>
-            </a:extLst>
-          </p:cNvPr>
-          <p:cNvSpPr txBox="1">
-            <a:spLocks/>
-          </p:cNvSpPr>
-          <p:nvPr/>
-        </p:nvSpPr>
-        <p:spPr>
-          <a:xfrm>
-            <a:off x="5016572" y="1985683"/>
-            <a:ext cx="3293711" cy="1851213"/>
-          </a:xfrm>
-          <a:prstGeom prst="rect">
-            <a:avLst/>
-          </a:prstGeom>
-          <a:noFill/>
-          <a:ln>
-            <a:noFill/>
-          </a:ln>
-        </p:spPr>
-        <p:txBody>
-          <a:bodyPr spcFirstLastPara="1" wrap="square" lIns="0" tIns="0" rIns="0" bIns="0" anchor="ctr" anchorCtr="0">
-            <a:noAutofit/>
-          </a:bodyPr>
-          <a:lstStyle>
-            <a:defPPr marR="0" lvl="0" algn="l" rtl="0">
-              <a:lnSpc>
-                <a:spcPct val="100000"/>
-              </a:lnSpc>
-              <a:spcBef>
-                <a:spcPts val="0"/>
-              </a:spcBef>
-              <a:spcAft>
-                <a:spcPts val="0"/>
-              </a:spcAft>
-            </a:defPPr>
-            <a:lvl1pPr marL="457200" marR="0" lvl="0" indent="-330200" algn="l" rtl="0">
-              <a:lnSpc>
-                <a:spcPct val="115000"/>
-              </a:lnSpc>
-              <a:spcBef>
-                <a:spcPts val="0"/>
-              </a:spcBef>
-              <a:spcAft>
-                <a:spcPts val="0"/>
-              </a:spcAft>
-              <a:buClr>
-                <a:schemeClr val="accent5"/>
-              </a:buClr>
-              <a:buSzPts val="1600"/>
-              <a:buFont typeface="Catamaran Thin"/>
-              <a:buChar char="⬢"/>
-              <a:defRPr sz="2400" b="0" i="0" u="none" strike="noStrike" cap="none">
-                <a:solidFill>
-                  <a:schemeClr val="dk1"/>
-                </a:solidFill>
-                <a:latin typeface="Catamaran Thin"/>
-                <a:ea typeface="Catamaran Thin"/>
-                <a:cs typeface="Catamaran Thin"/>
-                <a:sym typeface="Catamaran Thin"/>
-              </a:defRPr>
-            </a:lvl1pPr>
-            <a:lvl2pPr marL="914400" marR="0" lvl="1" indent="-330200" algn="l" rtl="0">
-              <a:lnSpc>
-                <a:spcPct val="115000"/>
-              </a:lnSpc>
-              <a:spcBef>
-                <a:spcPts val="800"/>
-              </a:spcBef>
-              <a:spcAft>
-                <a:spcPts val="0"/>
-              </a:spcAft>
-              <a:buClr>
-                <a:schemeClr val="accent5"/>
-              </a:buClr>
-              <a:buSzPts val="1600"/>
-              <a:buFont typeface="Catamaran Thin"/>
-              <a:buChar char="⬡"/>
-              <a:defRPr sz="2400" b="0" i="0" u="none" strike="noStrike" cap="none">
-                <a:solidFill>
-                  <a:schemeClr val="dk1"/>
-                </a:solidFill>
-                <a:latin typeface="Catamaran Thin"/>
-                <a:ea typeface="Catamaran Thin"/>
-                <a:cs typeface="Catamaran Thin"/>
-                <a:sym typeface="Catamaran Thin"/>
-              </a:defRPr>
-            </a:lvl2pPr>
-            <a:lvl3pPr marL="1371600" marR="0" lvl="2" indent="-330200" algn="l" rtl="0">
-              <a:lnSpc>
-                <a:spcPct val="115000"/>
-              </a:lnSpc>
-              <a:spcBef>
-                <a:spcPts val="800"/>
-              </a:spcBef>
-              <a:spcAft>
-                <a:spcPts val="0"/>
-              </a:spcAft>
-              <a:buClr>
-                <a:schemeClr val="dk2"/>
-              </a:buClr>
-              <a:buSzPts val="1600"/>
-              <a:buFont typeface="Catamaran Thin"/>
-              <a:buChar char="⬡"/>
-              <a:defRPr sz="2400" b="0" i="0" u="none" strike="noStrike" cap="none">
-                <a:solidFill>
-                  <a:schemeClr val="dk1"/>
-                </a:solidFill>
-                <a:latin typeface="Catamaran Thin"/>
-                <a:ea typeface="Catamaran Thin"/>
-                <a:cs typeface="Catamaran Thin"/>
-                <a:sym typeface="Catamaran Thin"/>
-              </a:defRPr>
-            </a:lvl3pPr>
-            <a:lvl4pPr marL="1828800" marR="0" lvl="3" indent="-381000" algn="l" rtl="0">
-              <a:lnSpc>
-                <a:spcPct val="115000"/>
-              </a:lnSpc>
-              <a:spcBef>
-                <a:spcPts val="800"/>
-              </a:spcBef>
-              <a:spcAft>
-                <a:spcPts val="0"/>
-              </a:spcAft>
-              <a:buClr>
-                <a:schemeClr val="dk1"/>
-              </a:buClr>
-              <a:buSzPts val="2400"/>
-              <a:buFont typeface="Catamaran Thin"/>
-              <a:buChar char="●"/>
-              <a:defRPr sz="2400" b="0" i="0" u="none" strike="noStrike" cap="none">
-                <a:solidFill>
-                  <a:schemeClr val="dk1"/>
-                </a:solidFill>
-                <a:latin typeface="Catamaran Thin"/>
-                <a:ea typeface="Catamaran Thin"/>
-                <a:cs typeface="Catamaran Thin"/>
-                <a:sym typeface="Catamaran Thin"/>
-              </a:defRPr>
-            </a:lvl4pPr>
-            <a:lvl5pPr marL="2286000" marR="0" lvl="4" indent="-381000" algn="l" rtl="0">
-              <a:lnSpc>
-                <a:spcPct val="115000"/>
-              </a:lnSpc>
-              <a:spcBef>
-                <a:spcPts val="800"/>
-              </a:spcBef>
-              <a:spcAft>
-                <a:spcPts val="0"/>
-              </a:spcAft>
-              <a:buClr>
-                <a:schemeClr val="dk1"/>
-              </a:buClr>
-              <a:buSzPts val="2400"/>
-              <a:buFont typeface="Catamaran Thin"/>
-              <a:buChar char="○"/>
-              <a:defRPr sz="2400" b="0" i="0" u="none" strike="noStrike" cap="none">
-                <a:solidFill>
-                  <a:schemeClr val="dk1"/>
-                </a:solidFill>
-                <a:latin typeface="Catamaran Thin"/>
-                <a:ea typeface="Catamaran Thin"/>
-                <a:cs typeface="Catamaran Thin"/>
-                <a:sym typeface="Catamaran Thin"/>
-              </a:defRPr>
-            </a:lvl5pPr>
-            <a:lvl6pPr marL="2743200" marR="0" lvl="5" indent="-381000" algn="l" rtl="0">
-              <a:lnSpc>
-                <a:spcPct val="115000"/>
-              </a:lnSpc>
-              <a:spcBef>
-                <a:spcPts val="800"/>
-              </a:spcBef>
-              <a:spcAft>
-                <a:spcPts val="0"/>
-              </a:spcAft>
-              <a:buClr>
-                <a:schemeClr val="dk1"/>
-              </a:buClr>
-              <a:buSzPts val="2400"/>
-              <a:buFont typeface="Catamaran Thin"/>
-              <a:buChar char="■"/>
-              <a:defRPr sz="2400" b="0" i="0" u="none" strike="noStrike" cap="none">
-                <a:solidFill>
-                  <a:schemeClr val="dk1"/>
-                </a:solidFill>
-                <a:latin typeface="Catamaran Thin"/>
-                <a:ea typeface="Catamaran Thin"/>
-                <a:cs typeface="Catamaran Thin"/>
-                <a:sym typeface="Catamaran Thin"/>
-              </a:defRPr>
-            </a:lvl6pPr>
-            <a:lvl7pPr marL="3200400" marR="0" lvl="6" indent="-381000" algn="l" rtl="0">
-              <a:lnSpc>
-                <a:spcPct val="115000"/>
-              </a:lnSpc>
-              <a:spcBef>
-                <a:spcPts val="800"/>
-              </a:spcBef>
-              <a:spcAft>
-                <a:spcPts val="0"/>
-              </a:spcAft>
-              <a:buClr>
-                <a:schemeClr val="dk1"/>
-              </a:buClr>
-              <a:buSzPts val="2400"/>
-              <a:buFont typeface="Catamaran Thin"/>
-              <a:buChar char="●"/>
-              <a:defRPr sz="2400" b="0" i="0" u="none" strike="noStrike" cap="none">
-                <a:solidFill>
-                  <a:schemeClr val="dk1"/>
-                </a:solidFill>
-                <a:latin typeface="Catamaran Thin"/>
-                <a:ea typeface="Catamaran Thin"/>
-                <a:cs typeface="Catamaran Thin"/>
-                <a:sym typeface="Catamaran Thin"/>
-              </a:defRPr>
-            </a:lvl7pPr>
-            <a:lvl8pPr marL="3657600" marR="0" lvl="7" indent="-381000" algn="l" rtl="0">
-              <a:lnSpc>
-                <a:spcPct val="115000"/>
-              </a:lnSpc>
-              <a:spcBef>
-                <a:spcPts val="800"/>
-              </a:spcBef>
-              <a:spcAft>
-                <a:spcPts val="0"/>
-              </a:spcAft>
-              <a:buClr>
-                <a:schemeClr val="dk1"/>
-              </a:buClr>
-              <a:buSzPts val="2400"/>
-              <a:buFont typeface="Catamaran Thin"/>
-              <a:buChar char="○"/>
-              <a:defRPr sz="2400" b="0" i="0" u="none" strike="noStrike" cap="none">
-                <a:solidFill>
-                  <a:schemeClr val="dk1"/>
-                </a:solidFill>
-                <a:latin typeface="Catamaran Thin"/>
-                <a:ea typeface="Catamaran Thin"/>
-                <a:cs typeface="Catamaran Thin"/>
-                <a:sym typeface="Catamaran Thin"/>
-              </a:defRPr>
-            </a:lvl8pPr>
-            <a:lvl9pPr marL="4114800" marR="0" lvl="8" indent="-381000" algn="l" rtl="0">
-              <a:lnSpc>
-                <a:spcPct val="115000"/>
-              </a:lnSpc>
-              <a:spcBef>
-                <a:spcPts val="800"/>
-              </a:spcBef>
-              <a:spcAft>
-                <a:spcPts val="800"/>
-              </a:spcAft>
-              <a:buClr>
-                <a:schemeClr val="dk1"/>
-              </a:buClr>
-              <a:buSzPts val="2400"/>
-              <a:buFont typeface="Catamaran Thin"/>
-              <a:buChar char="■"/>
-              <a:defRPr sz="2400" b="0" i="0" u="none" strike="noStrike" cap="none">
-                <a:solidFill>
-                  <a:schemeClr val="dk1"/>
-                </a:solidFill>
-                <a:latin typeface="Catamaran Thin"/>
-                <a:ea typeface="Catamaran Thin"/>
-                <a:cs typeface="Catamaran Thin"/>
-                <a:sym typeface="Catamaran Thin"/>
-              </a:defRPr>
-            </a:lvl9pPr>
-          </a:lstStyle>
-          <a:p>
-            <a:pPr marL="127000" indent="0" algn="ctr">
-              <a:buNone/>
-            </a:pPr>
-            <a:r>
-              <a:rPr lang="es-ES" dirty="0">
-                <a:solidFill>
-                  <a:schemeClr val="accent1">
-                    <a:lumMod val="40000"/>
-                    <a:lumOff val="60000"/>
-                  </a:schemeClr>
-                </a:solidFill>
-              </a:rPr>
-              <a:t>RNF</a:t>
-            </a:r>
-          </a:p>
-          <a:p>
-            <a:r>
-              <a:rPr lang="es-ES" sz="2000" dirty="0"/>
-              <a:t>Autenticación de peticiones</a:t>
-            </a:r>
-          </a:p>
-          <a:p>
-            <a:r>
-              <a:rPr lang="es-ES" sz="2000" dirty="0"/>
-              <a:t>Enrutamiento eficaz</a:t>
-            </a:r>
-          </a:p>
-          <a:p>
-            <a:r>
-              <a:rPr lang="es-ES" sz="2000" dirty="0"/>
-              <a:t>Tecnología impuesta</a:t>
-            </a:r>
-          </a:p>
-          <a:p>
-            <a:r>
-              <a:rPr lang="es-ES" sz="2000" dirty="0"/>
-              <a:t>Estructura del proyecto</a:t>
-            </a:r>
-            <a:endParaRPr lang="es-ES" dirty="0"/>
-          </a:p>
-        </p:txBody>
-      </p:sp>
-    </p:spTree>
-    <p:extLst>
-      <p:ext uri="{BB962C8B-B14F-4D97-AF65-F5344CB8AC3E}">
-        <p14:creationId xmlns:p14="http://schemas.microsoft.com/office/powerpoint/2010/main" val="805546150"/>
-      </p:ext>
-    </p:extLst>
-  </p:cSld>
-  <p:clrMapOvr>
-    <a:masterClrMapping/>
-  </p:clrMapOvr>
-</p:sld>
-</file>
-
-<file path=ppt/slides/slide21.xml><?xml version="1.0" encoding="utf-8"?>
-<p:sld xmlns:a="http://schemas.openxmlformats.org/drawingml/2006/main" xmlns:r="http://schemas.openxmlformats.org/officeDocument/2006/relationships" xmlns:p="http://schemas.openxmlformats.org/presentationml/2006/main">
-  <p:cSld>
-    <p:spTree>
-      <p:nvGrpSpPr>
-        <p:cNvPr id="1" name=""/>
-        <p:cNvGrpSpPr/>
-        <p:nvPr/>
-      </p:nvGrpSpPr>
-      <p:grpSpPr>
-        <a:xfrm>
-          <a:off x="0" y="0"/>
-          <a:ext cx="0" cy="0"/>
-          <a:chOff x="0" y="0"/>
-          <a:chExt cx="0" cy="0"/>
-        </a:xfrm>
-      </p:grpSpPr>
-      <p:sp>
-        <p:nvSpPr>
-          <p:cNvPr id="4" name="Título 3">
-            <a:extLst>
-              <a:ext uri="{FF2B5EF4-FFF2-40B4-BE49-F238E27FC236}">
-                <a16:creationId xmlns:a16="http://schemas.microsoft.com/office/drawing/2014/main" id="{BF52B7DE-5887-4E0E-A1E2-39957FD5F9FF}"/>
-              </a:ext>
-            </a:extLst>
-          </p:cNvPr>
-          <p:cNvSpPr>
-            <a:spLocks noGrp="1"/>
-          </p:cNvSpPr>
-          <p:nvPr>
-            <p:ph type="title"/>
-          </p:nvPr>
-        </p:nvSpPr>
-        <p:spPr/>
-        <p:txBody>
-          <a:bodyPr/>
-          <a:lstStyle/>
-          <a:p>
-            <a:r>
-              <a:rPr lang="es-ES" dirty="0"/>
-              <a:t>Diseño</a:t>
-            </a:r>
-          </a:p>
-        </p:txBody>
-      </p:sp>
-      <p:sp>
-        <p:nvSpPr>
-          <p:cNvPr id="6" name="Google Shape;342;p24">
-            <a:extLst>
-              <a:ext uri="{FF2B5EF4-FFF2-40B4-BE49-F238E27FC236}">
-                <a16:creationId xmlns:a16="http://schemas.microsoft.com/office/drawing/2014/main" id="{57CD6963-C021-4F2A-B2B3-BC2173F77F80}"/>
-              </a:ext>
-            </a:extLst>
-          </p:cNvPr>
-          <p:cNvSpPr txBox="1">
-            <a:spLocks noGrp="1"/>
-          </p:cNvSpPr>
-          <p:nvPr>
-            <p:ph type="sldNum" idx="12"/>
-          </p:nvPr>
-        </p:nvSpPr>
-        <p:spPr>
-          <a:xfrm>
-            <a:off x="8480584" y="4749851"/>
-            <a:ext cx="548700" cy="393600"/>
-          </a:xfrm>
-          <a:prstGeom prst="rect">
-            <a:avLst/>
-          </a:prstGeom>
-        </p:spPr>
-        <p:txBody>
-          <a:bodyPr spcFirstLastPara="1" wrap="square" lIns="0" tIns="0" rIns="0" bIns="0" anchor="ctr" anchorCtr="0">
-            <a:noAutofit/>
-          </a:bodyPr>
-          <a:lstStyle/>
-          <a:p>
-            <a:pPr marL="0" lvl="0" indent="0" algn="r" rtl="0">
-              <a:spcBef>
-                <a:spcPts val="0"/>
-              </a:spcBef>
-              <a:spcAft>
-                <a:spcPts val="0"/>
-              </a:spcAft>
-              <a:buNone/>
-            </a:pPr>
-            <a:fld id="{00000000-1234-1234-1234-123412341234}" type="slidenum">
-              <a:rPr lang="en"/>
-              <a:t>21</a:t>
-            </a:fld>
-            <a:endParaRPr dirty="0"/>
-          </a:p>
-        </p:txBody>
-      </p:sp>
-      <p:pic>
-        <p:nvPicPr>
-          <p:cNvPr id="3" name="Imagen 2" descr="Texto&#10;&#10;Descripción generada automáticamente">
-            <a:extLst>
-              <a:ext uri="{FF2B5EF4-FFF2-40B4-BE49-F238E27FC236}">
-                <a16:creationId xmlns:a16="http://schemas.microsoft.com/office/drawing/2014/main" id="{C58007B6-8CDD-4339-9050-08BC6D7E4BDE}"/>
-              </a:ext>
-            </a:extLst>
-          </p:cNvPr>
-          <p:cNvPicPr>
-            <a:picLocks noChangeAspect="1"/>
-          </p:cNvPicPr>
-          <p:nvPr/>
-        </p:nvPicPr>
-        <p:blipFill>
-          <a:blip r:embed="rId2"/>
-          <a:stretch>
-            <a:fillRect/>
-          </a:stretch>
-        </p:blipFill>
-        <p:spPr>
-          <a:xfrm>
-            <a:off x="4511490" y="2103543"/>
-            <a:ext cx="3813140" cy="1383529"/>
-          </a:xfrm>
-          <a:prstGeom prst="rect">
-            <a:avLst/>
-          </a:prstGeom>
-        </p:spPr>
-      </p:pic>
-      <p:pic>
-        <p:nvPicPr>
-          <p:cNvPr id="8" name="Imagen 7" descr="Diagrama&#10;&#10;Descripción generada automáticamente">
-            <a:extLst>
-              <a:ext uri="{FF2B5EF4-FFF2-40B4-BE49-F238E27FC236}">
-                <a16:creationId xmlns:a16="http://schemas.microsoft.com/office/drawing/2014/main" id="{0D3DC8FF-97D0-4F30-BE65-827FF9AEBBBB}"/>
-              </a:ext>
-            </a:extLst>
-          </p:cNvPr>
-          <p:cNvPicPr>
-            <a:picLocks noChangeAspect="1"/>
-          </p:cNvPicPr>
-          <p:nvPr/>
-        </p:nvPicPr>
-        <p:blipFill>
-          <a:blip r:embed="rId3"/>
-          <a:stretch>
-            <a:fillRect/>
-          </a:stretch>
-        </p:blipFill>
-        <p:spPr>
-          <a:xfrm>
-            <a:off x="1135447" y="1376994"/>
-            <a:ext cx="2777647" cy="3372857"/>
-          </a:xfrm>
-          <a:prstGeom prst="rect">
-            <a:avLst/>
-          </a:prstGeom>
-        </p:spPr>
-      </p:pic>
-    </p:spTree>
-    <p:extLst>
-      <p:ext uri="{BB962C8B-B14F-4D97-AF65-F5344CB8AC3E}">
-        <p14:creationId xmlns:p14="http://schemas.microsoft.com/office/powerpoint/2010/main" val="2644552776"/>
-      </p:ext>
-    </p:extLst>
-  </p:cSld>
-  <p:clrMapOvr>
-    <a:masterClrMapping/>
-  </p:clrMapOvr>
-</p:sld>
-</file>
-
-<file path=ppt/slides/slide22.xml><?xml version="1.0" encoding="utf-8"?>
-<p:sld xmlns:a="http://schemas.openxmlformats.org/drawingml/2006/main" xmlns:r="http://schemas.openxmlformats.org/officeDocument/2006/relationships" xmlns:p="http://schemas.openxmlformats.org/presentationml/2006/main">
-  <p:cSld>
-    <p:spTree>
-      <p:nvGrpSpPr>
-        <p:cNvPr id="1" name=""/>
-        <p:cNvGrpSpPr/>
-        <p:nvPr/>
-      </p:nvGrpSpPr>
-      <p:grpSpPr>
-        <a:xfrm>
-          <a:off x="0" y="0"/>
-          <a:ext cx="0" cy="0"/>
-          <a:chOff x="0" y="0"/>
-          <a:chExt cx="0" cy="0"/>
-        </a:xfrm>
-      </p:grpSpPr>
-      <p:sp>
-        <p:nvSpPr>
-          <p:cNvPr id="4" name="Título 3">
-            <a:extLst>
-              <a:ext uri="{FF2B5EF4-FFF2-40B4-BE49-F238E27FC236}">
-                <a16:creationId xmlns:a16="http://schemas.microsoft.com/office/drawing/2014/main" id="{BF52B7DE-5887-4E0E-A1E2-39957FD5F9FF}"/>
-              </a:ext>
-            </a:extLst>
-          </p:cNvPr>
-          <p:cNvSpPr>
-            <a:spLocks noGrp="1"/>
-          </p:cNvSpPr>
-          <p:nvPr>
-            <p:ph type="title"/>
-          </p:nvPr>
-        </p:nvSpPr>
-        <p:spPr>
-          <a:xfrm>
-            <a:off x="779099" y="836000"/>
-            <a:ext cx="7867359" cy="396300"/>
-          </a:xfrm>
-        </p:spPr>
-        <p:txBody>
-          <a:bodyPr anchor="t"/>
-          <a:lstStyle/>
-          <a:p>
-            <a:r>
-              <a:rPr lang="es-ES" dirty="0"/>
-              <a:t>Programación (1/5)</a:t>
-            </a:r>
-            <a:r>
-              <a:rPr lang="es-ES" b="0" dirty="0"/>
-              <a:t> – Construcción de prototipos</a:t>
-            </a:r>
-          </a:p>
-        </p:txBody>
-      </p:sp>
-      <p:sp>
-        <p:nvSpPr>
-          <p:cNvPr id="2" name="Marcador de texto 1">
-            <a:extLst>
-              <a:ext uri="{FF2B5EF4-FFF2-40B4-BE49-F238E27FC236}">
-                <a16:creationId xmlns:a16="http://schemas.microsoft.com/office/drawing/2014/main" id="{00E721FB-67D7-4442-B14A-9203B4ACCB73}"/>
-              </a:ext>
-            </a:extLst>
-          </p:cNvPr>
-          <p:cNvSpPr>
-            <a:spLocks noGrp="1"/>
-          </p:cNvSpPr>
-          <p:nvPr>
-            <p:ph type="body" idx="1"/>
-          </p:nvPr>
-        </p:nvSpPr>
-        <p:spPr>
-          <a:xfrm>
-            <a:off x="779098" y="2023783"/>
-            <a:ext cx="7369819" cy="2666526"/>
-          </a:xfrm>
-        </p:spPr>
-        <p:txBody>
-          <a:bodyPr/>
-          <a:lstStyle/>
-          <a:p>
-            <a:pPr>
-              <a:lnSpc>
-                <a:spcPct val="150000"/>
-              </a:lnSpc>
-            </a:pPr>
-            <a:r>
-              <a:rPr lang="es-ES" dirty="0"/>
-              <a:t>Motivación prototipos</a:t>
-            </a:r>
-          </a:p>
-          <a:p>
-            <a:pPr>
-              <a:lnSpc>
-                <a:spcPct val="150000"/>
-              </a:lnSpc>
-            </a:pPr>
-            <a:r>
-              <a:rPr lang="es-ES" dirty="0"/>
-              <a:t>Microservicio a mano</a:t>
-            </a:r>
-          </a:p>
-          <a:p>
-            <a:pPr>
-              <a:lnSpc>
-                <a:spcPct val="150000"/>
-              </a:lnSpc>
-            </a:pPr>
-            <a:r>
-              <a:rPr lang="es-ES" dirty="0"/>
-              <a:t>Microservicio autogenerado (flecos pendientes)</a:t>
-            </a:r>
-          </a:p>
-          <a:p>
-            <a:pPr>
-              <a:lnSpc>
-                <a:spcPct val="150000"/>
-              </a:lnSpc>
-            </a:pPr>
-            <a:r>
-              <a:rPr lang="es-ES" dirty="0"/>
-              <a:t>Comparativa</a:t>
-            </a:r>
-          </a:p>
-        </p:txBody>
-      </p:sp>
-      <p:sp>
-        <p:nvSpPr>
-          <p:cNvPr id="6" name="Google Shape;342;p24">
-            <a:extLst>
-              <a:ext uri="{FF2B5EF4-FFF2-40B4-BE49-F238E27FC236}">
-                <a16:creationId xmlns:a16="http://schemas.microsoft.com/office/drawing/2014/main" id="{57CD6963-C021-4F2A-B2B3-BC2173F77F80}"/>
-              </a:ext>
-            </a:extLst>
-          </p:cNvPr>
-          <p:cNvSpPr txBox="1">
-            <a:spLocks noGrp="1"/>
-          </p:cNvSpPr>
-          <p:nvPr>
-            <p:ph type="sldNum" idx="12"/>
-          </p:nvPr>
-        </p:nvSpPr>
-        <p:spPr>
-          <a:prstGeom prst="rect">
-            <a:avLst/>
-          </a:prstGeom>
-        </p:spPr>
-        <p:txBody>
-          <a:bodyPr spcFirstLastPara="1" wrap="square" lIns="0" tIns="0" rIns="0" bIns="0" anchor="ctr" anchorCtr="0">
-            <a:noAutofit/>
-          </a:bodyPr>
-          <a:lstStyle/>
-          <a:p>
-            <a:pPr marL="0" lvl="0" indent="0" algn="r" rtl="0">
-              <a:spcBef>
-                <a:spcPts val="0"/>
-              </a:spcBef>
-              <a:spcAft>
-                <a:spcPts val="0"/>
-              </a:spcAft>
-              <a:buNone/>
-            </a:pPr>
-            <a:fld id="{00000000-1234-1234-1234-123412341234}" type="slidenum">
-              <a:rPr lang="en"/>
-              <a:t>22</a:t>
-            </a:fld>
-            <a:endParaRPr dirty="0"/>
-          </a:p>
-        </p:txBody>
-      </p:sp>
-    </p:spTree>
-    <p:extLst>
-      <p:ext uri="{BB962C8B-B14F-4D97-AF65-F5344CB8AC3E}">
-        <p14:creationId xmlns:p14="http://schemas.microsoft.com/office/powerpoint/2010/main" val="468109639"/>
-      </p:ext>
-    </p:extLst>
-  </p:cSld>
-  <p:clrMapOvr>
-    <a:masterClrMapping/>
-  </p:clrMapOvr>
-</p:sld>
-</file>
-
-<file path=ppt/slides/slide23.xml><?xml version="1.0" encoding="utf-8"?>
-<p:sld xmlns:a="http://schemas.openxmlformats.org/drawingml/2006/main" xmlns:r="http://schemas.openxmlformats.org/officeDocument/2006/relationships" xmlns:p="http://schemas.openxmlformats.org/presentationml/2006/main">
-  <p:cSld>
-    <p:spTree>
-      <p:nvGrpSpPr>
-        <p:cNvPr id="1" name=""/>
-        <p:cNvGrpSpPr/>
-        <p:nvPr/>
-      </p:nvGrpSpPr>
-      <p:grpSpPr>
-        <a:xfrm>
-          <a:off x="0" y="0"/>
-          <a:ext cx="0" cy="0"/>
-          <a:chOff x="0" y="0"/>
-          <a:chExt cx="0" cy="0"/>
-        </a:xfrm>
-      </p:grpSpPr>
-      <p:sp>
-        <p:nvSpPr>
-          <p:cNvPr id="4" name="Título 3">
-            <a:extLst>
-              <a:ext uri="{FF2B5EF4-FFF2-40B4-BE49-F238E27FC236}">
-                <a16:creationId xmlns:a16="http://schemas.microsoft.com/office/drawing/2014/main" id="{BF52B7DE-5887-4E0E-A1E2-39957FD5F9FF}"/>
-              </a:ext>
-            </a:extLst>
-          </p:cNvPr>
-          <p:cNvSpPr>
-            <a:spLocks noGrp="1"/>
-          </p:cNvSpPr>
-          <p:nvPr>
-            <p:ph type="title"/>
-          </p:nvPr>
-        </p:nvSpPr>
-        <p:spPr>
-          <a:xfrm>
-            <a:off x="779099" y="836000"/>
-            <a:ext cx="7867359" cy="396300"/>
-          </a:xfrm>
-        </p:spPr>
-        <p:txBody>
-          <a:bodyPr anchor="t"/>
-          <a:lstStyle/>
-          <a:p>
-            <a:r>
-              <a:rPr lang="es-ES" dirty="0"/>
-              <a:t>Programación (2/5)</a:t>
-            </a:r>
-            <a:r>
-              <a:rPr lang="es-ES" b="0" dirty="0"/>
-              <a:t> – Consolidación del microservicio autogenerado</a:t>
-            </a:r>
-          </a:p>
-        </p:txBody>
-      </p:sp>
-      <p:sp>
-        <p:nvSpPr>
-          <p:cNvPr id="2" name="Marcador de texto 1">
-            <a:extLst>
-              <a:ext uri="{FF2B5EF4-FFF2-40B4-BE49-F238E27FC236}">
-                <a16:creationId xmlns:a16="http://schemas.microsoft.com/office/drawing/2014/main" id="{00E721FB-67D7-4442-B14A-9203B4ACCB73}"/>
-              </a:ext>
-            </a:extLst>
-          </p:cNvPr>
-          <p:cNvSpPr>
-            <a:spLocks noGrp="1"/>
-          </p:cNvSpPr>
-          <p:nvPr>
-            <p:ph type="body" idx="1"/>
-          </p:nvPr>
-        </p:nvSpPr>
-        <p:spPr>
-          <a:xfrm>
-            <a:off x="779099" y="1866242"/>
-            <a:ext cx="7470672" cy="2666526"/>
-          </a:xfrm>
-        </p:spPr>
-        <p:txBody>
-          <a:bodyPr/>
-          <a:lstStyle/>
-          <a:p>
-            <a:pPr>
-              <a:lnSpc>
-                <a:spcPct val="150000"/>
-              </a:lnSpc>
-            </a:pPr>
-            <a:r>
-              <a:rPr lang="es-ES" dirty="0"/>
-              <a:t>Resolver flecos generación de código</a:t>
-            </a:r>
-          </a:p>
-          <a:p>
-            <a:pPr>
-              <a:lnSpc>
-                <a:spcPct val="150000"/>
-              </a:lnSpc>
-            </a:pPr>
-            <a:r>
-              <a:rPr lang="es-ES" dirty="0"/>
-              <a:t>Añadir y eliminar rutas dinámicamente</a:t>
-            </a:r>
-          </a:p>
-          <a:p>
-            <a:pPr>
-              <a:lnSpc>
-                <a:spcPct val="150000"/>
-              </a:lnSpc>
-            </a:pPr>
-            <a:r>
-              <a:rPr lang="es-ES" dirty="0"/>
-              <a:t>Añadir autorización</a:t>
-            </a:r>
-          </a:p>
-          <a:p>
-            <a:pPr>
-              <a:lnSpc>
-                <a:spcPct val="150000"/>
-              </a:lnSpc>
-            </a:pPr>
-            <a:r>
-              <a:rPr lang="es-ES" dirty="0"/>
-              <a:t>Normalizar ruta base peticiones</a:t>
-            </a:r>
-          </a:p>
-          <a:p>
-            <a:pPr>
-              <a:lnSpc>
-                <a:spcPct val="150000"/>
-              </a:lnSpc>
-            </a:pPr>
-            <a:r>
-              <a:rPr lang="es-ES" dirty="0"/>
-              <a:t>Hacer microservicio Core</a:t>
-            </a:r>
-          </a:p>
-        </p:txBody>
-      </p:sp>
-      <p:sp>
-        <p:nvSpPr>
-          <p:cNvPr id="6" name="Google Shape;342;p24">
-            <a:extLst>
-              <a:ext uri="{FF2B5EF4-FFF2-40B4-BE49-F238E27FC236}">
-                <a16:creationId xmlns:a16="http://schemas.microsoft.com/office/drawing/2014/main" id="{57CD6963-C021-4F2A-B2B3-BC2173F77F80}"/>
-              </a:ext>
-            </a:extLst>
-          </p:cNvPr>
-          <p:cNvSpPr txBox="1">
-            <a:spLocks noGrp="1"/>
-          </p:cNvSpPr>
-          <p:nvPr>
-            <p:ph type="sldNum" idx="12"/>
-          </p:nvPr>
-        </p:nvSpPr>
-        <p:spPr>
-          <a:prstGeom prst="rect">
-            <a:avLst/>
-          </a:prstGeom>
-        </p:spPr>
-        <p:txBody>
-          <a:bodyPr spcFirstLastPara="1" wrap="square" lIns="0" tIns="0" rIns="0" bIns="0" anchor="ctr" anchorCtr="0">
-            <a:noAutofit/>
-          </a:bodyPr>
-          <a:lstStyle/>
-          <a:p>
-            <a:pPr marL="0" lvl="0" indent="0" algn="r" rtl="0">
-              <a:spcBef>
-                <a:spcPts val="0"/>
-              </a:spcBef>
-              <a:spcAft>
-                <a:spcPts val="0"/>
-              </a:spcAft>
-              <a:buNone/>
-            </a:pPr>
-            <a:fld id="{00000000-1234-1234-1234-123412341234}" type="slidenum">
-              <a:rPr lang="en"/>
-              <a:t>23</a:t>
-            </a:fld>
-            <a:endParaRPr dirty="0"/>
-          </a:p>
-        </p:txBody>
-      </p:sp>
-    </p:spTree>
-    <p:extLst>
-      <p:ext uri="{BB962C8B-B14F-4D97-AF65-F5344CB8AC3E}">
-        <p14:creationId xmlns:p14="http://schemas.microsoft.com/office/powerpoint/2010/main" val="637205855"/>
-      </p:ext>
-    </p:extLst>
-  </p:cSld>
-  <p:clrMapOvr>
-    <a:masterClrMapping/>
-  </p:clrMapOvr>
-</p:sld>
-</file>
-
-<file path=ppt/slides/slide24.xml><?xml version="1.0" encoding="utf-8"?>
-<p:sld xmlns:a="http://schemas.openxmlformats.org/drawingml/2006/main" xmlns:r="http://schemas.openxmlformats.org/officeDocument/2006/relationships" xmlns:p="http://schemas.openxmlformats.org/presentationml/2006/main">
-  <p:cSld>
-    <p:spTree>
-      <p:nvGrpSpPr>
-        <p:cNvPr id="1" name=""/>
-        <p:cNvGrpSpPr/>
-        <p:nvPr/>
-      </p:nvGrpSpPr>
-      <p:grpSpPr>
-        <a:xfrm>
-          <a:off x="0" y="0"/>
-          <a:ext cx="0" cy="0"/>
-          <a:chOff x="0" y="0"/>
-          <a:chExt cx="0" cy="0"/>
-        </a:xfrm>
-      </p:grpSpPr>
-      <p:sp>
-        <p:nvSpPr>
-          <p:cNvPr id="4" name="Título 3">
-            <a:extLst>
-              <a:ext uri="{FF2B5EF4-FFF2-40B4-BE49-F238E27FC236}">
-                <a16:creationId xmlns:a16="http://schemas.microsoft.com/office/drawing/2014/main" id="{BF52B7DE-5887-4E0E-A1E2-39957FD5F9FF}"/>
-              </a:ext>
-            </a:extLst>
-          </p:cNvPr>
-          <p:cNvSpPr>
-            <a:spLocks noGrp="1"/>
-          </p:cNvSpPr>
-          <p:nvPr>
-            <p:ph type="title"/>
-          </p:nvPr>
-        </p:nvSpPr>
-        <p:spPr>
-          <a:xfrm>
-            <a:off x="779099" y="836000"/>
-            <a:ext cx="7867359" cy="396300"/>
-          </a:xfrm>
-        </p:spPr>
-        <p:txBody>
-          <a:bodyPr anchor="t"/>
-          <a:lstStyle/>
-          <a:p>
-            <a:r>
-              <a:rPr lang="es-ES" dirty="0"/>
-              <a:t>Programación (3/5)</a:t>
-            </a:r>
-            <a:r>
-              <a:rPr lang="es-ES" b="0" dirty="0"/>
-              <a:t> – Primeros despliegues</a:t>
-            </a:r>
-          </a:p>
-        </p:txBody>
-      </p:sp>
-      <p:sp>
-        <p:nvSpPr>
-          <p:cNvPr id="2" name="Marcador de texto 1">
-            <a:extLst>
-              <a:ext uri="{FF2B5EF4-FFF2-40B4-BE49-F238E27FC236}">
-                <a16:creationId xmlns:a16="http://schemas.microsoft.com/office/drawing/2014/main" id="{00E721FB-67D7-4442-B14A-9203B4ACCB73}"/>
-              </a:ext>
-            </a:extLst>
-          </p:cNvPr>
-          <p:cNvSpPr>
-            <a:spLocks noGrp="1"/>
-          </p:cNvSpPr>
-          <p:nvPr>
-            <p:ph type="body" idx="1"/>
-          </p:nvPr>
-        </p:nvSpPr>
-        <p:spPr>
-          <a:xfrm>
-            <a:off x="779099" y="1721224"/>
-            <a:ext cx="7786677" cy="2666526"/>
-          </a:xfrm>
-        </p:spPr>
-        <p:txBody>
-          <a:bodyPr/>
-          <a:lstStyle/>
-          <a:p>
-            <a:r>
-              <a:rPr lang="es-ES" dirty="0"/>
-              <a:t>Sistema de despliegue (Docker vs Microservicio específico)</a:t>
-            </a:r>
-          </a:p>
-          <a:p>
-            <a:r>
-              <a:rPr lang="es-ES" dirty="0"/>
-              <a:t>Comunicación IU</a:t>
-            </a:r>
-          </a:p>
-          <a:p>
-            <a:r>
-              <a:rPr lang="es-ES" dirty="0"/>
-              <a:t>Comunicación microservicios</a:t>
-            </a:r>
-          </a:p>
-          <a:p>
-            <a:r>
-              <a:rPr lang="es-ES" dirty="0"/>
-              <a:t>Problemas:</a:t>
-            </a:r>
-          </a:p>
-          <a:p>
-            <a:pPr lvl="1">
-              <a:lnSpc>
-                <a:spcPct val="100000"/>
-              </a:lnSpc>
-            </a:pPr>
-            <a:r>
-              <a:rPr lang="es-ES" dirty="0"/>
-              <a:t>Códigos de error: 404, 502 y 504</a:t>
-            </a:r>
-          </a:p>
-          <a:p>
-            <a:pPr lvl="1"/>
-            <a:r>
-              <a:rPr lang="es-ES" dirty="0"/>
-              <a:t>Personalizar </a:t>
-            </a:r>
-            <a:r>
-              <a:rPr lang="es-ES" i="1" dirty="0" err="1"/>
-              <a:t>timeouts</a:t>
-            </a:r>
-            <a:endParaRPr lang="es-ES" i="1" dirty="0"/>
-          </a:p>
-        </p:txBody>
-      </p:sp>
-      <p:sp>
-        <p:nvSpPr>
-          <p:cNvPr id="6" name="Google Shape;342;p24">
-            <a:extLst>
-              <a:ext uri="{FF2B5EF4-FFF2-40B4-BE49-F238E27FC236}">
-                <a16:creationId xmlns:a16="http://schemas.microsoft.com/office/drawing/2014/main" id="{57CD6963-C021-4F2A-B2B3-BC2173F77F80}"/>
-              </a:ext>
-            </a:extLst>
-          </p:cNvPr>
-          <p:cNvSpPr txBox="1">
-            <a:spLocks noGrp="1"/>
-          </p:cNvSpPr>
-          <p:nvPr>
-            <p:ph type="sldNum" idx="12"/>
-          </p:nvPr>
-        </p:nvSpPr>
-        <p:spPr>
-          <a:prstGeom prst="rect">
-            <a:avLst/>
-          </a:prstGeom>
-        </p:spPr>
-        <p:txBody>
-          <a:bodyPr spcFirstLastPara="1" wrap="square" lIns="0" tIns="0" rIns="0" bIns="0" anchor="ctr" anchorCtr="0">
-            <a:noAutofit/>
-          </a:bodyPr>
-          <a:lstStyle/>
-          <a:p>
-            <a:pPr marL="0" lvl="0" indent="0" algn="r" rtl="0">
-              <a:spcBef>
-                <a:spcPts val="0"/>
-              </a:spcBef>
-              <a:spcAft>
-                <a:spcPts val="0"/>
-              </a:spcAft>
-              <a:buNone/>
-            </a:pPr>
-            <a:fld id="{00000000-1234-1234-1234-123412341234}" type="slidenum">
-              <a:rPr lang="en"/>
-              <a:t>24</a:t>
-            </a:fld>
-            <a:endParaRPr dirty="0"/>
-          </a:p>
-        </p:txBody>
-      </p:sp>
-    </p:spTree>
-    <p:extLst>
-      <p:ext uri="{BB962C8B-B14F-4D97-AF65-F5344CB8AC3E}">
-        <p14:creationId xmlns:p14="http://schemas.microsoft.com/office/powerpoint/2010/main" val="1460749720"/>
-      </p:ext>
-    </p:extLst>
-  </p:cSld>
-  <p:clrMapOvr>
-    <a:masterClrMapping/>
-  </p:clrMapOvr>
-</p:sld>
-</file>
-
-<file path=ppt/slides/slide25.xml><?xml version="1.0" encoding="utf-8"?>
-<p:sld xmlns:a="http://schemas.openxmlformats.org/drawingml/2006/main" xmlns:r="http://schemas.openxmlformats.org/officeDocument/2006/relationships" xmlns:p="http://schemas.openxmlformats.org/presentationml/2006/main">
-  <p:cSld>
-    <p:spTree>
-      <p:nvGrpSpPr>
-        <p:cNvPr id="1" name=""/>
-        <p:cNvGrpSpPr/>
-        <p:nvPr/>
-      </p:nvGrpSpPr>
-      <p:grpSpPr>
-        <a:xfrm>
-          <a:off x="0" y="0"/>
-          <a:ext cx="0" cy="0"/>
-          <a:chOff x="0" y="0"/>
-          <a:chExt cx="0" cy="0"/>
-        </a:xfrm>
-      </p:grpSpPr>
-      <p:sp>
-        <p:nvSpPr>
-          <p:cNvPr id="4" name="Título 3">
-            <a:extLst>
-              <a:ext uri="{FF2B5EF4-FFF2-40B4-BE49-F238E27FC236}">
-                <a16:creationId xmlns:a16="http://schemas.microsoft.com/office/drawing/2014/main" id="{BF52B7DE-5887-4E0E-A1E2-39957FD5F9FF}"/>
-              </a:ext>
-            </a:extLst>
-          </p:cNvPr>
-          <p:cNvSpPr>
-            <a:spLocks noGrp="1"/>
-          </p:cNvSpPr>
-          <p:nvPr>
-            <p:ph type="title"/>
-          </p:nvPr>
-        </p:nvSpPr>
-        <p:spPr>
-          <a:xfrm>
-            <a:off x="779099" y="836000"/>
-            <a:ext cx="7867359" cy="396300"/>
-          </a:xfrm>
-        </p:spPr>
-        <p:txBody>
-          <a:bodyPr anchor="t"/>
-          <a:lstStyle/>
-          <a:p>
-            <a:r>
-              <a:rPr lang="es-ES" dirty="0"/>
-              <a:t>Programación (4/5)</a:t>
-            </a:r>
-            <a:r>
-              <a:rPr lang="es-ES" b="0" dirty="0"/>
-              <a:t> – Producto final</a:t>
-            </a:r>
-          </a:p>
-        </p:txBody>
-      </p:sp>
-      <p:sp>
-        <p:nvSpPr>
-          <p:cNvPr id="2" name="Marcador de texto 1">
-            <a:extLst>
-              <a:ext uri="{FF2B5EF4-FFF2-40B4-BE49-F238E27FC236}">
-                <a16:creationId xmlns:a16="http://schemas.microsoft.com/office/drawing/2014/main" id="{00E721FB-67D7-4442-B14A-9203B4ACCB73}"/>
-              </a:ext>
-            </a:extLst>
-          </p:cNvPr>
-          <p:cNvSpPr>
-            <a:spLocks noGrp="1"/>
-          </p:cNvSpPr>
-          <p:nvPr>
-            <p:ph type="body" idx="1"/>
-          </p:nvPr>
-        </p:nvSpPr>
-        <p:spPr>
-          <a:xfrm>
-            <a:off x="779100" y="1721224"/>
-            <a:ext cx="6010500" cy="2666526"/>
-          </a:xfrm>
-        </p:spPr>
-        <p:txBody>
-          <a:bodyPr/>
-          <a:lstStyle/>
-          <a:p>
-            <a:pPr>
-              <a:lnSpc>
-                <a:spcPct val="150000"/>
-              </a:lnSpc>
-            </a:pPr>
-            <a:r>
-              <a:rPr lang="es-ES" dirty="0"/>
-              <a:t>Personalizar logs</a:t>
-            </a:r>
-          </a:p>
-          <a:p>
-            <a:pPr>
-              <a:lnSpc>
-                <a:spcPct val="150000"/>
-              </a:lnSpc>
-            </a:pPr>
-            <a:r>
-              <a:rPr lang="es-ES" dirty="0" err="1"/>
-              <a:t>Multiinstaciar</a:t>
-            </a:r>
-            <a:r>
-              <a:rPr lang="es-ES" dirty="0"/>
-              <a:t> microservicios</a:t>
-            </a:r>
-          </a:p>
-          <a:p>
-            <a:pPr>
-              <a:lnSpc>
-                <a:spcPct val="150000"/>
-              </a:lnSpc>
-            </a:pPr>
-            <a:r>
-              <a:rPr lang="es-ES" dirty="0"/>
-              <a:t>Segundo nivel de redirección</a:t>
-            </a:r>
-          </a:p>
-          <a:p>
-            <a:pPr>
-              <a:lnSpc>
-                <a:spcPct val="150000"/>
-              </a:lnSpc>
-            </a:pPr>
-            <a:r>
-              <a:rPr lang="es-ES" dirty="0"/>
-              <a:t>Filtros misma máquina y versión de API</a:t>
-            </a:r>
-          </a:p>
-          <a:p>
-            <a:pPr>
-              <a:lnSpc>
-                <a:spcPct val="150000"/>
-              </a:lnSpc>
-            </a:pPr>
-            <a:r>
-              <a:rPr lang="es-ES" dirty="0"/>
-              <a:t>Problema peticiones pesadas</a:t>
-            </a:r>
-          </a:p>
-        </p:txBody>
-      </p:sp>
-      <p:sp>
-        <p:nvSpPr>
-          <p:cNvPr id="6" name="Google Shape;342;p24">
-            <a:extLst>
-              <a:ext uri="{FF2B5EF4-FFF2-40B4-BE49-F238E27FC236}">
-                <a16:creationId xmlns:a16="http://schemas.microsoft.com/office/drawing/2014/main" id="{57CD6963-C021-4F2A-B2B3-BC2173F77F80}"/>
-              </a:ext>
-            </a:extLst>
-          </p:cNvPr>
-          <p:cNvSpPr txBox="1">
-            <a:spLocks noGrp="1"/>
-          </p:cNvSpPr>
-          <p:nvPr>
-            <p:ph type="sldNum" idx="12"/>
-          </p:nvPr>
-        </p:nvSpPr>
-        <p:spPr>
-          <a:prstGeom prst="rect">
-            <a:avLst/>
-          </a:prstGeom>
-        </p:spPr>
-        <p:txBody>
-          <a:bodyPr spcFirstLastPara="1" wrap="square" lIns="0" tIns="0" rIns="0" bIns="0" anchor="ctr" anchorCtr="0">
-            <a:noAutofit/>
-          </a:bodyPr>
-          <a:lstStyle/>
-          <a:p>
-            <a:pPr marL="0" lvl="0" indent="0" algn="r" rtl="0">
-              <a:spcBef>
-                <a:spcPts val="0"/>
-              </a:spcBef>
-              <a:spcAft>
-                <a:spcPts val="0"/>
-              </a:spcAft>
-              <a:buNone/>
-            </a:pPr>
-            <a:fld id="{00000000-1234-1234-1234-123412341234}" type="slidenum">
-              <a:rPr lang="en"/>
-              <a:t>25</a:t>
-            </a:fld>
-            <a:endParaRPr dirty="0"/>
-          </a:p>
-        </p:txBody>
-      </p:sp>
-    </p:spTree>
-    <p:extLst>
-      <p:ext uri="{BB962C8B-B14F-4D97-AF65-F5344CB8AC3E}">
-        <p14:creationId xmlns:p14="http://schemas.microsoft.com/office/powerpoint/2010/main" val="261057793"/>
-      </p:ext>
-    </p:extLst>
-  </p:cSld>
-  <p:clrMapOvr>
-    <a:masterClrMapping/>
-  </p:clrMapOvr>
-</p:sld>
-</file>
-
-<file path=ppt/slides/slide26.xml><?xml version="1.0" encoding="utf-8"?>
-<p:sld xmlns:a="http://schemas.openxmlformats.org/drawingml/2006/main" xmlns:r="http://schemas.openxmlformats.org/officeDocument/2006/relationships" xmlns:p="http://schemas.openxmlformats.org/presentationml/2006/main">
-  <p:cSld>
-    <p:spTree>
-      <p:nvGrpSpPr>
-        <p:cNvPr id="1" name=""/>
-        <p:cNvGrpSpPr/>
-        <p:nvPr/>
-      </p:nvGrpSpPr>
-      <p:grpSpPr>
-        <a:xfrm>
-          <a:off x="0" y="0"/>
-          <a:ext cx="0" cy="0"/>
-          <a:chOff x="0" y="0"/>
-          <a:chExt cx="0" cy="0"/>
-        </a:xfrm>
-      </p:grpSpPr>
-      <p:sp>
-        <p:nvSpPr>
-          <p:cNvPr id="4" name="Título 3">
-            <a:extLst>
-              <a:ext uri="{FF2B5EF4-FFF2-40B4-BE49-F238E27FC236}">
-                <a16:creationId xmlns:a16="http://schemas.microsoft.com/office/drawing/2014/main" id="{BF52B7DE-5887-4E0E-A1E2-39957FD5F9FF}"/>
-              </a:ext>
-            </a:extLst>
-          </p:cNvPr>
-          <p:cNvSpPr>
-            <a:spLocks noGrp="1"/>
-          </p:cNvSpPr>
-          <p:nvPr>
-            <p:ph type="title"/>
-          </p:nvPr>
-        </p:nvSpPr>
-        <p:spPr>
-          <a:xfrm>
             <a:off x="779100" y="836000"/>
             <a:ext cx="2918841" cy="396300"/>
           </a:xfrm>
@@ -20025,7 +18596,7 @@
           <a:p>
             <a:r>
               <a:rPr lang="es-ES" dirty="0"/>
-              <a:t>Programación (5/5)</a:t>
+              <a:t>Programación (2/2)</a:t>
             </a:r>
             <a:r>
               <a:rPr lang="es-ES" b="0" dirty="0"/>
@@ -20080,7 +18651,7 @@
             </a:pPr>
             <a:fld id="{00000000-1234-1234-1234-123412341234}" type="slidenum">
               <a:rPr lang="en"/>
-              <a:t>26</a:t>
+              <a:t>20</a:t>
             </a:fld>
             <a:endParaRPr dirty="0"/>
           </a:p>
@@ -20129,7 +18700,7 @@
 </p:sld>
 </file>
 
-<file path=ppt/slides/slide27.xml><?xml version="1.0" encoding="utf-8"?>
+<file path=ppt/slides/slide21.xml><?xml version="1.0" encoding="utf-8"?>
 <p:sld xmlns:a="http://schemas.openxmlformats.org/drawingml/2006/main" xmlns:r="http://schemas.openxmlformats.org/officeDocument/2006/relationships" xmlns:p="http://schemas.openxmlformats.org/presentationml/2006/main">
   <p:cSld>
     <p:spTree>
@@ -20278,7 +18849,7 @@
             </a:pPr>
             <a:fld id="{00000000-1234-1234-1234-123412341234}" type="slidenum">
               <a:rPr lang="en"/>
-              <a:t>27</a:t>
+              <a:t>21</a:t>
             </a:fld>
             <a:endParaRPr dirty="0"/>
           </a:p>
@@ -20327,217 +18898,7 @@
 </p:sld>
 </file>
 
-<file path=ppt/slides/slide28.xml><?xml version="1.0" encoding="utf-8"?>
-<p:sld xmlns:a="http://schemas.openxmlformats.org/drawingml/2006/main" xmlns:r="http://schemas.openxmlformats.org/officeDocument/2006/relationships" xmlns:p="http://schemas.openxmlformats.org/presentationml/2006/main">
-  <p:cSld>
-    <p:spTree>
-      <p:nvGrpSpPr>
-        <p:cNvPr id="1" name=""/>
-        <p:cNvGrpSpPr/>
-        <p:nvPr/>
-      </p:nvGrpSpPr>
-      <p:grpSpPr>
-        <a:xfrm>
-          <a:off x="0" y="0"/>
-          <a:ext cx="0" cy="0"/>
-          <a:chOff x="0" y="0"/>
-          <a:chExt cx="0" cy="0"/>
-        </a:xfrm>
-      </p:grpSpPr>
-      <p:sp>
-        <p:nvSpPr>
-          <p:cNvPr id="4" name="Título 3">
-            <a:extLst>
-              <a:ext uri="{FF2B5EF4-FFF2-40B4-BE49-F238E27FC236}">
-                <a16:creationId xmlns:a16="http://schemas.microsoft.com/office/drawing/2014/main" id="{BF52B7DE-5887-4E0E-A1E2-39957FD5F9FF}"/>
-              </a:ext>
-            </a:extLst>
-          </p:cNvPr>
-          <p:cNvSpPr>
-            <a:spLocks noGrp="1"/>
-          </p:cNvSpPr>
-          <p:nvPr>
-            <p:ph type="title"/>
-          </p:nvPr>
-        </p:nvSpPr>
-        <p:spPr/>
-        <p:txBody>
-          <a:bodyPr/>
-          <a:lstStyle/>
-          <a:p>
-            <a:r>
-              <a:rPr lang="es-ES" dirty="0"/>
-              <a:t>Metodología (1/2)</a:t>
-            </a:r>
-            <a:r>
-              <a:rPr lang="es-ES" b="0" dirty="0"/>
-              <a:t> - Prácticas</a:t>
-            </a:r>
-          </a:p>
-        </p:txBody>
-      </p:sp>
-      <p:sp>
-        <p:nvSpPr>
-          <p:cNvPr id="2" name="Marcador de texto 1">
-            <a:extLst>
-              <a:ext uri="{FF2B5EF4-FFF2-40B4-BE49-F238E27FC236}">
-                <a16:creationId xmlns:a16="http://schemas.microsoft.com/office/drawing/2014/main" id="{00E721FB-67D7-4442-B14A-9203B4ACCB73}"/>
-              </a:ext>
-            </a:extLst>
-          </p:cNvPr>
-          <p:cNvSpPr>
-            <a:spLocks noGrp="1"/>
-          </p:cNvSpPr>
-          <p:nvPr>
-            <p:ph type="body" idx="1"/>
-          </p:nvPr>
-        </p:nvSpPr>
-        <p:spPr>
-          <a:xfrm>
-            <a:off x="779100" y="1503550"/>
-            <a:ext cx="6146136" cy="2884200"/>
-          </a:xfrm>
-        </p:spPr>
-        <p:txBody>
-          <a:bodyPr/>
-          <a:lstStyle/>
-          <a:p>
-            <a:r>
-              <a:rPr lang="es-ES" dirty="0"/>
-              <a:t>Organización de las tareas en UT</a:t>
-            </a:r>
-          </a:p>
-          <a:p>
-            <a:r>
-              <a:rPr lang="es-ES" dirty="0"/>
-              <a:t>Uso de un tablero </a:t>
-            </a:r>
-            <a:r>
-              <a:rPr lang="es-ES" i="1" dirty="0" err="1"/>
-              <a:t>kanban</a:t>
-            </a:r>
-            <a:endParaRPr lang="es-ES" dirty="0"/>
-          </a:p>
-          <a:p>
-            <a:r>
-              <a:rPr lang="es-ES" dirty="0"/>
-              <a:t>Priorización de las unidades de trabajo</a:t>
-            </a:r>
-          </a:p>
-          <a:p>
-            <a:r>
-              <a:rPr lang="es-ES" dirty="0"/>
-              <a:t>Definición de PA</a:t>
-            </a:r>
-          </a:p>
-          <a:p>
-            <a:r>
-              <a:rPr lang="es-ES" dirty="0"/>
-              <a:t>Búsqueda de la sencillez y el minimalismo</a:t>
-            </a:r>
-          </a:p>
-          <a:p>
-            <a:r>
-              <a:rPr lang="es-ES" dirty="0"/>
-              <a:t>Afrontamiento y entrega de trabajo terminado de forma incremental</a:t>
-            </a:r>
-          </a:p>
-          <a:p>
-            <a:r>
-              <a:rPr lang="es-ES" dirty="0"/>
-              <a:t>Ejecución de pruebas de regresión</a:t>
-            </a:r>
-          </a:p>
-        </p:txBody>
-      </p:sp>
-      <p:sp>
-        <p:nvSpPr>
-          <p:cNvPr id="6" name="Google Shape;342;p24">
-            <a:extLst>
-              <a:ext uri="{FF2B5EF4-FFF2-40B4-BE49-F238E27FC236}">
-                <a16:creationId xmlns:a16="http://schemas.microsoft.com/office/drawing/2014/main" id="{57CD6963-C021-4F2A-B2B3-BC2173F77F80}"/>
-              </a:ext>
-            </a:extLst>
-          </p:cNvPr>
-          <p:cNvSpPr txBox="1">
-            <a:spLocks noGrp="1"/>
-          </p:cNvSpPr>
-          <p:nvPr>
-            <p:ph type="sldNum" idx="12"/>
-          </p:nvPr>
-        </p:nvSpPr>
-        <p:spPr>
-          <a:prstGeom prst="rect">
-            <a:avLst/>
-          </a:prstGeom>
-        </p:spPr>
-        <p:txBody>
-          <a:bodyPr spcFirstLastPara="1" wrap="square" lIns="0" tIns="0" rIns="0" bIns="0" anchor="ctr" anchorCtr="0">
-            <a:noAutofit/>
-          </a:bodyPr>
-          <a:lstStyle/>
-          <a:p>
-            <a:pPr marL="0" lvl="0" indent="0" algn="r" rtl="0">
-              <a:spcBef>
-                <a:spcPts val="0"/>
-              </a:spcBef>
-              <a:spcAft>
-                <a:spcPts val="0"/>
-              </a:spcAft>
-              <a:buNone/>
-            </a:pPr>
-            <a:fld id="{00000000-1234-1234-1234-123412341234}" type="slidenum">
-              <a:rPr lang="en"/>
-              <a:t>28</a:t>
-            </a:fld>
-            <a:endParaRPr dirty="0"/>
-          </a:p>
-        </p:txBody>
-      </p:sp>
-      <p:pic>
-        <p:nvPicPr>
-          <p:cNvPr id="5" name="Imagen 4" descr="Interfaz de usuario gráfica, Aplicación&#10;&#10;Descripción generada automáticamente">
-            <a:extLst>
-              <a:ext uri="{FF2B5EF4-FFF2-40B4-BE49-F238E27FC236}">
-                <a16:creationId xmlns:a16="http://schemas.microsoft.com/office/drawing/2014/main" id="{5B9A4227-2553-4039-BEAB-2E62997C6BE7}"/>
-              </a:ext>
-            </a:extLst>
-          </p:cNvPr>
-          <p:cNvPicPr>
-            <a:picLocks noChangeAspect="1"/>
-          </p:cNvPicPr>
-          <p:nvPr/>
-        </p:nvPicPr>
-        <p:blipFill>
-          <a:blip r:embed="rId2"/>
-          <a:stretch>
-            <a:fillRect/>
-          </a:stretch>
-        </p:blipFill>
-        <p:spPr>
-          <a:xfrm>
-            <a:off x="7039535" y="133276"/>
-            <a:ext cx="1580029" cy="4876948"/>
-          </a:xfrm>
-          <a:prstGeom prst="rect">
-            <a:avLst/>
-          </a:prstGeom>
-        </p:spPr>
-      </p:pic>
-    </p:spTree>
-    <p:extLst>
-      <p:ext uri="{BB962C8B-B14F-4D97-AF65-F5344CB8AC3E}">
-        <p14:creationId xmlns:p14="http://schemas.microsoft.com/office/powerpoint/2010/main" val="159887170"/>
-      </p:ext>
-    </p:extLst>
-  </p:cSld>
-  <p:clrMapOvr>
-    <a:masterClrMapping/>
-  </p:clrMapOvr>
-</p:sld>
-</file>
-
-<file path=ppt/slides/slide29.xml><?xml version="1.0" encoding="utf-8"?>
+<file path=ppt/slides/slide22.xml><?xml version="1.0" encoding="utf-8"?>
 <p:sld xmlns:a="http://schemas.openxmlformats.org/drawingml/2006/main" xmlns:r="http://schemas.openxmlformats.org/officeDocument/2006/relationships" xmlns:p="http://schemas.openxmlformats.org/presentationml/2006/main">
   <p:cSld>
     <p:spTree>
@@ -20792,12 +19153,9 @@
           <a:p>
             <a:r>
               <a:rPr lang="es-ES" dirty="0"/>
-              <a:t>Metodología (2/2)</a:t>
+              <a:t>Metodología</a:t>
             </a:r>
-            <a:r>
-              <a:rPr lang="es-ES" b="0" dirty="0"/>
-              <a:t> – Cronología del proyecto</a:t>
-            </a:r>
+            <a:endParaRPr lang="es-ES" b="0" dirty="0"/>
           </a:p>
         </p:txBody>
       </p:sp>
@@ -20839,7 +19197,7 @@
             </a:pPr>
             <a:fld id="{00000000-1234-1234-1234-123412341234}" type="slidenum">
               <a:rPr lang="en"/>
-              <a:t>29</a:t>
+              <a:t>22</a:t>
             </a:fld>
             <a:endParaRPr dirty="0"/>
           </a:p>
@@ -21765,7 +20123,7 @@
 </p:sld>
 </file>
 
-<file path=ppt/slides/slide3.xml><?xml version="1.0" encoding="utf-8"?>
+<file path=ppt/slides/slide23.xml><?xml version="1.0" encoding="utf-8"?>
 <p:sld xmlns:a="http://schemas.openxmlformats.org/drawingml/2006/main" xmlns:r="http://schemas.openxmlformats.org/officeDocument/2006/relationships" xmlns:p="http://schemas.openxmlformats.org/presentationml/2006/main">
   <p:cSld>
     <p:spTree>
@@ -21818,176 +20176,6 @@
             </a:pPr>
             <a:r>
               <a:rPr lang="en" dirty="0"/>
-              <a:t>INTRODUCCIÓN</a:t>
-            </a:r>
-            <a:endParaRPr dirty="0"/>
-          </a:p>
-        </p:txBody>
-      </p:sp>
-      <p:sp>
-        <p:nvSpPr>
-          <p:cNvPr id="227" name="Google Shape;227;p15"/>
-          <p:cNvSpPr txBox="1">
-            <a:spLocks noGrp="1"/>
-          </p:cNvSpPr>
-          <p:nvPr>
-            <p:ph type="subTitle" idx="1"/>
-          </p:nvPr>
-        </p:nvSpPr>
-        <p:spPr>
-          <a:xfrm>
-            <a:off x="2305150" y="3385436"/>
-            <a:ext cx="5811000" cy="410700"/>
-          </a:xfrm>
-          <a:prstGeom prst="rect">
-            <a:avLst/>
-          </a:prstGeom>
-        </p:spPr>
-        <p:txBody>
-          <a:bodyPr spcFirstLastPara="1" wrap="square" lIns="0" tIns="0" rIns="0" bIns="0" anchor="t" anchorCtr="0">
-            <a:noAutofit/>
-          </a:bodyPr>
-          <a:lstStyle/>
-          <a:p>
-            <a:pPr marL="0" lvl="0" indent="0" algn="l" rtl="0">
-              <a:spcBef>
-                <a:spcPts val="0"/>
-              </a:spcBef>
-              <a:spcAft>
-                <a:spcPts val="800"/>
-              </a:spcAft>
-              <a:buNone/>
-            </a:pPr>
-            <a:r>
-              <a:rPr lang="en" dirty="0"/>
-              <a:t>Motivación y objetivos</a:t>
-            </a:r>
-            <a:endParaRPr dirty="0"/>
-          </a:p>
-        </p:txBody>
-      </p:sp>
-      <p:sp>
-        <p:nvSpPr>
-          <p:cNvPr id="228" name="Google Shape;228;p15"/>
-          <p:cNvSpPr txBox="1"/>
-          <p:nvPr/>
-        </p:nvSpPr>
-        <p:spPr>
-          <a:xfrm>
-            <a:off x="77600" y="2201325"/>
-            <a:ext cx="2004000" cy="2201400"/>
-          </a:xfrm>
-          <a:prstGeom prst="rect">
-            <a:avLst/>
-          </a:prstGeom>
-          <a:noFill/>
-          <a:ln>
-            <a:noFill/>
-          </a:ln>
-        </p:spPr>
-        <p:txBody>
-          <a:bodyPr spcFirstLastPara="1" wrap="square" lIns="91425" tIns="91425" rIns="91425" bIns="91425" anchor="ctr" anchorCtr="0">
-            <a:noAutofit/>
-          </a:bodyPr>
-          <a:lstStyle/>
-          <a:p>
-            <a:pPr marL="0" marR="0" lvl="0" indent="0" algn="ctr" rtl="0">
-              <a:lnSpc>
-                <a:spcPct val="90000"/>
-              </a:lnSpc>
-              <a:spcBef>
-                <a:spcPts val="0"/>
-              </a:spcBef>
-              <a:spcAft>
-                <a:spcPts val="0"/>
-              </a:spcAft>
-              <a:buNone/>
-            </a:pPr>
-            <a:r>
-              <a:rPr lang="en" sz="9600" b="1">
-                <a:solidFill>
-                  <a:schemeClr val="lt1"/>
-                </a:solidFill>
-                <a:latin typeface="Catamaran"/>
-                <a:ea typeface="Catamaran"/>
-                <a:cs typeface="Catamaran"/>
-                <a:sym typeface="Catamaran"/>
-              </a:rPr>
-              <a:t>1</a:t>
-            </a:r>
-            <a:endParaRPr sz="9600" b="1">
-              <a:solidFill>
-                <a:schemeClr val="lt1"/>
-              </a:solidFill>
-              <a:latin typeface="Catamaran"/>
-              <a:ea typeface="Catamaran"/>
-              <a:cs typeface="Catamaran"/>
-              <a:sym typeface="Catamaran"/>
-            </a:endParaRPr>
-          </a:p>
-        </p:txBody>
-      </p:sp>
-    </p:spTree>
-  </p:cSld>
-  <p:clrMapOvr>
-    <a:masterClrMapping/>
-  </p:clrMapOvr>
-</p:sld>
-</file>
-
-<file path=ppt/slides/slide30.xml><?xml version="1.0" encoding="utf-8"?>
-<p:sld xmlns:a="http://schemas.openxmlformats.org/drawingml/2006/main" xmlns:r="http://schemas.openxmlformats.org/officeDocument/2006/relationships" xmlns:p="http://schemas.openxmlformats.org/presentationml/2006/main">
-  <p:cSld>
-    <p:spTree>
-      <p:nvGrpSpPr>
-        <p:cNvPr id="1" name="Shape 225"/>
-        <p:cNvGrpSpPr/>
-        <p:nvPr/>
-      </p:nvGrpSpPr>
-      <p:grpSpPr>
-        <a:xfrm>
-          <a:off x="0" y="0"/>
-          <a:ext cx="0" cy="0"/>
-          <a:chOff x="0" y="0"/>
-          <a:chExt cx="0" cy="0"/>
-        </a:xfrm>
-      </p:grpSpPr>
-      <p:sp>
-        <p:nvSpPr>
-          <p:cNvPr id="226" name="Google Shape;226;p15"/>
-          <p:cNvSpPr txBox="1">
-            <a:spLocks noGrp="1"/>
-          </p:cNvSpPr>
-          <p:nvPr>
-            <p:ph type="ctrTitle"/>
-          </p:nvPr>
-        </p:nvSpPr>
-        <p:spPr>
-          <a:xfrm>
-            <a:off x="2305150" y="2884378"/>
-            <a:ext cx="5811000" cy="475800"/>
-          </a:xfrm>
-          <a:prstGeom prst="rect">
-            <a:avLst/>
-          </a:prstGeom>
-        </p:spPr>
-        <p:txBody>
-          <a:bodyPr spcFirstLastPara="1" wrap="square" lIns="0" tIns="0" rIns="0" bIns="0" anchor="ctr" anchorCtr="0">
-            <a:noAutofit/>
-          </a:bodyPr>
-          <a:lstStyle/>
-          <a:p>
-            <a:pPr marL="0" lvl="0" indent="0" algn="l" rtl="0">
-              <a:spcBef>
-                <a:spcPts val="0"/>
-              </a:spcBef>
-              <a:spcAft>
-                <a:spcPts val="0"/>
-              </a:spcAft>
-              <a:buNone/>
-            </a:pPr>
-            <a:r>
-              <a:rPr lang="en" dirty="0"/>
               <a:t>DEMO</a:t>
             </a:r>
             <a:endParaRPr dirty="0"/>
@@ -22068,7 +20256,7 @@
 </p:sld>
 </file>
 
-<file path=ppt/slides/slide31.xml><?xml version="1.0" encoding="utf-8"?>
+<file path=ppt/slides/slide24.xml><?xml version="1.0" encoding="utf-8"?>
 <p:sld xmlns:a="http://schemas.openxmlformats.org/drawingml/2006/main" xmlns:r="http://schemas.openxmlformats.org/officeDocument/2006/relationships" xmlns:p="http://schemas.openxmlformats.org/presentationml/2006/main">
   <p:cSld>
     <p:bg>
@@ -22133,7 +20321,7 @@
                   <a:schemeClr val="lt1"/>
                 </a:solidFill>
               </a:rPr>
-              <a:t>31</a:t>
+              <a:t>24</a:t>
             </a:fld>
             <a:endParaRPr>
               <a:solidFill>
@@ -22522,7 +20710,7 @@
 </p:sld>
 </file>
 
-<file path=ppt/slides/slide32.xml><?xml version="1.0" encoding="utf-8"?>
+<file path=ppt/slides/slide25.xml><?xml version="1.0" encoding="utf-8"?>
 <p:sld xmlns:a="http://schemas.openxmlformats.org/drawingml/2006/main" xmlns:r="http://schemas.openxmlformats.org/officeDocument/2006/relationships" xmlns:p="http://schemas.openxmlformats.org/presentationml/2006/main">
   <p:cSld>
     <p:spTree>
@@ -22662,7 +20850,7 @@
 </p:sld>
 </file>
 
-<file path=ppt/slides/slide33.xml><?xml version="1.0" encoding="utf-8"?>
+<file path=ppt/slides/slide26.xml><?xml version="1.0" encoding="utf-8"?>
 <p:sld xmlns:a="http://schemas.openxmlformats.org/drawingml/2006/main" xmlns:r="http://schemas.openxmlformats.org/officeDocument/2006/relationships" xmlns:p="http://schemas.openxmlformats.org/presentationml/2006/main">
   <p:cSld>
     <p:spTree>
@@ -22733,6 +20921,11 @@
           <a:bodyPr/>
           <a:lstStyle/>
           <a:p>
+            <a:pPr>
+              <a:lnSpc>
+                <a:spcPct val="150000"/>
+              </a:lnSpc>
+            </a:pPr>
             <a:r>
               <a:rPr lang="es-ES" sz="2200" i="1" dirty="0"/>
               <a:t>Proxy</a:t>
@@ -22743,25 +20936,23 @@
             </a:r>
           </a:p>
           <a:p>
+            <a:pPr>
+              <a:lnSpc>
+                <a:spcPct val="150000"/>
+              </a:lnSpc>
+            </a:pPr>
             <a:r>
               <a:rPr lang="es-ES" sz="2200" dirty="0"/>
-              <a:t>Requisitos cumplidos</a:t>
+              <a:t>Requisitos y objetivos cumplidos</a:t>
             </a:r>
             <a:endParaRPr lang="es-ES" sz="2200" i="1" dirty="0"/>
           </a:p>
           <a:p>
-            <a:r>
-              <a:rPr lang="es-ES" sz="2200" dirty="0"/>
-              <a:t>Objetivos cumplidos</a:t>
-            </a:r>
-          </a:p>
-          <a:p>
-            <a:r>
-              <a:rPr lang="es-ES" sz="2200" dirty="0"/>
-              <a:t>Algunos aspectos negativos</a:t>
-            </a:r>
-          </a:p>
-          <a:p>
+            <a:pPr>
+              <a:lnSpc>
+                <a:spcPct val="150000"/>
+              </a:lnSpc>
+            </a:pPr>
             <a:r>
               <a:rPr lang="es-ES" sz="2200" dirty="0"/>
               <a:t>Conocimientos</a:t>
@@ -22779,13 +20970,22 @@
             </a:r>
           </a:p>
           <a:p>
-            <a:pPr lvl="1"/>
+            <a:pPr lvl="1">
+              <a:lnSpc>
+                <a:spcPct val="150000"/>
+              </a:lnSpc>
+            </a:pPr>
             <a:r>
               <a:rPr lang="es-ES" sz="2200" dirty="0"/>
               <a:t>Nuevos: C#, YARP</a:t>
             </a:r>
           </a:p>
           <a:p>
+            <a:pPr>
+              <a:lnSpc>
+                <a:spcPct val="150000"/>
+              </a:lnSpc>
+            </a:pPr>
             <a:r>
               <a:rPr lang="es-ES" sz="2200" dirty="0"/>
               <a:t>Experiencia personal y profesional</a:t>
@@ -22831,7 +21031,7 @@
             </a:pPr>
             <a:fld id="{00000000-1234-1234-1234-123412341234}" type="slidenum">
               <a:rPr lang="en"/>
-              <a:t>33</a:t>
+              <a:t>26</a:t>
             </a:fld>
             <a:endParaRPr dirty="0"/>
           </a:p>
@@ -22850,7 +21050,7 @@
 </p:sld>
 </file>
 
-<file path=ppt/slides/slide34.xml><?xml version="1.0" encoding="utf-8"?>
+<file path=ppt/slides/slide27.xml><?xml version="1.0" encoding="utf-8"?>
 <p:sld xmlns:a="http://schemas.openxmlformats.org/drawingml/2006/main" xmlns:r="http://schemas.openxmlformats.org/officeDocument/2006/relationships" xmlns:p="http://schemas.openxmlformats.org/presentationml/2006/main">
   <p:cSld>
     <p:spTree>
@@ -23000,7 +21200,7 @@
             </a:pPr>
             <a:fld id="{00000000-1234-1234-1234-123412341234}" type="slidenum">
               <a:rPr lang="en"/>
-              <a:t>34</a:t>
+              <a:t>27</a:t>
             </a:fld>
             <a:endParaRPr dirty="0"/>
           </a:p>
@@ -23019,7 +21219,7 @@
 </p:sld>
 </file>
 
-<file path=ppt/slides/slide35.xml><?xml version="1.0" encoding="utf-8"?>
+<file path=ppt/slides/slide28.xml><?xml version="1.0" encoding="utf-8"?>
 <p:sld xmlns:a="http://schemas.openxmlformats.org/drawingml/2006/main" xmlns:r="http://schemas.openxmlformats.org/officeDocument/2006/relationships" xmlns:p="http://schemas.openxmlformats.org/presentationml/2006/main">
   <p:cSld>
     <p:spTree>
@@ -23668,6 +21868,176 @@
 </p:sld>
 </file>
 
+<file path=ppt/slides/slide3.xml><?xml version="1.0" encoding="utf-8"?>
+<p:sld xmlns:a="http://schemas.openxmlformats.org/drawingml/2006/main" xmlns:r="http://schemas.openxmlformats.org/officeDocument/2006/relationships" xmlns:p="http://schemas.openxmlformats.org/presentationml/2006/main">
+  <p:cSld>
+    <p:spTree>
+      <p:nvGrpSpPr>
+        <p:cNvPr id="1" name="Shape 225"/>
+        <p:cNvGrpSpPr/>
+        <p:nvPr/>
+      </p:nvGrpSpPr>
+      <p:grpSpPr>
+        <a:xfrm>
+          <a:off x="0" y="0"/>
+          <a:ext cx="0" cy="0"/>
+          <a:chOff x="0" y="0"/>
+          <a:chExt cx="0" cy="0"/>
+        </a:xfrm>
+      </p:grpSpPr>
+      <p:sp>
+        <p:nvSpPr>
+          <p:cNvPr id="226" name="Google Shape;226;p15"/>
+          <p:cNvSpPr txBox="1">
+            <a:spLocks noGrp="1"/>
+          </p:cNvSpPr>
+          <p:nvPr>
+            <p:ph type="ctrTitle"/>
+          </p:nvPr>
+        </p:nvSpPr>
+        <p:spPr>
+          <a:xfrm>
+            <a:off x="2305150" y="2884378"/>
+            <a:ext cx="5811000" cy="475800"/>
+          </a:xfrm>
+          <a:prstGeom prst="rect">
+            <a:avLst/>
+          </a:prstGeom>
+        </p:spPr>
+        <p:txBody>
+          <a:bodyPr spcFirstLastPara="1" wrap="square" lIns="0" tIns="0" rIns="0" bIns="0" anchor="ctr" anchorCtr="0">
+            <a:noAutofit/>
+          </a:bodyPr>
+          <a:lstStyle/>
+          <a:p>
+            <a:pPr marL="0" lvl="0" indent="0" algn="l" rtl="0">
+              <a:spcBef>
+                <a:spcPts val="0"/>
+              </a:spcBef>
+              <a:spcAft>
+                <a:spcPts val="0"/>
+              </a:spcAft>
+              <a:buNone/>
+            </a:pPr>
+            <a:r>
+              <a:rPr lang="en" dirty="0"/>
+              <a:t>INTRODUCCIÓN</a:t>
+            </a:r>
+            <a:endParaRPr dirty="0"/>
+          </a:p>
+        </p:txBody>
+      </p:sp>
+      <p:sp>
+        <p:nvSpPr>
+          <p:cNvPr id="227" name="Google Shape;227;p15"/>
+          <p:cNvSpPr txBox="1">
+            <a:spLocks noGrp="1"/>
+          </p:cNvSpPr>
+          <p:nvPr>
+            <p:ph type="subTitle" idx="1"/>
+          </p:nvPr>
+        </p:nvSpPr>
+        <p:spPr>
+          <a:xfrm>
+            <a:off x="2305150" y="3385436"/>
+            <a:ext cx="5811000" cy="410700"/>
+          </a:xfrm>
+          <a:prstGeom prst="rect">
+            <a:avLst/>
+          </a:prstGeom>
+        </p:spPr>
+        <p:txBody>
+          <a:bodyPr spcFirstLastPara="1" wrap="square" lIns="0" tIns="0" rIns="0" bIns="0" anchor="t" anchorCtr="0">
+            <a:noAutofit/>
+          </a:bodyPr>
+          <a:lstStyle/>
+          <a:p>
+            <a:pPr marL="0" lvl="0" indent="0" algn="l" rtl="0">
+              <a:spcBef>
+                <a:spcPts val="0"/>
+              </a:spcBef>
+              <a:spcAft>
+                <a:spcPts val="800"/>
+              </a:spcAft>
+              <a:buNone/>
+            </a:pPr>
+            <a:r>
+              <a:rPr lang="en" dirty="0"/>
+              <a:t>Motivación y objetivos</a:t>
+            </a:r>
+            <a:endParaRPr dirty="0"/>
+          </a:p>
+        </p:txBody>
+      </p:sp>
+      <p:sp>
+        <p:nvSpPr>
+          <p:cNvPr id="228" name="Google Shape;228;p15"/>
+          <p:cNvSpPr txBox="1"/>
+          <p:nvPr/>
+        </p:nvSpPr>
+        <p:spPr>
+          <a:xfrm>
+            <a:off x="77600" y="2201325"/>
+            <a:ext cx="2004000" cy="2201400"/>
+          </a:xfrm>
+          <a:prstGeom prst="rect">
+            <a:avLst/>
+          </a:prstGeom>
+          <a:noFill/>
+          <a:ln>
+            <a:noFill/>
+          </a:ln>
+        </p:spPr>
+        <p:txBody>
+          <a:bodyPr spcFirstLastPara="1" wrap="square" lIns="91425" tIns="91425" rIns="91425" bIns="91425" anchor="ctr" anchorCtr="0">
+            <a:noAutofit/>
+          </a:bodyPr>
+          <a:lstStyle/>
+          <a:p>
+            <a:pPr marL="0" marR="0" lvl="0" indent="0" algn="ctr" rtl="0">
+              <a:lnSpc>
+                <a:spcPct val="90000"/>
+              </a:lnSpc>
+              <a:spcBef>
+                <a:spcPts val="0"/>
+              </a:spcBef>
+              <a:spcAft>
+                <a:spcPts val="0"/>
+              </a:spcAft>
+              <a:buNone/>
+            </a:pPr>
+            <a:r>
+              <a:rPr lang="en" sz="9600" b="1">
+                <a:solidFill>
+                  <a:schemeClr val="lt1"/>
+                </a:solidFill>
+                <a:latin typeface="Catamaran"/>
+                <a:ea typeface="Catamaran"/>
+                <a:cs typeface="Catamaran"/>
+                <a:sym typeface="Catamaran"/>
+              </a:rPr>
+              <a:t>1</a:t>
+            </a:r>
+            <a:endParaRPr sz="9600" b="1">
+              <a:solidFill>
+                <a:schemeClr val="lt1"/>
+              </a:solidFill>
+              <a:latin typeface="Catamaran"/>
+              <a:ea typeface="Catamaran"/>
+              <a:cs typeface="Catamaran"/>
+              <a:sym typeface="Catamaran"/>
+            </a:endParaRPr>
+          </a:p>
+        </p:txBody>
+      </p:sp>
+    </p:spTree>
+  </p:cSld>
+  <p:clrMapOvr>
+    <a:masterClrMapping/>
+  </p:clrMapOvr>
+</p:sld>
+</file>
+
 <file path=ppt/slides/slide4.xml><?xml version="1.0" encoding="utf-8"?>
 <p:sld xmlns:a="http://schemas.openxmlformats.org/drawingml/2006/main" xmlns:r="http://schemas.openxmlformats.org/officeDocument/2006/relationships" xmlns:p="http://schemas.openxmlformats.org/presentationml/2006/main">
   <p:cSld>
@@ -24550,17 +22920,6 @@
             </a:r>
           </a:p>
           <a:p>
-            <a:pPr lvl="1">
-              <a:lnSpc>
-                <a:spcPct val="100000"/>
-              </a:lnSpc>
-            </a:pPr>
-            <a:r>
-              <a:rPr lang="es-ES" dirty="0"/>
-              <a:t>DevOps</a:t>
-            </a:r>
-          </a:p>
-          <a:p>
             <a:pPr>
               <a:lnSpc>
                 <a:spcPct val="200000"/>
@@ -24744,19 +23103,6 @@
             <a:pPr lvl="2">
               <a:lnSpc>
                 <a:spcPct val="100000"/>
-              </a:lnSpc>
-              <a:buFont typeface="Wingdings" panose="05000000000000000000" pitchFamily="2" charset="2"/>
-              <a:buChar char="q"/>
-            </a:pPr>
-            <a:r>
-              <a:rPr lang="es-ES" dirty="0"/>
-              <a:t>Desacoplar microservicios</a:t>
-            </a:r>
-          </a:p>
-          <a:p>
-            <a:pPr lvl="2">
-              <a:lnSpc>
-                <a:spcPct val="150000"/>
               </a:lnSpc>
             </a:pPr>
             <a:r>

--- a/TFG_AlejandroCarrion.pptx
+++ b/TFG_AlejandroCarrion.pptx
@@ -308,7 +308,7 @@
   <pc:docChgLst>
     <pc:chgData name="Alejandro Carrión" userId="757439b461449c9e" providerId="LiveId" clId="{ECF2C08A-1D63-4443-908D-B3C4743D2FCA}"/>
     <pc:docChg chg="undo redo custSel addSld delSld modSld sldOrd">
-      <pc:chgData name="Alejandro Carrión" userId="757439b461449c9e" providerId="LiveId" clId="{ECF2C08A-1D63-4443-908D-B3C4743D2FCA}" dt="2021-09-06T14:43:05.315" v="6838" actId="2710"/>
+      <pc:chgData name="Alejandro Carrión" userId="757439b461449c9e" providerId="LiveId" clId="{ECF2C08A-1D63-4443-908D-B3C4743D2FCA}" dt="2021-09-06T14:50:01.205" v="6841" actId="478"/>
       <pc:docMkLst>
         <pc:docMk/>
       </pc:docMkLst>
@@ -342,11 +342,19 @@
         </pc:sldMkLst>
       </pc:sldChg>
       <pc:sldChg chg="addSp delSp modSp mod">
-        <pc:chgData name="Alejandro Carrión" userId="757439b461449c9e" providerId="LiveId" clId="{ECF2C08A-1D63-4443-908D-B3C4743D2FCA}" dt="2021-08-30T18:16:07.015" v="1778"/>
+        <pc:chgData name="Alejandro Carrión" userId="757439b461449c9e" providerId="LiveId" clId="{ECF2C08A-1D63-4443-908D-B3C4743D2FCA}" dt="2021-09-06T14:49:45.738" v="6839" actId="478"/>
         <pc:sldMkLst>
           <pc:docMk/>
           <pc:sldMk cId="0" sldId="259"/>
         </pc:sldMkLst>
+        <pc:spChg chg="add mod">
+          <ac:chgData name="Alejandro Carrión" userId="757439b461449c9e" providerId="LiveId" clId="{ECF2C08A-1D63-4443-908D-B3C4743D2FCA}" dt="2021-09-06T14:49:45.738" v="6839" actId="478"/>
+          <ac:spMkLst>
+            <pc:docMk/>
+            <pc:sldMk cId="0" sldId="259"/>
+            <ac:spMk id="3" creationId="{78339C63-36B6-48B8-8C86-65A3CBC71F26}"/>
+          </ac:spMkLst>
+        </pc:spChg>
         <pc:spChg chg="add del mod">
           <ac:chgData name="Alejandro Carrión" userId="757439b461449c9e" providerId="LiveId" clId="{ECF2C08A-1D63-4443-908D-B3C4743D2FCA}" dt="2021-08-30T18:16:07.015" v="1778"/>
           <ac:spMkLst>
@@ -363,8 +371,8 @@
             <ac:spMk id="226" creationId="{00000000-0000-0000-0000-000000000000}"/>
           </ac:spMkLst>
         </pc:spChg>
-        <pc:spChg chg="mod">
-          <ac:chgData name="Alejandro Carrión" userId="757439b461449c9e" providerId="LiveId" clId="{ECF2C08A-1D63-4443-908D-B3C4743D2FCA}" dt="2021-08-25T11:56:54.468" v="692" actId="20577"/>
+        <pc:spChg chg="del mod">
+          <ac:chgData name="Alejandro Carrión" userId="757439b461449c9e" providerId="LiveId" clId="{ECF2C08A-1D63-4443-908D-B3C4743D2FCA}" dt="2021-09-06T14:49:45.738" v="6839" actId="478"/>
           <ac:spMkLst>
             <pc:docMk/>
             <pc:sldMk cId="0" sldId="259"/>
@@ -713,12 +721,20 @@
           <pc:sldMk cId="406414030" sldId="294"/>
         </pc:sldMkLst>
       </pc:sldChg>
-      <pc:sldChg chg="modSp add del mod">
-        <pc:chgData name="Alejandro Carrión" userId="757439b461449c9e" providerId="LiveId" clId="{ECF2C08A-1D63-4443-908D-B3C4743D2FCA}" dt="2021-09-05T18:50:40.110" v="6178" actId="14100"/>
+      <pc:sldChg chg="addSp delSp modSp add del mod">
+        <pc:chgData name="Alejandro Carrión" userId="757439b461449c9e" providerId="LiveId" clId="{ECF2C08A-1D63-4443-908D-B3C4743D2FCA}" dt="2021-09-06T14:49:49.687" v="6840" actId="478"/>
         <pc:sldMkLst>
           <pc:docMk/>
           <pc:sldMk cId="3346505560" sldId="294"/>
         </pc:sldMkLst>
+        <pc:spChg chg="add mod">
+          <ac:chgData name="Alejandro Carrión" userId="757439b461449c9e" providerId="LiveId" clId="{ECF2C08A-1D63-4443-908D-B3C4743D2FCA}" dt="2021-09-06T14:49:49.687" v="6840" actId="478"/>
+          <ac:spMkLst>
+            <pc:docMk/>
+            <pc:sldMk cId="3346505560" sldId="294"/>
+            <ac:spMk id="3" creationId="{0FA5CD11-A5C4-49C8-A640-55BBCCD78AE1}"/>
+          </ac:spMkLst>
+        </pc:spChg>
         <pc:spChg chg="mod">
           <ac:chgData name="Alejandro Carrión" userId="757439b461449c9e" providerId="LiveId" clId="{ECF2C08A-1D63-4443-908D-B3C4743D2FCA}" dt="2021-08-25T11:58:05.845" v="721" actId="20577"/>
           <ac:spMkLst>
@@ -727,8 +743,8 @@
             <ac:spMk id="226" creationId="{00000000-0000-0000-0000-000000000000}"/>
           </ac:spMkLst>
         </pc:spChg>
-        <pc:spChg chg="mod">
-          <ac:chgData name="Alejandro Carrión" userId="757439b461449c9e" providerId="LiveId" clId="{ECF2C08A-1D63-4443-908D-B3C4743D2FCA}" dt="2021-09-05T18:50:40.110" v="6178" actId="14100"/>
+        <pc:spChg chg="del mod">
+          <ac:chgData name="Alejandro Carrión" userId="757439b461449c9e" providerId="LiveId" clId="{ECF2C08A-1D63-4443-908D-B3C4743D2FCA}" dt="2021-09-06T14:49:49.687" v="6840" actId="478"/>
           <ac:spMkLst>
             <pc:docMk/>
             <pc:sldMk cId="3346505560" sldId="294"/>
@@ -783,12 +799,20 @@
           </ac:spMkLst>
         </pc:spChg>
       </pc:sldChg>
-      <pc:sldChg chg="modSp add mod">
-        <pc:chgData name="Alejandro Carrión" userId="757439b461449c9e" providerId="LiveId" clId="{ECF2C08A-1D63-4443-908D-B3C4743D2FCA}" dt="2021-09-05T18:50:30.710" v="6177" actId="14100"/>
+      <pc:sldChg chg="addSp delSp modSp add mod">
+        <pc:chgData name="Alejandro Carrión" userId="757439b461449c9e" providerId="LiveId" clId="{ECF2C08A-1D63-4443-908D-B3C4743D2FCA}" dt="2021-09-06T14:50:01.205" v="6841" actId="478"/>
         <pc:sldMkLst>
           <pc:docMk/>
           <pc:sldMk cId="3606591171" sldId="296"/>
         </pc:sldMkLst>
+        <pc:spChg chg="add mod">
+          <ac:chgData name="Alejandro Carrión" userId="757439b461449c9e" providerId="LiveId" clId="{ECF2C08A-1D63-4443-908D-B3C4743D2FCA}" dt="2021-09-06T14:50:01.205" v="6841" actId="478"/>
+          <ac:spMkLst>
+            <pc:docMk/>
+            <pc:sldMk cId="3606591171" sldId="296"/>
+            <ac:spMk id="3" creationId="{D1DE0A49-A108-466B-A3D1-A22CDEC11D83}"/>
+          </ac:spMkLst>
+        </pc:spChg>
         <pc:spChg chg="mod">
           <ac:chgData name="Alejandro Carrión" userId="757439b461449c9e" providerId="LiveId" clId="{ECF2C08A-1D63-4443-908D-B3C4743D2FCA}" dt="2021-08-25T11:59:13.633" v="847" actId="14100"/>
           <ac:spMkLst>
@@ -797,8 +821,8 @@
             <ac:spMk id="226" creationId="{00000000-0000-0000-0000-000000000000}"/>
           </ac:spMkLst>
         </pc:spChg>
-        <pc:spChg chg="mod">
-          <ac:chgData name="Alejandro Carrión" userId="757439b461449c9e" providerId="LiveId" clId="{ECF2C08A-1D63-4443-908D-B3C4743D2FCA}" dt="2021-09-05T18:50:30.710" v="6177" actId="14100"/>
+        <pc:spChg chg="del mod">
+          <ac:chgData name="Alejandro Carrión" userId="757439b461449c9e" providerId="LiveId" clId="{ECF2C08A-1D63-4443-908D-B3C4743D2FCA}" dt="2021-09-06T14:50:01.205" v="6841" actId="478"/>
           <ac:spMkLst>
             <pc:docMk/>
             <pc:sldMk cId="3606591171" sldId="296"/>
@@ -15547,48 +15571,6 @@
       </p:sp>
       <p:sp>
         <p:nvSpPr>
-          <p:cNvPr id="227" name="Google Shape;227;p15"/>
-          <p:cNvSpPr txBox="1">
-            <a:spLocks noGrp="1"/>
-          </p:cNvSpPr>
-          <p:nvPr>
-            <p:ph type="subTitle" idx="1"/>
-          </p:nvPr>
-        </p:nvSpPr>
-        <p:spPr>
-          <a:xfrm>
-            <a:off x="2305150" y="3385436"/>
-            <a:ext cx="5539439" cy="410700"/>
-          </a:xfrm>
-          <a:prstGeom prst="rect">
-            <a:avLst/>
-          </a:prstGeom>
-        </p:spPr>
-        <p:txBody>
-          <a:bodyPr spcFirstLastPara="1" wrap="square" lIns="0" tIns="0" rIns="0" bIns="0" anchor="t" anchorCtr="0">
-            <a:noAutofit/>
-          </a:bodyPr>
-          <a:lstStyle/>
-          <a:p>
-            <a:pPr marL="0" lvl="0" indent="0" algn="l" rtl="0">
-              <a:spcBef>
-                <a:spcPts val="0"/>
-              </a:spcBef>
-              <a:spcAft>
-                <a:spcPts val="800"/>
-              </a:spcAft>
-              <a:buNone/>
-            </a:pPr>
-            <a:r>
-              <a:rPr lang="en" dirty="0"/>
-              <a:t>Patrones relacionados, productos, librerías y conclusiones</a:t>
-            </a:r>
-            <a:endParaRPr dirty="0"/>
-          </a:p>
-        </p:txBody>
-      </p:sp>
-      <p:sp>
-        <p:nvSpPr>
           <p:cNvPr id="228" name="Google Shape;228;p15"/>
           <p:cNvSpPr txBox="1"/>
           <p:nvPr/>
@@ -15645,6 +15627,31 @@
               <a:cs typeface="Catamaran"/>
               <a:sym typeface="Catamaran"/>
             </a:endParaRPr>
+          </a:p>
+        </p:txBody>
+      </p:sp>
+      <p:sp>
+        <p:nvSpPr>
+          <p:cNvPr id="3" name="Subtítulo 2">
+            <a:extLst>
+              <a:ext uri="{FF2B5EF4-FFF2-40B4-BE49-F238E27FC236}">
+                <a16:creationId xmlns:a16="http://schemas.microsoft.com/office/drawing/2014/main" id="{0FA5CD11-A5C4-49C8-A640-55BBCCD78AE1}"/>
+              </a:ext>
+            </a:extLst>
+          </p:cNvPr>
+          <p:cNvSpPr>
+            <a:spLocks noGrp="1"/>
+          </p:cNvSpPr>
+          <p:nvPr>
+            <p:ph type="subTitle" idx="1"/>
+          </p:nvPr>
+        </p:nvSpPr>
+        <p:spPr/>
+        <p:txBody>
+          <a:bodyPr/>
+          <a:lstStyle/>
+          <a:p>
+            <a:endParaRPr lang="es-ES"/>
           </a:p>
         </p:txBody>
       </p:sp>
@@ -17600,48 +17607,6 @@
       </p:sp>
       <p:sp>
         <p:nvSpPr>
-          <p:cNvPr id="227" name="Google Shape;227;p15"/>
-          <p:cNvSpPr txBox="1">
-            <a:spLocks noGrp="1"/>
-          </p:cNvSpPr>
-          <p:nvPr>
-            <p:ph type="subTitle" idx="1"/>
-          </p:nvPr>
-        </p:nvSpPr>
-        <p:spPr>
-          <a:xfrm>
-            <a:off x="2305149" y="3385436"/>
-            <a:ext cx="6185707" cy="410700"/>
-          </a:xfrm>
-          <a:prstGeom prst="rect">
-            <a:avLst/>
-          </a:prstGeom>
-        </p:spPr>
-        <p:txBody>
-          <a:bodyPr spcFirstLastPara="1" wrap="square" lIns="0" tIns="0" rIns="0" bIns="0" anchor="t" anchorCtr="0">
-            <a:noAutofit/>
-          </a:bodyPr>
-          <a:lstStyle/>
-          <a:p>
-            <a:pPr marL="0" lvl="0" indent="0" algn="l" rtl="0">
-              <a:spcBef>
-                <a:spcPts val="0"/>
-              </a:spcBef>
-              <a:spcAft>
-                <a:spcPts val="800"/>
-              </a:spcAft>
-              <a:buNone/>
-            </a:pPr>
-            <a:r>
-              <a:rPr lang="en" dirty="0"/>
-              <a:t>Requisitos, programación, pruebas y metodología</a:t>
-            </a:r>
-            <a:endParaRPr dirty="0"/>
-          </a:p>
-        </p:txBody>
-      </p:sp>
-      <p:sp>
-        <p:nvSpPr>
           <p:cNvPr id="228" name="Google Shape;228;p15"/>
           <p:cNvSpPr txBox="1"/>
           <p:nvPr/>
@@ -17698,6 +17663,31 @@
               <a:cs typeface="Catamaran"/>
               <a:sym typeface="Catamaran"/>
             </a:endParaRPr>
+          </a:p>
+        </p:txBody>
+      </p:sp>
+      <p:sp>
+        <p:nvSpPr>
+          <p:cNvPr id="3" name="Subtítulo 2">
+            <a:extLst>
+              <a:ext uri="{FF2B5EF4-FFF2-40B4-BE49-F238E27FC236}">
+                <a16:creationId xmlns:a16="http://schemas.microsoft.com/office/drawing/2014/main" id="{D1DE0A49-A108-466B-A3D1-A22CDEC11D83}"/>
+              </a:ext>
+            </a:extLst>
+          </p:cNvPr>
+          <p:cNvSpPr>
+            <a:spLocks noGrp="1"/>
+          </p:cNvSpPr>
+          <p:nvPr>
+            <p:ph type="subTitle" idx="1"/>
+          </p:nvPr>
+        </p:nvSpPr>
+        <p:spPr/>
+        <p:txBody>
+          <a:bodyPr/>
+          <a:lstStyle/>
+          <a:p>
+            <a:endParaRPr lang="es-ES"/>
           </a:p>
         </p:txBody>
       </p:sp>
@@ -21929,48 +21919,6 @@
       </p:sp>
       <p:sp>
         <p:nvSpPr>
-          <p:cNvPr id="227" name="Google Shape;227;p15"/>
-          <p:cNvSpPr txBox="1">
-            <a:spLocks noGrp="1"/>
-          </p:cNvSpPr>
-          <p:nvPr>
-            <p:ph type="subTitle" idx="1"/>
-          </p:nvPr>
-        </p:nvSpPr>
-        <p:spPr>
-          <a:xfrm>
-            <a:off x="2305150" y="3385436"/>
-            <a:ext cx="5811000" cy="410700"/>
-          </a:xfrm>
-          <a:prstGeom prst="rect">
-            <a:avLst/>
-          </a:prstGeom>
-        </p:spPr>
-        <p:txBody>
-          <a:bodyPr spcFirstLastPara="1" wrap="square" lIns="0" tIns="0" rIns="0" bIns="0" anchor="t" anchorCtr="0">
-            <a:noAutofit/>
-          </a:bodyPr>
-          <a:lstStyle/>
-          <a:p>
-            <a:pPr marL="0" lvl="0" indent="0" algn="l" rtl="0">
-              <a:spcBef>
-                <a:spcPts val="0"/>
-              </a:spcBef>
-              <a:spcAft>
-                <a:spcPts val="800"/>
-              </a:spcAft>
-              <a:buNone/>
-            </a:pPr>
-            <a:r>
-              <a:rPr lang="en" dirty="0"/>
-              <a:t>Motivación y objetivos</a:t>
-            </a:r>
-            <a:endParaRPr dirty="0"/>
-          </a:p>
-        </p:txBody>
-      </p:sp>
-      <p:sp>
-        <p:nvSpPr>
           <p:cNvPr id="228" name="Google Shape;228;p15"/>
           <p:cNvSpPr txBox="1"/>
           <p:nvPr/>
@@ -22027,6 +21975,31 @@
               <a:cs typeface="Catamaran"/>
               <a:sym typeface="Catamaran"/>
             </a:endParaRPr>
+          </a:p>
+        </p:txBody>
+      </p:sp>
+      <p:sp>
+        <p:nvSpPr>
+          <p:cNvPr id="3" name="Subtítulo 2">
+            <a:extLst>
+              <a:ext uri="{FF2B5EF4-FFF2-40B4-BE49-F238E27FC236}">
+                <a16:creationId xmlns:a16="http://schemas.microsoft.com/office/drawing/2014/main" id="{78339C63-36B6-48B8-8C86-65A3CBC71F26}"/>
+              </a:ext>
+            </a:extLst>
+          </p:cNvPr>
+          <p:cNvSpPr>
+            <a:spLocks noGrp="1"/>
+          </p:cNvSpPr>
+          <p:nvPr>
+            <p:ph type="subTitle" idx="1"/>
+          </p:nvPr>
+        </p:nvSpPr>
+        <p:spPr/>
+        <p:txBody>
+          <a:bodyPr/>
+          <a:lstStyle/>
+          <a:p>
+            <a:endParaRPr lang="es-ES"/>
           </a:p>
         </p:txBody>
       </p:sp>

--- a/TFG_AlejandroCarrion.pptx
+++ b/TFG_AlejandroCarrion.pptx
@@ -298,7 +298,7 @@
 <file path=ppt/revisionInfo.xml><?xml version="1.0" encoding="utf-8"?>
 <p1510:revInfo xmlns:a="http://schemas.openxmlformats.org/drawingml/2006/main" xmlns:r="http://schemas.openxmlformats.org/officeDocument/2006/relationships" xmlns:p1510="http://schemas.microsoft.com/office/powerpoint/2015/10/main">
   <p1510:revLst>
-    <p1510:client id="{ECF2C08A-1D63-4443-908D-B3C4743D2FCA}" v="94" dt="2021-09-06T14:07:19.559"/>
+    <p1510:client id="{ECF2C08A-1D63-4443-908D-B3C4743D2FCA}" v="95" dt="2021-09-06T14:53:08.678"/>
   </p1510:revLst>
 </p1510:revInfo>
 </file>
@@ -308,7 +308,7 @@
   <pc:docChgLst>
     <pc:chgData name="Alejandro Carrión" userId="757439b461449c9e" providerId="LiveId" clId="{ECF2C08A-1D63-4443-908D-B3C4743D2FCA}"/>
     <pc:docChg chg="undo redo custSel addSld delSld modSld sldOrd">
-      <pc:chgData name="Alejandro Carrión" userId="757439b461449c9e" providerId="LiveId" clId="{ECF2C08A-1D63-4443-908D-B3C4743D2FCA}" dt="2021-09-06T14:50:01.205" v="6841" actId="478"/>
+      <pc:chgData name="Alejandro Carrión" userId="757439b461449c9e" providerId="LiveId" clId="{ECF2C08A-1D63-4443-908D-B3C4743D2FCA}" dt="2021-09-06T14:58:40.677" v="6872" actId="20577"/>
       <pc:docMkLst>
         <pc:docMk/>
       </pc:docMkLst>
@@ -342,13 +342,13 @@
         </pc:sldMkLst>
       </pc:sldChg>
       <pc:sldChg chg="addSp delSp modSp mod">
-        <pc:chgData name="Alejandro Carrión" userId="757439b461449c9e" providerId="LiveId" clId="{ECF2C08A-1D63-4443-908D-B3C4743D2FCA}" dt="2021-09-06T14:49:45.738" v="6839" actId="478"/>
+        <pc:chgData name="Alejandro Carrión" userId="757439b461449c9e" providerId="LiveId" clId="{ECF2C08A-1D63-4443-908D-B3C4743D2FCA}" dt="2021-09-06T14:51:08.467" v="6842" actId="478"/>
         <pc:sldMkLst>
           <pc:docMk/>
           <pc:sldMk cId="0" sldId="259"/>
         </pc:sldMkLst>
-        <pc:spChg chg="add mod">
-          <ac:chgData name="Alejandro Carrión" userId="757439b461449c9e" providerId="LiveId" clId="{ECF2C08A-1D63-4443-908D-B3C4743D2FCA}" dt="2021-09-06T14:49:45.738" v="6839" actId="478"/>
+        <pc:spChg chg="add del mod">
+          <ac:chgData name="Alejandro Carrión" userId="757439b461449c9e" providerId="LiveId" clId="{ECF2C08A-1D63-4443-908D-B3C4743D2FCA}" dt="2021-09-06T14:51:08.467" v="6842" actId="478"/>
           <ac:spMkLst>
             <pc:docMk/>
             <pc:sldMk cId="0" sldId="259"/>
@@ -722,13 +722,13 @@
         </pc:sldMkLst>
       </pc:sldChg>
       <pc:sldChg chg="addSp delSp modSp add del mod">
-        <pc:chgData name="Alejandro Carrión" userId="757439b461449c9e" providerId="LiveId" clId="{ECF2C08A-1D63-4443-908D-B3C4743D2FCA}" dt="2021-09-06T14:49:49.687" v="6840" actId="478"/>
+        <pc:chgData name="Alejandro Carrión" userId="757439b461449c9e" providerId="LiveId" clId="{ECF2C08A-1D63-4443-908D-B3C4743D2FCA}" dt="2021-09-06T14:51:12.039" v="6843" actId="478"/>
         <pc:sldMkLst>
           <pc:docMk/>
           <pc:sldMk cId="3346505560" sldId="294"/>
         </pc:sldMkLst>
-        <pc:spChg chg="add mod">
-          <ac:chgData name="Alejandro Carrión" userId="757439b461449c9e" providerId="LiveId" clId="{ECF2C08A-1D63-4443-908D-B3C4743D2FCA}" dt="2021-09-06T14:49:49.687" v="6840" actId="478"/>
+        <pc:spChg chg="add del mod">
+          <ac:chgData name="Alejandro Carrión" userId="757439b461449c9e" providerId="LiveId" clId="{ECF2C08A-1D63-4443-908D-B3C4743D2FCA}" dt="2021-09-06T14:51:12.039" v="6843" actId="478"/>
           <ac:spMkLst>
             <pc:docMk/>
             <pc:sldMk cId="3346505560" sldId="294"/>
@@ -800,13 +800,13 @@
         </pc:spChg>
       </pc:sldChg>
       <pc:sldChg chg="addSp delSp modSp add mod">
-        <pc:chgData name="Alejandro Carrión" userId="757439b461449c9e" providerId="LiveId" clId="{ECF2C08A-1D63-4443-908D-B3C4743D2FCA}" dt="2021-09-06T14:50:01.205" v="6841" actId="478"/>
+        <pc:chgData name="Alejandro Carrión" userId="757439b461449c9e" providerId="LiveId" clId="{ECF2C08A-1D63-4443-908D-B3C4743D2FCA}" dt="2021-09-06T14:51:16.448" v="6844" actId="478"/>
         <pc:sldMkLst>
           <pc:docMk/>
           <pc:sldMk cId="3606591171" sldId="296"/>
         </pc:sldMkLst>
-        <pc:spChg chg="add mod">
-          <ac:chgData name="Alejandro Carrión" userId="757439b461449c9e" providerId="LiveId" clId="{ECF2C08A-1D63-4443-908D-B3C4743D2FCA}" dt="2021-09-06T14:50:01.205" v="6841" actId="478"/>
+        <pc:spChg chg="add del mod">
+          <ac:chgData name="Alejandro Carrión" userId="757439b461449c9e" providerId="LiveId" clId="{ECF2C08A-1D63-4443-908D-B3C4743D2FCA}" dt="2021-09-06T14:51:16.448" v="6844" actId="478"/>
           <ac:spMkLst>
             <pc:docMk/>
             <pc:sldMk cId="3606591171" sldId="296"/>
@@ -2108,7 +2108,7 @@
         </pc:picChg>
       </pc:sldChg>
       <pc:sldChg chg="addSp delSp modSp add del mod chgLayout">
-        <pc:chgData name="Alejandro Carrión" userId="757439b461449c9e" providerId="LiveId" clId="{ECF2C08A-1D63-4443-908D-B3C4743D2FCA}" dt="2021-08-31T17:25:29.412" v="2834" actId="115"/>
+        <pc:chgData name="Alejandro Carrión" userId="757439b461449c9e" providerId="LiveId" clId="{ECF2C08A-1D63-4443-908D-B3C4743D2FCA}" dt="2021-09-06T14:54:12.897" v="6855" actId="2710"/>
         <pc:sldMkLst>
           <pc:docMk/>
           <pc:sldMk cId="1003742140" sldId="308"/>
@@ -2138,7 +2138,7 @@
           </ac:spMkLst>
         </pc:spChg>
         <pc:spChg chg="add mod ord">
-          <ac:chgData name="Alejandro Carrión" userId="757439b461449c9e" providerId="LiveId" clId="{ECF2C08A-1D63-4443-908D-B3C4743D2FCA}" dt="2021-08-31T17:25:29.412" v="2834" actId="115"/>
+          <ac:chgData name="Alejandro Carrión" userId="757439b461449c9e" providerId="LiveId" clId="{ECF2C08A-1D63-4443-908D-B3C4743D2FCA}" dt="2021-09-06T14:54:12.897" v="6855" actId="2710"/>
           <ac:spMkLst>
             <pc:docMk/>
             <pc:sldMk cId="1003742140" sldId="308"/>
@@ -2193,8 +2193,8 @@
             <ac:picMk id="32770" creationId="{650D476E-B592-47E9-9DA4-D04C4F6EFF0C}"/>
           </ac:picMkLst>
         </pc:picChg>
-        <pc:picChg chg="mod">
-          <ac:chgData name="Alejandro Carrión" userId="757439b461449c9e" providerId="LiveId" clId="{ECF2C08A-1D63-4443-908D-B3C4743D2FCA}" dt="2021-08-30T19:23:55.732" v="2613" actId="14100"/>
+        <pc:picChg chg="add del mod modCrop">
+          <ac:chgData name="Alejandro Carrión" userId="757439b461449c9e" providerId="LiveId" clId="{ECF2C08A-1D63-4443-908D-B3C4743D2FCA}" dt="2021-09-06T14:53:54.229" v="6854" actId="1076"/>
           <ac:picMkLst>
             <pc:docMk/>
             <pc:sldMk cId="1003742140" sldId="308"/>
@@ -2240,7 +2240,7 @@
         </pc:picChg>
       </pc:sldChg>
       <pc:sldChg chg="addSp delSp modSp add mod">
-        <pc:chgData name="Alejandro Carrión" userId="757439b461449c9e" providerId="LiveId" clId="{ECF2C08A-1D63-4443-908D-B3C4743D2FCA}" dt="2021-09-06T14:43:05.315" v="6838" actId="2710"/>
+        <pc:chgData name="Alejandro Carrión" userId="757439b461449c9e" providerId="LiveId" clId="{ECF2C08A-1D63-4443-908D-B3C4743D2FCA}" dt="2021-09-06T14:56:40.585" v="6864" actId="20577"/>
         <pc:sldMkLst>
           <pc:docMk/>
           <pc:sldMk cId="1817353308" sldId="309"/>
@@ -2254,7 +2254,7 @@
           </ac:spMkLst>
         </pc:spChg>
         <pc:spChg chg="mod">
-          <ac:chgData name="Alejandro Carrión" userId="757439b461449c9e" providerId="LiveId" clId="{ECF2C08A-1D63-4443-908D-B3C4743D2FCA}" dt="2021-09-06T14:43:05.315" v="6838" actId="2710"/>
+          <ac:chgData name="Alejandro Carrión" userId="757439b461449c9e" providerId="LiveId" clId="{ECF2C08A-1D63-4443-908D-B3C4743D2FCA}" dt="2021-09-06T14:56:40.585" v="6864" actId="20577"/>
           <ac:spMkLst>
             <pc:docMk/>
             <pc:sldMk cId="1817353308" sldId="309"/>
@@ -2371,8 +2371,8 @@
           </ac:picMkLst>
         </pc:picChg>
       </pc:sldChg>
-      <pc:sldChg chg="delSp modSp add mod">
-        <pc:chgData name="Alejandro Carrión" userId="757439b461449c9e" providerId="LiveId" clId="{ECF2C08A-1D63-4443-908D-B3C4743D2FCA}" dt="2021-08-30T19:20:32.876" v="2524" actId="2710"/>
+      <pc:sldChg chg="addSp delSp modSp add mod">
+        <pc:chgData name="Alejandro Carrión" userId="757439b461449c9e" providerId="LiveId" clId="{ECF2C08A-1D63-4443-908D-B3C4743D2FCA}" dt="2021-09-06T14:55:02.405" v="6863" actId="1076"/>
         <pc:sldMkLst>
           <pc:docMk/>
           <pc:sldMk cId="3146919481" sldId="313"/>
@@ -2386,13 +2386,21 @@
           </ac:spMkLst>
         </pc:spChg>
         <pc:spChg chg="mod">
-          <ac:chgData name="Alejandro Carrión" userId="757439b461449c9e" providerId="LiveId" clId="{ECF2C08A-1D63-4443-908D-B3C4743D2FCA}" dt="2021-08-30T19:20:32.876" v="2524" actId="2710"/>
+          <ac:chgData name="Alejandro Carrión" userId="757439b461449c9e" providerId="LiveId" clId="{ECF2C08A-1D63-4443-908D-B3C4743D2FCA}" dt="2021-09-06T14:54:54.087" v="6862" actId="1076"/>
           <ac:spMkLst>
             <pc:docMk/>
             <pc:sldMk cId="3146919481" sldId="313"/>
             <ac:spMk id="15" creationId="{6B6259AF-1D2A-4AB1-9BFB-5370E1EE3AEE}"/>
           </ac:spMkLst>
         </pc:spChg>
+        <pc:picChg chg="add mod">
+          <ac:chgData name="Alejandro Carrión" userId="757439b461449c9e" providerId="LiveId" clId="{ECF2C08A-1D63-4443-908D-B3C4743D2FCA}" dt="2021-09-06T14:55:02.405" v="6863" actId="1076"/>
+          <ac:picMkLst>
+            <pc:docMk/>
+            <pc:sldMk cId="3146919481" sldId="313"/>
+            <ac:picMk id="5" creationId="{7181042F-0D23-4362-AAE8-0C6F5619470C}"/>
+          </ac:picMkLst>
+        </pc:picChg>
         <pc:picChg chg="del">
           <ac:chgData name="Alejandro Carrión" userId="757439b461449c9e" providerId="LiveId" clId="{ECF2C08A-1D63-4443-908D-B3C4743D2FCA}" dt="2021-08-30T19:19:10.311" v="2393" actId="478"/>
           <ac:picMkLst>
@@ -2607,13 +2615,13 @@
         </pc:picChg>
       </pc:sldChg>
       <pc:sldChg chg="modSp add mod ord">
-        <pc:chgData name="Alejandro Carrión" userId="757439b461449c9e" providerId="LiveId" clId="{ECF2C08A-1D63-4443-908D-B3C4743D2FCA}" dt="2021-09-06T14:16:53.754" v="6794" actId="2710"/>
+        <pc:chgData name="Alejandro Carrión" userId="757439b461449c9e" providerId="LiveId" clId="{ECF2C08A-1D63-4443-908D-B3C4743D2FCA}" dt="2021-09-06T14:58:40.677" v="6872" actId="20577"/>
         <pc:sldMkLst>
           <pc:docMk/>
           <pc:sldMk cId="1083794317" sldId="318"/>
         </pc:sldMkLst>
         <pc:spChg chg="mod">
-          <ac:chgData name="Alejandro Carrión" userId="757439b461449c9e" providerId="LiveId" clId="{ECF2C08A-1D63-4443-908D-B3C4743D2FCA}" dt="2021-09-06T14:16:53.754" v="6794" actId="2710"/>
+          <ac:chgData name="Alejandro Carrión" userId="757439b461449c9e" providerId="LiveId" clId="{ECF2C08A-1D63-4443-908D-B3C4743D2FCA}" dt="2021-09-06T14:58:40.677" v="6872" actId="20577"/>
           <ac:spMkLst>
             <pc:docMk/>
             <pc:sldMk cId="1083794317" sldId="318"/>
@@ -15630,31 +15638,6 @@
           </a:p>
         </p:txBody>
       </p:sp>
-      <p:sp>
-        <p:nvSpPr>
-          <p:cNvPr id="3" name="Subtítulo 2">
-            <a:extLst>
-              <a:ext uri="{FF2B5EF4-FFF2-40B4-BE49-F238E27FC236}">
-                <a16:creationId xmlns:a16="http://schemas.microsoft.com/office/drawing/2014/main" id="{0FA5CD11-A5C4-49C8-A640-55BBCCD78AE1}"/>
-              </a:ext>
-            </a:extLst>
-          </p:cNvPr>
-          <p:cNvSpPr>
-            <a:spLocks noGrp="1"/>
-          </p:cNvSpPr>
-          <p:nvPr>
-            <p:ph type="subTitle" idx="1"/>
-          </p:nvPr>
-        </p:nvSpPr>
-        <p:spPr/>
-        <p:txBody>
-          <a:bodyPr/>
-          <a:lstStyle/>
-          <a:p>
-            <a:endParaRPr lang="es-ES"/>
-          </a:p>
-        </p:txBody>
-      </p:sp>
     </p:spTree>
     <p:extLst>
       <p:ext uri="{BB962C8B-B14F-4D97-AF65-F5344CB8AC3E}">
@@ -17663,31 +17646,6 @@
               <a:cs typeface="Catamaran"/>
               <a:sym typeface="Catamaran"/>
             </a:endParaRPr>
-          </a:p>
-        </p:txBody>
-      </p:sp>
-      <p:sp>
-        <p:nvSpPr>
-          <p:cNvPr id="3" name="Subtítulo 2">
-            <a:extLst>
-              <a:ext uri="{FF2B5EF4-FFF2-40B4-BE49-F238E27FC236}">
-                <a16:creationId xmlns:a16="http://schemas.microsoft.com/office/drawing/2014/main" id="{D1DE0A49-A108-466B-A3D1-A22CDEC11D83}"/>
-              </a:ext>
-            </a:extLst>
-          </p:cNvPr>
-          <p:cNvSpPr>
-            <a:spLocks noGrp="1"/>
-          </p:cNvSpPr>
-          <p:nvPr>
-            <p:ph type="subTitle" idx="1"/>
-          </p:nvPr>
-        </p:nvSpPr>
-        <p:spPr/>
-        <p:txBody>
-          <a:bodyPr/>
-          <a:lstStyle/>
-          <a:p>
-            <a:endParaRPr lang="es-ES"/>
           </a:p>
         </p:txBody>
       </p:sp>
@@ -20967,7 +20925,15 @@
             </a:pPr>
             <a:r>
               <a:rPr lang="es-ES" sz="2200" dirty="0"/>
-              <a:t>Nuevos: C#, YARP</a:t>
+              <a:t>Nuevos</a:t>
+            </a:r>
+            <a:r>
+              <a:rPr lang="es-ES" sz="2200"/>
+              <a:t>: .NET, </a:t>
+            </a:r>
+            <a:r>
+              <a:rPr lang="es-ES" sz="2200" dirty="0"/>
+              <a:t>YARP</a:t>
             </a:r>
           </a:p>
           <a:p>
@@ -21978,31 +21944,6 @@
           </a:p>
         </p:txBody>
       </p:sp>
-      <p:sp>
-        <p:nvSpPr>
-          <p:cNvPr id="3" name="Subtítulo 2">
-            <a:extLst>
-              <a:ext uri="{FF2B5EF4-FFF2-40B4-BE49-F238E27FC236}">
-                <a16:creationId xmlns:a16="http://schemas.microsoft.com/office/drawing/2014/main" id="{78339C63-36B6-48B8-8C86-65A3CBC71F26}"/>
-              </a:ext>
-            </a:extLst>
-          </p:cNvPr>
-          <p:cNvSpPr>
-            <a:spLocks noGrp="1"/>
-          </p:cNvSpPr>
-          <p:nvPr>
-            <p:ph type="subTitle" idx="1"/>
-          </p:nvPr>
-        </p:nvSpPr>
-        <p:spPr/>
-        <p:txBody>
-          <a:bodyPr/>
-          <a:lstStyle/>
-          <a:p>
-            <a:endParaRPr lang="es-ES"/>
-          </a:p>
-        </p:txBody>
-      </p:sp>
     </p:spTree>
   </p:cSld>
   <p:clrMapOvr>
@@ -22083,7 +22024,7 @@
           <a:p>
             <a:pPr>
               <a:lnSpc>
-                <a:spcPct val="150000"/>
+                <a:spcPct val="200000"/>
               </a:lnSpc>
             </a:pPr>
             <a:r>
@@ -22094,7 +22035,7 @@
           <a:p>
             <a:pPr>
               <a:lnSpc>
-                <a:spcPct val="150000"/>
+                <a:spcPct val="200000"/>
               </a:lnSpc>
             </a:pPr>
             <a:r>
@@ -22105,7 +22046,7 @@
           <a:p>
             <a:pPr>
               <a:lnSpc>
-                <a:spcPct val="150000"/>
+                <a:spcPct val="200000"/>
               </a:lnSpc>
             </a:pPr>
             <a:r>
@@ -22173,7 +22114,7 @@
           </p:cNvPicPr>
           <p:nvPr/>
         </p:nvPicPr>
-        <p:blipFill>
+        <p:blipFill rotWithShape="1">
           <a:blip r:embed="rId2">
             <a:extLst>
               <a:ext uri="{28A0092B-C50C-407E-A947-70E740481C1C}">
@@ -22181,15 +22122,13 @@
               </a:ext>
             </a:extLst>
           </a:blip>
-          <a:srcRect/>
-          <a:stretch>
-            <a:fillRect/>
-          </a:stretch>
+          <a:srcRect l="36165"/>
+          <a:stretch/>
         </p:blipFill>
         <p:spPr bwMode="auto">
           <a:xfrm>
-            <a:off x="3907084" y="2245659"/>
-            <a:ext cx="4914186" cy="2643935"/>
+            <a:off x="4810835" y="1689224"/>
+            <a:ext cx="3753135" cy="3163251"/>
           </a:xfrm>
           <a:prstGeom prst="rect">
             <a:avLst/>
@@ -22280,7 +22219,12 @@
             <p:ph type="body" idx="1"/>
           </p:nvPr>
         </p:nvSpPr>
-        <p:spPr/>
+        <p:spPr>
+          <a:xfrm>
+            <a:off x="5562641" y="2003330"/>
+            <a:ext cx="3417587" cy="2884200"/>
+          </a:xfrm>
+        </p:spPr>
         <p:txBody>
           <a:bodyPr/>
           <a:lstStyle/>
@@ -22303,17 +22247,6 @@
             </a:pPr>
             <a:r>
               <a:rPr lang="es-ES" dirty="0"/>
-              <a:t>Maniobrabilidad en los despliegues</a:t>
-            </a:r>
-          </a:p>
-          <a:p>
-            <a:pPr>
-              <a:lnSpc>
-                <a:spcPct val="200000"/>
-              </a:lnSpc>
-            </a:pPr>
-            <a:r>
-              <a:rPr lang="es-ES" dirty="0"/>
               <a:t>Tolerancia a fallos</a:t>
             </a:r>
           </a:p>
@@ -22325,7 +22258,7 @@
             </a:pPr>
             <a:r>
               <a:rPr lang="es-ES" dirty="0"/>
-              <a:t>Escalabilidad y mantenibilidad</a:t>
+              <a:t>Escalabilidad</a:t>
             </a:r>
           </a:p>
         </p:txBody>
@@ -22374,6 +22307,44 @@
           </a:p>
         </p:txBody>
       </p:sp>
+      <p:pic>
+        <p:nvPicPr>
+          <p:cNvPr id="5" name="Picture 2" descr="Diagrama, Esquemático&#10;&#10;Descripción generada automáticamente">
+            <a:extLst>
+              <a:ext uri="{FF2B5EF4-FFF2-40B4-BE49-F238E27FC236}">
+                <a16:creationId xmlns:a16="http://schemas.microsoft.com/office/drawing/2014/main" id="{7181042F-0D23-4362-AAE8-0C6F5619470C}"/>
+              </a:ext>
+            </a:extLst>
+          </p:cNvPr>
+          <p:cNvPicPr>
+            <a:picLocks noChangeAspect="1" noChangeArrowheads="1"/>
+          </p:cNvPicPr>
+          <p:nvPr/>
+        </p:nvPicPr>
+        <p:blipFill>
+          <a:blip r:embed="rId2">
+            <a:extLst>
+              <a:ext uri="{28A0092B-C50C-407E-A947-70E740481C1C}">
+                <a14:useLocalDpi xmlns:a14="http://schemas.microsoft.com/office/drawing/2010/main" val="0"/>
+              </a:ext>
+            </a:extLst>
+          </a:blip>
+          <a:srcRect/>
+          <a:stretch>
+            <a:fillRect/>
+          </a:stretch>
+        </p:blipFill>
+        <p:spPr bwMode="auto">
+          <a:xfrm>
+            <a:off x="385961" y="1815756"/>
+            <a:ext cx="4914186" cy="2643935"/>
+          </a:xfrm>
+          <a:prstGeom prst="rect">
+            <a:avLst/>
+          </a:prstGeom>
+          <a:noFill/>
+        </p:spPr>
+      </p:pic>
     </p:spTree>
     <p:extLst>
       <p:ext uri="{BB962C8B-B14F-4D97-AF65-F5344CB8AC3E}">
@@ -23043,7 +23014,7 @@
             </a:r>
             <a:r>
               <a:rPr lang="es-ES" dirty="0"/>
-              <a:t> inverso:</a:t>
+              <a:t> inverso</a:t>
             </a:r>
           </a:p>
           <a:p>

--- a/TFG_AlejandroCarrion.pptx
+++ b/TFG_AlejandroCarrion.pptx
@@ -5,7 +5,7 @@
     <p:sldMasterId id="2147483658" r:id="rId1"/>
   </p:sldMasterIdLst>
   <p:notesMasterIdLst>
-    <p:notesMasterId r:id="rId30"/>
+    <p:notesMasterId r:id="rId31"/>
   </p:notesMasterIdLst>
   <p:sldIdLst>
     <p:sldId id="256" r:id="rId2"/>
@@ -27,35 +27,36 @@
     <p:sldId id="296" r:id="rId18"/>
     <p:sldId id="306" r:id="rId19"/>
     <p:sldId id="315" r:id="rId20"/>
-    <p:sldId id="326" r:id="rId21"/>
-    <p:sldId id="317" r:id="rId22"/>
-    <p:sldId id="328" r:id="rId23"/>
-    <p:sldId id="297" r:id="rId24"/>
-    <p:sldId id="277" r:id="rId25"/>
-    <p:sldId id="298" r:id="rId26"/>
-    <p:sldId id="318" r:id="rId27"/>
-    <p:sldId id="320" r:id="rId28"/>
-    <p:sldId id="319" r:id="rId29"/>
+    <p:sldId id="329" r:id="rId21"/>
+    <p:sldId id="326" r:id="rId22"/>
+    <p:sldId id="317" r:id="rId23"/>
+    <p:sldId id="328" r:id="rId24"/>
+    <p:sldId id="297" r:id="rId25"/>
+    <p:sldId id="277" r:id="rId26"/>
+    <p:sldId id="298" r:id="rId27"/>
+    <p:sldId id="318" r:id="rId28"/>
+    <p:sldId id="320" r:id="rId29"/>
+    <p:sldId id="319" r:id="rId30"/>
   </p:sldIdLst>
   <p:sldSz cx="9144000" cy="5143500" type="screen16x9"/>
   <p:notesSz cx="6858000" cy="9144000"/>
   <p:embeddedFontLst>
     <p:embeddedFont>
       <p:font typeface="Calibri" panose="020F0502020204030204" pitchFamily="34" charset="0"/>
-      <p:regular r:id="rId31"/>
-      <p:bold r:id="rId32"/>
-      <p:italic r:id="rId33"/>
-      <p:boldItalic r:id="rId34"/>
+      <p:regular r:id="rId32"/>
+      <p:bold r:id="rId33"/>
+      <p:italic r:id="rId34"/>
+      <p:boldItalic r:id="rId35"/>
     </p:embeddedFont>
     <p:embeddedFont>
       <p:font typeface="Catamaran" panose="020B0604020202020204" charset="0"/>
-      <p:regular r:id="rId35"/>
-      <p:bold r:id="rId36"/>
+      <p:regular r:id="rId36"/>
+      <p:bold r:id="rId37"/>
     </p:embeddedFont>
     <p:embeddedFont>
       <p:font typeface="Catamaran Thin" panose="020B0604020202020204" charset="0"/>
-      <p:regular r:id="rId37"/>
-      <p:bold r:id="rId38"/>
+      <p:regular r:id="rId38"/>
+      <p:bold r:id="rId39"/>
     </p:embeddedFont>
   </p:embeddedFontLst>
   <p:defaultTextStyle>
@@ -298,7 +299,7 @@
 <file path=ppt/revisionInfo.xml><?xml version="1.0" encoding="utf-8"?>
 <p1510:revInfo xmlns:a="http://schemas.openxmlformats.org/drawingml/2006/main" xmlns:r="http://schemas.openxmlformats.org/officeDocument/2006/relationships" xmlns:p1510="http://schemas.microsoft.com/office/powerpoint/2015/10/main">
   <p1510:revLst>
-    <p1510:client id="{ECF2C08A-1D63-4443-908D-B3C4743D2FCA}" v="95" dt="2021-09-06T14:53:08.678"/>
+    <p1510:client id="{ECF2C08A-1D63-4443-908D-B3C4743D2FCA}" v="116" dt="2021-09-08T14:19:26.921"/>
   </p1510:revLst>
 </p1510:revInfo>
 </file>
@@ -308,7 +309,7 @@
   <pc:docChgLst>
     <pc:chgData name="Alejandro Carrión" userId="757439b461449c9e" providerId="LiveId" clId="{ECF2C08A-1D63-4443-908D-B3C4743D2FCA}"/>
     <pc:docChg chg="undo redo custSel addSld delSld modSld sldOrd">
-      <pc:chgData name="Alejandro Carrión" userId="757439b461449c9e" providerId="LiveId" clId="{ECF2C08A-1D63-4443-908D-B3C4743D2FCA}" dt="2021-09-06T14:58:40.677" v="6872" actId="20577"/>
+      <pc:chgData name="Alejandro Carrión" userId="757439b461449c9e" providerId="LiveId" clId="{ECF2C08A-1D63-4443-908D-B3C4743D2FCA}" dt="2021-09-08T14:21:18.794" v="6991" actId="1076"/>
       <pc:docMkLst>
         <pc:docMk/>
       </pc:docMkLst>
@@ -1467,7 +1468,7 @@
         </pc:picChg>
       </pc:sldChg>
       <pc:sldChg chg="addSp delSp modSp add mod modClrScheme chgLayout">
-        <pc:chgData name="Alejandro Carrión" userId="757439b461449c9e" providerId="LiveId" clId="{ECF2C08A-1D63-4443-908D-B3C4743D2FCA}" dt="2021-08-30T17:54:32.509" v="1619" actId="1076"/>
+        <pc:chgData name="Alejandro Carrión" userId="757439b461449c9e" providerId="LiveId" clId="{ECF2C08A-1D63-4443-908D-B3C4743D2FCA}" dt="2021-09-08T13:48:37.548" v="6938" actId="1076"/>
         <pc:sldMkLst>
           <pc:docMk/>
           <pc:sldMk cId="570694341" sldId="304"/>
@@ -1481,7 +1482,7 @@
           </ac:spMkLst>
         </pc:spChg>
         <pc:spChg chg="add mod">
-          <ac:chgData name="Alejandro Carrión" userId="757439b461449c9e" providerId="LiveId" clId="{ECF2C08A-1D63-4443-908D-B3C4743D2FCA}" dt="2021-08-30T17:54:11.163" v="1617" actId="1076"/>
+          <ac:chgData name="Alejandro Carrión" userId="757439b461449c9e" providerId="LiveId" clId="{ECF2C08A-1D63-4443-908D-B3C4743D2FCA}" dt="2021-09-08T13:48:32.652" v="6937" actId="1076"/>
           <ac:spMkLst>
             <pc:docMk/>
             <pc:sldMk cId="570694341" sldId="304"/>
@@ -1513,7 +1514,7 @@
           </ac:graphicFrameMkLst>
         </pc:graphicFrameChg>
         <pc:picChg chg="add mod">
-          <ac:chgData name="Alejandro Carrión" userId="757439b461449c9e" providerId="LiveId" clId="{ECF2C08A-1D63-4443-908D-B3C4743D2FCA}" dt="2021-08-30T17:54:32.509" v="1619" actId="1076"/>
+          <ac:chgData name="Alejandro Carrión" userId="757439b461449c9e" providerId="LiveId" clId="{ECF2C08A-1D63-4443-908D-B3C4743D2FCA}" dt="2021-09-08T13:48:37.548" v="6938" actId="1076"/>
           <ac:picMkLst>
             <pc:docMk/>
             <pc:sldMk cId="570694341" sldId="304"/>
@@ -2466,7 +2467,7 @@
         </pc:picChg>
       </pc:sldChg>
       <pc:sldChg chg="addSp delSp modSp add mod modNotesTx">
-        <pc:chgData name="Alejandro Carrión" userId="757439b461449c9e" providerId="LiveId" clId="{ECF2C08A-1D63-4443-908D-B3C4743D2FCA}" dt="2021-09-06T14:14:33.855" v="6787" actId="20577"/>
+        <pc:chgData name="Alejandro Carrión" userId="757439b461449c9e" providerId="LiveId" clId="{ECF2C08A-1D63-4443-908D-B3C4743D2FCA}" dt="2021-09-06T15:50:23.727" v="6909" actId="20577"/>
         <pc:sldMkLst>
           <pc:docMk/>
           <pc:sldMk cId="468109639" sldId="315"/>
@@ -2480,7 +2481,7 @@
           </ac:spMkLst>
         </pc:spChg>
         <pc:spChg chg="mod">
-          <ac:chgData name="Alejandro Carrión" userId="757439b461449c9e" providerId="LiveId" clId="{ECF2C08A-1D63-4443-908D-B3C4743D2FCA}" dt="2021-09-06T14:14:33.855" v="6787" actId="20577"/>
+          <ac:chgData name="Alejandro Carrión" userId="757439b461449c9e" providerId="LiveId" clId="{ECF2C08A-1D63-4443-908D-B3C4743D2FCA}" dt="2021-09-06T15:49:32.752" v="6881" actId="20577"/>
           <ac:spMkLst>
             <pc:docMk/>
             <pc:sldMk cId="468109639" sldId="315"/>
@@ -2638,7 +2639,7 @@
         </pc:spChg>
       </pc:sldChg>
       <pc:sldChg chg="addSp delSp modSp add mod modAnim">
-        <pc:chgData name="Alejandro Carrión" userId="757439b461449c9e" providerId="LiveId" clId="{ECF2C08A-1D63-4443-908D-B3C4743D2FCA}" dt="2021-09-02T19:05:01.713" v="5692"/>
+        <pc:chgData name="Alejandro Carrión" userId="757439b461449c9e" providerId="LiveId" clId="{ECF2C08A-1D63-4443-908D-B3C4743D2FCA}" dt="2021-09-06T16:10:00.170" v="6933" actId="1076"/>
         <pc:sldMkLst>
           <pc:docMk/>
           <pc:sldMk cId="1294296652" sldId="319"/>
@@ -2652,7 +2653,7 @@
           </ac:spMkLst>
         </pc:spChg>
         <pc:spChg chg="add mod">
-          <ac:chgData name="Alejandro Carrión" userId="757439b461449c9e" providerId="LiveId" clId="{ECF2C08A-1D63-4443-908D-B3C4743D2FCA}" dt="2021-08-31T17:58:35.272" v="3454" actId="1076"/>
+          <ac:chgData name="Alejandro Carrión" userId="757439b461449c9e" providerId="LiveId" clId="{ECF2C08A-1D63-4443-908D-B3C4743D2FCA}" dt="2021-09-06T16:10:00.170" v="6933" actId="1076"/>
           <ac:spMkLst>
             <pc:docMk/>
             <pc:sldMk cId="1294296652" sldId="319"/>
@@ -2661,13 +2662,13 @@
         </pc:spChg>
       </pc:sldChg>
       <pc:sldChg chg="addSp delSp modSp add mod modClrScheme chgLayout">
-        <pc:chgData name="Alejandro Carrión" userId="757439b461449c9e" providerId="LiveId" clId="{ECF2C08A-1D63-4443-908D-B3C4743D2FCA}" dt="2021-08-31T18:11:51.120" v="3890" actId="2710"/>
+        <pc:chgData name="Alejandro Carrión" userId="757439b461449c9e" providerId="LiveId" clId="{ECF2C08A-1D63-4443-908D-B3C4743D2FCA}" dt="2021-09-06T16:37:03.675" v="6935" actId="2710"/>
         <pc:sldMkLst>
           <pc:docMk/>
           <pc:sldMk cId="2337873510" sldId="320"/>
         </pc:sldMkLst>
         <pc:spChg chg="mod ord">
-          <ac:chgData name="Alejandro Carrión" userId="757439b461449c9e" providerId="LiveId" clId="{ECF2C08A-1D63-4443-908D-B3C4743D2FCA}" dt="2021-08-31T18:11:51.120" v="3890" actId="2710"/>
+          <ac:chgData name="Alejandro Carrión" userId="757439b461449c9e" providerId="LiveId" clId="{ECF2C08A-1D63-4443-908D-B3C4743D2FCA}" dt="2021-09-06T16:37:03.675" v="6935" actId="2710"/>
           <ac:spMkLst>
             <pc:docMk/>
             <pc:sldMk cId="2337873510" sldId="320"/>
@@ -2831,7 +2832,7 @@
         </pc:spChg>
       </pc:sldChg>
       <pc:sldChg chg="addSp delSp modSp add mod">
-        <pc:chgData name="Alejandro Carrión" userId="757439b461449c9e" providerId="LiveId" clId="{ECF2C08A-1D63-4443-908D-B3C4743D2FCA}" dt="2021-09-06T14:14:56.814" v="6791" actId="20577"/>
+        <pc:chgData name="Alejandro Carrión" userId="757439b461449c9e" providerId="LiveId" clId="{ECF2C08A-1D63-4443-908D-B3C4743D2FCA}" dt="2021-09-08T13:49:25.375" v="6944" actId="20577"/>
         <pc:sldMkLst>
           <pc:docMk/>
           <pc:sldMk cId="2446058371" sldId="326"/>
@@ -2845,7 +2846,7 @@
           </ac:spMkLst>
         </pc:spChg>
         <pc:spChg chg="mod">
-          <ac:chgData name="Alejandro Carrión" userId="757439b461449c9e" providerId="LiveId" clId="{ECF2C08A-1D63-4443-908D-B3C4743D2FCA}" dt="2021-09-06T14:14:56.814" v="6791" actId="20577"/>
+          <ac:chgData name="Alejandro Carrión" userId="757439b461449c9e" providerId="LiveId" clId="{ECF2C08A-1D63-4443-908D-B3C4743D2FCA}" dt="2021-09-08T13:49:25.375" v="6944" actId="20577"/>
           <ac:spMkLst>
             <pc:docMk/>
             <pc:sldMk cId="2446058371" sldId="326"/>
@@ -3213,13 +3214,13 @@
         </pc:cxnChg>
       </pc:sldChg>
       <pc:sldChg chg="addSp delSp modSp add mod">
-        <pc:chgData name="Alejandro Carrión" userId="757439b461449c9e" providerId="LiveId" clId="{ECF2C08A-1D63-4443-908D-B3C4743D2FCA}" dt="2021-09-06T14:40:28.973" v="6833" actId="20577"/>
+        <pc:chgData name="Alejandro Carrión" userId="757439b461449c9e" providerId="LiveId" clId="{ECF2C08A-1D63-4443-908D-B3C4743D2FCA}" dt="2021-09-08T13:50:26.508" v="6964" actId="20577"/>
         <pc:sldMkLst>
           <pc:docMk/>
           <pc:sldMk cId="1191438269" sldId="328"/>
         </pc:sldMkLst>
         <pc:spChg chg="mod">
-          <ac:chgData name="Alejandro Carrión" userId="757439b461449c9e" providerId="LiveId" clId="{ECF2C08A-1D63-4443-908D-B3C4743D2FCA}" dt="2021-09-06T14:40:28.973" v="6833" actId="20577"/>
+          <ac:chgData name="Alejandro Carrión" userId="757439b461449c9e" providerId="LiveId" clId="{ECF2C08A-1D63-4443-908D-B3C4743D2FCA}" dt="2021-09-08T13:50:26.508" v="6964" actId="20577"/>
           <ac:spMkLst>
             <pc:docMk/>
             <pc:sldMk cId="1191438269" sldId="328"/>
@@ -3481,6 +3482,45 @@
           <pc:docMk/>
           <pc:sldMk cId="2012193475" sldId="329"/>
         </pc:sldMkLst>
+      </pc:sldChg>
+      <pc:sldChg chg="addSp delSp modSp add mod ord">
+        <pc:chgData name="Alejandro Carrión" userId="757439b461449c9e" providerId="LiveId" clId="{ECF2C08A-1D63-4443-908D-B3C4743D2FCA}" dt="2021-09-08T14:21:18.794" v="6991" actId="1076"/>
+        <pc:sldMkLst>
+          <pc:docMk/>
+          <pc:sldMk cId="3007503540" sldId="329"/>
+        </pc:sldMkLst>
+        <pc:spChg chg="mod">
+          <ac:chgData name="Alejandro Carrión" userId="757439b461449c9e" providerId="LiveId" clId="{ECF2C08A-1D63-4443-908D-B3C4743D2FCA}" dt="2021-09-08T13:49:22.201" v="6942" actId="20577"/>
+          <ac:spMkLst>
+            <pc:docMk/>
+            <pc:sldMk cId="3007503540" sldId="329"/>
+            <ac:spMk id="4" creationId="{BF52B7DE-5887-4E0E-A1E2-39957FD5F9FF}"/>
+          </ac:spMkLst>
+        </pc:spChg>
+        <pc:picChg chg="add mod">
+          <ac:chgData name="Alejandro Carrión" userId="757439b461449c9e" providerId="LiveId" clId="{ECF2C08A-1D63-4443-908D-B3C4743D2FCA}" dt="2021-09-08T14:21:18.794" v="6991" actId="1076"/>
+          <ac:picMkLst>
+            <pc:docMk/>
+            <pc:sldMk cId="3007503540" sldId="329"/>
+            <ac:picMk id="3" creationId="{3E063A78-3514-4E4C-89F3-1F59A31B8D4F}"/>
+          </ac:picMkLst>
+        </pc:picChg>
+        <pc:picChg chg="add mod">
+          <ac:chgData name="Alejandro Carrión" userId="757439b461449c9e" providerId="LiveId" clId="{ECF2C08A-1D63-4443-908D-B3C4743D2FCA}" dt="2021-09-08T14:21:16.835" v="6990" actId="1076"/>
+          <ac:picMkLst>
+            <pc:docMk/>
+            <pc:sldMk cId="3007503540" sldId="329"/>
+            <ac:picMk id="5" creationId="{3804636D-8DDA-4035-B8D7-3FEAA10A2CA8}"/>
+          </ac:picMkLst>
+        </pc:picChg>
+        <pc:picChg chg="del">
+          <ac:chgData name="Alejandro Carrión" userId="757439b461449c9e" providerId="LiveId" clId="{ECF2C08A-1D63-4443-908D-B3C4743D2FCA}" dt="2021-09-06T15:49:42.814" v="6900" actId="478"/>
+          <ac:picMkLst>
+            <pc:docMk/>
+            <pc:sldMk cId="3007503540" sldId="329"/>
+            <ac:picMk id="5" creationId="{BEB1A286-BACF-4DA3-B599-9FE8E34525E6}"/>
+          </ac:picMkLst>
+        </pc:picChg>
       </pc:sldChg>
       <pc:sldMasterChg chg="delSldLayout">
         <pc:chgData name="Alejandro Carrión" userId="757439b461449c9e" providerId="LiveId" clId="{ECF2C08A-1D63-4443-908D-B3C4743D2FCA}" dt="2021-09-02T19:03:58.817" v="5691" actId="47"/>
@@ -5384,7 +5424,7 @@
           <a:p>
             <a:r>
               <a:rPr lang="es-ES" dirty="0"/>
-              <a:t>2 – Flecos generación, normalizar ruta base peticiones</a:t>
+              <a:t>2 – Flecos generación</a:t>
             </a:r>
           </a:p>
           <a:p>
@@ -16770,7 +16810,7 @@
         </p:nvSpPr>
         <p:spPr>
           <a:xfrm>
-            <a:off x="4422503" y="1663506"/>
+            <a:off x="4571999" y="1663506"/>
             <a:ext cx="3402935" cy="1588274"/>
           </a:xfrm>
           <a:prstGeom prst="rect">
@@ -17089,7 +17129,7 @@
         </p:blipFill>
         <p:spPr>
           <a:xfrm>
-            <a:off x="2610470" y="3459824"/>
+            <a:off x="2412577" y="3459824"/>
             <a:ext cx="3923059" cy="1392878"/>
           </a:xfrm>
           <a:prstGeom prst="rect">
@@ -17852,7 +17892,7 @@
           <a:p>
             <a:r>
               <a:rPr lang="es-ES" dirty="0"/>
-              <a:t>Programación (1/2) </a:t>
+              <a:t>Programación (1/3) </a:t>
             </a:r>
             <a:r>
               <a:rPr lang="es-ES" b="0" dirty="0"/>
@@ -18535,6 +18575,177 @@
         <p:spPr>
           <a:xfrm>
             <a:off x="779100" y="836000"/>
+            <a:ext cx="7701484" cy="396300"/>
+          </a:xfrm>
+        </p:spPr>
+        <p:txBody>
+          <a:bodyPr anchor="t"/>
+          <a:lstStyle/>
+          <a:p>
+            <a:r>
+              <a:rPr lang="es-ES" dirty="0"/>
+              <a:t>Programación (2/3)</a:t>
+            </a:r>
+            <a:r>
+              <a:rPr lang="es-ES" b="0" dirty="0"/>
+              <a:t> – Pipeline de YARP</a:t>
+            </a:r>
+          </a:p>
+        </p:txBody>
+      </p:sp>
+      <p:sp>
+        <p:nvSpPr>
+          <p:cNvPr id="6" name="Google Shape;342;p24">
+            <a:extLst>
+              <a:ext uri="{FF2B5EF4-FFF2-40B4-BE49-F238E27FC236}">
+                <a16:creationId xmlns:a16="http://schemas.microsoft.com/office/drawing/2014/main" id="{57CD6963-C021-4F2A-B2B3-BC2173F77F80}"/>
+              </a:ext>
+            </a:extLst>
+          </p:cNvPr>
+          <p:cNvSpPr txBox="1">
+            <a:spLocks noGrp="1"/>
+          </p:cNvSpPr>
+          <p:nvPr>
+            <p:ph type="sldNum" idx="12"/>
+          </p:nvPr>
+        </p:nvSpPr>
+        <p:spPr>
+          <a:prstGeom prst="rect">
+            <a:avLst/>
+          </a:prstGeom>
+        </p:spPr>
+        <p:txBody>
+          <a:bodyPr spcFirstLastPara="1" wrap="square" lIns="0" tIns="0" rIns="0" bIns="0" anchor="ctr" anchorCtr="0">
+            <a:noAutofit/>
+          </a:bodyPr>
+          <a:lstStyle/>
+          <a:p>
+            <a:pPr marL="0" lvl="0" indent="0" algn="r" rtl="0">
+              <a:spcBef>
+                <a:spcPts val="0"/>
+              </a:spcBef>
+              <a:spcAft>
+                <a:spcPts val="0"/>
+              </a:spcAft>
+              <a:buNone/>
+            </a:pPr>
+            <a:fld id="{00000000-1234-1234-1234-123412341234}" type="slidenum">
+              <a:rPr lang="en"/>
+              <a:t>20</a:t>
+            </a:fld>
+            <a:endParaRPr dirty="0"/>
+          </a:p>
+        </p:txBody>
+      </p:sp>
+      <p:pic>
+        <p:nvPicPr>
+          <p:cNvPr id="3" name="Imagen 2" descr="Texto&#10;&#10;Descripción generada automáticamente">
+            <a:extLst>
+              <a:ext uri="{FF2B5EF4-FFF2-40B4-BE49-F238E27FC236}">
+                <a16:creationId xmlns:a16="http://schemas.microsoft.com/office/drawing/2014/main" id="{3E063A78-3514-4E4C-89F3-1F59A31B8D4F}"/>
+              </a:ext>
+            </a:extLst>
+          </p:cNvPr>
+          <p:cNvPicPr>
+            <a:picLocks noChangeAspect="1"/>
+          </p:cNvPicPr>
+          <p:nvPr/>
+        </p:nvPicPr>
+        <p:blipFill>
+          <a:blip r:embed="rId2"/>
+          <a:stretch>
+            <a:fillRect/>
+          </a:stretch>
+        </p:blipFill>
+        <p:spPr>
+          <a:xfrm>
+            <a:off x="3098630" y="1387319"/>
+            <a:ext cx="2946738" cy="1069171"/>
+          </a:xfrm>
+          <a:prstGeom prst="rect">
+            <a:avLst/>
+          </a:prstGeom>
+        </p:spPr>
+      </p:pic>
+      <p:pic>
+        <p:nvPicPr>
+          <p:cNvPr id="5" name="Imagen 4">
+            <a:extLst>
+              <a:ext uri="{FF2B5EF4-FFF2-40B4-BE49-F238E27FC236}">
+                <a16:creationId xmlns:a16="http://schemas.microsoft.com/office/drawing/2014/main" id="{3804636D-8DDA-4035-B8D7-3FEAA10A2CA8}"/>
+              </a:ext>
+            </a:extLst>
+          </p:cNvPr>
+          <p:cNvPicPr>
+            <a:picLocks noChangeAspect="1"/>
+          </p:cNvPicPr>
+          <p:nvPr/>
+        </p:nvPicPr>
+        <p:blipFill>
+          <a:blip r:embed="rId3"/>
+          <a:stretch>
+            <a:fillRect/>
+          </a:stretch>
+        </p:blipFill>
+        <p:spPr>
+          <a:xfrm>
+            <a:off x="1673237" y="2654490"/>
+            <a:ext cx="5797525" cy="2189803"/>
+          </a:xfrm>
+          <a:prstGeom prst="rect">
+            <a:avLst/>
+          </a:prstGeom>
+        </p:spPr>
+      </p:pic>
+    </p:spTree>
+    <p:extLst>
+      <p:ext uri="{BB962C8B-B14F-4D97-AF65-F5344CB8AC3E}">
+        <p14:creationId xmlns:p14="http://schemas.microsoft.com/office/powerpoint/2010/main" val="3007503540"/>
+      </p:ext>
+    </p:extLst>
+  </p:cSld>
+  <p:clrMapOvr>
+    <a:masterClrMapping/>
+  </p:clrMapOvr>
+</p:sld>
+</file>
+
+<file path=ppt/slides/slide21.xml><?xml version="1.0" encoding="utf-8"?>
+<p:sld xmlns:a="http://schemas.openxmlformats.org/drawingml/2006/main" xmlns:r="http://schemas.openxmlformats.org/officeDocument/2006/relationships" xmlns:p="http://schemas.openxmlformats.org/presentationml/2006/main">
+  <p:cSld>
+    <p:spTree>
+      <p:nvGrpSpPr>
+        <p:cNvPr id="1" name=""/>
+        <p:cNvGrpSpPr/>
+        <p:nvPr/>
+      </p:nvGrpSpPr>
+      <p:grpSpPr>
+        <a:xfrm>
+          <a:off x="0" y="0"/>
+          <a:ext cx="0" cy="0"/>
+          <a:chOff x="0" y="0"/>
+          <a:chExt cx="0" cy="0"/>
+        </a:xfrm>
+      </p:grpSpPr>
+      <p:sp>
+        <p:nvSpPr>
+          <p:cNvPr id="4" name="Título 3">
+            <a:extLst>
+              <a:ext uri="{FF2B5EF4-FFF2-40B4-BE49-F238E27FC236}">
+                <a16:creationId xmlns:a16="http://schemas.microsoft.com/office/drawing/2014/main" id="{BF52B7DE-5887-4E0E-A1E2-39957FD5F9FF}"/>
+              </a:ext>
+            </a:extLst>
+          </p:cNvPr>
+          <p:cNvSpPr>
+            <a:spLocks noGrp="1"/>
+          </p:cNvSpPr>
+          <p:nvPr>
+            <p:ph type="title"/>
+          </p:nvPr>
+        </p:nvSpPr>
+        <p:spPr>
+          <a:xfrm>
+            <a:off x="779100" y="836000"/>
             <a:ext cx="2918841" cy="396300"/>
           </a:xfrm>
         </p:spPr>
@@ -18544,7 +18755,7 @@
           <a:p>
             <a:r>
               <a:rPr lang="es-ES" dirty="0"/>
-              <a:t>Programación (2/2)</a:t>
+              <a:t>Programación (3/3)</a:t>
             </a:r>
             <a:r>
               <a:rPr lang="es-ES" b="0" dirty="0"/>
@@ -18599,7 +18810,7 @@
             </a:pPr>
             <a:fld id="{00000000-1234-1234-1234-123412341234}" type="slidenum">
               <a:rPr lang="en"/>
-              <a:t>20</a:t>
+              <a:t>21</a:t>
             </a:fld>
             <a:endParaRPr dirty="0"/>
           </a:p>
@@ -18648,7 +18859,7 @@
 </p:sld>
 </file>
 
-<file path=ppt/slides/slide21.xml><?xml version="1.0" encoding="utf-8"?>
+<file path=ppt/slides/slide22.xml><?xml version="1.0" encoding="utf-8"?>
 <p:sld xmlns:a="http://schemas.openxmlformats.org/drawingml/2006/main" xmlns:r="http://schemas.openxmlformats.org/officeDocument/2006/relationships" xmlns:p="http://schemas.openxmlformats.org/presentationml/2006/main">
   <p:cSld>
     <p:spTree>
@@ -18797,7 +19008,7 @@
             </a:pPr>
             <a:fld id="{00000000-1234-1234-1234-123412341234}" type="slidenum">
               <a:rPr lang="en"/>
-              <a:t>21</a:t>
+              <a:t>22</a:t>
             </a:fld>
             <a:endParaRPr dirty="0"/>
           </a:p>
@@ -18846,7 +19057,7 @@
 </p:sld>
 </file>
 
-<file path=ppt/slides/slide22.xml><?xml version="1.0" encoding="utf-8"?>
+<file path=ppt/slides/slide23.xml><?xml version="1.0" encoding="utf-8"?>
 <p:sld xmlns:a="http://schemas.openxmlformats.org/drawingml/2006/main" xmlns:r="http://schemas.openxmlformats.org/officeDocument/2006/relationships" xmlns:p="http://schemas.openxmlformats.org/presentationml/2006/main">
   <p:cSld>
     <p:spTree>
@@ -19145,7 +19356,7 @@
             </a:pPr>
             <a:fld id="{00000000-1234-1234-1234-123412341234}" type="slidenum">
               <a:rPr lang="en"/>
-              <a:t>22</a:t>
+              <a:t>23</a:t>
             </a:fld>
             <a:endParaRPr dirty="0"/>
           </a:p>
@@ -20071,7 +20282,7 @@
 </p:sld>
 </file>
 
-<file path=ppt/slides/slide23.xml><?xml version="1.0" encoding="utf-8"?>
+<file path=ppt/slides/slide24.xml><?xml version="1.0" encoding="utf-8"?>
 <p:sld xmlns:a="http://schemas.openxmlformats.org/drawingml/2006/main" xmlns:r="http://schemas.openxmlformats.org/officeDocument/2006/relationships" xmlns:p="http://schemas.openxmlformats.org/presentationml/2006/main">
   <p:cSld>
     <p:spTree>
@@ -20204,7 +20415,7 @@
 </p:sld>
 </file>
 
-<file path=ppt/slides/slide24.xml><?xml version="1.0" encoding="utf-8"?>
+<file path=ppt/slides/slide25.xml><?xml version="1.0" encoding="utf-8"?>
 <p:sld xmlns:a="http://schemas.openxmlformats.org/drawingml/2006/main" xmlns:r="http://schemas.openxmlformats.org/officeDocument/2006/relationships" xmlns:p="http://schemas.openxmlformats.org/presentationml/2006/main">
   <p:cSld>
     <p:bg>
@@ -20269,7 +20480,7 @@
                   <a:schemeClr val="lt1"/>
                 </a:solidFill>
               </a:rPr>
-              <a:t>24</a:t>
+              <a:t>25</a:t>
             </a:fld>
             <a:endParaRPr>
               <a:solidFill>
@@ -20658,7 +20869,7 @@
 </p:sld>
 </file>
 
-<file path=ppt/slides/slide25.xml><?xml version="1.0" encoding="utf-8"?>
+<file path=ppt/slides/slide26.xml><?xml version="1.0" encoding="utf-8"?>
 <p:sld xmlns:a="http://schemas.openxmlformats.org/drawingml/2006/main" xmlns:r="http://schemas.openxmlformats.org/officeDocument/2006/relationships" xmlns:p="http://schemas.openxmlformats.org/presentationml/2006/main">
   <p:cSld>
     <p:spTree>
@@ -20798,7 +21009,7 @@
 </p:sld>
 </file>
 
-<file path=ppt/slides/slide26.xml><?xml version="1.0" encoding="utf-8"?>
+<file path=ppt/slides/slide27.xml><?xml version="1.0" encoding="utf-8"?>
 <p:sld xmlns:a="http://schemas.openxmlformats.org/drawingml/2006/main" xmlns:r="http://schemas.openxmlformats.org/officeDocument/2006/relationships" xmlns:p="http://schemas.openxmlformats.org/presentationml/2006/main">
   <p:cSld>
     <p:spTree>
@@ -20987,7 +21198,7 @@
             </a:pPr>
             <a:fld id="{00000000-1234-1234-1234-123412341234}" type="slidenum">
               <a:rPr lang="en"/>
-              <a:t>26</a:t>
+              <a:t>27</a:t>
             </a:fld>
             <a:endParaRPr dirty="0"/>
           </a:p>
@@ -21006,7 +21217,7 @@
 </p:sld>
 </file>
 
-<file path=ppt/slides/slide27.xml><?xml version="1.0" encoding="utf-8"?>
+<file path=ppt/slides/slide28.xml><?xml version="1.0" encoding="utf-8"?>
 <p:sld xmlns:a="http://schemas.openxmlformats.org/drawingml/2006/main" xmlns:r="http://schemas.openxmlformats.org/officeDocument/2006/relationships" xmlns:p="http://schemas.openxmlformats.org/presentationml/2006/main">
   <p:cSld>
     <p:spTree>
@@ -21072,12 +21283,22 @@
           <a:bodyPr/>
           <a:lstStyle/>
           <a:p>
+            <a:pPr>
+              <a:lnSpc>
+                <a:spcPct val="150000"/>
+              </a:lnSpc>
+            </a:pPr>
             <a:r>
               <a:rPr lang="es-ES" dirty="0"/>
               <a:t>Aplicación en desarrollo</a:t>
             </a:r>
           </a:p>
           <a:p>
+            <a:pPr>
+              <a:lnSpc>
+                <a:spcPct val="150000"/>
+              </a:lnSpc>
+            </a:pPr>
             <a:r>
               <a:rPr lang="es-ES" dirty="0"/>
               <a:t>Nuevas características</a:t>
@@ -21086,7 +21307,7 @@
           <a:p>
             <a:pPr>
               <a:lnSpc>
-                <a:spcPct val="200000"/>
+                <a:spcPct val="250000"/>
               </a:lnSpc>
             </a:pPr>
             <a:r>
@@ -21156,7 +21377,7 @@
             </a:pPr>
             <a:fld id="{00000000-1234-1234-1234-123412341234}" type="slidenum">
               <a:rPr lang="en"/>
-              <a:t>27</a:t>
+              <a:t>28</a:t>
             </a:fld>
             <a:endParaRPr dirty="0"/>
           </a:p>
@@ -21175,7 +21396,7 @@
 </p:sld>
 </file>
 
-<file path=ppt/slides/slide28.xml><?xml version="1.0" encoding="utf-8"?>
+<file path=ppt/slides/slide29.xml><?xml version="1.0" encoding="utf-8"?>
 <p:sld xmlns:a="http://schemas.openxmlformats.org/drawingml/2006/main" xmlns:r="http://schemas.openxmlformats.org/officeDocument/2006/relationships" xmlns:p="http://schemas.openxmlformats.org/presentationml/2006/main">
   <p:cSld>
     <p:spTree>
@@ -21455,8 +21676,8 @@
         </p:nvSpPr>
         <p:spPr>
           <a:xfrm>
-            <a:off x="627912" y="3877606"/>
-            <a:ext cx="4239722" cy="915729"/>
+            <a:off x="202186" y="3421758"/>
+            <a:ext cx="4239722" cy="1644436"/>
           </a:xfrm>
           <a:prstGeom prst="rect">
             <a:avLst/>
@@ -21728,7 +21949,7 @@
                   </a:schemeClr>
                 </a:solidFill>
               </a:rPr>
-              <a:t>¿Preguntas?</a:t>
+              <a:t>Gracias, ¿Preguntas?</a:t>
             </a:r>
           </a:p>
         </p:txBody>

--- a/TFG_AlejandroCarrion.pptx
+++ b/TFG_AlejandroCarrion.pptx
@@ -5,7 +5,7 @@
     <p:sldMasterId id="2147483658" r:id="rId1"/>
   </p:sldMasterIdLst>
   <p:notesMasterIdLst>
-    <p:notesMasterId r:id="rId31"/>
+    <p:notesMasterId r:id="rId30"/>
   </p:notesMasterIdLst>
   <p:sldIdLst>
     <p:sldId id="256" r:id="rId2"/>
@@ -18,45 +18,44 @@
     <p:sldId id="312" r:id="rId9"/>
     <p:sldId id="309" r:id="rId10"/>
     <p:sldId id="294" r:id="rId11"/>
-    <p:sldId id="302" r:id="rId12"/>
-    <p:sldId id="301" r:id="rId13"/>
-    <p:sldId id="300" r:id="rId14"/>
-    <p:sldId id="304" r:id="rId15"/>
-    <p:sldId id="295" r:id="rId16"/>
-    <p:sldId id="305" r:id="rId17"/>
-    <p:sldId id="296" r:id="rId18"/>
-    <p:sldId id="306" r:id="rId19"/>
-    <p:sldId id="315" r:id="rId20"/>
-    <p:sldId id="329" r:id="rId21"/>
-    <p:sldId id="326" r:id="rId22"/>
-    <p:sldId id="317" r:id="rId23"/>
-    <p:sldId id="328" r:id="rId24"/>
-    <p:sldId id="297" r:id="rId25"/>
-    <p:sldId id="277" r:id="rId26"/>
-    <p:sldId id="298" r:id="rId27"/>
-    <p:sldId id="318" r:id="rId28"/>
-    <p:sldId id="320" r:id="rId29"/>
-    <p:sldId id="319" r:id="rId30"/>
+    <p:sldId id="301" r:id="rId12"/>
+    <p:sldId id="300" r:id="rId13"/>
+    <p:sldId id="304" r:id="rId14"/>
+    <p:sldId id="295" r:id="rId15"/>
+    <p:sldId id="305" r:id="rId16"/>
+    <p:sldId id="296" r:id="rId17"/>
+    <p:sldId id="306" r:id="rId18"/>
+    <p:sldId id="315" r:id="rId19"/>
+    <p:sldId id="329" r:id="rId20"/>
+    <p:sldId id="326" r:id="rId21"/>
+    <p:sldId id="317" r:id="rId22"/>
+    <p:sldId id="328" r:id="rId23"/>
+    <p:sldId id="297" r:id="rId24"/>
+    <p:sldId id="277" r:id="rId25"/>
+    <p:sldId id="298" r:id="rId26"/>
+    <p:sldId id="318" r:id="rId27"/>
+    <p:sldId id="320" r:id="rId28"/>
+    <p:sldId id="319" r:id="rId29"/>
   </p:sldIdLst>
   <p:sldSz cx="9144000" cy="5143500" type="screen16x9"/>
   <p:notesSz cx="6858000" cy="9144000"/>
   <p:embeddedFontLst>
     <p:embeddedFont>
       <p:font typeface="Calibri" panose="020F0502020204030204" pitchFamily="34" charset="0"/>
-      <p:regular r:id="rId32"/>
-      <p:bold r:id="rId33"/>
-      <p:italic r:id="rId34"/>
-      <p:boldItalic r:id="rId35"/>
+      <p:regular r:id="rId31"/>
+      <p:bold r:id="rId32"/>
+      <p:italic r:id="rId33"/>
+      <p:boldItalic r:id="rId34"/>
     </p:embeddedFont>
     <p:embeddedFont>
       <p:font typeface="Catamaran" panose="020B0604020202020204" charset="0"/>
-      <p:regular r:id="rId36"/>
-      <p:bold r:id="rId37"/>
+      <p:regular r:id="rId35"/>
+      <p:bold r:id="rId36"/>
     </p:embeddedFont>
     <p:embeddedFont>
       <p:font typeface="Catamaran Thin" panose="020B0604020202020204" charset="0"/>
-      <p:regular r:id="rId38"/>
-      <p:bold r:id="rId39"/>
+      <p:regular r:id="rId37"/>
+      <p:bold r:id="rId38"/>
     </p:embeddedFont>
   </p:embeddedFontLst>
   <p:defaultTextStyle>
@@ -299,7 +298,7 @@
 <file path=ppt/revisionInfo.xml><?xml version="1.0" encoding="utf-8"?>
 <p1510:revInfo xmlns:a="http://schemas.openxmlformats.org/drawingml/2006/main" xmlns:r="http://schemas.openxmlformats.org/officeDocument/2006/relationships" xmlns:p1510="http://schemas.microsoft.com/office/powerpoint/2015/10/main">
   <p1510:revLst>
-    <p1510:client id="{ECF2C08A-1D63-4443-908D-B3C4743D2FCA}" v="116" dt="2021-09-08T14:19:26.921"/>
+    <p1510:client id="{ECF2C08A-1D63-4443-908D-B3C4743D2FCA}" v="119" dt="2021-09-08T16:06:07.960"/>
   </p1510:revLst>
 </p1510:revInfo>
 </file>
@@ -309,7 +308,7 @@
   <pc:docChgLst>
     <pc:chgData name="Alejandro Carrión" userId="757439b461449c9e" providerId="LiveId" clId="{ECF2C08A-1D63-4443-908D-B3C4743D2FCA}"/>
     <pc:docChg chg="undo redo custSel addSld delSld modSld sldOrd">
-      <pc:chgData name="Alejandro Carrión" userId="757439b461449c9e" providerId="LiveId" clId="{ECF2C08A-1D63-4443-908D-B3C4743D2FCA}" dt="2021-09-08T14:21:18.794" v="6991" actId="1076"/>
+      <pc:chgData name="Alejandro Carrión" userId="757439b461449c9e" providerId="LiveId" clId="{ECF2C08A-1D63-4443-908D-B3C4743D2FCA}" dt="2021-09-08T16:44:52.561" v="7579" actId="2710"/>
       <pc:docMkLst>
         <pc:docMk/>
       </pc:docMkLst>
@@ -1265,7 +1264,7 @@
         </pc:picChg>
       </pc:sldChg>
       <pc:sldChg chg="addSp delSp modSp new add del mod modClrScheme chgLayout">
-        <pc:chgData name="Alejandro Carrión" userId="757439b461449c9e" providerId="LiveId" clId="{ECF2C08A-1D63-4443-908D-B3C4743D2FCA}" dt="2021-09-06T14:03:17.565" v="6234" actId="20577"/>
+        <pc:chgData name="Alejandro Carrión" userId="757439b461449c9e" providerId="LiveId" clId="{ECF2C08A-1D63-4443-908D-B3C4743D2FCA}" dt="2021-09-08T15:54:30.280" v="7041" actId="2696"/>
         <pc:sldMkLst>
           <pc:docMk/>
           <pc:sldMk cId="2979789516" sldId="302"/>
@@ -1468,13 +1467,13 @@
         </pc:picChg>
       </pc:sldChg>
       <pc:sldChg chg="addSp delSp modSp add mod modClrScheme chgLayout">
-        <pc:chgData name="Alejandro Carrión" userId="757439b461449c9e" providerId="LiveId" clId="{ECF2C08A-1D63-4443-908D-B3C4743D2FCA}" dt="2021-09-08T13:48:37.548" v="6938" actId="1076"/>
+        <pc:chgData name="Alejandro Carrión" userId="757439b461449c9e" providerId="LiveId" clId="{ECF2C08A-1D63-4443-908D-B3C4743D2FCA}" dt="2021-09-08T16:21:01.261" v="7410" actId="20577"/>
         <pc:sldMkLst>
           <pc:docMk/>
           <pc:sldMk cId="570694341" sldId="304"/>
         </pc:sldMkLst>
         <pc:spChg chg="add mod ord">
-          <ac:chgData name="Alejandro Carrión" userId="757439b461449c9e" providerId="LiveId" clId="{ECF2C08A-1D63-4443-908D-B3C4743D2FCA}" dt="2021-08-30T17:54:16.949" v="1618" actId="1076"/>
+          <ac:chgData name="Alejandro Carrión" userId="757439b461449c9e" providerId="LiveId" clId="{ECF2C08A-1D63-4443-908D-B3C4743D2FCA}" dt="2021-09-08T16:16:48.636" v="7330" actId="20577"/>
           <ac:spMkLst>
             <pc:docMk/>
             <pc:sldMk cId="570694341" sldId="304"/>
@@ -1482,7 +1481,7 @@
           </ac:spMkLst>
         </pc:spChg>
         <pc:spChg chg="add mod">
-          <ac:chgData name="Alejandro Carrión" userId="757439b461449c9e" providerId="LiveId" clId="{ECF2C08A-1D63-4443-908D-B3C4743D2FCA}" dt="2021-09-08T13:48:32.652" v="6937" actId="1076"/>
+          <ac:chgData name="Alejandro Carrión" userId="757439b461449c9e" providerId="LiveId" clId="{ECF2C08A-1D63-4443-908D-B3C4743D2FCA}" dt="2021-09-08T16:21:01.261" v="7410" actId="20577"/>
           <ac:spMkLst>
             <pc:docMk/>
             <pc:sldMk cId="570694341" sldId="304"/>
@@ -2311,13 +2310,13 @@
         </pc:picChg>
       </pc:sldChg>
       <pc:sldChg chg="modSp add mod">
-        <pc:chgData name="Alejandro Carrión" userId="757439b461449c9e" providerId="LiveId" clId="{ECF2C08A-1D63-4443-908D-B3C4743D2FCA}" dt="2021-08-30T19:18:54.826" v="2384" actId="20577"/>
+        <pc:chgData name="Alejandro Carrión" userId="757439b461449c9e" providerId="LiveId" clId="{ECF2C08A-1D63-4443-908D-B3C4743D2FCA}" dt="2021-09-08T15:45:08.306" v="7001" actId="20577"/>
         <pc:sldMkLst>
           <pc:docMk/>
           <pc:sldMk cId="1189119772" sldId="311"/>
         </pc:sldMkLst>
         <pc:spChg chg="mod">
-          <ac:chgData name="Alejandro Carrión" userId="757439b461449c9e" providerId="LiveId" clId="{ECF2C08A-1D63-4443-908D-B3C4743D2FCA}" dt="2021-08-30T19:18:54.826" v="2384" actId="20577"/>
+          <ac:chgData name="Alejandro Carrión" userId="757439b461449c9e" providerId="LiveId" clId="{ECF2C08A-1D63-4443-908D-B3C4743D2FCA}" dt="2021-09-08T15:45:08.306" v="7001" actId="20577"/>
           <ac:spMkLst>
             <pc:docMk/>
             <pc:sldMk cId="1189119772" sldId="311"/>
@@ -2326,13 +2325,13 @@
         </pc:spChg>
       </pc:sldChg>
       <pc:sldChg chg="addSp delSp modSp add mod chgLayout">
-        <pc:chgData name="Alejandro Carrión" userId="757439b461449c9e" providerId="LiveId" clId="{ECF2C08A-1D63-4443-908D-B3C4743D2FCA}" dt="2021-09-06T14:42:43.463" v="6834" actId="20577"/>
+        <pc:chgData name="Alejandro Carrión" userId="757439b461449c9e" providerId="LiveId" clId="{ECF2C08A-1D63-4443-908D-B3C4743D2FCA}" dt="2021-09-08T15:46:16.166" v="7040" actId="20577"/>
         <pc:sldMkLst>
           <pc:docMk/>
           <pc:sldMk cId="4270167003" sldId="312"/>
         </pc:sldMkLst>
         <pc:spChg chg="add mod ord">
-          <ac:chgData name="Alejandro Carrión" userId="757439b461449c9e" providerId="LiveId" clId="{ECF2C08A-1D63-4443-908D-B3C4743D2FCA}" dt="2021-09-06T14:42:43.463" v="6834" actId="20577"/>
+          <ac:chgData name="Alejandro Carrión" userId="757439b461449c9e" providerId="LiveId" clId="{ECF2C08A-1D63-4443-908D-B3C4743D2FCA}" dt="2021-09-08T15:46:16.166" v="7040" actId="20577"/>
           <ac:spMkLst>
             <pc:docMk/>
             <pc:sldMk cId="4270167003" sldId="312"/>
@@ -2467,7 +2466,7 @@
         </pc:picChg>
       </pc:sldChg>
       <pc:sldChg chg="addSp delSp modSp add mod modNotesTx">
-        <pc:chgData name="Alejandro Carrión" userId="757439b461449c9e" providerId="LiveId" clId="{ECF2C08A-1D63-4443-908D-B3C4743D2FCA}" dt="2021-09-06T15:50:23.727" v="6909" actId="20577"/>
+        <pc:chgData name="Alejandro Carrión" userId="757439b461449c9e" providerId="LiveId" clId="{ECF2C08A-1D63-4443-908D-B3C4743D2FCA}" dt="2021-09-08T16:23:03.364" v="7480" actId="20577"/>
         <pc:sldMkLst>
           <pc:docMk/>
           <pc:sldMk cId="468109639" sldId="315"/>
@@ -2481,7 +2480,7 @@
           </ac:spMkLst>
         </pc:spChg>
         <pc:spChg chg="mod">
-          <ac:chgData name="Alejandro Carrión" userId="757439b461449c9e" providerId="LiveId" clId="{ECF2C08A-1D63-4443-908D-B3C4743D2FCA}" dt="2021-09-06T15:49:32.752" v="6881" actId="20577"/>
+          <ac:chgData name="Alejandro Carrión" userId="757439b461449c9e" providerId="LiveId" clId="{ECF2C08A-1D63-4443-908D-B3C4743D2FCA}" dt="2021-09-08T16:00:47.243" v="7061" actId="20577"/>
           <ac:spMkLst>
             <pc:docMk/>
             <pc:sldMk cId="468109639" sldId="315"/>
@@ -2513,7 +2512,7 @@
           </ac:spMkLst>
         </pc:spChg>
         <pc:spChg chg="mod">
-          <ac:chgData name="Alejandro Carrión" userId="757439b461449c9e" providerId="LiveId" clId="{ECF2C08A-1D63-4443-908D-B3C4743D2FCA}" dt="2021-09-06T14:10:39.755" v="6431" actId="113"/>
+          <ac:chgData name="Alejandro Carrión" userId="757439b461449c9e" providerId="LiveId" clId="{ECF2C08A-1D63-4443-908D-B3C4743D2FCA}" dt="2021-09-08T16:22:19.773" v="7426" actId="20577"/>
           <ac:spMkLst>
             <pc:docMk/>
             <pc:sldMk cId="468109639" sldId="315"/>
@@ -2521,7 +2520,7 @@
           </ac:spMkLst>
         </pc:spChg>
         <pc:spChg chg="mod">
-          <ac:chgData name="Alejandro Carrión" userId="757439b461449c9e" providerId="LiveId" clId="{ECF2C08A-1D63-4443-908D-B3C4743D2FCA}" dt="2021-09-06T14:10:35.811" v="6430" actId="113"/>
+          <ac:chgData name="Alejandro Carrión" userId="757439b461449c9e" providerId="LiveId" clId="{ECF2C08A-1D63-4443-908D-B3C4743D2FCA}" dt="2021-09-08T16:22:15.972" v="7423" actId="20577"/>
           <ac:spMkLst>
             <pc:docMk/>
             <pc:sldMk cId="468109639" sldId="315"/>
@@ -2529,7 +2528,7 @@
           </ac:spMkLst>
         </pc:spChg>
         <pc:spChg chg="mod">
-          <ac:chgData name="Alejandro Carrión" userId="757439b461449c9e" providerId="LiveId" clId="{ECF2C08A-1D63-4443-908D-B3C4743D2FCA}" dt="2021-09-06T14:10:46.041" v="6433" actId="113"/>
+          <ac:chgData name="Alejandro Carrión" userId="757439b461449c9e" providerId="LiveId" clId="{ECF2C08A-1D63-4443-908D-B3C4743D2FCA}" dt="2021-09-08T16:22:24.964" v="7432" actId="20577"/>
           <ac:spMkLst>
             <pc:docMk/>
             <pc:sldMk cId="468109639" sldId="315"/>
@@ -2537,7 +2536,7 @@
           </ac:spMkLst>
         </pc:spChg>
         <pc:spChg chg="mod">
-          <ac:chgData name="Alejandro Carrión" userId="757439b461449c9e" providerId="LiveId" clId="{ECF2C08A-1D63-4443-908D-B3C4743D2FCA}" dt="2021-09-06T14:10:54.168" v="6434" actId="404"/>
+          <ac:chgData name="Alejandro Carrión" userId="757439b461449c9e" providerId="LiveId" clId="{ECF2C08A-1D63-4443-908D-B3C4743D2FCA}" dt="2021-09-08T16:22:22.628" v="7429" actId="20577"/>
           <ac:spMkLst>
             <pc:docMk/>
             <pc:sldMk cId="468109639" sldId="315"/>
@@ -2585,13 +2584,13 @@
         </pc:picChg>
       </pc:sldChg>
       <pc:sldChg chg="addSp modSp add mod">
-        <pc:chgData name="Alejandro Carrión" userId="757439b461449c9e" providerId="LiveId" clId="{ECF2C08A-1D63-4443-908D-B3C4743D2FCA}" dt="2021-08-31T18:23:31.664" v="4697" actId="2710"/>
+        <pc:chgData name="Alejandro Carrión" userId="757439b461449c9e" providerId="LiveId" clId="{ECF2C08A-1D63-4443-908D-B3C4743D2FCA}" dt="2021-09-08T16:44:52.561" v="7579" actId="2710"/>
         <pc:sldMkLst>
           <pc:docMk/>
           <pc:sldMk cId="3925235997" sldId="317"/>
         </pc:sldMkLst>
         <pc:spChg chg="mod">
-          <ac:chgData name="Alejandro Carrión" userId="757439b461449c9e" providerId="LiveId" clId="{ECF2C08A-1D63-4443-908D-B3C4743D2FCA}" dt="2021-08-31T18:23:31.664" v="4697" actId="2710"/>
+          <ac:chgData name="Alejandro Carrión" userId="757439b461449c9e" providerId="LiveId" clId="{ECF2C08A-1D63-4443-908D-B3C4743D2FCA}" dt="2021-09-08T16:44:52.561" v="7579" actId="2710"/>
           <ac:spMkLst>
             <pc:docMk/>
             <pc:sldMk cId="3925235997" sldId="317"/>
@@ -2615,14 +2614,14 @@
           </ac:picMkLst>
         </pc:picChg>
       </pc:sldChg>
-      <pc:sldChg chg="modSp add mod ord">
-        <pc:chgData name="Alejandro Carrión" userId="757439b461449c9e" providerId="LiveId" clId="{ECF2C08A-1D63-4443-908D-B3C4743D2FCA}" dt="2021-09-06T14:58:40.677" v="6872" actId="20577"/>
+      <pc:sldChg chg="addSp delSp modSp add mod ord">
+        <pc:chgData name="Alejandro Carrión" userId="757439b461449c9e" providerId="LiveId" clId="{ECF2C08A-1D63-4443-908D-B3C4743D2FCA}" dt="2021-09-08T16:35:42.164" v="7565" actId="478"/>
         <pc:sldMkLst>
           <pc:docMk/>
           <pc:sldMk cId="1083794317" sldId="318"/>
         </pc:sldMkLst>
         <pc:spChg chg="mod">
-          <ac:chgData name="Alejandro Carrión" userId="757439b461449c9e" providerId="LiveId" clId="{ECF2C08A-1D63-4443-908D-B3C4743D2FCA}" dt="2021-09-06T14:58:40.677" v="6872" actId="20577"/>
+          <ac:chgData name="Alejandro Carrión" userId="757439b461449c9e" providerId="LiveId" clId="{ECF2C08A-1D63-4443-908D-B3C4743D2FCA}" dt="2021-09-08T16:33:28.547" v="7552" actId="2710"/>
           <ac:spMkLst>
             <pc:docMk/>
             <pc:sldMk cId="1083794317" sldId="318"/>
@@ -2637,6 +2636,22 @@
             <ac:spMk id="4" creationId="{BF52B7DE-5887-4E0E-A1E2-39957FD5F9FF}"/>
           </ac:spMkLst>
         </pc:spChg>
+        <pc:picChg chg="add del mod">
+          <ac:chgData name="Alejandro Carrión" userId="757439b461449c9e" providerId="LiveId" clId="{ECF2C08A-1D63-4443-908D-B3C4743D2FCA}" dt="2021-09-08T16:35:26.804" v="7557" actId="478"/>
+          <ac:picMkLst>
+            <pc:docMk/>
+            <pc:sldMk cId="1083794317" sldId="318"/>
+            <ac:picMk id="5" creationId="{48F5C4F0-7154-4FE1-8EFB-5DEDFC6433DE}"/>
+          </ac:picMkLst>
+        </pc:picChg>
+        <pc:picChg chg="add del mod">
+          <ac:chgData name="Alejandro Carrión" userId="757439b461449c9e" providerId="LiveId" clId="{ECF2C08A-1D63-4443-908D-B3C4743D2FCA}" dt="2021-09-08T16:35:42.164" v="7565" actId="478"/>
+          <ac:picMkLst>
+            <pc:docMk/>
+            <pc:sldMk cId="1083794317" sldId="318"/>
+            <ac:picMk id="8" creationId="{231843FD-CACA-4702-9D8F-A93F1162F826}"/>
+          </ac:picMkLst>
+        </pc:picChg>
       </pc:sldChg>
       <pc:sldChg chg="addSp delSp modSp add mod modAnim">
         <pc:chgData name="Alejandro Carrión" userId="757439b461449c9e" providerId="LiveId" clId="{ECF2C08A-1D63-4443-908D-B3C4743D2FCA}" dt="2021-09-06T16:10:00.170" v="6933" actId="1076"/>
@@ -2662,13 +2677,13 @@
         </pc:spChg>
       </pc:sldChg>
       <pc:sldChg chg="addSp delSp modSp add mod modClrScheme chgLayout">
-        <pc:chgData name="Alejandro Carrión" userId="757439b461449c9e" providerId="LiveId" clId="{ECF2C08A-1D63-4443-908D-B3C4743D2FCA}" dt="2021-09-06T16:37:03.675" v="6935" actId="2710"/>
+        <pc:chgData name="Alejandro Carrión" userId="757439b461449c9e" providerId="LiveId" clId="{ECF2C08A-1D63-4443-908D-B3C4743D2FCA}" dt="2021-09-08T16:36:46.503" v="7569" actId="2710"/>
         <pc:sldMkLst>
           <pc:docMk/>
           <pc:sldMk cId="2337873510" sldId="320"/>
         </pc:sldMkLst>
         <pc:spChg chg="mod ord">
-          <ac:chgData name="Alejandro Carrión" userId="757439b461449c9e" providerId="LiveId" clId="{ECF2C08A-1D63-4443-908D-B3C4743D2FCA}" dt="2021-09-06T16:37:03.675" v="6935" actId="2710"/>
+          <ac:chgData name="Alejandro Carrión" userId="757439b461449c9e" providerId="LiveId" clId="{ECF2C08A-1D63-4443-908D-B3C4743D2FCA}" dt="2021-09-08T16:36:46.503" v="7569" actId="2710"/>
           <ac:spMkLst>
             <pc:docMk/>
             <pc:sldMk cId="2337873510" sldId="320"/>
@@ -2832,7 +2847,7 @@
         </pc:spChg>
       </pc:sldChg>
       <pc:sldChg chg="addSp delSp modSp add mod">
-        <pc:chgData name="Alejandro Carrión" userId="757439b461449c9e" providerId="LiveId" clId="{ECF2C08A-1D63-4443-908D-B3C4743D2FCA}" dt="2021-09-08T13:49:25.375" v="6944" actId="20577"/>
+        <pc:chgData name="Alejandro Carrión" userId="757439b461449c9e" providerId="LiveId" clId="{ECF2C08A-1D63-4443-908D-B3C4743D2FCA}" dt="2021-09-08T16:41:06.210" v="7578" actId="1076"/>
         <pc:sldMkLst>
           <pc:docMk/>
           <pc:sldMk cId="2446058371" sldId="326"/>
@@ -2846,7 +2861,7 @@
           </ac:spMkLst>
         </pc:spChg>
         <pc:spChg chg="mod">
-          <ac:chgData name="Alejandro Carrión" userId="757439b461449c9e" providerId="LiveId" clId="{ECF2C08A-1D63-4443-908D-B3C4743D2FCA}" dt="2021-09-08T13:49:25.375" v="6944" actId="20577"/>
+          <ac:chgData name="Alejandro Carrión" userId="757439b461449c9e" providerId="LiveId" clId="{ECF2C08A-1D63-4443-908D-B3C4743D2FCA}" dt="2021-09-08T15:56:10.290" v="7056" actId="14100"/>
           <ac:spMkLst>
             <pc:docMk/>
             <pc:sldMk cId="2446058371" sldId="326"/>
@@ -2854,7 +2869,15 @@
           </ac:spMkLst>
         </pc:spChg>
         <pc:picChg chg="add mod">
-          <ac:chgData name="Alejandro Carrión" userId="757439b461449c9e" providerId="LiveId" clId="{ECF2C08A-1D63-4443-908D-B3C4743D2FCA}" dt="2021-08-31T18:46:10.567" v="4994" actId="1076"/>
+          <ac:chgData name="Alejandro Carrión" userId="757439b461449c9e" providerId="LiveId" clId="{ECF2C08A-1D63-4443-908D-B3C4743D2FCA}" dt="2021-09-08T16:41:06.210" v="7578" actId="1076"/>
+          <ac:picMkLst>
+            <pc:docMk/>
+            <pc:sldMk cId="2446058371" sldId="326"/>
+            <ac:picMk id="3" creationId="{5C8A97B4-2E1C-43A5-8010-A9A5807E2B9B}"/>
+          </ac:picMkLst>
+        </pc:picChg>
+        <pc:picChg chg="add del mod">
+          <ac:chgData name="Alejandro Carrión" userId="757439b461449c9e" providerId="LiveId" clId="{ECF2C08A-1D63-4443-908D-B3C4743D2FCA}" dt="2021-09-08T16:40:57.291" v="7570" actId="478"/>
           <ac:picMkLst>
             <pc:docMk/>
             <pc:sldMk cId="2446058371" sldId="326"/>
@@ -3214,13 +3237,13 @@
         </pc:cxnChg>
       </pc:sldChg>
       <pc:sldChg chg="addSp delSp modSp add mod">
-        <pc:chgData name="Alejandro Carrión" userId="757439b461449c9e" providerId="LiveId" clId="{ECF2C08A-1D63-4443-908D-B3C4743D2FCA}" dt="2021-09-08T13:50:26.508" v="6964" actId="20577"/>
+        <pc:chgData name="Alejandro Carrión" userId="757439b461449c9e" providerId="LiveId" clId="{ECF2C08A-1D63-4443-908D-B3C4743D2FCA}" dt="2021-09-08T16:13:07.006" v="7326" actId="20577"/>
         <pc:sldMkLst>
           <pc:docMk/>
           <pc:sldMk cId="1191438269" sldId="328"/>
         </pc:sldMkLst>
         <pc:spChg chg="mod">
-          <ac:chgData name="Alejandro Carrión" userId="757439b461449c9e" providerId="LiveId" clId="{ECF2C08A-1D63-4443-908D-B3C4743D2FCA}" dt="2021-09-08T13:50:26.508" v="6964" actId="20577"/>
+          <ac:chgData name="Alejandro Carrión" userId="757439b461449c9e" providerId="LiveId" clId="{ECF2C08A-1D63-4443-908D-B3C4743D2FCA}" dt="2021-09-08T16:02:07.868" v="7080" actId="20577"/>
           <ac:spMkLst>
             <pc:docMk/>
             <pc:sldMk cId="1191438269" sldId="328"/>
@@ -3228,7 +3251,7 @@
           </ac:spMkLst>
         </pc:spChg>
         <pc:spChg chg="mod">
-          <ac:chgData name="Alejandro Carrión" userId="757439b461449c9e" providerId="LiveId" clId="{ECF2C08A-1D63-4443-908D-B3C4743D2FCA}" dt="2021-09-04T09:48:03.634" v="6102" actId="1076"/>
+          <ac:chgData name="Alejandro Carrión" userId="757439b461449c9e" providerId="LiveId" clId="{ECF2C08A-1D63-4443-908D-B3C4743D2FCA}" dt="2021-09-08T16:12:49.606" v="7302" actId="3064"/>
           <ac:spMkLst>
             <pc:docMk/>
             <pc:sldMk cId="1191438269" sldId="328"/>
@@ -3259,6 +3282,14 @@
             <ac:spMk id="23" creationId="{13D80241-D689-4636-89D9-A361CC437869}"/>
           </ac:spMkLst>
         </pc:spChg>
+        <pc:spChg chg="add del mod">
+          <ac:chgData name="Alejandro Carrión" userId="757439b461449c9e" providerId="LiveId" clId="{ECF2C08A-1D63-4443-908D-B3C4743D2FCA}" dt="2021-09-08T16:06:05.884" v="7115" actId="478"/>
+          <ac:spMkLst>
+            <pc:docMk/>
+            <pc:sldMk cId="1191438269" sldId="328"/>
+            <ac:spMk id="23" creationId="{25313446-CC1D-4421-B537-C10CAA68B42B}"/>
+          </ac:spMkLst>
+        </pc:spChg>
         <pc:spChg chg="add mod">
           <ac:chgData name="Alejandro Carrión" userId="757439b461449c9e" providerId="LiveId" clId="{ECF2C08A-1D63-4443-908D-B3C4743D2FCA}" dt="2021-09-04T09:48:03.634" v="6102" actId="1076"/>
           <ac:spMkLst>
@@ -3283,6 +3314,14 @@
             <ac:spMk id="29" creationId="{7CF6E3DF-5B76-4DB3-ADD7-ABEC236C7F81}"/>
           </ac:spMkLst>
         </pc:spChg>
+        <pc:spChg chg="add del mod">
+          <ac:chgData name="Alejandro Carrión" userId="757439b461449c9e" providerId="LiveId" clId="{ECF2C08A-1D63-4443-908D-B3C4743D2FCA}" dt="2021-09-08T16:07:39.886" v="7143" actId="478"/>
+          <ac:spMkLst>
+            <pc:docMk/>
+            <pc:sldMk cId="1191438269" sldId="328"/>
+            <ac:spMk id="30" creationId="{6D682802-AFC6-4563-8BE7-0499C8E6A322}"/>
+          </ac:spMkLst>
+        </pc:spChg>
         <pc:spChg chg="del">
           <ac:chgData name="Alejandro Carrión" userId="757439b461449c9e" providerId="LiveId" clId="{ECF2C08A-1D63-4443-908D-B3C4743D2FCA}" dt="2021-09-04T09:41:57.002" v="5858" actId="478"/>
           <ac:spMkLst>
@@ -3332,7 +3371,7 @@
           </ac:spMkLst>
         </pc:spChg>
         <pc:spChg chg="mod">
-          <ac:chgData name="Alejandro Carrión" userId="757439b461449c9e" providerId="LiveId" clId="{ECF2C08A-1D63-4443-908D-B3C4743D2FCA}" dt="2021-09-04T09:48:03.634" v="6102" actId="1076"/>
+          <ac:chgData name="Alejandro Carrión" userId="757439b461449c9e" providerId="LiveId" clId="{ECF2C08A-1D63-4443-908D-B3C4743D2FCA}" dt="2021-09-08T16:12:46.459" v="7294" actId="3064"/>
           <ac:spMkLst>
             <pc:docMk/>
             <pc:sldMk cId="1191438269" sldId="328"/>
@@ -3340,7 +3379,7 @@
           </ac:spMkLst>
         </pc:spChg>
         <pc:spChg chg="mod">
-          <ac:chgData name="Alejandro Carrión" userId="757439b461449c9e" providerId="LiveId" clId="{ECF2C08A-1D63-4443-908D-B3C4743D2FCA}" dt="2021-09-04T09:48:03.634" v="6102" actId="1076"/>
+          <ac:chgData name="Alejandro Carrión" userId="757439b461449c9e" providerId="LiveId" clId="{ECF2C08A-1D63-4443-908D-B3C4743D2FCA}" dt="2021-09-08T16:12:42.883" v="7286" actId="3064"/>
           <ac:spMkLst>
             <pc:docMk/>
             <pc:sldMk cId="1191438269" sldId="328"/>
@@ -3348,7 +3387,7 @@
           </ac:spMkLst>
         </pc:spChg>
         <pc:spChg chg="mod">
-          <ac:chgData name="Alejandro Carrión" userId="757439b461449c9e" providerId="LiveId" clId="{ECF2C08A-1D63-4443-908D-B3C4743D2FCA}" dt="2021-09-04T09:48:03.634" v="6102" actId="1076"/>
+          <ac:chgData name="Alejandro Carrión" userId="757439b461449c9e" providerId="LiveId" clId="{ECF2C08A-1D63-4443-908D-B3C4743D2FCA}" dt="2021-09-08T16:13:07.006" v="7326" actId="20577"/>
           <ac:spMkLst>
             <pc:docMk/>
             <pc:sldMk cId="1191438269" sldId="328"/>
@@ -3356,7 +3395,7 @@
           </ac:spMkLst>
         </pc:spChg>
         <pc:spChg chg="mod">
-          <ac:chgData name="Alejandro Carrión" userId="757439b461449c9e" providerId="LiveId" clId="{ECF2C08A-1D63-4443-908D-B3C4743D2FCA}" dt="2021-09-04T09:48:03.634" v="6102" actId="1076"/>
+          <ac:chgData name="Alejandro Carrión" userId="757439b461449c9e" providerId="LiveId" clId="{ECF2C08A-1D63-4443-908D-B3C4743D2FCA}" dt="2021-09-08T16:13:02.141" v="7317" actId="20577"/>
           <ac:spMkLst>
             <pc:docMk/>
             <pc:sldMk cId="1191438269" sldId="328"/>
@@ -3364,15 +3403,15 @@
           </ac:spMkLst>
         </pc:spChg>
         <pc:spChg chg="mod">
-          <ac:chgData name="Alejandro Carrión" userId="757439b461449c9e" providerId="LiveId" clId="{ECF2C08A-1D63-4443-908D-B3C4743D2FCA}" dt="2021-09-04T09:48:03.634" v="6102" actId="1076"/>
+          <ac:chgData name="Alejandro Carrión" userId="757439b461449c9e" providerId="LiveId" clId="{ECF2C08A-1D63-4443-908D-B3C4743D2FCA}" dt="2021-09-08T16:12:11.531" v="7262" actId="3064"/>
           <ac:spMkLst>
             <pc:docMk/>
             <pc:sldMk cId="1191438269" sldId="328"/>
             <ac:spMk id="46" creationId="{2629B164-F50E-4DD9-BDDF-E56C8B751D84}"/>
           </ac:spMkLst>
         </pc:spChg>
-        <pc:spChg chg="add mod">
-          <ac:chgData name="Alejandro Carrión" userId="757439b461449c9e" providerId="LiveId" clId="{ECF2C08A-1D63-4443-908D-B3C4743D2FCA}" dt="2021-09-04T09:49:21.390" v="6142" actId="6559"/>
+        <pc:spChg chg="add del mod">
+          <ac:chgData name="Alejandro Carrión" userId="757439b461449c9e" providerId="LiveId" clId="{ECF2C08A-1D63-4443-908D-B3C4743D2FCA}" dt="2021-09-08T16:07:44.740" v="7144" actId="478"/>
           <ac:spMkLst>
             <pc:docMk/>
             <pc:sldMk cId="1191438269" sldId="328"/>
@@ -3484,13 +3523,13 @@
         </pc:sldMkLst>
       </pc:sldChg>
       <pc:sldChg chg="addSp delSp modSp add mod ord">
-        <pc:chgData name="Alejandro Carrión" userId="757439b461449c9e" providerId="LiveId" clId="{ECF2C08A-1D63-4443-908D-B3C4743D2FCA}" dt="2021-09-08T14:21:18.794" v="6991" actId="1076"/>
+        <pc:chgData name="Alejandro Carrión" userId="757439b461449c9e" providerId="LiveId" clId="{ECF2C08A-1D63-4443-908D-B3C4743D2FCA}" dt="2021-09-08T16:01:05.709" v="7067" actId="20577"/>
         <pc:sldMkLst>
           <pc:docMk/>
           <pc:sldMk cId="3007503540" sldId="329"/>
         </pc:sldMkLst>
         <pc:spChg chg="mod">
-          <ac:chgData name="Alejandro Carrión" userId="757439b461449c9e" providerId="LiveId" clId="{ECF2C08A-1D63-4443-908D-B3C4743D2FCA}" dt="2021-09-08T13:49:22.201" v="6942" actId="20577"/>
+          <ac:chgData name="Alejandro Carrión" userId="757439b461449c9e" providerId="LiveId" clId="{ECF2C08A-1D63-4443-908D-B3C4743D2FCA}" dt="2021-09-08T16:01:05.709" v="7067" actId="20577"/>
           <ac:spMkLst>
             <pc:docMk/>
             <pc:sldMk cId="3007503540" sldId="329"/>
@@ -4236,115 +4275,6 @@
   <p:cSld>
     <p:spTree>
       <p:nvGrpSpPr>
-        <p:cNvPr id="1" name="Shape 222"/>
-        <p:cNvGrpSpPr/>
-        <p:nvPr/>
-      </p:nvGrpSpPr>
-      <p:grpSpPr>
-        <a:xfrm>
-          <a:off x="0" y="0"/>
-          <a:ext cx="0" cy="0"/>
-          <a:chOff x="0" y="0"/>
-          <a:chExt cx="0" cy="0"/>
-        </a:xfrm>
-      </p:grpSpPr>
-      <p:sp>
-        <p:nvSpPr>
-          <p:cNvPr id="223" name="Google Shape;223;g35f391192_029:notes"/>
-          <p:cNvSpPr>
-            <a:spLocks noGrp="1" noRot="1" noChangeAspect="1"/>
-          </p:cNvSpPr>
-          <p:nvPr>
-            <p:ph type="sldImg" idx="2"/>
-          </p:nvPr>
-        </p:nvSpPr>
-        <p:spPr>
-          <a:xfrm>
-            <a:off x="381000" y="685800"/>
-            <a:ext cx="6096000" cy="3429000"/>
-          </a:xfrm>
-          <a:custGeom>
-            <a:avLst/>
-            <a:gdLst/>
-            <a:ahLst/>
-            <a:cxnLst/>
-            <a:rect l="l" t="t" r="r" b="b"/>
-            <a:pathLst>
-              <a:path w="120000" h="120000" extrusionOk="0">
-                <a:moveTo>
-                  <a:pt x="0" y="0"/>
-                </a:moveTo>
-                <a:lnTo>
-                  <a:pt x="120000" y="0"/>
-                </a:lnTo>
-                <a:lnTo>
-                  <a:pt x="120000" y="120000"/>
-                </a:lnTo>
-                <a:lnTo>
-                  <a:pt x="0" y="120000"/>
-                </a:lnTo>
-                <a:close/>
-              </a:path>
-            </a:pathLst>
-          </a:custGeom>
-        </p:spPr>
-      </p:sp>
-      <p:sp>
-        <p:nvSpPr>
-          <p:cNvPr id="224" name="Google Shape;224;g35f391192_029:notes"/>
-          <p:cNvSpPr txBox="1">
-            <a:spLocks noGrp="1"/>
-          </p:cNvSpPr>
-          <p:nvPr>
-            <p:ph type="body" idx="1"/>
-          </p:nvPr>
-        </p:nvSpPr>
-        <p:spPr>
-          <a:xfrm>
-            <a:off x="685800" y="4343400"/>
-            <a:ext cx="5486400" cy="4114800"/>
-          </a:xfrm>
-          <a:prstGeom prst="rect">
-            <a:avLst/>
-          </a:prstGeom>
-        </p:spPr>
-        <p:txBody>
-          <a:bodyPr spcFirstLastPara="1" wrap="square" lIns="91425" tIns="91425" rIns="91425" bIns="91425" anchor="t" anchorCtr="0">
-            <a:noAutofit/>
-          </a:bodyPr>
-          <a:lstStyle/>
-          <a:p>
-            <a:pPr marL="0" lvl="0" indent="0" algn="l" rtl="0">
-              <a:spcBef>
-                <a:spcPts val="0"/>
-              </a:spcBef>
-              <a:spcAft>
-                <a:spcPts val="0"/>
-              </a:spcAft>
-              <a:buNone/>
-            </a:pPr>
-            <a:endParaRPr/>
-          </a:p>
-        </p:txBody>
-      </p:sp>
-    </p:spTree>
-    <p:extLst>
-      <p:ext uri="{BB962C8B-B14F-4D97-AF65-F5344CB8AC3E}">
-        <p14:creationId xmlns:p14="http://schemas.microsoft.com/office/powerpoint/2010/main" val="4121148883"/>
-      </p:ext>
-    </p:extLst>
-  </p:cSld>
-  <p:clrMapOvr>
-    <a:masterClrMapping/>
-  </p:clrMapOvr>
-</p:notes>
-</file>
-
-<file path=ppt/notesSlides/notesSlide11.xml><?xml version="1.0" encoding="utf-8"?>
-<p:notes xmlns:a="http://schemas.openxmlformats.org/drawingml/2006/main" xmlns:r="http://schemas.openxmlformats.org/officeDocument/2006/relationships" xmlns:p="http://schemas.openxmlformats.org/presentationml/2006/main" showMasterSp="0" showMasterPhAnim="0">
-  <p:cSld>
-    <p:spTree>
-      <p:nvGrpSpPr>
         <p:cNvPr id="1" name="Shape 488"/>
         <p:cNvGrpSpPr/>
         <p:nvPr/>
@@ -4444,7 +4374,7 @@
 </p:notes>
 </file>
 
-<file path=ppt/notesSlides/notesSlide12.xml><?xml version="1.0" encoding="utf-8"?>
+<file path=ppt/notesSlides/notesSlide11.xml><?xml version="1.0" encoding="utf-8"?>
 <p:notes xmlns:a="http://schemas.openxmlformats.org/drawingml/2006/main" xmlns:r="http://schemas.openxmlformats.org/officeDocument/2006/relationships" xmlns:p="http://schemas.openxmlformats.org/presentationml/2006/main" showMasterSp="0" showMasterPhAnim="0">
   <p:cSld>
     <p:spTree>
@@ -4553,7 +4483,7 @@
 </p:notes>
 </file>
 
-<file path=ppt/notesSlides/notesSlide13.xml><?xml version="1.0" encoding="utf-8"?>
+<file path=ppt/notesSlides/notesSlide12.xml><?xml version="1.0" encoding="utf-8"?>
 <p:notes xmlns:a="http://schemas.openxmlformats.org/drawingml/2006/main" xmlns:r="http://schemas.openxmlformats.org/officeDocument/2006/relationships" xmlns:p="http://schemas.openxmlformats.org/presentationml/2006/main" showMasterSp="0" showMasterPhAnim="0">
   <p:cSld>
     <p:spTree>
@@ -4975,72 +4905,6 @@
 </file>
 
 <file path=ppt/notesSlides/notesSlide5.xml><?xml version="1.0" encoding="utf-8"?>
-<p:notes xmlns:a="http://schemas.openxmlformats.org/drawingml/2006/main" xmlns:r="http://schemas.openxmlformats.org/officeDocument/2006/relationships" xmlns:p="http://schemas.openxmlformats.org/presentationml/2006/main">
-  <p:cSld>
-    <p:spTree>
-      <p:nvGrpSpPr>
-        <p:cNvPr id="1" name=""/>
-        <p:cNvGrpSpPr/>
-        <p:nvPr/>
-      </p:nvGrpSpPr>
-      <p:grpSpPr>
-        <a:xfrm>
-          <a:off x="0" y="0"/>
-          <a:ext cx="0" cy="0"/>
-          <a:chOff x="0" y="0"/>
-          <a:chExt cx="0" cy="0"/>
-        </a:xfrm>
-      </p:grpSpPr>
-      <p:sp>
-        <p:nvSpPr>
-          <p:cNvPr id="2" name="Marcador de imagen de diapositiva 1"/>
-          <p:cNvSpPr>
-            <a:spLocks noGrp="1" noRot="1" noChangeAspect="1"/>
-          </p:cNvSpPr>
-          <p:nvPr>
-            <p:ph type="sldImg"/>
-          </p:nvPr>
-        </p:nvSpPr>
-        <p:spPr>
-          <a:xfrm>
-            <a:off x="381000" y="685800"/>
-            <a:ext cx="6096000" cy="3429000"/>
-          </a:xfrm>
-        </p:spPr>
-      </p:sp>
-      <p:sp>
-        <p:nvSpPr>
-          <p:cNvPr id="3" name="Marcador de notas 2"/>
-          <p:cNvSpPr>
-            <a:spLocks noGrp="1"/>
-          </p:cNvSpPr>
-          <p:nvPr>
-            <p:ph type="body" idx="1"/>
-          </p:nvPr>
-        </p:nvSpPr>
-        <p:spPr/>
-        <p:txBody>
-          <a:bodyPr/>
-          <a:lstStyle/>
-          <a:p>
-            <a:endParaRPr lang="es-ES" dirty="0"/>
-          </a:p>
-        </p:txBody>
-      </p:sp>
-    </p:spTree>
-    <p:extLst>
-      <p:ext uri="{BB962C8B-B14F-4D97-AF65-F5344CB8AC3E}">
-        <p14:creationId xmlns:p14="http://schemas.microsoft.com/office/powerpoint/2010/main" val="1607361808"/>
-      </p:ext>
-    </p:extLst>
-  </p:cSld>
-  <p:clrMapOvr>
-    <a:masterClrMapping/>
-  </p:clrMapOvr>
-</p:notes>
-</file>
-
-<file path=ppt/notesSlides/notesSlide6.xml><?xml version="1.0" encoding="utf-8"?>
 <p:notes xmlns:a="http://schemas.openxmlformats.org/drawingml/2006/main" xmlns:r="http://schemas.openxmlformats.org/officeDocument/2006/relationships" xmlns:p="http://schemas.openxmlformats.org/presentationml/2006/main" showMasterSp="0" showMasterPhAnim="0">
   <p:cSld>
     <p:spTree>
@@ -5140,6 +5004,115 @@
     <p:extLst>
       <p:ext uri="{BB962C8B-B14F-4D97-AF65-F5344CB8AC3E}">
         <p14:creationId xmlns:p14="http://schemas.microsoft.com/office/powerpoint/2010/main" val="3514015849"/>
+      </p:ext>
+    </p:extLst>
+  </p:cSld>
+  <p:clrMapOvr>
+    <a:masterClrMapping/>
+  </p:clrMapOvr>
+</p:notes>
+</file>
+
+<file path=ppt/notesSlides/notesSlide6.xml><?xml version="1.0" encoding="utf-8"?>
+<p:notes xmlns:a="http://schemas.openxmlformats.org/drawingml/2006/main" xmlns:r="http://schemas.openxmlformats.org/officeDocument/2006/relationships" xmlns:p="http://schemas.openxmlformats.org/presentationml/2006/main" showMasterSp="0" showMasterPhAnim="0">
+  <p:cSld>
+    <p:spTree>
+      <p:nvGrpSpPr>
+        <p:cNvPr id="1" name="Shape 222"/>
+        <p:cNvGrpSpPr/>
+        <p:nvPr/>
+      </p:nvGrpSpPr>
+      <p:grpSpPr>
+        <a:xfrm>
+          <a:off x="0" y="0"/>
+          <a:ext cx="0" cy="0"/>
+          <a:chOff x="0" y="0"/>
+          <a:chExt cx="0" cy="0"/>
+        </a:xfrm>
+      </p:grpSpPr>
+      <p:sp>
+        <p:nvSpPr>
+          <p:cNvPr id="223" name="Google Shape;223;g35f391192_029:notes"/>
+          <p:cNvSpPr>
+            <a:spLocks noGrp="1" noRot="1" noChangeAspect="1"/>
+          </p:cNvSpPr>
+          <p:nvPr>
+            <p:ph type="sldImg" idx="2"/>
+          </p:nvPr>
+        </p:nvSpPr>
+        <p:spPr>
+          <a:xfrm>
+            <a:off x="381000" y="685800"/>
+            <a:ext cx="6096000" cy="3429000"/>
+          </a:xfrm>
+          <a:custGeom>
+            <a:avLst/>
+            <a:gdLst/>
+            <a:ahLst/>
+            <a:cxnLst/>
+            <a:rect l="l" t="t" r="r" b="b"/>
+            <a:pathLst>
+              <a:path w="120000" h="120000" extrusionOk="0">
+                <a:moveTo>
+                  <a:pt x="0" y="0"/>
+                </a:moveTo>
+                <a:lnTo>
+                  <a:pt x="120000" y="0"/>
+                </a:lnTo>
+                <a:lnTo>
+                  <a:pt x="120000" y="120000"/>
+                </a:lnTo>
+                <a:lnTo>
+                  <a:pt x="0" y="120000"/>
+                </a:lnTo>
+                <a:close/>
+              </a:path>
+            </a:pathLst>
+          </a:custGeom>
+        </p:spPr>
+      </p:sp>
+      <p:sp>
+        <p:nvSpPr>
+          <p:cNvPr id="224" name="Google Shape;224;g35f391192_029:notes"/>
+          <p:cNvSpPr txBox="1">
+            <a:spLocks noGrp="1"/>
+          </p:cNvSpPr>
+          <p:nvPr>
+            <p:ph type="body" idx="1"/>
+          </p:nvPr>
+        </p:nvSpPr>
+        <p:spPr>
+          <a:xfrm>
+            <a:off x="685800" y="4343400"/>
+            <a:ext cx="5486400" cy="4114800"/>
+          </a:xfrm>
+          <a:prstGeom prst="rect">
+            <a:avLst/>
+          </a:prstGeom>
+        </p:spPr>
+        <p:txBody>
+          <a:bodyPr spcFirstLastPara="1" wrap="square" lIns="91425" tIns="91425" rIns="91425" bIns="91425" anchor="t" anchorCtr="0">
+            <a:noAutofit/>
+          </a:bodyPr>
+          <a:lstStyle/>
+          <a:p>
+            <a:pPr marL="0" lvl="0" indent="0" algn="l" rtl="0">
+              <a:spcBef>
+                <a:spcPts val="0"/>
+              </a:spcBef>
+              <a:spcAft>
+                <a:spcPts val="0"/>
+              </a:spcAft>
+              <a:buNone/>
+            </a:pPr>
+            <a:endParaRPr/>
+          </a:p>
+        </p:txBody>
+      </p:sp>
+    </p:spTree>
+    <p:extLst>
+      <p:ext uri="{BB962C8B-B14F-4D97-AF65-F5344CB8AC3E}">
+        <p14:creationId xmlns:p14="http://schemas.microsoft.com/office/powerpoint/2010/main" val="4133447536"/>
       </p:ext>
     </p:extLst>
   </p:cSld>
@@ -5248,7 +5221,7 @@
     </p:spTree>
     <p:extLst>
       <p:ext uri="{BB962C8B-B14F-4D97-AF65-F5344CB8AC3E}">
-        <p14:creationId xmlns:p14="http://schemas.microsoft.com/office/powerpoint/2010/main" val="4133447536"/>
+        <p14:creationId xmlns:p14="http://schemas.microsoft.com/office/powerpoint/2010/main" val="705563851"/>
       </p:ext>
     </p:extLst>
   </p:cSld>
@@ -5259,6 +5232,101 @@
 </file>
 
 <file path=ppt/notesSlides/notesSlide8.xml><?xml version="1.0" encoding="utf-8"?>
+<p:notes xmlns:a="http://schemas.openxmlformats.org/drawingml/2006/main" xmlns:r="http://schemas.openxmlformats.org/officeDocument/2006/relationships" xmlns:p="http://schemas.openxmlformats.org/presentationml/2006/main">
+  <p:cSld>
+    <p:spTree>
+      <p:nvGrpSpPr>
+        <p:cNvPr id="1" name=""/>
+        <p:cNvGrpSpPr/>
+        <p:nvPr/>
+      </p:nvGrpSpPr>
+      <p:grpSpPr>
+        <a:xfrm>
+          <a:off x="0" y="0"/>
+          <a:ext cx="0" cy="0"/>
+          <a:chOff x="0" y="0"/>
+          <a:chExt cx="0" cy="0"/>
+        </a:xfrm>
+      </p:grpSpPr>
+      <p:sp>
+        <p:nvSpPr>
+          <p:cNvPr id="2" name="Marcador de imagen de diapositiva 1"/>
+          <p:cNvSpPr>
+            <a:spLocks noGrp="1" noRot="1" noChangeAspect="1"/>
+          </p:cNvSpPr>
+          <p:nvPr>
+            <p:ph type="sldImg"/>
+          </p:nvPr>
+        </p:nvSpPr>
+        <p:spPr>
+          <a:xfrm>
+            <a:off x="381000" y="685800"/>
+            <a:ext cx="6096000" cy="3429000"/>
+          </a:xfrm>
+        </p:spPr>
+      </p:sp>
+      <p:sp>
+        <p:nvSpPr>
+          <p:cNvPr id="3" name="Marcador de notas 2"/>
+          <p:cNvSpPr>
+            <a:spLocks noGrp="1"/>
+          </p:cNvSpPr>
+          <p:nvPr>
+            <p:ph type="body" idx="1"/>
+          </p:nvPr>
+        </p:nvSpPr>
+        <p:spPr/>
+        <p:txBody>
+          <a:bodyPr/>
+          <a:lstStyle/>
+          <a:p>
+            <a:r>
+              <a:rPr lang="es-ES" dirty="0"/>
+              <a:t>1. Dos prototipos, comparativa</a:t>
+            </a:r>
+          </a:p>
+          <a:p>
+            <a:r>
+              <a:rPr lang="es-ES" dirty="0"/>
+              <a:t>2. Flecos generación</a:t>
+            </a:r>
+          </a:p>
+          <a:p>
+            <a:r>
+              <a:rPr lang="es-ES" dirty="0"/>
+              <a:t>3. Comunicación UI, comunicación microservicios</a:t>
+            </a:r>
+          </a:p>
+          <a:p>
+            <a:r>
+              <a:rPr lang="es-ES" dirty="0"/>
+              <a:t>4. </a:t>
+            </a:r>
+            <a:r>
+              <a:rPr lang="es-ES" dirty="0" err="1"/>
+              <a:t>Multiinstancia</a:t>
+            </a:r>
+            <a:r>
+              <a:rPr lang="es-ES" dirty="0"/>
+              <a:t> de microservicios, segundo nivel de redirección</a:t>
+            </a:r>
+          </a:p>
+        </p:txBody>
+      </p:sp>
+    </p:spTree>
+    <p:extLst>
+      <p:ext uri="{BB962C8B-B14F-4D97-AF65-F5344CB8AC3E}">
+        <p14:creationId xmlns:p14="http://schemas.microsoft.com/office/powerpoint/2010/main" val="141154289"/>
+      </p:ext>
+    </p:extLst>
+  </p:cSld>
+  <p:clrMapOvr>
+    <a:masterClrMapping/>
+  </p:clrMapOvr>
+</p:notes>
+</file>
+
+<file path=ppt/notesSlides/notesSlide9.xml><?xml version="1.0" encoding="utf-8"?>
 <p:notes xmlns:a="http://schemas.openxmlformats.org/drawingml/2006/main" xmlns:r="http://schemas.openxmlformats.org/officeDocument/2006/relationships" xmlns:p="http://schemas.openxmlformats.org/presentationml/2006/main" showMasterSp="0" showMasterPhAnim="0">
   <p:cSld>
     <p:spTree>
@@ -5357,110 +5425,7 @@
     </p:spTree>
     <p:extLst>
       <p:ext uri="{BB962C8B-B14F-4D97-AF65-F5344CB8AC3E}">
-        <p14:creationId xmlns:p14="http://schemas.microsoft.com/office/powerpoint/2010/main" val="705563851"/>
-      </p:ext>
-    </p:extLst>
-  </p:cSld>
-  <p:clrMapOvr>
-    <a:masterClrMapping/>
-  </p:clrMapOvr>
-</p:notes>
-</file>
-
-<file path=ppt/notesSlides/notesSlide9.xml><?xml version="1.0" encoding="utf-8"?>
-<p:notes xmlns:a="http://schemas.openxmlformats.org/drawingml/2006/main" xmlns:r="http://schemas.openxmlformats.org/officeDocument/2006/relationships" xmlns:p="http://schemas.openxmlformats.org/presentationml/2006/main">
-  <p:cSld>
-    <p:spTree>
-      <p:nvGrpSpPr>
-        <p:cNvPr id="1" name=""/>
-        <p:cNvGrpSpPr/>
-        <p:nvPr/>
-      </p:nvGrpSpPr>
-      <p:grpSpPr>
-        <a:xfrm>
-          <a:off x="0" y="0"/>
-          <a:ext cx="0" cy="0"/>
-          <a:chOff x="0" y="0"/>
-          <a:chExt cx="0" cy="0"/>
-        </a:xfrm>
-      </p:grpSpPr>
-      <p:sp>
-        <p:nvSpPr>
-          <p:cNvPr id="2" name="Marcador de imagen de diapositiva 1"/>
-          <p:cNvSpPr>
-            <a:spLocks noGrp="1" noRot="1" noChangeAspect="1"/>
-          </p:cNvSpPr>
-          <p:nvPr>
-            <p:ph type="sldImg"/>
-          </p:nvPr>
-        </p:nvSpPr>
-        <p:spPr>
-          <a:xfrm>
-            <a:off x="381000" y="685800"/>
-            <a:ext cx="6096000" cy="3429000"/>
-          </a:xfrm>
-        </p:spPr>
-      </p:sp>
-      <p:sp>
-        <p:nvSpPr>
-          <p:cNvPr id="3" name="Marcador de notas 2"/>
-          <p:cNvSpPr>
-            <a:spLocks noGrp="1"/>
-          </p:cNvSpPr>
-          <p:nvPr>
-            <p:ph type="body" idx="1"/>
-          </p:nvPr>
-        </p:nvSpPr>
-        <p:spPr/>
-        <p:txBody>
-          <a:bodyPr/>
-          <a:lstStyle/>
-          <a:p>
-            <a:r>
-              <a:rPr lang="es-ES" dirty="0"/>
-              <a:t>1 – Dos prototipos, comparativa</a:t>
-            </a:r>
-          </a:p>
-          <a:p>
-            <a:r>
-              <a:rPr lang="es-ES" dirty="0"/>
-              <a:t>2 – Flecos generación</a:t>
-            </a:r>
-          </a:p>
-          <a:p>
-            <a:r>
-              <a:rPr lang="es-ES" dirty="0"/>
-              <a:t>3 – Comunicación UI, comunicación microservicios, problemas como </a:t>
-            </a:r>
-            <a:r>
-              <a:rPr lang="es-ES" dirty="0" err="1"/>
-              <a:t>timeouts</a:t>
-            </a:r>
-            <a:r>
-              <a:rPr lang="es-ES" dirty="0"/>
-              <a:t> peticiones</a:t>
-            </a:r>
-          </a:p>
-          <a:p>
-            <a:r>
-              <a:rPr lang="es-ES" dirty="0"/>
-              <a:t>4 – </a:t>
-            </a:r>
-            <a:r>
-              <a:rPr lang="es-ES" dirty="0" err="1"/>
-              <a:t>Multiinstancia</a:t>
-            </a:r>
-            <a:r>
-              <a:rPr lang="es-ES" dirty="0"/>
-              <a:t> de microservicios, segundo nivel de redirección</a:t>
-            </a:r>
-          </a:p>
-        </p:txBody>
-      </p:sp>
-    </p:spTree>
-    <p:extLst>
-      <p:ext uri="{BB962C8B-B14F-4D97-AF65-F5344CB8AC3E}">
-        <p14:creationId xmlns:p14="http://schemas.microsoft.com/office/powerpoint/2010/main" val="141154289"/>
+        <p14:creationId xmlns:p14="http://schemas.microsoft.com/office/powerpoint/2010/main" val="4121148883"/>
       </p:ext>
     </p:extLst>
   </p:cSld>
@@ -15713,516 +15678,6 @@
           <p:cNvPr id="4" name="Título 3">
             <a:extLst>
               <a:ext uri="{FF2B5EF4-FFF2-40B4-BE49-F238E27FC236}">
-                <a16:creationId xmlns:a16="http://schemas.microsoft.com/office/drawing/2014/main" id="{F67FEC67-B6F1-4ECC-B466-25D1433AD4AF}"/>
-              </a:ext>
-            </a:extLst>
-          </p:cNvPr>
-          <p:cNvSpPr>
-            <a:spLocks noGrp="1"/>
-          </p:cNvSpPr>
-          <p:nvPr>
-            <p:ph type="title"/>
-          </p:nvPr>
-        </p:nvSpPr>
-        <p:spPr/>
-        <p:txBody>
-          <a:bodyPr/>
-          <a:lstStyle/>
-          <a:p>
-            <a:r>
-              <a:rPr lang="es-ES" dirty="0"/>
-              <a:t>Patrones relacionados</a:t>
-            </a:r>
-          </a:p>
-        </p:txBody>
-      </p:sp>
-      <p:sp>
-        <p:nvSpPr>
-          <p:cNvPr id="5" name="Marcador de texto 4">
-            <a:extLst>
-              <a:ext uri="{FF2B5EF4-FFF2-40B4-BE49-F238E27FC236}">
-                <a16:creationId xmlns:a16="http://schemas.microsoft.com/office/drawing/2014/main" id="{F6694B39-F83E-4BBD-BE1E-2C80D5269C0D}"/>
-              </a:ext>
-            </a:extLst>
-          </p:cNvPr>
-          <p:cNvSpPr>
-            <a:spLocks noGrp="1"/>
-          </p:cNvSpPr>
-          <p:nvPr>
-            <p:ph type="body" idx="1"/>
-          </p:nvPr>
-        </p:nvSpPr>
-        <p:spPr>
-          <a:xfrm>
-            <a:off x="818520" y="1725426"/>
-            <a:ext cx="3792900" cy="2884200"/>
-          </a:xfrm>
-        </p:spPr>
-        <p:txBody>
-          <a:bodyPr/>
-          <a:lstStyle/>
-          <a:p>
-            <a:r>
-              <a:rPr lang="es-ES" dirty="0"/>
-              <a:t>API </a:t>
-            </a:r>
-            <a:r>
-              <a:rPr lang="es-ES" i="1" dirty="0"/>
-              <a:t>Gateway</a:t>
-            </a:r>
-          </a:p>
-        </p:txBody>
-      </p:sp>
-      <p:sp>
-        <p:nvSpPr>
-          <p:cNvPr id="6" name="Marcador de texto 4">
-            <a:extLst>
-              <a:ext uri="{FF2B5EF4-FFF2-40B4-BE49-F238E27FC236}">
-                <a16:creationId xmlns:a16="http://schemas.microsoft.com/office/drawing/2014/main" id="{D888BB23-0D9E-4449-8DC5-A20460C50FC5}"/>
-              </a:ext>
-            </a:extLst>
-          </p:cNvPr>
-          <p:cNvSpPr txBox="1">
-            <a:spLocks/>
-          </p:cNvSpPr>
-          <p:nvPr/>
-        </p:nvSpPr>
-        <p:spPr>
-          <a:xfrm>
-            <a:off x="4893150" y="1725426"/>
-            <a:ext cx="3792900" cy="2884200"/>
-          </a:xfrm>
-          <a:prstGeom prst="rect">
-            <a:avLst/>
-          </a:prstGeom>
-          <a:noFill/>
-          <a:ln>
-            <a:noFill/>
-          </a:ln>
-        </p:spPr>
-        <p:txBody>
-          <a:bodyPr spcFirstLastPara="1" wrap="square" lIns="0" tIns="0" rIns="0" bIns="0" anchor="t" anchorCtr="0">
-            <a:noAutofit/>
-          </a:bodyPr>
-          <a:lstStyle>
-            <a:defPPr marR="0" lvl="0" algn="l" rtl="0">
-              <a:lnSpc>
-                <a:spcPct val="100000"/>
-              </a:lnSpc>
-              <a:spcBef>
-                <a:spcPts val="0"/>
-              </a:spcBef>
-              <a:spcAft>
-                <a:spcPts val="0"/>
-              </a:spcAft>
-            </a:defPPr>
-            <a:lvl1pPr marL="457200" marR="0" lvl="0" indent="-330200" algn="l" rtl="0">
-              <a:lnSpc>
-                <a:spcPct val="115000"/>
-              </a:lnSpc>
-              <a:spcBef>
-                <a:spcPts val="0"/>
-              </a:spcBef>
-              <a:spcAft>
-                <a:spcPts val="0"/>
-              </a:spcAft>
-              <a:buClr>
-                <a:schemeClr val="accent5"/>
-              </a:buClr>
-              <a:buSzPts val="1600"/>
-              <a:buFont typeface="Catamaran Thin"/>
-              <a:buChar char="⬢"/>
-              <a:defRPr sz="2400" b="0" i="0" u="none" strike="noStrike" cap="none">
-                <a:solidFill>
-                  <a:schemeClr val="dk1"/>
-                </a:solidFill>
-                <a:latin typeface="Catamaran Thin"/>
-                <a:ea typeface="Catamaran Thin"/>
-                <a:cs typeface="Catamaran Thin"/>
-                <a:sym typeface="Catamaran Thin"/>
-              </a:defRPr>
-            </a:lvl1pPr>
-            <a:lvl2pPr marL="914400" marR="0" lvl="1" indent="-330200" algn="l" rtl="0">
-              <a:lnSpc>
-                <a:spcPct val="115000"/>
-              </a:lnSpc>
-              <a:spcBef>
-                <a:spcPts val="800"/>
-              </a:spcBef>
-              <a:spcAft>
-                <a:spcPts val="0"/>
-              </a:spcAft>
-              <a:buClr>
-                <a:schemeClr val="accent5"/>
-              </a:buClr>
-              <a:buSzPts val="1600"/>
-              <a:buFont typeface="Catamaran Thin"/>
-              <a:buChar char="⬡"/>
-              <a:defRPr sz="2400" b="0" i="0" u="none" strike="noStrike" cap="none">
-                <a:solidFill>
-                  <a:schemeClr val="dk1"/>
-                </a:solidFill>
-                <a:latin typeface="Catamaran Thin"/>
-                <a:ea typeface="Catamaran Thin"/>
-                <a:cs typeface="Catamaran Thin"/>
-                <a:sym typeface="Catamaran Thin"/>
-              </a:defRPr>
-            </a:lvl2pPr>
-            <a:lvl3pPr marL="1371600" marR="0" lvl="2" indent="-330200" algn="l" rtl="0">
-              <a:lnSpc>
-                <a:spcPct val="115000"/>
-              </a:lnSpc>
-              <a:spcBef>
-                <a:spcPts val="800"/>
-              </a:spcBef>
-              <a:spcAft>
-                <a:spcPts val="0"/>
-              </a:spcAft>
-              <a:buClr>
-                <a:schemeClr val="dk2"/>
-              </a:buClr>
-              <a:buSzPts val="1600"/>
-              <a:buFont typeface="Catamaran Thin"/>
-              <a:buChar char="⬡"/>
-              <a:defRPr sz="2400" b="0" i="0" u="none" strike="noStrike" cap="none">
-                <a:solidFill>
-                  <a:schemeClr val="dk1"/>
-                </a:solidFill>
-                <a:latin typeface="Catamaran Thin"/>
-                <a:ea typeface="Catamaran Thin"/>
-                <a:cs typeface="Catamaran Thin"/>
-                <a:sym typeface="Catamaran Thin"/>
-              </a:defRPr>
-            </a:lvl3pPr>
-            <a:lvl4pPr marL="1828800" marR="0" lvl="3" indent="-381000" algn="l" rtl="0">
-              <a:lnSpc>
-                <a:spcPct val="115000"/>
-              </a:lnSpc>
-              <a:spcBef>
-                <a:spcPts val="800"/>
-              </a:spcBef>
-              <a:spcAft>
-                <a:spcPts val="0"/>
-              </a:spcAft>
-              <a:buClr>
-                <a:schemeClr val="dk1"/>
-              </a:buClr>
-              <a:buSzPts val="2400"/>
-              <a:buFont typeface="Catamaran Thin"/>
-              <a:buChar char="●"/>
-              <a:defRPr sz="2400" b="0" i="0" u="none" strike="noStrike" cap="none">
-                <a:solidFill>
-                  <a:schemeClr val="dk1"/>
-                </a:solidFill>
-                <a:latin typeface="Catamaran Thin"/>
-                <a:ea typeface="Catamaran Thin"/>
-                <a:cs typeface="Catamaran Thin"/>
-                <a:sym typeface="Catamaran Thin"/>
-              </a:defRPr>
-            </a:lvl4pPr>
-            <a:lvl5pPr marL="2286000" marR="0" lvl="4" indent="-381000" algn="l" rtl="0">
-              <a:lnSpc>
-                <a:spcPct val="115000"/>
-              </a:lnSpc>
-              <a:spcBef>
-                <a:spcPts val="800"/>
-              </a:spcBef>
-              <a:spcAft>
-                <a:spcPts val="0"/>
-              </a:spcAft>
-              <a:buClr>
-                <a:schemeClr val="dk1"/>
-              </a:buClr>
-              <a:buSzPts val="2400"/>
-              <a:buFont typeface="Catamaran Thin"/>
-              <a:buChar char="○"/>
-              <a:defRPr sz="2400" b="0" i="0" u="none" strike="noStrike" cap="none">
-                <a:solidFill>
-                  <a:schemeClr val="dk1"/>
-                </a:solidFill>
-                <a:latin typeface="Catamaran Thin"/>
-                <a:ea typeface="Catamaran Thin"/>
-                <a:cs typeface="Catamaran Thin"/>
-                <a:sym typeface="Catamaran Thin"/>
-              </a:defRPr>
-            </a:lvl5pPr>
-            <a:lvl6pPr marL="2743200" marR="0" lvl="5" indent="-381000" algn="l" rtl="0">
-              <a:lnSpc>
-                <a:spcPct val="115000"/>
-              </a:lnSpc>
-              <a:spcBef>
-                <a:spcPts val="800"/>
-              </a:spcBef>
-              <a:spcAft>
-                <a:spcPts val="0"/>
-              </a:spcAft>
-              <a:buClr>
-                <a:schemeClr val="dk1"/>
-              </a:buClr>
-              <a:buSzPts val="2400"/>
-              <a:buFont typeface="Catamaran Thin"/>
-              <a:buChar char="■"/>
-              <a:defRPr sz="2400" b="0" i="0" u="none" strike="noStrike" cap="none">
-                <a:solidFill>
-                  <a:schemeClr val="dk1"/>
-                </a:solidFill>
-                <a:latin typeface="Catamaran Thin"/>
-                <a:ea typeface="Catamaran Thin"/>
-                <a:cs typeface="Catamaran Thin"/>
-                <a:sym typeface="Catamaran Thin"/>
-              </a:defRPr>
-            </a:lvl6pPr>
-            <a:lvl7pPr marL="3200400" marR="0" lvl="6" indent="-381000" algn="l" rtl="0">
-              <a:lnSpc>
-                <a:spcPct val="115000"/>
-              </a:lnSpc>
-              <a:spcBef>
-                <a:spcPts val="800"/>
-              </a:spcBef>
-              <a:spcAft>
-                <a:spcPts val="0"/>
-              </a:spcAft>
-              <a:buClr>
-                <a:schemeClr val="dk1"/>
-              </a:buClr>
-              <a:buSzPts val="2400"/>
-              <a:buFont typeface="Catamaran Thin"/>
-              <a:buChar char="●"/>
-              <a:defRPr sz="2400" b="0" i="0" u="none" strike="noStrike" cap="none">
-                <a:solidFill>
-                  <a:schemeClr val="dk1"/>
-                </a:solidFill>
-                <a:latin typeface="Catamaran Thin"/>
-                <a:ea typeface="Catamaran Thin"/>
-                <a:cs typeface="Catamaran Thin"/>
-                <a:sym typeface="Catamaran Thin"/>
-              </a:defRPr>
-            </a:lvl7pPr>
-            <a:lvl8pPr marL="3657600" marR="0" lvl="7" indent="-381000" algn="l" rtl="0">
-              <a:lnSpc>
-                <a:spcPct val="115000"/>
-              </a:lnSpc>
-              <a:spcBef>
-                <a:spcPts val="800"/>
-              </a:spcBef>
-              <a:spcAft>
-                <a:spcPts val="0"/>
-              </a:spcAft>
-              <a:buClr>
-                <a:schemeClr val="dk1"/>
-              </a:buClr>
-              <a:buSzPts val="2400"/>
-              <a:buFont typeface="Catamaran Thin"/>
-              <a:buChar char="○"/>
-              <a:defRPr sz="2400" b="0" i="0" u="none" strike="noStrike" cap="none">
-                <a:solidFill>
-                  <a:schemeClr val="dk1"/>
-                </a:solidFill>
-                <a:latin typeface="Catamaran Thin"/>
-                <a:ea typeface="Catamaran Thin"/>
-                <a:cs typeface="Catamaran Thin"/>
-                <a:sym typeface="Catamaran Thin"/>
-              </a:defRPr>
-            </a:lvl8pPr>
-            <a:lvl9pPr marL="4114800" marR="0" lvl="8" indent="-381000" algn="l" rtl="0">
-              <a:lnSpc>
-                <a:spcPct val="115000"/>
-              </a:lnSpc>
-              <a:spcBef>
-                <a:spcPts val="800"/>
-              </a:spcBef>
-              <a:spcAft>
-                <a:spcPts val="800"/>
-              </a:spcAft>
-              <a:buClr>
-                <a:schemeClr val="dk1"/>
-              </a:buClr>
-              <a:buSzPts val="2400"/>
-              <a:buFont typeface="Catamaran Thin"/>
-              <a:buChar char="■"/>
-              <a:defRPr sz="2400" b="0" i="0" u="none" strike="noStrike" cap="none">
-                <a:solidFill>
-                  <a:schemeClr val="dk1"/>
-                </a:solidFill>
-                <a:latin typeface="Catamaran Thin"/>
-                <a:ea typeface="Catamaran Thin"/>
-                <a:cs typeface="Catamaran Thin"/>
-                <a:sym typeface="Catamaran Thin"/>
-              </a:defRPr>
-            </a:lvl9pPr>
-          </a:lstStyle>
-          <a:p>
-            <a:r>
-              <a:rPr lang="es-ES" i="1" dirty="0"/>
-              <a:t>Load </a:t>
-            </a:r>
-            <a:r>
-              <a:rPr lang="es-ES" i="1" dirty="0" err="1"/>
-              <a:t>balancer</a:t>
-            </a:r>
-            <a:endParaRPr lang="es-ES" i="1" dirty="0"/>
-          </a:p>
-        </p:txBody>
-      </p:sp>
-      <p:pic>
-        <p:nvPicPr>
-          <p:cNvPr id="9218" name="Picture 2" descr="Diagrama&#10;&#10;Descripción generada automáticamente">
-            <a:extLst>
-              <a:ext uri="{FF2B5EF4-FFF2-40B4-BE49-F238E27FC236}">
-                <a16:creationId xmlns:a16="http://schemas.microsoft.com/office/drawing/2014/main" id="{471F11E3-8206-45F6-8D15-7C1B4B59EE04}"/>
-              </a:ext>
-            </a:extLst>
-          </p:cNvPr>
-          <p:cNvPicPr>
-            <a:picLocks noChangeAspect="1" noChangeArrowheads="1"/>
-          </p:cNvPicPr>
-          <p:nvPr/>
-        </p:nvPicPr>
-        <p:blipFill>
-          <a:blip r:embed="rId3">
-            <a:extLst>
-              <a:ext uri="{28A0092B-C50C-407E-A947-70E740481C1C}">
-                <a14:useLocalDpi xmlns:a14="http://schemas.microsoft.com/office/drawing/2010/main" val="0"/>
-              </a:ext>
-            </a:extLst>
-          </a:blip>
-          <a:srcRect/>
-          <a:stretch>
-            <a:fillRect/>
-          </a:stretch>
-        </p:blipFill>
-        <p:spPr bwMode="auto">
-          <a:xfrm>
-            <a:off x="66982" y="2370315"/>
-            <a:ext cx="4148671" cy="2137718"/>
-          </a:xfrm>
-          <a:prstGeom prst="rect">
-            <a:avLst/>
-          </a:prstGeom>
-          <a:noFill/>
-        </p:spPr>
-      </p:pic>
-      <p:pic>
-        <p:nvPicPr>
-          <p:cNvPr id="7" name="Picture 2" descr="Diagrama&#10;&#10;Descripción generada automáticamente">
-            <a:extLst>
-              <a:ext uri="{FF2B5EF4-FFF2-40B4-BE49-F238E27FC236}">
-                <a16:creationId xmlns:a16="http://schemas.microsoft.com/office/drawing/2014/main" id="{998D941E-D3B3-4D34-A77E-C096A1F8D106}"/>
-              </a:ext>
-            </a:extLst>
-          </p:cNvPr>
-          <p:cNvPicPr>
-            <a:picLocks noChangeAspect="1" noChangeArrowheads="1"/>
-          </p:cNvPicPr>
-          <p:nvPr/>
-        </p:nvPicPr>
-        <p:blipFill>
-          <a:blip r:embed="rId4">
-            <a:extLst>
-              <a:ext uri="{28A0092B-C50C-407E-A947-70E740481C1C}">
-                <a14:useLocalDpi xmlns:a14="http://schemas.microsoft.com/office/drawing/2010/main" val="0"/>
-              </a:ext>
-            </a:extLst>
-          </a:blip>
-          <a:srcRect/>
-          <a:stretch>
-            <a:fillRect/>
-          </a:stretch>
-        </p:blipFill>
-        <p:spPr bwMode="auto">
-          <a:xfrm>
-            <a:off x="4572000" y="2370314"/>
-            <a:ext cx="4407372" cy="2157011"/>
-          </a:xfrm>
-          <a:prstGeom prst="rect">
-            <a:avLst/>
-          </a:prstGeom>
-          <a:noFill/>
-        </p:spPr>
-      </p:pic>
-      <p:sp>
-        <p:nvSpPr>
-          <p:cNvPr id="8" name="Google Shape;342;p24">
-            <a:extLst>
-              <a:ext uri="{FF2B5EF4-FFF2-40B4-BE49-F238E27FC236}">
-                <a16:creationId xmlns:a16="http://schemas.microsoft.com/office/drawing/2014/main" id="{C7CE4911-353B-4C8F-B15B-B7C01C8EAF16}"/>
-              </a:ext>
-            </a:extLst>
-          </p:cNvPr>
-          <p:cNvSpPr txBox="1">
-            <a:spLocks noGrp="1"/>
-          </p:cNvSpPr>
-          <p:nvPr>
-            <p:ph type="sldNum" idx="12"/>
-          </p:nvPr>
-        </p:nvSpPr>
-        <p:spPr>
-          <a:xfrm>
-            <a:off x="8480584" y="4749851"/>
-            <a:ext cx="548700" cy="393600"/>
-          </a:xfrm>
-          <a:prstGeom prst="rect">
-            <a:avLst/>
-          </a:prstGeom>
-        </p:spPr>
-        <p:txBody>
-          <a:bodyPr spcFirstLastPara="1" wrap="square" lIns="0" tIns="0" rIns="0" bIns="0" anchor="ctr" anchorCtr="0">
-            <a:noAutofit/>
-          </a:bodyPr>
-          <a:lstStyle/>
-          <a:p>
-            <a:pPr marL="0" lvl="0" indent="0" algn="r" rtl="0">
-              <a:spcBef>
-                <a:spcPts val="0"/>
-              </a:spcBef>
-              <a:spcAft>
-                <a:spcPts val="0"/>
-              </a:spcAft>
-              <a:buNone/>
-            </a:pPr>
-            <a:fld id="{00000000-1234-1234-1234-123412341234}" type="slidenum">
-              <a:rPr lang="en"/>
-              <a:t>11</a:t>
-            </a:fld>
-            <a:endParaRPr dirty="0"/>
-          </a:p>
-        </p:txBody>
-      </p:sp>
-    </p:spTree>
-    <p:extLst>
-      <p:ext uri="{BB962C8B-B14F-4D97-AF65-F5344CB8AC3E}">
-        <p14:creationId xmlns:p14="http://schemas.microsoft.com/office/powerpoint/2010/main" val="2979789516"/>
-      </p:ext>
-    </p:extLst>
-  </p:cSld>
-  <p:clrMapOvr>
-    <a:masterClrMapping/>
-  </p:clrMapOvr>
-</p:sld>
-</file>
-
-<file path=ppt/slides/slide12.xml><?xml version="1.0" encoding="utf-8"?>
-<p:sld xmlns:a="http://schemas.openxmlformats.org/drawingml/2006/main" xmlns:r="http://schemas.openxmlformats.org/officeDocument/2006/relationships" xmlns:p="http://schemas.openxmlformats.org/presentationml/2006/main">
-  <p:cSld>
-    <p:spTree>
-      <p:nvGrpSpPr>
-        <p:cNvPr id="1" name=""/>
-        <p:cNvGrpSpPr/>
-        <p:nvPr/>
-      </p:nvGrpSpPr>
-      <p:grpSpPr>
-        <a:xfrm>
-          <a:off x="0" y="0"/>
-          <a:ext cx="0" cy="0"/>
-          <a:chOff x="0" y="0"/>
-          <a:chExt cx="0" cy="0"/>
-        </a:xfrm>
-      </p:grpSpPr>
-      <p:sp>
-        <p:nvSpPr>
-          <p:cNvPr id="4" name="Título 3">
-            <a:extLst>
-              <a:ext uri="{FF2B5EF4-FFF2-40B4-BE49-F238E27FC236}">
                 <a16:creationId xmlns:a16="http://schemas.microsoft.com/office/drawing/2014/main" id="{9325279F-4ADA-4076-8380-D184CC5264DA}"/>
               </a:ext>
             </a:extLst>
@@ -16407,7 +15862,7 @@
             </a:pPr>
             <a:fld id="{00000000-1234-1234-1234-123412341234}" type="slidenum">
               <a:rPr lang="en"/>
-              <a:t>12</a:t>
+              <a:t>11</a:t>
             </a:fld>
             <a:endParaRPr dirty="0"/>
           </a:p>
@@ -16426,7 +15881,7 @@
 </p:sld>
 </file>
 
-<file path=ppt/slides/slide13.xml><?xml version="1.0" encoding="utf-8"?>
+<file path=ppt/slides/slide12.xml><?xml version="1.0" encoding="utf-8"?>
 <p:sld xmlns:a="http://schemas.openxmlformats.org/drawingml/2006/main" xmlns:r="http://schemas.openxmlformats.org/officeDocument/2006/relationships" xmlns:p="http://schemas.openxmlformats.org/presentationml/2006/main">
   <p:cSld>
     <p:spTree>
@@ -16626,7 +16081,7 @@
             </a:pPr>
             <a:fld id="{00000000-1234-1234-1234-123412341234}" type="slidenum">
               <a:rPr lang="en"/>
-              <a:t>13</a:t>
+              <a:t>12</a:t>
             </a:fld>
             <a:endParaRPr dirty="0"/>
           </a:p>
@@ -16645,7 +16100,7 @@
 </p:sld>
 </file>
 
-<file path=ppt/slides/slide14.xml><?xml version="1.0" encoding="utf-8"?>
+<file path=ppt/slides/slide13.xml><?xml version="1.0" encoding="utf-8"?>
 <p:sld xmlns:a="http://schemas.openxmlformats.org/drawingml/2006/main" xmlns:r="http://schemas.openxmlformats.org/officeDocument/2006/relationships" xmlns:p="http://schemas.openxmlformats.org/presentationml/2006/main">
   <p:cSld>
     <p:spTree>
@@ -16750,7 +16205,7 @@
             <a:pPr lvl="1"/>
             <a:r>
               <a:rPr lang="es-ES" dirty="0"/>
-              <a:t>Contexto</a:t>
+              <a:t>Contexto ERP</a:t>
             </a:r>
             <a:endParaRPr lang="es-ES" i="1" dirty="0"/>
           </a:p>
@@ -16788,7 +16243,7 @@
             </a:pPr>
             <a:fld id="{00000000-1234-1234-1234-123412341234}" type="slidenum">
               <a:rPr lang="en"/>
-              <a:t>14</a:t>
+              <a:t>13</a:t>
             </a:fld>
             <a:endParaRPr dirty="0"/>
           </a:p>
@@ -16811,7 +16266,7 @@
         <p:spPr>
           <a:xfrm>
             <a:off x="4571999" y="1663506"/>
-            <a:ext cx="3402935" cy="1588274"/>
+            <a:ext cx="4188824" cy="1588274"/>
           </a:xfrm>
           <a:prstGeom prst="rect">
             <a:avLst/>
@@ -17091,7 +16546,15 @@
             <a:pPr lvl="1"/>
             <a:r>
               <a:rPr lang="es-ES" dirty="0"/>
-              <a:t>Sencillez</a:t>
+              <a:t>Sencillez </a:t>
+            </a:r>
+            <a:r>
+              <a:rPr lang="es-ES" i="1" dirty="0"/>
+              <a:t>proxy</a:t>
+            </a:r>
+            <a:r>
+              <a:rPr lang="es-ES" dirty="0"/>
+              <a:t> inverso</a:t>
             </a:r>
           </a:p>
           <a:p>
@@ -17104,6 +16567,11 @@
               <a:rPr lang="es-ES" i="1" dirty="0"/>
               <a:t>Gateway</a:t>
             </a:r>
+            <a:r>
+              <a:rPr lang="es-ES" dirty="0"/>
+              <a:t> no necesario</a:t>
+            </a:r>
+            <a:endParaRPr lang="es-ES" i="1" dirty="0"/>
           </a:p>
         </p:txBody>
       </p:sp>
@@ -17150,7 +16618,7 @@
 </p:sld>
 </file>
 
-<file path=ppt/slides/slide15.xml><?xml version="1.0" encoding="utf-8"?>
+<file path=ppt/slides/slide14.xml><?xml version="1.0" encoding="utf-8"?>
 <p:sld xmlns:a="http://schemas.openxmlformats.org/drawingml/2006/main" xmlns:r="http://schemas.openxmlformats.org/officeDocument/2006/relationships" xmlns:p="http://schemas.openxmlformats.org/presentationml/2006/main">
   <p:cSld>
     <p:spTree>
@@ -17283,7 +16751,7 @@
 </p:sld>
 </file>
 
-<file path=ppt/slides/slide16.xml><?xml version="1.0" encoding="utf-8"?>
+<file path=ppt/slides/slide15.xml><?xml version="1.0" encoding="utf-8"?>
 <p:sld xmlns:a="http://schemas.openxmlformats.org/drawingml/2006/main" xmlns:r="http://schemas.openxmlformats.org/officeDocument/2006/relationships" xmlns:p="http://schemas.openxmlformats.org/presentationml/2006/main">
   <p:cSld>
     <p:spTree>
@@ -17512,7 +16980,7 @@
             </a:pPr>
             <a:fld id="{00000000-1234-1234-1234-123412341234}" type="slidenum">
               <a:rPr lang="en"/>
-              <a:t>16</a:t>
+              <a:t>15</a:t>
             </a:fld>
             <a:endParaRPr dirty="0"/>
           </a:p>
@@ -17569,7 +17037,7 @@
 </p:sld>
 </file>
 
-<file path=ppt/slides/slide17.xml><?xml version="1.0" encoding="utf-8"?>
+<file path=ppt/slides/slide16.xml><?xml version="1.0" encoding="utf-8"?>
 <p:sld xmlns:a="http://schemas.openxmlformats.org/drawingml/2006/main" xmlns:r="http://schemas.openxmlformats.org/officeDocument/2006/relationships" xmlns:p="http://schemas.openxmlformats.org/presentationml/2006/main">
   <p:cSld>
     <p:spTree>
@@ -17702,7 +17170,7 @@
 </p:sld>
 </file>
 
-<file path=ppt/slides/slide18.xml><?xml version="1.0" encoding="utf-8"?>
+<file path=ppt/slides/slide17.xml><?xml version="1.0" encoding="utf-8"?>
 <p:sld xmlns:a="http://schemas.openxmlformats.org/drawingml/2006/main" xmlns:r="http://schemas.openxmlformats.org/officeDocument/2006/relationships" xmlns:p="http://schemas.openxmlformats.org/presentationml/2006/main">
   <p:cSld>
     <p:spTree>
@@ -17828,7 +17296,7 @@
             </a:pPr>
             <a:fld id="{00000000-1234-1234-1234-123412341234}" type="slidenum">
               <a:rPr lang="en"/>
-              <a:t>18</a:t>
+              <a:t>17</a:t>
             </a:fld>
             <a:endParaRPr dirty="0"/>
           </a:p>
@@ -17847,7 +17315,7 @@
 </p:sld>
 </file>
 
-<file path=ppt/slides/slide19.xml><?xml version="1.0" encoding="utf-8"?>
+<file path=ppt/slides/slide18.xml><?xml version="1.0" encoding="utf-8"?>
 <p:sld xmlns:a="http://schemas.openxmlformats.org/drawingml/2006/main" xmlns:r="http://schemas.openxmlformats.org/officeDocument/2006/relationships" xmlns:p="http://schemas.openxmlformats.org/presentationml/2006/main">
   <p:cSld>
     <p:spTree>
@@ -17892,7 +17360,7 @@
           <a:p>
             <a:r>
               <a:rPr lang="es-ES" dirty="0"/>
-              <a:t>Programación (1/3) </a:t>
+              <a:t>Programación (1/2) </a:t>
             </a:r>
             <a:r>
               <a:rPr lang="es-ES" b="0" dirty="0"/>
@@ -17939,7 +17407,7 @@
             </a:pPr>
             <a:fld id="{00000000-1234-1234-1234-123412341234}" type="slidenum">
               <a:rPr lang="en"/>
-              <a:t>19</a:t>
+              <a:t>18</a:t>
             </a:fld>
             <a:endParaRPr dirty="0"/>
           </a:p>
@@ -18025,7 +17493,7 @@
                   <a:cs typeface="Catamaran"/>
                   <a:sym typeface="Catamaran"/>
                 </a:rPr>
-                <a:t>Consolidación del microservicio autogenerado</a:t>
+                <a:t>2. Consolidación del microservicio autogenerado</a:t>
               </a:r>
               <a:endParaRPr sz="2400" b="1" i="0" u="none" dirty="0">
                 <a:solidFill>
@@ -18099,7 +17567,7 @@
                   <a:cs typeface="Catamaran"/>
                   <a:sym typeface="Catamaran"/>
                 </a:rPr>
-                <a:t>Construcción de prototipos</a:t>
+                <a:t>1. Construcción de prototipos</a:t>
               </a:r>
               <a:endParaRPr sz="2400" b="1" i="0" u="none" dirty="0">
                 <a:solidFill>
@@ -18173,7 +17641,7 @@
                   <a:cs typeface="Catamaran"/>
                   <a:sym typeface="Catamaran"/>
                 </a:rPr>
-                <a:t>Producto final</a:t>
+                <a:t>4. Producto final</a:t>
               </a:r>
               <a:endParaRPr sz="2400" b="1" i="0" u="none" dirty="0">
                 <a:solidFill>
@@ -18247,7 +17715,7 @@
                   <a:cs typeface="Catamaran"/>
                   <a:sym typeface="Catamaran"/>
                 </a:rPr>
-                <a:t>Primeros</a:t>
+                <a:t>3. Primeros</a:t>
               </a:r>
               <a:r>
                 <a:rPr lang="es-ES" sz="2800" b="1" i="0" u="none" dirty="0">
@@ -18299,247 +17767,7 @@
 </p:sld>
 </file>
 
-<file path=ppt/slides/slide2.xml><?xml version="1.0" encoding="utf-8"?>
-<p:sld xmlns:a="http://schemas.openxmlformats.org/drawingml/2006/main" xmlns:r="http://schemas.openxmlformats.org/officeDocument/2006/relationships" xmlns:p="http://schemas.openxmlformats.org/presentationml/2006/main">
-  <p:cSld>
-    <p:spTree>
-      <p:nvGrpSpPr>
-        <p:cNvPr id="1" name="Shape 238"/>
-        <p:cNvGrpSpPr/>
-        <p:nvPr/>
-      </p:nvGrpSpPr>
-      <p:grpSpPr>
-        <a:xfrm>
-          <a:off x="0" y="0"/>
-          <a:ext cx="0" cy="0"/>
-          <a:chOff x="0" y="0"/>
-          <a:chExt cx="0" cy="0"/>
-        </a:xfrm>
-      </p:grpSpPr>
-      <p:sp>
-        <p:nvSpPr>
-          <p:cNvPr id="239" name="Google Shape;239;p17"/>
-          <p:cNvSpPr txBox="1">
-            <a:spLocks noGrp="1"/>
-          </p:cNvSpPr>
-          <p:nvPr>
-            <p:ph type="title"/>
-          </p:nvPr>
-        </p:nvSpPr>
-        <p:spPr>
-          <a:xfrm>
-            <a:off x="779100" y="836000"/>
-            <a:ext cx="6010500" cy="396300"/>
-          </a:xfrm>
-          <a:prstGeom prst="rect">
-            <a:avLst/>
-          </a:prstGeom>
-        </p:spPr>
-        <p:txBody>
-          <a:bodyPr spcFirstLastPara="1" wrap="square" lIns="0" tIns="0" rIns="0" bIns="0" anchor="ctr" anchorCtr="0">
-            <a:noAutofit/>
-          </a:bodyPr>
-          <a:lstStyle/>
-          <a:p>
-            <a:pPr marL="0" lvl="0" indent="0" algn="l" rtl="0">
-              <a:spcBef>
-                <a:spcPts val="0"/>
-              </a:spcBef>
-              <a:spcAft>
-                <a:spcPts val="0"/>
-              </a:spcAft>
-              <a:buNone/>
-            </a:pPr>
-            <a:r>
-              <a:rPr lang="en" dirty="0"/>
-              <a:t>Índice</a:t>
-            </a:r>
-            <a:endParaRPr dirty="0"/>
-          </a:p>
-        </p:txBody>
-      </p:sp>
-      <p:sp>
-        <p:nvSpPr>
-          <p:cNvPr id="240" name="Google Shape;240;p17"/>
-          <p:cNvSpPr txBox="1">
-            <a:spLocks noGrp="1"/>
-          </p:cNvSpPr>
-          <p:nvPr>
-            <p:ph type="body" idx="1"/>
-          </p:nvPr>
-        </p:nvSpPr>
-        <p:spPr>
-          <a:xfrm>
-            <a:off x="779100" y="1503550"/>
-            <a:ext cx="6010500" cy="2884200"/>
-          </a:xfrm>
-          <a:prstGeom prst="rect">
-            <a:avLst/>
-          </a:prstGeom>
-        </p:spPr>
-        <p:txBody>
-          <a:bodyPr spcFirstLastPara="1" wrap="square" lIns="0" tIns="0" rIns="0" bIns="0" anchor="t" anchorCtr="0">
-            <a:noAutofit/>
-          </a:bodyPr>
-          <a:lstStyle/>
-          <a:p>
-            <a:pPr marL="584200" lvl="0" indent="-457200" algn="l" rtl="0">
-              <a:spcBef>
-                <a:spcPts val="0"/>
-              </a:spcBef>
-              <a:spcAft>
-                <a:spcPts val="0"/>
-              </a:spcAft>
-              <a:buSzPct val="90000"/>
-              <a:buFont typeface="+mj-lt"/>
-              <a:buAutoNum type="arabicPeriod"/>
-            </a:pPr>
-            <a:r>
-              <a:rPr lang="es-ES" dirty="0"/>
-              <a:t>Introducción</a:t>
-            </a:r>
-            <a:endParaRPr dirty="0"/>
-          </a:p>
-          <a:p>
-            <a:pPr marL="584200" lvl="0" indent="-457200" algn="l" rtl="0">
-              <a:spcBef>
-                <a:spcPts val="0"/>
-              </a:spcBef>
-              <a:spcAft>
-                <a:spcPts val="0"/>
-              </a:spcAft>
-              <a:buSzPct val="90000"/>
-              <a:buFont typeface="+mj-lt"/>
-              <a:buAutoNum type="arabicPeriod"/>
-            </a:pPr>
-            <a:r>
-              <a:rPr lang="es-ES" dirty="0"/>
-              <a:t>Estado del arte</a:t>
-            </a:r>
-            <a:endParaRPr dirty="0"/>
-          </a:p>
-          <a:p>
-            <a:pPr marL="584200" lvl="0" indent="-457200" algn="l" rtl="0">
-              <a:spcBef>
-                <a:spcPts val="0"/>
-              </a:spcBef>
-              <a:spcAft>
-                <a:spcPts val="0"/>
-              </a:spcAft>
-              <a:buSzPct val="90000"/>
-              <a:buFont typeface="+mj-lt"/>
-              <a:buAutoNum type="arabicPeriod"/>
-            </a:pPr>
-            <a:r>
-              <a:rPr lang="es-ES" dirty="0"/>
-              <a:t>Tecnología utilizada</a:t>
-            </a:r>
-          </a:p>
-          <a:p>
-            <a:pPr marL="584200" lvl="0" indent="-457200" algn="l" rtl="0">
-              <a:spcBef>
-                <a:spcPts val="0"/>
-              </a:spcBef>
-              <a:spcAft>
-                <a:spcPts val="0"/>
-              </a:spcAft>
-              <a:buSzPct val="90000"/>
-              <a:buFont typeface="+mj-lt"/>
-              <a:buAutoNum type="arabicPeriod"/>
-            </a:pPr>
-            <a:r>
-              <a:rPr lang="es-ES" dirty="0"/>
-              <a:t>Desarrollo de la solución</a:t>
-            </a:r>
-          </a:p>
-          <a:p>
-            <a:pPr marL="584200" lvl="0" indent="-457200" algn="l" rtl="0">
-              <a:spcBef>
-                <a:spcPts val="0"/>
-              </a:spcBef>
-              <a:spcAft>
-                <a:spcPts val="0"/>
-              </a:spcAft>
-              <a:buSzPct val="90000"/>
-              <a:buFont typeface="+mj-lt"/>
-              <a:buAutoNum type="arabicPeriod"/>
-            </a:pPr>
-            <a:r>
-              <a:rPr lang="es-ES" dirty="0"/>
-              <a:t>Demo</a:t>
-            </a:r>
-          </a:p>
-          <a:p>
-            <a:pPr marL="584200" lvl="0" indent="-457200" algn="l" rtl="0">
-              <a:spcBef>
-                <a:spcPts val="0"/>
-              </a:spcBef>
-              <a:spcAft>
-                <a:spcPts val="0"/>
-              </a:spcAft>
-              <a:buSzPct val="90000"/>
-              <a:buFont typeface="+mj-lt"/>
-              <a:buAutoNum type="arabicPeriod"/>
-            </a:pPr>
-            <a:r>
-              <a:rPr lang="es-ES" dirty="0"/>
-              <a:t>Conclusiones y trabajo futuro</a:t>
-            </a:r>
-            <a:endParaRPr dirty="0"/>
-          </a:p>
-        </p:txBody>
-      </p:sp>
-      <p:sp>
-        <p:nvSpPr>
-          <p:cNvPr id="241" name="Google Shape;241;p17"/>
-          <p:cNvSpPr txBox="1">
-            <a:spLocks noGrp="1"/>
-          </p:cNvSpPr>
-          <p:nvPr>
-            <p:ph type="sldNum" idx="12"/>
-          </p:nvPr>
-        </p:nvSpPr>
-        <p:spPr>
-          <a:xfrm>
-            <a:off x="8480584" y="4749851"/>
-            <a:ext cx="548700" cy="393600"/>
-          </a:xfrm>
-          <a:prstGeom prst="rect">
-            <a:avLst/>
-          </a:prstGeom>
-        </p:spPr>
-        <p:txBody>
-          <a:bodyPr spcFirstLastPara="1" wrap="square" lIns="0" tIns="0" rIns="0" bIns="0" anchor="ctr" anchorCtr="0">
-            <a:noAutofit/>
-          </a:bodyPr>
-          <a:lstStyle/>
-          <a:p>
-            <a:pPr marL="0" lvl="0" indent="0" algn="r" rtl="0">
-              <a:spcBef>
-                <a:spcPts val="0"/>
-              </a:spcBef>
-              <a:spcAft>
-                <a:spcPts val="0"/>
-              </a:spcAft>
-              <a:buNone/>
-            </a:pPr>
-            <a:fld id="{00000000-1234-1234-1234-123412341234}" type="slidenum">
-              <a:rPr lang="en"/>
-              <a:t>2</a:t>
-            </a:fld>
-            <a:endParaRPr/>
-          </a:p>
-        </p:txBody>
-      </p:sp>
-    </p:spTree>
-  </p:cSld>
-  <p:clrMapOvr>
-    <a:masterClrMapping/>
-  </p:clrMapOvr>
-</p:sld>
-</file>
-
-<file path=ppt/slides/slide20.xml><?xml version="1.0" encoding="utf-8"?>
+<file path=ppt/slides/slide19.xml><?xml version="1.0" encoding="utf-8"?>
 <p:sld xmlns:a="http://schemas.openxmlformats.org/drawingml/2006/main" xmlns:r="http://schemas.openxmlformats.org/officeDocument/2006/relationships" xmlns:p="http://schemas.openxmlformats.org/presentationml/2006/main">
   <p:cSld>
     <p:spTree>
@@ -18584,7 +17812,7 @@
           <a:p>
             <a:r>
               <a:rPr lang="es-ES" dirty="0"/>
-              <a:t>Programación (2/3)</a:t>
+              <a:t>Programación (2/2)</a:t>
             </a:r>
             <a:r>
               <a:rPr lang="es-ES" b="0" dirty="0"/>
@@ -18631,7 +17859,7 @@
             </a:pPr>
             <a:fld id="{00000000-1234-1234-1234-123412341234}" type="slidenum">
               <a:rPr lang="en"/>
-              <a:t>20</a:t>
+              <a:t>19</a:t>
             </a:fld>
             <a:endParaRPr dirty="0"/>
           </a:p>
@@ -18710,7 +17938,247 @@
 </p:sld>
 </file>
 
-<file path=ppt/slides/slide21.xml><?xml version="1.0" encoding="utf-8"?>
+<file path=ppt/slides/slide2.xml><?xml version="1.0" encoding="utf-8"?>
+<p:sld xmlns:a="http://schemas.openxmlformats.org/drawingml/2006/main" xmlns:r="http://schemas.openxmlformats.org/officeDocument/2006/relationships" xmlns:p="http://schemas.openxmlformats.org/presentationml/2006/main">
+  <p:cSld>
+    <p:spTree>
+      <p:nvGrpSpPr>
+        <p:cNvPr id="1" name="Shape 238"/>
+        <p:cNvGrpSpPr/>
+        <p:nvPr/>
+      </p:nvGrpSpPr>
+      <p:grpSpPr>
+        <a:xfrm>
+          <a:off x="0" y="0"/>
+          <a:ext cx="0" cy="0"/>
+          <a:chOff x="0" y="0"/>
+          <a:chExt cx="0" cy="0"/>
+        </a:xfrm>
+      </p:grpSpPr>
+      <p:sp>
+        <p:nvSpPr>
+          <p:cNvPr id="239" name="Google Shape;239;p17"/>
+          <p:cNvSpPr txBox="1">
+            <a:spLocks noGrp="1"/>
+          </p:cNvSpPr>
+          <p:nvPr>
+            <p:ph type="title"/>
+          </p:nvPr>
+        </p:nvSpPr>
+        <p:spPr>
+          <a:xfrm>
+            <a:off x="779100" y="836000"/>
+            <a:ext cx="6010500" cy="396300"/>
+          </a:xfrm>
+          <a:prstGeom prst="rect">
+            <a:avLst/>
+          </a:prstGeom>
+        </p:spPr>
+        <p:txBody>
+          <a:bodyPr spcFirstLastPara="1" wrap="square" lIns="0" tIns="0" rIns="0" bIns="0" anchor="ctr" anchorCtr="0">
+            <a:noAutofit/>
+          </a:bodyPr>
+          <a:lstStyle/>
+          <a:p>
+            <a:pPr marL="0" lvl="0" indent="0" algn="l" rtl="0">
+              <a:spcBef>
+                <a:spcPts val="0"/>
+              </a:spcBef>
+              <a:spcAft>
+                <a:spcPts val="0"/>
+              </a:spcAft>
+              <a:buNone/>
+            </a:pPr>
+            <a:r>
+              <a:rPr lang="en" dirty="0"/>
+              <a:t>Índice</a:t>
+            </a:r>
+            <a:endParaRPr dirty="0"/>
+          </a:p>
+        </p:txBody>
+      </p:sp>
+      <p:sp>
+        <p:nvSpPr>
+          <p:cNvPr id="240" name="Google Shape;240;p17"/>
+          <p:cNvSpPr txBox="1">
+            <a:spLocks noGrp="1"/>
+          </p:cNvSpPr>
+          <p:nvPr>
+            <p:ph type="body" idx="1"/>
+          </p:nvPr>
+        </p:nvSpPr>
+        <p:spPr>
+          <a:xfrm>
+            <a:off x="779100" y="1503550"/>
+            <a:ext cx="6010500" cy="2884200"/>
+          </a:xfrm>
+          <a:prstGeom prst="rect">
+            <a:avLst/>
+          </a:prstGeom>
+        </p:spPr>
+        <p:txBody>
+          <a:bodyPr spcFirstLastPara="1" wrap="square" lIns="0" tIns="0" rIns="0" bIns="0" anchor="t" anchorCtr="0">
+            <a:noAutofit/>
+          </a:bodyPr>
+          <a:lstStyle/>
+          <a:p>
+            <a:pPr marL="584200" lvl="0" indent="-457200" algn="l" rtl="0">
+              <a:spcBef>
+                <a:spcPts val="0"/>
+              </a:spcBef>
+              <a:spcAft>
+                <a:spcPts val="0"/>
+              </a:spcAft>
+              <a:buSzPct val="90000"/>
+              <a:buFont typeface="+mj-lt"/>
+              <a:buAutoNum type="arabicPeriod"/>
+            </a:pPr>
+            <a:r>
+              <a:rPr lang="es-ES" dirty="0"/>
+              <a:t>Introducción</a:t>
+            </a:r>
+            <a:endParaRPr dirty="0"/>
+          </a:p>
+          <a:p>
+            <a:pPr marL="584200" lvl="0" indent="-457200" algn="l" rtl="0">
+              <a:spcBef>
+                <a:spcPts val="0"/>
+              </a:spcBef>
+              <a:spcAft>
+                <a:spcPts val="0"/>
+              </a:spcAft>
+              <a:buSzPct val="90000"/>
+              <a:buFont typeface="+mj-lt"/>
+              <a:buAutoNum type="arabicPeriod"/>
+            </a:pPr>
+            <a:r>
+              <a:rPr lang="es-ES" dirty="0"/>
+              <a:t>Estado del arte</a:t>
+            </a:r>
+            <a:endParaRPr dirty="0"/>
+          </a:p>
+          <a:p>
+            <a:pPr marL="584200" lvl="0" indent="-457200" algn="l" rtl="0">
+              <a:spcBef>
+                <a:spcPts val="0"/>
+              </a:spcBef>
+              <a:spcAft>
+                <a:spcPts val="0"/>
+              </a:spcAft>
+              <a:buSzPct val="90000"/>
+              <a:buFont typeface="+mj-lt"/>
+              <a:buAutoNum type="arabicPeriod"/>
+            </a:pPr>
+            <a:r>
+              <a:rPr lang="es-ES" dirty="0"/>
+              <a:t>Tecnología utilizada</a:t>
+            </a:r>
+          </a:p>
+          <a:p>
+            <a:pPr marL="584200" lvl="0" indent="-457200" algn="l" rtl="0">
+              <a:spcBef>
+                <a:spcPts val="0"/>
+              </a:spcBef>
+              <a:spcAft>
+                <a:spcPts val="0"/>
+              </a:spcAft>
+              <a:buSzPct val="90000"/>
+              <a:buFont typeface="+mj-lt"/>
+              <a:buAutoNum type="arabicPeriod"/>
+            </a:pPr>
+            <a:r>
+              <a:rPr lang="es-ES" dirty="0"/>
+              <a:t>Desarrollo de la solución</a:t>
+            </a:r>
+          </a:p>
+          <a:p>
+            <a:pPr marL="584200" lvl="0" indent="-457200" algn="l" rtl="0">
+              <a:spcBef>
+                <a:spcPts val="0"/>
+              </a:spcBef>
+              <a:spcAft>
+                <a:spcPts val="0"/>
+              </a:spcAft>
+              <a:buSzPct val="90000"/>
+              <a:buFont typeface="+mj-lt"/>
+              <a:buAutoNum type="arabicPeriod"/>
+            </a:pPr>
+            <a:r>
+              <a:rPr lang="es-ES" dirty="0"/>
+              <a:t>Demo</a:t>
+            </a:r>
+          </a:p>
+          <a:p>
+            <a:pPr marL="584200" lvl="0" indent="-457200" algn="l" rtl="0">
+              <a:spcBef>
+                <a:spcPts val="0"/>
+              </a:spcBef>
+              <a:spcAft>
+                <a:spcPts val="0"/>
+              </a:spcAft>
+              <a:buSzPct val="90000"/>
+              <a:buFont typeface="+mj-lt"/>
+              <a:buAutoNum type="arabicPeriod"/>
+            </a:pPr>
+            <a:r>
+              <a:rPr lang="es-ES" dirty="0"/>
+              <a:t>Conclusiones y trabajo futuro</a:t>
+            </a:r>
+            <a:endParaRPr dirty="0"/>
+          </a:p>
+        </p:txBody>
+      </p:sp>
+      <p:sp>
+        <p:nvSpPr>
+          <p:cNvPr id="241" name="Google Shape;241;p17"/>
+          <p:cNvSpPr txBox="1">
+            <a:spLocks noGrp="1"/>
+          </p:cNvSpPr>
+          <p:nvPr>
+            <p:ph type="sldNum" idx="12"/>
+          </p:nvPr>
+        </p:nvSpPr>
+        <p:spPr>
+          <a:xfrm>
+            <a:off x="8480584" y="4749851"/>
+            <a:ext cx="548700" cy="393600"/>
+          </a:xfrm>
+          <a:prstGeom prst="rect">
+            <a:avLst/>
+          </a:prstGeom>
+        </p:spPr>
+        <p:txBody>
+          <a:bodyPr spcFirstLastPara="1" wrap="square" lIns="0" tIns="0" rIns="0" bIns="0" anchor="ctr" anchorCtr="0">
+            <a:noAutofit/>
+          </a:bodyPr>
+          <a:lstStyle/>
+          <a:p>
+            <a:pPr marL="0" lvl="0" indent="0" algn="r" rtl="0">
+              <a:spcBef>
+                <a:spcPts val="0"/>
+              </a:spcBef>
+              <a:spcAft>
+                <a:spcPts val="0"/>
+              </a:spcAft>
+              <a:buNone/>
+            </a:pPr>
+            <a:fld id="{00000000-1234-1234-1234-123412341234}" type="slidenum">
+              <a:rPr lang="en"/>
+              <a:t>2</a:t>
+            </a:fld>
+            <a:endParaRPr/>
+          </a:p>
+        </p:txBody>
+      </p:sp>
+    </p:spTree>
+  </p:cSld>
+  <p:clrMapOvr>
+    <a:masterClrMapping/>
+  </p:clrMapOvr>
+</p:sld>
+</file>
+
+<file path=ppt/slides/slide20.xml><?xml version="1.0" encoding="utf-8"?>
 <p:sld xmlns:a="http://schemas.openxmlformats.org/drawingml/2006/main" xmlns:r="http://schemas.openxmlformats.org/officeDocument/2006/relationships" xmlns:p="http://schemas.openxmlformats.org/presentationml/2006/main">
   <p:cSld>
     <p:spTree>
@@ -18746,7 +18214,7 @@
         <p:spPr>
           <a:xfrm>
             <a:off x="779100" y="836000"/>
-            <a:ext cx="2918841" cy="396300"/>
+            <a:ext cx="3139757" cy="396300"/>
           </a:xfrm>
         </p:spPr>
         <p:txBody>
@@ -18755,7 +18223,7 @@
           <a:p>
             <a:r>
               <a:rPr lang="es-ES" dirty="0"/>
-              <a:t>Programación (3/3)</a:t>
+              <a:t>Diseño</a:t>
             </a:r>
             <a:r>
               <a:rPr lang="es-ES" b="0" dirty="0"/>
@@ -18810,7 +18278,7 @@
             </a:pPr>
             <a:fld id="{00000000-1234-1234-1234-123412341234}" type="slidenum">
               <a:rPr lang="en"/>
-              <a:t>21</a:t>
+              <a:t>20</a:t>
             </a:fld>
             <a:endParaRPr dirty="0"/>
           </a:p>
@@ -18818,10 +18286,10 @@
       </p:sp>
       <p:pic>
         <p:nvPicPr>
-          <p:cNvPr id="5" name="Imagen 4" descr="Diagrama&#10;&#10;Descripción generada automáticamente">
+          <p:cNvPr id="3" name="Imagen 2">
             <a:extLst>
               <a:ext uri="{FF2B5EF4-FFF2-40B4-BE49-F238E27FC236}">
-                <a16:creationId xmlns:a16="http://schemas.microsoft.com/office/drawing/2014/main" id="{BEB1A286-BACF-4DA3-B599-9FE8E34525E6}"/>
+                <a16:creationId xmlns:a16="http://schemas.microsoft.com/office/drawing/2014/main" id="{5C8A97B4-2E1C-43A5-8010-A9A5807E2B9B}"/>
               </a:ext>
             </a:extLst>
           </p:cNvPr>
@@ -18838,8 +18306,8 @@
         </p:blipFill>
         <p:spPr>
           <a:xfrm>
-            <a:off x="3774671" y="171450"/>
-            <a:ext cx="4980263" cy="4800600"/>
+            <a:off x="4054005" y="281384"/>
+            <a:ext cx="4736964" cy="4580731"/>
           </a:xfrm>
           <a:prstGeom prst="rect">
             <a:avLst/>
@@ -18859,7 +18327,7 @@
 </p:sld>
 </file>
 
-<file path=ppt/slides/slide22.xml><?xml version="1.0" encoding="utf-8"?>
+<file path=ppt/slides/slide21.xml><?xml version="1.0" encoding="utf-8"?>
 <p:sld xmlns:a="http://schemas.openxmlformats.org/drawingml/2006/main" xmlns:r="http://schemas.openxmlformats.org/officeDocument/2006/relationships" xmlns:p="http://schemas.openxmlformats.org/presentationml/2006/main">
   <p:cSld>
     <p:spTree>
@@ -18936,9 +18404,9 @@
             </a:r>
           </a:p>
           <a:p>
-            <a:pPr>
+            <a:pPr lvl="1">
               <a:lnSpc>
-                <a:spcPct val="150000"/>
+                <a:spcPct val="100000"/>
               </a:lnSpc>
             </a:pPr>
             <a:r>
@@ -18949,7 +18417,7 @@
           <a:p>
             <a:pPr>
               <a:lnSpc>
-                <a:spcPct val="150000"/>
+                <a:spcPct val="200000"/>
               </a:lnSpc>
             </a:pPr>
             <a:r>
@@ -19008,7 +18476,7 @@
             </a:pPr>
             <a:fld id="{00000000-1234-1234-1234-123412341234}" type="slidenum">
               <a:rPr lang="en"/>
-              <a:t>22</a:t>
+              <a:t>21</a:t>
             </a:fld>
             <a:endParaRPr dirty="0"/>
           </a:p>
@@ -19057,7 +18525,7 @@
 </p:sld>
 </file>
 
-<file path=ppt/slides/slide23.xml><?xml version="1.0" encoding="utf-8"?>
+<file path=ppt/slides/slide22.xml><?xml version="1.0" encoding="utf-8"?>
 <p:sld xmlns:a="http://schemas.openxmlformats.org/drawingml/2006/main" xmlns:r="http://schemas.openxmlformats.org/officeDocument/2006/relationships" xmlns:p="http://schemas.openxmlformats.org/presentationml/2006/main">
   <p:cSld>
     <p:spTree>
@@ -19312,7 +18780,7 @@
           <a:p>
             <a:r>
               <a:rPr lang="es-ES" dirty="0"/>
-              <a:t>Metodología</a:t>
+              <a:t>Metodología y cronología</a:t>
             </a:r>
             <a:endParaRPr lang="es-ES" b="0" dirty="0"/>
           </a:p>
@@ -19356,7 +18824,7 @@
             </a:pPr>
             <a:fld id="{00000000-1234-1234-1234-123412341234}" type="slidenum">
               <a:rPr lang="en"/>
-              <a:t>23</a:t>
+              <a:t>22</a:t>
             </a:fld>
             <a:endParaRPr dirty="0"/>
           </a:p>
@@ -19402,12 +18870,12 @@
           </a:effectLst>
         </p:spPr>
         <p:txBody>
-          <a:bodyPr spcFirstLastPara="1" wrap="square" lIns="274300" tIns="0" rIns="0" bIns="0" anchor="ctr" anchorCtr="0">
+          <a:bodyPr spcFirstLastPara="1" wrap="square" lIns="0" tIns="0" rIns="0" bIns="0" anchor="ctr" anchorCtr="0">
             <a:noAutofit/>
           </a:bodyPr>
           <a:lstStyle/>
           <a:p>
-            <a:pPr marL="0" marR="0" lvl="0" indent="0" algn="l" rtl="0">
+            <a:pPr marL="0" marR="0" lvl="0" indent="0" algn="ctr" rtl="0">
               <a:lnSpc>
                 <a:spcPct val="100000"/>
               </a:lnSpc>
@@ -19419,7 +18887,45 @@
               </a:spcAft>
               <a:buNone/>
             </a:pPr>
-            <a:endParaRPr sz="1200" dirty="0">
+            <a:r>
+              <a:rPr lang="es-ES" sz="1600" dirty="0">
+                <a:solidFill>
+                  <a:schemeClr val="lt1"/>
+                </a:solidFill>
+                <a:latin typeface="Catamaran"/>
+                <a:ea typeface="Catamaran"/>
+                <a:cs typeface="Catamaran"/>
+                <a:sym typeface="Catamaran"/>
+              </a:rPr>
+              <a:t>Agosto</a:t>
+            </a:r>
+          </a:p>
+          <a:p>
+            <a:pPr marL="0" marR="0" lvl="0" indent="0" algn="ctr" rtl="0">
+              <a:lnSpc>
+                <a:spcPct val="100000"/>
+              </a:lnSpc>
+              <a:spcBef>
+                <a:spcPts val="0"/>
+              </a:spcBef>
+              <a:spcAft>
+                <a:spcPts val="0"/>
+              </a:spcAft>
+              <a:buNone/>
+            </a:pPr>
+            <a:r>
+              <a:rPr lang="es-ES" sz="1600" dirty="0">
+                <a:solidFill>
+                  <a:schemeClr val="lt1"/>
+                </a:solidFill>
+                <a:latin typeface="Catamaran"/>
+                <a:ea typeface="Catamaran"/>
+                <a:cs typeface="Catamaran"/>
+                <a:sym typeface="Catamaran"/>
+              </a:rPr>
+              <a:t>2021</a:t>
+            </a:r>
+            <a:endParaRPr sz="1600" dirty="0">
               <a:solidFill>
                 <a:schemeClr val="lt1"/>
               </a:solidFill>
@@ -19471,12 +18977,12 @@
           </a:effectLst>
         </p:spPr>
         <p:txBody>
-          <a:bodyPr spcFirstLastPara="1" wrap="square" lIns="274300" tIns="0" rIns="0" bIns="0" anchor="ctr" anchorCtr="0">
+          <a:bodyPr spcFirstLastPara="1" wrap="square" lIns="0" tIns="0" rIns="0" bIns="0" anchor="ctr" anchorCtr="0">
             <a:noAutofit/>
           </a:bodyPr>
           <a:lstStyle/>
           <a:p>
-            <a:pPr marL="0" marR="0" lvl="0" indent="0" algn="l" rtl="0">
+            <a:pPr marL="0" marR="0" lvl="0" indent="0" algn="ctr" rtl="0">
               <a:lnSpc>
                 <a:spcPct val="100000"/>
               </a:lnSpc>
@@ -19488,7 +18994,45 @@
               </a:spcAft>
               <a:buNone/>
             </a:pPr>
-            <a:endParaRPr sz="1200" dirty="0">
+            <a:r>
+              <a:rPr lang="es-ES" sz="1600" dirty="0">
+                <a:solidFill>
+                  <a:schemeClr val="lt1"/>
+                </a:solidFill>
+                <a:latin typeface="Catamaran"/>
+                <a:ea typeface="Catamaran"/>
+                <a:cs typeface="Catamaran"/>
+                <a:sym typeface="Catamaran"/>
+              </a:rPr>
+              <a:t>Julio</a:t>
+            </a:r>
+          </a:p>
+          <a:p>
+            <a:pPr marL="0" marR="0" lvl="0" indent="0" algn="ctr" rtl="0">
+              <a:lnSpc>
+                <a:spcPct val="100000"/>
+              </a:lnSpc>
+              <a:spcBef>
+                <a:spcPts val="0"/>
+              </a:spcBef>
+              <a:spcAft>
+                <a:spcPts val="0"/>
+              </a:spcAft>
+              <a:buNone/>
+            </a:pPr>
+            <a:r>
+              <a:rPr lang="es-ES" sz="1600" dirty="0">
+                <a:solidFill>
+                  <a:schemeClr val="lt1"/>
+                </a:solidFill>
+                <a:latin typeface="Catamaran"/>
+                <a:ea typeface="Catamaran"/>
+                <a:cs typeface="Catamaran"/>
+                <a:sym typeface="Catamaran"/>
+              </a:rPr>
+              <a:t>2021</a:t>
+            </a:r>
+            <a:endParaRPr sz="1600" dirty="0">
               <a:solidFill>
                 <a:schemeClr val="lt1"/>
               </a:solidFill>
@@ -19540,12 +19084,12 @@
           </a:effectLst>
         </p:spPr>
         <p:txBody>
-          <a:bodyPr spcFirstLastPara="1" wrap="square" lIns="274300" tIns="0" rIns="0" bIns="0" anchor="ctr" anchorCtr="0">
+          <a:bodyPr spcFirstLastPara="1" wrap="square" lIns="0" tIns="0" rIns="0" bIns="0" anchor="ctr" anchorCtr="0">
             <a:noAutofit/>
           </a:bodyPr>
           <a:lstStyle/>
           <a:p>
-            <a:pPr marL="0" marR="0" lvl="0" indent="0" algn="l" rtl="0">
+            <a:pPr marL="0" marR="0" lvl="0" indent="0" algn="ctr" rtl="0">
               <a:lnSpc>
                 <a:spcPct val="100000"/>
               </a:lnSpc>
@@ -19557,7 +19101,45 @@
               </a:spcAft>
               <a:buNone/>
             </a:pPr>
-            <a:endParaRPr sz="1200" dirty="0">
+            <a:r>
+              <a:rPr lang="es-ES" sz="1600" dirty="0">
+                <a:solidFill>
+                  <a:schemeClr val="lt1"/>
+                </a:solidFill>
+                <a:latin typeface="Catamaran"/>
+                <a:ea typeface="Catamaran"/>
+                <a:cs typeface="Catamaran"/>
+                <a:sym typeface="Catamaran"/>
+              </a:rPr>
+              <a:t>Junio</a:t>
+            </a:r>
+          </a:p>
+          <a:p>
+            <a:pPr marL="0" marR="0" lvl="0" indent="0" algn="ctr" rtl="0">
+              <a:lnSpc>
+                <a:spcPct val="100000"/>
+              </a:lnSpc>
+              <a:spcBef>
+                <a:spcPts val="0"/>
+              </a:spcBef>
+              <a:spcAft>
+                <a:spcPts val="0"/>
+              </a:spcAft>
+              <a:buNone/>
+            </a:pPr>
+            <a:r>
+              <a:rPr lang="es-ES" sz="1600" dirty="0">
+                <a:solidFill>
+                  <a:schemeClr val="lt1"/>
+                </a:solidFill>
+                <a:latin typeface="Catamaran"/>
+                <a:ea typeface="Catamaran"/>
+                <a:cs typeface="Catamaran"/>
+                <a:sym typeface="Catamaran"/>
+              </a:rPr>
+              <a:t>2021</a:t>
+            </a:r>
+            <a:endParaRPr sz="1600" dirty="0">
               <a:solidFill>
                 <a:schemeClr val="lt1"/>
               </a:solidFill>
@@ -19609,12 +19191,12 @@
           </a:effectLst>
         </p:spPr>
         <p:txBody>
-          <a:bodyPr spcFirstLastPara="1" wrap="square" lIns="274300" tIns="0" rIns="0" bIns="0" anchor="ctr" anchorCtr="0">
+          <a:bodyPr spcFirstLastPara="1" wrap="square" lIns="0" tIns="0" rIns="0" bIns="0" anchor="ctr" anchorCtr="0">
             <a:noAutofit/>
           </a:bodyPr>
           <a:lstStyle/>
           <a:p>
-            <a:pPr marL="0" marR="0" lvl="0" indent="0" algn="l" rtl="0">
+            <a:pPr marL="0" marR="0" lvl="0" indent="0" algn="ctr" rtl="0">
               <a:lnSpc>
                 <a:spcPct val="100000"/>
               </a:lnSpc>
@@ -19626,7 +19208,45 @@
               </a:spcAft>
               <a:buNone/>
             </a:pPr>
-            <a:endParaRPr sz="1200" dirty="0">
+            <a:r>
+              <a:rPr lang="es-ES" sz="1600" dirty="0">
+                <a:solidFill>
+                  <a:schemeClr val="lt1"/>
+                </a:solidFill>
+                <a:latin typeface="Catamaran"/>
+                <a:ea typeface="Catamaran"/>
+                <a:cs typeface="Catamaran"/>
+                <a:sym typeface="Catamaran"/>
+              </a:rPr>
+              <a:t>Mayo</a:t>
+            </a:r>
+          </a:p>
+          <a:p>
+            <a:pPr marL="0" marR="0" lvl="0" indent="0" algn="ctr" rtl="0">
+              <a:lnSpc>
+                <a:spcPct val="100000"/>
+              </a:lnSpc>
+              <a:spcBef>
+                <a:spcPts val="0"/>
+              </a:spcBef>
+              <a:spcAft>
+                <a:spcPts val="0"/>
+              </a:spcAft>
+              <a:buNone/>
+            </a:pPr>
+            <a:r>
+              <a:rPr lang="es-ES" sz="1600" dirty="0">
+                <a:solidFill>
+                  <a:schemeClr val="lt1"/>
+                </a:solidFill>
+                <a:latin typeface="Catamaran"/>
+                <a:ea typeface="Catamaran"/>
+                <a:cs typeface="Catamaran"/>
+                <a:sym typeface="Catamaran"/>
+              </a:rPr>
+              <a:t>2021</a:t>
+            </a:r>
+            <a:endParaRPr sz="1600" dirty="0">
               <a:solidFill>
                 <a:schemeClr val="lt1"/>
               </a:solidFill>
@@ -19678,12 +19298,12 @@
           </a:effectLst>
         </p:spPr>
         <p:txBody>
-          <a:bodyPr spcFirstLastPara="1" wrap="square" lIns="274300" tIns="0" rIns="0" bIns="0" anchor="ctr" anchorCtr="0">
+          <a:bodyPr spcFirstLastPara="1" wrap="square" lIns="0" tIns="0" rIns="0" bIns="0" anchor="ctr" anchorCtr="0">
             <a:noAutofit/>
           </a:bodyPr>
           <a:lstStyle/>
           <a:p>
-            <a:pPr marL="0" marR="0" lvl="0" indent="0" algn="l" rtl="0">
+            <a:pPr marL="0" marR="0" lvl="0" indent="0" algn="ctr" rtl="0">
               <a:lnSpc>
                 <a:spcPct val="100000"/>
               </a:lnSpc>
@@ -19695,7 +19315,45 @@
               </a:spcAft>
               <a:buNone/>
             </a:pPr>
-            <a:endParaRPr sz="1200" dirty="0">
+            <a:r>
+              <a:rPr lang="es-ES" sz="1600" dirty="0">
+                <a:solidFill>
+                  <a:schemeClr val="lt1"/>
+                </a:solidFill>
+                <a:latin typeface="Catamaran"/>
+                <a:ea typeface="Catamaran"/>
+                <a:cs typeface="Catamaran"/>
+                <a:sym typeface="Catamaran"/>
+              </a:rPr>
+              <a:t>Abril</a:t>
+            </a:r>
+          </a:p>
+          <a:p>
+            <a:pPr marL="0" marR="0" lvl="0" indent="0" algn="ctr" rtl="0">
+              <a:lnSpc>
+                <a:spcPct val="100000"/>
+              </a:lnSpc>
+              <a:spcBef>
+                <a:spcPts val="0"/>
+              </a:spcBef>
+              <a:spcAft>
+                <a:spcPts val="0"/>
+              </a:spcAft>
+              <a:buNone/>
+            </a:pPr>
+            <a:r>
+              <a:rPr lang="es-ES" sz="1600" dirty="0">
+                <a:solidFill>
+                  <a:schemeClr val="lt1"/>
+                </a:solidFill>
+                <a:latin typeface="Catamaran"/>
+                <a:ea typeface="Catamaran"/>
+                <a:cs typeface="Catamaran"/>
+                <a:sym typeface="Catamaran"/>
+              </a:rPr>
+              <a:t>2021</a:t>
+            </a:r>
+            <a:endParaRPr sz="1600" dirty="0">
               <a:solidFill>
                 <a:schemeClr val="lt1"/>
               </a:solidFill>
@@ -19747,24 +19405,40 @@
           </a:effectLst>
         </p:spPr>
         <p:txBody>
-          <a:bodyPr spcFirstLastPara="1" wrap="square" lIns="274300" tIns="0" rIns="0" bIns="0" anchor="ctr" anchorCtr="0">
+          <a:bodyPr spcFirstLastPara="1" wrap="square" lIns="0" tIns="0" rIns="0" bIns="0" anchor="ctr" anchorCtr="0">
             <a:noAutofit/>
           </a:bodyPr>
           <a:lstStyle/>
           <a:p>
-            <a:pPr marL="0" marR="0" lvl="0" indent="0" algn="l" rtl="0">
-              <a:lnSpc>
-                <a:spcPct val="100000"/>
-              </a:lnSpc>
-              <a:spcBef>
-                <a:spcPts val="0"/>
-              </a:spcBef>
-              <a:spcAft>
-                <a:spcPts val="0"/>
-              </a:spcAft>
-              <a:buNone/>
-            </a:pPr>
-            <a:endParaRPr sz="1200" dirty="0">
+            <a:pPr algn="ctr"/>
+            <a:r>
+              <a:rPr lang="es-ES" sz="1600" dirty="0">
+                <a:solidFill>
+                  <a:schemeClr val="lt1"/>
+                </a:solidFill>
+                <a:latin typeface="Catamaran"/>
+                <a:ea typeface="Catamaran"/>
+                <a:cs typeface="Catamaran"/>
+                <a:sym typeface="Catamaran"/>
+              </a:rPr>
+              <a:t>Marzo</a:t>
+            </a:r>
+          </a:p>
+          <a:p>
+            <a:pPr algn="ctr"/>
+            <a:r>
+              <a:rPr lang="es-ES" sz="1600" dirty="0">
+                <a:solidFill>
+                  <a:schemeClr val="lt1"/>
+                </a:solidFill>
+                <a:latin typeface="Catamaran"/>
+                <a:ea typeface="Catamaran"/>
+                <a:cs typeface="Catamaran"/>
+                <a:sym typeface="Catamaran"/>
+              </a:rPr>
+              <a:t>2021</a:t>
+            </a:r>
+            <a:endParaRPr sz="1600" dirty="0">
               <a:solidFill>
                 <a:schemeClr val="lt1"/>
               </a:solidFill>
@@ -20202,73 +19876,6 @@
           </a:p>
         </p:txBody>
       </p:sp>
-      <p:sp>
-        <p:nvSpPr>
-          <p:cNvPr id="47" name="Google Shape;560;p38">
-            <a:extLst>
-              <a:ext uri="{FF2B5EF4-FFF2-40B4-BE49-F238E27FC236}">
-                <a16:creationId xmlns:a16="http://schemas.microsoft.com/office/drawing/2014/main" id="{6AA69242-A17D-4BFA-8CDF-FC87F6D77628}"/>
-              </a:ext>
-            </a:extLst>
-          </p:cNvPr>
-          <p:cNvSpPr txBox="1"/>
-          <p:nvPr/>
-        </p:nvSpPr>
-        <p:spPr>
-          <a:xfrm>
-            <a:off x="2185822" y="3111291"/>
-            <a:ext cx="4714367" cy="533400"/>
-          </a:xfrm>
-          <a:prstGeom prst="rect">
-            <a:avLst/>
-          </a:prstGeom>
-          <a:noFill/>
-          <a:ln>
-            <a:noFill/>
-          </a:ln>
-        </p:spPr>
-        <p:txBody>
-          <a:bodyPr spcFirstLastPara="1" wrap="square" lIns="0" tIns="0" rIns="0" bIns="0" anchor="b" anchorCtr="0">
-            <a:noAutofit/>
-          </a:bodyPr>
-          <a:lstStyle/>
-          <a:p>
-            <a:pPr marL="0" marR="0" lvl="0" indent="0" algn="ctr" rtl="0">
-              <a:lnSpc>
-                <a:spcPct val="100000"/>
-              </a:lnSpc>
-              <a:spcBef>
-                <a:spcPts val="0"/>
-              </a:spcBef>
-              <a:spcAft>
-                <a:spcPts val="0"/>
-              </a:spcAft>
-              <a:buNone/>
-            </a:pPr>
-            <a:r>
-              <a:rPr lang="en" sz="3600" spc="600" dirty="0">
-                <a:solidFill>
-                  <a:schemeClr val="bg1"/>
-                </a:solidFill>
-                <a:latin typeface="Catamaran"/>
-                <a:ea typeface="Catamaran"/>
-                <a:cs typeface="Catamaran"/>
-                <a:sym typeface="Catamaran"/>
-              </a:rPr>
-              <a:t>PROGRAMACIÓN</a:t>
-            </a:r>
-            <a:endParaRPr sz="3600" spc="600" dirty="0">
-              <a:solidFill>
-                <a:schemeClr val="bg1"/>
-              </a:solidFill>
-              <a:latin typeface="Catamaran"/>
-              <a:ea typeface="Catamaran"/>
-              <a:cs typeface="Catamaran"/>
-              <a:sym typeface="Catamaran"/>
-            </a:endParaRPr>
-          </a:p>
-        </p:txBody>
-      </p:sp>
     </p:spTree>
     <p:extLst>
       <p:ext uri="{BB962C8B-B14F-4D97-AF65-F5344CB8AC3E}">
@@ -20282,7 +19889,7 @@
 </p:sld>
 </file>
 
-<file path=ppt/slides/slide24.xml><?xml version="1.0" encoding="utf-8"?>
+<file path=ppt/slides/slide23.xml><?xml version="1.0" encoding="utf-8"?>
 <p:sld xmlns:a="http://schemas.openxmlformats.org/drawingml/2006/main" xmlns:r="http://schemas.openxmlformats.org/officeDocument/2006/relationships" xmlns:p="http://schemas.openxmlformats.org/presentationml/2006/main">
   <p:cSld>
     <p:spTree>
@@ -20415,7 +20022,7 @@
 </p:sld>
 </file>
 
-<file path=ppt/slides/slide25.xml><?xml version="1.0" encoding="utf-8"?>
+<file path=ppt/slides/slide24.xml><?xml version="1.0" encoding="utf-8"?>
 <p:sld xmlns:a="http://schemas.openxmlformats.org/drawingml/2006/main" xmlns:r="http://schemas.openxmlformats.org/officeDocument/2006/relationships" xmlns:p="http://schemas.openxmlformats.org/presentationml/2006/main">
   <p:cSld>
     <p:bg>
@@ -20480,7 +20087,7 @@
                   <a:schemeClr val="lt1"/>
                 </a:solidFill>
               </a:rPr>
-              <a:t>25</a:t>
+              <a:t>24</a:t>
             </a:fld>
             <a:endParaRPr>
               <a:solidFill>
@@ -20869,7 +20476,7 @@
 </p:sld>
 </file>
 
-<file path=ppt/slides/slide26.xml><?xml version="1.0" encoding="utf-8"?>
+<file path=ppt/slides/slide25.xml><?xml version="1.0" encoding="utf-8"?>
 <p:sld xmlns:a="http://schemas.openxmlformats.org/drawingml/2006/main" xmlns:r="http://schemas.openxmlformats.org/officeDocument/2006/relationships" xmlns:p="http://schemas.openxmlformats.org/presentationml/2006/main">
   <p:cSld>
     <p:spTree>
@@ -21009,7 +20616,7 @@
 </p:sld>
 </file>
 
-<file path=ppt/slides/slide27.xml><?xml version="1.0" encoding="utf-8"?>
+<file path=ppt/slides/slide26.xml><?xml version="1.0" encoding="utf-8"?>
 <p:sld xmlns:a="http://schemas.openxmlformats.org/drawingml/2006/main" xmlns:r="http://schemas.openxmlformats.org/officeDocument/2006/relationships" xmlns:p="http://schemas.openxmlformats.org/presentationml/2006/main">
   <p:cSld>
     <p:spTree>
@@ -21082,7 +20689,7 @@
           <a:p>
             <a:pPr>
               <a:lnSpc>
-                <a:spcPct val="150000"/>
+                <a:spcPct val="200000"/>
               </a:lnSpc>
             </a:pPr>
             <a:r>
@@ -21097,7 +20704,7 @@
           <a:p>
             <a:pPr>
               <a:lnSpc>
-                <a:spcPct val="150000"/>
+                <a:spcPct val="200000"/>
               </a:lnSpc>
             </a:pPr>
             <a:r>
@@ -21109,53 +20716,23 @@
           <a:p>
             <a:pPr>
               <a:lnSpc>
-                <a:spcPct val="150000"/>
+                <a:spcPct val="200000"/>
               </a:lnSpc>
             </a:pPr>
             <a:r>
               <a:rPr lang="es-ES" sz="2200" dirty="0"/>
-              <a:t>Conocimientos</a:t>
-            </a:r>
-          </a:p>
-          <a:p>
-            <a:pPr lvl="1">
-              <a:lnSpc>
-                <a:spcPct val="100000"/>
-              </a:lnSpc>
-            </a:pPr>
-            <a:r>
-              <a:rPr lang="es-ES" sz="2200" dirty="0"/>
-              <a:t>Previos: metodología, sistemas en red, modelado</a:t>
-            </a:r>
-          </a:p>
-          <a:p>
-            <a:pPr lvl="1">
-              <a:lnSpc>
-                <a:spcPct val="150000"/>
-              </a:lnSpc>
-            </a:pPr>
-            <a:r>
-              <a:rPr lang="es-ES" sz="2200" dirty="0"/>
-              <a:t>Nuevos</a:t>
-            </a:r>
-            <a:r>
-              <a:rPr lang="es-ES" sz="2200"/>
-              <a:t>: .NET, </a:t>
-            </a:r>
-            <a:r>
-              <a:rPr lang="es-ES" sz="2200" dirty="0"/>
-              <a:t>YARP</a:t>
+              <a:t>Experiencia personal</a:t>
             </a:r>
           </a:p>
           <a:p>
             <a:pPr>
               <a:lnSpc>
-                <a:spcPct val="150000"/>
+                <a:spcPct val="200000"/>
               </a:lnSpc>
             </a:pPr>
             <a:r>
               <a:rPr lang="es-ES" sz="2200" dirty="0"/>
-              <a:t>Experiencia personal y profesional</a:t>
+              <a:t>Experiencia profesional</a:t>
             </a:r>
           </a:p>
         </p:txBody>
@@ -21198,7 +20775,7 @@
             </a:pPr>
             <a:fld id="{00000000-1234-1234-1234-123412341234}" type="slidenum">
               <a:rPr lang="en"/>
-              <a:t>27</a:t>
+              <a:t>26</a:t>
             </a:fld>
             <a:endParaRPr dirty="0"/>
           </a:p>
@@ -21217,7 +20794,7 @@
 </p:sld>
 </file>
 
-<file path=ppt/slides/slide28.xml><?xml version="1.0" encoding="utf-8"?>
+<file path=ppt/slides/slide27.xml><?xml version="1.0" encoding="utf-8"?>
 <p:sld xmlns:a="http://schemas.openxmlformats.org/drawingml/2006/main" xmlns:r="http://schemas.openxmlformats.org/officeDocument/2006/relationships" xmlns:p="http://schemas.openxmlformats.org/presentationml/2006/main">
   <p:cSld>
     <p:spTree>
@@ -21290,24 +20867,24 @@
             </a:pPr>
             <a:r>
               <a:rPr lang="es-ES" dirty="0"/>
-              <a:t>Aplicación en desarrollo</a:t>
+              <a:t>ERP en desarrollo</a:t>
+            </a:r>
+          </a:p>
+          <a:p>
+            <a:pPr lvl="1">
+              <a:lnSpc>
+                <a:spcPct val="100000"/>
+              </a:lnSpc>
+            </a:pPr>
+            <a:r>
+              <a:rPr lang="es-ES" dirty="0"/>
+              <a:t>Nuevas necesidades</a:t>
             </a:r>
           </a:p>
           <a:p>
             <a:pPr>
               <a:lnSpc>
-                <a:spcPct val="150000"/>
-              </a:lnSpc>
-            </a:pPr>
-            <a:r>
-              <a:rPr lang="es-ES" dirty="0"/>
-              <a:t>Nuevas características</a:t>
-            </a:r>
-          </a:p>
-          <a:p>
-            <a:pPr>
-              <a:lnSpc>
-                <a:spcPct val="250000"/>
+                <a:spcPct val="200000"/>
               </a:lnSpc>
             </a:pPr>
             <a:r>
@@ -21377,7 +20954,7 @@
             </a:pPr>
             <a:fld id="{00000000-1234-1234-1234-123412341234}" type="slidenum">
               <a:rPr lang="en"/>
-              <a:t>28</a:t>
+              <a:t>27</a:t>
             </a:fld>
             <a:endParaRPr dirty="0"/>
           </a:p>
@@ -21396,7 +20973,7 @@
 </p:sld>
 </file>
 
-<file path=ppt/slides/slide29.xml><?xml version="1.0" encoding="utf-8"?>
+<file path=ppt/slides/slide28.xml><?xml version="1.0" encoding="utf-8"?>
 <p:sld xmlns:a="http://schemas.openxmlformats.org/drawingml/2006/main" xmlns:r="http://schemas.openxmlformats.org/officeDocument/2006/relationships" xmlns:p="http://schemas.openxmlformats.org/presentationml/2006/main">
   <p:cSld>
     <p:spTree>
@@ -22632,11 +22209,11 @@
             </a:r>
             <a:r>
               <a:rPr lang="es-ES" b="0" i="1" dirty="0"/>
-              <a:t>Proxy</a:t>
+              <a:t>Proxy </a:t>
             </a:r>
             <a:r>
               <a:rPr lang="es-ES" b="0" dirty="0"/>
-              <a:t> vs </a:t>
+              <a:t>vs </a:t>
             </a:r>
             <a:r>
               <a:rPr lang="es-ES" b="0" i="1" dirty="0"/>
@@ -23074,14 +22651,14 @@
             </a:r>
           </a:p>
           <a:p>
-            <a:pPr>
+            <a:pPr lvl="1">
               <a:lnSpc>
-                <a:spcPct val="200000"/>
+                <a:spcPct val="100000"/>
               </a:lnSpc>
             </a:pPr>
             <a:r>
               <a:rPr lang="es-ES" dirty="0"/>
-              <a:t>Microservicio orquestador de despliegue</a:t>
+              <a:t>Generación automática de código</a:t>
             </a:r>
           </a:p>
           <a:p>
@@ -23092,7 +22669,7 @@
             </a:pPr>
             <a:r>
               <a:rPr lang="es-ES" dirty="0"/>
-              <a:t>Tecnología de interés</a:t>
+              <a:t>Microservicio orquestador de despliegue</a:t>
             </a:r>
           </a:p>
         </p:txBody>
@@ -23256,12 +22833,8 @@
               </a:lnSpc>
             </a:pPr>
             <a:r>
-              <a:rPr lang="es-ES" dirty="0" err="1"/>
-              <a:t>Multiinstanciar</a:t>
-            </a:r>
-            <a:r>
               <a:rPr lang="es-ES" dirty="0"/>
-              <a:t> microservicios</a:t>
+              <a:t>Multiinstanciar microservicios</a:t>
             </a:r>
           </a:p>
           <a:p>
